--- a/Presentation/TSQL_Windowing.pptx
+++ b/Presentation/TSQL_Windowing.pptx
@@ -5,38 +5,42 @@
     <p:sldMasterId id="2147483648" r:id="rId1"/>
   </p:sldMasterIdLst>
   <p:notesMasterIdLst>
-    <p:notesMasterId r:id="rId31"/>
+    <p:notesMasterId r:id="rId35"/>
   </p:notesMasterIdLst>
   <p:sldIdLst>
     <p:sldId id="256" r:id="rId2"/>
     <p:sldId id="257" r:id="rId3"/>
     <p:sldId id="258" r:id="rId4"/>
-    <p:sldId id="259" r:id="rId5"/>
-    <p:sldId id="282" r:id="rId6"/>
-    <p:sldId id="281" r:id="rId7"/>
-    <p:sldId id="283" r:id="rId8"/>
-    <p:sldId id="264" r:id="rId9"/>
-    <p:sldId id="265" r:id="rId10"/>
-    <p:sldId id="266" r:id="rId11"/>
-    <p:sldId id="267" r:id="rId12"/>
-    <p:sldId id="268" r:id="rId13"/>
-    <p:sldId id="269" r:id="rId14"/>
-    <p:sldId id="270" r:id="rId15"/>
-    <p:sldId id="271" r:id="rId16"/>
-    <p:sldId id="272" r:id="rId17"/>
-    <p:sldId id="273" r:id="rId18"/>
-    <p:sldId id="274" r:id="rId19"/>
-    <p:sldId id="275" r:id="rId20"/>
-    <p:sldId id="278" r:id="rId21"/>
-    <p:sldId id="285" r:id="rId22"/>
+    <p:sldId id="288" r:id="rId5"/>
+    <p:sldId id="283" r:id="rId6"/>
+    <p:sldId id="264" r:id="rId7"/>
+    <p:sldId id="265" r:id="rId8"/>
+    <p:sldId id="266" r:id="rId9"/>
+    <p:sldId id="267" r:id="rId10"/>
+    <p:sldId id="268" r:id="rId11"/>
+    <p:sldId id="269" r:id="rId12"/>
+    <p:sldId id="270" r:id="rId13"/>
+    <p:sldId id="271" r:id="rId14"/>
+    <p:sldId id="272" r:id="rId15"/>
+    <p:sldId id="273" r:id="rId16"/>
+    <p:sldId id="274" r:id="rId17"/>
+    <p:sldId id="275" r:id="rId18"/>
+    <p:sldId id="289" r:id="rId19"/>
+    <p:sldId id="278" r:id="rId20"/>
+    <p:sldId id="285" r:id="rId21"/>
+    <p:sldId id="290" r:id="rId22"/>
     <p:sldId id="286" r:id="rId23"/>
-    <p:sldId id="277" r:id="rId24"/>
-    <p:sldId id="279" r:id="rId25"/>
-    <p:sldId id="284" r:id="rId26"/>
-    <p:sldId id="287" r:id="rId27"/>
-    <p:sldId id="260" r:id="rId28"/>
-    <p:sldId id="261" r:id="rId29"/>
-    <p:sldId id="262" r:id="rId30"/>
+    <p:sldId id="284" r:id="rId24"/>
+    <p:sldId id="291" r:id="rId25"/>
+    <p:sldId id="277" r:id="rId26"/>
+    <p:sldId id="293" r:id="rId27"/>
+    <p:sldId id="292" r:id="rId28"/>
+    <p:sldId id="279" r:id="rId29"/>
+    <p:sldId id="294" r:id="rId30"/>
+    <p:sldId id="287" r:id="rId31"/>
+    <p:sldId id="260" r:id="rId32"/>
+    <p:sldId id="261" r:id="rId33"/>
+    <p:sldId id="262" r:id="rId34"/>
   </p:sldIdLst>
   <p:sldSz cx="9144000" cy="6858000" type="screen4x3"/>
   <p:notesSz cx="6858000" cy="9144000"/>
@@ -135,6 +139,22 @@
       </a:defRPr>
     </a:lvl9pPr>
   </p:defaultTextStyle>
+  <p:extLst>
+    <p:ext uri="{EFAFB233-063F-42B5-8137-9DF3F51BA10A}">
+      <p15:sldGuideLst xmlns:p15="http://schemas.microsoft.com/office/powerpoint/2012/main">
+        <p15:guide id="1" orient="horz" pos="2160">
+          <p15:clr>
+            <a:srgbClr val="A4A3A4"/>
+          </p15:clr>
+        </p15:guide>
+        <p15:guide id="2" pos="2880">
+          <p15:clr>
+            <a:srgbClr val="A4A3A4"/>
+          </p15:clr>
+        </p15:guide>
+      </p15:sldGuideLst>
+    </p:ext>
+  </p:extLst>
 </p:presentation>
 </file>
 
@@ -220,7 +240,7 @@
           <a:p>
             <a:fld id="{F2F907C9-8666-45EC-BDB3-62480554DCC1}" type="datetimeFigureOut">
               <a:rPr lang="en-US" smtClean="0"/>
-              <a:t>10/3/2014</a:t>
+              <a:t>8/5/2015</a:t>
             </a:fld>
             <a:endParaRPr lang="en-US"/>
           </a:p>
@@ -517,8 +537,8 @@
         </p:nvSpPr>
         <p:spPr>
           <a:xfrm>
-            <a:off x="1143000" y="685800"/>
-            <a:ext cx="4572000" cy="3429000"/>
+            <a:off x="1371600" y="1143000"/>
+            <a:ext cx="4114800" cy="3086100"/>
           </a:xfrm>
         </p:spPr>
       </p:sp>
@@ -576,7 +596,7 @@
     </p:spTree>
     <p:extLst>
       <p:ext uri="{BB962C8B-B14F-4D97-AF65-F5344CB8AC3E}">
-        <p14:creationId xmlns:p14="http://schemas.microsoft.com/office/powerpoint/2010/main" val="2301948796"/>
+        <p14:creationId xmlns:p14="http://schemas.microsoft.com/office/powerpoint/2010/main" val="1981509510"/>
       </p:ext>
     </p:extLst>
   </p:cSld>
@@ -768,7 +788,7 @@
             <a:fld id="{1D8BD707-D9CF-40AE-B4C6-C98DA3205C09}" type="datetimeFigureOut">
               <a:rPr lang="en-US" smtClean="0"/>
               <a:pPr/>
-              <a:t>10/3/2014</a:t>
+              <a:t>8/5/2015</a:t>
             </a:fld>
             <a:endParaRPr lang="en-US"/>
           </a:p>
@@ -935,7 +955,7 @@
             <a:fld id="{1D8BD707-D9CF-40AE-B4C6-C98DA3205C09}" type="datetimeFigureOut">
               <a:rPr lang="en-US" smtClean="0"/>
               <a:pPr/>
-              <a:t>10/3/2014</a:t>
+              <a:t>8/5/2015</a:t>
             </a:fld>
             <a:endParaRPr lang="en-US"/>
           </a:p>
@@ -1112,7 +1132,7 @@
             <a:fld id="{1D8BD707-D9CF-40AE-B4C6-C98DA3205C09}" type="datetimeFigureOut">
               <a:rPr lang="en-US" smtClean="0"/>
               <a:pPr/>
-              <a:t>10/3/2014</a:t>
+              <a:t>8/5/2015</a:t>
             </a:fld>
             <a:endParaRPr lang="en-US"/>
           </a:p>
@@ -1166,6 +1186,181 @@
   <p:clrMapOvr>
     <a:masterClrMapping/>
   </p:clrMapOvr>
+</p:sldLayout>
+</file>
+
+<file path=ppt/slideLayouts/slideLayout12.xml><?xml version="1.0" encoding="utf-8"?>
+<p:sldLayout xmlns:a="http://schemas.openxmlformats.org/drawingml/2006/main" xmlns:r="http://schemas.openxmlformats.org/officeDocument/2006/relationships" xmlns:p="http://schemas.openxmlformats.org/presentationml/2006/main" type="tx">
+  <p:cSld name="Title and Text">
+    <p:spTree>
+      <p:nvGrpSpPr>
+        <p:cNvPr id="1" name=""/>
+        <p:cNvGrpSpPr/>
+        <p:nvPr/>
+      </p:nvGrpSpPr>
+      <p:grpSpPr>
+        <a:xfrm>
+          <a:off x="0" y="0"/>
+          <a:ext cx="0" cy="0"/>
+          <a:chOff x="0" y="0"/>
+          <a:chExt cx="0" cy="0"/>
+        </a:xfrm>
+      </p:grpSpPr>
+      <p:sp>
+        <p:nvSpPr>
+          <p:cNvPr id="2" name="Title 1"/>
+          <p:cNvSpPr>
+            <a:spLocks noGrp="1"/>
+          </p:cNvSpPr>
+          <p:nvPr>
+            <p:ph type="title"/>
+          </p:nvPr>
+        </p:nvSpPr>
+        <p:spPr>
+          <a:noFill/>
+        </p:spPr>
+        <p:txBody>
+          <a:bodyPr rtlCol="0"/>
+          <a:lstStyle>
+            <a:lvl1pPr marL="0" indent="0" algn="ctr" defTabSz="-13873163" rtl="0" eaLnBrk="1" fontAlgn="base" hangingPunct="1">
+              <a:spcBef>
+                <a:spcPct val="0"/>
+              </a:spcBef>
+              <a:spcAft>
+                <a:spcPct val="0"/>
+              </a:spcAft>
+              <a:defRPr lang="en-US" sz="2800" b="1" dirty="0">
+                <a:solidFill>
+                  <a:schemeClr val="tx2"/>
+                </a:solidFill>
+                <a:latin typeface="+mj-lt"/>
+                <a:ea typeface="+mj-ea"/>
+                <a:cs typeface="Segoe UI" pitchFamily="34" charset="0"/>
+              </a:defRPr>
+            </a:lvl1pPr>
+          </a:lstStyle>
+          <a:p>
+            <a:r>
+              <a:rPr lang="en-US" smtClean="0"/>
+              <a:t>Click to edit Master title style</a:t>
+            </a:r>
+            <a:endParaRPr lang="en-US" dirty="0"/>
+          </a:p>
+        </p:txBody>
+      </p:sp>
+      <p:sp>
+        <p:nvSpPr>
+          <p:cNvPr id="3" name="Text Placeholder 2"/>
+          <p:cNvSpPr>
+            <a:spLocks noGrp="1"/>
+          </p:cNvSpPr>
+          <p:nvPr>
+            <p:ph type="body" idx="1"/>
+          </p:nvPr>
+        </p:nvSpPr>
+        <p:spPr/>
+        <p:txBody>
+          <a:bodyPr rtlCol="0"/>
+          <a:lstStyle>
+            <a:lvl1pPr>
+              <a:buClrTx/>
+              <a:buFont typeface="Wingdings" pitchFamily="2" charset="2"/>
+              <a:buChar char="§"/>
+              <a:defRPr sz="2000" b="1">
+                <a:latin typeface="Calibri" pitchFamily="34" charset="0"/>
+              </a:defRPr>
+            </a:lvl1pPr>
+            <a:lvl2pPr>
+              <a:buClrTx/>
+              <a:buFont typeface="Wingdings" pitchFamily="2" charset="2"/>
+              <a:buChar char="o"/>
+              <a:defRPr sz="1800" b="0">
+                <a:latin typeface="Calibri Light" pitchFamily="34" charset="0"/>
+              </a:defRPr>
+            </a:lvl2pPr>
+            <a:lvl3pPr>
+              <a:buClrTx/>
+              <a:buFont typeface="Wingdings" pitchFamily="2" charset="2"/>
+              <a:buChar char="o"/>
+              <a:defRPr sz="1600" b="0">
+                <a:latin typeface="Calibri Light" pitchFamily="34" charset="0"/>
+              </a:defRPr>
+            </a:lvl3pPr>
+            <a:lvl4pPr>
+              <a:buClrTx/>
+              <a:buFont typeface="Wingdings" pitchFamily="2" charset="2"/>
+              <a:buChar char="o"/>
+              <a:defRPr sz="1400" b="0">
+                <a:latin typeface="Calibri Light" pitchFamily="34" charset="0"/>
+              </a:defRPr>
+            </a:lvl4pPr>
+            <a:lvl5pPr>
+              <a:buClrTx/>
+              <a:buFont typeface="Wingdings" pitchFamily="2" charset="2"/>
+              <a:buChar char="o"/>
+              <a:defRPr sz="1200" b="0">
+                <a:latin typeface="Calibri Light" pitchFamily="34" charset="0"/>
+              </a:defRPr>
+            </a:lvl5pPr>
+          </a:lstStyle>
+          <a:p>
+            <a:pPr lvl="0"/>
+            <a:r>
+              <a:rPr lang="en-US" smtClean="0"/>
+              <a:t>Click to edit Master text styles</a:t>
+            </a:r>
+          </a:p>
+          <a:p>
+            <a:pPr lvl="1"/>
+            <a:r>
+              <a:rPr lang="en-US" smtClean="0"/>
+              <a:t>Second level</a:t>
+            </a:r>
+          </a:p>
+          <a:p>
+            <a:pPr lvl="2"/>
+            <a:r>
+              <a:rPr lang="en-US" smtClean="0"/>
+              <a:t>Third level</a:t>
+            </a:r>
+          </a:p>
+          <a:p>
+            <a:pPr lvl="3"/>
+            <a:r>
+              <a:rPr lang="en-US" smtClean="0"/>
+              <a:t>Fourth level</a:t>
+            </a:r>
+          </a:p>
+          <a:p>
+            <a:pPr lvl="4"/>
+            <a:r>
+              <a:rPr lang="en-US" smtClean="0"/>
+              <a:t>Fifth level</a:t>
+            </a:r>
+            <a:endParaRPr lang="en-US" dirty="0"/>
+          </a:p>
+        </p:txBody>
+      </p:sp>
+    </p:spTree>
+    <p:extLst>
+      <p:ext uri="{BB962C8B-B14F-4D97-AF65-F5344CB8AC3E}">
+        <p14:creationId xmlns:p14="http://schemas.microsoft.com/office/powerpoint/2010/main" val="540715765"/>
+      </p:ext>
+    </p:extLst>
+  </p:cSld>
+  <p:clrMapOvr>
+    <a:masterClrMapping/>
+  </p:clrMapOvr>
+  <p:transition>
+    <p:fade/>
+  </p:transition>
+  <p:timing>
+    <p:tnLst>
+      <p:par>
+        <p:cTn id="1" dur="indefinite" restart="never" nodeType="tmRoot"/>
+      </p:par>
+    </p:tnLst>
+  </p:timing>
 </p:sldLayout>
 </file>
 
@@ -1279,7 +1474,7 @@
             <a:fld id="{1D8BD707-D9CF-40AE-B4C6-C98DA3205C09}" type="datetimeFigureOut">
               <a:rPr lang="en-US" smtClean="0"/>
               <a:pPr/>
-              <a:t>10/3/2014</a:t>
+              <a:t>8/5/2015</a:t>
             </a:fld>
             <a:endParaRPr lang="en-US"/>
           </a:p>
@@ -1522,7 +1717,7 @@
             <a:fld id="{1D8BD707-D9CF-40AE-B4C6-C98DA3205C09}" type="datetimeFigureOut">
               <a:rPr lang="en-US" smtClean="0"/>
               <a:pPr/>
-              <a:t>10/3/2014</a:t>
+              <a:t>8/5/2015</a:t>
             </a:fld>
             <a:endParaRPr lang="en-US"/>
           </a:p>
@@ -1807,7 +2002,7 @@
             <a:fld id="{1D8BD707-D9CF-40AE-B4C6-C98DA3205C09}" type="datetimeFigureOut">
               <a:rPr lang="en-US" smtClean="0"/>
               <a:pPr/>
-              <a:t>10/3/2014</a:t>
+              <a:t>8/5/2015</a:t>
             </a:fld>
             <a:endParaRPr lang="en-US"/>
           </a:p>
@@ -2226,7 +2421,7 @@
             <a:fld id="{1D8BD707-D9CF-40AE-B4C6-C98DA3205C09}" type="datetimeFigureOut">
               <a:rPr lang="en-US" smtClean="0"/>
               <a:pPr/>
-              <a:t>10/3/2014</a:t>
+              <a:t>8/5/2015</a:t>
             </a:fld>
             <a:endParaRPr lang="en-US"/>
           </a:p>
@@ -2341,7 +2536,7 @@
             <a:fld id="{1D8BD707-D9CF-40AE-B4C6-C98DA3205C09}" type="datetimeFigureOut">
               <a:rPr lang="en-US" smtClean="0"/>
               <a:pPr/>
-              <a:t>10/3/2014</a:t>
+              <a:t>8/5/2015</a:t>
             </a:fld>
             <a:endParaRPr lang="en-US"/>
           </a:p>
@@ -2433,7 +2628,7 @@
             <a:fld id="{1D8BD707-D9CF-40AE-B4C6-C98DA3205C09}" type="datetimeFigureOut">
               <a:rPr lang="en-US" smtClean="0"/>
               <a:pPr/>
-              <a:t>10/3/2014</a:t>
+              <a:t>8/5/2015</a:t>
             </a:fld>
             <a:endParaRPr lang="en-US"/>
           </a:p>
@@ -2707,7 +2902,7 @@
             <a:fld id="{1D8BD707-D9CF-40AE-B4C6-C98DA3205C09}" type="datetimeFigureOut">
               <a:rPr lang="en-US" smtClean="0"/>
               <a:pPr/>
-              <a:t>10/3/2014</a:t>
+              <a:t>8/5/2015</a:t>
             </a:fld>
             <a:endParaRPr lang="en-US"/>
           </a:p>
@@ -2957,7 +3152,7 @@
             <a:fld id="{1D8BD707-D9CF-40AE-B4C6-C98DA3205C09}" type="datetimeFigureOut">
               <a:rPr lang="en-US" smtClean="0"/>
               <a:pPr/>
-              <a:t>10/3/2014</a:t>
+              <a:t>8/5/2015</a:t>
             </a:fld>
             <a:endParaRPr lang="en-US"/>
           </a:p>
@@ -3167,7 +3362,7 @@
             <a:fld id="{1D8BD707-D9CF-40AE-B4C6-C98DA3205C09}" type="datetimeFigureOut">
               <a:rPr lang="en-US" smtClean="0"/>
               <a:pPr/>
-              <a:t>10/3/2014</a:t>
+              <a:t>8/5/2015</a:t>
             </a:fld>
             <a:endParaRPr lang="en-US"/>
           </a:p>
@@ -3267,6 +3462,7 @@
     <p:sldLayoutId id="2147483657" r:id="rId9"/>
     <p:sldLayoutId id="2147483658" r:id="rId10"/>
     <p:sldLayoutId id="2147483659" r:id="rId11"/>
+    <p:sldLayoutId id="2147483660" r:id="rId12"/>
   </p:sldLayoutIdLst>
   <p:txStyles>
     <p:titleStyle>
@@ -3548,14 +3744,39 @@
             <p:ph type="ctrTitle"/>
           </p:nvPr>
         </p:nvSpPr>
-        <p:spPr/>
-        <p:txBody>
-          <a:bodyPr/>
-          <a:lstStyle/>
-          <a:p>
-            <a:r>
-              <a:rPr lang="en-US" dirty="0" smtClean="0"/>
-              <a:t>Mastering T-SQL: Window Functions</a:t>
+        <p:spPr>
+          <a:xfrm>
+            <a:off x="685800" y="1600201"/>
+            <a:ext cx="7772400" cy="2000250"/>
+          </a:xfrm>
+        </p:spPr>
+        <p:txBody>
+          <a:bodyPr>
+            <a:normAutofit fontScale="90000"/>
+          </a:bodyPr>
+          <a:lstStyle/>
+          <a:p>
+            <a:r>
+              <a:rPr lang="en-US" dirty="0" smtClean="0"/>
+              <a:t>Intermediate T-SQL</a:t>
+            </a:r>
+            <a:br>
+              <a:rPr lang="en-US" dirty="0" smtClean="0"/>
+            </a:br>
+            <a:r>
+              <a:rPr lang="en-US" dirty="0" smtClean="0"/>
+              <a:t> Window Functions</a:t>
+            </a:r>
+            <a:br>
+              <a:rPr lang="en-US" dirty="0" smtClean="0"/>
+            </a:br>
+            <a:r>
+              <a:rPr lang="en-US" dirty="0" err="1" smtClean="0"/>
+              <a:t>DevConnections</a:t>
+            </a:r>
+            <a:r>
+              <a:rPr lang="en-US" dirty="0" smtClean="0"/>
+              <a:t> 2015</a:t>
             </a:r>
             <a:endParaRPr lang="en-US" dirty="0"/>
           </a:p>
@@ -3571,7 +3792,12 @@
             <p:ph type="subTitle" idx="1"/>
           </p:nvPr>
         </p:nvSpPr>
-        <p:spPr/>
+        <p:spPr>
+          <a:xfrm>
+            <a:off x="1371600" y="4191000"/>
+            <a:ext cx="6400800" cy="1752600"/>
+          </a:xfrm>
+        </p:spPr>
         <p:txBody>
           <a:bodyPr/>
           <a:lstStyle/>
@@ -3618,7 +3844,7 @@
         </p:blipFill>
         <p:spPr>
           <a:xfrm>
-            <a:off x="457200" y="4114800"/>
+            <a:off x="457200" y="4648200"/>
             <a:ext cx="2070847" cy="914400"/>
           </a:xfrm>
           <a:prstGeom prst="rect">
@@ -3648,38 +3874,8 @@
         </p:blipFill>
         <p:spPr>
           <a:xfrm>
-            <a:off x="6629400" y="4276725"/>
+            <a:off x="6629400" y="4810125"/>
             <a:ext cx="1895475" cy="590550"/>
-          </a:xfrm>
-          <a:prstGeom prst="rect">
-            <a:avLst/>
-          </a:prstGeom>
-        </p:spPr>
-      </p:pic>
-      <p:pic>
-        <p:nvPicPr>
-          <p:cNvPr id="6" name="Picture 5"/>
-          <p:cNvPicPr>
-            <a:picLocks noChangeAspect="1"/>
-          </p:cNvPicPr>
-          <p:nvPr/>
-        </p:nvPicPr>
-        <p:blipFill>
-          <a:blip r:embed="rId4">
-            <a:extLst>
-              <a:ext uri="{28A0092B-C50C-407E-A947-70E740481C1C}">
-                <a14:useLocalDpi xmlns:a14="http://schemas.microsoft.com/office/drawing/2010/main" val="0"/>
-              </a:ext>
-            </a:extLst>
-          </a:blip>
-          <a:stretch>
-            <a:fillRect/>
-          </a:stretch>
-        </p:blipFill>
-        <p:spPr>
-          <a:xfrm>
-            <a:off x="3429000" y="152400"/>
-            <a:ext cx="2057400" cy="2057400"/>
           </a:xfrm>
           <a:prstGeom prst="rect">
             <a:avLst/>
@@ -3777,14 +3973,14 @@
       </p:pic>
       <p:sp>
         <p:nvSpPr>
-          <p:cNvPr id="3" name="Rectangle 2"/>
+          <p:cNvPr id="5" name="Rectangle 4"/>
           <p:cNvSpPr/>
           <p:nvPr/>
         </p:nvSpPr>
         <p:spPr>
           <a:xfrm>
-            <a:off x="2743200" y="1828800"/>
-            <a:ext cx="3276600" cy="1752600"/>
+            <a:off x="3095625" y="4071937"/>
+            <a:ext cx="3276600" cy="271463"/>
           </a:xfrm>
           <a:prstGeom prst="rect">
             <a:avLst/>
@@ -3820,7 +4016,7 @@
     </p:spTree>
     <p:extLst>
       <p:ext uri="{BB962C8B-B14F-4D97-AF65-F5344CB8AC3E}">
-        <p14:creationId xmlns:p14="http://schemas.microsoft.com/office/powerpoint/2010/main" val="2420034415"/>
+        <p14:creationId xmlns:p14="http://schemas.microsoft.com/office/powerpoint/2010/main" val="4108388340"/>
       </p:ext>
     </p:extLst>
   </p:cSld>
@@ -3914,8 +4110,8 @@
         </p:nvSpPr>
         <p:spPr>
           <a:xfrm>
-            <a:off x="3048000" y="3571875"/>
-            <a:ext cx="3276600" cy="542925"/>
+            <a:off x="3095625" y="4343400"/>
+            <a:ext cx="3276600" cy="271463"/>
           </a:xfrm>
           <a:prstGeom prst="rect">
             <a:avLst/>
@@ -3951,7 +4147,7 @@
     </p:spTree>
     <p:extLst>
       <p:ext uri="{BB962C8B-B14F-4D97-AF65-F5344CB8AC3E}">
-        <p14:creationId xmlns:p14="http://schemas.microsoft.com/office/powerpoint/2010/main" val="2006797527"/>
+        <p14:creationId xmlns:p14="http://schemas.microsoft.com/office/powerpoint/2010/main" val="1861402282"/>
       </p:ext>
     </p:extLst>
   </p:cSld>
@@ -4039,35 +4235,36 @@
       </p:pic>
       <p:sp>
         <p:nvSpPr>
-          <p:cNvPr id="5" name="Rectangle 4"/>
+          <p:cNvPr id="3" name="Left Brace 2"/>
           <p:cNvSpPr/>
           <p:nvPr/>
         </p:nvSpPr>
         <p:spPr>
           <a:xfrm>
-            <a:off x="3095625" y="4071937"/>
-            <a:ext cx="3276600" cy="271463"/>
-          </a:xfrm>
-          <a:prstGeom prst="rect">
+            <a:off x="2552700" y="1714500"/>
+            <a:ext cx="228600" cy="381000"/>
+          </a:xfrm>
+          <a:prstGeom prst="leftBrace">
             <a:avLst/>
           </a:prstGeom>
-          <a:noFill/>
-          <a:ln w="63500"/>
+          <a:ln w="31750">
+            <a:solidFill>
+              <a:srgbClr val="FF0000"/>
+            </a:solidFill>
+          </a:ln>
         </p:spPr>
         <p:style>
-          <a:lnRef idx="2">
-            <a:schemeClr val="accent1">
-              <a:shade val="50000"/>
-            </a:schemeClr>
+          <a:lnRef idx="1">
+            <a:schemeClr val="accent1"/>
           </a:lnRef>
-          <a:fillRef idx="1">
+          <a:fillRef idx="0">
             <a:schemeClr val="accent1"/>
           </a:fillRef>
           <a:effectRef idx="0">
             <a:schemeClr val="accent1"/>
           </a:effectRef>
           <a:fontRef idx="minor">
-            <a:schemeClr val="lt1"/>
+            <a:schemeClr val="tx1"/>
           </a:fontRef>
         </p:style>
         <p:txBody>
@@ -4076,13 +4273,43 @@
           <a:p>
             <a:pPr algn="ctr"/>
             <a:endParaRPr lang="en-US"/>
+          </a:p>
+        </p:txBody>
+      </p:sp>
+      <p:sp>
+        <p:nvSpPr>
+          <p:cNvPr id="6" name="TextBox 5"/>
+          <p:cNvSpPr txBox="1"/>
+          <p:nvPr/>
+        </p:nvSpPr>
+        <p:spPr>
+          <a:xfrm>
+            <a:off x="1219200" y="1714500"/>
+            <a:ext cx="1219200" cy="369332"/>
+          </a:xfrm>
+          <a:prstGeom prst="rect">
+            <a:avLst/>
+          </a:prstGeom>
+          <a:noFill/>
+        </p:spPr>
+        <p:txBody>
+          <a:bodyPr wrap="square" rtlCol="0">
+            <a:spAutoFit/>
+          </a:bodyPr>
+          <a:lstStyle/>
+          <a:p>
+            <a:r>
+              <a:rPr lang="en-US" dirty="0" smtClean="0"/>
+              <a:t>Row 1</a:t>
+            </a:r>
+            <a:endParaRPr lang="en-US" dirty="0"/>
           </a:p>
         </p:txBody>
       </p:sp>
     </p:spTree>
     <p:extLst>
       <p:ext uri="{BB962C8B-B14F-4D97-AF65-F5344CB8AC3E}">
-        <p14:creationId xmlns:p14="http://schemas.microsoft.com/office/powerpoint/2010/main" val="4108388340"/>
+        <p14:creationId xmlns:p14="http://schemas.microsoft.com/office/powerpoint/2010/main" val="2616304827"/>
       </p:ext>
     </p:extLst>
   </p:cSld>
@@ -4170,35 +4397,36 @@
       </p:pic>
       <p:sp>
         <p:nvSpPr>
-          <p:cNvPr id="5" name="Rectangle 4"/>
+          <p:cNvPr id="3" name="Left Brace 2"/>
           <p:cNvSpPr/>
           <p:nvPr/>
         </p:nvSpPr>
         <p:spPr>
           <a:xfrm>
-            <a:off x="3095625" y="4343400"/>
-            <a:ext cx="3276600" cy="271463"/>
-          </a:xfrm>
-          <a:prstGeom prst="rect">
+            <a:off x="2552700" y="1714500"/>
+            <a:ext cx="228600" cy="381000"/>
+          </a:xfrm>
+          <a:prstGeom prst="leftBrace">
             <a:avLst/>
           </a:prstGeom>
-          <a:noFill/>
-          <a:ln w="63500"/>
+          <a:ln w="31750">
+            <a:solidFill>
+              <a:srgbClr val="FF0000"/>
+            </a:solidFill>
+          </a:ln>
         </p:spPr>
         <p:style>
-          <a:lnRef idx="2">
-            <a:schemeClr val="accent1">
-              <a:shade val="50000"/>
-            </a:schemeClr>
+          <a:lnRef idx="1">
+            <a:schemeClr val="accent1"/>
           </a:lnRef>
-          <a:fillRef idx="1">
+          <a:fillRef idx="0">
             <a:schemeClr val="accent1"/>
           </a:fillRef>
           <a:effectRef idx="0">
             <a:schemeClr val="accent1"/>
           </a:effectRef>
           <a:fontRef idx="minor">
-            <a:schemeClr val="lt1"/>
+            <a:schemeClr val="tx1"/>
           </a:fontRef>
         </p:style>
         <p:txBody>
@@ -4207,13 +4435,116 @@
           <a:p>
             <a:pPr algn="ctr"/>
             <a:endParaRPr lang="en-US"/>
+          </a:p>
+        </p:txBody>
+      </p:sp>
+      <p:sp>
+        <p:nvSpPr>
+          <p:cNvPr id="5" name="Left Brace 4"/>
+          <p:cNvSpPr/>
+          <p:nvPr/>
+        </p:nvSpPr>
+        <p:spPr>
+          <a:xfrm flipH="1" flipV="1">
+            <a:off x="6172200" y="1905000"/>
+            <a:ext cx="228600" cy="381000"/>
+          </a:xfrm>
+          <a:prstGeom prst="leftBrace">
+            <a:avLst/>
+          </a:prstGeom>
+          <a:ln w="31750">
+            <a:solidFill>
+              <a:srgbClr val="FF0000"/>
+            </a:solidFill>
+          </a:ln>
+        </p:spPr>
+        <p:style>
+          <a:lnRef idx="1">
+            <a:schemeClr val="accent1"/>
+          </a:lnRef>
+          <a:fillRef idx="0">
+            <a:schemeClr val="accent1"/>
+          </a:fillRef>
+          <a:effectRef idx="0">
+            <a:schemeClr val="accent1"/>
+          </a:effectRef>
+          <a:fontRef idx="minor">
+            <a:schemeClr val="tx1"/>
+          </a:fontRef>
+        </p:style>
+        <p:txBody>
+          <a:bodyPr rtlCol="0" anchor="ctr"/>
+          <a:lstStyle/>
+          <a:p>
+            <a:pPr algn="ctr"/>
+            <a:endParaRPr lang="en-US"/>
+          </a:p>
+        </p:txBody>
+      </p:sp>
+      <p:sp>
+        <p:nvSpPr>
+          <p:cNvPr id="6" name="TextBox 5"/>
+          <p:cNvSpPr txBox="1"/>
+          <p:nvPr/>
+        </p:nvSpPr>
+        <p:spPr>
+          <a:xfrm>
+            <a:off x="1219200" y="1714500"/>
+            <a:ext cx="1219200" cy="369332"/>
+          </a:xfrm>
+          <a:prstGeom prst="rect">
+            <a:avLst/>
+          </a:prstGeom>
+          <a:noFill/>
+        </p:spPr>
+        <p:txBody>
+          <a:bodyPr wrap="square" rtlCol="0">
+            <a:spAutoFit/>
+          </a:bodyPr>
+          <a:lstStyle/>
+          <a:p>
+            <a:r>
+              <a:rPr lang="en-US" dirty="0" smtClean="0"/>
+              <a:t>Row 1</a:t>
+            </a:r>
+            <a:endParaRPr lang="en-US" dirty="0"/>
+          </a:p>
+        </p:txBody>
+      </p:sp>
+      <p:sp>
+        <p:nvSpPr>
+          <p:cNvPr id="7" name="TextBox 6"/>
+          <p:cNvSpPr txBox="1"/>
+          <p:nvPr/>
+        </p:nvSpPr>
+        <p:spPr>
+          <a:xfrm>
+            <a:off x="6553200" y="1953696"/>
+            <a:ext cx="1219200" cy="369332"/>
+          </a:xfrm>
+          <a:prstGeom prst="rect">
+            <a:avLst/>
+          </a:prstGeom>
+          <a:noFill/>
+        </p:spPr>
+        <p:txBody>
+          <a:bodyPr wrap="square" rtlCol="0">
+            <a:spAutoFit/>
+          </a:bodyPr>
+          <a:lstStyle/>
+          <a:p>
+            <a:r>
+              <a:rPr lang="en-US" dirty="0" smtClean="0"/>
+              <a:t>Row 1-2</a:t>
+            </a:r>
+            <a:endParaRPr lang="en-US" dirty="0"/>
           </a:p>
         </p:txBody>
       </p:sp>
     </p:spTree>
     <p:extLst>
       <p:ext uri="{BB962C8B-B14F-4D97-AF65-F5344CB8AC3E}">
-        <p14:creationId xmlns:p14="http://schemas.microsoft.com/office/powerpoint/2010/main" val="1861402282"/>
+        <p14:creationId xmlns:p14="http://schemas.microsoft.com/office/powerpoint/2010/main" val="3137172649"/>
       </p:ext>
     </p:extLst>
   </p:cSld>
@@ -4344,7 +4675,93 @@
       </p:sp>
       <p:sp>
         <p:nvSpPr>
-          <p:cNvPr id="6" name="TextBox 5"/>
+          <p:cNvPr id="5" name="Left Brace 4"/>
+          <p:cNvSpPr/>
+          <p:nvPr/>
+        </p:nvSpPr>
+        <p:spPr>
+          <a:xfrm flipH="1" flipV="1">
+            <a:off x="6172200" y="1905000"/>
+            <a:ext cx="228600" cy="381000"/>
+          </a:xfrm>
+          <a:prstGeom prst="leftBrace">
+            <a:avLst/>
+          </a:prstGeom>
+          <a:ln w="31750">
+            <a:solidFill>
+              <a:srgbClr val="FF0000"/>
+            </a:solidFill>
+          </a:ln>
+        </p:spPr>
+        <p:style>
+          <a:lnRef idx="1">
+            <a:schemeClr val="accent1"/>
+          </a:lnRef>
+          <a:fillRef idx="0">
+            <a:schemeClr val="accent1"/>
+          </a:fillRef>
+          <a:effectRef idx="0">
+            <a:schemeClr val="accent1"/>
+          </a:effectRef>
+          <a:fontRef idx="minor">
+            <a:schemeClr val="tx1"/>
+          </a:fontRef>
+        </p:style>
+        <p:txBody>
+          <a:bodyPr rtlCol="0" anchor="ctr"/>
+          <a:lstStyle/>
+          <a:p>
+            <a:pPr algn="ctr"/>
+            <a:endParaRPr lang="en-US"/>
+          </a:p>
+        </p:txBody>
+      </p:sp>
+      <p:sp>
+        <p:nvSpPr>
+          <p:cNvPr id="6" name="Left Brace 5"/>
+          <p:cNvSpPr/>
+          <p:nvPr/>
+        </p:nvSpPr>
+        <p:spPr>
+          <a:xfrm>
+            <a:off x="2590800" y="2133600"/>
+            <a:ext cx="228600" cy="381000"/>
+          </a:xfrm>
+          <a:prstGeom prst="leftBrace">
+            <a:avLst/>
+          </a:prstGeom>
+          <a:ln w="31750">
+            <a:solidFill>
+              <a:srgbClr val="FF0000"/>
+            </a:solidFill>
+          </a:ln>
+        </p:spPr>
+        <p:style>
+          <a:lnRef idx="1">
+            <a:schemeClr val="accent1"/>
+          </a:lnRef>
+          <a:fillRef idx="0">
+            <a:schemeClr val="accent1"/>
+          </a:fillRef>
+          <a:effectRef idx="0">
+            <a:schemeClr val="accent1"/>
+          </a:effectRef>
+          <a:fontRef idx="minor">
+            <a:schemeClr val="tx1"/>
+          </a:fontRef>
+        </p:style>
+        <p:txBody>
+          <a:bodyPr rtlCol="0" anchor="ctr"/>
+          <a:lstStyle/>
+          <a:p>
+            <a:pPr algn="ctr"/>
+            <a:endParaRPr lang="en-US"/>
+          </a:p>
+        </p:txBody>
+      </p:sp>
+      <p:sp>
+        <p:nvSpPr>
+          <p:cNvPr id="7" name="TextBox 6"/>
           <p:cNvSpPr txBox="1"/>
           <p:nvPr/>
         </p:nvSpPr>
@@ -4372,10 +4789,70 @@
           </a:p>
         </p:txBody>
       </p:sp>
+      <p:sp>
+        <p:nvSpPr>
+          <p:cNvPr id="8" name="TextBox 7"/>
+          <p:cNvSpPr txBox="1"/>
+          <p:nvPr/>
+        </p:nvSpPr>
+        <p:spPr>
+          <a:xfrm>
+            <a:off x="6553200" y="1953696"/>
+            <a:ext cx="1219200" cy="369332"/>
+          </a:xfrm>
+          <a:prstGeom prst="rect">
+            <a:avLst/>
+          </a:prstGeom>
+          <a:noFill/>
+        </p:spPr>
+        <p:txBody>
+          <a:bodyPr wrap="square" rtlCol="0">
+            <a:spAutoFit/>
+          </a:bodyPr>
+          <a:lstStyle/>
+          <a:p>
+            <a:r>
+              <a:rPr lang="en-US" dirty="0" smtClean="0"/>
+              <a:t>Row 1-2</a:t>
+            </a:r>
+            <a:endParaRPr lang="en-US" dirty="0"/>
+          </a:p>
+        </p:txBody>
+      </p:sp>
+      <p:sp>
+        <p:nvSpPr>
+          <p:cNvPr id="9" name="TextBox 8"/>
+          <p:cNvSpPr txBox="1"/>
+          <p:nvPr/>
+        </p:nvSpPr>
+        <p:spPr>
+          <a:xfrm>
+            <a:off x="1219200" y="2145268"/>
+            <a:ext cx="1219200" cy="369332"/>
+          </a:xfrm>
+          <a:prstGeom prst="rect">
+            <a:avLst/>
+          </a:prstGeom>
+          <a:noFill/>
+        </p:spPr>
+        <p:txBody>
+          <a:bodyPr wrap="square" rtlCol="0">
+            <a:spAutoFit/>
+          </a:bodyPr>
+          <a:lstStyle/>
+          <a:p>
+            <a:r>
+              <a:rPr lang="en-US" dirty="0" smtClean="0"/>
+              <a:t>Row 2-3</a:t>
+            </a:r>
+            <a:endParaRPr lang="en-US" dirty="0"/>
+          </a:p>
+        </p:txBody>
+      </p:sp>
     </p:spTree>
     <p:extLst>
       <p:ext uri="{BB962C8B-B14F-4D97-AF65-F5344CB8AC3E}">
-        <p14:creationId xmlns:p14="http://schemas.microsoft.com/office/powerpoint/2010/main" val="2616304827"/>
+        <p14:creationId xmlns:p14="http://schemas.microsoft.com/office/powerpoint/2010/main" val="2440807450"/>
       </p:ext>
     </p:extLst>
   </p:cSld>
@@ -4456,7 +4933,7 @@
         </p:blipFill>
         <p:spPr>
           <a:xfrm>
-            <a:off x="2850359" y="1600200"/>
+            <a:off x="2850359" y="1570037"/>
             <a:ext cx="3443281" cy="4525963"/>
           </a:xfrm>
         </p:spPr>
@@ -4549,7 +5026,93 @@
       </p:sp>
       <p:sp>
         <p:nvSpPr>
-          <p:cNvPr id="6" name="TextBox 5"/>
+          <p:cNvPr id="6" name="Left Brace 5"/>
+          <p:cNvSpPr/>
+          <p:nvPr/>
+        </p:nvSpPr>
+        <p:spPr>
+          <a:xfrm>
+            <a:off x="2590800" y="2133600"/>
+            <a:ext cx="228600" cy="381000"/>
+          </a:xfrm>
+          <a:prstGeom prst="leftBrace">
+            <a:avLst/>
+          </a:prstGeom>
+          <a:ln w="31750">
+            <a:solidFill>
+              <a:srgbClr val="FF0000"/>
+            </a:solidFill>
+          </a:ln>
+        </p:spPr>
+        <p:style>
+          <a:lnRef idx="1">
+            <a:schemeClr val="accent1"/>
+          </a:lnRef>
+          <a:fillRef idx="0">
+            <a:schemeClr val="accent1"/>
+          </a:fillRef>
+          <a:effectRef idx="0">
+            <a:schemeClr val="accent1"/>
+          </a:effectRef>
+          <a:fontRef idx="minor">
+            <a:schemeClr val="tx1"/>
+          </a:fontRef>
+        </p:style>
+        <p:txBody>
+          <a:bodyPr rtlCol="0" anchor="ctr"/>
+          <a:lstStyle/>
+          <a:p>
+            <a:pPr algn="ctr"/>
+            <a:endParaRPr lang="en-US"/>
+          </a:p>
+        </p:txBody>
+      </p:sp>
+      <p:sp>
+        <p:nvSpPr>
+          <p:cNvPr id="10" name="Left Brace 9"/>
+          <p:cNvSpPr/>
+          <p:nvPr/>
+        </p:nvSpPr>
+        <p:spPr>
+          <a:xfrm flipH="1" flipV="1">
+            <a:off x="6172200" y="2362200"/>
+            <a:ext cx="228600" cy="381000"/>
+          </a:xfrm>
+          <a:prstGeom prst="leftBrace">
+            <a:avLst/>
+          </a:prstGeom>
+          <a:ln w="31750">
+            <a:solidFill>
+              <a:srgbClr val="FF0000"/>
+            </a:solidFill>
+          </a:ln>
+        </p:spPr>
+        <p:style>
+          <a:lnRef idx="1">
+            <a:schemeClr val="accent1"/>
+          </a:lnRef>
+          <a:fillRef idx="0">
+            <a:schemeClr val="accent1"/>
+          </a:fillRef>
+          <a:effectRef idx="0">
+            <a:schemeClr val="accent1"/>
+          </a:effectRef>
+          <a:fontRef idx="minor">
+            <a:schemeClr val="tx1"/>
+          </a:fontRef>
+        </p:style>
+        <p:txBody>
+          <a:bodyPr rtlCol="0" anchor="ctr"/>
+          <a:lstStyle/>
+          <a:p>
+            <a:pPr algn="ctr"/>
+            <a:endParaRPr lang="en-US"/>
+          </a:p>
+        </p:txBody>
+      </p:sp>
+      <p:sp>
+        <p:nvSpPr>
+          <p:cNvPr id="14" name="TextBox 13"/>
           <p:cNvSpPr txBox="1"/>
           <p:nvPr/>
         </p:nvSpPr>
@@ -4579,7 +5142,7 @@
       </p:sp>
       <p:sp>
         <p:nvSpPr>
-          <p:cNvPr id="7" name="TextBox 6"/>
+          <p:cNvPr id="15" name="TextBox 14"/>
           <p:cNvSpPr txBox="1"/>
           <p:nvPr/>
         </p:nvSpPr>
@@ -4607,10 +5170,70 @@
           </a:p>
         </p:txBody>
       </p:sp>
+      <p:sp>
+        <p:nvSpPr>
+          <p:cNvPr id="16" name="TextBox 15"/>
+          <p:cNvSpPr txBox="1"/>
+          <p:nvPr/>
+        </p:nvSpPr>
+        <p:spPr>
+          <a:xfrm>
+            <a:off x="6553200" y="2362200"/>
+            <a:ext cx="1219200" cy="369332"/>
+          </a:xfrm>
+          <a:prstGeom prst="rect">
+            <a:avLst/>
+          </a:prstGeom>
+          <a:noFill/>
+        </p:spPr>
+        <p:txBody>
+          <a:bodyPr wrap="square" rtlCol="0">
+            <a:spAutoFit/>
+          </a:bodyPr>
+          <a:lstStyle/>
+          <a:p>
+            <a:r>
+              <a:rPr lang="en-US" dirty="0" smtClean="0"/>
+              <a:t>Row 3-4</a:t>
+            </a:r>
+            <a:endParaRPr lang="en-US" dirty="0"/>
+          </a:p>
+        </p:txBody>
+      </p:sp>
+      <p:sp>
+        <p:nvSpPr>
+          <p:cNvPr id="17" name="TextBox 16"/>
+          <p:cNvSpPr txBox="1"/>
+          <p:nvPr/>
+        </p:nvSpPr>
+        <p:spPr>
+          <a:xfrm>
+            <a:off x="1219200" y="2145268"/>
+            <a:ext cx="1219200" cy="369332"/>
+          </a:xfrm>
+          <a:prstGeom prst="rect">
+            <a:avLst/>
+          </a:prstGeom>
+          <a:noFill/>
+        </p:spPr>
+        <p:txBody>
+          <a:bodyPr wrap="square" rtlCol="0">
+            <a:spAutoFit/>
+          </a:bodyPr>
+          <a:lstStyle/>
+          <a:p>
+            <a:r>
+              <a:rPr lang="en-US" dirty="0" smtClean="0"/>
+              <a:t>Row 2-3</a:t>
+            </a:r>
+            <a:endParaRPr lang="en-US" dirty="0"/>
+          </a:p>
+        </p:txBody>
+      </p:sp>
     </p:spTree>
     <p:extLst>
       <p:ext uri="{BB962C8B-B14F-4D97-AF65-F5344CB8AC3E}">
-        <p14:creationId xmlns:p14="http://schemas.microsoft.com/office/powerpoint/2010/main" val="3137172649"/>
+        <p14:creationId xmlns:p14="http://schemas.microsoft.com/office/powerpoint/2010/main" val="3358883827"/>
       </p:ext>
     </p:extLst>
   </p:cSld>
@@ -4704,15 +5327,16 @@
         </p:nvSpPr>
         <p:spPr>
           <a:xfrm>
-            <a:off x="2552700" y="1714500"/>
-            <a:ext cx="228600" cy="381000"/>
+            <a:off x="2552700" y="1905000"/>
+            <a:ext cx="228600" cy="685800"/>
           </a:xfrm>
           <a:prstGeom prst="leftBrace">
             <a:avLst/>
           </a:prstGeom>
+          <a:noFill/>
           <a:ln w="31750">
             <a:solidFill>
-              <a:srgbClr val="FF0000"/>
+              <a:srgbClr val="00B050"/>
             </a:solidFill>
           </a:ln>
         </p:spPr>
@@ -4735,106 +5359,24 @@
           <a:lstStyle/>
           <a:p>
             <a:pPr algn="ctr"/>
-            <a:endParaRPr lang="en-US"/>
-          </a:p>
-        </p:txBody>
-      </p:sp>
-      <p:sp>
-        <p:nvSpPr>
-          <p:cNvPr id="5" name="Left Brace 4"/>
-          <p:cNvSpPr/>
-          <p:nvPr/>
-        </p:nvSpPr>
-        <p:spPr>
-          <a:xfrm flipH="1" flipV="1">
-            <a:off x="6172200" y="1905000"/>
-            <a:ext cx="228600" cy="381000"/>
-          </a:xfrm>
-          <a:prstGeom prst="leftBrace">
-            <a:avLst/>
-          </a:prstGeom>
-          <a:ln w="31750">
-            <a:solidFill>
-              <a:srgbClr val="FF0000"/>
-            </a:solidFill>
-          </a:ln>
-        </p:spPr>
-        <p:style>
-          <a:lnRef idx="1">
-            <a:schemeClr val="accent1"/>
-          </a:lnRef>
-          <a:fillRef idx="0">
-            <a:schemeClr val="accent1"/>
-          </a:fillRef>
-          <a:effectRef idx="0">
-            <a:schemeClr val="accent1"/>
-          </a:effectRef>
-          <a:fontRef idx="minor">
-            <a:schemeClr val="tx1"/>
-          </a:fontRef>
-        </p:style>
-        <p:txBody>
-          <a:bodyPr rtlCol="0" anchor="ctr"/>
-          <a:lstStyle/>
-          <a:p>
-            <a:pPr algn="ctr"/>
-            <a:endParaRPr lang="en-US"/>
-          </a:p>
-        </p:txBody>
-      </p:sp>
-      <p:sp>
-        <p:nvSpPr>
-          <p:cNvPr id="6" name="Left Brace 5"/>
-          <p:cNvSpPr/>
-          <p:nvPr/>
-        </p:nvSpPr>
-        <p:spPr>
-          <a:xfrm>
-            <a:off x="2590800" y="2133600"/>
-            <a:ext cx="228600" cy="381000"/>
-          </a:xfrm>
-          <a:prstGeom prst="leftBrace">
-            <a:avLst/>
-          </a:prstGeom>
-          <a:ln w="31750">
-            <a:solidFill>
-              <a:srgbClr val="FF0000"/>
-            </a:solidFill>
-          </a:ln>
-        </p:spPr>
-        <p:style>
-          <a:lnRef idx="1">
-            <a:schemeClr val="accent1"/>
-          </a:lnRef>
-          <a:fillRef idx="0">
-            <a:schemeClr val="accent1"/>
-          </a:fillRef>
-          <a:effectRef idx="0">
-            <a:schemeClr val="accent1"/>
-          </a:effectRef>
-          <a:fontRef idx="minor">
-            <a:schemeClr val="tx1"/>
-          </a:fontRef>
-        </p:style>
-        <p:txBody>
-          <a:bodyPr rtlCol="0" anchor="ctr"/>
-          <a:lstStyle/>
-          <a:p>
-            <a:pPr algn="ctr"/>
-            <a:endParaRPr lang="en-US"/>
-          </a:p>
-        </p:txBody>
-      </p:sp>
-      <p:sp>
-        <p:nvSpPr>
-          <p:cNvPr id="7" name="TextBox 6"/>
+            <a:endParaRPr lang="en-US">
+              <a:solidFill>
+                <a:srgbClr val="00B050"/>
+              </a:solidFill>
+            </a:endParaRPr>
+          </a:p>
+        </p:txBody>
+      </p:sp>
+      <p:sp>
+        <p:nvSpPr>
+          <p:cNvPr id="5" name="TextBox 4"/>
           <p:cNvSpPr txBox="1"/>
           <p:nvPr/>
         </p:nvSpPr>
         <p:spPr>
           <a:xfrm>
-            <a:off x="1219200" y="1714500"/>
-            <a:ext cx="1219200" cy="369332"/>
+            <a:off x="1143000" y="2069068"/>
+            <a:ext cx="1409700" cy="369332"/>
           </a:xfrm>
           <a:prstGeom prst="rect">
             <a:avLst/>
@@ -4849,67 +5391,7 @@
           <a:p>
             <a:r>
               <a:rPr lang="en-US" dirty="0" smtClean="0"/>
-              <a:t>Row 1</a:t>
-            </a:r>
-            <a:endParaRPr lang="en-US" dirty="0"/>
-          </a:p>
-        </p:txBody>
-      </p:sp>
-      <p:sp>
-        <p:nvSpPr>
-          <p:cNvPr id="8" name="TextBox 7"/>
-          <p:cNvSpPr txBox="1"/>
-          <p:nvPr/>
-        </p:nvSpPr>
-        <p:spPr>
-          <a:xfrm>
-            <a:off x="6553200" y="1953696"/>
-            <a:ext cx="1219200" cy="369332"/>
-          </a:xfrm>
-          <a:prstGeom prst="rect">
-            <a:avLst/>
-          </a:prstGeom>
-          <a:noFill/>
-        </p:spPr>
-        <p:txBody>
-          <a:bodyPr wrap="square" rtlCol="0">
-            <a:spAutoFit/>
-          </a:bodyPr>
-          <a:lstStyle/>
-          <a:p>
-            <a:r>
-              <a:rPr lang="en-US" dirty="0" smtClean="0"/>
-              <a:t>Row 1-2</a:t>
-            </a:r>
-            <a:endParaRPr lang="en-US" dirty="0"/>
-          </a:p>
-        </p:txBody>
-      </p:sp>
-      <p:sp>
-        <p:nvSpPr>
-          <p:cNvPr id="9" name="TextBox 8"/>
-          <p:cNvSpPr txBox="1"/>
-          <p:nvPr/>
-        </p:nvSpPr>
-        <p:spPr>
-          <a:xfrm>
-            <a:off x="1219200" y="2145268"/>
-            <a:ext cx="1219200" cy="369332"/>
-          </a:xfrm>
-          <a:prstGeom prst="rect">
-            <a:avLst/>
-          </a:prstGeom>
-          <a:noFill/>
-        </p:spPr>
-        <p:txBody>
-          <a:bodyPr wrap="square" rtlCol="0">
-            <a:spAutoFit/>
-          </a:bodyPr>
-          <a:lstStyle/>
-          <a:p>
-            <a:r>
-              <a:rPr lang="en-US" dirty="0" smtClean="0"/>
-              <a:t>Row 2-3</a:t>
+              <a:t>Rows 1, 2,3</a:t>
             </a:r>
             <a:endParaRPr lang="en-US" dirty="0"/>
           </a:p>
@@ -4918,7 +5400,7 @@
     </p:spTree>
     <p:extLst>
       <p:ext uri="{BB962C8B-B14F-4D97-AF65-F5344CB8AC3E}">
-        <p14:creationId xmlns:p14="http://schemas.microsoft.com/office/powerpoint/2010/main" val="2440807450"/>
+        <p14:creationId xmlns:p14="http://schemas.microsoft.com/office/powerpoint/2010/main" val="2819719526"/>
       </p:ext>
     </p:extLst>
   </p:cSld>
@@ -4999,7 +5481,7 @@
         </p:blipFill>
         <p:spPr>
           <a:xfrm>
-            <a:off x="2850359" y="1570037"/>
+            <a:off x="2850359" y="1600200"/>
             <a:ext cx="3443281" cy="4525963"/>
           </a:xfrm>
         </p:spPr>
@@ -5012,15 +5494,16 @@
         </p:nvSpPr>
         <p:spPr>
           <a:xfrm>
-            <a:off x="2552700" y="1714500"/>
-            <a:ext cx="228600" cy="381000"/>
+            <a:off x="2552700" y="1905000"/>
+            <a:ext cx="228600" cy="685800"/>
           </a:xfrm>
           <a:prstGeom prst="leftBrace">
             <a:avLst/>
           </a:prstGeom>
+          <a:noFill/>
           <a:ln w="31750">
             <a:solidFill>
-              <a:srgbClr val="FF0000"/>
+              <a:srgbClr val="00B050"/>
             </a:solidFill>
           </a:ln>
         </p:spPr>
@@ -5043,7 +5526,11 @@
           <a:lstStyle/>
           <a:p>
             <a:pPr algn="ctr"/>
-            <a:endParaRPr lang="en-US"/>
+            <a:endParaRPr lang="en-US">
+              <a:solidFill>
+                <a:srgbClr val="00B050"/>
+              </a:solidFill>
+            </a:endParaRPr>
           </a:p>
         </p:txBody>
       </p:sp>
@@ -5054,16 +5541,17 @@
           <p:nvPr/>
         </p:nvSpPr>
         <p:spPr>
-          <a:xfrm flipH="1" flipV="1">
-            <a:off x="6172200" y="1905000"/>
-            <a:ext cx="228600" cy="381000"/>
+          <a:xfrm flipH="1">
+            <a:off x="6019800" y="2133600"/>
+            <a:ext cx="228600" cy="685800"/>
           </a:xfrm>
           <a:prstGeom prst="leftBrace">
             <a:avLst/>
           </a:prstGeom>
+          <a:noFill/>
           <a:ln w="31750">
             <a:solidFill>
-              <a:srgbClr val="FF0000"/>
+              <a:srgbClr val="00B050"/>
             </a:solidFill>
           </a:ln>
         </p:spPr>
@@ -5086,106 +5574,24 @@
           <a:lstStyle/>
           <a:p>
             <a:pPr algn="ctr"/>
-            <a:endParaRPr lang="en-US"/>
-          </a:p>
-        </p:txBody>
-      </p:sp>
-      <p:sp>
-        <p:nvSpPr>
-          <p:cNvPr id="6" name="Left Brace 5"/>
-          <p:cNvSpPr/>
-          <p:nvPr/>
-        </p:nvSpPr>
-        <p:spPr>
-          <a:xfrm>
-            <a:off x="2590800" y="2133600"/>
-            <a:ext cx="228600" cy="381000"/>
-          </a:xfrm>
-          <a:prstGeom prst="leftBrace">
-            <a:avLst/>
-          </a:prstGeom>
-          <a:ln w="31750">
-            <a:solidFill>
-              <a:srgbClr val="FF0000"/>
-            </a:solidFill>
-          </a:ln>
-        </p:spPr>
-        <p:style>
-          <a:lnRef idx="1">
-            <a:schemeClr val="accent1"/>
-          </a:lnRef>
-          <a:fillRef idx="0">
-            <a:schemeClr val="accent1"/>
-          </a:fillRef>
-          <a:effectRef idx="0">
-            <a:schemeClr val="accent1"/>
-          </a:effectRef>
-          <a:fontRef idx="minor">
-            <a:schemeClr val="tx1"/>
-          </a:fontRef>
-        </p:style>
-        <p:txBody>
-          <a:bodyPr rtlCol="0" anchor="ctr"/>
-          <a:lstStyle/>
-          <a:p>
-            <a:pPr algn="ctr"/>
-            <a:endParaRPr lang="en-US"/>
-          </a:p>
-        </p:txBody>
-      </p:sp>
-      <p:sp>
-        <p:nvSpPr>
-          <p:cNvPr id="10" name="Left Brace 9"/>
-          <p:cNvSpPr/>
-          <p:nvPr/>
-        </p:nvSpPr>
-        <p:spPr>
-          <a:xfrm flipH="1" flipV="1">
-            <a:off x="6172200" y="2362200"/>
-            <a:ext cx="228600" cy="381000"/>
-          </a:xfrm>
-          <a:prstGeom prst="leftBrace">
-            <a:avLst/>
-          </a:prstGeom>
-          <a:ln w="31750">
-            <a:solidFill>
-              <a:srgbClr val="FF0000"/>
-            </a:solidFill>
-          </a:ln>
-        </p:spPr>
-        <p:style>
-          <a:lnRef idx="1">
-            <a:schemeClr val="accent1"/>
-          </a:lnRef>
-          <a:fillRef idx="0">
-            <a:schemeClr val="accent1"/>
-          </a:fillRef>
-          <a:effectRef idx="0">
-            <a:schemeClr val="accent1"/>
-          </a:effectRef>
-          <a:fontRef idx="minor">
-            <a:schemeClr val="tx1"/>
-          </a:fontRef>
-        </p:style>
-        <p:txBody>
-          <a:bodyPr rtlCol="0" anchor="ctr"/>
-          <a:lstStyle/>
-          <a:p>
-            <a:pPr algn="ctr"/>
-            <a:endParaRPr lang="en-US"/>
-          </a:p>
-        </p:txBody>
-      </p:sp>
-      <p:sp>
-        <p:nvSpPr>
-          <p:cNvPr id="14" name="TextBox 13"/>
+            <a:endParaRPr lang="en-US">
+              <a:solidFill>
+                <a:srgbClr val="00B050"/>
+              </a:solidFill>
+            </a:endParaRPr>
+          </a:p>
+        </p:txBody>
+      </p:sp>
+      <p:sp>
+        <p:nvSpPr>
+          <p:cNvPr id="6" name="TextBox 5"/>
           <p:cNvSpPr txBox="1"/>
           <p:nvPr/>
         </p:nvSpPr>
         <p:spPr>
           <a:xfrm>
-            <a:off x="1219200" y="1714500"/>
-            <a:ext cx="1219200" cy="369332"/>
+            <a:off x="6477000" y="2247900"/>
+            <a:ext cx="1295400" cy="369332"/>
           </a:xfrm>
           <a:prstGeom prst="rect">
             <a:avLst/>
@@ -5200,7 +5606,7 @@
           <a:p>
             <a:r>
               <a:rPr lang="en-US" dirty="0" smtClean="0"/>
-              <a:t>Row 1</a:t>
+              <a:t>Rows 2, 3, 4</a:t>
             </a:r>
             <a:endParaRPr lang="en-US" dirty="0"/>
           </a:p>
@@ -5208,14 +5614,14 @@
       </p:sp>
       <p:sp>
         <p:nvSpPr>
-          <p:cNvPr id="15" name="TextBox 14"/>
+          <p:cNvPr id="7" name="TextBox 6"/>
           <p:cNvSpPr txBox="1"/>
           <p:nvPr/>
         </p:nvSpPr>
         <p:spPr>
           <a:xfrm>
-            <a:off x="6553200" y="1953696"/>
-            <a:ext cx="1219200" cy="369332"/>
+            <a:off x="1143000" y="2069068"/>
+            <a:ext cx="1409700" cy="369332"/>
           </a:xfrm>
           <a:prstGeom prst="rect">
             <a:avLst/>
@@ -5230,67 +5636,7 @@
           <a:p>
             <a:r>
               <a:rPr lang="en-US" dirty="0" smtClean="0"/>
-              <a:t>Row 1-2</a:t>
-            </a:r>
-            <a:endParaRPr lang="en-US" dirty="0"/>
-          </a:p>
-        </p:txBody>
-      </p:sp>
-      <p:sp>
-        <p:nvSpPr>
-          <p:cNvPr id="16" name="TextBox 15"/>
-          <p:cNvSpPr txBox="1"/>
-          <p:nvPr/>
-        </p:nvSpPr>
-        <p:spPr>
-          <a:xfrm>
-            <a:off x="6553200" y="2362200"/>
-            <a:ext cx="1219200" cy="369332"/>
-          </a:xfrm>
-          <a:prstGeom prst="rect">
-            <a:avLst/>
-          </a:prstGeom>
-          <a:noFill/>
-        </p:spPr>
-        <p:txBody>
-          <a:bodyPr wrap="square" rtlCol="0">
-            <a:spAutoFit/>
-          </a:bodyPr>
-          <a:lstStyle/>
-          <a:p>
-            <a:r>
-              <a:rPr lang="en-US" dirty="0" smtClean="0"/>
-              <a:t>Row 3-4</a:t>
-            </a:r>
-            <a:endParaRPr lang="en-US" dirty="0"/>
-          </a:p>
-        </p:txBody>
-      </p:sp>
-      <p:sp>
-        <p:nvSpPr>
-          <p:cNvPr id="17" name="TextBox 16"/>
-          <p:cNvSpPr txBox="1"/>
-          <p:nvPr/>
-        </p:nvSpPr>
-        <p:spPr>
-          <a:xfrm>
-            <a:off x="1219200" y="2145268"/>
-            <a:ext cx="1219200" cy="369332"/>
-          </a:xfrm>
-          <a:prstGeom prst="rect">
-            <a:avLst/>
-          </a:prstGeom>
-          <a:noFill/>
-        </p:spPr>
-        <p:txBody>
-          <a:bodyPr wrap="square" rtlCol="0">
-            <a:spAutoFit/>
-          </a:bodyPr>
-          <a:lstStyle/>
-          <a:p>
-            <a:r>
-              <a:rPr lang="en-US" dirty="0" smtClean="0"/>
-              <a:t>Row 2-3</a:t>
+              <a:t>Rows 1, 2,3</a:t>
             </a:r>
             <a:endParaRPr lang="en-US" dirty="0"/>
           </a:p>
@@ -5299,7 +5645,7 @@
     </p:spTree>
     <p:extLst>
       <p:ext uri="{BB962C8B-B14F-4D97-AF65-F5344CB8AC3E}">
-        <p14:creationId xmlns:p14="http://schemas.microsoft.com/office/powerpoint/2010/main" val="3358883827"/>
+        <p14:creationId xmlns:p14="http://schemas.microsoft.com/office/powerpoint/2010/main" val="2530239727"/>
       </p:ext>
     </p:extLst>
   </p:cSld>
@@ -5350,123 +5696,74 @@
           <a:p>
             <a:r>
               <a:rPr lang="en-US" dirty="0" smtClean="0"/>
-              <a:t>Window Functions</a:t>
+              <a:t>Agenda</a:t>
             </a:r>
             <a:endParaRPr lang="en-US" dirty="0"/>
           </a:p>
         </p:txBody>
       </p:sp>
-      <p:pic>
-        <p:nvPicPr>
-          <p:cNvPr id="4" name="Content Placeholder 3"/>
-          <p:cNvPicPr>
-            <a:picLocks noGrp="1" noChangeAspect="1"/>
-          </p:cNvPicPr>
+      <p:sp>
+        <p:nvSpPr>
+          <p:cNvPr id="3" name="Content Placeholder 2"/>
+          <p:cNvSpPr>
+            <a:spLocks noGrp="1"/>
+          </p:cNvSpPr>
           <p:nvPr>
             <p:ph idx="1"/>
           </p:nvPr>
-        </p:nvPicPr>
-        <p:blipFill>
-          <a:blip r:embed="rId2">
-            <a:extLst>
-              <a:ext uri="{28A0092B-C50C-407E-A947-70E740481C1C}">
-                <a14:useLocalDpi xmlns:a14="http://schemas.microsoft.com/office/drawing/2010/main" val="0"/>
-              </a:ext>
-            </a:extLst>
-          </a:blip>
-          <a:stretch>
-            <a:fillRect/>
-          </a:stretch>
-        </p:blipFill>
-        <p:spPr>
-          <a:xfrm>
-            <a:off x="2850359" y="1600200"/>
-            <a:ext cx="3443281" cy="4525963"/>
-          </a:xfrm>
-        </p:spPr>
-      </p:pic>
-      <p:sp>
-        <p:nvSpPr>
-          <p:cNvPr id="3" name="Left Brace 2"/>
-          <p:cNvSpPr/>
-          <p:nvPr/>
-        </p:nvSpPr>
-        <p:spPr>
-          <a:xfrm>
-            <a:off x="2552700" y="1905000"/>
-            <a:ext cx="228600" cy="685800"/>
-          </a:xfrm>
-          <a:prstGeom prst="leftBrace">
-            <a:avLst/>
-          </a:prstGeom>
-          <a:noFill/>
-          <a:ln w="31750">
-            <a:solidFill>
-              <a:srgbClr val="00B050"/>
-            </a:solidFill>
-          </a:ln>
-        </p:spPr>
-        <p:style>
-          <a:lnRef idx="1">
-            <a:schemeClr val="accent1"/>
-          </a:lnRef>
-          <a:fillRef idx="0">
-            <a:schemeClr val="accent1"/>
-          </a:fillRef>
-          <a:effectRef idx="0">
-            <a:schemeClr val="accent1"/>
-          </a:effectRef>
-          <a:fontRef idx="minor">
-            <a:schemeClr val="tx1"/>
-          </a:fontRef>
-        </p:style>
-        <p:txBody>
-          <a:bodyPr rtlCol="0" anchor="ctr"/>
-          <a:lstStyle/>
-          <a:p>
-            <a:pPr algn="ctr"/>
-            <a:endParaRPr lang="en-US">
-              <a:solidFill>
-                <a:srgbClr val="00B050"/>
-              </a:solidFill>
-            </a:endParaRPr>
-          </a:p>
-        </p:txBody>
-      </p:sp>
-      <p:sp>
-        <p:nvSpPr>
-          <p:cNvPr id="5" name="TextBox 4"/>
-          <p:cNvSpPr txBox="1"/>
-          <p:nvPr/>
-        </p:nvSpPr>
-        <p:spPr>
-          <a:xfrm>
-            <a:off x="1143000" y="2069068"/>
-            <a:ext cx="1409700" cy="369332"/>
-          </a:xfrm>
-          <a:prstGeom prst="rect">
-            <a:avLst/>
-          </a:prstGeom>
-          <a:noFill/>
-        </p:spPr>
-        <p:txBody>
-          <a:bodyPr wrap="square" rtlCol="0">
-            <a:spAutoFit/>
-          </a:bodyPr>
-          <a:lstStyle/>
-          <a:p>
-            <a:r>
-              <a:rPr lang="en-US" dirty="0" smtClean="0"/>
-              <a:t>Rows 1, 2,3</a:t>
-            </a:r>
-            <a:endParaRPr lang="en-US" dirty="0"/>
+        </p:nvSpPr>
+        <p:spPr/>
+        <p:txBody>
+          <a:bodyPr/>
+          <a:lstStyle/>
+          <a:p>
+            <a:r>
+              <a:rPr lang="en-US" dirty="0" smtClean="0"/>
+              <a:t>Who Am I?</a:t>
+            </a:r>
+          </a:p>
+          <a:p>
+            <a:r>
+              <a:rPr lang="en-US" dirty="0" smtClean="0"/>
+              <a:t>Prerequisites</a:t>
+            </a:r>
+          </a:p>
+          <a:p>
+            <a:r>
+              <a:rPr lang="en-US" dirty="0" smtClean="0"/>
+              <a:t>What are Window functions?</a:t>
+            </a:r>
+          </a:p>
+          <a:p>
+            <a:r>
+              <a:rPr lang="en-US" b="1" dirty="0" smtClean="0"/>
+              <a:t>Ranking Functions</a:t>
+            </a:r>
+          </a:p>
+          <a:p>
+            <a:r>
+              <a:rPr lang="en-US" dirty="0" smtClean="0"/>
+              <a:t>Windowing with the OVER clause</a:t>
+            </a:r>
+          </a:p>
+          <a:p>
+            <a:r>
+              <a:rPr lang="en-US" dirty="0" smtClean="0"/>
+              <a:t>Framing data</a:t>
+            </a:r>
+          </a:p>
+          <a:p>
+            <a:r>
+              <a:rPr lang="en-US" dirty="0" smtClean="0"/>
+              <a:t>Looking back and peeking forward</a:t>
+            </a:r>
           </a:p>
         </p:txBody>
       </p:sp>
     </p:spTree>
     <p:extLst>
       <p:ext uri="{BB962C8B-B14F-4D97-AF65-F5344CB8AC3E}">
-        <p14:creationId xmlns:p14="http://schemas.microsoft.com/office/powerpoint/2010/main" val="2819719526"/>
+        <p14:creationId xmlns:p14="http://schemas.microsoft.com/office/powerpoint/2010/main" val="2058660169"/>
       </p:ext>
     </p:extLst>
   </p:cSld>
@@ -5517,192 +5814,60 @@
           <a:p>
             <a:r>
               <a:rPr lang="en-US" dirty="0" smtClean="0"/>
-              <a:t>Window Functions</a:t>
+              <a:t>Window </a:t>
+            </a:r>
+            <a:r>
+              <a:rPr lang="en-US" dirty="0" smtClean="0"/>
+              <a:t>Functions</a:t>
             </a:r>
             <a:endParaRPr lang="en-US" dirty="0"/>
           </a:p>
         </p:txBody>
       </p:sp>
-      <p:pic>
-        <p:nvPicPr>
-          <p:cNvPr id="4" name="Content Placeholder 3"/>
-          <p:cNvPicPr>
-            <a:picLocks noGrp="1" noChangeAspect="1"/>
-          </p:cNvPicPr>
+      <p:sp>
+        <p:nvSpPr>
+          <p:cNvPr id="3" name="Content Placeholder 2"/>
+          <p:cNvSpPr>
+            <a:spLocks noGrp="1"/>
+          </p:cNvSpPr>
           <p:nvPr>
             <p:ph idx="1"/>
           </p:nvPr>
-        </p:nvPicPr>
-        <p:blipFill>
-          <a:blip r:embed="rId2">
-            <a:extLst>
-              <a:ext uri="{28A0092B-C50C-407E-A947-70E740481C1C}">
-                <a14:useLocalDpi xmlns:a14="http://schemas.microsoft.com/office/drawing/2010/main" val="0"/>
-              </a:ext>
-            </a:extLst>
-          </a:blip>
-          <a:stretch>
-            <a:fillRect/>
-          </a:stretch>
-        </p:blipFill>
-        <p:spPr>
-          <a:xfrm>
-            <a:off x="2850359" y="1600200"/>
-            <a:ext cx="3443281" cy="4525963"/>
-          </a:xfrm>
-        </p:spPr>
-      </p:pic>
-      <p:sp>
-        <p:nvSpPr>
-          <p:cNvPr id="3" name="Left Brace 2"/>
-          <p:cNvSpPr/>
-          <p:nvPr/>
-        </p:nvSpPr>
-        <p:spPr>
-          <a:xfrm>
-            <a:off x="2552700" y="1905000"/>
-            <a:ext cx="228600" cy="685800"/>
-          </a:xfrm>
-          <a:prstGeom prst="leftBrace">
-            <a:avLst/>
-          </a:prstGeom>
-          <a:noFill/>
-          <a:ln w="31750">
-            <a:solidFill>
-              <a:srgbClr val="00B050"/>
-            </a:solidFill>
-          </a:ln>
-        </p:spPr>
-        <p:style>
-          <a:lnRef idx="1">
-            <a:schemeClr val="accent1"/>
-          </a:lnRef>
-          <a:fillRef idx="0">
-            <a:schemeClr val="accent1"/>
-          </a:fillRef>
-          <a:effectRef idx="0">
-            <a:schemeClr val="accent1"/>
-          </a:effectRef>
-          <a:fontRef idx="minor">
-            <a:schemeClr val="tx1"/>
-          </a:fontRef>
-        </p:style>
-        <p:txBody>
-          <a:bodyPr rtlCol="0" anchor="ctr"/>
-          <a:lstStyle/>
-          <a:p>
-            <a:pPr algn="ctr"/>
-            <a:endParaRPr lang="en-US">
-              <a:solidFill>
-                <a:srgbClr val="00B050"/>
-              </a:solidFill>
-            </a:endParaRPr>
-          </a:p>
-        </p:txBody>
-      </p:sp>
-      <p:sp>
-        <p:nvSpPr>
-          <p:cNvPr id="5" name="Left Brace 4"/>
-          <p:cNvSpPr/>
-          <p:nvPr/>
-        </p:nvSpPr>
-        <p:spPr>
-          <a:xfrm flipH="1">
-            <a:off x="6019800" y="2133600"/>
-            <a:ext cx="228600" cy="685800"/>
-          </a:xfrm>
-          <a:prstGeom prst="leftBrace">
-            <a:avLst/>
-          </a:prstGeom>
-          <a:noFill/>
-          <a:ln w="31750">
-            <a:solidFill>
-              <a:srgbClr val="00B050"/>
-            </a:solidFill>
-          </a:ln>
-        </p:spPr>
-        <p:style>
-          <a:lnRef idx="1">
-            <a:schemeClr val="accent1"/>
-          </a:lnRef>
-          <a:fillRef idx="0">
-            <a:schemeClr val="accent1"/>
-          </a:fillRef>
-          <a:effectRef idx="0">
-            <a:schemeClr val="accent1"/>
-          </a:effectRef>
-          <a:fontRef idx="minor">
-            <a:schemeClr val="tx1"/>
-          </a:fontRef>
-        </p:style>
-        <p:txBody>
-          <a:bodyPr rtlCol="0" anchor="ctr"/>
-          <a:lstStyle/>
-          <a:p>
-            <a:pPr algn="ctr"/>
-            <a:endParaRPr lang="en-US">
-              <a:solidFill>
-                <a:srgbClr val="00B050"/>
-              </a:solidFill>
-            </a:endParaRPr>
-          </a:p>
-        </p:txBody>
-      </p:sp>
-      <p:sp>
-        <p:nvSpPr>
-          <p:cNvPr id="6" name="TextBox 5"/>
-          <p:cNvSpPr txBox="1"/>
-          <p:nvPr/>
-        </p:nvSpPr>
-        <p:spPr>
-          <a:xfrm>
-            <a:off x="6477000" y="2247900"/>
-            <a:ext cx="1295400" cy="369332"/>
-          </a:xfrm>
-          <a:prstGeom prst="rect">
-            <a:avLst/>
-          </a:prstGeom>
-          <a:noFill/>
-        </p:spPr>
-        <p:txBody>
-          <a:bodyPr wrap="square" rtlCol="0">
-            <a:spAutoFit/>
-          </a:bodyPr>
-          <a:lstStyle/>
-          <a:p>
-            <a:r>
-              <a:rPr lang="en-US" dirty="0" smtClean="0"/>
-              <a:t>Rows 2, 3, 4</a:t>
-            </a:r>
-            <a:endParaRPr lang="en-US" dirty="0"/>
-          </a:p>
-        </p:txBody>
-      </p:sp>
-      <p:sp>
-        <p:nvSpPr>
-          <p:cNvPr id="7" name="TextBox 6"/>
-          <p:cNvSpPr txBox="1"/>
-          <p:nvPr/>
-        </p:nvSpPr>
-        <p:spPr>
-          <a:xfrm>
-            <a:off x="1143000" y="2069068"/>
-            <a:ext cx="1409700" cy="369332"/>
-          </a:xfrm>
-          <a:prstGeom prst="rect">
-            <a:avLst/>
-          </a:prstGeom>
-          <a:noFill/>
-        </p:spPr>
-        <p:txBody>
-          <a:bodyPr wrap="square" rtlCol="0">
-            <a:spAutoFit/>
-          </a:bodyPr>
-          <a:lstStyle/>
-          <a:p>
-            <a:r>
-              <a:rPr lang="en-US" dirty="0" smtClean="0"/>
-              <a:t>Rows 1, 2,3</a:t>
+        </p:nvSpPr>
+        <p:spPr/>
+        <p:txBody>
+          <a:bodyPr/>
+          <a:lstStyle/>
+          <a:p>
+            <a:r>
+              <a:rPr lang="en-US" dirty="0" smtClean="0"/>
+              <a:t>Ranking Functions</a:t>
+            </a:r>
+          </a:p>
+          <a:p>
+            <a:pPr lvl="1"/>
+            <a:r>
+              <a:rPr lang="en-US" dirty="0" smtClean="0"/>
+              <a:t>ROW_NUMBER – Sequencing</a:t>
+            </a:r>
+            <a:endParaRPr lang="en-US" dirty="0" smtClean="0"/>
+          </a:p>
+          <a:p>
+            <a:pPr lvl="1"/>
+            <a:r>
+              <a:rPr lang="en-US" dirty="0" smtClean="0"/>
+              <a:t>RANK/DENSE_RANK/NTILE – Ordering fo</a:t>
+            </a:r>
+            <a:r>
+              <a:rPr lang="en-US" dirty="0" smtClean="0"/>
+              <a:t>r ranks</a:t>
+            </a:r>
+            <a:endParaRPr lang="en-US" dirty="0" smtClean="0"/>
+          </a:p>
+          <a:p>
+            <a:r>
+              <a:rPr lang="en-US" dirty="0" smtClean="0"/>
+              <a:t>SQL Server 2005 +</a:t>
             </a:r>
             <a:endParaRPr lang="en-US" dirty="0"/>
           </a:p>
@@ -5711,7 +5876,7 @@
     </p:spTree>
     <p:extLst>
       <p:ext uri="{BB962C8B-B14F-4D97-AF65-F5344CB8AC3E}">
-        <p14:creationId xmlns:p14="http://schemas.microsoft.com/office/powerpoint/2010/main" val="2530239727"/>
+        <p14:creationId xmlns:p14="http://schemas.microsoft.com/office/powerpoint/2010/main" val="3035160510"/>
       </p:ext>
     </p:extLst>
   </p:cSld>
@@ -5791,13 +5956,11 @@
           <a:p>
             <a:r>
               <a:rPr lang="en-US" dirty="0" smtClean="0"/>
-              <a:t>Prerequisites</a:t>
-            </a:r>
-          </a:p>
-          <a:p>
-            <a:r>
-              <a:rPr lang="en-US" dirty="0" smtClean="0"/>
-              <a:t>What are Window functions?</a:t>
+              <a:t>What </a:t>
+            </a:r>
+            <a:r>
+              <a:rPr lang="en-US" dirty="0" smtClean="0"/>
+              <a:t>are Window functions?</a:t>
             </a:r>
           </a:p>
           <a:p>
@@ -5869,7 +6032,7 @@
       </p:grpSpPr>
       <p:sp>
         <p:nvSpPr>
-          <p:cNvPr id="2" name="Title 1"/>
+          <p:cNvPr id="4" name="Title 3"/>
           <p:cNvSpPr>
             <a:spLocks noGrp="1"/>
           </p:cNvSpPr>
@@ -5884,7 +6047,7 @@
           <a:p>
             <a:r>
               <a:rPr lang="en-US" dirty="0" smtClean="0"/>
-              <a:t>2005 Window Functions</a:t>
+              <a:t>Demo</a:t>
             </a:r>
             <a:endParaRPr lang="en-US" dirty="0"/>
           </a:p>
@@ -5892,12 +6055,12 @@
       </p:sp>
       <p:sp>
         <p:nvSpPr>
-          <p:cNvPr id="3" name="Content Placeholder 2"/>
-          <p:cNvSpPr>
-            <a:spLocks noGrp="1"/>
-          </p:cNvSpPr>
-          <p:nvPr>
-            <p:ph idx="1"/>
+          <p:cNvPr id="5" name="Text Placeholder 4"/>
+          <p:cNvSpPr>
+            <a:spLocks noGrp="1"/>
+          </p:cNvSpPr>
+          <p:nvPr>
+            <p:ph type="body" idx="1"/>
           </p:nvPr>
         </p:nvSpPr>
         <p:spPr/>
@@ -5907,28 +6070,8 @@
           <a:p>
             <a:r>
               <a:rPr lang="en-US" dirty="0" smtClean="0"/>
-              <a:t>Ranking Functions</a:t>
-            </a:r>
-          </a:p>
-          <a:p>
-            <a:pPr lvl="1"/>
-            <a:r>
-              <a:rPr lang="en-US" dirty="0"/>
-              <a:t>R</a:t>
-            </a:r>
-            <a:r>
-              <a:rPr lang="en-US" dirty="0" smtClean="0"/>
-              <a:t>OW_NUMBER</a:t>
-            </a:r>
-          </a:p>
-          <a:p>
-            <a:pPr lvl="1"/>
-            <a:r>
-              <a:rPr lang="en-US" dirty="0" smtClean="0"/>
-              <a:t>RANK/DENSE_RANK/NTILE</a:t>
-            </a:r>
-          </a:p>
-          <a:p>
+              <a:t>ROW_NUMBER and RANK</a:t>
+            </a:r>
             <a:endParaRPr lang="en-US" dirty="0"/>
           </a:p>
         </p:txBody>
@@ -5936,7 +6079,7 @@
     </p:spTree>
     <p:extLst>
       <p:ext uri="{BB962C8B-B14F-4D97-AF65-F5344CB8AC3E}">
-        <p14:creationId xmlns:p14="http://schemas.microsoft.com/office/powerpoint/2010/main" val="3035160510"/>
+        <p14:creationId xmlns:p14="http://schemas.microsoft.com/office/powerpoint/2010/main" val="1681886349"/>
       </p:ext>
     </p:extLst>
   </p:cSld>
@@ -5972,7 +6115,7 @@
       </p:grpSpPr>
       <p:sp>
         <p:nvSpPr>
-          <p:cNvPr id="4" name="Title 3"/>
+          <p:cNvPr id="2" name="Title 1"/>
           <p:cNvSpPr>
             <a:spLocks noGrp="1"/>
           </p:cNvSpPr>
@@ -5987,7 +6130,7 @@
           <a:p>
             <a:r>
               <a:rPr lang="en-US" dirty="0" smtClean="0"/>
-              <a:t>Demo</a:t>
+              <a:t>Agenda</a:t>
             </a:r>
             <a:endParaRPr lang="en-US" dirty="0"/>
           </a:p>
@@ -5995,12 +6138,12 @@
       </p:sp>
       <p:sp>
         <p:nvSpPr>
-          <p:cNvPr id="5" name="Text Placeholder 4"/>
-          <p:cNvSpPr>
-            <a:spLocks noGrp="1"/>
-          </p:cNvSpPr>
-          <p:nvPr>
-            <p:ph type="body" idx="1"/>
+          <p:cNvPr id="3" name="Content Placeholder 2"/>
+          <p:cNvSpPr>
+            <a:spLocks noGrp="1"/>
+          </p:cNvSpPr>
+          <p:nvPr>
+            <p:ph idx="1"/>
           </p:nvPr>
         </p:nvSpPr>
         <p:spPr/>
@@ -6010,16 +6153,51 @@
           <a:p>
             <a:r>
               <a:rPr lang="en-US" dirty="0" smtClean="0"/>
-              <a:t>ROW_NUMBER and RANK</a:t>
-            </a:r>
-            <a:endParaRPr lang="en-US" dirty="0"/>
+              <a:t>Who Am I?</a:t>
+            </a:r>
+          </a:p>
+          <a:p>
+            <a:r>
+              <a:rPr lang="en-US" dirty="0" smtClean="0"/>
+              <a:t>Prerequisites</a:t>
+            </a:r>
+          </a:p>
+          <a:p>
+            <a:r>
+              <a:rPr lang="en-US" dirty="0" smtClean="0"/>
+              <a:t>What are Window functions?</a:t>
+            </a:r>
+          </a:p>
+          <a:p>
+            <a:r>
+              <a:rPr lang="en-US" dirty="0" smtClean="0"/>
+              <a:t>Ranking Functions</a:t>
+            </a:r>
+          </a:p>
+          <a:p>
+            <a:r>
+              <a:rPr lang="en-US" b="1" dirty="0" smtClean="0"/>
+              <a:t>Windowing with the OVER clause</a:t>
+            </a:r>
+          </a:p>
+          <a:p>
+            <a:r>
+              <a:rPr lang="en-US" dirty="0" smtClean="0"/>
+              <a:t>Framing data</a:t>
+            </a:r>
+          </a:p>
+          <a:p>
+            <a:r>
+              <a:rPr lang="en-US" dirty="0" smtClean="0"/>
+              <a:t>Looking back and peeking forward</a:t>
+            </a:r>
           </a:p>
         </p:txBody>
       </p:sp>
     </p:spTree>
     <p:extLst>
       <p:ext uri="{BB962C8B-B14F-4D97-AF65-F5344CB8AC3E}">
-        <p14:creationId xmlns:p14="http://schemas.microsoft.com/office/powerpoint/2010/main" val="1681886349"/>
+        <p14:creationId xmlns:p14="http://schemas.microsoft.com/office/powerpoint/2010/main" val="1940004283"/>
       </p:ext>
     </p:extLst>
   </p:cSld>
@@ -6070,7 +6248,7 @@
           <a:p>
             <a:r>
               <a:rPr lang="en-US" dirty="0" smtClean="0"/>
-              <a:t>SQL Server 2012</a:t>
+              <a:t>The OVER() Clause</a:t>
             </a:r>
             <a:endParaRPr lang="en-US" dirty="0"/>
           </a:p>
@@ -6092,43 +6270,27 @@
           <a:lstStyle/>
           <a:p>
             <a:r>
-              <a:rPr lang="en-US" dirty="0" smtClean="0"/>
-              <a:t>Additional Window Functions</a:t>
-            </a:r>
-          </a:p>
-          <a:p>
-            <a:pPr lvl="1"/>
-            <a:r>
-              <a:rPr lang="en-US" dirty="0" smtClean="0"/>
-              <a:t>Aggregates and OVER()</a:t>
-            </a:r>
-          </a:p>
-          <a:p>
-            <a:pPr lvl="1"/>
-            <a:r>
-              <a:rPr lang="en-US" dirty="0" smtClean="0"/>
-              <a:t>Framing (ROWS/RANGE)</a:t>
-            </a:r>
-          </a:p>
-          <a:p>
-            <a:pPr lvl="1"/>
-            <a:r>
-              <a:rPr lang="en-US" dirty="0" smtClean="0"/>
-              <a:t>LAG/LEAD</a:t>
-            </a:r>
-          </a:p>
-          <a:p>
-            <a:pPr lvl="1"/>
-            <a:r>
-              <a:rPr lang="en-US" dirty="0" smtClean="0"/>
-              <a:t>FIRST_VALUE/LAST_VALUE</a:t>
-            </a:r>
-          </a:p>
-          <a:p>
-            <a:pPr lvl="1"/>
-            <a:r>
-              <a:rPr lang="en-US" dirty="0" smtClean="0"/>
-              <a:t>PERCENT_RANK() and CUME_DIST()</a:t>
+              <a:rPr lang="en-US" dirty="0"/>
+              <a:t>SQL Server 2012+</a:t>
+            </a:r>
+          </a:p>
+          <a:p>
+            <a:r>
+              <a:rPr lang="en-US" dirty="0" smtClean="0"/>
+              <a:t>The OVER() clause creates a window</a:t>
+            </a:r>
+          </a:p>
+          <a:p>
+            <a:r>
+              <a:rPr lang="en-US" dirty="0" smtClean="0"/>
+              <a:t>The PARTITION BY defines the window</a:t>
+            </a:r>
+            <a:endParaRPr lang="en-US" dirty="0" smtClean="0"/>
+          </a:p>
+          <a:p>
+            <a:r>
+              <a:rPr lang="en-US" dirty="0" smtClean="0"/>
+              <a:t>Aggregates take place inside the OVER()  Partition</a:t>
             </a:r>
             <a:endParaRPr lang="en-US" dirty="0"/>
           </a:p>
@@ -6173,6 +6335,89 @@
       </p:grpSpPr>
       <p:sp>
         <p:nvSpPr>
+          <p:cNvPr id="4" name="Title 3"/>
+          <p:cNvSpPr>
+            <a:spLocks noGrp="1"/>
+          </p:cNvSpPr>
+          <p:nvPr>
+            <p:ph type="title"/>
+          </p:nvPr>
+        </p:nvSpPr>
+        <p:spPr/>
+        <p:txBody>
+          <a:bodyPr/>
+          <a:lstStyle/>
+          <a:p>
+            <a:r>
+              <a:rPr lang="en-US" dirty="0" smtClean="0"/>
+              <a:t>Demo</a:t>
+            </a:r>
+            <a:endParaRPr lang="en-US" dirty="0"/>
+          </a:p>
+        </p:txBody>
+      </p:sp>
+      <p:sp>
+        <p:nvSpPr>
+          <p:cNvPr id="5" name="Text Placeholder 4"/>
+          <p:cNvSpPr>
+            <a:spLocks noGrp="1"/>
+          </p:cNvSpPr>
+          <p:nvPr>
+            <p:ph type="body" idx="1"/>
+          </p:nvPr>
+        </p:nvSpPr>
+        <p:spPr/>
+        <p:txBody>
+          <a:bodyPr/>
+          <a:lstStyle/>
+          <a:p>
+            <a:r>
+              <a:rPr lang="en-US" dirty="0" smtClean="0"/>
+              <a:t>The Basic OVER() clause</a:t>
+            </a:r>
+            <a:endParaRPr lang="en-US" dirty="0"/>
+          </a:p>
+        </p:txBody>
+      </p:sp>
+    </p:spTree>
+    <p:extLst>
+      <p:ext uri="{BB962C8B-B14F-4D97-AF65-F5344CB8AC3E}">
+        <p14:creationId xmlns:p14="http://schemas.microsoft.com/office/powerpoint/2010/main" val="1844486463"/>
+      </p:ext>
+    </p:extLst>
+  </p:cSld>
+  <p:clrMapOvr>
+    <a:masterClrMapping/>
+  </p:clrMapOvr>
+  <p:timing>
+    <p:tnLst>
+      <p:par>
+        <p:cTn id="1" dur="indefinite" restart="never" nodeType="tmRoot"/>
+      </p:par>
+    </p:tnLst>
+  </p:timing>
+</p:sld>
+</file>
+
+<file path=ppt/slides/slide24.xml><?xml version="1.0" encoding="utf-8"?>
+<p:sld xmlns:a="http://schemas.openxmlformats.org/drawingml/2006/main" xmlns:r="http://schemas.openxmlformats.org/officeDocument/2006/relationships" xmlns:p="http://schemas.openxmlformats.org/presentationml/2006/main">
+  <p:cSld>
+    <p:spTree>
+      <p:nvGrpSpPr>
+        <p:cNvPr id="1" name=""/>
+        <p:cNvGrpSpPr/>
+        <p:nvPr/>
+      </p:nvGrpSpPr>
+      <p:grpSpPr>
+        <a:xfrm>
+          <a:off x="0" y="0"/>
+          <a:ext cx="0" cy="0"/>
+          <a:chOff x="0" y="0"/>
+          <a:chExt cx="0" cy="0"/>
+        </a:xfrm>
+      </p:grpSpPr>
+      <p:sp>
+        <p:nvSpPr>
           <p:cNvPr id="2" name="Title 1"/>
           <p:cNvSpPr>
             <a:spLocks noGrp="1"/>
@@ -6188,7 +6433,7 @@
           <a:p>
             <a:r>
               <a:rPr lang="en-US" dirty="0" smtClean="0"/>
-              <a:t>First Value/Last Value</a:t>
+              <a:t>Agenda</a:t>
             </a:r>
             <a:endParaRPr lang="en-US" dirty="0"/>
           </a:p>
@@ -6211,7 +6456,149 @@
           <a:p>
             <a:r>
               <a:rPr lang="en-US" dirty="0" smtClean="0"/>
-              <a:t>Find the beginning or end of a frame</a:t>
+              <a:t>Who Am I?</a:t>
+            </a:r>
+          </a:p>
+          <a:p>
+            <a:r>
+              <a:rPr lang="en-US" dirty="0" smtClean="0"/>
+              <a:t>Prerequisites</a:t>
+            </a:r>
+          </a:p>
+          <a:p>
+            <a:r>
+              <a:rPr lang="en-US" dirty="0" smtClean="0"/>
+              <a:t>What are Window functions?</a:t>
+            </a:r>
+          </a:p>
+          <a:p>
+            <a:r>
+              <a:rPr lang="en-US" dirty="0" smtClean="0"/>
+              <a:t>Ranking Functions</a:t>
+            </a:r>
+          </a:p>
+          <a:p>
+            <a:r>
+              <a:rPr lang="en-US" dirty="0" smtClean="0"/>
+              <a:t>Windowing with the OVER clause</a:t>
+            </a:r>
+          </a:p>
+          <a:p>
+            <a:r>
+              <a:rPr lang="en-US" b="1" dirty="0" smtClean="0"/>
+              <a:t>Framing data</a:t>
+            </a:r>
+          </a:p>
+          <a:p>
+            <a:r>
+              <a:rPr lang="en-US" dirty="0" smtClean="0"/>
+              <a:t>Looking back and peeking forward</a:t>
+            </a:r>
+          </a:p>
+        </p:txBody>
+      </p:sp>
+    </p:spTree>
+    <p:extLst>
+      <p:ext uri="{BB962C8B-B14F-4D97-AF65-F5344CB8AC3E}">
+        <p14:creationId xmlns:p14="http://schemas.microsoft.com/office/powerpoint/2010/main" val="1030468545"/>
+      </p:ext>
+    </p:extLst>
+  </p:cSld>
+  <p:clrMapOvr>
+    <a:masterClrMapping/>
+  </p:clrMapOvr>
+  <p:timing>
+    <p:tnLst>
+      <p:par>
+        <p:cTn id="1" dur="indefinite" restart="never" nodeType="tmRoot"/>
+      </p:par>
+    </p:tnLst>
+  </p:timing>
+</p:sld>
+</file>
+
+<file path=ppt/slides/slide25.xml><?xml version="1.0" encoding="utf-8"?>
+<p:sld xmlns:a="http://schemas.openxmlformats.org/drawingml/2006/main" xmlns:r="http://schemas.openxmlformats.org/officeDocument/2006/relationships" xmlns:p="http://schemas.openxmlformats.org/presentationml/2006/main">
+  <p:cSld>
+    <p:spTree>
+      <p:nvGrpSpPr>
+        <p:cNvPr id="1" name=""/>
+        <p:cNvGrpSpPr/>
+        <p:nvPr/>
+      </p:nvGrpSpPr>
+      <p:grpSpPr>
+        <a:xfrm>
+          <a:off x="0" y="0"/>
+          <a:ext cx="0" cy="0"/>
+          <a:chOff x="0" y="0"/>
+          <a:chExt cx="0" cy="0"/>
+        </a:xfrm>
+      </p:grpSpPr>
+      <p:sp>
+        <p:nvSpPr>
+          <p:cNvPr id="2" name="Title 1"/>
+          <p:cNvSpPr>
+            <a:spLocks noGrp="1"/>
+          </p:cNvSpPr>
+          <p:nvPr>
+            <p:ph type="title"/>
+          </p:nvPr>
+        </p:nvSpPr>
+        <p:spPr/>
+        <p:txBody>
+          <a:bodyPr/>
+          <a:lstStyle/>
+          <a:p>
+            <a:r>
+              <a:rPr lang="en-US" dirty="0" smtClean="0"/>
+              <a:t>Framing Data</a:t>
+            </a:r>
+            <a:endParaRPr lang="en-US" dirty="0"/>
+          </a:p>
+        </p:txBody>
+      </p:sp>
+      <p:sp>
+        <p:nvSpPr>
+          <p:cNvPr id="3" name="Content Placeholder 2"/>
+          <p:cNvSpPr>
+            <a:spLocks noGrp="1"/>
+          </p:cNvSpPr>
+          <p:nvPr>
+            <p:ph idx="1"/>
+          </p:nvPr>
+        </p:nvSpPr>
+        <p:spPr/>
+        <p:txBody>
+          <a:bodyPr/>
+          <a:lstStyle/>
+          <a:p>
+            <a:r>
+              <a:rPr lang="en-US" dirty="0"/>
+              <a:t>First Value/Last </a:t>
+            </a:r>
+            <a:r>
+              <a:rPr lang="en-US" dirty="0" smtClean="0"/>
+              <a:t>Value</a:t>
+            </a:r>
+          </a:p>
+          <a:p>
+            <a:r>
+              <a:rPr lang="en-US" dirty="0" smtClean="0"/>
+              <a:t>Find </a:t>
+            </a:r>
+            <a:r>
+              <a:rPr lang="en-US" dirty="0" smtClean="0"/>
+              <a:t>the beginning or end of a </a:t>
+            </a:r>
+            <a:r>
+              <a:rPr lang="en-US" dirty="0" smtClean="0"/>
+              <a:t>frame</a:t>
+            </a:r>
+          </a:p>
+          <a:p>
+            <a:r>
+              <a:rPr lang="en-US" dirty="0" smtClean="0"/>
+              <a:t>The partition and ordering matter here</a:t>
             </a:r>
             <a:endParaRPr lang="en-US" dirty="0"/>
           </a:p>
@@ -6237,7 +6624,208 @@
 </p:sld>
 </file>
 
-<file path=ppt/slides/slide24.xml><?xml version="1.0" encoding="utf-8"?>
+<file path=ppt/slides/slide26.xml><?xml version="1.0" encoding="utf-8"?>
+<p:sld xmlns:a="http://schemas.openxmlformats.org/drawingml/2006/main" xmlns:r="http://schemas.openxmlformats.org/officeDocument/2006/relationships" xmlns:p="http://schemas.openxmlformats.org/presentationml/2006/main">
+  <p:cSld>
+    <p:spTree>
+      <p:nvGrpSpPr>
+        <p:cNvPr id="1" name=""/>
+        <p:cNvGrpSpPr/>
+        <p:nvPr/>
+      </p:nvGrpSpPr>
+      <p:grpSpPr>
+        <a:xfrm>
+          <a:off x="0" y="0"/>
+          <a:ext cx="0" cy="0"/>
+          <a:chOff x="0" y="0"/>
+          <a:chExt cx="0" cy="0"/>
+        </a:xfrm>
+      </p:grpSpPr>
+      <p:sp>
+        <p:nvSpPr>
+          <p:cNvPr id="4" name="Title 3"/>
+          <p:cNvSpPr>
+            <a:spLocks noGrp="1"/>
+          </p:cNvSpPr>
+          <p:nvPr>
+            <p:ph type="title"/>
+          </p:nvPr>
+        </p:nvSpPr>
+        <p:spPr/>
+        <p:txBody>
+          <a:bodyPr/>
+          <a:lstStyle/>
+          <a:p>
+            <a:r>
+              <a:rPr lang="en-US" dirty="0" smtClean="0"/>
+              <a:t>Demo</a:t>
+            </a:r>
+            <a:endParaRPr lang="en-US" dirty="0"/>
+          </a:p>
+        </p:txBody>
+      </p:sp>
+      <p:sp>
+        <p:nvSpPr>
+          <p:cNvPr id="5" name="Text Placeholder 4"/>
+          <p:cNvSpPr>
+            <a:spLocks noGrp="1"/>
+          </p:cNvSpPr>
+          <p:nvPr>
+            <p:ph type="body" idx="1"/>
+          </p:nvPr>
+        </p:nvSpPr>
+        <p:spPr/>
+        <p:txBody>
+          <a:bodyPr/>
+          <a:lstStyle/>
+          <a:p>
+            <a:r>
+              <a:rPr lang="en-US" dirty="0" smtClean="0"/>
+              <a:t>Framing Demos</a:t>
+            </a:r>
+            <a:endParaRPr lang="en-US" dirty="0"/>
+          </a:p>
+        </p:txBody>
+      </p:sp>
+    </p:spTree>
+    <p:extLst>
+      <p:ext uri="{BB962C8B-B14F-4D97-AF65-F5344CB8AC3E}">
+        <p14:creationId xmlns:p14="http://schemas.microsoft.com/office/powerpoint/2010/main" val="1988305038"/>
+      </p:ext>
+    </p:extLst>
+  </p:cSld>
+  <p:clrMapOvr>
+    <a:masterClrMapping/>
+  </p:clrMapOvr>
+  <p:timing>
+    <p:tnLst>
+      <p:par>
+        <p:cTn id="1" dur="indefinite" restart="never" nodeType="tmRoot"/>
+      </p:par>
+    </p:tnLst>
+  </p:timing>
+</p:sld>
+</file>
+
+<file path=ppt/slides/slide27.xml><?xml version="1.0" encoding="utf-8"?>
+<p:sld xmlns:a="http://schemas.openxmlformats.org/drawingml/2006/main" xmlns:r="http://schemas.openxmlformats.org/officeDocument/2006/relationships" xmlns:p="http://schemas.openxmlformats.org/presentationml/2006/main">
+  <p:cSld>
+    <p:spTree>
+      <p:nvGrpSpPr>
+        <p:cNvPr id="1" name=""/>
+        <p:cNvGrpSpPr/>
+        <p:nvPr/>
+      </p:nvGrpSpPr>
+      <p:grpSpPr>
+        <a:xfrm>
+          <a:off x="0" y="0"/>
+          <a:ext cx="0" cy="0"/>
+          <a:chOff x="0" y="0"/>
+          <a:chExt cx="0" cy="0"/>
+        </a:xfrm>
+      </p:grpSpPr>
+      <p:sp>
+        <p:nvSpPr>
+          <p:cNvPr id="2" name="Title 1"/>
+          <p:cNvSpPr>
+            <a:spLocks noGrp="1"/>
+          </p:cNvSpPr>
+          <p:nvPr>
+            <p:ph type="title"/>
+          </p:nvPr>
+        </p:nvSpPr>
+        <p:spPr/>
+        <p:txBody>
+          <a:bodyPr/>
+          <a:lstStyle/>
+          <a:p>
+            <a:r>
+              <a:rPr lang="en-US" dirty="0" smtClean="0"/>
+              <a:t>Agenda</a:t>
+            </a:r>
+            <a:endParaRPr lang="en-US" dirty="0"/>
+          </a:p>
+        </p:txBody>
+      </p:sp>
+      <p:sp>
+        <p:nvSpPr>
+          <p:cNvPr id="3" name="Content Placeholder 2"/>
+          <p:cNvSpPr>
+            <a:spLocks noGrp="1"/>
+          </p:cNvSpPr>
+          <p:nvPr>
+            <p:ph idx="1"/>
+          </p:nvPr>
+        </p:nvSpPr>
+        <p:spPr/>
+        <p:txBody>
+          <a:bodyPr/>
+          <a:lstStyle/>
+          <a:p>
+            <a:r>
+              <a:rPr lang="en-US" dirty="0" smtClean="0"/>
+              <a:t>Who Am I?</a:t>
+            </a:r>
+          </a:p>
+          <a:p>
+            <a:r>
+              <a:rPr lang="en-US" dirty="0" smtClean="0"/>
+              <a:t>Prerequisites</a:t>
+            </a:r>
+          </a:p>
+          <a:p>
+            <a:r>
+              <a:rPr lang="en-US" dirty="0" smtClean="0"/>
+              <a:t>What are Window functions?</a:t>
+            </a:r>
+          </a:p>
+          <a:p>
+            <a:r>
+              <a:rPr lang="en-US" dirty="0" smtClean="0"/>
+              <a:t>Ranking Functions</a:t>
+            </a:r>
+          </a:p>
+          <a:p>
+            <a:r>
+              <a:rPr lang="en-US" dirty="0" smtClean="0"/>
+              <a:t>Windowing with the OVER clause</a:t>
+            </a:r>
+          </a:p>
+          <a:p>
+            <a:r>
+              <a:rPr lang="en-US" dirty="0" smtClean="0"/>
+              <a:t>Framing data</a:t>
+            </a:r>
+          </a:p>
+          <a:p>
+            <a:r>
+              <a:rPr lang="en-US" b="1" dirty="0" smtClean="0"/>
+              <a:t>Looking back and peeking forward</a:t>
+            </a:r>
+          </a:p>
+        </p:txBody>
+      </p:sp>
+    </p:spTree>
+    <p:extLst>
+      <p:ext uri="{BB962C8B-B14F-4D97-AF65-F5344CB8AC3E}">
+        <p14:creationId xmlns:p14="http://schemas.microsoft.com/office/powerpoint/2010/main" val="2769536246"/>
+      </p:ext>
+    </p:extLst>
+  </p:cSld>
+  <p:clrMapOvr>
+    <a:masterClrMapping/>
+  </p:clrMapOvr>
+  <p:timing>
+    <p:tnLst>
+      <p:par>
+        <p:cTn id="1" dur="indefinite" restart="never" nodeType="tmRoot"/>
+      </p:par>
+    </p:tnLst>
+  </p:timing>
+</p:sld>
+</file>
+
+<file path=ppt/slides/slide28.xml><?xml version="1.0" encoding="utf-8"?>
 <p:sld xmlns:a="http://schemas.openxmlformats.org/drawingml/2006/main" xmlns:r="http://schemas.openxmlformats.org/officeDocument/2006/relationships" xmlns:p="http://schemas.openxmlformats.org/presentationml/2006/main">
   <p:cSld>
     <p:spTree>
@@ -6613,822 +7201,6 @@
 </p:sld>
 </file>
 
-<file path=ppt/slides/slide25.xml><?xml version="1.0" encoding="utf-8"?>
-<p:sld xmlns:a="http://schemas.openxmlformats.org/drawingml/2006/main" xmlns:r="http://schemas.openxmlformats.org/officeDocument/2006/relationships" xmlns:p="http://schemas.openxmlformats.org/presentationml/2006/main">
-  <p:cSld>
-    <p:spTree>
-      <p:nvGrpSpPr>
-        <p:cNvPr id="1" name=""/>
-        <p:cNvGrpSpPr/>
-        <p:nvPr/>
-      </p:nvGrpSpPr>
-      <p:grpSpPr>
-        <a:xfrm>
-          <a:off x="0" y="0"/>
-          <a:ext cx="0" cy="0"/>
-          <a:chOff x="0" y="0"/>
-          <a:chExt cx="0" cy="0"/>
-        </a:xfrm>
-      </p:grpSpPr>
-      <p:sp>
-        <p:nvSpPr>
-          <p:cNvPr id="4" name="Title 3"/>
-          <p:cNvSpPr>
-            <a:spLocks noGrp="1"/>
-          </p:cNvSpPr>
-          <p:nvPr>
-            <p:ph type="title"/>
-          </p:nvPr>
-        </p:nvSpPr>
-        <p:spPr/>
-        <p:txBody>
-          <a:bodyPr/>
-          <a:lstStyle/>
-          <a:p>
-            <a:r>
-              <a:rPr lang="en-US" dirty="0" smtClean="0"/>
-              <a:t>Demo</a:t>
-            </a:r>
-            <a:endParaRPr lang="en-US" dirty="0"/>
-          </a:p>
-        </p:txBody>
-      </p:sp>
-      <p:sp>
-        <p:nvSpPr>
-          <p:cNvPr id="5" name="Text Placeholder 4"/>
-          <p:cNvSpPr>
-            <a:spLocks noGrp="1"/>
-          </p:cNvSpPr>
-          <p:nvPr>
-            <p:ph type="body" idx="1"/>
-          </p:nvPr>
-        </p:nvSpPr>
-        <p:spPr/>
-        <p:txBody>
-          <a:bodyPr/>
-          <a:lstStyle/>
-          <a:p>
-            <a:r>
-              <a:rPr lang="en-US" dirty="0" smtClean="0"/>
-              <a:t>Window Functions</a:t>
-            </a:r>
-            <a:endParaRPr lang="en-US" dirty="0"/>
-          </a:p>
-        </p:txBody>
-      </p:sp>
-    </p:spTree>
-    <p:extLst>
-      <p:ext uri="{BB962C8B-B14F-4D97-AF65-F5344CB8AC3E}">
-        <p14:creationId xmlns:p14="http://schemas.microsoft.com/office/powerpoint/2010/main" val="1844486463"/>
-      </p:ext>
-    </p:extLst>
-  </p:cSld>
-  <p:clrMapOvr>
-    <a:masterClrMapping/>
-  </p:clrMapOvr>
-  <p:timing>
-    <p:tnLst>
-      <p:par>
-        <p:cTn id="1" dur="indefinite" restart="never" nodeType="tmRoot"/>
-      </p:par>
-    </p:tnLst>
-  </p:timing>
-</p:sld>
-</file>
-
-<file path=ppt/slides/slide26.xml><?xml version="1.0" encoding="utf-8"?>
-<p:sld xmlns:a="http://schemas.openxmlformats.org/drawingml/2006/main" xmlns:r="http://schemas.openxmlformats.org/officeDocument/2006/relationships" xmlns:p="http://schemas.openxmlformats.org/presentationml/2006/main">
-  <p:cSld>
-    <p:spTree>
-      <p:nvGrpSpPr>
-        <p:cNvPr id="1" name=""/>
-        <p:cNvGrpSpPr/>
-        <p:nvPr/>
-      </p:nvGrpSpPr>
-      <p:grpSpPr>
-        <a:xfrm>
-          <a:off x="0" y="0"/>
-          <a:ext cx="0" cy="0"/>
-          <a:chOff x="0" y="0"/>
-          <a:chExt cx="0" cy="0"/>
-        </a:xfrm>
-      </p:grpSpPr>
-      <p:sp>
-        <p:nvSpPr>
-          <p:cNvPr id="4" name="Title 3"/>
-          <p:cNvSpPr>
-            <a:spLocks noGrp="1"/>
-          </p:cNvSpPr>
-          <p:nvPr>
-            <p:ph type="title"/>
-          </p:nvPr>
-        </p:nvSpPr>
-        <p:spPr/>
-        <p:txBody>
-          <a:bodyPr/>
-          <a:lstStyle/>
-          <a:p>
-            <a:r>
-              <a:rPr lang="en-US" dirty="0" smtClean="0"/>
-              <a:t>Performance	</a:t>
-            </a:r>
-            <a:endParaRPr lang="en-US" dirty="0"/>
-          </a:p>
-        </p:txBody>
-      </p:sp>
-      <p:sp>
-        <p:nvSpPr>
-          <p:cNvPr id="5" name="Content Placeholder 4"/>
-          <p:cNvSpPr>
-            <a:spLocks noGrp="1"/>
-          </p:cNvSpPr>
-          <p:nvPr>
-            <p:ph idx="1"/>
-          </p:nvPr>
-        </p:nvSpPr>
-        <p:spPr/>
-        <p:txBody>
-          <a:bodyPr/>
-          <a:lstStyle/>
-          <a:p>
-            <a:r>
-              <a:rPr lang="en-US" dirty="0"/>
-              <a:t>Indexing (POC)</a:t>
-            </a:r>
-          </a:p>
-          <a:p>
-            <a:pPr lvl="1"/>
-            <a:r>
-              <a:rPr lang="en-US" dirty="0"/>
-              <a:t>Partition By</a:t>
-            </a:r>
-          </a:p>
-          <a:p>
-            <a:pPr lvl="1"/>
-            <a:r>
-              <a:rPr lang="en-US" dirty="0"/>
-              <a:t>Order By</a:t>
-            </a:r>
-          </a:p>
-          <a:p>
-            <a:pPr lvl="1"/>
-            <a:r>
-              <a:rPr lang="en-US" dirty="0"/>
-              <a:t>Covering</a:t>
-            </a:r>
-          </a:p>
-          <a:p>
-            <a:endParaRPr lang="en-US" dirty="0"/>
-          </a:p>
-        </p:txBody>
-      </p:sp>
-    </p:spTree>
-    <p:extLst>
-      <p:ext uri="{BB962C8B-B14F-4D97-AF65-F5344CB8AC3E}">
-        <p14:creationId xmlns:p14="http://schemas.microsoft.com/office/powerpoint/2010/main" val="3434165867"/>
-      </p:ext>
-    </p:extLst>
-  </p:cSld>
-  <p:clrMapOvr>
-    <a:masterClrMapping/>
-  </p:clrMapOvr>
-  <p:timing>
-    <p:tnLst>
-      <p:par>
-        <p:cTn id="1" dur="indefinite" restart="never" nodeType="tmRoot"/>
-      </p:par>
-    </p:tnLst>
-  </p:timing>
-</p:sld>
-</file>
-
-<file path=ppt/slides/slide27.xml><?xml version="1.0" encoding="utf-8"?>
-<p:sld xmlns:a="http://schemas.openxmlformats.org/drawingml/2006/main" xmlns:r="http://schemas.openxmlformats.org/officeDocument/2006/relationships" xmlns:p="http://schemas.openxmlformats.org/presentationml/2006/main">
-  <p:cSld>
-    <p:spTree>
-      <p:nvGrpSpPr>
-        <p:cNvPr id="1" name=""/>
-        <p:cNvGrpSpPr/>
-        <p:nvPr/>
-      </p:nvGrpSpPr>
-      <p:grpSpPr>
-        <a:xfrm>
-          <a:off x="0" y="0"/>
-          <a:ext cx="0" cy="0"/>
-          <a:chOff x="0" y="0"/>
-          <a:chExt cx="0" cy="0"/>
-        </a:xfrm>
-      </p:grpSpPr>
-      <p:sp>
-        <p:nvSpPr>
-          <p:cNvPr id="2" name="Title 1"/>
-          <p:cNvSpPr>
-            <a:spLocks noGrp="1"/>
-          </p:cNvSpPr>
-          <p:nvPr>
-            <p:ph type="title"/>
-          </p:nvPr>
-        </p:nvSpPr>
-        <p:spPr/>
-        <p:txBody>
-          <a:bodyPr/>
-          <a:lstStyle/>
-          <a:p>
-            <a:r>
-              <a:rPr lang="en-US" dirty="0" smtClean="0"/>
-              <a:t>The End</a:t>
-            </a:r>
-            <a:endParaRPr lang="en-US" dirty="0"/>
-          </a:p>
-        </p:txBody>
-      </p:sp>
-      <p:sp>
-        <p:nvSpPr>
-          <p:cNvPr id="3" name="Content Placeholder 2"/>
-          <p:cNvSpPr>
-            <a:spLocks noGrp="1"/>
-          </p:cNvSpPr>
-          <p:nvPr>
-            <p:ph idx="1"/>
-          </p:nvPr>
-        </p:nvSpPr>
-        <p:spPr/>
-        <p:txBody>
-          <a:bodyPr>
-            <a:normAutofit/>
-          </a:bodyPr>
-          <a:lstStyle/>
-          <a:p>
-            <a:r>
-              <a:rPr lang="en-US" dirty="0" smtClean="0"/>
-              <a:t>Thanks for coming</a:t>
-            </a:r>
-          </a:p>
-          <a:p>
-            <a:r>
-              <a:rPr lang="en-US" dirty="0" smtClean="0"/>
-              <a:t>Questions?</a:t>
-            </a:r>
-          </a:p>
-          <a:p>
-            <a:r>
-              <a:rPr lang="en-US" dirty="0" smtClean="0"/>
-              <a:t>More </a:t>
-            </a:r>
-            <a:r>
-              <a:rPr lang="en-US" dirty="0" smtClean="0"/>
-              <a:t>information</a:t>
-            </a:r>
-          </a:p>
-          <a:p>
-            <a:pPr lvl="1"/>
-            <a:r>
-              <a:rPr lang="en-US" sz="3200" dirty="0" smtClean="0">
-                <a:hlinkClick r:id="rId2"/>
-              </a:rPr>
-              <a:t>www.sqlmag.com</a:t>
-            </a:r>
-            <a:endParaRPr lang="en-US" sz="3200" dirty="0" smtClean="0">
-              <a:hlinkClick r:id="rId3"/>
-            </a:endParaRPr>
-          </a:p>
-          <a:p>
-            <a:pPr lvl="1"/>
-            <a:r>
-              <a:rPr lang="en-US" sz="3200" dirty="0" smtClean="0">
-                <a:hlinkClick r:id="rId3"/>
-              </a:rPr>
-              <a:t>www.sqlservercentral.com</a:t>
-            </a:r>
-            <a:endParaRPr lang="en-US" sz="3200" dirty="0"/>
-          </a:p>
-        </p:txBody>
-      </p:sp>
-      <p:sp>
-        <p:nvSpPr>
-          <p:cNvPr id="4" name="Rectangle 3"/>
-          <p:cNvSpPr/>
-          <p:nvPr/>
-        </p:nvSpPr>
-        <p:spPr>
-          <a:xfrm>
-            <a:off x="1143000" y="5376446"/>
-            <a:ext cx="3505199" cy="338554"/>
-          </a:xfrm>
-          <a:prstGeom prst="rect">
-            <a:avLst/>
-          </a:prstGeom>
-        </p:spPr>
-        <p:txBody>
-          <a:bodyPr wrap="square">
-            <a:spAutoFit/>
-          </a:bodyPr>
-          <a:lstStyle/>
-          <a:p>
-            <a:pPr>
-              <a:spcAft>
-                <a:spcPts val="3600"/>
-              </a:spcAft>
-            </a:pPr>
-            <a:r>
-              <a:rPr lang="en-US" sz="1600" dirty="0" smtClean="0">
-                <a:latin typeface="Microsoft Sans Serif" panose="020B0604020202020204" pitchFamily="34" charset="0"/>
-                <a:hlinkClick r:id="rId4"/>
-              </a:rPr>
-              <a:t>voiceofthedba.wordpress.com</a:t>
-            </a:r>
-            <a:r>
-              <a:rPr lang="en-US" sz="1600" dirty="0">
-                <a:latin typeface="Microsoft Sans Serif" panose="020B0604020202020204" pitchFamily="34" charset="0"/>
-                <a:hlinkClick r:id="rId4"/>
-              </a:rPr>
-              <a:t>/</a:t>
-            </a:r>
-            <a:endParaRPr lang="en-US" sz="1600" dirty="0">
-              <a:latin typeface="Microsoft Sans Serif" panose="020B0604020202020204" pitchFamily="34" charset="0"/>
-            </a:endParaRPr>
-          </a:p>
-        </p:txBody>
-      </p:sp>
-      <p:pic>
-        <p:nvPicPr>
-          <p:cNvPr id="5" name="Picture 4" descr="blog.png"/>
-          <p:cNvPicPr>
-            <a:picLocks noChangeAspect="1"/>
-          </p:cNvPicPr>
-          <p:nvPr/>
-        </p:nvPicPr>
-        <p:blipFill>
-          <a:blip r:embed="rId5" cstate="print"/>
-          <a:stretch>
-            <a:fillRect/>
-          </a:stretch>
-        </p:blipFill>
-        <p:spPr>
-          <a:xfrm>
-            <a:off x="152400" y="5233299"/>
-            <a:ext cx="984498" cy="634101"/>
-          </a:xfrm>
-          <a:prstGeom prst="rect">
-            <a:avLst/>
-          </a:prstGeom>
-        </p:spPr>
-      </p:pic>
-      <p:pic>
-        <p:nvPicPr>
-          <p:cNvPr id="6" name="Picture 5" descr="email.png"/>
-          <p:cNvPicPr>
-            <a:picLocks noChangeAspect="1"/>
-          </p:cNvPicPr>
-          <p:nvPr/>
-        </p:nvPicPr>
-        <p:blipFill>
-          <a:blip r:embed="rId6" cstate="print"/>
-          <a:stretch>
-            <a:fillRect/>
-          </a:stretch>
-        </p:blipFill>
-        <p:spPr>
-          <a:xfrm>
-            <a:off x="158500" y="5995298"/>
-            <a:ext cx="984500" cy="634102"/>
-          </a:xfrm>
-          <a:prstGeom prst="rect">
-            <a:avLst/>
-          </a:prstGeom>
-        </p:spPr>
-      </p:pic>
-      <p:sp>
-        <p:nvSpPr>
-          <p:cNvPr id="7" name="Rectangle 6"/>
-          <p:cNvSpPr/>
-          <p:nvPr/>
-        </p:nvSpPr>
-        <p:spPr>
-          <a:xfrm>
-            <a:off x="1143000" y="6138310"/>
-            <a:ext cx="3124200" cy="338554"/>
-          </a:xfrm>
-          <a:prstGeom prst="rect">
-            <a:avLst/>
-          </a:prstGeom>
-        </p:spPr>
-        <p:txBody>
-          <a:bodyPr wrap="square">
-            <a:spAutoFit/>
-          </a:bodyPr>
-          <a:lstStyle/>
-          <a:p>
-            <a:pPr>
-              <a:spcAft>
-                <a:spcPts val="3600"/>
-              </a:spcAft>
-            </a:pPr>
-            <a:r>
-              <a:rPr lang="en-US" sz="1600" dirty="0">
-                <a:latin typeface="Microsoft Sans Serif" panose="020B0604020202020204" pitchFamily="34" charset="0"/>
-                <a:hlinkClick r:id="rId7"/>
-              </a:rPr>
-              <a:t>sjones@sqlservercentral.com</a:t>
-            </a:r>
-            <a:endParaRPr lang="en-US" sz="1600" dirty="0">
-              <a:latin typeface="Microsoft Sans Serif" panose="020B0604020202020204" pitchFamily="34" charset="0"/>
-            </a:endParaRPr>
-          </a:p>
-        </p:txBody>
-      </p:sp>
-      <p:sp>
-        <p:nvSpPr>
-          <p:cNvPr id="8" name="Rectangle 7"/>
-          <p:cNvSpPr/>
-          <p:nvPr/>
-        </p:nvSpPr>
-        <p:spPr>
-          <a:xfrm>
-            <a:off x="5486400" y="5440298"/>
-            <a:ext cx="2002773" cy="338554"/>
-          </a:xfrm>
-          <a:prstGeom prst="rect">
-            <a:avLst/>
-          </a:prstGeom>
-        </p:spPr>
-        <p:txBody>
-          <a:bodyPr wrap="square">
-            <a:spAutoFit/>
-          </a:bodyPr>
-          <a:lstStyle/>
-          <a:p>
-            <a:pPr>
-              <a:spcAft>
-                <a:spcPts val="3600"/>
-              </a:spcAft>
-            </a:pPr>
-            <a:r>
-              <a:rPr lang="en-US" sz="1600" dirty="0">
-                <a:latin typeface="Microsoft Sans Serif" panose="020B0604020202020204" pitchFamily="34" charset="0"/>
-                <a:hlinkClick r:id="rId8"/>
-              </a:rPr>
-              <a:t>@way0utwest</a:t>
-            </a:r>
-            <a:endParaRPr lang="en-US" sz="1600" dirty="0">
-              <a:latin typeface="Microsoft Sans Serif" panose="020B0604020202020204" pitchFamily="34" charset="0"/>
-            </a:endParaRPr>
-          </a:p>
-        </p:txBody>
-      </p:sp>
-      <p:pic>
-        <p:nvPicPr>
-          <p:cNvPr id="9" name="Picture 8"/>
-          <p:cNvPicPr>
-            <a:picLocks noChangeAspect="1"/>
-          </p:cNvPicPr>
-          <p:nvPr/>
-        </p:nvPicPr>
-        <p:blipFill>
-          <a:blip r:embed="rId9" cstate="print">
-            <a:extLst>
-              <a:ext uri="{28A0092B-C50C-407E-A947-70E740481C1C}">
-                <a14:useLocalDpi xmlns:a14="http://schemas.microsoft.com/office/drawing/2010/main" val="0"/>
-              </a:ext>
-            </a:extLst>
-          </a:blip>
-          <a:stretch>
-            <a:fillRect/>
-          </a:stretch>
-        </p:blipFill>
-        <p:spPr>
-          <a:xfrm>
-            <a:off x="4495800" y="5292524"/>
-            <a:ext cx="984500" cy="634102"/>
-          </a:xfrm>
-          <a:prstGeom prst="rect">
-            <a:avLst/>
-          </a:prstGeom>
-        </p:spPr>
-      </p:pic>
-      <p:pic>
-        <p:nvPicPr>
-          <p:cNvPr id="10" name="Picture 9"/>
-          <p:cNvPicPr>
-            <a:picLocks noChangeAspect="1"/>
-          </p:cNvPicPr>
-          <p:nvPr/>
-        </p:nvPicPr>
-        <p:blipFill>
-          <a:blip r:embed="rId10" cstate="print">
-            <a:extLst>
-              <a:ext uri="{28A0092B-C50C-407E-A947-70E740481C1C}">
-                <a14:useLocalDpi xmlns:a14="http://schemas.microsoft.com/office/drawing/2010/main" val="0"/>
-              </a:ext>
-            </a:extLst>
-          </a:blip>
-          <a:stretch>
-            <a:fillRect/>
-          </a:stretch>
-        </p:blipFill>
-        <p:spPr>
-          <a:xfrm>
-            <a:off x="4463143" y="5985774"/>
-            <a:ext cx="984497" cy="643626"/>
-          </a:xfrm>
-          <a:prstGeom prst="rect">
-            <a:avLst/>
-          </a:prstGeom>
-        </p:spPr>
-      </p:pic>
-      <p:sp>
-        <p:nvSpPr>
-          <p:cNvPr id="11" name="TextBox 10"/>
-          <p:cNvSpPr txBox="1"/>
-          <p:nvPr/>
-        </p:nvSpPr>
-        <p:spPr>
-          <a:xfrm>
-            <a:off x="5486400" y="6138310"/>
-            <a:ext cx="3581400" cy="338554"/>
-          </a:xfrm>
-          <a:prstGeom prst="rect">
-            <a:avLst/>
-          </a:prstGeom>
-          <a:noFill/>
-        </p:spPr>
-        <p:txBody>
-          <a:bodyPr wrap="square" rtlCol="0">
-            <a:spAutoFit/>
-          </a:bodyPr>
-          <a:lstStyle/>
-          <a:p>
-            <a:r>
-              <a:rPr lang="en-US" sz="1600" dirty="0" smtClean="0">
-                <a:hlinkClick r:id="rId11"/>
-              </a:rPr>
-              <a:t>http://www.linkedin.com/in/way0utwest</a:t>
-            </a:r>
-            <a:endParaRPr lang="en-US" sz="1600" dirty="0"/>
-          </a:p>
-        </p:txBody>
-      </p:sp>
-    </p:spTree>
-    <p:extLst>
-      <p:ext uri="{BB962C8B-B14F-4D97-AF65-F5344CB8AC3E}">
-        <p14:creationId xmlns:p14="http://schemas.microsoft.com/office/powerpoint/2010/main" val="420865485"/>
-      </p:ext>
-    </p:extLst>
-  </p:cSld>
-  <p:clrMapOvr>
-    <a:masterClrMapping/>
-  </p:clrMapOvr>
-  <p:timing>
-    <p:tnLst>
-      <p:par>
-        <p:cTn id="1" dur="indefinite" restart="never" nodeType="tmRoot"/>
-      </p:par>
-    </p:tnLst>
-  </p:timing>
-</p:sld>
-</file>
-
-<file path=ppt/slides/slide28.xml><?xml version="1.0" encoding="utf-8"?>
-<p:sld xmlns:a="http://schemas.openxmlformats.org/drawingml/2006/main" xmlns:r="http://schemas.openxmlformats.org/officeDocument/2006/relationships" xmlns:p="http://schemas.openxmlformats.org/presentationml/2006/main">
-  <p:cSld>
-    <p:spTree>
-      <p:nvGrpSpPr>
-        <p:cNvPr id="1" name=""/>
-        <p:cNvGrpSpPr/>
-        <p:nvPr/>
-      </p:nvGrpSpPr>
-      <p:grpSpPr>
-        <a:xfrm>
-          <a:off x="0" y="0"/>
-          <a:ext cx="0" cy="0"/>
-          <a:chOff x="0" y="0"/>
-          <a:chExt cx="0" cy="0"/>
-        </a:xfrm>
-      </p:grpSpPr>
-      <p:sp>
-        <p:nvSpPr>
-          <p:cNvPr id="2" name="Title 1"/>
-          <p:cNvSpPr>
-            <a:spLocks noGrp="1"/>
-          </p:cNvSpPr>
-          <p:nvPr>
-            <p:ph type="title"/>
-          </p:nvPr>
-        </p:nvSpPr>
-        <p:spPr/>
-        <p:txBody>
-          <a:bodyPr/>
-          <a:lstStyle/>
-          <a:p>
-            <a:r>
-              <a:rPr lang="en-US" dirty="0" smtClean="0"/>
-              <a:t>References</a:t>
-            </a:r>
-            <a:endParaRPr lang="en-US" dirty="0"/>
-          </a:p>
-        </p:txBody>
-      </p:sp>
-      <p:sp>
-        <p:nvSpPr>
-          <p:cNvPr id="3" name="Content Placeholder 2"/>
-          <p:cNvSpPr>
-            <a:spLocks noGrp="1"/>
-          </p:cNvSpPr>
-          <p:nvPr>
-            <p:ph idx="1"/>
-          </p:nvPr>
-        </p:nvSpPr>
-        <p:spPr/>
-        <p:txBody>
-          <a:bodyPr>
-            <a:normAutofit fontScale="55000" lnSpcReduction="20000"/>
-          </a:bodyPr>
-          <a:lstStyle/>
-          <a:p>
-            <a:r>
-              <a:rPr lang="en-US" dirty="0" smtClean="0"/>
-              <a:t>Articles</a:t>
-            </a:r>
-          </a:p>
-          <a:p>
-            <a:pPr lvl="1"/>
-            <a:r>
-              <a:rPr lang="en-US" dirty="0" smtClean="0"/>
-              <a:t>The Performance of the T-SQL </a:t>
-            </a:r>
-            <a:r>
-              <a:rPr lang="en-US" dirty="0"/>
-              <a:t>Window Functions - </a:t>
-            </a:r>
-            <a:r>
-              <a:rPr lang="en-US" dirty="0">
-                <a:hlinkClick r:id="rId2"/>
-              </a:rPr>
-              <a:t>https://www.simple-talk.com/sql/t-sql-programming/the-performance-of-the-t-sql-window-functions</a:t>
-            </a:r>
-            <a:r>
-              <a:rPr lang="en-US" dirty="0" smtClean="0">
-                <a:hlinkClick r:id="rId2"/>
-              </a:rPr>
-              <a:t>/</a:t>
-            </a:r>
-            <a:endParaRPr lang="en-US" dirty="0" smtClean="0"/>
-          </a:p>
-          <a:p>
-            <a:pPr lvl="1"/>
-            <a:r>
-              <a:rPr lang="en-US" dirty="0" smtClean="0"/>
-              <a:t>Window </a:t>
-            </a:r>
-            <a:r>
-              <a:rPr lang="en-US" dirty="0"/>
-              <a:t>Functions in SQL - </a:t>
-            </a:r>
-            <a:r>
-              <a:rPr lang="en-US" dirty="0">
-                <a:hlinkClick r:id="rId3"/>
-              </a:rPr>
-              <a:t>https://www.simple-talk.com/sql/t-sql-programming/window-functions-in-sql</a:t>
-            </a:r>
-            <a:r>
-              <a:rPr lang="en-US" dirty="0" smtClean="0">
-                <a:hlinkClick r:id="rId3"/>
-              </a:rPr>
-              <a:t>/</a:t>
-            </a:r>
-            <a:endParaRPr lang="en-US" dirty="0" smtClean="0"/>
-          </a:p>
-          <a:p>
-            <a:pPr lvl="1"/>
-            <a:r>
-              <a:rPr lang="en-US" dirty="0" smtClean="0"/>
-              <a:t>SQL Server 2012 </a:t>
-            </a:r>
-            <a:r>
-              <a:rPr lang="en-US" dirty="0"/>
-              <a:t>Window Function Basics - </a:t>
-            </a:r>
-            <a:r>
-              <a:rPr lang="en-US" dirty="0">
-                <a:hlinkClick r:id="rId4"/>
-              </a:rPr>
-              <a:t>https://www.simple-talk.com/sql/t-sql-programming/sql-server-2012-window-function-basics</a:t>
-            </a:r>
-            <a:r>
-              <a:rPr lang="en-US" dirty="0" smtClean="0">
-                <a:hlinkClick r:id="rId4"/>
-              </a:rPr>
-              <a:t>/</a:t>
-            </a:r>
-            <a:endParaRPr lang="en-US" dirty="0" smtClean="0"/>
-          </a:p>
-          <a:p>
-            <a:pPr lvl="1"/>
-            <a:r>
-              <a:rPr lang="en-US" dirty="0" smtClean="0"/>
-              <a:t>Working with Window Functions in </a:t>
-            </a:r>
-            <a:r>
-              <a:rPr lang="en-US" dirty="0"/>
-              <a:t>SQL Server - https://www.simple-talk.com/sql/learn-sql-server/working-with-window-functions-in-sql-server/</a:t>
-            </a:r>
-            <a:endParaRPr lang="en-US" dirty="0" smtClean="0"/>
-          </a:p>
-          <a:p>
-            <a:pPr lvl="1"/>
-            <a:endParaRPr lang="en-US" dirty="0" smtClean="0"/>
-          </a:p>
-          <a:p>
-            <a:r>
-              <a:rPr lang="en-US" dirty="0" smtClean="0"/>
-              <a:t>Videos</a:t>
-            </a:r>
-          </a:p>
-          <a:p>
-            <a:pPr lvl="1"/>
-            <a:r>
-              <a:rPr lang="en-US" dirty="0" smtClean="0"/>
-              <a:t>T-SQL Power! SQL Server </a:t>
-            </a:r>
-            <a:r>
-              <a:rPr lang="en-US" dirty="0"/>
-              <a:t>Windows That Open Doors - </a:t>
-            </a:r>
-            <a:r>
-              <a:rPr lang="en-US" dirty="0">
-                <a:hlinkClick r:id="rId5"/>
-              </a:rPr>
-              <a:t>https://</a:t>
-            </a:r>
-            <a:r>
-              <a:rPr lang="en-US" dirty="0" smtClean="0">
-                <a:hlinkClick r:id="rId5"/>
-              </a:rPr>
-              <a:t>www.youtube.com/watch?v=YK-ufNpMeLU</a:t>
-            </a:r>
-            <a:endParaRPr lang="en-US" dirty="0" smtClean="0"/>
-          </a:p>
-          <a:p>
-            <a:pPr lvl="1"/>
-            <a:r>
-              <a:rPr lang="en-US" dirty="0" smtClean="0"/>
-              <a:t>Building Your T-SQL Toolkit: Window </a:t>
-            </a:r>
-            <a:r>
-              <a:rPr lang="en-US" dirty="0"/>
-              <a:t>function Fundamentals - </a:t>
-            </a:r>
-            <a:r>
-              <a:rPr lang="en-US" dirty="0">
-                <a:hlinkClick r:id="rId6"/>
-              </a:rPr>
-              <a:t>http://</a:t>
-            </a:r>
-            <a:r>
-              <a:rPr lang="en-US" dirty="0" smtClean="0">
-                <a:hlinkClick r:id="rId6"/>
-              </a:rPr>
-              <a:t>www.sqlbits.com/Sessions/Event12/Building_Your_T-SQL_Tool_Kit_Window_Function_Fundamentals</a:t>
-            </a:r>
-            <a:endParaRPr lang="en-US" dirty="0" smtClean="0"/>
-          </a:p>
-          <a:p>
-            <a:pPr lvl="1"/>
-            <a:r>
-              <a:rPr lang="en-US" dirty="0" smtClean="0"/>
-              <a:t>Using Window Functions to Solve Common </a:t>
-            </a:r>
-            <a:r>
-              <a:rPr lang="en-US" dirty="0"/>
-              <a:t>T-SQL Challenges - http://channel9.msdn.com/Events/TechEd/NewZealand/TechEd-New-Zealand-2012/DBI309</a:t>
-            </a:r>
-            <a:endParaRPr lang="en-US" dirty="0" smtClean="0"/>
-          </a:p>
-          <a:p>
-            <a:endParaRPr lang="en-US" dirty="0"/>
-          </a:p>
-        </p:txBody>
-      </p:sp>
-    </p:spTree>
-    <p:extLst>
-      <p:ext uri="{BB962C8B-B14F-4D97-AF65-F5344CB8AC3E}">
-        <p14:creationId xmlns:p14="http://schemas.microsoft.com/office/powerpoint/2010/main" val="2650404453"/>
-      </p:ext>
-    </p:extLst>
-  </p:cSld>
-  <p:clrMapOvr>
-    <a:masterClrMapping/>
-  </p:clrMapOvr>
-  <p:timing>
-    <p:tnLst>
-      <p:par>
-        <p:cTn id="1" dur="indefinite" restart="never" nodeType="tmRoot"/>
-      </p:par>
-    </p:tnLst>
-  </p:timing>
-</p:sld>
-</file>
-
 <file path=ppt/slides/slide29.xml><?xml version="1.0" encoding="utf-8"?>
 <p:sld xmlns:a="http://schemas.openxmlformats.org/drawingml/2006/main" xmlns:r="http://schemas.openxmlformats.org/officeDocument/2006/relationships" xmlns:p="http://schemas.openxmlformats.org/presentationml/2006/main">
   <p:cSld>
@@ -7448,7 +7220,7 @@
       </p:grpSpPr>
       <p:sp>
         <p:nvSpPr>
-          <p:cNvPr id="2" name="Title 1"/>
+          <p:cNvPr id="4" name="Title 3"/>
           <p:cNvSpPr>
             <a:spLocks noGrp="1"/>
           </p:cNvSpPr>
@@ -7463,7 +7235,7 @@
           <a:p>
             <a:r>
               <a:rPr lang="en-US" dirty="0" smtClean="0"/>
-              <a:t>Outline</a:t>
+              <a:t>Demo</a:t>
             </a:r>
             <a:endParaRPr lang="en-US" dirty="0"/>
           </a:p>
@@ -7471,175 +7243,23 @@
       </p:sp>
       <p:sp>
         <p:nvSpPr>
-          <p:cNvPr id="3" name="Content Placeholder 2"/>
-          <p:cNvSpPr>
-            <a:spLocks noGrp="1"/>
-          </p:cNvSpPr>
-          <p:nvPr>
-            <p:ph idx="1"/>
+          <p:cNvPr id="5" name="Text Placeholder 4"/>
+          <p:cNvSpPr>
+            <a:spLocks noGrp="1"/>
+          </p:cNvSpPr>
+          <p:nvPr>
+            <p:ph type="body" idx="1"/>
           </p:nvPr>
         </p:nvSpPr>
         <p:spPr/>
         <p:txBody>
-          <a:bodyPr>
-            <a:normAutofit fontScale="40000" lnSpcReduction="20000"/>
-          </a:bodyPr>
-          <a:lstStyle/>
-          <a:p>
-            <a:r>
-              <a:rPr lang="en-US" dirty="0" smtClean="0"/>
-              <a:t>Introduce Windows and Framing</a:t>
-            </a:r>
-          </a:p>
-          <a:p>
-            <a:pPr lvl="1"/>
-            <a:r>
-              <a:rPr lang="en-US" dirty="0" smtClean="0"/>
-              <a:t>Show examples of different windows</a:t>
-            </a:r>
-          </a:p>
-          <a:p>
-            <a:pPr lvl="1"/>
-            <a:r>
-              <a:rPr lang="en-US" dirty="0" smtClean="0"/>
-              <a:t>Introduce partitioning</a:t>
-            </a:r>
-          </a:p>
-          <a:p>
-            <a:r>
-              <a:rPr lang="en-US" dirty="0" smtClean="0"/>
-              <a:t>Simple Examples</a:t>
-            </a:r>
-          </a:p>
-          <a:p>
-            <a:pPr lvl="1"/>
-            <a:r>
-              <a:rPr lang="en-US" dirty="0" smtClean="0"/>
-              <a:t>Old running total – get sum by games</a:t>
-            </a:r>
-          </a:p>
-          <a:p>
-            <a:pPr lvl="1"/>
-            <a:r>
-              <a:rPr lang="en-US" dirty="0" smtClean="0"/>
-              <a:t>New running total, just ORDER BY</a:t>
-            </a:r>
-          </a:p>
-          <a:p>
-            <a:pPr lvl="1"/>
-            <a:r>
-              <a:rPr lang="en-US" dirty="0" smtClean="0"/>
-              <a:t>Talk about performance, ref Adam’s video</a:t>
-            </a:r>
-          </a:p>
-          <a:p>
-            <a:r>
-              <a:rPr lang="en-US" dirty="0" smtClean="0"/>
-              <a:t>Introduce partitions</a:t>
-            </a:r>
-          </a:p>
-          <a:p>
-            <a:pPr lvl="1"/>
-            <a:r>
-              <a:rPr lang="en-US" dirty="0" smtClean="0"/>
-              <a:t>Look at a simple partition, by team</a:t>
-            </a:r>
-          </a:p>
-          <a:p>
-            <a:pPr lvl="1"/>
-            <a:r>
-              <a:rPr lang="en-US" dirty="0" smtClean="0"/>
-              <a:t>Sum HRs</a:t>
-            </a:r>
-          </a:p>
-          <a:p>
-            <a:r>
-              <a:rPr lang="en-US" dirty="0" smtClean="0"/>
-              <a:t>Multiple frames</a:t>
-            </a:r>
-          </a:p>
-          <a:p>
-            <a:pPr lvl="1"/>
-            <a:r>
-              <a:rPr lang="en-US" dirty="0" smtClean="0"/>
-              <a:t>Partition by teams and players, separate running totals</a:t>
-            </a:r>
-            <a:endParaRPr lang="en-US" dirty="0"/>
-          </a:p>
-          <a:p>
-            <a:r>
-              <a:rPr lang="en-US" dirty="0" smtClean="0"/>
-              <a:t>Range v rows</a:t>
-            </a:r>
-          </a:p>
-          <a:p>
-            <a:pPr lvl="1"/>
-            <a:r>
-              <a:rPr lang="en-US" dirty="0" smtClean="0"/>
-              <a:t>Default range</a:t>
-            </a:r>
-          </a:p>
-          <a:p>
-            <a:pPr lvl="1"/>
-            <a:r>
-              <a:rPr lang="en-US" dirty="0" smtClean="0"/>
-              <a:t>Show issues with range</a:t>
-            </a:r>
-          </a:p>
-          <a:p>
-            <a:pPr lvl="1"/>
-            <a:r>
-              <a:rPr lang="en-US" dirty="0" smtClean="0"/>
-              <a:t>Then change to rows, show preceding week,</a:t>
-            </a:r>
-          </a:p>
-          <a:p>
-            <a:pPr lvl="1"/>
-            <a:r>
-              <a:rPr lang="en-US" dirty="0" smtClean="0"/>
-              <a:t>Then show preceding and following week.</a:t>
-            </a:r>
-          </a:p>
-          <a:p>
-            <a:pPr lvl="1"/>
-            <a:r>
-              <a:rPr lang="en-US" dirty="0" smtClean="0"/>
-              <a:t>Compare exec plans, range v rows. Show rows matters</a:t>
-            </a:r>
-          </a:p>
-          <a:p>
-            <a:r>
-              <a:rPr lang="en-US" dirty="0" smtClean="0"/>
-              <a:t>First/last values and </a:t>
-            </a:r>
-            <a:r>
-              <a:rPr lang="en-US" dirty="0" err="1" smtClean="0"/>
-              <a:t>rownumber</a:t>
-            </a:r>
-            <a:endParaRPr lang="en-US" dirty="0" smtClean="0"/>
-          </a:p>
-          <a:p>
-            <a:pPr lvl="1"/>
-            <a:r>
-              <a:rPr lang="en-US" dirty="0" smtClean="0"/>
-              <a:t>Show top n per group problems.</a:t>
-            </a:r>
-          </a:p>
-          <a:p>
-            <a:pPr lvl="1"/>
-            <a:r>
-              <a:rPr lang="en-US" dirty="0" smtClean="0"/>
-              <a:t>Watch out for default with first/last</a:t>
-            </a:r>
-          </a:p>
-          <a:p>
-            <a:pPr lvl="1"/>
-            <a:r>
-              <a:rPr lang="en-US" dirty="0" smtClean="0"/>
-              <a:t>43:42</a:t>
-            </a:r>
-          </a:p>
-          <a:p>
+          <a:bodyPr/>
+          <a:lstStyle/>
+          <a:p>
+            <a:r>
+              <a:rPr lang="en-US" dirty="0" smtClean="0"/>
+              <a:t>LAG/LEAD</a:t>
+            </a:r>
             <a:endParaRPr lang="en-US" dirty="0"/>
           </a:p>
         </p:txBody>
@@ -7647,7 +7267,7 @@
     </p:spTree>
     <p:extLst>
       <p:ext uri="{BB962C8B-B14F-4D97-AF65-F5344CB8AC3E}">
-        <p14:creationId xmlns:p14="http://schemas.microsoft.com/office/powerpoint/2010/main" val="1862273359"/>
+        <p14:creationId xmlns:p14="http://schemas.microsoft.com/office/powerpoint/2010/main" val="2048685256"/>
       </p:ext>
     </p:extLst>
   </p:cSld>
@@ -7763,6 +7383,1016 @@
 </p:sld>
 </file>
 
+<file path=ppt/slides/slide30.xml><?xml version="1.0" encoding="utf-8"?>
+<p:sld xmlns:a="http://schemas.openxmlformats.org/drawingml/2006/main" xmlns:r="http://schemas.openxmlformats.org/officeDocument/2006/relationships" xmlns:p="http://schemas.openxmlformats.org/presentationml/2006/main">
+  <p:cSld>
+    <p:spTree>
+      <p:nvGrpSpPr>
+        <p:cNvPr id="1" name=""/>
+        <p:cNvGrpSpPr/>
+        <p:nvPr/>
+      </p:nvGrpSpPr>
+      <p:grpSpPr>
+        <a:xfrm>
+          <a:off x="0" y="0"/>
+          <a:ext cx="0" cy="0"/>
+          <a:chOff x="0" y="0"/>
+          <a:chExt cx="0" cy="0"/>
+        </a:xfrm>
+      </p:grpSpPr>
+      <p:sp>
+        <p:nvSpPr>
+          <p:cNvPr id="4" name="Title 3"/>
+          <p:cNvSpPr>
+            <a:spLocks noGrp="1"/>
+          </p:cNvSpPr>
+          <p:nvPr>
+            <p:ph type="title"/>
+          </p:nvPr>
+        </p:nvSpPr>
+        <p:spPr/>
+        <p:txBody>
+          <a:bodyPr/>
+          <a:lstStyle/>
+          <a:p>
+            <a:r>
+              <a:rPr lang="en-US" dirty="0" smtClean="0"/>
+              <a:t>Performance	</a:t>
+            </a:r>
+            <a:endParaRPr lang="en-US" dirty="0"/>
+          </a:p>
+        </p:txBody>
+      </p:sp>
+      <p:sp>
+        <p:nvSpPr>
+          <p:cNvPr id="5" name="Content Placeholder 4"/>
+          <p:cNvSpPr>
+            <a:spLocks noGrp="1"/>
+          </p:cNvSpPr>
+          <p:nvPr>
+            <p:ph idx="1"/>
+          </p:nvPr>
+        </p:nvSpPr>
+        <p:spPr/>
+        <p:txBody>
+          <a:bodyPr/>
+          <a:lstStyle/>
+          <a:p>
+            <a:r>
+              <a:rPr lang="en-US" dirty="0"/>
+              <a:t>Indexing (POC)</a:t>
+            </a:r>
+          </a:p>
+          <a:p>
+            <a:pPr lvl="1"/>
+            <a:r>
+              <a:rPr lang="en-US" dirty="0"/>
+              <a:t>Partition By</a:t>
+            </a:r>
+          </a:p>
+          <a:p>
+            <a:pPr lvl="1"/>
+            <a:r>
+              <a:rPr lang="en-US" dirty="0"/>
+              <a:t>Order By</a:t>
+            </a:r>
+          </a:p>
+          <a:p>
+            <a:pPr lvl="1"/>
+            <a:r>
+              <a:rPr lang="en-US" dirty="0"/>
+              <a:t>Covering</a:t>
+            </a:r>
+          </a:p>
+          <a:p>
+            <a:endParaRPr lang="en-US" dirty="0"/>
+          </a:p>
+        </p:txBody>
+      </p:sp>
+    </p:spTree>
+    <p:extLst>
+      <p:ext uri="{BB962C8B-B14F-4D97-AF65-F5344CB8AC3E}">
+        <p14:creationId xmlns:p14="http://schemas.microsoft.com/office/powerpoint/2010/main" val="3434165867"/>
+      </p:ext>
+    </p:extLst>
+  </p:cSld>
+  <p:clrMapOvr>
+    <a:masterClrMapping/>
+  </p:clrMapOvr>
+  <p:timing>
+    <p:tnLst>
+      <p:par>
+        <p:cTn id="1" dur="indefinite" restart="never" nodeType="tmRoot"/>
+      </p:par>
+    </p:tnLst>
+  </p:timing>
+</p:sld>
+</file>
+
+<file path=ppt/slides/slide31.xml><?xml version="1.0" encoding="utf-8"?>
+<p:sld xmlns:a="http://schemas.openxmlformats.org/drawingml/2006/main" xmlns:r="http://schemas.openxmlformats.org/officeDocument/2006/relationships" xmlns:p="http://schemas.openxmlformats.org/presentationml/2006/main">
+  <p:cSld>
+    <p:spTree>
+      <p:nvGrpSpPr>
+        <p:cNvPr id="1" name=""/>
+        <p:cNvGrpSpPr/>
+        <p:nvPr/>
+      </p:nvGrpSpPr>
+      <p:grpSpPr>
+        <a:xfrm>
+          <a:off x="0" y="0"/>
+          <a:ext cx="0" cy="0"/>
+          <a:chOff x="0" y="0"/>
+          <a:chExt cx="0" cy="0"/>
+        </a:xfrm>
+      </p:grpSpPr>
+      <p:sp>
+        <p:nvSpPr>
+          <p:cNvPr id="2" name="Title 1"/>
+          <p:cNvSpPr>
+            <a:spLocks noGrp="1"/>
+          </p:cNvSpPr>
+          <p:nvPr>
+            <p:ph type="title"/>
+          </p:nvPr>
+        </p:nvSpPr>
+        <p:spPr/>
+        <p:txBody>
+          <a:bodyPr/>
+          <a:lstStyle/>
+          <a:p>
+            <a:r>
+              <a:rPr lang="en-US" dirty="0" smtClean="0"/>
+              <a:t>The End</a:t>
+            </a:r>
+            <a:endParaRPr lang="en-US" dirty="0"/>
+          </a:p>
+        </p:txBody>
+      </p:sp>
+      <p:sp>
+        <p:nvSpPr>
+          <p:cNvPr id="3" name="Content Placeholder 2"/>
+          <p:cNvSpPr>
+            <a:spLocks noGrp="1"/>
+          </p:cNvSpPr>
+          <p:nvPr>
+            <p:ph idx="1"/>
+          </p:nvPr>
+        </p:nvSpPr>
+        <p:spPr/>
+        <p:txBody>
+          <a:bodyPr>
+            <a:normAutofit/>
+          </a:bodyPr>
+          <a:lstStyle/>
+          <a:p>
+            <a:r>
+              <a:rPr lang="en-US" dirty="0" smtClean="0"/>
+              <a:t>Thanks for </a:t>
+            </a:r>
+            <a:r>
+              <a:rPr lang="en-US" dirty="0" smtClean="0"/>
+              <a:t>coming</a:t>
+            </a:r>
+          </a:p>
+          <a:p>
+            <a:r>
+              <a:rPr lang="en-US" dirty="0" smtClean="0"/>
+              <a:t>Please fill out evaluations</a:t>
+            </a:r>
+            <a:endParaRPr lang="en-US" dirty="0" smtClean="0"/>
+          </a:p>
+          <a:p>
+            <a:r>
+              <a:rPr lang="en-US" dirty="0" smtClean="0"/>
+              <a:t>Questions?</a:t>
+            </a:r>
+          </a:p>
+          <a:p>
+            <a:r>
+              <a:rPr lang="en-US" dirty="0" smtClean="0"/>
+              <a:t>More </a:t>
+            </a:r>
+            <a:r>
+              <a:rPr lang="en-US" dirty="0" smtClean="0"/>
+              <a:t>information</a:t>
+            </a:r>
+            <a:endParaRPr lang="en-US" sz="3200" dirty="0" smtClean="0">
+              <a:hlinkClick r:id="rId2"/>
+            </a:endParaRPr>
+          </a:p>
+          <a:p>
+            <a:pPr lvl="1"/>
+            <a:r>
+              <a:rPr lang="en-US" sz="2400" dirty="0" smtClean="0">
+                <a:hlinkClick r:id="rId3"/>
+              </a:rPr>
+              <a:t>www.sqlservercentral.com/Forums</a:t>
+            </a:r>
+            <a:endParaRPr lang="en-US" sz="2400" dirty="0" smtClean="0"/>
+          </a:p>
+          <a:p>
+            <a:pPr lvl="1"/>
+            <a:r>
+              <a:rPr lang="en-US" sz="2400" dirty="0" smtClean="0">
+                <a:hlinkClick r:id="rId4"/>
+              </a:rPr>
+              <a:t>www.sqlservercentral.com/Window Functions</a:t>
+            </a:r>
+            <a:endParaRPr lang="en-US" sz="2400" dirty="0"/>
+          </a:p>
+        </p:txBody>
+      </p:sp>
+      <p:sp>
+        <p:nvSpPr>
+          <p:cNvPr id="12" name="Rectangle 11"/>
+          <p:cNvSpPr/>
+          <p:nvPr/>
+        </p:nvSpPr>
+        <p:spPr>
+          <a:xfrm>
+            <a:off x="1028079" y="5149663"/>
+            <a:ext cx="3973501" cy="507831"/>
+          </a:xfrm>
+          <a:prstGeom prst="rect">
+            <a:avLst/>
+          </a:prstGeom>
+        </p:spPr>
+        <p:txBody>
+          <a:bodyPr wrap="square">
+            <a:spAutoFit/>
+          </a:bodyPr>
+          <a:lstStyle/>
+          <a:p>
+            <a:pPr>
+              <a:spcAft>
+                <a:spcPts val="2700"/>
+              </a:spcAft>
+            </a:pPr>
+            <a:r>
+              <a:rPr lang="en-US" sz="2700" dirty="0">
+                <a:solidFill>
+                  <a:schemeClr val="tx1">
+                    <a:lumMod val="50000"/>
+                    <a:lumOff val="50000"/>
+                  </a:schemeClr>
+                </a:solidFill>
+                <a:latin typeface="Microsoft Sans Serif" panose="020B0604020202020204" pitchFamily="34" charset="0"/>
+              </a:rPr>
+              <a:t>www.voiceofthedba.com</a:t>
+            </a:r>
+            <a:endParaRPr lang="en-US" sz="2700" dirty="0">
+              <a:solidFill>
+                <a:schemeClr val="tx1">
+                  <a:lumMod val="50000"/>
+                  <a:lumOff val="50000"/>
+                </a:schemeClr>
+              </a:solidFill>
+              <a:latin typeface="Microsoft Sans Serif" panose="020B0604020202020204" pitchFamily="34" charset="0"/>
+            </a:endParaRPr>
+          </a:p>
+        </p:txBody>
+      </p:sp>
+      <p:sp>
+        <p:nvSpPr>
+          <p:cNvPr id="13" name="Rectangle 12"/>
+          <p:cNvSpPr/>
+          <p:nvPr/>
+        </p:nvSpPr>
+        <p:spPr>
+          <a:xfrm>
+            <a:off x="1028077" y="5850139"/>
+            <a:ext cx="4460872" cy="461665"/>
+          </a:xfrm>
+          <a:prstGeom prst="rect">
+            <a:avLst/>
+          </a:prstGeom>
+        </p:spPr>
+        <p:txBody>
+          <a:bodyPr wrap="square">
+            <a:spAutoFit/>
+          </a:bodyPr>
+          <a:lstStyle/>
+          <a:p>
+            <a:pPr>
+              <a:spcAft>
+                <a:spcPts val="2700"/>
+              </a:spcAft>
+            </a:pPr>
+            <a:r>
+              <a:rPr lang="en-US" sz="2400" dirty="0" err="1">
+                <a:solidFill>
+                  <a:schemeClr val="tx1">
+                    <a:lumMod val="50000"/>
+                    <a:lumOff val="50000"/>
+                  </a:schemeClr>
+                </a:solidFill>
+                <a:latin typeface="Microsoft Sans Serif" panose="020B0604020202020204" pitchFamily="34" charset="0"/>
+              </a:rPr>
+              <a:t>sjones@sqlservercentral.com</a:t>
+            </a:r>
+            <a:endParaRPr lang="en-US" sz="2400" dirty="0">
+              <a:solidFill>
+                <a:schemeClr val="tx1">
+                  <a:lumMod val="50000"/>
+                  <a:lumOff val="50000"/>
+                </a:schemeClr>
+              </a:solidFill>
+              <a:latin typeface="Microsoft Sans Serif" panose="020B0604020202020204" pitchFamily="34" charset="0"/>
+            </a:endParaRPr>
+          </a:p>
+        </p:txBody>
+      </p:sp>
+      <p:sp>
+        <p:nvSpPr>
+          <p:cNvPr id="14" name="Rectangle 13"/>
+          <p:cNvSpPr/>
+          <p:nvPr/>
+        </p:nvSpPr>
+        <p:spPr>
+          <a:xfrm>
+            <a:off x="5964230" y="5145822"/>
+            <a:ext cx="3560770" cy="507831"/>
+          </a:xfrm>
+          <a:prstGeom prst="rect">
+            <a:avLst/>
+          </a:prstGeom>
+        </p:spPr>
+        <p:txBody>
+          <a:bodyPr wrap="square">
+            <a:spAutoFit/>
+          </a:bodyPr>
+          <a:lstStyle/>
+          <a:p>
+            <a:pPr>
+              <a:spcAft>
+                <a:spcPts val="2700"/>
+              </a:spcAft>
+            </a:pPr>
+            <a:r>
+              <a:rPr lang="en-US" sz="2700" dirty="0">
+                <a:solidFill>
+                  <a:schemeClr val="tx1">
+                    <a:lumMod val="50000"/>
+                    <a:lumOff val="50000"/>
+                  </a:schemeClr>
+                </a:solidFill>
+                <a:latin typeface="Microsoft Sans Serif" panose="020B0604020202020204" pitchFamily="34" charset="0"/>
+              </a:rPr>
+              <a:t>@way0utwest</a:t>
+            </a:r>
+          </a:p>
+        </p:txBody>
+      </p:sp>
+      <p:pic>
+        <p:nvPicPr>
+          <p:cNvPr id="15" name="Picture 14"/>
+          <p:cNvPicPr>
+            <a:picLocks noChangeAspect="1"/>
+          </p:cNvPicPr>
+          <p:nvPr/>
+        </p:nvPicPr>
+        <p:blipFill>
+          <a:blip r:embed="rId5"/>
+          <a:stretch>
+            <a:fillRect/>
+          </a:stretch>
+        </p:blipFill>
+        <p:spPr>
+          <a:xfrm>
+            <a:off x="457200" y="5179620"/>
+            <a:ext cx="434779" cy="478257"/>
+          </a:xfrm>
+          <a:prstGeom prst="rect">
+            <a:avLst/>
+          </a:prstGeom>
+        </p:spPr>
+      </p:pic>
+      <p:pic>
+        <p:nvPicPr>
+          <p:cNvPr id="16" name="Picture 15"/>
+          <p:cNvPicPr>
+            <a:picLocks noChangeAspect="1"/>
+          </p:cNvPicPr>
+          <p:nvPr/>
+        </p:nvPicPr>
+        <p:blipFill>
+          <a:blip r:embed="rId6"/>
+          <a:stretch>
+            <a:fillRect/>
+          </a:stretch>
+        </p:blipFill>
+        <p:spPr>
+          <a:xfrm>
+            <a:off x="457200" y="5945386"/>
+            <a:ext cx="463485" cy="379214"/>
+          </a:xfrm>
+          <a:prstGeom prst="rect">
+            <a:avLst/>
+          </a:prstGeom>
+        </p:spPr>
+      </p:pic>
+      <p:pic>
+        <p:nvPicPr>
+          <p:cNvPr id="17" name="Picture 16"/>
+          <p:cNvPicPr>
+            <a:picLocks noChangeAspect="1"/>
+          </p:cNvPicPr>
+          <p:nvPr/>
+        </p:nvPicPr>
+        <p:blipFill>
+          <a:blip r:embed="rId7"/>
+          <a:stretch>
+            <a:fillRect/>
+          </a:stretch>
+        </p:blipFill>
+        <p:spPr>
+          <a:xfrm>
+            <a:off x="5393350" y="5183920"/>
+            <a:ext cx="504842" cy="462772"/>
+          </a:xfrm>
+          <a:prstGeom prst="rect">
+            <a:avLst/>
+          </a:prstGeom>
+        </p:spPr>
+      </p:pic>
+      <p:pic>
+        <p:nvPicPr>
+          <p:cNvPr id="18" name="Picture 17"/>
+          <p:cNvPicPr>
+            <a:picLocks noChangeAspect="1"/>
+          </p:cNvPicPr>
+          <p:nvPr/>
+        </p:nvPicPr>
+        <p:blipFill>
+          <a:blip r:embed="rId8" cstate="print">
+            <a:extLst>
+              <a:ext uri="{28A0092B-C50C-407E-A947-70E740481C1C}">
+                <a14:useLocalDpi xmlns:a14="http://schemas.microsoft.com/office/drawing/2010/main" val="0"/>
+              </a:ext>
+            </a:extLst>
+          </a:blip>
+          <a:stretch>
+            <a:fillRect/>
+          </a:stretch>
+        </p:blipFill>
+        <p:spPr>
+          <a:xfrm>
+            <a:off x="5393350" y="5816768"/>
+            <a:ext cx="495926" cy="495926"/>
+          </a:xfrm>
+          <a:prstGeom prst="rect">
+            <a:avLst/>
+          </a:prstGeom>
+        </p:spPr>
+      </p:pic>
+      <p:sp>
+        <p:nvSpPr>
+          <p:cNvPr id="19" name="TextBox 18"/>
+          <p:cNvSpPr txBox="1"/>
+          <p:nvPr/>
+        </p:nvSpPr>
+        <p:spPr>
+          <a:xfrm>
+            <a:off x="5964232" y="5816769"/>
+            <a:ext cx="3006223" cy="507831"/>
+          </a:xfrm>
+          <a:prstGeom prst="rect">
+            <a:avLst/>
+          </a:prstGeom>
+          <a:noFill/>
+        </p:spPr>
+        <p:txBody>
+          <a:bodyPr wrap="square" rtlCol="0">
+            <a:spAutoFit/>
+          </a:bodyPr>
+          <a:lstStyle/>
+          <a:p>
+            <a:pPr>
+              <a:spcAft>
+                <a:spcPts val="2700"/>
+              </a:spcAft>
+            </a:pPr>
+            <a:r>
+              <a:rPr lang="en-US" sz="2700" dirty="0">
+                <a:solidFill>
+                  <a:schemeClr val="tx1">
+                    <a:lumMod val="50000"/>
+                    <a:lumOff val="50000"/>
+                  </a:schemeClr>
+                </a:solidFill>
+                <a:latin typeface="Microsoft Sans Serif" panose="020B0604020202020204" pitchFamily="34" charset="0"/>
+              </a:rPr>
+              <a:t>/in/way0utwest</a:t>
+            </a:r>
+            <a:endParaRPr lang="en-US" sz="2700" dirty="0">
+              <a:solidFill>
+                <a:schemeClr val="tx1">
+                  <a:lumMod val="50000"/>
+                  <a:lumOff val="50000"/>
+                </a:schemeClr>
+              </a:solidFill>
+              <a:latin typeface="Microsoft Sans Serif" panose="020B0604020202020204" pitchFamily="34" charset="0"/>
+            </a:endParaRPr>
+          </a:p>
+        </p:txBody>
+      </p:sp>
+    </p:spTree>
+    <p:extLst>
+      <p:ext uri="{BB962C8B-B14F-4D97-AF65-F5344CB8AC3E}">
+        <p14:creationId xmlns:p14="http://schemas.microsoft.com/office/powerpoint/2010/main" val="420865485"/>
+      </p:ext>
+    </p:extLst>
+  </p:cSld>
+  <p:clrMapOvr>
+    <a:masterClrMapping/>
+  </p:clrMapOvr>
+  <p:timing>
+    <p:tnLst>
+      <p:par>
+        <p:cTn id="1" dur="indefinite" restart="never" nodeType="tmRoot"/>
+      </p:par>
+    </p:tnLst>
+  </p:timing>
+</p:sld>
+</file>
+
+<file path=ppt/slides/slide32.xml><?xml version="1.0" encoding="utf-8"?>
+<p:sld xmlns:a="http://schemas.openxmlformats.org/drawingml/2006/main" xmlns:r="http://schemas.openxmlformats.org/officeDocument/2006/relationships" xmlns:p="http://schemas.openxmlformats.org/presentationml/2006/main">
+  <p:cSld>
+    <p:spTree>
+      <p:nvGrpSpPr>
+        <p:cNvPr id="1" name=""/>
+        <p:cNvGrpSpPr/>
+        <p:nvPr/>
+      </p:nvGrpSpPr>
+      <p:grpSpPr>
+        <a:xfrm>
+          <a:off x="0" y="0"/>
+          <a:ext cx="0" cy="0"/>
+          <a:chOff x="0" y="0"/>
+          <a:chExt cx="0" cy="0"/>
+        </a:xfrm>
+      </p:grpSpPr>
+      <p:sp>
+        <p:nvSpPr>
+          <p:cNvPr id="2" name="Title 1"/>
+          <p:cNvSpPr>
+            <a:spLocks noGrp="1"/>
+          </p:cNvSpPr>
+          <p:nvPr>
+            <p:ph type="title"/>
+          </p:nvPr>
+        </p:nvSpPr>
+        <p:spPr/>
+        <p:txBody>
+          <a:bodyPr/>
+          <a:lstStyle/>
+          <a:p>
+            <a:r>
+              <a:rPr lang="en-US" dirty="0" smtClean="0"/>
+              <a:t>References</a:t>
+            </a:r>
+            <a:endParaRPr lang="en-US" dirty="0"/>
+          </a:p>
+        </p:txBody>
+      </p:sp>
+      <p:sp>
+        <p:nvSpPr>
+          <p:cNvPr id="3" name="Content Placeholder 2"/>
+          <p:cNvSpPr>
+            <a:spLocks noGrp="1"/>
+          </p:cNvSpPr>
+          <p:nvPr>
+            <p:ph idx="1"/>
+          </p:nvPr>
+        </p:nvSpPr>
+        <p:spPr/>
+        <p:txBody>
+          <a:bodyPr>
+            <a:normAutofit fontScale="55000" lnSpcReduction="20000"/>
+          </a:bodyPr>
+          <a:lstStyle/>
+          <a:p>
+            <a:r>
+              <a:rPr lang="en-US" dirty="0" smtClean="0"/>
+              <a:t>Articles</a:t>
+            </a:r>
+          </a:p>
+          <a:p>
+            <a:pPr lvl="1"/>
+            <a:r>
+              <a:rPr lang="en-US" dirty="0" smtClean="0"/>
+              <a:t>The Performance of the T-SQL </a:t>
+            </a:r>
+            <a:r>
+              <a:rPr lang="en-US" dirty="0"/>
+              <a:t>Window Functions - </a:t>
+            </a:r>
+            <a:r>
+              <a:rPr lang="en-US" dirty="0">
+                <a:hlinkClick r:id="rId2"/>
+              </a:rPr>
+              <a:t>https://www.simple-talk.com/sql/t-sql-programming/the-performance-of-the-t-sql-window-functions</a:t>
+            </a:r>
+            <a:r>
+              <a:rPr lang="en-US" dirty="0" smtClean="0">
+                <a:hlinkClick r:id="rId2"/>
+              </a:rPr>
+              <a:t>/</a:t>
+            </a:r>
+            <a:endParaRPr lang="en-US" dirty="0" smtClean="0"/>
+          </a:p>
+          <a:p>
+            <a:pPr lvl="1"/>
+            <a:r>
+              <a:rPr lang="en-US" dirty="0" smtClean="0"/>
+              <a:t>Window </a:t>
+            </a:r>
+            <a:r>
+              <a:rPr lang="en-US" dirty="0"/>
+              <a:t>Functions in SQL - </a:t>
+            </a:r>
+            <a:r>
+              <a:rPr lang="en-US" dirty="0">
+                <a:hlinkClick r:id="rId3"/>
+              </a:rPr>
+              <a:t>https://www.simple-talk.com/sql/t-sql-programming/window-functions-in-sql</a:t>
+            </a:r>
+            <a:r>
+              <a:rPr lang="en-US" dirty="0" smtClean="0">
+                <a:hlinkClick r:id="rId3"/>
+              </a:rPr>
+              <a:t>/</a:t>
+            </a:r>
+            <a:endParaRPr lang="en-US" dirty="0" smtClean="0"/>
+          </a:p>
+          <a:p>
+            <a:pPr lvl="1"/>
+            <a:r>
+              <a:rPr lang="en-US" dirty="0" smtClean="0"/>
+              <a:t>SQL Server 2012 </a:t>
+            </a:r>
+            <a:r>
+              <a:rPr lang="en-US" dirty="0"/>
+              <a:t>Window Function Basics - </a:t>
+            </a:r>
+            <a:r>
+              <a:rPr lang="en-US" dirty="0">
+                <a:hlinkClick r:id="rId4"/>
+              </a:rPr>
+              <a:t>https://www.simple-talk.com/sql/t-sql-programming/sql-server-2012-window-function-basics</a:t>
+            </a:r>
+            <a:r>
+              <a:rPr lang="en-US" dirty="0" smtClean="0">
+                <a:hlinkClick r:id="rId4"/>
+              </a:rPr>
+              <a:t>/</a:t>
+            </a:r>
+            <a:endParaRPr lang="en-US" dirty="0" smtClean="0"/>
+          </a:p>
+          <a:p>
+            <a:pPr lvl="1"/>
+            <a:r>
+              <a:rPr lang="en-US" dirty="0" smtClean="0"/>
+              <a:t>Working with Window Functions in </a:t>
+            </a:r>
+            <a:r>
+              <a:rPr lang="en-US" dirty="0"/>
+              <a:t>SQL Server - https://www.simple-talk.com/sql/learn-sql-server/working-with-window-functions-in-sql-server/</a:t>
+            </a:r>
+            <a:endParaRPr lang="en-US" dirty="0" smtClean="0"/>
+          </a:p>
+          <a:p>
+            <a:pPr lvl="1"/>
+            <a:endParaRPr lang="en-US" dirty="0" smtClean="0"/>
+          </a:p>
+          <a:p>
+            <a:r>
+              <a:rPr lang="en-US" dirty="0" smtClean="0"/>
+              <a:t>Videos</a:t>
+            </a:r>
+          </a:p>
+          <a:p>
+            <a:pPr lvl="1"/>
+            <a:r>
+              <a:rPr lang="en-US" dirty="0" smtClean="0"/>
+              <a:t>T-SQL Power! SQL Server </a:t>
+            </a:r>
+            <a:r>
+              <a:rPr lang="en-US" dirty="0"/>
+              <a:t>Windows That Open Doors - </a:t>
+            </a:r>
+            <a:r>
+              <a:rPr lang="en-US" dirty="0">
+                <a:hlinkClick r:id="rId5"/>
+              </a:rPr>
+              <a:t>https://</a:t>
+            </a:r>
+            <a:r>
+              <a:rPr lang="en-US" dirty="0" smtClean="0">
+                <a:hlinkClick r:id="rId5"/>
+              </a:rPr>
+              <a:t>www.youtube.com/watch?v=YK-ufNpMeLU</a:t>
+            </a:r>
+            <a:endParaRPr lang="en-US" dirty="0" smtClean="0"/>
+          </a:p>
+          <a:p>
+            <a:pPr lvl="1"/>
+            <a:r>
+              <a:rPr lang="en-US" dirty="0" smtClean="0"/>
+              <a:t>Building Your T-SQL Toolkit: Window </a:t>
+            </a:r>
+            <a:r>
+              <a:rPr lang="en-US" dirty="0"/>
+              <a:t>function Fundamentals - </a:t>
+            </a:r>
+            <a:r>
+              <a:rPr lang="en-US" dirty="0">
+                <a:hlinkClick r:id="rId6"/>
+              </a:rPr>
+              <a:t>http://</a:t>
+            </a:r>
+            <a:r>
+              <a:rPr lang="en-US" dirty="0" smtClean="0">
+                <a:hlinkClick r:id="rId6"/>
+              </a:rPr>
+              <a:t>www.sqlbits.com/Sessions/Event12/Building_Your_T-SQL_Tool_Kit_Window_Function_Fundamentals</a:t>
+            </a:r>
+            <a:endParaRPr lang="en-US" dirty="0" smtClean="0"/>
+          </a:p>
+          <a:p>
+            <a:pPr lvl="1"/>
+            <a:r>
+              <a:rPr lang="en-US" dirty="0" smtClean="0"/>
+              <a:t>Using Window Functions to Solve Common </a:t>
+            </a:r>
+            <a:r>
+              <a:rPr lang="en-US" dirty="0"/>
+              <a:t>T-SQL Challenges - http://channel9.msdn.com/Events/TechEd/NewZealand/TechEd-New-Zealand-2012/DBI309</a:t>
+            </a:r>
+            <a:endParaRPr lang="en-US" dirty="0" smtClean="0"/>
+          </a:p>
+          <a:p>
+            <a:endParaRPr lang="en-US" dirty="0"/>
+          </a:p>
+        </p:txBody>
+      </p:sp>
+    </p:spTree>
+    <p:extLst>
+      <p:ext uri="{BB962C8B-B14F-4D97-AF65-F5344CB8AC3E}">
+        <p14:creationId xmlns:p14="http://schemas.microsoft.com/office/powerpoint/2010/main" val="2650404453"/>
+      </p:ext>
+    </p:extLst>
+  </p:cSld>
+  <p:clrMapOvr>
+    <a:masterClrMapping/>
+  </p:clrMapOvr>
+  <p:timing>
+    <p:tnLst>
+      <p:par>
+        <p:cTn id="1" dur="indefinite" restart="never" nodeType="tmRoot"/>
+      </p:par>
+    </p:tnLst>
+  </p:timing>
+</p:sld>
+</file>
+
+<file path=ppt/slides/slide33.xml><?xml version="1.0" encoding="utf-8"?>
+<p:sld xmlns:a="http://schemas.openxmlformats.org/drawingml/2006/main" xmlns:r="http://schemas.openxmlformats.org/officeDocument/2006/relationships" xmlns:p="http://schemas.openxmlformats.org/presentationml/2006/main">
+  <p:cSld>
+    <p:spTree>
+      <p:nvGrpSpPr>
+        <p:cNvPr id="1" name=""/>
+        <p:cNvGrpSpPr/>
+        <p:nvPr/>
+      </p:nvGrpSpPr>
+      <p:grpSpPr>
+        <a:xfrm>
+          <a:off x="0" y="0"/>
+          <a:ext cx="0" cy="0"/>
+          <a:chOff x="0" y="0"/>
+          <a:chExt cx="0" cy="0"/>
+        </a:xfrm>
+      </p:grpSpPr>
+      <p:sp>
+        <p:nvSpPr>
+          <p:cNvPr id="2" name="Title 1"/>
+          <p:cNvSpPr>
+            <a:spLocks noGrp="1"/>
+          </p:cNvSpPr>
+          <p:nvPr>
+            <p:ph type="title"/>
+          </p:nvPr>
+        </p:nvSpPr>
+        <p:spPr/>
+        <p:txBody>
+          <a:bodyPr/>
+          <a:lstStyle/>
+          <a:p>
+            <a:r>
+              <a:rPr lang="en-US" dirty="0" smtClean="0"/>
+              <a:t>Outline</a:t>
+            </a:r>
+            <a:endParaRPr lang="en-US" dirty="0"/>
+          </a:p>
+        </p:txBody>
+      </p:sp>
+      <p:sp>
+        <p:nvSpPr>
+          <p:cNvPr id="3" name="Content Placeholder 2"/>
+          <p:cNvSpPr>
+            <a:spLocks noGrp="1"/>
+          </p:cNvSpPr>
+          <p:nvPr>
+            <p:ph idx="1"/>
+          </p:nvPr>
+        </p:nvSpPr>
+        <p:spPr/>
+        <p:txBody>
+          <a:bodyPr>
+            <a:normAutofit fontScale="40000" lnSpcReduction="20000"/>
+          </a:bodyPr>
+          <a:lstStyle/>
+          <a:p>
+            <a:r>
+              <a:rPr lang="en-US" dirty="0" smtClean="0"/>
+              <a:t>Introduce Windows and Framing</a:t>
+            </a:r>
+          </a:p>
+          <a:p>
+            <a:pPr lvl="1"/>
+            <a:r>
+              <a:rPr lang="en-US" dirty="0" smtClean="0"/>
+              <a:t>Show examples of different windows</a:t>
+            </a:r>
+          </a:p>
+          <a:p>
+            <a:pPr lvl="1"/>
+            <a:r>
+              <a:rPr lang="en-US" dirty="0" smtClean="0"/>
+              <a:t>Introduce partitioning</a:t>
+            </a:r>
+          </a:p>
+          <a:p>
+            <a:r>
+              <a:rPr lang="en-US" dirty="0" smtClean="0"/>
+              <a:t>Simple Examples</a:t>
+            </a:r>
+          </a:p>
+          <a:p>
+            <a:pPr lvl="1"/>
+            <a:r>
+              <a:rPr lang="en-US" dirty="0" smtClean="0"/>
+              <a:t>Old running total – get sum by games</a:t>
+            </a:r>
+          </a:p>
+          <a:p>
+            <a:pPr lvl="1"/>
+            <a:r>
+              <a:rPr lang="en-US" dirty="0" smtClean="0"/>
+              <a:t>New running total, just ORDER BY</a:t>
+            </a:r>
+          </a:p>
+          <a:p>
+            <a:pPr lvl="1"/>
+            <a:r>
+              <a:rPr lang="en-US" dirty="0" smtClean="0"/>
+              <a:t>Talk about performance, ref Adam’s video</a:t>
+            </a:r>
+          </a:p>
+          <a:p>
+            <a:r>
+              <a:rPr lang="en-US" dirty="0" smtClean="0"/>
+              <a:t>Introduce partitions</a:t>
+            </a:r>
+          </a:p>
+          <a:p>
+            <a:pPr lvl="1"/>
+            <a:r>
+              <a:rPr lang="en-US" dirty="0" smtClean="0"/>
+              <a:t>Look at a simple partition, by team</a:t>
+            </a:r>
+          </a:p>
+          <a:p>
+            <a:pPr lvl="1"/>
+            <a:r>
+              <a:rPr lang="en-US" dirty="0" smtClean="0"/>
+              <a:t>Sum HRs</a:t>
+            </a:r>
+          </a:p>
+          <a:p>
+            <a:r>
+              <a:rPr lang="en-US" dirty="0" smtClean="0"/>
+              <a:t>Multiple frames</a:t>
+            </a:r>
+          </a:p>
+          <a:p>
+            <a:pPr lvl="1"/>
+            <a:r>
+              <a:rPr lang="en-US" dirty="0" smtClean="0"/>
+              <a:t>Partition by teams and players, separate running totals</a:t>
+            </a:r>
+            <a:endParaRPr lang="en-US" dirty="0"/>
+          </a:p>
+          <a:p>
+            <a:r>
+              <a:rPr lang="en-US" dirty="0" smtClean="0"/>
+              <a:t>Range v rows</a:t>
+            </a:r>
+          </a:p>
+          <a:p>
+            <a:pPr lvl="1"/>
+            <a:r>
+              <a:rPr lang="en-US" dirty="0" smtClean="0"/>
+              <a:t>Default range</a:t>
+            </a:r>
+          </a:p>
+          <a:p>
+            <a:pPr lvl="1"/>
+            <a:r>
+              <a:rPr lang="en-US" dirty="0" smtClean="0"/>
+              <a:t>Show issues with range</a:t>
+            </a:r>
+          </a:p>
+          <a:p>
+            <a:pPr lvl="1"/>
+            <a:r>
+              <a:rPr lang="en-US" dirty="0" smtClean="0"/>
+              <a:t>Then change to rows, show preceding week,</a:t>
+            </a:r>
+          </a:p>
+          <a:p>
+            <a:pPr lvl="1"/>
+            <a:r>
+              <a:rPr lang="en-US" dirty="0" smtClean="0"/>
+              <a:t>Then show preceding and following week.</a:t>
+            </a:r>
+          </a:p>
+          <a:p>
+            <a:pPr lvl="1"/>
+            <a:r>
+              <a:rPr lang="en-US" dirty="0" smtClean="0"/>
+              <a:t>Compare exec plans, range v rows. Show rows matters</a:t>
+            </a:r>
+          </a:p>
+          <a:p>
+            <a:r>
+              <a:rPr lang="en-US" dirty="0" smtClean="0"/>
+              <a:t>First/last values and </a:t>
+            </a:r>
+            <a:r>
+              <a:rPr lang="en-US" dirty="0" err="1" smtClean="0"/>
+              <a:t>rownumber</a:t>
+            </a:r>
+            <a:endParaRPr lang="en-US" dirty="0" smtClean="0"/>
+          </a:p>
+          <a:p>
+            <a:pPr lvl="1"/>
+            <a:r>
+              <a:rPr lang="en-US" dirty="0" smtClean="0"/>
+              <a:t>Show top n per group problems.</a:t>
+            </a:r>
+          </a:p>
+          <a:p>
+            <a:pPr lvl="1"/>
+            <a:r>
+              <a:rPr lang="en-US" dirty="0" smtClean="0"/>
+              <a:t>Watch out for default with first/last</a:t>
+            </a:r>
+          </a:p>
+          <a:p>
+            <a:pPr lvl="1"/>
+            <a:r>
+              <a:rPr lang="en-US" dirty="0" smtClean="0"/>
+              <a:t>43:42</a:t>
+            </a:r>
+          </a:p>
+          <a:p>
+            <a:endParaRPr lang="en-US" dirty="0"/>
+          </a:p>
+        </p:txBody>
+      </p:sp>
+    </p:spTree>
+    <p:extLst>
+      <p:ext uri="{BB962C8B-B14F-4D97-AF65-F5344CB8AC3E}">
+        <p14:creationId xmlns:p14="http://schemas.microsoft.com/office/powerpoint/2010/main" val="1862273359"/>
+      </p:ext>
+    </p:extLst>
+  </p:cSld>
+  <p:clrMapOvr>
+    <a:masterClrMapping/>
+  </p:clrMapOvr>
+  <p:timing>
+    <p:tnLst>
+      <p:par>
+        <p:cTn id="1" dur="indefinite" restart="never" nodeType="tmRoot"/>
+      </p:par>
+    </p:tnLst>
+  </p:timing>
+</p:sld>
+</file>
+
 <file path=ppt/slides/slide4.xml><?xml version="1.0" encoding="utf-8"?>
 <p:sld xmlns:a="http://schemas.openxmlformats.org/drawingml/2006/main" xmlns:r="http://schemas.openxmlformats.org/officeDocument/2006/relationships" xmlns:p="http://schemas.openxmlformats.org/presentationml/2006/main">
   <p:cSld>
@@ -7790,215 +8420,29 @@
             <p:ph type="title"/>
           </p:nvPr>
         </p:nvSpPr>
-        <p:spPr/>
-        <p:txBody>
-          <a:bodyPr vert="horz" lIns="91440" tIns="45720" rIns="91440" bIns="45720" rtlCol="0" anchor="ctr">
-            <a:normAutofit/>
-          </a:bodyPr>
-          <a:lstStyle/>
-          <a:p>
-            <a:r>
-              <a:rPr lang="en-US" dirty="0"/>
-              <a:t>Get in touch</a:t>
-            </a:r>
-          </a:p>
-        </p:txBody>
-      </p:sp>
-      <p:sp>
-        <p:nvSpPr>
-          <p:cNvPr id="5" name="Rectangle 4"/>
-          <p:cNvSpPr/>
-          <p:nvPr/>
-        </p:nvSpPr>
-        <p:spPr>
-          <a:xfrm>
-            <a:off x="1600200" y="3505200"/>
-            <a:ext cx="5840441" cy="461665"/>
-          </a:xfrm>
+        <p:spPr>
           <a:prstGeom prst="rect">
             <a:avLst/>
           </a:prstGeom>
         </p:spPr>
         <p:txBody>
-          <a:bodyPr wrap="square">
-            <a:spAutoFit/>
+          <a:bodyPr>
+            <a:normAutofit/>
           </a:bodyPr>
           <a:lstStyle/>
           <a:p>
-            <a:pPr>
-              <a:spcAft>
-                <a:spcPts val="3600"/>
-              </a:spcAft>
-            </a:pPr>
-            <a:r>
-              <a:rPr lang="en-US" sz="2400" dirty="0">
-                <a:latin typeface="Microsoft Sans Serif" panose="020B0604020202020204" pitchFamily="34" charset="0"/>
-                <a:hlinkClick r:id="rId3"/>
+            <a:r>
+              <a:rPr lang="en-US" sz="3600" dirty="0" smtClean="0">
+                <a:solidFill>
+                  <a:schemeClr val="tx1"/>
+                </a:solidFill>
               </a:rPr>
-              <a:t>http://voiceofthedba.wordpress.com/</a:t>
-            </a:r>
-            <a:endParaRPr lang="en-US" sz="2400" dirty="0">
-              <a:latin typeface="Microsoft Sans Serif" panose="020B0604020202020204" pitchFamily="34" charset="0"/>
-            </a:endParaRPr>
-          </a:p>
-        </p:txBody>
-      </p:sp>
-      <p:pic>
-        <p:nvPicPr>
-          <p:cNvPr id="7" name="Picture 6" descr="blog.png"/>
-          <p:cNvPicPr>
-            <a:picLocks noChangeAspect="1"/>
-          </p:cNvPicPr>
-          <p:nvPr/>
-        </p:nvPicPr>
-        <p:blipFill>
-          <a:blip r:embed="rId4" cstate="print"/>
-          <a:stretch>
-            <a:fillRect/>
-          </a:stretch>
-        </p:blipFill>
-        <p:spPr>
-          <a:xfrm>
-            <a:off x="457200" y="3429000"/>
-            <a:ext cx="984498" cy="634101"/>
-          </a:xfrm>
-          <a:prstGeom prst="rect">
-            <a:avLst/>
-          </a:prstGeom>
-        </p:spPr>
-      </p:pic>
-      <p:pic>
-        <p:nvPicPr>
-          <p:cNvPr id="8" name="Picture 7" descr="email.png"/>
-          <p:cNvPicPr>
-            <a:picLocks noChangeAspect="1"/>
-          </p:cNvPicPr>
-          <p:nvPr/>
-        </p:nvPicPr>
-        <p:blipFill>
-          <a:blip r:embed="rId5" cstate="print"/>
-          <a:stretch>
-            <a:fillRect/>
-          </a:stretch>
-        </p:blipFill>
-        <p:spPr>
-          <a:xfrm>
-            <a:off x="457200" y="4191000"/>
-            <a:ext cx="984500" cy="634102"/>
-          </a:xfrm>
-          <a:prstGeom prst="rect">
-            <a:avLst/>
-          </a:prstGeom>
-        </p:spPr>
-      </p:pic>
-      <p:sp>
-        <p:nvSpPr>
-          <p:cNvPr id="9" name="Rectangle 8"/>
-          <p:cNvSpPr/>
-          <p:nvPr/>
-        </p:nvSpPr>
-        <p:spPr>
-          <a:xfrm>
-            <a:off x="1600200" y="4191000"/>
-            <a:ext cx="5642622" cy="461665"/>
-          </a:xfrm>
-          <a:prstGeom prst="rect">
-            <a:avLst/>
-          </a:prstGeom>
-        </p:spPr>
-        <p:txBody>
-          <a:bodyPr wrap="square">
-            <a:spAutoFit/>
-          </a:bodyPr>
-          <a:lstStyle/>
-          <a:p>
-            <a:pPr>
-              <a:spcAft>
-                <a:spcPts val="3600"/>
-              </a:spcAft>
-            </a:pPr>
-            <a:r>
-              <a:rPr lang="en-US" sz="2400" dirty="0">
-                <a:latin typeface="Microsoft Sans Serif" panose="020B0604020202020204" pitchFamily="34" charset="0"/>
-                <a:hlinkClick r:id="rId6"/>
-              </a:rPr>
-              <a:t>sjones@sqlservercentral.com</a:t>
-            </a:r>
-            <a:endParaRPr lang="en-US" sz="2400" dirty="0">
-              <a:latin typeface="Microsoft Sans Serif" panose="020B0604020202020204" pitchFamily="34" charset="0"/>
-            </a:endParaRPr>
-          </a:p>
-        </p:txBody>
-      </p:sp>
-      <p:sp>
-        <p:nvSpPr>
-          <p:cNvPr id="10" name="Rectangle 9"/>
-          <p:cNvSpPr/>
-          <p:nvPr/>
-        </p:nvSpPr>
-        <p:spPr>
-          <a:xfrm>
-            <a:off x="1600200" y="4942981"/>
-            <a:ext cx="4005547" cy="461665"/>
-          </a:xfrm>
-          <a:prstGeom prst="rect">
-            <a:avLst/>
-          </a:prstGeom>
-        </p:spPr>
-        <p:txBody>
-          <a:bodyPr wrap="square">
-            <a:spAutoFit/>
-          </a:bodyPr>
-          <a:lstStyle/>
-          <a:p>
-            <a:pPr>
-              <a:spcAft>
-                <a:spcPts val="3600"/>
-              </a:spcAft>
-            </a:pPr>
-            <a:r>
-              <a:rPr lang="en-US" sz="2400" dirty="0">
-                <a:latin typeface="Microsoft Sans Serif" panose="020B0604020202020204" pitchFamily="34" charset="0"/>
-                <a:hlinkClick r:id="rId7"/>
-              </a:rPr>
-              <a:t>@way0utwest</a:t>
-            </a:r>
-            <a:endParaRPr lang="en-US" sz="2400" dirty="0">
-              <a:latin typeface="Microsoft Sans Serif" panose="020B0604020202020204" pitchFamily="34" charset="0"/>
-            </a:endParaRPr>
-          </a:p>
-        </p:txBody>
-      </p:sp>
-      <p:sp>
-        <p:nvSpPr>
-          <p:cNvPr id="12" name="TextBox 11"/>
-          <p:cNvSpPr txBox="1"/>
-          <p:nvPr/>
-        </p:nvSpPr>
-        <p:spPr>
-          <a:xfrm>
-            <a:off x="7440642" y="1762785"/>
-            <a:ext cx="1451038" cy="369332"/>
-          </a:xfrm>
-          <a:prstGeom prst="rect">
-            <a:avLst/>
-          </a:prstGeom>
-          <a:noFill/>
-        </p:spPr>
-        <p:txBody>
-          <a:bodyPr wrap="none" rtlCol="0">
-            <a:spAutoFit/>
-          </a:bodyPr>
-          <a:lstStyle/>
-          <a:p>
-            <a:r>
-              <a:rPr lang="en-US" dirty="0" smtClean="0">
-                <a:latin typeface="Microsoft Sans Serif" panose="020B0604020202020204" pitchFamily="34" charset="0"/>
-              </a:rPr>
-              <a:t>Steve Jones</a:t>
-            </a:r>
-            <a:endParaRPr lang="en-US" dirty="0">
-              <a:latin typeface="Microsoft Sans Serif" panose="020B0604020202020204" pitchFamily="34" charset="0"/>
+              <a:t>Get in Touch</a:t>
+            </a:r>
+            <a:endParaRPr lang="en-US" sz="3600" dirty="0">
+              <a:solidFill>
+                <a:schemeClr val="tx1"/>
+              </a:solidFill>
             </a:endParaRPr>
           </a:p>
         </p:txBody>
@@ -8012,7 +8456,7 @@
           <p:nvPr/>
         </p:nvPicPr>
         <p:blipFill>
-          <a:blip r:embed="rId8">
+          <a:blip r:embed="rId3">
             <a:extLst>
               <a:ext uri="{28A0092B-C50C-407E-A947-70E740481C1C}">
                 <a14:useLocalDpi xmlns:a14="http://schemas.microsoft.com/office/drawing/2010/main" val="0"/>
@@ -8026,8 +8470,8 @@
         </p:blipFill>
         <p:spPr bwMode="auto">
           <a:xfrm>
-            <a:off x="7440642" y="262976"/>
-            <a:ext cx="1297531" cy="1499809"/>
+            <a:off x="457200" y="1981200"/>
+            <a:ext cx="2955245" cy="2561964"/>
           </a:xfrm>
           <a:prstGeom prst="rect">
             <a:avLst/>
@@ -8046,14 +8490,155 @@
       </p:pic>
       <p:sp>
         <p:nvSpPr>
-          <p:cNvPr id="3" name="TextBox 2"/>
+          <p:cNvPr id="18" name="Rectangle 17"/>
+          <p:cNvSpPr/>
+          <p:nvPr/>
+        </p:nvSpPr>
+        <p:spPr>
+          <a:xfrm>
+            <a:off x="4412004" y="2085536"/>
+            <a:ext cx="3973501" cy="507831"/>
+          </a:xfrm>
+          <a:prstGeom prst="rect">
+            <a:avLst/>
+          </a:prstGeom>
+        </p:spPr>
+        <p:txBody>
+          <a:bodyPr wrap="square">
+            <a:spAutoFit/>
+          </a:bodyPr>
+          <a:lstStyle/>
+          <a:p>
+            <a:pPr>
+              <a:spcAft>
+                <a:spcPts val="2700"/>
+              </a:spcAft>
+            </a:pPr>
+            <a:r>
+              <a:rPr lang="en-US" sz="2700" dirty="0">
+                <a:solidFill>
+                  <a:schemeClr val="tx1">
+                    <a:lumMod val="50000"/>
+                    <a:lumOff val="50000"/>
+                  </a:schemeClr>
+                </a:solidFill>
+                <a:latin typeface="Microsoft Sans Serif" panose="020B0604020202020204" pitchFamily="34" charset="0"/>
+              </a:rPr>
+              <a:t>www.voiceofthedba.com</a:t>
+            </a:r>
+            <a:endParaRPr lang="en-US" sz="2700" dirty="0">
+              <a:solidFill>
+                <a:schemeClr val="tx1">
+                  <a:lumMod val="50000"/>
+                  <a:lumOff val="50000"/>
+                </a:schemeClr>
+              </a:solidFill>
+              <a:latin typeface="Microsoft Sans Serif" panose="020B0604020202020204" pitchFamily="34" charset="0"/>
+            </a:endParaRPr>
+          </a:p>
+        </p:txBody>
+      </p:sp>
+      <p:sp>
+        <p:nvSpPr>
+          <p:cNvPr id="19" name="Rectangle 18"/>
+          <p:cNvSpPr/>
+          <p:nvPr/>
+        </p:nvSpPr>
+        <p:spPr>
+          <a:xfrm>
+            <a:off x="4412002" y="2786012"/>
+            <a:ext cx="4460872" cy="461665"/>
+          </a:xfrm>
+          <a:prstGeom prst="rect">
+            <a:avLst/>
+          </a:prstGeom>
+        </p:spPr>
+        <p:txBody>
+          <a:bodyPr wrap="square">
+            <a:spAutoFit/>
+          </a:bodyPr>
+          <a:lstStyle/>
+          <a:p>
+            <a:pPr>
+              <a:spcAft>
+                <a:spcPts val="2700"/>
+              </a:spcAft>
+            </a:pPr>
+            <a:r>
+              <a:rPr lang="en-US" sz="2400" dirty="0" err="1">
+                <a:solidFill>
+                  <a:schemeClr val="tx1">
+                    <a:lumMod val="50000"/>
+                    <a:lumOff val="50000"/>
+                  </a:schemeClr>
+                </a:solidFill>
+                <a:latin typeface="Microsoft Sans Serif" panose="020B0604020202020204" pitchFamily="34" charset="0"/>
+              </a:rPr>
+              <a:t>sjones@sqlservercentral.com</a:t>
+            </a:r>
+            <a:endParaRPr lang="en-US" sz="2400" dirty="0">
+              <a:solidFill>
+                <a:schemeClr val="tx1">
+                  <a:lumMod val="50000"/>
+                  <a:lumOff val="50000"/>
+                </a:schemeClr>
+              </a:solidFill>
+              <a:latin typeface="Microsoft Sans Serif" panose="020B0604020202020204" pitchFamily="34" charset="0"/>
+            </a:endParaRPr>
+          </a:p>
+        </p:txBody>
+      </p:sp>
+      <p:sp>
+        <p:nvSpPr>
+          <p:cNvPr id="20" name="Rectangle 19"/>
+          <p:cNvSpPr/>
+          <p:nvPr/>
+        </p:nvSpPr>
+        <p:spPr>
+          <a:xfrm>
+            <a:off x="4412002" y="3469422"/>
+            <a:ext cx="3560770" cy="507831"/>
+          </a:xfrm>
+          <a:prstGeom prst="rect">
+            <a:avLst/>
+          </a:prstGeom>
+        </p:spPr>
+        <p:txBody>
+          <a:bodyPr wrap="square">
+            <a:spAutoFit/>
+          </a:bodyPr>
+          <a:lstStyle/>
+          <a:p>
+            <a:pPr>
+              <a:spcAft>
+                <a:spcPts val="2700"/>
+              </a:spcAft>
+            </a:pPr>
+            <a:r>
+              <a:rPr lang="en-US" sz="2700" dirty="0">
+                <a:solidFill>
+                  <a:schemeClr val="tx1">
+                    <a:lumMod val="50000"/>
+                    <a:lumOff val="50000"/>
+                  </a:schemeClr>
+                </a:solidFill>
+                <a:latin typeface="Microsoft Sans Serif" panose="020B0604020202020204" pitchFamily="34" charset="0"/>
+              </a:rPr>
+              <a:t>@way0utwest</a:t>
+            </a:r>
+          </a:p>
+        </p:txBody>
+      </p:sp>
+      <p:sp>
+        <p:nvSpPr>
+          <p:cNvPr id="21" name="TextBox 20"/>
           <p:cNvSpPr txBox="1"/>
           <p:nvPr/>
         </p:nvSpPr>
         <p:spPr>
           <a:xfrm>
-            <a:off x="0" y="1371600"/>
-            <a:ext cx="7943850" cy="1569660"/>
+            <a:off x="3733800" y="1447800"/>
+            <a:ext cx="2284600" cy="523220"/>
           </a:xfrm>
           <a:prstGeom prst="rect">
             <a:avLst/>
@@ -8061,85 +8646,113 @@
           <a:noFill/>
         </p:spPr>
         <p:txBody>
-          <a:bodyPr wrap="square" rtlCol="0">
+          <a:bodyPr wrap="none" rtlCol="0">
             <a:spAutoFit/>
           </a:bodyPr>
           <a:lstStyle/>
           <a:p>
-            <a:pPr marL="742950" lvl="1" indent="-285750">
-              <a:buFont typeface="Wingdings" panose="05000000000000000000" pitchFamily="2" charset="2"/>
-              <a:buChar char="§"/>
-            </a:pPr>
-            <a:r>
-              <a:rPr lang="en-US" sz="2400" dirty="0">
-                <a:latin typeface="Arial" panose="020B0604020202020204" pitchFamily="34" charset="0"/>
-                <a:cs typeface="Arial" panose="020B0604020202020204" pitchFamily="34" charset="0"/>
+            <a:r>
+              <a:rPr lang="en-US" sz="2800" b="1" dirty="0">
+                <a:solidFill>
+                  <a:srgbClr val="CC0000"/>
+                </a:solidFill>
+                <a:latin typeface="Arial"/>
+                <a:cs typeface="Arial"/>
               </a:rPr>
-              <a:t>Editor and founder, SQLServerCentral</a:t>
-            </a:r>
-          </a:p>
-          <a:p>
-            <a:pPr marL="742950" lvl="1" indent="-285750">
-              <a:buFont typeface="Wingdings" panose="05000000000000000000" pitchFamily="2" charset="2"/>
-              <a:buChar char="§"/>
-            </a:pPr>
-            <a:r>
-              <a:rPr lang="en-US" sz="2400" dirty="0">
-                <a:latin typeface="Arial" panose="020B0604020202020204" pitchFamily="34" charset="0"/>
-                <a:cs typeface="Arial" panose="020B0604020202020204" pitchFamily="34" charset="0"/>
-              </a:rPr>
-              <a:t>Evangelist, Red Gate Software</a:t>
-            </a:r>
-          </a:p>
-          <a:p>
-            <a:pPr marL="742950" lvl="1" indent="-285750">
-              <a:buFont typeface="Wingdings" panose="05000000000000000000" pitchFamily="2" charset="2"/>
-              <a:buChar char="§"/>
-            </a:pPr>
-            <a:r>
-              <a:rPr lang="en-US" sz="2400" dirty="0">
-                <a:latin typeface="Arial" panose="020B0604020202020204" pitchFamily="34" charset="0"/>
-                <a:cs typeface="Arial" panose="020B0604020202020204" pitchFamily="34" charset="0"/>
-              </a:rPr>
-              <a:t>Working with SQL Server since 1991 (v4.2)</a:t>
-            </a:r>
-          </a:p>
-          <a:p>
-            <a:pPr marL="742950" lvl="1" indent="-285750">
-              <a:buFont typeface="Wingdings" panose="05000000000000000000" pitchFamily="2" charset="2"/>
-              <a:buChar char="§"/>
-            </a:pPr>
-            <a:r>
-              <a:rPr lang="en-US" sz="2400" dirty="0">
-                <a:latin typeface="Arial" panose="020B0604020202020204" pitchFamily="34" charset="0"/>
-                <a:cs typeface="Arial" panose="020B0604020202020204" pitchFamily="34" charset="0"/>
-              </a:rPr>
-              <a:t>Author </a:t>
-            </a:r>
-            <a:r>
-              <a:rPr lang="en-US" sz="2400" dirty="0" smtClean="0">
-                <a:latin typeface="Arial" panose="020B0604020202020204" pitchFamily="34" charset="0"/>
-                <a:cs typeface="Arial" panose="020B0604020202020204" pitchFamily="34" charset="0"/>
-              </a:rPr>
-              <a:t>and speaker on many SQL Server topics</a:t>
-            </a:r>
-            <a:endParaRPr lang="en-US" sz="2400" dirty="0">
-              <a:latin typeface="Arial" panose="020B0604020202020204" pitchFamily="34" charset="0"/>
-              <a:cs typeface="Arial" panose="020B0604020202020204" pitchFamily="34" charset="0"/>
+              <a:t>Steve Jones</a:t>
+            </a:r>
+            <a:endParaRPr lang="en-US" sz="2800" b="1" dirty="0">
+              <a:solidFill>
+                <a:srgbClr val="CC0000"/>
+              </a:solidFill>
+              <a:latin typeface="Arial"/>
+              <a:cs typeface="Arial"/>
             </a:endParaRPr>
           </a:p>
         </p:txBody>
       </p:sp>
       <p:pic>
         <p:nvPicPr>
-          <p:cNvPr id="4" name="Picture 3"/>
+          <p:cNvPr id="22" name="Picture 21"/>
           <p:cNvPicPr>
             <a:picLocks noChangeAspect="1"/>
           </p:cNvPicPr>
           <p:nvPr/>
         </p:nvPicPr>
         <p:blipFill>
-          <a:blip r:embed="rId9" cstate="print">
+          <a:blip r:embed="rId4"/>
+          <a:stretch>
+            <a:fillRect/>
+          </a:stretch>
+        </p:blipFill>
+        <p:spPr>
+          <a:xfrm>
+            <a:off x="3841125" y="2115493"/>
+            <a:ext cx="434779" cy="478257"/>
+          </a:xfrm>
+          <a:prstGeom prst="rect">
+            <a:avLst/>
+          </a:prstGeom>
+        </p:spPr>
+      </p:pic>
+      <p:pic>
+        <p:nvPicPr>
+          <p:cNvPr id="23" name="Picture 22"/>
+          <p:cNvPicPr>
+            <a:picLocks noChangeAspect="1"/>
+          </p:cNvPicPr>
+          <p:nvPr/>
+        </p:nvPicPr>
+        <p:blipFill>
+          <a:blip r:embed="rId5"/>
+          <a:stretch>
+            <a:fillRect/>
+          </a:stretch>
+        </p:blipFill>
+        <p:spPr>
+          <a:xfrm>
+            <a:off x="3841125" y="2881259"/>
+            <a:ext cx="463485" cy="379214"/>
+          </a:xfrm>
+          <a:prstGeom prst="rect">
+            <a:avLst/>
+          </a:prstGeom>
+        </p:spPr>
+      </p:pic>
+      <p:pic>
+        <p:nvPicPr>
+          <p:cNvPr id="24" name="Picture 23"/>
+          <p:cNvPicPr>
+            <a:picLocks noChangeAspect="1"/>
+          </p:cNvPicPr>
+          <p:nvPr/>
+        </p:nvPicPr>
+        <p:blipFill>
+          <a:blip r:embed="rId6"/>
+          <a:stretch>
+            <a:fillRect/>
+          </a:stretch>
+        </p:blipFill>
+        <p:spPr>
+          <a:xfrm>
+            <a:off x="3841122" y="3507520"/>
+            <a:ext cx="504842" cy="462772"/>
+          </a:xfrm>
+          <a:prstGeom prst="rect">
+            <a:avLst/>
+          </a:prstGeom>
+        </p:spPr>
+      </p:pic>
+      <p:pic>
+        <p:nvPicPr>
+          <p:cNvPr id="3" name="Picture 2"/>
+          <p:cNvPicPr>
+            <a:picLocks noChangeAspect="1"/>
+          </p:cNvPicPr>
+          <p:nvPr/>
+        </p:nvPicPr>
+        <p:blipFill>
+          <a:blip r:embed="rId7" cstate="print">
             <a:extLst>
               <a:ext uri="{28A0092B-C50C-407E-A947-70E740481C1C}">
                 <a14:useLocalDpi xmlns:a14="http://schemas.microsoft.com/office/drawing/2010/main" val="0"/>
@@ -8152,54 +8765,24 @@
         </p:blipFill>
         <p:spPr>
           <a:xfrm>
-            <a:off x="457200" y="4942981"/>
-            <a:ext cx="984500" cy="634102"/>
+            <a:off x="3841122" y="4140368"/>
+            <a:ext cx="495926" cy="495926"/>
           </a:xfrm>
           <a:prstGeom prst="rect">
             <a:avLst/>
           </a:prstGeom>
         </p:spPr>
       </p:pic>
-      <p:pic>
-        <p:nvPicPr>
-          <p:cNvPr id="11" name="Picture 10"/>
-          <p:cNvPicPr>
-            <a:picLocks noChangeAspect="1"/>
-          </p:cNvPicPr>
-          <p:nvPr/>
-        </p:nvPicPr>
-        <p:blipFill>
-          <a:blip r:embed="rId10" cstate="print">
-            <a:extLst>
-              <a:ext uri="{28A0092B-C50C-407E-A947-70E740481C1C}">
-                <a14:useLocalDpi xmlns:a14="http://schemas.microsoft.com/office/drawing/2010/main" val="0"/>
-              </a:ext>
-            </a:extLst>
-          </a:blip>
-          <a:stretch>
-            <a:fillRect/>
-          </a:stretch>
-        </p:blipFill>
-        <p:spPr>
-          <a:xfrm>
-            <a:off x="457201" y="5757174"/>
-            <a:ext cx="984497" cy="643626"/>
-          </a:xfrm>
-          <a:prstGeom prst="rect">
-            <a:avLst/>
-          </a:prstGeom>
-        </p:spPr>
-      </p:pic>
-      <p:sp>
-        <p:nvSpPr>
-          <p:cNvPr id="13" name="TextBox 12"/>
+      <p:sp>
+        <p:nvSpPr>
+          <p:cNvPr id="4" name="TextBox 3"/>
           <p:cNvSpPr txBox="1"/>
           <p:nvPr/>
         </p:nvSpPr>
         <p:spPr>
           <a:xfrm>
-            <a:off x="1600200" y="5757174"/>
-            <a:ext cx="6553200" cy="461665"/>
+            <a:off x="4412004" y="4140369"/>
+            <a:ext cx="3006223" cy="507831"/>
           </a:xfrm>
           <a:prstGeom prst="rect">
             <a:avLst/>
@@ -8212,26 +8795,134 @@
           </a:bodyPr>
           <a:lstStyle/>
           <a:p>
+            <a:pPr>
+              <a:spcAft>
+                <a:spcPts val="2700"/>
+              </a:spcAft>
+            </a:pPr>
+            <a:r>
+              <a:rPr lang="en-US" sz="2700" dirty="0">
+                <a:solidFill>
+                  <a:schemeClr val="tx1">
+                    <a:lumMod val="50000"/>
+                    <a:lumOff val="50000"/>
+                  </a:schemeClr>
+                </a:solidFill>
+                <a:latin typeface="Microsoft Sans Serif" panose="020B0604020202020204" pitchFamily="34" charset="0"/>
+              </a:rPr>
+              <a:t>/in/way0utwest</a:t>
+            </a:r>
+            <a:endParaRPr lang="en-US" sz="2700" dirty="0">
+              <a:solidFill>
+                <a:schemeClr val="tx1">
+                  <a:lumMod val="50000"/>
+                  <a:lumOff val="50000"/>
+                </a:schemeClr>
+              </a:solidFill>
+              <a:latin typeface="Microsoft Sans Serif" panose="020B0604020202020204" pitchFamily="34" charset="0"/>
+            </a:endParaRPr>
+          </a:p>
+        </p:txBody>
+      </p:sp>
+      <p:sp>
+        <p:nvSpPr>
+          <p:cNvPr id="13" name="TextBox 12"/>
+          <p:cNvSpPr txBox="1"/>
+          <p:nvPr/>
+        </p:nvSpPr>
+        <p:spPr>
+          <a:xfrm>
+            <a:off x="711204" y="4955250"/>
+            <a:ext cx="7943850" cy="1569660"/>
+          </a:xfrm>
+          <a:prstGeom prst="rect">
+            <a:avLst/>
+          </a:prstGeom>
+          <a:noFill/>
+        </p:spPr>
+        <p:txBody>
+          <a:bodyPr wrap="square" rtlCol="0">
+            <a:spAutoFit/>
+          </a:bodyPr>
+          <a:lstStyle/>
+          <a:p>
+            <a:pPr marL="742950" lvl="1" indent="-285750">
+              <a:buFont typeface="Wingdings" panose="05000000000000000000" pitchFamily="2" charset="2"/>
+              <a:buChar char="§"/>
+            </a:pPr>
+            <a:r>
+              <a:rPr lang="en-US" sz="2400" dirty="0">
+                <a:latin typeface="Arial" panose="020B0604020202020204" pitchFamily="34" charset="0"/>
+                <a:cs typeface="Arial" panose="020B0604020202020204" pitchFamily="34" charset="0"/>
+              </a:rPr>
+              <a:t>Editor and founder, SQLServerCentral</a:t>
+            </a:r>
+          </a:p>
+          <a:p>
+            <a:pPr marL="742950" lvl="1" indent="-285750">
+              <a:buFont typeface="Wingdings" panose="05000000000000000000" pitchFamily="2" charset="2"/>
+              <a:buChar char="§"/>
+            </a:pPr>
+            <a:r>
+              <a:rPr lang="en-US" sz="2400" dirty="0">
+                <a:latin typeface="Arial" panose="020B0604020202020204" pitchFamily="34" charset="0"/>
+                <a:cs typeface="Arial" panose="020B0604020202020204" pitchFamily="34" charset="0"/>
+              </a:rPr>
+              <a:t>Evangelist, Red Gate Software</a:t>
+            </a:r>
+          </a:p>
+          <a:p>
+            <a:pPr marL="742950" lvl="1" indent="-285750">
+              <a:buFont typeface="Wingdings" panose="05000000000000000000" pitchFamily="2" charset="2"/>
+              <a:buChar char="§"/>
+            </a:pPr>
+            <a:r>
+              <a:rPr lang="en-US" sz="2400" dirty="0">
+                <a:latin typeface="Arial" panose="020B0604020202020204" pitchFamily="34" charset="0"/>
+                <a:cs typeface="Arial" panose="020B0604020202020204" pitchFamily="34" charset="0"/>
+              </a:rPr>
+              <a:t>Working with SQL Server since 1991 (v4.2)</a:t>
+            </a:r>
+          </a:p>
+          <a:p>
+            <a:pPr marL="742950" lvl="1" indent="-285750">
+              <a:buFont typeface="Wingdings" panose="05000000000000000000" pitchFamily="2" charset="2"/>
+              <a:buChar char="§"/>
+            </a:pPr>
+            <a:r>
+              <a:rPr lang="en-US" sz="2400" dirty="0">
+                <a:latin typeface="Arial" panose="020B0604020202020204" pitchFamily="34" charset="0"/>
+                <a:cs typeface="Arial" panose="020B0604020202020204" pitchFamily="34" charset="0"/>
+              </a:rPr>
+              <a:t>Author </a:t>
+            </a:r>
             <a:r>
               <a:rPr lang="en-US" sz="2400" dirty="0" smtClean="0">
-                <a:hlinkClick r:id="rId11"/>
+                <a:latin typeface="Arial" panose="020B0604020202020204" pitchFamily="34" charset="0"/>
+                <a:cs typeface="Arial" panose="020B0604020202020204" pitchFamily="34" charset="0"/>
               </a:rPr>
-              <a:t>http://www.linkedin.com/in/way0utwest</a:t>
-            </a:r>
-            <a:endParaRPr lang="en-US" sz="2400" dirty="0"/>
+              <a:t>and speaker on many SQL Server topics</a:t>
+            </a:r>
+            <a:endParaRPr lang="en-US" sz="2400" dirty="0">
+              <a:latin typeface="Arial" panose="020B0604020202020204" pitchFamily="34" charset="0"/>
+              <a:cs typeface="Arial" panose="020B0604020202020204" pitchFamily="34" charset="0"/>
+            </a:endParaRPr>
           </a:p>
         </p:txBody>
       </p:sp>
     </p:spTree>
     <p:extLst>
       <p:ext uri="{BB962C8B-B14F-4D97-AF65-F5344CB8AC3E}">
-        <p14:creationId xmlns:p14="http://schemas.microsoft.com/office/powerpoint/2010/main" val="134084857"/>
+        <p14:creationId xmlns:p14="http://schemas.microsoft.com/office/powerpoint/2010/main" val="2610804133"/>
       </p:ext>
     </p:extLst>
   </p:cSld>
   <p:clrMapOvr>
     <a:masterClrMapping/>
   </p:clrMapOvr>
+  <p:transition>
+    <p:fade/>
+  </p:transition>
   <p:timing>
     <p:tnLst>
       <p:par>
@@ -8304,13 +8995,13 @@
           </a:p>
           <a:p>
             <a:r>
+              <a:rPr lang="en-US" dirty="0" smtClean="0"/>
+              <a:t>Prerequisites</a:t>
+            </a:r>
+          </a:p>
+          <a:p>
+            <a:r>
               <a:rPr lang="en-US" b="1" dirty="0" smtClean="0"/>
-              <a:t>Prerequisites</a:t>
-            </a:r>
-          </a:p>
-          <a:p>
-            <a:r>
-              <a:rPr lang="en-US" dirty="0" smtClean="0"/>
               <a:t>What are Window functions?</a:t>
             </a:r>
           </a:p>
@@ -8343,7 +9034,7 @@
     </p:spTree>
     <p:extLst>
       <p:ext uri="{BB962C8B-B14F-4D97-AF65-F5344CB8AC3E}">
-        <p14:creationId xmlns:p14="http://schemas.microsoft.com/office/powerpoint/2010/main" val="1123904401"/>
+        <p14:creationId xmlns:p14="http://schemas.microsoft.com/office/powerpoint/2010/main" val="3122861756"/>
       </p:ext>
     </p:extLst>
   </p:cSld>
@@ -8394,70 +9085,45 @@
           <a:p>
             <a:r>
               <a:rPr lang="en-US" dirty="0" smtClean="0"/>
-              <a:t>Pre-requisites</a:t>
+              <a:t>Window Functions</a:t>
             </a:r>
             <a:endParaRPr lang="en-US" dirty="0"/>
           </a:p>
         </p:txBody>
       </p:sp>
-      <p:sp>
-        <p:nvSpPr>
-          <p:cNvPr id="3" name="Content Placeholder 2"/>
-          <p:cNvSpPr>
-            <a:spLocks noGrp="1"/>
-          </p:cNvSpPr>
+      <p:pic>
+        <p:nvPicPr>
+          <p:cNvPr id="4" name="Content Placeholder 3"/>
+          <p:cNvPicPr>
+            <a:picLocks noGrp="1" noChangeAspect="1"/>
+          </p:cNvPicPr>
           <p:nvPr>
             <p:ph idx="1"/>
           </p:nvPr>
-        </p:nvSpPr>
-        <p:spPr/>
-        <p:txBody>
-          <a:bodyPr>
-            <a:normAutofit fontScale="85000" lnSpcReduction="10000"/>
-          </a:bodyPr>
-          <a:lstStyle/>
-          <a:p>
-            <a:r>
-              <a:rPr lang="en-US" dirty="0" smtClean="0"/>
-              <a:t>Familiar with connecting to SQL Server with SSMS and executing queries</a:t>
-            </a:r>
-          </a:p>
-          <a:p>
-            <a:r>
-              <a:rPr lang="en-US" dirty="0" smtClean="0"/>
-              <a:t>Able to write SELECT, INSERT, UPDATE, DELETE queries</a:t>
-            </a:r>
-          </a:p>
-          <a:p>
-            <a:r>
-              <a:rPr lang="en-US" dirty="0" smtClean="0"/>
-              <a:t>Understand how to join tables together and how the ON clause works.</a:t>
-            </a:r>
-          </a:p>
-          <a:p>
-            <a:r>
-              <a:rPr lang="en-US" dirty="0" smtClean="0"/>
-              <a:t>Understand how WHERE clauses filter data from tables.</a:t>
-            </a:r>
-          </a:p>
-          <a:p>
-            <a:r>
-              <a:rPr lang="en-US" dirty="0" smtClean="0"/>
-              <a:t>Understand ordering of data in queries</a:t>
-            </a:r>
-          </a:p>
-          <a:p>
-            <a:r>
-              <a:rPr lang="en-US" dirty="0" smtClean="0"/>
-              <a:t>Can write simple aggregate queries that include a GROUP BY clause</a:t>
-            </a:r>
-          </a:p>
-        </p:txBody>
-      </p:sp>
+        </p:nvPicPr>
+        <p:blipFill>
+          <a:blip r:embed="rId2">
+            <a:extLst>
+              <a:ext uri="{28A0092B-C50C-407E-A947-70E740481C1C}">
+                <a14:useLocalDpi xmlns:a14="http://schemas.microsoft.com/office/drawing/2010/main" val="0"/>
+              </a:ext>
+            </a:extLst>
+          </a:blip>
+          <a:stretch>
+            <a:fillRect/>
+          </a:stretch>
+        </p:blipFill>
+        <p:spPr>
+          <a:xfrm>
+            <a:off x="2850359" y="1600200"/>
+            <a:ext cx="3443281" cy="4525963"/>
+          </a:xfrm>
+        </p:spPr>
+      </p:pic>
     </p:spTree>
     <p:extLst>
       <p:ext uri="{BB962C8B-B14F-4D97-AF65-F5344CB8AC3E}">
-        <p14:creationId xmlns:p14="http://schemas.microsoft.com/office/powerpoint/2010/main" val="1615324597"/>
+        <p14:creationId xmlns:p14="http://schemas.microsoft.com/office/powerpoint/2010/main" val="2725391176"/>
       </p:ext>
     </p:extLst>
   </p:cSld>
@@ -8508,74 +9174,87 @@
           <a:p>
             <a:r>
               <a:rPr lang="en-US" dirty="0" smtClean="0"/>
-              <a:t>Agenda</a:t>
+              <a:t>Window Functions</a:t>
             </a:r>
             <a:endParaRPr lang="en-US" dirty="0"/>
           </a:p>
         </p:txBody>
       </p:sp>
-      <p:sp>
-        <p:nvSpPr>
-          <p:cNvPr id="3" name="Content Placeholder 2"/>
-          <p:cNvSpPr>
-            <a:spLocks noGrp="1"/>
-          </p:cNvSpPr>
+      <p:pic>
+        <p:nvPicPr>
+          <p:cNvPr id="4" name="Content Placeholder 3"/>
+          <p:cNvPicPr>
+            <a:picLocks noGrp="1" noChangeAspect="1"/>
+          </p:cNvPicPr>
           <p:nvPr>
             <p:ph idx="1"/>
           </p:nvPr>
-        </p:nvSpPr>
-        <p:spPr/>
-        <p:txBody>
-          <a:bodyPr/>
-          <a:lstStyle/>
-          <a:p>
-            <a:r>
-              <a:rPr lang="en-US" dirty="0" smtClean="0"/>
-              <a:t>Who Am I?</a:t>
-            </a:r>
-          </a:p>
-          <a:p>
-            <a:r>
-              <a:rPr lang="en-US" dirty="0" smtClean="0"/>
-              <a:t>Prerequisites</a:t>
-            </a:r>
-          </a:p>
-          <a:p>
-            <a:r>
-              <a:rPr lang="en-US" b="1" dirty="0" smtClean="0"/>
-              <a:t>What are Window functions?</a:t>
-            </a:r>
-          </a:p>
-          <a:p>
-            <a:r>
-              <a:rPr lang="en-US" dirty="0" smtClean="0"/>
-              <a:t>Ranking Functions</a:t>
-            </a:r>
-          </a:p>
-          <a:p>
-            <a:r>
-              <a:rPr lang="en-US" dirty="0" smtClean="0"/>
-              <a:t>Windowing with the OVER clause</a:t>
-            </a:r>
-          </a:p>
-          <a:p>
-            <a:r>
-              <a:rPr lang="en-US" dirty="0" smtClean="0"/>
-              <a:t>Framing data</a:t>
-            </a:r>
-          </a:p>
-          <a:p>
-            <a:r>
-              <a:rPr lang="en-US" dirty="0" smtClean="0"/>
-              <a:t>Looking back and peeking forward</a:t>
-            </a:r>
+        </p:nvPicPr>
+        <p:blipFill>
+          <a:blip r:embed="rId2">
+            <a:extLst>
+              <a:ext uri="{28A0092B-C50C-407E-A947-70E740481C1C}">
+                <a14:useLocalDpi xmlns:a14="http://schemas.microsoft.com/office/drawing/2010/main" val="0"/>
+              </a:ext>
+            </a:extLst>
+          </a:blip>
+          <a:stretch>
+            <a:fillRect/>
+          </a:stretch>
+        </p:blipFill>
+        <p:spPr>
+          <a:xfrm>
+            <a:off x="2850359" y="1600200"/>
+            <a:ext cx="3443281" cy="4525963"/>
+          </a:xfrm>
+        </p:spPr>
+      </p:pic>
+      <p:sp>
+        <p:nvSpPr>
+          <p:cNvPr id="3" name="Rectangle 2"/>
+          <p:cNvSpPr/>
+          <p:nvPr/>
+        </p:nvSpPr>
+        <p:spPr>
+          <a:xfrm>
+            <a:off x="2743200" y="1828800"/>
+            <a:ext cx="3276600" cy="2362200"/>
+          </a:xfrm>
+          <a:prstGeom prst="rect">
+            <a:avLst/>
+          </a:prstGeom>
+          <a:noFill/>
+          <a:ln w="63500"/>
+        </p:spPr>
+        <p:style>
+          <a:lnRef idx="2">
+            <a:schemeClr val="accent1">
+              <a:shade val="50000"/>
+            </a:schemeClr>
+          </a:lnRef>
+          <a:fillRef idx="1">
+            <a:schemeClr val="accent1"/>
+          </a:fillRef>
+          <a:effectRef idx="0">
+            <a:schemeClr val="accent1"/>
+          </a:effectRef>
+          <a:fontRef idx="minor">
+            <a:schemeClr val="lt1"/>
+          </a:fontRef>
+        </p:style>
+        <p:txBody>
+          <a:bodyPr rtlCol="0" anchor="ctr"/>
+          <a:lstStyle/>
+          <a:p>
+            <a:pPr algn="ctr"/>
+            <a:endParaRPr lang="en-US"/>
           </a:p>
         </p:txBody>
       </p:sp>
     </p:spTree>
     <p:extLst>
       <p:ext uri="{BB962C8B-B14F-4D97-AF65-F5344CB8AC3E}">
-        <p14:creationId xmlns:p14="http://schemas.microsoft.com/office/powerpoint/2010/main" val="3122861756"/>
+        <p14:creationId xmlns:p14="http://schemas.microsoft.com/office/powerpoint/2010/main" val="2865238554"/>
       </p:ext>
     </p:extLst>
   </p:cSld>
@@ -8661,10 +9340,52 @@
           </a:xfrm>
         </p:spPr>
       </p:pic>
+      <p:sp>
+        <p:nvSpPr>
+          <p:cNvPr id="3" name="Rectangle 2"/>
+          <p:cNvSpPr/>
+          <p:nvPr/>
+        </p:nvSpPr>
+        <p:spPr>
+          <a:xfrm>
+            <a:off x="2743200" y="1828800"/>
+            <a:ext cx="3276600" cy="1752600"/>
+          </a:xfrm>
+          <a:prstGeom prst="rect">
+            <a:avLst/>
+          </a:prstGeom>
+          <a:noFill/>
+          <a:ln w="63500"/>
+        </p:spPr>
+        <p:style>
+          <a:lnRef idx="2">
+            <a:schemeClr val="accent1">
+              <a:shade val="50000"/>
+            </a:schemeClr>
+          </a:lnRef>
+          <a:fillRef idx="1">
+            <a:schemeClr val="accent1"/>
+          </a:fillRef>
+          <a:effectRef idx="0">
+            <a:schemeClr val="accent1"/>
+          </a:effectRef>
+          <a:fontRef idx="minor">
+            <a:schemeClr val="lt1"/>
+          </a:fontRef>
+        </p:style>
+        <p:txBody>
+          <a:bodyPr rtlCol="0" anchor="ctr"/>
+          <a:lstStyle/>
+          <a:p>
+            <a:pPr algn="ctr"/>
+            <a:endParaRPr lang="en-US"/>
+          </a:p>
+        </p:txBody>
+      </p:sp>
     </p:spTree>
     <p:extLst>
       <p:ext uri="{BB962C8B-B14F-4D97-AF65-F5344CB8AC3E}">
-        <p14:creationId xmlns:p14="http://schemas.microsoft.com/office/powerpoint/2010/main" val="2725391176"/>
+        <p14:creationId xmlns:p14="http://schemas.microsoft.com/office/powerpoint/2010/main" val="2420034415"/>
       </p:ext>
     </p:extLst>
   </p:cSld>
@@ -8752,14 +9473,14 @@
       </p:pic>
       <p:sp>
         <p:nvSpPr>
-          <p:cNvPr id="3" name="Rectangle 2"/>
+          <p:cNvPr id="5" name="Rectangle 4"/>
           <p:cNvSpPr/>
           <p:nvPr/>
         </p:nvSpPr>
         <p:spPr>
           <a:xfrm>
-            <a:off x="2743200" y="1828800"/>
-            <a:ext cx="3276600" cy="2362200"/>
+            <a:off x="3048000" y="3571875"/>
+            <a:ext cx="3276600" cy="542925"/>
           </a:xfrm>
           <a:prstGeom prst="rect">
             <a:avLst/>
@@ -8795,7 +9516,7 @@
     </p:spTree>
     <p:extLst>
       <p:ext uri="{BB962C8B-B14F-4D97-AF65-F5344CB8AC3E}">
-        <p14:creationId xmlns:p14="http://schemas.microsoft.com/office/powerpoint/2010/main" val="2865238554"/>
+        <p14:creationId xmlns:p14="http://schemas.microsoft.com/office/powerpoint/2010/main" val="2006797527"/>
       </p:ext>
     </p:extLst>
   </p:cSld>

--- a/Presentation/TSQL_Windowing.pptx
+++ b/Presentation/TSQL_Windowing.pptx
@@ -5814,11 +5814,7 @@
           <a:p>
             <a:r>
               <a:rPr lang="en-US" dirty="0" smtClean="0"/>
-              <a:t>Window </a:t>
-            </a:r>
-            <a:r>
-              <a:rPr lang="en-US" dirty="0" smtClean="0"/>
-              <a:t>Functions</a:t>
+              <a:t>Window Functions</a:t>
             </a:r>
             <a:endParaRPr lang="en-US" dirty="0"/>
           </a:p>
@@ -5850,19 +5846,13 @@
               <a:rPr lang="en-US" dirty="0" smtClean="0"/>
               <a:t>ROW_NUMBER – Sequencing</a:t>
             </a:r>
-            <a:endParaRPr lang="en-US" dirty="0" smtClean="0"/>
           </a:p>
           <a:p>
             <a:pPr lvl="1"/>
             <a:r>
               <a:rPr lang="en-US" dirty="0" smtClean="0"/>
-              <a:t>RANK/DENSE_RANK/NTILE – Ordering fo</a:t>
-            </a:r>
-            <a:r>
-              <a:rPr lang="en-US" dirty="0" smtClean="0"/>
-              <a:t>r ranks</a:t>
-            </a:r>
-            <a:endParaRPr lang="en-US" dirty="0" smtClean="0"/>
+              <a:t>RANK/DENSE_RANK/NTILE – Ordering for ranks</a:t>
+            </a:r>
           </a:p>
           <a:p>
             <a:r>
@@ -5956,11 +5946,7 @@
           <a:p>
             <a:r>
               <a:rPr lang="en-US" dirty="0" smtClean="0"/>
-              <a:t>What </a:t>
-            </a:r>
-            <a:r>
-              <a:rPr lang="en-US" dirty="0" smtClean="0"/>
-              <a:t>are Window functions?</a:t>
+              <a:t>What are Window functions?</a:t>
             </a:r>
           </a:p>
           <a:p>
@@ -6285,7 +6271,6 @@
               <a:rPr lang="en-US" dirty="0" smtClean="0"/>
               <a:t>The PARTITION BY defines the window</a:t>
             </a:r>
-            <a:endParaRPr lang="en-US" dirty="0" smtClean="0"/>
           </a:p>
           <a:p>
             <a:r>
@@ -6573,8 +6558,18 @@
           <a:lstStyle/>
           <a:p>
             <a:r>
+              <a:rPr lang="en-US" dirty="0" smtClean="0"/>
+              <a:t>RANGE and ROWS for specifying the window</a:t>
+            </a:r>
+          </a:p>
+          <a:p>
+            <a:r>
+              <a:rPr lang="en-US" dirty="0" smtClean="0"/>
+              <a:t>First </a:t>
+            </a:r>
+            <a:r>
               <a:rPr lang="en-US" dirty="0"/>
-              <a:t>First Value/Last </a:t>
+              <a:t>Value/Last </a:t>
             </a:r>
             <a:r>
               <a:rPr lang="en-US" dirty="0" smtClean="0"/>
@@ -6584,15 +6579,7 @@
           <a:p>
             <a:r>
               <a:rPr lang="en-US" dirty="0" smtClean="0"/>
-              <a:t>Find </a:t>
-            </a:r>
-            <a:r>
-              <a:rPr lang="en-US" dirty="0" smtClean="0"/>
-              <a:t>the beginning or end of a </a:t>
-            </a:r>
-            <a:r>
-              <a:rPr lang="en-US" dirty="0" smtClean="0"/>
-              <a:t>frame</a:t>
+              <a:t>Find the beginning or end of a frame</a:t>
             </a:r>
           </a:p>
           <a:p>
@@ -7548,11 +7535,7 @@
           <a:p>
             <a:r>
               <a:rPr lang="en-US" dirty="0" smtClean="0"/>
-              <a:t>Thanks for </a:t>
-            </a:r>
-            <a:r>
-              <a:rPr lang="en-US" dirty="0" smtClean="0"/>
-              <a:t>coming</a:t>
+              <a:t>Thanks for coming</a:t>
             </a:r>
           </a:p>
           <a:p>
@@ -7560,7 +7543,6 @@
               <a:rPr lang="en-US" dirty="0" smtClean="0"/>
               <a:t>Please fill out evaluations</a:t>
             </a:r>
-            <a:endParaRPr lang="en-US" dirty="0" smtClean="0"/>
           </a:p>
           <a:p>
             <a:r>
@@ -7571,11 +7553,7 @@
           <a:p>
             <a:r>
               <a:rPr lang="en-US" dirty="0" smtClean="0"/>
-              <a:t>More </a:t>
-            </a:r>
-            <a:r>
-              <a:rPr lang="en-US" dirty="0" smtClean="0"/>
-              <a:t>information</a:t>
+              <a:t>More information</a:t>
             </a:r>
             <a:endParaRPr lang="en-US" sz="3200" dirty="0" smtClean="0">
               <a:hlinkClick r:id="rId2"/>
@@ -7641,15 +7619,6 @@
               </a:rPr>
               <a:t>www.voiceofthedba.com</a:t>
             </a:r>
-            <a:endParaRPr lang="en-US" sz="2700" dirty="0">
-              <a:solidFill>
-                <a:schemeClr val="tx1">
-                  <a:lumMod val="50000"/>
-                  <a:lumOff val="50000"/>
-                </a:schemeClr>
-              </a:solidFill>
-              <a:latin typeface="Microsoft Sans Serif" panose="020B0604020202020204" pitchFamily="34" charset="0"/>
-            </a:endParaRPr>
           </a:p>
         </p:txBody>
       </p:sp>
@@ -7885,15 +7854,6 @@
               </a:rPr>
               <a:t>/in/way0utwest</a:t>
             </a:r>
-            <a:endParaRPr lang="en-US" sz="2700" dirty="0">
-              <a:solidFill>
-                <a:schemeClr val="tx1">
-                  <a:lumMod val="50000"/>
-                  <a:lumOff val="50000"/>
-                </a:schemeClr>
-              </a:solidFill>
-              <a:latin typeface="Microsoft Sans Serif" panose="020B0604020202020204" pitchFamily="34" charset="0"/>
-            </a:endParaRPr>
           </a:p>
         </p:txBody>
       </p:sp>
@@ -8526,15 +8486,6 @@
               </a:rPr>
               <a:t>www.voiceofthedba.com</a:t>
             </a:r>
-            <a:endParaRPr lang="en-US" sz="2700" dirty="0">
-              <a:solidFill>
-                <a:schemeClr val="tx1">
-                  <a:lumMod val="50000"/>
-                  <a:lumOff val="50000"/>
-                </a:schemeClr>
-              </a:solidFill>
-              <a:latin typeface="Microsoft Sans Serif" panose="020B0604020202020204" pitchFamily="34" charset="0"/>
-            </a:endParaRPr>
           </a:p>
         </p:txBody>
       </p:sp>
@@ -8661,13 +8612,6 @@
               </a:rPr>
               <a:t>Steve Jones</a:t>
             </a:r>
-            <a:endParaRPr lang="en-US" sz="2800" b="1" dirty="0">
-              <a:solidFill>
-                <a:srgbClr val="CC0000"/>
-              </a:solidFill>
-              <a:latin typeface="Arial"/>
-              <a:cs typeface="Arial"/>
-            </a:endParaRPr>
           </a:p>
         </p:txBody>
       </p:sp>
@@ -8812,15 +8756,6 @@
               </a:rPr>
               <a:t>/in/way0utwest</a:t>
             </a:r>
-            <a:endParaRPr lang="en-US" sz="2700" dirty="0">
-              <a:solidFill>
-                <a:schemeClr val="tx1">
-                  <a:lumMod val="50000"/>
-                  <a:lumOff val="50000"/>
-                </a:schemeClr>
-              </a:solidFill>
-              <a:latin typeface="Microsoft Sans Serif" panose="020B0604020202020204" pitchFamily="34" charset="0"/>
-            </a:endParaRPr>
           </a:p>
         </p:txBody>
       </p:sp>

--- a/Presentation/TSQL_Windowing.pptx
+++ b/Presentation/TSQL_Windowing.pptx
@@ -2,45 +2,49 @@
 <file path=ppt/presentation.xml><?xml version="1.0" encoding="utf-8"?>
 <p:presentation xmlns:a="http://schemas.openxmlformats.org/drawingml/2006/main" xmlns:r="http://schemas.openxmlformats.org/officeDocument/2006/relationships" xmlns:p="http://schemas.openxmlformats.org/presentationml/2006/main" saveSubsetFonts="1">
   <p:sldMasterIdLst>
-    <p:sldMasterId id="2147483648" r:id="rId1"/>
+    <p:sldMasterId id="2147483661" r:id="rId1"/>
+    <p:sldMasterId id="2147483667" r:id="rId2"/>
+    <p:sldMasterId id="2147483670" r:id="rId3"/>
+    <p:sldMasterId id="2147483679" r:id="rId4"/>
+    <p:sldMasterId id="2147483682" r:id="rId5"/>
   </p:sldMasterIdLst>
   <p:notesMasterIdLst>
-    <p:notesMasterId r:id="rId35"/>
+    <p:notesMasterId r:id="rId39"/>
   </p:notesMasterIdLst>
   <p:sldIdLst>
-    <p:sldId id="256" r:id="rId2"/>
-    <p:sldId id="257" r:id="rId3"/>
-    <p:sldId id="258" r:id="rId4"/>
-    <p:sldId id="288" r:id="rId5"/>
-    <p:sldId id="283" r:id="rId6"/>
-    <p:sldId id="264" r:id="rId7"/>
-    <p:sldId id="265" r:id="rId8"/>
-    <p:sldId id="266" r:id="rId9"/>
-    <p:sldId id="267" r:id="rId10"/>
-    <p:sldId id="268" r:id="rId11"/>
-    <p:sldId id="269" r:id="rId12"/>
-    <p:sldId id="270" r:id="rId13"/>
-    <p:sldId id="271" r:id="rId14"/>
-    <p:sldId id="272" r:id="rId15"/>
-    <p:sldId id="273" r:id="rId16"/>
-    <p:sldId id="274" r:id="rId17"/>
-    <p:sldId id="275" r:id="rId18"/>
-    <p:sldId id="289" r:id="rId19"/>
-    <p:sldId id="278" r:id="rId20"/>
-    <p:sldId id="285" r:id="rId21"/>
-    <p:sldId id="290" r:id="rId22"/>
-    <p:sldId id="286" r:id="rId23"/>
-    <p:sldId id="284" r:id="rId24"/>
-    <p:sldId id="291" r:id="rId25"/>
-    <p:sldId id="277" r:id="rId26"/>
-    <p:sldId id="293" r:id="rId27"/>
-    <p:sldId id="292" r:id="rId28"/>
-    <p:sldId id="279" r:id="rId29"/>
-    <p:sldId id="294" r:id="rId30"/>
-    <p:sldId id="287" r:id="rId31"/>
-    <p:sldId id="260" r:id="rId32"/>
-    <p:sldId id="261" r:id="rId33"/>
-    <p:sldId id="262" r:id="rId34"/>
+    <p:sldId id="256" r:id="rId6"/>
+    <p:sldId id="257" r:id="rId7"/>
+    <p:sldId id="258" r:id="rId8"/>
+    <p:sldId id="288" r:id="rId9"/>
+    <p:sldId id="283" r:id="rId10"/>
+    <p:sldId id="264" r:id="rId11"/>
+    <p:sldId id="265" r:id="rId12"/>
+    <p:sldId id="266" r:id="rId13"/>
+    <p:sldId id="267" r:id="rId14"/>
+    <p:sldId id="268" r:id="rId15"/>
+    <p:sldId id="269" r:id="rId16"/>
+    <p:sldId id="270" r:id="rId17"/>
+    <p:sldId id="271" r:id="rId18"/>
+    <p:sldId id="272" r:id="rId19"/>
+    <p:sldId id="273" r:id="rId20"/>
+    <p:sldId id="274" r:id="rId21"/>
+    <p:sldId id="275" r:id="rId22"/>
+    <p:sldId id="289" r:id="rId23"/>
+    <p:sldId id="278" r:id="rId24"/>
+    <p:sldId id="285" r:id="rId25"/>
+    <p:sldId id="290" r:id="rId26"/>
+    <p:sldId id="286" r:id="rId27"/>
+    <p:sldId id="284" r:id="rId28"/>
+    <p:sldId id="291" r:id="rId29"/>
+    <p:sldId id="277" r:id="rId30"/>
+    <p:sldId id="293" r:id="rId31"/>
+    <p:sldId id="292" r:id="rId32"/>
+    <p:sldId id="279" r:id="rId33"/>
+    <p:sldId id="294" r:id="rId34"/>
+    <p:sldId id="287" r:id="rId35"/>
+    <p:sldId id="260" r:id="rId36"/>
+    <p:sldId id="261" r:id="rId37"/>
+    <p:sldId id="262" r:id="rId38"/>
   </p:sldIdLst>
   <p:sldSz cx="9144000" cy="6858000" type="screen4x3"/>
   <p:notesSz cx="6858000" cy="9144000"/>
@@ -240,7 +244,7 @@
           <a:p>
             <a:fld id="{F2F907C9-8666-45EC-BDB3-62480554DCC1}" type="datetimeFigureOut">
               <a:rPr lang="en-US" smtClean="0"/>
-              <a:t>8/5/2015</a:t>
+              <a:t>8/12/2015</a:t>
             </a:fld>
             <a:endParaRPr lang="en-US"/>
           </a:p>
@@ -607,7 +611,7 @@
 </file>
 
 <file path=ppt/slideLayouts/slideLayout1.xml><?xml version="1.0" encoding="utf-8"?>
-<p:sldLayout xmlns:a="http://schemas.openxmlformats.org/drawingml/2006/main" xmlns:r="http://schemas.openxmlformats.org/officeDocument/2006/relationships" xmlns:p="http://schemas.openxmlformats.org/presentationml/2006/main" type="title" preserve="1">
+<p:sldLayout xmlns:a="http://schemas.openxmlformats.org/drawingml/2006/main" xmlns:r="http://schemas.openxmlformats.org/officeDocument/2006/relationships" xmlns:p="http://schemas.openxmlformats.org/presentationml/2006/main" preserve="1">
   <p:cSld name="Title Slide">
     <p:spTree>
       <p:nvGrpSpPr>
@@ -625,6 +629,1460 @@
       </p:grpSpPr>
       <p:sp>
         <p:nvSpPr>
+          <p:cNvPr id="7" name="Title 1"/>
+          <p:cNvSpPr>
+            <a:spLocks noGrp="1"/>
+          </p:cNvSpPr>
+          <p:nvPr>
+            <p:ph type="ctrTitle"/>
+          </p:nvPr>
+        </p:nvSpPr>
+        <p:spPr>
+          <a:xfrm>
+            <a:off x="685800" y="2242738"/>
+            <a:ext cx="7772400" cy="1468967"/>
+          </a:xfrm>
+          <a:prstGeom prst="rect">
+            <a:avLst/>
+          </a:prstGeom>
+        </p:spPr>
+        <p:txBody>
+          <a:bodyPr/>
+          <a:lstStyle>
+            <a:lvl1pPr>
+              <a:defRPr>
+                <a:solidFill>
+                  <a:srgbClr val="FFFFFF"/>
+                </a:solidFill>
+                <a:latin typeface="Source Sans Pro"/>
+                <a:cs typeface="Source Sans Pro"/>
+              </a:defRPr>
+            </a:lvl1pPr>
+          </a:lstStyle>
+          <a:p>
+            <a:r>
+              <a:rPr lang="en-US" smtClean="0"/>
+              <a:t>Click to edit Master title style</a:t>
+            </a:r>
+            <a:endParaRPr lang="en-US" dirty="0"/>
+          </a:p>
+        </p:txBody>
+      </p:sp>
+      <p:sp>
+        <p:nvSpPr>
+          <p:cNvPr id="3" name="Footer Placeholder 4"/>
+          <p:cNvSpPr>
+            <a:spLocks noGrp="1"/>
+          </p:cNvSpPr>
+          <p:nvPr>
+            <p:ph type="ftr" sz="quarter" idx="10"/>
+          </p:nvPr>
+        </p:nvSpPr>
+        <p:spPr>
+          <a:ln/>
+        </p:spPr>
+        <p:txBody>
+          <a:bodyPr/>
+          <a:lstStyle>
+            <a:lvl1pPr>
+              <a:defRPr/>
+            </a:lvl1pPr>
+          </a:lstStyle>
+          <a:p>
+            <a:endParaRPr lang="en-US"/>
+          </a:p>
+        </p:txBody>
+      </p:sp>
+    </p:spTree>
+    <p:extLst>
+      <p:ext uri="{BB962C8B-B14F-4D97-AF65-F5344CB8AC3E}">
+        <p14:creationId xmlns:p14="http://schemas.microsoft.com/office/powerpoint/2010/main" val="3204559733"/>
+      </p:ext>
+    </p:extLst>
+  </p:cSld>
+  <p:clrMapOvr>
+    <a:masterClrMapping/>
+  </p:clrMapOvr>
+</p:sldLayout>
+</file>
+
+<file path=ppt/slideLayouts/slideLayout10.xml><?xml version="1.0" encoding="utf-8"?>
+<p:sldLayout xmlns:a="http://schemas.openxmlformats.org/drawingml/2006/main" xmlns:r="http://schemas.openxmlformats.org/officeDocument/2006/relationships" xmlns:p="http://schemas.openxmlformats.org/presentationml/2006/main" type="twoObj" preserve="1">
+  <p:cSld name="Two Content">
+    <p:spTree>
+      <p:nvGrpSpPr>
+        <p:cNvPr id="1" name=""/>
+        <p:cNvGrpSpPr/>
+        <p:nvPr/>
+      </p:nvGrpSpPr>
+      <p:grpSpPr>
+        <a:xfrm>
+          <a:off x="0" y="0"/>
+          <a:ext cx="0" cy="0"/>
+          <a:chOff x="0" y="0"/>
+          <a:chExt cx="0" cy="0"/>
+        </a:xfrm>
+      </p:grpSpPr>
+      <p:sp>
+        <p:nvSpPr>
+          <p:cNvPr id="2" name="Title 1"/>
+          <p:cNvSpPr>
+            <a:spLocks noGrp="1"/>
+          </p:cNvSpPr>
+          <p:nvPr>
+            <p:ph type="title"/>
+          </p:nvPr>
+        </p:nvSpPr>
+        <p:spPr>
+          <a:xfrm>
+            <a:off x="457200" y="522648"/>
+            <a:ext cx="8229600" cy="1143000"/>
+          </a:xfrm>
+          <a:prstGeom prst="rect">
+            <a:avLst/>
+          </a:prstGeom>
+        </p:spPr>
+        <p:txBody>
+          <a:bodyPr/>
+          <a:lstStyle/>
+          <a:p>
+            <a:r>
+              <a:rPr lang="en-US" smtClean="0"/>
+              <a:t>Click to edit Master title style</a:t>
+            </a:r>
+            <a:endParaRPr lang="en-US" dirty="0"/>
+          </a:p>
+        </p:txBody>
+      </p:sp>
+      <p:sp>
+        <p:nvSpPr>
+          <p:cNvPr id="3" name="Content Placeholder 2"/>
+          <p:cNvSpPr>
+            <a:spLocks noGrp="1"/>
+          </p:cNvSpPr>
+          <p:nvPr>
+            <p:ph sz="half" idx="1"/>
+          </p:nvPr>
+        </p:nvSpPr>
+        <p:spPr>
+          <a:xfrm>
+            <a:off x="457200" y="1704403"/>
+            <a:ext cx="4038600" cy="4183188"/>
+          </a:xfrm>
+          <a:prstGeom prst="rect">
+            <a:avLst/>
+          </a:prstGeom>
+        </p:spPr>
+        <p:txBody>
+          <a:bodyPr/>
+          <a:lstStyle>
+            <a:lvl1pPr>
+              <a:defRPr sz="2800"/>
+            </a:lvl1pPr>
+            <a:lvl2pPr>
+              <a:defRPr sz="2400"/>
+            </a:lvl2pPr>
+            <a:lvl3pPr>
+              <a:defRPr sz="2000"/>
+            </a:lvl3pPr>
+            <a:lvl4pPr>
+              <a:defRPr sz="1800"/>
+            </a:lvl4pPr>
+            <a:lvl5pPr>
+              <a:defRPr sz="1800"/>
+            </a:lvl5pPr>
+            <a:lvl6pPr>
+              <a:defRPr sz="1800"/>
+            </a:lvl6pPr>
+            <a:lvl7pPr>
+              <a:defRPr sz="1800"/>
+            </a:lvl7pPr>
+            <a:lvl8pPr>
+              <a:defRPr sz="1800"/>
+            </a:lvl8pPr>
+            <a:lvl9pPr>
+              <a:defRPr sz="1800"/>
+            </a:lvl9pPr>
+          </a:lstStyle>
+          <a:p>
+            <a:pPr lvl="0"/>
+            <a:r>
+              <a:rPr lang="en-US" smtClean="0"/>
+              <a:t>Click to edit Master text styles</a:t>
+            </a:r>
+          </a:p>
+          <a:p>
+            <a:pPr lvl="1"/>
+            <a:r>
+              <a:rPr lang="en-US" smtClean="0"/>
+              <a:t>Second level</a:t>
+            </a:r>
+          </a:p>
+          <a:p>
+            <a:pPr lvl="2"/>
+            <a:r>
+              <a:rPr lang="en-US" smtClean="0"/>
+              <a:t>Third level</a:t>
+            </a:r>
+          </a:p>
+          <a:p>
+            <a:pPr lvl="3"/>
+            <a:r>
+              <a:rPr lang="en-US" smtClean="0"/>
+              <a:t>Fourth level</a:t>
+            </a:r>
+          </a:p>
+          <a:p>
+            <a:pPr lvl="4"/>
+            <a:r>
+              <a:rPr lang="en-US" smtClean="0"/>
+              <a:t>Fifth level</a:t>
+            </a:r>
+            <a:endParaRPr lang="en-US" dirty="0"/>
+          </a:p>
+        </p:txBody>
+      </p:sp>
+      <p:sp>
+        <p:nvSpPr>
+          <p:cNvPr id="4" name="Content Placeholder 3"/>
+          <p:cNvSpPr>
+            <a:spLocks noGrp="1"/>
+          </p:cNvSpPr>
+          <p:nvPr>
+            <p:ph sz="half" idx="2"/>
+          </p:nvPr>
+        </p:nvSpPr>
+        <p:spPr>
+          <a:xfrm>
+            <a:off x="4648200" y="1704404"/>
+            <a:ext cx="4038600" cy="4183187"/>
+          </a:xfrm>
+          <a:prstGeom prst="rect">
+            <a:avLst/>
+          </a:prstGeom>
+        </p:spPr>
+        <p:txBody>
+          <a:bodyPr/>
+          <a:lstStyle>
+            <a:lvl1pPr>
+              <a:defRPr sz="2800"/>
+            </a:lvl1pPr>
+            <a:lvl2pPr>
+              <a:defRPr sz="2400"/>
+            </a:lvl2pPr>
+            <a:lvl3pPr>
+              <a:defRPr sz="2000"/>
+            </a:lvl3pPr>
+            <a:lvl4pPr>
+              <a:defRPr sz="1800"/>
+            </a:lvl4pPr>
+            <a:lvl5pPr>
+              <a:defRPr sz="1800"/>
+            </a:lvl5pPr>
+            <a:lvl6pPr>
+              <a:defRPr sz="1800"/>
+            </a:lvl6pPr>
+            <a:lvl7pPr>
+              <a:defRPr sz="1800"/>
+            </a:lvl7pPr>
+            <a:lvl8pPr>
+              <a:defRPr sz="1800"/>
+            </a:lvl8pPr>
+            <a:lvl9pPr>
+              <a:defRPr sz="1800"/>
+            </a:lvl9pPr>
+          </a:lstStyle>
+          <a:p>
+            <a:pPr lvl="0"/>
+            <a:r>
+              <a:rPr lang="en-US" smtClean="0"/>
+              <a:t>Click to edit Master text styles</a:t>
+            </a:r>
+          </a:p>
+          <a:p>
+            <a:pPr lvl="1"/>
+            <a:r>
+              <a:rPr lang="en-US" smtClean="0"/>
+              <a:t>Second level</a:t>
+            </a:r>
+          </a:p>
+          <a:p>
+            <a:pPr lvl="2"/>
+            <a:r>
+              <a:rPr lang="en-US" smtClean="0"/>
+              <a:t>Third level</a:t>
+            </a:r>
+          </a:p>
+          <a:p>
+            <a:pPr lvl="3"/>
+            <a:r>
+              <a:rPr lang="en-US" smtClean="0"/>
+              <a:t>Fourth level</a:t>
+            </a:r>
+          </a:p>
+          <a:p>
+            <a:pPr lvl="4"/>
+            <a:r>
+              <a:rPr lang="en-US" smtClean="0"/>
+              <a:t>Fifth level</a:t>
+            </a:r>
+            <a:endParaRPr lang="en-US"/>
+          </a:p>
+        </p:txBody>
+      </p:sp>
+      <p:sp>
+        <p:nvSpPr>
+          <p:cNvPr id="5" name="Footer Placeholder 4"/>
+          <p:cNvSpPr>
+            <a:spLocks noGrp="1"/>
+          </p:cNvSpPr>
+          <p:nvPr>
+            <p:ph type="ftr" sz="quarter" idx="10"/>
+          </p:nvPr>
+        </p:nvSpPr>
+        <p:spPr/>
+        <p:txBody>
+          <a:bodyPr rtlCol="0"/>
+          <a:lstStyle>
+            <a:lvl1pPr defTabSz="457200" fontAlgn="auto">
+              <a:spcBef>
+                <a:spcPts val="0"/>
+              </a:spcBef>
+              <a:spcAft>
+                <a:spcPts val="0"/>
+              </a:spcAft>
+              <a:defRPr>
+                <a:latin typeface="+mn-lt"/>
+                <a:ea typeface="+mn-ea"/>
+              </a:defRPr>
+            </a:lvl1pPr>
+          </a:lstStyle>
+          <a:p>
+            <a:pPr>
+              <a:defRPr/>
+            </a:pPr>
+            <a:r>
+              <a:rPr lang="en-US"/>
+              <a:t>#ITDEVCON</a:t>
+            </a:r>
+          </a:p>
+        </p:txBody>
+      </p:sp>
+    </p:spTree>
+    <p:extLst>
+      <p:ext uri="{BB962C8B-B14F-4D97-AF65-F5344CB8AC3E}">
+        <p14:creationId xmlns:p14="http://schemas.microsoft.com/office/powerpoint/2010/main" val="365026278"/>
+      </p:ext>
+    </p:extLst>
+  </p:cSld>
+  <p:clrMapOvr>
+    <a:masterClrMapping/>
+  </p:clrMapOvr>
+</p:sldLayout>
+</file>
+
+<file path=ppt/slideLayouts/slideLayout11.xml><?xml version="1.0" encoding="utf-8"?>
+<p:sldLayout xmlns:a="http://schemas.openxmlformats.org/drawingml/2006/main" xmlns:r="http://schemas.openxmlformats.org/officeDocument/2006/relationships" xmlns:p="http://schemas.openxmlformats.org/presentationml/2006/main" type="twoTxTwoObj" preserve="1">
+  <p:cSld name="Comparison">
+    <p:spTree>
+      <p:nvGrpSpPr>
+        <p:cNvPr id="1" name=""/>
+        <p:cNvGrpSpPr/>
+        <p:nvPr/>
+      </p:nvGrpSpPr>
+      <p:grpSpPr>
+        <a:xfrm>
+          <a:off x="0" y="0"/>
+          <a:ext cx="0" cy="0"/>
+          <a:chOff x="0" y="0"/>
+          <a:chExt cx="0" cy="0"/>
+        </a:xfrm>
+      </p:grpSpPr>
+      <p:sp>
+        <p:nvSpPr>
+          <p:cNvPr id="2" name="Title 1"/>
+          <p:cNvSpPr>
+            <a:spLocks noGrp="1"/>
+          </p:cNvSpPr>
+          <p:nvPr>
+            <p:ph type="title"/>
+          </p:nvPr>
+        </p:nvSpPr>
+        <p:spPr>
+          <a:xfrm>
+            <a:off x="457200" y="535673"/>
+            <a:ext cx="8229600" cy="1143000"/>
+          </a:xfrm>
+          <a:prstGeom prst="rect">
+            <a:avLst/>
+          </a:prstGeom>
+        </p:spPr>
+        <p:txBody>
+          <a:bodyPr/>
+          <a:lstStyle>
+            <a:lvl1pPr>
+              <a:defRPr/>
+            </a:lvl1pPr>
+          </a:lstStyle>
+          <a:p>
+            <a:r>
+              <a:rPr lang="en-US" smtClean="0"/>
+              <a:t>Click to edit Master title style</a:t>
+            </a:r>
+            <a:endParaRPr lang="en-US" dirty="0"/>
+          </a:p>
+        </p:txBody>
+      </p:sp>
+      <p:sp>
+        <p:nvSpPr>
+          <p:cNvPr id="3" name="Text Placeholder 2"/>
+          <p:cNvSpPr>
+            <a:spLocks noGrp="1"/>
+          </p:cNvSpPr>
+          <p:nvPr>
+            <p:ph type="body" idx="1"/>
+          </p:nvPr>
+        </p:nvSpPr>
+        <p:spPr>
+          <a:xfrm>
+            <a:off x="457200" y="2146775"/>
+            <a:ext cx="4040188" cy="641349"/>
+          </a:xfrm>
+          <a:prstGeom prst="rect">
+            <a:avLst/>
+          </a:prstGeom>
+        </p:spPr>
+        <p:txBody>
+          <a:bodyPr anchor="b"/>
+          <a:lstStyle>
+            <a:lvl1pPr marL="0" indent="0">
+              <a:buNone/>
+              <a:defRPr sz="2400" b="1"/>
+            </a:lvl1pPr>
+            <a:lvl2pPr marL="457200" indent="0">
+              <a:buNone/>
+              <a:defRPr sz="2000" b="1"/>
+            </a:lvl2pPr>
+            <a:lvl3pPr marL="914400" indent="0">
+              <a:buNone/>
+              <a:defRPr sz="1800" b="1"/>
+            </a:lvl3pPr>
+            <a:lvl4pPr marL="1371600" indent="0">
+              <a:buNone/>
+              <a:defRPr sz="1600" b="1"/>
+            </a:lvl4pPr>
+            <a:lvl5pPr marL="1828800" indent="0">
+              <a:buNone/>
+              <a:defRPr sz="1600" b="1"/>
+            </a:lvl5pPr>
+            <a:lvl6pPr marL="2286000" indent="0">
+              <a:buNone/>
+              <a:defRPr sz="1600" b="1"/>
+            </a:lvl6pPr>
+            <a:lvl7pPr marL="2743200" indent="0">
+              <a:buNone/>
+              <a:defRPr sz="1600" b="1"/>
+            </a:lvl7pPr>
+            <a:lvl8pPr marL="3200400" indent="0">
+              <a:buNone/>
+              <a:defRPr sz="1600" b="1"/>
+            </a:lvl8pPr>
+            <a:lvl9pPr marL="3657600" indent="0">
+              <a:buNone/>
+              <a:defRPr sz="1600" b="1"/>
+            </a:lvl9pPr>
+          </a:lstStyle>
+          <a:p>
+            <a:pPr lvl="0"/>
+            <a:r>
+              <a:rPr lang="en-US" smtClean="0"/>
+              <a:t>Click to edit Master text styles</a:t>
+            </a:r>
+          </a:p>
+        </p:txBody>
+      </p:sp>
+      <p:sp>
+        <p:nvSpPr>
+          <p:cNvPr id="4" name="Content Placeholder 3"/>
+          <p:cNvSpPr>
+            <a:spLocks noGrp="1"/>
+          </p:cNvSpPr>
+          <p:nvPr>
+            <p:ph sz="half" idx="2"/>
+          </p:nvPr>
+        </p:nvSpPr>
+        <p:spPr>
+          <a:xfrm>
+            <a:off x="457200" y="2644847"/>
+            <a:ext cx="4040188" cy="3529301"/>
+          </a:xfrm>
+          <a:prstGeom prst="rect">
+            <a:avLst/>
+          </a:prstGeom>
+        </p:spPr>
+        <p:txBody>
+          <a:bodyPr/>
+          <a:lstStyle>
+            <a:lvl1pPr>
+              <a:defRPr sz="2400"/>
+            </a:lvl1pPr>
+            <a:lvl2pPr>
+              <a:defRPr sz="2000"/>
+            </a:lvl2pPr>
+            <a:lvl3pPr>
+              <a:defRPr sz="1800"/>
+            </a:lvl3pPr>
+            <a:lvl4pPr>
+              <a:defRPr sz="1600"/>
+            </a:lvl4pPr>
+            <a:lvl5pPr>
+              <a:defRPr sz="1600"/>
+            </a:lvl5pPr>
+            <a:lvl6pPr>
+              <a:defRPr sz="1600"/>
+            </a:lvl6pPr>
+            <a:lvl7pPr>
+              <a:defRPr sz="1600"/>
+            </a:lvl7pPr>
+            <a:lvl8pPr>
+              <a:defRPr sz="1600"/>
+            </a:lvl8pPr>
+            <a:lvl9pPr>
+              <a:defRPr sz="1600"/>
+            </a:lvl9pPr>
+          </a:lstStyle>
+          <a:p>
+            <a:pPr lvl="0"/>
+            <a:r>
+              <a:rPr lang="en-US" smtClean="0"/>
+              <a:t>Click to edit Master text styles</a:t>
+            </a:r>
+          </a:p>
+          <a:p>
+            <a:pPr lvl="1"/>
+            <a:r>
+              <a:rPr lang="en-US" smtClean="0"/>
+              <a:t>Second level</a:t>
+            </a:r>
+          </a:p>
+          <a:p>
+            <a:pPr lvl="2"/>
+            <a:r>
+              <a:rPr lang="en-US" smtClean="0"/>
+              <a:t>Third level</a:t>
+            </a:r>
+          </a:p>
+          <a:p>
+            <a:pPr lvl="3"/>
+            <a:r>
+              <a:rPr lang="en-US" smtClean="0"/>
+              <a:t>Fourth level</a:t>
+            </a:r>
+          </a:p>
+          <a:p>
+            <a:pPr lvl="4"/>
+            <a:r>
+              <a:rPr lang="en-US" smtClean="0"/>
+              <a:t>Fifth level</a:t>
+            </a:r>
+            <a:endParaRPr lang="en-US" dirty="0"/>
+          </a:p>
+        </p:txBody>
+      </p:sp>
+      <p:sp>
+        <p:nvSpPr>
+          <p:cNvPr id="5" name="Text Placeholder 4"/>
+          <p:cNvSpPr>
+            <a:spLocks noGrp="1"/>
+          </p:cNvSpPr>
+          <p:nvPr>
+            <p:ph type="body" sz="quarter" idx="3"/>
+          </p:nvPr>
+        </p:nvSpPr>
+        <p:spPr>
+          <a:xfrm>
+            <a:off x="4645026" y="2146775"/>
+            <a:ext cx="4041775" cy="641349"/>
+          </a:xfrm>
+          <a:prstGeom prst="rect">
+            <a:avLst/>
+          </a:prstGeom>
+        </p:spPr>
+        <p:txBody>
+          <a:bodyPr anchor="b"/>
+          <a:lstStyle>
+            <a:lvl1pPr marL="0" indent="0">
+              <a:buNone/>
+              <a:defRPr sz="2400" b="1"/>
+            </a:lvl1pPr>
+            <a:lvl2pPr marL="457200" indent="0">
+              <a:buNone/>
+              <a:defRPr sz="2000" b="1"/>
+            </a:lvl2pPr>
+            <a:lvl3pPr marL="914400" indent="0">
+              <a:buNone/>
+              <a:defRPr sz="1800" b="1"/>
+            </a:lvl3pPr>
+            <a:lvl4pPr marL="1371600" indent="0">
+              <a:buNone/>
+              <a:defRPr sz="1600" b="1"/>
+            </a:lvl4pPr>
+            <a:lvl5pPr marL="1828800" indent="0">
+              <a:buNone/>
+              <a:defRPr sz="1600" b="1"/>
+            </a:lvl5pPr>
+            <a:lvl6pPr marL="2286000" indent="0">
+              <a:buNone/>
+              <a:defRPr sz="1600" b="1"/>
+            </a:lvl6pPr>
+            <a:lvl7pPr marL="2743200" indent="0">
+              <a:buNone/>
+              <a:defRPr sz="1600" b="1"/>
+            </a:lvl7pPr>
+            <a:lvl8pPr marL="3200400" indent="0">
+              <a:buNone/>
+              <a:defRPr sz="1600" b="1"/>
+            </a:lvl8pPr>
+            <a:lvl9pPr marL="3657600" indent="0">
+              <a:buNone/>
+              <a:defRPr sz="1600" b="1"/>
+            </a:lvl9pPr>
+          </a:lstStyle>
+          <a:p>
+            <a:pPr lvl="0"/>
+            <a:r>
+              <a:rPr lang="en-US" smtClean="0"/>
+              <a:t>Click to edit Master text styles</a:t>
+            </a:r>
+          </a:p>
+        </p:txBody>
+      </p:sp>
+      <p:sp>
+        <p:nvSpPr>
+          <p:cNvPr id="6" name="Content Placeholder 5"/>
+          <p:cNvSpPr>
+            <a:spLocks noGrp="1"/>
+          </p:cNvSpPr>
+          <p:nvPr>
+            <p:ph sz="quarter" idx="4"/>
+          </p:nvPr>
+        </p:nvSpPr>
+        <p:spPr>
+          <a:xfrm>
+            <a:off x="4645026" y="2644846"/>
+            <a:ext cx="4041775" cy="3529303"/>
+          </a:xfrm>
+          <a:prstGeom prst="rect">
+            <a:avLst/>
+          </a:prstGeom>
+        </p:spPr>
+        <p:txBody>
+          <a:bodyPr/>
+          <a:lstStyle>
+            <a:lvl1pPr>
+              <a:defRPr sz="2400"/>
+            </a:lvl1pPr>
+            <a:lvl2pPr>
+              <a:defRPr sz="2000"/>
+            </a:lvl2pPr>
+            <a:lvl3pPr>
+              <a:defRPr sz="1800"/>
+            </a:lvl3pPr>
+            <a:lvl4pPr>
+              <a:defRPr sz="1600"/>
+            </a:lvl4pPr>
+            <a:lvl5pPr>
+              <a:defRPr sz="1600"/>
+            </a:lvl5pPr>
+            <a:lvl6pPr>
+              <a:defRPr sz="1600"/>
+            </a:lvl6pPr>
+            <a:lvl7pPr>
+              <a:defRPr sz="1600"/>
+            </a:lvl7pPr>
+            <a:lvl8pPr>
+              <a:defRPr sz="1600"/>
+            </a:lvl8pPr>
+            <a:lvl9pPr>
+              <a:defRPr sz="1600"/>
+            </a:lvl9pPr>
+          </a:lstStyle>
+          <a:p>
+            <a:pPr lvl="0"/>
+            <a:r>
+              <a:rPr lang="en-US" smtClean="0"/>
+              <a:t>Click to edit Master text styles</a:t>
+            </a:r>
+          </a:p>
+          <a:p>
+            <a:pPr lvl="1"/>
+            <a:r>
+              <a:rPr lang="en-US" smtClean="0"/>
+              <a:t>Second level</a:t>
+            </a:r>
+          </a:p>
+          <a:p>
+            <a:pPr lvl="2"/>
+            <a:r>
+              <a:rPr lang="en-US" smtClean="0"/>
+              <a:t>Third level</a:t>
+            </a:r>
+          </a:p>
+          <a:p>
+            <a:pPr lvl="3"/>
+            <a:r>
+              <a:rPr lang="en-US" smtClean="0"/>
+              <a:t>Fourth level</a:t>
+            </a:r>
+          </a:p>
+          <a:p>
+            <a:pPr lvl="4"/>
+            <a:r>
+              <a:rPr lang="en-US" smtClean="0"/>
+              <a:t>Fifth level</a:t>
+            </a:r>
+            <a:endParaRPr lang="en-US" dirty="0"/>
+          </a:p>
+        </p:txBody>
+      </p:sp>
+      <p:sp>
+        <p:nvSpPr>
+          <p:cNvPr id="7" name="Footer Placeholder 4"/>
+          <p:cNvSpPr>
+            <a:spLocks noGrp="1"/>
+          </p:cNvSpPr>
+          <p:nvPr>
+            <p:ph type="ftr" sz="quarter" idx="10"/>
+          </p:nvPr>
+        </p:nvSpPr>
+        <p:spPr/>
+        <p:txBody>
+          <a:bodyPr rtlCol="0"/>
+          <a:lstStyle>
+            <a:lvl1pPr defTabSz="457200" fontAlgn="auto">
+              <a:spcBef>
+                <a:spcPts val="0"/>
+              </a:spcBef>
+              <a:spcAft>
+                <a:spcPts val="0"/>
+              </a:spcAft>
+              <a:defRPr>
+                <a:latin typeface="+mn-lt"/>
+                <a:ea typeface="+mn-ea"/>
+              </a:defRPr>
+            </a:lvl1pPr>
+          </a:lstStyle>
+          <a:p>
+            <a:pPr>
+              <a:defRPr/>
+            </a:pPr>
+            <a:r>
+              <a:rPr lang="en-US"/>
+              <a:t>#ITDEVCON</a:t>
+            </a:r>
+          </a:p>
+        </p:txBody>
+      </p:sp>
+    </p:spTree>
+    <p:extLst>
+      <p:ext uri="{BB962C8B-B14F-4D97-AF65-F5344CB8AC3E}">
+        <p14:creationId xmlns:p14="http://schemas.microsoft.com/office/powerpoint/2010/main" val="1568966602"/>
+      </p:ext>
+    </p:extLst>
+  </p:cSld>
+  <p:clrMapOvr>
+    <a:masterClrMapping/>
+  </p:clrMapOvr>
+</p:sldLayout>
+</file>
+
+<file path=ppt/slideLayouts/slideLayout12.xml><?xml version="1.0" encoding="utf-8"?>
+<p:sldLayout xmlns:a="http://schemas.openxmlformats.org/drawingml/2006/main" xmlns:r="http://schemas.openxmlformats.org/officeDocument/2006/relationships" xmlns:p="http://schemas.openxmlformats.org/presentationml/2006/main" type="titleOnly" preserve="1">
+  <p:cSld name="Title Only">
+    <p:spTree>
+      <p:nvGrpSpPr>
+        <p:cNvPr id="1" name=""/>
+        <p:cNvGrpSpPr/>
+        <p:nvPr/>
+      </p:nvGrpSpPr>
+      <p:grpSpPr>
+        <a:xfrm>
+          <a:off x="0" y="0"/>
+          <a:ext cx="0" cy="0"/>
+          <a:chOff x="0" y="0"/>
+          <a:chExt cx="0" cy="0"/>
+        </a:xfrm>
+      </p:grpSpPr>
+      <p:sp>
+        <p:nvSpPr>
+          <p:cNvPr id="2" name="Title 1"/>
+          <p:cNvSpPr>
+            <a:spLocks noGrp="1"/>
+          </p:cNvSpPr>
+          <p:nvPr>
+            <p:ph type="title"/>
+          </p:nvPr>
+        </p:nvSpPr>
+        <p:spPr>
+          <a:xfrm>
+            <a:off x="457200" y="522648"/>
+            <a:ext cx="8229600" cy="1143000"/>
+          </a:xfrm>
+          <a:prstGeom prst="rect">
+            <a:avLst/>
+          </a:prstGeom>
+        </p:spPr>
+        <p:txBody>
+          <a:bodyPr/>
+          <a:lstStyle/>
+          <a:p>
+            <a:r>
+              <a:rPr lang="en-US" smtClean="0"/>
+              <a:t>Click to edit Master title style</a:t>
+            </a:r>
+            <a:endParaRPr lang="en-US" dirty="0"/>
+          </a:p>
+        </p:txBody>
+      </p:sp>
+      <p:sp>
+        <p:nvSpPr>
+          <p:cNvPr id="3" name="Footer Placeholder 4"/>
+          <p:cNvSpPr>
+            <a:spLocks noGrp="1"/>
+          </p:cNvSpPr>
+          <p:nvPr>
+            <p:ph type="ftr" sz="quarter" idx="10"/>
+          </p:nvPr>
+        </p:nvSpPr>
+        <p:spPr/>
+        <p:txBody>
+          <a:bodyPr rtlCol="0"/>
+          <a:lstStyle>
+            <a:lvl1pPr defTabSz="457200" fontAlgn="auto">
+              <a:spcBef>
+                <a:spcPts val="0"/>
+              </a:spcBef>
+              <a:spcAft>
+                <a:spcPts val="0"/>
+              </a:spcAft>
+              <a:defRPr>
+                <a:latin typeface="+mn-lt"/>
+                <a:ea typeface="+mn-ea"/>
+              </a:defRPr>
+            </a:lvl1pPr>
+          </a:lstStyle>
+          <a:p>
+            <a:pPr>
+              <a:defRPr/>
+            </a:pPr>
+            <a:r>
+              <a:rPr lang="en-US"/>
+              <a:t>#ITDEVCON</a:t>
+            </a:r>
+          </a:p>
+        </p:txBody>
+      </p:sp>
+    </p:spTree>
+    <p:extLst>
+      <p:ext uri="{BB962C8B-B14F-4D97-AF65-F5344CB8AC3E}">
+        <p14:creationId xmlns:p14="http://schemas.microsoft.com/office/powerpoint/2010/main" val="3989728983"/>
+      </p:ext>
+    </p:extLst>
+  </p:cSld>
+  <p:clrMapOvr>
+    <a:masterClrMapping/>
+  </p:clrMapOvr>
+</p:sldLayout>
+</file>
+
+<file path=ppt/slideLayouts/slideLayout13.xml><?xml version="1.0" encoding="utf-8"?>
+<p:sldLayout xmlns:a="http://schemas.openxmlformats.org/drawingml/2006/main" xmlns:r="http://schemas.openxmlformats.org/officeDocument/2006/relationships" xmlns:p="http://schemas.openxmlformats.org/presentationml/2006/main" type="blank" preserve="1">
+  <p:cSld name="Blank">
+    <p:spTree>
+      <p:nvGrpSpPr>
+        <p:cNvPr id="1" name=""/>
+        <p:cNvGrpSpPr/>
+        <p:nvPr/>
+      </p:nvGrpSpPr>
+      <p:grpSpPr>
+        <a:xfrm>
+          <a:off x="0" y="0"/>
+          <a:ext cx="0" cy="0"/>
+          <a:chOff x="0" y="0"/>
+          <a:chExt cx="0" cy="0"/>
+        </a:xfrm>
+      </p:grpSpPr>
+      <p:sp>
+        <p:nvSpPr>
+          <p:cNvPr id="2" name="Footer Placeholder 4"/>
+          <p:cNvSpPr>
+            <a:spLocks noGrp="1"/>
+          </p:cNvSpPr>
+          <p:nvPr>
+            <p:ph type="ftr" sz="quarter" idx="10"/>
+          </p:nvPr>
+        </p:nvSpPr>
+        <p:spPr/>
+        <p:txBody>
+          <a:bodyPr rtlCol="0"/>
+          <a:lstStyle>
+            <a:lvl1pPr defTabSz="457200" fontAlgn="auto">
+              <a:spcBef>
+                <a:spcPts val="0"/>
+              </a:spcBef>
+              <a:spcAft>
+                <a:spcPts val="0"/>
+              </a:spcAft>
+              <a:defRPr>
+                <a:latin typeface="+mn-lt"/>
+                <a:ea typeface="+mn-ea"/>
+              </a:defRPr>
+            </a:lvl1pPr>
+          </a:lstStyle>
+          <a:p>
+            <a:pPr>
+              <a:defRPr/>
+            </a:pPr>
+            <a:r>
+              <a:rPr lang="en-US"/>
+              <a:t>#ITDEVCON</a:t>
+            </a:r>
+          </a:p>
+        </p:txBody>
+      </p:sp>
+    </p:spTree>
+    <p:extLst>
+      <p:ext uri="{BB962C8B-B14F-4D97-AF65-F5344CB8AC3E}">
+        <p14:creationId xmlns:p14="http://schemas.microsoft.com/office/powerpoint/2010/main" val="3570529922"/>
+      </p:ext>
+    </p:extLst>
+  </p:cSld>
+  <p:clrMapOvr>
+    <a:masterClrMapping/>
+  </p:clrMapOvr>
+</p:sldLayout>
+</file>
+
+<file path=ppt/slideLayouts/slideLayout14.xml><?xml version="1.0" encoding="utf-8"?>
+<p:sldLayout xmlns:a="http://schemas.openxmlformats.org/drawingml/2006/main" xmlns:r="http://schemas.openxmlformats.org/officeDocument/2006/relationships" xmlns:p="http://schemas.openxmlformats.org/presentationml/2006/main" type="objTx" preserve="1">
+  <p:cSld name="Content with Caption">
+    <p:spTree>
+      <p:nvGrpSpPr>
+        <p:cNvPr id="1" name=""/>
+        <p:cNvGrpSpPr/>
+        <p:nvPr/>
+      </p:nvGrpSpPr>
+      <p:grpSpPr>
+        <a:xfrm>
+          <a:off x="0" y="0"/>
+          <a:ext cx="0" cy="0"/>
+          <a:chOff x="0" y="0"/>
+          <a:chExt cx="0" cy="0"/>
+        </a:xfrm>
+      </p:grpSpPr>
+      <p:sp>
+        <p:nvSpPr>
+          <p:cNvPr id="2" name="Title 1"/>
+          <p:cNvSpPr>
+            <a:spLocks noGrp="1"/>
+          </p:cNvSpPr>
+          <p:nvPr>
+            <p:ph type="title"/>
+          </p:nvPr>
+        </p:nvSpPr>
+        <p:spPr>
+          <a:xfrm>
+            <a:off x="457201" y="598685"/>
+            <a:ext cx="3008313" cy="1162049"/>
+          </a:xfrm>
+          <a:prstGeom prst="rect">
+            <a:avLst/>
+          </a:prstGeom>
+        </p:spPr>
+        <p:txBody>
+          <a:bodyPr anchor="b"/>
+          <a:lstStyle>
+            <a:lvl1pPr algn="l">
+              <a:defRPr sz="2000" b="1"/>
+            </a:lvl1pPr>
+          </a:lstStyle>
+          <a:p>
+            <a:r>
+              <a:rPr lang="en-US" smtClean="0"/>
+              <a:t>Click to edit Master title style</a:t>
+            </a:r>
+            <a:endParaRPr lang="en-US" dirty="0"/>
+          </a:p>
+        </p:txBody>
+      </p:sp>
+      <p:sp>
+        <p:nvSpPr>
+          <p:cNvPr id="3" name="Content Placeholder 2"/>
+          <p:cNvSpPr>
+            <a:spLocks noGrp="1"/>
+          </p:cNvSpPr>
+          <p:nvPr>
+            <p:ph idx="1"/>
+          </p:nvPr>
+        </p:nvSpPr>
+        <p:spPr>
+          <a:xfrm>
+            <a:off x="3575050" y="598684"/>
+            <a:ext cx="5111750" cy="5526949"/>
+          </a:xfrm>
+          <a:prstGeom prst="rect">
+            <a:avLst/>
+          </a:prstGeom>
+        </p:spPr>
+        <p:txBody>
+          <a:bodyPr/>
+          <a:lstStyle>
+            <a:lvl1pPr>
+              <a:defRPr sz="3200"/>
+            </a:lvl1pPr>
+            <a:lvl2pPr>
+              <a:defRPr sz="2800"/>
+            </a:lvl2pPr>
+            <a:lvl3pPr>
+              <a:defRPr sz="2400"/>
+            </a:lvl3pPr>
+            <a:lvl4pPr>
+              <a:defRPr sz="2000"/>
+            </a:lvl4pPr>
+            <a:lvl5pPr>
+              <a:defRPr sz="2000"/>
+            </a:lvl5pPr>
+            <a:lvl6pPr>
+              <a:defRPr sz="2000"/>
+            </a:lvl6pPr>
+            <a:lvl7pPr>
+              <a:defRPr sz="2000"/>
+            </a:lvl7pPr>
+            <a:lvl8pPr>
+              <a:defRPr sz="2000"/>
+            </a:lvl8pPr>
+            <a:lvl9pPr>
+              <a:defRPr sz="2000"/>
+            </a:lvl9pPr>
+          </a:lstStyle>
+          <a:p>
+            <a:pPr lvl="0"/>
+            <a:r>
+              <a:rPr lang="en-US" smtClean="0"/>
+              <a:t>Click to edit Master text styles</a:t>
+            </a:r>
+          </a:p>
+          <a:p>
+            <a:pPr lvl="1"/>
+            <a:r>
+              <a:rPr lang="en-US" smtClean="0"/>
+              <a:t>Second level</a:t>
+            </a:r>
+          </a:p>
+          <a:p>
+            <a:pPr lvl="2"/>
+            <a:r>
+              <a:rPr lang="en-US" smtClean="0"/>
+              <a:t>Third level</a:t>
+            </a:r>
+          </a:p>
+          <a:p>
+            <a:pPr lvl="3"/>
+            <a:r>
+              <a:rPr lang="en-US" smtClean="0"/>
+              <a:t>Fourth level</a:t>
+            </a:r>
+          </a:p>
+          <a:p>
+            <a:pPr lvl="4"/>
+            <a:r>
+              <a:rPr lang="en-US" smtClean="0"/>
+              <a:t>Fifth level</a:t>
+            </a:r>
+            <a:endParaRPr lang="en-US"/>
+          </a:p>
+        </p:txBody>
+      </p:sp>
+      <p:sp>
+        <p:nvSpPr>
+          <p:cNvPr id="4" name="Text Placeholder 3"/>
+          <p:cNvSpPr>
+            <a:spLocks noGrp="1"/>
+          </p:cNvSpPr>
+          <p:nvPr>
+            <p:ph type="body" sz="half" idx="2"/>
+          </p:nvPr>
+        </p:nvSpPr>
+        <p:spPr>
+          <a:xfrm>
+            <a:off x="457201" y="1760734"/>
+            <a:ext cx="3008313" cy="4364900"/>
+          </a:xfrm>
+          <a:prstGeom prst="rect">
+            <a:avLst/>
+          </a:prstGeom>
+        </p:spPr>
+        <p:txBody>
+          <a:bodyPr/>
+          <a:lstStyle>
+            <a:lvl1pPr marL="0" indent="0">
+              <a:buNone/>
+              <a:defRPr sz="1400"/>
+            </a:lvl1pPr>
+            <a:lvl2pPr marL="457200" indent="0">
+              <a:buNone/>
+              <a:defRPr sz="1200"/>
+            </a:lvl2pPr>
+            <a:lvl3pPr marL="914400" indent="0">
+              <a:buNone/>
+              <a:defRPr sz="1000"/>
+            </a:lvl3pPr>
+            <a:lvl4pPr marL="1371600" indent="0">
+              <a:buNone/>
+              <a:defRPr sz="900"/>
+            </a:lvl4pPr>
+            <a:lvl5pPr marL="1828800" indent="0">
+              <a:buNone/>
+              <a:defRPr sz="900"/>
+            </a:lvl5pPr>
+            <a:lvl6pPr marL="2286000" indent="0">
+              <a:buNone/>
+              <a:defRPr sz="900"/>
+            </a:lvl6pPr>
+            <a:lvl7pPr marL="2743200" indent="0">
+              <a:buNone/>
+              <a:defRPr sz="900"/>
+            </a:lvl7pPr>
+            <a:lvl8pPr marL="3200400" indent="0">
+              <a:buNone/>
+              <a:defRPr sz="900"/>
+            </a:lvl8pPr>
+            <a:lvl9pPr marL="3657600" indent="0">
+              <a:buNone/>
+              <a:defRPr sz="900"/>
+            </a:lvl9pPr>
+          </a:lstStyle>
+          <a:p>
+            <a:pPr lvl="0"/>
+            <a:r>
+              <a:rPr lang="en-US" smtClean="0"/>
+              <a:t>Click to edit Master text styles</a:t>
+            </a:r>
+          </a:p>
+        </p:txBody>
+      </p:sp>
+      <p:sp>
+        <p:nvSpPr>
+          <p:cNvPr id="5" name="Footer Placeholder 4"/>
+          <p:cNvSpPr>
+            <a:spLocks noGrp="1"/>
+          </p:cNvSpPr>
+          <p:nvPr>
+            <p:ph type="ftr" sz="quarter" idx="10"/>
+          </p:nvPr>
+        </p:nvSpPr>
+        <p:spPr/>
+        <p:txBody>
+          <a:bodyPr rtlCol="0"/>
+          <a:lstStyle>
+            <a:lvl1pPr defTabSz="457200" fontAlgn="auto">
+              <a:spcBef>
+                <a:spcPts val="0"/>
+              </a:spcBef>
+              <a:spcAft>
+                <a:spcPts val="0"/>
+              </a:spcAft>
+              <a:defRPr>
+                <a:latin typeface="+mn-lt"/>
+                <a:ea typeface="+mn-ea"/>
+              </a:defRPr>
+            </a:lvl1pPr>
+          </a:lstStyle>
+          <a:p>
+            <a:pPr>
+              <a:defRPr/>
+            </a:pPr>
+            <a:r>
+              <a:rPr lang="en-US"/>
+              <a:t>#ITDEVCON</a:t>
+            </a:r>
+          </a:p>
+        </p:txBody>
+      </p:sp>
+    </p:spTree>
+    <p:extLst>
+      <p:ext uri="{BB962C8B-B14F-4D97-AF65-F5344CB8AC3E}">
+        <p14:creationId xmlns:p14="http://schemas.microsoft.com/office/powerpoint/2010/main" val="1798245462"/>
+      </p:ext>
+    </p:extLst>
+  </p:cSld>
+  <p:clrMapOvr>
+    <a:masterClrMapping/>
+  </p:clrMapOvr>
+</p:sldLayout>
+</file>
+
+<file path=ppt/slideLayouts/slideLayout15.xml><?xml version="1.0" encoding="utf-8"?>
+<p:sldLayout xmlns:a="http://schemas.openxmlformats.org/drawingml/2006/main" xmlns:r="http://schemas.openxmlformats.org/officeDocument/2006/relationships" xmlns:p="http://schemas.openxmlformats.org/presentationml/2006/main" type="picTx" preserve="1">
+  <p:cSld name="Picture with Caption">
+    <p:spTree>
+      <p:nvGrpSpPr>
+        <p:cNvPr id="1" name=""/>
+        <p:cNvGrpSpPr/>
+        <p:nvPr/>
+      </p:nvGrpSpPr>
+      <p:grpSpPr>
+        <a:xfrm>
+          <a:off x="0" y="0"/>
+          <a:ext cx="0" cy="0"/>
+          <a:chOff x="0" y="0"/>
+          <a:chExt cx="0" cy="0"/>
+        </a:xfrm>
+      </p:grpSpPr>
+      <p:sp>
+        <p:nvSpPr>
+          <p:cNvPr id="2" name="Title 1"/>
+          <p:cNvSpPr>
+            <a:spLocks noGrp="1"/>
+          </p:cNvSpPr>
+          <p:nvPr>
+            <p:ph type="title"/>
+          </p:nvPr>
+        </p:nvSpPr>
+        <p:spPr>
+          <a:xfrm>
+            <a:off x="1792288" y="4800600"/>
+            <a:ext cx="5486400" cy="567267"/>
+          </a:xfrm>
+          <a:prstGeom prst="rect">
+            <a:avLst/>
+          </a:prstGeom>
+        </p:spPr>
+        <p:txBody>
+          <a:bodyPr anchor="b"/>
+          <a:lstStyle>
+            <a:lvl1pPr algn="l">
+              <a:defRPr sz="2000" b="1"/>
+            </a:lvl1pPr>
+          </a:lstStyle>
+          <a:p>
+            <a:r>
+              <a:rPr lang="en-US" smtClean="0"/>
+              <a:t>Click to edit Master title style</a:t>
+            </a:r>
+            <a:endParaRPr lang="en-US"/>
+          </a:p>
+        </p:txBody>
+      </p:sp>
+      <p:sp>
+        <p:nvSpPr>
+          <p:cNvPr id="3" name="Picture Placeholder 2"/>
+          <p:cNvSpPr>
+            <a:spLocks noGrp="1"/>
+          </p:cNvSpPr>
+          <p:nvPr>
+            <p:ph type="pic" idx="1"/>
+          </p:nvPr>
+        </p:nvSpPr>
+        <p:spPr>
+          <a:xfrm>
+            <a:off x="1792288" y="613833"/>
+            <a:ext cx="5486400" cy="4114800"/>
+          </a:xfrm>
+          <a:prstGeom prst="rect">
+            <a:avLst/>
+          </a:prstGeom>
+        </p:spPr>
+        <p:txBody>
+          <a:bodyPr rtlCol="0">
+            <a:normAutofit/>
+          </a:bodyPr>
+          <a:lstStyle>
+            <a:lvl1pPr marL="0" indent="0">
+              <a:buNone/>
+              <a:defRPr sz="3200"/>
+            </a:lvl1pPr>
+            <a:lvl2pPr marL="457200" indent="0">
+              <a:buNone/>
+              <a:defRPr sz="2800"/>
+            </a:lvl2pPr>
+            <a:lvl3pPr marL="914400" indent="0">
+              <a:buNone/>
+              <a:defRPr sz="2400"/>
+            </a:lvl3pPr>
+            <a:lvl4pPr marL="1371600" indent="0">
+              <a:buNone/>
+              <a:defRPr sz="2000"/>
+            </a:lvl4pPr>
+            <a:lvl5pPr marL="1828800" indent="0">
+              <a:buNone/>
+              <a:defRPr sz="2000"/>
+            </a:lvl5pPr>
+            <a:lvl6pPr marL="2286000" indent="0">
+              <a:buNone/>
+              <a:defRPr sz="2000"/>
+            </a:lvl6pPr>
+            <a:lvl7pPr marL="2743200" indent="0">
+              <a:buNone/>
+              <a:defRPr sz="2000"/>
+            </a:lvl7pPr>
+            <a:lvl8pPr marL="3200400" indent="0">
+              <a:buNone/>
+              <a:defRPr sz="2000"/>
+            </a:lvl8pPr>
+            <a:lvl9pPr marL="3657600" indent="0">
+              <a:buNone/>
+              <a:defRPr sz="2000"/>
+            </a:lvl9pPr>
+          </a:lstStyle>
+          <a:p>
+            <a:pPr lvl="0"/>
+            <a:r>
+              <a:rPr lang="en-US" noProof="0" smtClean="0"/>
+              <a:t>Click icon to add picture</a:t>
+            </a:r>
+            <a:endParaRPr lang="en-US" noProof="0" smtClean="0"/>
+          </a:p>
+        </p:txBody>
+      </p:sp>
+      <p:sp>
+        <p:nvSpPr>
+          <p:cNvPr id="4" name="Text Placeholder 3"/>
+          <p:cNvSpPr>
+            <a:spLocks noGrp="1"/>
+          </p:cNvSpPr>
+          <p:nvPr>
+            <p:ph type="body" sz="half" idx="2"/>
+          </p:nvPr>
+        </p:nvSpPr>
+        <p:spPr>
+          <a:xfrm>
+            <a:off x="1792288" y="5367867"/>
+            <a:ext cx="5486400" cy="804333"/>
+          </a:xfrm>
+          <a:prstGeom prst="rect">
+            <a:avLst/>
+          </a:prstGeom>
+        </p:spPr>
+        <p:txBody>
+          <a:bodyPr/>
+          <a:lstStyle>
+            <a:lvl1pPr marL="0" indent="0">
+              <a:buNone/>
+              <a:defRPr sz="1400"/>
+            </a:lvl1pPr>
+            <a:lvl2pPr marL="457200" indent="0">
+              <a:buNone/>
+              <a:defRPr sz="1200"/>
+            </a:lvl2pPr>
+            <a:lvl3pPr marL="914400" indent="0">
+              <a:buNone/>
+              <a:defRPr sz="1000"/>
+            </a:lvl3pPr>
+            <a:lvl4pPr marL="1371600" indent="0">
+              <a:buNone/>
+              <a:defRPr sz="900"/>
+            </a:lvl4pPr>
+            <a:lvl5pPr marL="1828800" indent="0">
+              <a:buNone/>
+              <a:defRPr sz="900"/>
+            </a:lvl5pPr>
+            <a:lvl6pPr marL="2286000" indent="0">
+              <a:buNone/>
+              <a:defRPr sz="900"/>
+            </a:lvl6pPr>
+            <a:lvl7pPr marL="2743200" indent="0">
+              <a:buNone/>
+              <a:defRPr sz="900"/>
+            </a:lvl7pPr>
+            <a:lvl8pPr marL="3200400" indent="0">
+              <a:buNone/>
+              <a:defRPr sz="900"/>
+            </a:lvl8pPr>
+            <a:lvl9pPr marL="3657600" indent="0">
+              <a:buNone/>
+              <a:defRPr sz="900"/>
+            </a:lvl9pPr>
+          </a:lstStyle>
+          <a:p>
+            <a:pPr lvl="0"/>
+            <a:r>
+              <a:rPr lang="en-US" smtClean="0"/>
+              <a:t>Click to edit Master text styles</a:t>
+            </a:r>
+          </a:p>
+        </p:txBody>
+      </p:sp>
+      <p:sp>
+        <p:nvSpPr>
+          <p:cNvPr id="5" name="Footer Placeholder 4"/>
+          <p:cNvSpPr>
+            <a:spLocks noGrp="1"/>
+          </p:cNvSpPr>
+          <p:nvPr>
+            <p:ph type="ftr" sz="quarter" idx="10"/>
+          </p:nvPr>
+        </p:nvSpPr>
+        <p:spPr/>
+        <p:txBody>
+          <a:bodyPr rtlCol="0"/>
+          <a:lstStyle>
+            <a:lvl1pPr defTabSz="457200" fontAlgn="auto">
+              <a:spcBef>
+                <a:spcPts val="0"/>
+              </a:spcBef>
+              <a:spcAft>
+                <a:spcPts val="0"/>
+              </a:spcAft>
+              <a:defRPr>
+                <a:latin typeface="+mn-lt"/>
+                <a:ea typeface="+mn-ea"/>
+              </a:defRPr>
+            </a:lvl1pPr>
+          </a:lstStyle>
+          <a:p>
+            <a:pPr>
+              <a:defRPr/>
+            </a:pPr>
+            <a:r>
+              <a:rPr lang="en-US"/>
+              <a:t>#ITDEVCON</a:t>
+            </a:r>
+          </a:p>
+        </p:txBody>
+      </p:sp>
+    </p:spTree>
+    <p:extLst>
+      <p:ext uri="{BB962C8B-B14F-4D97-AF65-F5344CB8AC3E}">
+        <p14:creationId xmlns:p14="http://schemas.microsoft.com/office/powerpoint/2010/main" val="2521650473"/>
+      </p:ext>
+    </p:extLst>
+  </p:cSld>
+  <p:clrMapOvr>
+    <a:masterClrMapping/>
+  </p:clrMapOvr>
+</p:sldLayout>
+</file>
+
+<file path=ppt/slideLayouts/slideLayout16.xml><?xml version="1.0" encoding="utf-8"?>
+<p:sldLayout xmlns:a="http://schemas.openxmlformats.org/drawingml/2006/main" xmlns:r="http://schemas.openxmlformats.org/officeDocument/2006/relationships" xmlns:p="http://schemas.openxmlformats.org/presentationml/2006/main" type="title" preserve="1">
+  <p:cSld name="Divider Title">
+    <p:spTree>
+      <p:nvGrpSpPr>
+        <p:cNvPr id="1" name=""/>
+        <p:cNvGrpSpPr/>
+        <p:nvPr/>
+      </p:nvGrpSpPr>
+      <p:grpSpPr>
+        <a:xfrm>
+          <a:off x="0" y="0"/>
+          <a:ext cx="0" cy="0"/>
+          <a:chOff x="0" y="0"/>
+          <a:chExt cx="0" cy="0"/>
+        </a:xfrm>
+      </p:grpSpPr>
+      <p:sp>
+        <p:nvSpPr>
           <p:cNvPr id="2" name="Title 1"/>
           <p:cNvSpPr>
             <a:spLocks noGrp="1"/>
@@ -635,9 +2093,12 @@
         </p:nvSpPr>
         <p:spPr>
           <a:xfrm>
-            <a:off x="685800" y="2130425"/>
-            <a:ext cx="7772400" cy="1470025"/>
+            <a:off x="685800" y="1688623"/>
+            <a:ext cx="7772400" cy="1468967"/>
           </a:xfrm>
+          <a:prstGeom prst="rect">
+            <a:avLst/>
+          </a:prstGeom>
         </p:spPr>
         <p:txBody>
           <a:bodyPr/>
@@ -647,7 +2108,7 @@
               <a:rPr lang="en-US" smtClean="0"/>
               <a:t>Click to edit Master title style</a:t>
             </a:r>
-            <a:endParaRPr lang="en-US"/>
+            <a:endParaRPr lang="en-US" dirty="0"/>
           </a:p>
         </p:txBody>
       </p:sp>
@@ -663,9 +2124,319 @@
         </p:nvSpPr>
         <p:spPr>
           <a:xfrm>
+            <a:off x="1371600" y="3443339"/>
+            <a:ext cx="6400800" cy="1752600"/>
+          </a:xfrm>
+          <a:prstGeom prst="rect">
+            <a:avLst/>
+          </a:prstGeom>
+        </p:spPr>
+        <p:txBody>
+          <a:bodyPr/>
+          <a:lstStyle>
+            <a:lvl1pPr marL="0" indent="0" algn="ctr">
+              <a:buNone/>
+              <a:defRPr>
+                <a:solidFill>
+                  <a:schemeClr val="bg1"/>
+                </a:solidFill>
+              </a:defRPr>
+            </a:lvl1pPr>
+            <a:lvl2pPr marL="457200" indent="0" algn="ctr">
+              <a:buNone/>
+              <a:defRPr>
+                <a:solidFill>
+                  <a:schemeClr val="tx1">
+                    <a:tint val="75000"/>
+                  </a:schemeClr>
+                </a:solidFill>
+              </a:defRPr>
+            </a:lvl2pPr>
+            <a:lvl3pPr marL="914400" indent="0" algn="ctr">
+              <a:buNone/>
+              <a:defRPr>
+                <a:solidFill>
+                  <a:schemeClr val="tx1">
+                    <a:tint val="75000"/>
+                  </a:schemeClr>
+                </a:solidFill>
+              </a:defRPr>
+            </a:lvl3pPr>
+            <a:lvl4pPr marL="1371600" indent="0" algn="ctr">
+              <a:buNone/>
+              <a:defRPr>
+                <a:solidFill>
+                  <a:schemeClr val="tx1">
+                    <a:tint val="75000"/>
+                  </a:schemeClr>
+                </a:solidFill>
+              </a:defRPr>
+            </a:lvl4pPr>
+            <a:lvl5pPr marL="1828800" indent="0" algn="ctr">
+              <a:buNone/>
+              <a:defRPr>
+                <a:solidFill>
+                  <a:schemeClr val="tx1">
+                    <a:tint val="75000"/>
+                  </a:schemeClr>
+                </a:solidFill>
+              </a:defRPr>
+            </a:lvl5pPr>
+            <a:lvl6pPr marL="2286000" indent="0" algn="ctr">
+              <a:buNone/>
+              <a:defRPr>
+                <a:solidFill>
+                  <a:schemeClr val="tx1">
+                    <a:tint val="75000"/>
+                  </a:schemeClr>
+                </a:solidFill>
+              </a:defRPr>
+            </a:lvl6pPr>
+            <a:lvl7pPr marL="2743200" indent="0" algn="ctr">
+              <a:buNone/>
+              <a:defRPr>
+                <a:solidFill>
+                  <a:schemeClr val="tx1">
+                    <a:tint val="75000"/>
+                  </a:schemeClr>
+                </a:solidFill>
+              </a:defRPr>
+            </a:lvl7pPr>
+            <a:lvl8pPr marL="3200400" indent="0" algn="ctr">
+              <a:buNone/>
+              <a:defRPr>
+                <a:solidFill>
+                  <a:schemeClr val="tx1">
+                    <a:tint val="75000"/>
+                  </a:schemeClr>
+                </a:solidFill>
+              </a:defRPr>
+            </a:lvl8pPr>
+            <a:lvl9pPr marL="3657600" indent="0" algn="ctr">
+              <a:buNone/>
+              <a:defRPr>
+                <a:solidFill>
+                  <a:schemeClr val="tx1">
+                    <a:tint val="75000"/>
+                  </a:schemeClr>
+                </a:solidFill>
+              </a:defRPr>
+            </a:lvl9pPr>
+          </a:lstStyle>
+          <a:p>
+            <a:r>
+              <a:rPr lang="en-US" smtClean="0"/>
+              <a:t>Click to edit Master subtitle style</a:t>
+            </a:r>
+            <a:endParaRPr lang="en-US" dirty="0"/>
+          </a:p>
+        </p:txBody>
+      </p:sp>
+    </p:spTree>
+    <p:extLst>
+      <p:ext uri="{BB962C8B-B14F-4D97-AF65-F5344CB8AC3E}">
+        <p14:creationId xmlns:p14="http://schemas.microsoft.com/office/powerpoint/2010/main" val="3700473593"/>
+      </p:ext>
+    </p:extLst>
+  </p:cSld>
+  <p:clrMapOvr>
+    <a:masterClrMapping/>
+  </p:clrMapOvr>
+</p:sldLayout>
+</file>
+
+<file path=ppt/slideLayouts/slideLayout17.xml><?xml version="1.0" encoding="utf-8"?>
+<p:sldLayout xmlns:a="http://schemas.openxmlformats.org/drawingml/2006/main" xmlns:r="http://schemas.openxmlformats.org/officeDocument/2006/relationships" xmlns:p="http://schemas.openxmlformats.org/presentationml/2006/main" preserve="1" userDrawn="1">
+  <p:cSld name="Divider Blank">
+    <p:spTree>
+      <p:nvGrpSpPr>
+        <p:cNvPr id="1" name=""/>
+        <p:cNvGrpSpPr/>
+        <p:nvPr/>
+      </p:nvGrpSpPr>
+      <p:grpSpPr>
+        <a:xfrm>
+          <a:off x="0" y="0"/>
+          <a:ext cx="0" cy="0"/>
+          <a:chOff x="0" y="0"/>
+          <a:chExt cx="0" cy="0"/>
+        </a:xfrm>
+      </p:grpSpPr>
+      <p:sp>
+        <p:nvSpPr>
+          <p:cNvPr id="2" name="Footer Placeholder 4"/>
+          <p:cNvSpPr>
+            <a:spLocks noGrp="1"/>
+          </p:cNvSpPr>
+          <p:nvPr>
+            <p:ph type="ftr" sz="quarter" idx="10"/>
+          </p:nvPr>
+        </p:nvSpPr>
+        <p:spPr/>
+        <p:txBody>
+          <a:bodyPr/>
+          <a:lstStyle>
+            <a:lvl1pPr>
+              <a:defRPr/>
+            </a:lvl1pPr>
+          </a:lstStyle>
+          <a:p>
+            <a:pPr>
+              <a:defRPr/>
+            </a:pPr>
+            <a:r>
+              <a:rPr lang="en-US"/>
+              <a:t>#ITDEVCON</a:t>
+            </a:r>
+          </a:p>
+        </p:txBody>
+      </p:sp>
+    </p:spTree>
+    <p:extLst>
+      <p:ext uri="{BB962C8B-B14F-4D97-AF65-F5344CB8AC3E}">
+        <p14:creationId xmlns:p14="http://schemas.microsoft.com/office/powerpoint/2010/main" val="1236162722"/>
+      </p:ext>
+    </p:extLst>
+  </p:cSld>
+  <p:clrMapOvr>
+    <a:masterClrMapping/>
+  </p:clrMapOvr>
+</p:sldLayout>
+</file>
+
+<file path=ppt/slideLayouts/slideLayout18.xml><?xml version="1.0" encoding="utf-8"?>
+<p:sldLayout xmlns:a="http://schemas.openxmlformats.org/drawingml/2006/main" xmlns:r="http://schemas.openxmlformats.org/officeDocument/2006/relationships" xmlns:p="http://schemas.openxmlformats.org/presentationml/2006/main" preserve="1" userDrawn="1">
+  <p:cSld name="Title Slide">
+    <p:spTree>
+      <p:nvGrpSpPr>
+        <p:cNvPr id="1" name=""/>
+        <p:cNvGrpSpPr/>
+        <p:nvPr/>
+      </p:nvGrpSpPr>
+      <p:grpSpPr>
+        <a:xfrm>
+          <a:off x="0" y="0"/>
+          <a:ext cx="0" cy="0"/>
+          <a:chOff x="0" y="0"/>
+          <a:chExt cx="0" cy="0"/>
+        </a:xfrm>
+      </p:grpSpPr>
+      <p:sp>
+        <p:nvSpPr>
+          <p:cNvPr id="7" name="Title Placeholder 1"/>
+          <p:cNvSpPr>
+            <a:spLocks noGrp="1"/>
+          </p:cNvSpPr>
+          <p:nvPr>
+            <p:ph type="title"/>
+          </p:nvPr>
+        </p:nvSpPr>
+        <p:spPr>
+          <a:xfrm>
+            <a:off x="457200" y="2577767"/>
+            <a:ext cx="8229600" cy="1143000"/>
+          </a:xfrm>
+          <a:prstGeom prst="rect">
+            <a:avLst/>
+          </a:prstGeom>
+        </p:spPr>
+        <p:txBody>
+          <a:bodyPr vert="horz" lIns="91440" tIns="45720" rIns="91440" bIns="45720" rtlCol="0" anchor="ctr">
+            <a:normAutofit/>
+          </a:bodyPr>
+          <a:lstStyle>
+            <a:lvl1pPr>
+              <a:defRPr cap="all"/>
+            </a:lvl1pPr>
+          </a:lstStyle>
+          <a:p>
+            <a:r>
+              <a:rPr lang="en-US" smtClean="0"/>
+              <a:t>Click to edit Master title style</a:t>
+            </a:r>
+            <a:endParaRPr lang="en-US" dirty="0"/>
+          </a:p>
+        </p:txBody>
+      </p:sp>
+    </p:spTree>
+    <p:extLst>
+      <p:ext uri="{BB962C8B-B14F-4D97-AF65-F5344CB8AC3E}">
+        <p14:creationId xmlns:p14="http://schemas.microsoft.com/office/powerpoint/2010/main" val="4220350195"/>
+      </p:ext>
+    </p:extLst>
+  </p:cSld>
+  <p:clrMapOvr>
+    <a:masterClrMapping/>
+  </p:clrMapOvr>
+</p:sldLayout>
+</file>
+
+<file path=ppt/slideLayouts/slideLayout2.xml><?xml version="1.0" encoding="utf-8"?>
+<p:sldLayout xmlns:a="http://schemas.openxmlformats.org/drawingml/2006/main" xmlns:r="http://schemas.openxmlformats.org/officeDocument/2006/relationships" xmlns:p="http://schemas.openxmlformats.org/presentationml/2006/main" type="title">
+  <p:cSld name="1_Title Slide">
+    <p:spTree>
+      <p:nvGrpSpPr>
+        <p:cNvPr id="1" name=""/>
+        <p:cNvGrpSpPr/>
+        <p:nvPr/>
+      </p:nvGrpSpPr>
+      <p:grpSpPr>
+        <a:xfrm>
+          <a:off x="0" y="0"/>
+          <a:ext cx="0" cy="0"/>
+          <a:chOff x="0" y="0"/>
+          <a:chExt cx="0" cy="0"/>
+        </a:xfrm>
+      </p:grpSpPr>
+      <p:sp>
+        <p:nvSpPr>
+          <p:cNvPr id="2" name="Title 1"/>
+          <p:cNvSpPr>
+            <a:spLocks noGrp="1"/>
+          </p:cNvSpPr>
+          <p:nvPr>
+            <p:ph type="ctrTitle"/>
+          </p:nvPr>
+        </p:nvSpPr>
+        <p:spPr>
+          <a:xfrm>
+            <a:off x="685800" y="2130425"/>
+            <a:ext cx="7772400" cy="1470025"/>
+          </a:xfrm>
+          <a:prstGeom prst="rect">
+            <a:avLst/>
+          </a:prstGeom>
+        </p:spPr>
+        <p:txBody>
+          <a:bodyPr/>
+          <a:lstStyle/>
+          <a:p>
+            <a:r>
+              <a:rPr lang="en-US" smtClean="0"/>
+              <a:t>Click to edit Master title style</a:t>
+            </a:r>
+            <a:endParaRPr lang="en-US"/>
+          </a:p>
+        </p:txBody>
+      </p:sp>
+      <p:sp>
+        <p:nvSpPr>
+          <p:cNvPr id="3" name="Subtitle 2"/>
+          <p:cNvSpPr>
+            <a:spLocks noGrp="1"/>
+          </p:cNvSpPr>
+          <p:nvPr>
+            <p:ph type="subTitle" idx="1"/>
+          </p:nvPr>
+        </p:nvSpPr>
+        <p:spPr>
+          <a:xfrm>
             <a:off x="1371600" y="3886200"/>
             <a:ext cx="6400800" cy="1752600"/>
           </a:xfrm>
+          <a:prstGeom prst="rect">
+            <a:avLst/>
+          </a:prstGeom>
         </p:spPr>
         <p:txBody>
           <a:bodyPr/>
@@ -780,7 +2551,15 @@
             <p:ph type="dt" sz="half" idx="10"/>
           </p:nvPr>
         </p:nvSpPr>
-        <p:spPr/>
+        <p:spPr>
+          <a:xfrm>
+            <a:off x="457200" y="6356350"/>
+            <a:ext cx="2133600" cy="365125"/>
+          </a:xfrm>
+          <a:prstGeom prst="rect">
+            <a:avLst/>
+          </a:prstGeom>
+        </p:spPr>
         <p:txBody>
           <a:bodyPr/>
           <a:lstStyle/>
@@ -788,7 +2567,7 @@
             <a:fld id="{1D8BD707-D9CF-40AE-B4C6-C98DA3205C09}" type="datetimeFigureOut">
               <a:rPr lang="en-US" smtClean="0"/>
               <a:pPr/>
-              <a:t>8/5/2015</a:t>
+              <a:t>8/12/2015</a:t>
             </a:fld>
             <a:endParaRPr lang="en-US"/>
           </a:p>
@@ -823,7 +2602,15 @@
             <p:ph type="sldNum" sz="quarter" idx="12"/>
           </p:nvPr>
         </p:nvSpPr>
-        <p:spPr/>
+        <p:spPr>
+          <a:xfrm>
+            <a:off x="6553200" y="6356350"/>
+            <a:ext cx="2133600" cy="365125"/>
+          </a:xfrm>
+          <a:prstGeom prst="rect">
+            <a:avLst/>
+          </a:prstGeom>
+        </p:spPr>
         <p:txBody>
           <a:bodyPr/>
           <a:lstStyle/>
@@ -838,6 +2625,11 @@
         </p:txBody>
       </p:sp>
     </p:spTree>
+    <p:extLst>
+      <p:ext uri="{BB962C8B-B14F-4D97-AF65-F5344CB8AC3E}">
+        <p14:creationId xmlns:p14="http://schemas.microsoft.com/office/powerpoint/2010/main" val="1489405587"/>
+      </p:ext>
+    </p:extLst>
   </p:cSld>
   <p:clrMapOvr>
     <a:masterClrMapping/>
@@ -845,9 +2637,9 @@
 </p:sldLayout>
 </file>
 
-<file path=ppt/slideLayouts/slideLayout10.xml><?xml version="1.0" encoding="utf-8"?>
-<p:sldLayout xmlns:a="http://schemas.openxmlformats.org/drawingml/2006/main" xmlns:r="http://schemas.openxmlformats.org/officeDocument/2006/relationships" xmlns:p="http://schemas.openxmlformats.org/presentationml/2006/main" type="vertTx" preserve="1">
-  <p:cSld name="Title and Vertical Text">
+<file path=ppt/slideLayouts/slideLayout3.xml><?xml version="1.0" encoding="utf-8"?>
+<p:sldLayout xmlns:a="http://schemas.openxmlformats.org/drawingml/2006/main" xmlns:r="http://schemas.openxmlformats.org/officeDocument/2006/relationships" xmlns:p="http://schemas.openxmlformats.org/presentationml/2006/main" type="obj">
+  <p:cSld name="Title and Content">
     <p:spTree>
       <p:nvGrpSpPr>
         <p:cNvPr id="1" name=""/>
@@ -872,7 +2664,15 @@
             <p:ph type="title"/>
           </p:nvPr>
         </p:nvSpPr>
-        <p:spPr/>
+        <p:spPr>
+          <a:xfrm>
+            <a:off x="457200" y="274638"/>
+            <a:ext cx="8229600" cy="1143000"/>
+          </a:xfrm>
+          <a:prstGeom prst="rect">
+            <a:avLst/>
+          </a:prstGeom>
+        </p:spPr>
         <p:txBody>
           <a:bodyPr/>
           <a:lstStyle/>
@@ -887,17 +2687,25 @@
       </p:sp>
       <p:sp>
         <p:nvSpPr>
-          <p:cNvPr id="3" name="Vertical Text Placeholder 2"/>
+          <p:cNvPr id="3" name="Content Placeholder 2"/>
           <p:cNvSpPr>
             <a:spLocks noGrp="1"/>
           </p:cNvSpPr>
           <p:nvPr>
-            <p:ph type="body" orient="vert" idx="1"/>
+            <p:ph idx="1"/>
           </p:nvPr>
         </p:nvSpPr>
-        <p:spPr/>
-        <p:txBody>
-          <a:bodyPr vert="eaVert"/>
+        <p:spPr>
+          <a:xfrm>
+            <a:off x="457200" y="1600200"/>
+            <a:ext cx="8229600" cy="4525963"/>
+          </a:xfrm>
+          <a:prstGeom prst="rect">
+            <a:avLst/>
+          </a:prstGeom>
+        </p:spPr>
+        <p:txBody>
+          <a:bodyPr/>
           <a:lstStyle/>
           <a:p>
             <a:pPr lvl="0"/>
@@ -947,7 +2755,15 @@
             <p:ph type="dt" sz="half" idx="10"/>
           </p:nvPr>
         </p:nvSpPr>
-        <p:spPr/>
+        <p:spPr>
+          <a:xfrm>
+            <a:off x="457200" y="6356350"/>
+            <a:ext cx="2133600" cy="365125"/>
+          </a:xfrm>
+          <a:prstGeom prst="rect">
+            <a:avLst/>
+          </a:prstGeom>
+        </p:spPr>
         <p:txBody>
           <a:bodyPr/>
           <a:lstStyle/>
@@ -955,7 +2771,7 @@
             <a:fld id="{1D8BD707-D9CF-40AE-B4C6-C98DA3205C09}" type="datetimeFigureOut">
               <a:rPr lang="en-US" smtClean="0"/>
               <a:pPr/>
-              <a:t>8/5/2015</a:t>
+              <a:t>8/12/2015</a:t>
             </a:fld>
             <a:endParaRPr lang="en-US"/>
           </a:p>
@@ -990,7 +2806,15 @@
             <p:ph type="sldNum" sz="quarter" idx="12"/>
           </p:nvPr>
         </p:nvSpPr>
-        <p:spPr/>
+        <p:spPr>
+          <a:xfrm>
+            <a:off x="6553200" y="6356350"/>
+            <a:ext cx="2133600" cy="365125"/>
+          </a:xfrm>
+          <a:prstGeom prst="rect">
+            <a:avLst/>
+          </a:prstGeom>
+        </p:spPr>
         <p:txBody>
           <a:bodyPr/>
           <a:lstStyle/>
@@ -1005,6 +2829,11 @@
         </p:txBody>
       </p:sp>
     </p:spTree>
+    <p:extLst>
+      <p:ext uri="{BB962C8B-B14F-4D97-AF65-F5344CB8AC3E}">
+        <p14:creationId xmlns:p14="http://schemas.microsoft.com/office/powerpoint/2010/main" val="742523328"/>
+      </p:ext>
+    </p:extLst>
   </p:cSld>
   <p:clrMapOvr>
     <a:masterClrMapping/>
@@ -1012,184 +2841,7 @@
 </p:sldLayout>
 </file>
 
-<file path=ppt/slideLayouts/slideLayout11.xml><?xml version="1.0" encoding="utf-8"?>
-<p:sldLayout xmlns:a="http://schemas.openxmlformats.org/drawingml/2006/main" xmlns:r="http://schemas.openxmlformats.org/officeDocument/2006/relationships" xmlns:p="http://schemas.openxmlformats.org/presentationml/2006/main" type="vertTitleAndTx" preserve="1">
-  <p:cSld name="Vertical Title and Text">
-    <p:spTree>
-      <p:nvGrpSpPr>
-        <p:cNvPr id="1" name=""/>
-        <p:cNvGrpSpPr/>
-        <p:nvPr/>
-      </p:nvGrpSpPr>
-      <p:grpSpPr>
-        <a:xfrm>
-          <a:off x="0" y="0"/>
-          <a:ext cx="0" cy="0"/>
-          <a:chOff x="0" y="0"/>
-          <a:chExt cx="0" cy="0"/>
-        </a:xfrm>
-      </p:grpSpPr>
-      <p:sp>
-        <p:nvSpPr>
-          <p:cNvPr id="2" name="Vertical Title 1"/>
-          <p:cNvSpPr>
-            <a:spLocks noGrp="1"/>
-          </p:cNvSpPr>
-          <p:nvPr>
-            <p:ph type="title" orient="vert"/>
-          </p:nvPr>
-        </p:nvSpPr>
-        <p:spPr>
-          <a:xfrm>
-            <a:off x="6629400" y="274638"/>
-            <a:ext cx="2057400" cy="5851525"/>
-          </a:xfrm>
-        </p:spPr>
-        <p:txBody>
-          <a:bodyPr vert="eaVert"/>
-          <a:lstStyle/>
-          <a:p>
-            <a:r>
-              <a:rPr lang="en-US" smtClean="0"/>
-              <a:t>Click to edit Master title style</a:t>
-            </a:r>
-            <a:endParaRPr lang="en-US"/>
-          </a:p>
-        </p:txBody>
-      </p:sp>
-      <p:sp>
-        <p:nvSpPr>
-          <p:cNvPr id="3" name="Vertical Text Placeholder 2"/>
-          <p:cNvSpPr>
-            <a:spLocks noGrp="1"/>
-          </p:cNvSpPr>
-          <p:nvPr>
-            <p:ph type="body" orient="vert" idx="1"/>
-          </p:nvPr>
-        </p:nvSpPr>
-        <p:spPr>
-          <a:xfrm>
-            <a:off x="457200" y="274638"/>
-            <a:ext cx="6019800" cy="5851525"/>
-          </a:xfrm>
-        </p:spPr>
-        <p:txBody>
-          <a:bodyPr vert="eaVert"/>
-          <a:lstStyle/>
-          <a:p>
-            <a:pPr lvl="0"/>
-            <a:r>
-              <a:rPr lang="en-US" smtClean="0"/>
-              <a:t>Click to edit Master text styles</a:t>
-            </a:r>
-          </a:p>
-          <a:p>
-            <a:pPr lvl="1"/>
-            <a:r>
-              <a:rPr lang="en-US" smtClean="0"/>
-              <a:t>Second level</a:t>
-            </a:r>
-          </a:p>
-          <a:p>
-            <a:pPr lvl="2"/>
-            <a:r>
-              <a:rPr lang="en-US" smtClean="0"/>
-              <a:t>Third level</a:t>
-            </a:r>
-          </a:p>
-          <a:p>
-            <a:pPr lvl="3"/>
-            <a:r>
-              <a:rPr lang="en-US" smtClean="0"/>
-              <a:t>Fourth level</a:t>
-            </a:r>
-          </a:p>
-          <a:p>
-            <a:pPr lvl="4"/>
-            <a:r>
-              <a:rPr lang="en-US" smtClean="0"/>
-              <a:t>Fifth level</a:t>
-            </a:r>
-            <a:endParaRPr lang="en-US"/>
-          </a:p>
-        </p:txBody>
-      </p:sp>
-      <p:sp>
-        <p:nvSpPr>
-          <p:cNvPr id="4" name="Date Placeholder 3"/>
-          <p:cNvSpPr>
-            <a:spLocks noGrp="1"/>
-          </p:cNvSpPr>
-          <p:nvPr>
-            <p:ph type="dt" sz="half" idx="10"/>
-          </p:nvPr>
-        </p:nvSpPr>
-        <p:spPr/>
-        <p:txBody>
-          <a:bodyPr/>
-          <a:lstStyle/>
-          <a:p>
-            <a:fld id="{1D8BD707-D9CF-40AE-B4C6-C98DA3205C09}" type="datetimeFigureOut">
-              <a:rPr lang="en-US" smtClean="0"/>
-              <a:pPr/>
-              <a:t>8/5/2015</a:t>
-            </a:fld>
-            <a:endParaRPr lang="en-US"/>
-          </a:p>
-        </p:txBody>
-      </p:sp>
-      <p:sp>
-        <p:nvSpPr>
-          <p:cNvPr id="5" name="Footer Placeholder 4"/>
-          <p:cNvSpPr>
-            <a:spLocks noGrp="1"/>
-          </p:cNvSpPr>
-          <p:nvPr>
-            <p:ph type="ftr" sz="quarter" idx="11"/>
-          </p:nvPr>
-        </p:nvSpPr>
-        <p:spPr/>
-        <p:txBody>
-          <a:bodyPr/>
-          <a:lstStyle/>
-          <a:p>
-            <a:endParaRPr lang="en-US"/>
-          </a:p>
-        </p:txBody>
-      </p:sp>
-      <p:sp>
-        <p:nvSpPr>
-          <p:cNvPr id="6" name="Slide Number Placeholder 5"/>
-          <p:cNvSpPr>
-            <a:spLocks noGrp="1"/>
-          </p:cNvSpPr>
-          <p:nvPr>
-            <p:ph type="sldNum" sz="quarter" idx="12"/>
-          </p:nvPr>
-        </p:nvSpPr>
-        <p:spPr/>
-        <p:txBody>
-          <a:bodyPr/>
-          <a:lstStyle/>
-          <a:p>
-            <a:fld id="{B6F15528-21DE-4FAA-801E-634DDDAF4B2B}" type="slidenum">
-              <a:rPr lang="en-US" smtClean="0"/>
-              <a:pPr/>
-              <a:t>‹#›</a:t>
-            </a:fld>
-            <a:endParaRPr lang="en-US"/>
-          </a:p>
-        </p:txBody>
-      </p:sp>
-    </p:spTree>
-  </p:cSld>
-  <p:clrMapOvr>
-    <a:masterClrMapping/>
-  </p:clrMapOvr>
-</p:sldLayout>
-</file>
-
-<file path=ppt/slideLayouts/slideLayout12.xml><?xml version="1.0" encoding="utf-8"?>
+<file path=ppt/slideLayouts/slideLayout4.xml><?xml version="1.0" encoding="utf-8"?>
 <p:sldLayout xmlns:a="http://schemas.openxmlformats.org/drawingml/2006/main" xmlns:r="http://schemas.openxmlformats.org/officeDocument/2006/relationships" xmlns:p="http://schemas.openxmlformats.org/presentationml/2006/main" type="tx">
   <p:cSld name="Title and Text">
     <p:spTree>
@@ -1217,6 +2869,13 @@
           </p:nvPr>
         </p:nvSpPr>
         <p:spPr>
+          <a:xfrm>
+            <a:off x="457200" y="274638"/>
+            <a:ext cx="8229600" cy="1143000"/>
+          </a:xfrm>
+          <a:prstGeom prst="rect">
+            <a:avLst/>
+          </a:prstGeom>
           <a:noFill/>
         </p:spPr>
         <p:txBody>
@@ -1258,7 +2917,15 @@
             <p:ph type="body" idx="1"/>
           </p:nvPr>
         </p:nvSpPr>
-        <p:spPr/>
+        <p:spPr>
+          <a:xfrm>
+            <a:off x="457200" y="1600200"/>
+            <a:ext cx="8229600" cy="4525963"/>
+          </a:xfrm>
+          <a:prstGeom prst="rect">
+            <a:avLst/>
+          </a:prstGeom>
+        </p:spPr>
         <p:txBody>
           <a:bodyPr rtlCol="0"/>
           <a:lstStyle>
@@ -1344,7 +3011,7 @@
     </p:spTree>
     <p:extLst>
       <p:ext uri="{BB962C8B-B14F-4D97-AF65-F5344CB8AC3E}">
-        <p14:creationId xmlns:p14="http://schemas.microsoft.com/office/powerpoint/2010/main" val="540715765"/>
+        <p14:creationId xmlns:p14="http://schemas.microsoft.com/office/powerpoint/2010/main" val="165860677"/>
       </p:ext>
     </p:extLst>
   </p:cSld>
@@ -1364,175 +3031,8 @@
 </p:sldLayout>
 </file>
 
-<file path=ppt/slideLayouts/slideLayout2.xml><?xml version="1.0" encoding="utf-8"?>
-<p:sldLayout xmlns:a="http://schemas.openxmlformats.org/drawingml/2006/main" xmlns:r="http://schemas.openxmlformats.org/officeDocument/2006/relationships" xmlns:p="http://schemas.openxmlformats.org/presentationml/2006/main" type="obj" preserve="1">
-  <p:cSld name="Title and Content">
-    <p:spTree>
-      <p:nvGrpSpPr>
-        <p:cNvPr id="1" name=""/>
-        <p:cNvGrpSpPr/>
-        <p:nvPr/>
-      </p:nvGrpSpPr>
-      <p:grpSpPr>
-        <a:xfrm>
-          <a:off x="0" y="0"/>
-          <a:ext cx="0" cy="0"/>
-          <a:chOff x="0" y="0"/>
-          <a:chExt cx="0" cy="0"/>
-        </a:xfrm>
-      </p:grpSpPr>
-      <p:sp>
-        <p:nvSpPr>
-          <p:cNvPr id="2" name="Title 1"/>
-          <p:cNvSpPr>
-            <a:spLocks noGrp="1"/>
-          </p:cNvSpPr>
-          <p:nvPr>
-            <p:ph type="title"/>
-          </p:nvPr>
-        </p:nvSpPr>
-        <p:spPr/>
-        <p:txBody>
-          <a:bodyPr/>
-          <a:lstStyle/>
-          <a:p>
-            <a:r>
-              <a:rPr lang="en-US" smtClean="0"/>
-              <a:t>Click to edit Master title style</a:t>
-            </a:r>
-            <a:endParaRPr lang="en-US"/>
-          </a:p>
-        </p:txBody>
-      </p:sp>
-      <p:sp>
-        <p:nvSpPr>
-          <p:cNvPr id="3" name="Content Placeholder 2"/>
-          <p:cNvSpPr>
-            <a:spLocks noGrp="1"/>
-          </p:cNvSpPr>
-          <p:nvPr>
-            <p:ph idx="1"/>
-          </p:nvPr>
-        </p:nvSpPr>
-        <p:spPr/>
-        <p:txBody>
-          <a:bodyPr/>
-          <a:lstStyle/>
-          <a:p>
-            <a:pPr lvl="0"/>
-            <a:r>
-              <a:rPr lang="en-US" smtClean="0"/>
-              <a:t>Click to edit Master text styles</a:t>
-            </a:r>
-          </a:p>
-          <a:p>
-            <a:pPr lvl="1"/>
-            <a:r>
-              <a:rPr lang="en-US" smtClean="0"/>
-              <a:t>Second level</a:t>
-            </a:r>
-          </a:p>
-          <a:p>
-            <a:pPr lvl="2"/>
-            <a:r>
-              <a:rPr lang="en-US" smtClean="0"/>
-              <a:t>Third level</a:t>
-            </a:r>
-          </a:p>
-          <a:p>
-            <a:pPr lvl="3"/>
-            <a:r>
-              <a:rPr lang="en-US" smtClean="0"/>
-              <a:t>Fourth level</a:t>
-            </a:r>
-          </a:p>
-          <a:p>
-            <a:pPr lvl="4"/>
-            <a:r>
-              <a:rPr lang="en-US" smtClean="0"/>
-              <a:t>Fifth level</a:t>
-            </a:r>
-            <a:endParaRPr lang="en-US"/>
-          </a:p>
-        </p:txBody>
-      </p:sp>
-      <p:sp>
-        <p:nvSpPr>
-          <p:cNvPr id="4" name="Date Placeholder 3"/>
-          <p:cNvSpPr>
-            <a:spLocks noGrp="1"/>
-          </p:cNvSpPr>
-          <p:nvPr>
-            <p:ph type="dt" sz="half" idx="10"/>
-          </p:nvPr>
-        </p:nvSpPr>
-        <p:spPr/>
-        <p:txBody>
-          <a:bodyPr/>
-          <a:lstStyle/>
-          <a:p>
-            <a:fld id="{1D8BD707-D9CF-40AE-B4C6-C98DA3205C09}" type="datetimeFigureOut">
-              <a:rPr lang="en-US" smtClean="0"/>
-              <a:pPr/>
-              <a:t>8/5/2015</a:t>
-            </a:fld>
-            <a:endParaRPr lang="en-US"/>
-          </a:p>
-        </p:txBody>
-      </p:sp>
-      <p:sp>
-        <p:nvSpPr>
-          <p:cNvPr id="5" name="Footer Placeholder 4"/>
-          <p:cNvSpPr>
-            <a:spLocks noGrp="1"/>
-          </p:cNvSpPr>
-          <p:nvPr>
-            <p:ph type="ftr" sz="quarter" idx="11"/>
-          </p:nvPr>
-        </p:nvSpPr>
-        <p:spPr/>
-        <p:txBody>
-          <a:bodyPr/>
-          <a:lstStyle/>
-          <a:p>
-            <a:endParaRPr lang="en-US"/>
-          </a:p>
-        </p:txBody>
-      </p:sp>
-      <p:sp>
-        <p:nvSpPr>
-          <p:cNvPr id="6" name="Slide Number Placeholder 5"/>
-          <p:cNvSpPr>
-            <a:spLocks noGrp="1"/>
-          </p:cNvSpPr>
-          <p:nvPr>
-            <p:ph type="sldNum" sz="quarter" idx="12"/>
-          </p:nvPr>
-        </p:nvSpPr>
-        <p:spPr/>
-        <p:txBody>
-          <a:bodyPr/>
-          <a:lstStyle/>
-          <a:p>
-            <a:fld id="{B6F15528-21DE-4FAA-801E-634DDDAF4B2B}" type="slidenum">
-              <a:rPr lang="en-US" smtClean="0"/>
-              <a:pPr/>
-              <a:t>‹#›</a:t>
-            </a:fld>
-            <a:endParaRPr lang="en-US"/>
-          </a:p>
-        </p:txBody>
-      </p:sp>
-    </p:spTree>
-  </p:cSld>
-  <p:clrMapOvr>
-    <a:masterClrMapping/>
-  </p:clrMapOvr>
-</p:sldLayout>
-</file>
-
-<file path=ppt/slideLayouts/slideLayout3.xml><?xml version="1.0" encoding="utf-8"?>
-<p:sldLayout xmlns:a="http://schemas.openxmlformats.org/drawingml/2006/main" xmlns:r="http://schemas.openxmlformats.org/officeDocument/2006/relationships" xmlns:p="http://schemas.openxmlformats.org/presentationml/2006/main" type="secHead" preserve="1">
+<file path=ppt/slideLayouts/slideLayout5.xml><?xml version="1.0" encoding="utf-8"?>
+<p:sldLayout xmlns:a="http://schemas.openxmlformats.org/drawingml/2006/main" xmlns:r="http://schemas.openxmlformats.org/officeDocument/2006/relationships" xmlns:p="http://schemas.openxmlformats.org/presentationml/2006/main" type="secHead">
   <p:cSld name="Section Header">
     <p:spTree>
       <p:nvGrpSpPr>
@@ -1563,6 +3063,9 @@
             <a:off x="722313" y="4406900"/>
             <a:ext cx="7772400" cy="1362075"/>
           </a:xfrm>
+          <a:prstGeom prst="rect">
+            <a:avLst/>
+          </a:prstGeom>
         </p:spPr>
         <p:txBody>
           <a:bodyPr anchor="t"/>
@@ -1595,6 +3098,9 @@
             <a:off x="722313" y="2906713"/>
             <a:ext cx="7772400" cy="1500187"/>
           </a:xfrm>
+          <a:prstGeom prst="rect">
+            <a:avLst/>
+          </a:prstGeom>
         </p:spPr>
         <p:txBody>
           <a:bodyPr anchor="b"/>
@@ -1709,7 +3215,15 @@
             <p:ph type="dt" sz="half" idx="10"/>
           </p:nvPr>
         </p:nvSpPr>
-        <p:spPr/>
+        <p:spPr>
+          <a:xfrm>
+            <a:off x="457200" y="6356350"/>
+            <a:ext cx="2133600" cy="365125"/>
+          </a:xfrm>
+          <a:prstGeom prst="rect">
+            <a:avLst/>
+          </a:prstGeom>
+        </p:spPr>
         <p:txBody>
           <a:bodyPr/>
           <a:lstStyle/>
@@ -1717,7 +3231,7 @@
             <a:fld id="{1D8BD707-D9CF-40AE-B4C6-C98DA3205C09}" type="datetimeFigureOut">
               <a:rPr lang="en-US" smtClean="0"/>
               <a:pPr/>
-              <a:t>8/5/2015</a:t>
+              <a:t>8/12/2015</a:t>
             </a:fld>
             <a:endParaRPr lang="en-US"/>
           </a:p>
@@ -1752,7 +3266,15 @@
             <p:ph type="sldNum" sz="quarter" idx="12"/>
           </p:nvPr>
         </p:nvSpPr>
-        <p:spPr/>
+        <p:spPr>
+          <a:xfrm>
+            <a:off x="6553200" y="6356350"/>
+            <a:ext cx="2133600" cy="365125"/>
+          </a:xfrm>
+          <a:prstGeom prst="rect">
+            <a:avLst/>
+          </a:prstGeom>
+        </p:spPr>
         <p:txBody>
           <a:bodyPr/>
           <a:lstStyle/>
@@ -1767,6 +3289,11 @@
         </p:txBody>
       </p:sp>
     </p:spTree>
+    <p:extLst>
+      <p:ext uri="{BB962C8B-B14F-4D97-AF65-F5344CB8AC3E}">
+        <p14:creationId xmlns:p14="http://schemas.microsoft.com/office/powerpoint/2010/main" val="621111930"/>
+      </p:ext>
+    </p:extLst>
   </p:cSld>
   <p:clrMapOvr>
     <a:masterClrMapping/>
@@ -1774,9 +3301,9 @@
 </p:sldLayout>
 </file>
 
-<file path=ppt/slideLayouts/slideLayout4.xml><?xml version="1.0" encoding="utf-8"?>
-<p:sldLayout xmlns:a="http://schemas.openxmlformats.org/drawingml/2006/main" xmlns:r="http://schemas.openxmlformats.org/officeDocument/2006/relationships" xmlns:p="http://schemas.openxmlformats.org/presentationml/2006/main" type="twoObj" preserve="1">
-  <p:cSld name="Two Content">
+<file path=ppt/slideLayouts/slideLayout6.xml><?xml version="1.0" encoding="utf-8"?>
+<p:sldLayout xmlns:a="http://schemas.openxmlformats.org/drawingml/2006/main" xmlns:r="http://schemas.openxmlformats.org/officeDocument/2006/relationships" xmlns:p="http://schemas.openxmlformats.org/presentationml/2006/main" preserve="1" userDrawn="1">
+  <p:cSld name="Title Slide">
     <p:spTree>
       <p:nvGrpSpPr>
         <p:cNvPr id="1" name=""/>
@@ -1798,260 +3325,87 @@
             <a:spLocks noGrp="1"/>
           </p:cNvSpPr>
           <p:nvPr>
-            <p:ph type="title"/>
+            <p:ph type="ctrTitle"/>
           </p:nvPr>
         </p:nvSpPr>
-        <p:spPr/>
+        <p:spPr>
+          <a:xfrm>
+            <a:off x="685800" y="3445214"/>
+            <a:ext cx="7772400" cy="1468967"/>
+          </a:xfrm>
+          <a:prstGeom prst="rect">
+            <a:avLst/>
+          </a:prstGeom>
+        </p:spPr>
         <p:txBody>
           <a:bodyPr/>
-          <a:lstStyle/>
+          <a:lstStyle>
+            <a:lvl1pPr>
+              <a:defRPr>
+                <a:solidFill>
+                  <a:srgbClr val="FFFFFF"/>
+                </a:solidFill>
+              </a:defRPr>
+            </a:lvl1pPr>
+          </a:lstStyle>
           <a:p>
             <a:r>
               <a:rPr lang="en-US" smtClean="0"/>
               <a:t>Click to edit Master title style</a:t>
             </a:r>
-            <a:endParaRPr lang="en-US"/>
-          </a:p>
-        </p:txBody>
-      </p:sp>
-      <p:sp>
-        <p:nvSpPr>
-          <p:cNvPr id="3" name="Content Placeholder 2"/>
+            <a:endParaRPr lang="en-US" dirty="0"/>
+          </a:p>
+        </p:txBody>
+      </p:sp>
+      <p:sp>
+        <p:nvSpPr>
+          <p:cNvPr id="3" name="Footer Placeholder 4"/>
           <p:cNvSpPr>
             <a:spLocks noGrp="1"/>
           </p:cNvSpPr>
           <p:nvPr>
-            <p:ph sz="half" idx="1"/>
+            <p:ph type="ftr" sz="quarter" idx="10"/>
           </p:nvPr>
         </p:nvSpPr>
         <p:spPr>
           <a:xfrm>
-            <a:off x="457200" y="1600200"/>
-            <a:ext cx="4038600" cy="4525963"/>
+            <a:off x="533400" y="6328833"/>
+            <a:ext cx="5811838" cy="364067"/>
           </a:xfrm>
         </p:spPr>
         <p:txBody>
-          <a:bodyPr/>
+          <a:bodyPr rtlCol="0"/>
           <a:lstStyle>
-            <a:lvl1pPr>
-              <a:defRPr sz="2800"/>
+            <a:lvl1pPr defTabSz="457200" fontAlgn="auto">
+              <a:spcBef>
+                <a:spcPts val="0"/>
+              </a:spcBef>
+              <a:spcAft>
+                <a:spcPts val="0"/>
+              </a:spcAft>
+              <a:defRPr>
+                <a:latin typeface="+mn-lt"/>
+                <a:ea typeface="+mn-ea"/>
+              </a:defRPr>
             </a:lvl1pPr>
-            <a:lvl2pPr>
-              <a:defRPr sz="2400"/>
-            </a:lvl2pPr>
-            <a:lvl3pPr>
-              <a:defRPr sz="2000"/>
-            </a:lvl3pPr>
-            <a:lvl4pPr>
-              <a:defRPr sz="1800"/>
-            </a:lvl4pPr>
-            <a:lvl5pPr>
-              <a:defRPr sz="1800"/>
-            </a:lvl5pPr>
-            <a:lvl6pPr>
-              <a:defRPr sz="1800"/>
-            </a:lvl6pPr>
-            <a:lvl7pPr>
-              <a:defRPr sz="1800"/>
-            </a:lvl7pPr>
-            <a:lvl8pPr>
-              <a:defRPr sz="1800"/>
-            </a:lvl8pPr>
-            <a:lvl9pPr>
-              <a:defRPr sz="1800"/>
-            </a:lvl9pPr>
           </a:lstStyle>
           <a:p>
-            <a:pPr lvl="0"/>
-            <a:r>
-              <a:rPr lang="en-US" smtClean="0"/>
-              <a:t>Click to edit Master text styles</a:t>
-            </a:r>
-          </a:p>
-          <a:p>
-            <a:pPr lvl="1"/>
-            <a:r>
-              <a:rPr lang="en-US" smtClean="0"/>
-              <a:t>Second level</a:t>
-            </a:r>
-          </a:p>
-          <a:p>
-            <a:pPr lvl="2"/>
-            <a:r>
-              <a:rPr lang="en-US" smtClean="0"/>
-              <a:t>Third level</a:t>
-            </a:r>
-          </a:p>
-          <a:p>
-            <a:pPr lvl="3"/>
-            <a:r>
-              <a:rPr lang="en-US" smtClean="0"/>
-              <a:t>Fourth level</a:t>
-            </a:r>
-          </a:p>
-          <a:p>
-            <a:pPr lvl="4"/>
-            <a:r>
-              <a:rPr lang="en-US" smtClean="0"/>
-              <a:t>Fifth level</a:t>
-            </a:r>
-            <a:endParaRPr lang="en-US"/>
-          </a:p>
-        </p:txBody>
-      </p:sp>
-      <p:sp>
-        <p:nvSpPr>
-          <p:cNvPr id="4" name="Content Placeholder 3"/>
-          <p:cNvSpPr>
-            <a:spLocks noGrp="1"/>
-          </p:cNvSpPr>
-          <p:nvPr>
-            <p:ph sz="half" idx="2"/>
-          </p:nvPr>
-        </p:nvSpPr>
-        <p:spPr>
-          <a:xfrm>
-            <a:off x="4648200" y="1600200"/>
-            <a:ext cx="4038600" cy="4525963"/>
-          </a:xfrm>
-        </p:spPr>
-        <p:txBody>
-          <a:bodyPr/>
-          <a:lstStyle>
-            <a:lvl1pPr>
-              <a:defRPr sz="2800"/>
-            </a:lvl1pPr>
-            <a:lvl2pPr>
-              <a:defRPr sz="2400"/>
-            </a:lvl2pPr>
-            <a:lvl3pPr>
-              <a:defRPr sz="2000"/>
-            </a:lvl3pPr>
-            <a:lvl4pPr>
-              <a:defRPr sz="1800"/>
-            </a:lvl4pPr>
-            <a:lvl5pPr>
-              <a:defRPr sz="1800"/>
-            </a:lvl5pPr>
-            <a:lvl6pPr>
-              <a:defRPr sz="1800"/>
-            </a:lvl6pPr>
-            <a:lvl7pPr>
-              <a:defRPr sz="1800"/>
-            </a:lvl7pPr>
-            <a:lvl8pPr>
-              <a:defRPr sz="1800"/>
-            </a:lvl8pPr>
-            <a:lvl9pPr>
-              <a:defRPr sz="1800"/>
-            </a:lvl9pPr>
-          </a:lstStyle>
-          <a:p>
-            <a:pPr lvl="0"/>
-            <a:r>
-              <a:rPr lang="en-US" smtClean="0"/>
-              <a:t>Click to edit Master text styles</a:t>
-            </a:r>
-          </a:p>
-          <a:p>
-            <a:pPr lvl="1"/>
-            <a:r>
-              <a:rPr lang="en-US" smtClean="0"/>
-              <a:t>Second level</a:t>
-            </a:r>
-          </a:p>
-          <a:p>
-            <a:pPr lvl="2"/>
-            <a:r>
-              <a:rPr lang="en-US" smtClean="0"/>
-              <a:t>Third level</a:t>
-            </a:r>
-          </a:p>
-          <a:p>
-            <a:pPr lvl="3"/>
-            <a:r>
-              <a:rPr lang="en-US" smtClean="0"/>
-              <a:t>Fourth level</a:t>
-            </a:r>
-          </a:p>
-          <a:p>
-            <a:pPr lvl="4"/>
-            <a:r>
-              <a:rPr lang="en-US" smtClean="0"/>
-              <a:t>Fifth level</a:t>
-            </a:r>
-            <a:endParaRPr lang="en-US"/>
-          </a:p>
-        </p:txBody>
-      </p:sp>
-      <p:sp>
-        <p:nvSpPr>
-          <p:cNvPr id="5" name="Date Placeholder 4"/>
-          <p:cNvSpPr>
-            <a:spLocks noGrp="1"/>
-          </p:cNvSpPr>
-          <p:nvPr>
-            <p:ph type="dt" sz="half" idx="10"/>
-          </p:nvPr>
-        </p:nvSpPr>
-        <p:spPr/>
-        <p:txBody>
-          <a:bodyPr/>
-          <a:lstStyle/>
-          <a:p>
-            <a:fld id="{1D8BD707-D9CF-40AE-B4C6-C98DA3205C09}" type="datetimeFigureOut">
-              <a:rPr lang="en-US" smtClean="0"/>
-              <a:pPr/>
-              <a:t>8/5/2015</a:t>
-            </a:fld>
-            <a:endParaRPr lang="en-US"/>
-          </a:p>
-        </p:txBody>
-      </p:sp>
-      <p:sp>
-        <p:nvSpPr>
-          <p:cNvPr id="6" name="Footer Placeholder 5"/>
-          <p:cNvSpPr>
-            <a:spLocks noGrp="1"/>
-          </p:cNvSpPr>
-          <p:nvPr>
-            <p:ph type="ftr" sz="quarter" idx="11"/>
-          </p:nvPr>
-        </p:nvSpPr>
-        <p:spPr/>
-        <p:txBody>
-          <a:bodyPr/>
-          <a:lstStyle/>
-          <a:p>
-            <a:endParaRPr lang="en-US"/>
-          </a:p>
-        </p:txBody>
-      </p:sp>
-      <p:sp>
-        <p:nvSpPr>
-          <p:cNvPr id="7" name="Slide Number Placeholder 6"/>
-          <p:cNvSpPr>
-            <a:spLocks noGrp="1"/>
-          </p:cNvSpPr>
-          <p:nvPr>
-            <p:ph type="sldNum" sz="quarter" idx="12"/>
-          </p:nvPr>
-        </p:nvSpPr>
-        <p:spPr/>
-        <p:txBody>
-          <a:bodyPr/>
-          <a:lstStyle/>
-          <a:p>
-            <a:fld id="{B6F15528-21DE-4FAA-801E-634DDDAF4B2B}" type="slidenum">
-              <a:rPr lang="en-US" smtClean="0"/>
-              <a:pPr/>
-              <a:t>‹#›</a:t>
-            </a:fld>
-            <a:endParaRPr lang="en-US"/>
+            <a:pPr>
+              <a:defRPr/>
+            </a:pPr>
+            <a:r>
+              <a:rPr lang="en-US"/>
+              <a:t>#ITDEVCON</a:t>
+            </a:r>
           </a:p>
         </p:txBody>
       </p:sp>
     </p:spTree>
+    <p:extLst>
+      <p:ext uri="{BB962C8B-B14F-4D97-AF65-F5344CB8AC3E}">
+        <p14:creationId xmlns:p14="http://schemas.microsoft.com/office/powerpoint/2010/main" val="697487948"/>
+      </p:ext>
+    </p:extLst>
   </p:cSld>
   <p:clrMapOvr>
     <a:masterClrMapping/>
@@ -2059,9 +3413,9 @@
 </p:sldLayout>
 </file>
 
-<file path=ppt/slideLayouts/slideLayout5.xml><?xml version="1.0" encoding="utf-8"?>
-<p:sldLayout xmlns:a="http://schemas.openxmlformats.org/drawingml/2006/main" xmlns:r="http://schemas.openxmlformats.org/officeDocument/2006/relationships" xmlns:p="http://schemas.openxmlformats.org/presentationml/2006/main" type="twoTxTwoObj" preserve="1">
-  <p:cSld name="Comparison">
+<file path=ppt/slideLayouts/slideLayout7.xml><?xml version="1.0" encoding="utf-8"?>
+<p:sldLayout xmlns:a="http://schemas.openxmlformats.org/drawingml/2006/main" xmlns:r="http://schemas.openxmlformats.org/officeDocument/2006/relationships" xmlns:p="http://schemas.openxmlformats.org/presentationml/2006/main" preserve="1" userDrawn="1">
+  <p:cSld name="Blank Title">
     <p:spTree>
       <p:nvGrpSpPr>
         <p:cNvPr id="1" name=""/>
@@ -2078,15 +3432,17 @@
       </p:grpSpPr>
       <p:sp>
         <p:nvSpPr>
-          <p:cNvPr id="2" name="Title 1"/>
+          <p:cNvPr id="2" name="Footer Placeholder 4"/>
           <p:cNvSpPr>
             <a:spLocks noGrp="1"/>
           </p:cNvSpPr>
           <p:nvPr>
-            <p:ph type="title"/>
+            <p:ph type="ftr" sz="quarter" idx="10"/>
           </p:nvPr>
         </p:nvSpPr>
-        <p:spPr/>
+        <p:spPr>
+          <a:ln/>
+        </p:spPr>
         <p:txBody>
           <a:bodyPr/>
           <a:lstStyle>
@@ -2095,382 +3451,22 @@
             </a:lvl1pPr>
           </a:lstStyle>
           <a:p>
-            <a:r>
-              <a:rPr lang="en-US" smtClean="0"/>
-              <a:t>Click to edit Master title style</a:t>
-            </a:r>
-            <a:endParaRPr lang="en-US"/>
-          </a:p>
-        </p:txBody>
-      </p:sp>
-      <p:sp>
-        <p:nvSpPr>
-          <p:cNvPr id="3" name="Text Placeholder 2"/>
-          <p:cNvSpPr>
-            <a:spLocks noGrp="1"/>
-          </p:cNvSpPr>
-          <p:nvPr>
-            <p:ph type="body" idx="1"/>
-          </p:nvPr>
-        </p:nvSpPr>
-        <p:spPr>
-          <a:xfrm>
-            <a:off x="457200" y="1535113"/>
-            <a:ext cx="4040188" cy="639762"/>
-          </a:xfrm>
-        </p:spPr>
-        <p:txBody>
-          <a:bodyPr anchor="b"/>
-          <a:lstStyle>
-            <a:lvl1pPr marL="0" indent="0">
-              <a:buNone/>
-              <a:defRPr sz="2400" b="1"/>
-            </a:lvl1pPr>
-            <a:lvl2pPr marL="457200" indent="0">
-              <a:buNone/>
-              <a:defRPr sz="2000" b="1"/>
-            </a:lvl2pPr>
-            <a:lvl3pPr marL="914400" indent="0">
-              <a:buNone/>
-              <a:defRPr sz="1800" b="1"/>
-            </a:lvl3pPr>
-            <a:lvl4pPr marL="1371600" indent="0">
-              <a:buNone/>
-              <a:defRPr sz="1600" b="1"/>
-            </a:lvl4pPr>
-            <a:lvl5pPr marL="1828800" indent="0">
-              <a:buNone/>
-              <a:defRPr sz="1600" b="1"/>
-            </a:lvl5pPr>
-            <a:lvl6pPr marL="2286000" indent="0">
-              <a:buNone/>
-              <a:defRPr sz="1600" b="1"/>
-            </a:lvl6pPr>
-            <a:lvl7pPr marL="2743200" indent="0">
-              <a:buNone/>
-              <a:defRPr sz="1600" b="1"/>
-            </a:lvl7pPr>
-            <a:lvl8pPr marL="3200400" indent="0">
-              <a:buNone/>
-              <a:defRPr sz="1600" b="1"/>
-            </a:lvl8pPr>
-            <a:lvl9pPr marL="3657600" indent="0">
-              <a:buNone/>
-              <a:defRPr sz="1600" b="1"/>
-            </a:lvl9pPr>
-          </a:lstStyle>
-          <a:p>
-            <a:pPr lvl="0"/>
-            <a:r>
-              <a:rPr lang="en-US" smtClean="0"/>
-              <a:t>Click to edit Master text styles</a:t>
-            </a:r>
-          </a:p>
-        </p:txBody>
-      </p:sp>
-      <p:sp>
-        <p:nvSpPr>
-          <p:cNvPr id="4" name="Content Placeholder 3"/>
-          <p:cNvSpPr>
-            <a:spLocks noGrp="1"/>
-          </p:cNvSpPr>
-          <p:nvPr>
-            <p:ph sz="half" idx="2"/>
-          </p:nvPr>
-        </p:nvSpPr>
-        <p:spPr>
-          <a:xfrm>
-            <a:off x="457200" y="2174875"/>
-            <a:ext cx="4040188" cy="3951288"/>
-          </a:xfrm>
-        </p:spPr>
-        <p:txBody>
-          <a:bodyPr/>
-          <a:lstStyle>
-            <a:lvl1pPr>
-              <a:defRPr sz="2400"/>
-            </a:lvl1pPr>
-            <a:lvl2pPr>
-              <a:defRPr sz="2000"/>
-            </a:lvl2pPr>
-            <a:lvl3pPr>
-              <a:defRPr sz="1800"/>
-            </a:lvl3pPr>
-            <a:lvl4pPr>
-              <a:defRPr sz="1600"/>
-            </a:lvl4pPr>
-            <a:lvl5pPr>
-              <a:defRPr sz="1600"/>
-            </a:lvl5pPr>
-            <a:lvl6pPr>
-              <a:defRPr sz="1600"/>
-            </a:lvl6pPr>
-            <a:lvl7pPr>
-              <a:defRPr sz="1600"/>
-            </a:lvl7pPr>
-            <a:lvl8pPr>
-              <a:defRPr sz="1600"/>
-            </a:lvl8pPr>
-            <a:lvl9pPr>
-              <a:defRPr sz="1600"/>
-            </a:lvl9pPr>
-          </a:lstStyle>
-          <a:p>
-            <a:pPr lvl="0"/>
-            <a:r>
-              <a:rPr lang="en-US" smtClean="0"/>
-              <a:t>Click to edit Master text styles</a:t>
-            </a:r>
-          </a:p>
-          <a:p>
-            <a:pPr lvl="1"/>
-            <a:r>
-              <a:rPr lang="en-US" smtClean="0"/>
-              <a:t>Second level</a:t>
-            </a:r>
-          </a:p>
-          <a:p>
-            <a:pPr lvl="2"/>
-            <a:r>
-              <a:rPr lang="en-US" smtClean="0"/>
-              <a:t>Third level</a:t>
-            </a:r>
-          </a:p>
-          <a:p>
-            <a:pPr lvl="3"/>
-            <a:r>
-              <a:rPr lang="en-US" smtClean="0"/>
-              <a:t>Fourth level</a:t>
-            </a:r>
-          </a:p>
-          <a:p>
-            <a:pPr lvl="4"/>
-            <a:r>
-              <a:rPr lang="en-US" smtClean="0"/>
-              <a:t>Fifth level</a:t>
-            </a:r>
-            <a:endParaRPr lang="en-US"/>
-          </a:p>
-        </p:txBody>
-      </p:sp>
-      <p:sp>
-        <p:nvSpPr>
-          <p:cNvPr id="5" name="Text Placeholder 4"/>
-          <p:cNvSpPr>
-            <a:spLocks noGrp="1"/>
-          </p:cNvSpPr>
-          <p:nvPr>
-            <p:ph type="body" sz="quarter" idx="3"/>
-          </p:nvPr>
-        </p:nvSpPr>
-        <p:spPr>
-          <a:xfrm>
-            <a:off x="4645025" y="1535113"/>
-            <a:ext cx="4041775" cy="639762"/>
-          </a:xfrm>
-        </p:spPr>
-        <p:txBody>
-          <a:bodyPr anchor="b"/>
-          <a:lstStyle>
-            <a:lvl1pPr marL="0" indent="0">
-              <a:buNone/>
-              <a:defRPr sz="2400" b="1"/>
-            </a:lvl1pPr>
-            <a:lvl2pPr marL="457200" indent="0">
-              <a:buNone/>
-              <a:defRPr sz="2000" b="1"/>
-            </a:lvl2pPr>
-            <a:lvl3pPr marL="914400" indent="0">
-              <a:buNone/>
-              <a:defRPr sz="1800" b="1"/>
-            </a:lvl3pPr>
-            <a:lvl4pPr marL="1371600" indent="0">
-              <a:buNone/>
-              <a:defRPr sz="1600" b="1"/>
-            </a:lvl4pPr>
-            <a:lvl5pPr marL="1828800" indent="0">
-              <a:buNone/>
-              <a:defRPr sz="1600" b="1"/>
-            </a:lvl5pPr>
-            <a:lvl6pPr marL="2286000" indent="0">
-              <a:buNone/>
-              <a:defRPr sz="1600" b="1"/>
-            </a:lvl6pPr>
-            <a:lvl7pPr marL="2743200" indent="0">
-              <a:buNone/>
-              <a:defRPr sz="1600" b="1"/>
-            </a:lvl7pPr>
-            <a:lvl8pPr marL="3200400" indent="0">
-              <a:buNone/>
-              <a:defRPr sz="1600" b="1"/>
-            </a:lvl8pPr>
-            <a:lvl9pPr marL="3657600" indent="0">
-              <a:buNone/>
-              <a:defRPr sz="1600" b="1"/>
-            </a:lvl9pPr>
-          </a:lstStyle>
-          <a:p>
-            <a:pPr lvl="0"/>
-            <a:r>
-              <a:rPr lang="en-US" smtClean="0"/>
-              <a:t>Click to edit Master text styles</a:t>
-            </a:r>
-          </a:p>
-        </p:txBody>
-      </p:sp>
-      <p:sp>
-        <p:nvSpPr>
-          <p:cNvPr id="6" name="Content Placeholder 5"/>
-          <p:cNvSpPr>
-            <a:spLocks noGrp="1"/>
-          </p:cNvSpPr>
-          <p:nvPr>
-            <p:ph sz="quarter" idx="4"/>
-          </p:nvPr>
-        </p:nvSpPr>
-        <p:spPr>
-          <a:xfrm>
-            <a:off x="4645025" y="2174875"/>
-            <a:ext cx="4041775" cy="3951288"/>
-          </a:xfrm>
-        </p:spPr>
-        <p:txBody>
-          <a:bodyPr/>
-          <a:lstStyle>
-            <a:lvl1pPr>
-              <a:defRPr sz="2400"/>
-            </a:lvl1pPr>
-            <a:lvl2pPr>
-              <a:defRPr sz="2000"/>
-            </a:lvl2pPr>
-            <a:lvl3pPr>
-              <a:defRPr sz="1800"/>
-            </a:lvl3pPr>
-            <a:lvl4pPr>
-              <a:defRPr sz="1600"/>
-            </a:lvl4pPr>
-            <a:lvl5pPr>
-              <a:defRPr sz="1600"/>
-            </a:lvl5pPr>
-            <a:lvl6pPr>
-              <a:defRPr sz="1600"/>
-            </a:lvl6pPr>
-            <a:lvl7pPr>
-              <a:defRPr sz="1600"/>
-            </a:lvl7pPr>
-            <a:lvl8pPr>
-              <a:defRPr sz="1600"/>
-            </a:lvl8pPr>
-            <a:lvl9pPr>
-              <a:defRPr sz="1600"/>
-            </a:lvl9pPr>
-          </a:lstStyle>
-          <a:p>
-            <a:pPr lvl="0"/>
-            <a:r>
-              <a:rPr lang="en-US" smtClean="0"/>
-              <a:t>Click to edit Master text styles</a:t>
-            </a:r>
-          </a:p>
-          <a:p>
-            <a:pPr lvl="1"/>
-            <a:r>
-              <a:rPr lang="en-US" smtClean="0"/>
-              <a:t>Second level</a:t>
-            </a:r>
-          </a:p>
-          <a:p>
-            <a:pPr lvl="2"/>
-            <a:r>
-              <a:rPr lang="en-US" smtClean="0"/>
-              <a:t>Third level</a:t>
-            </a:r>
-          </a:p>
-          <a:p>
-            <a:pPr lvl="3"/>
-            <a:r>
-              <a:rPr lang="en-US" smtClean="0"/>
-              <a:t>Fourth level</a:t>
-            </a:r>
-          </a:p>
-          <a:p>
-            <a:pPr lvl="4"/>
-            <a:r>
-              <a:rPr lang="en-US" smtClean="0"/>
-              <a:t>Fifth level</a:t>
-            </a:r>
-            <a:endParaRPr lang="en-US"/>
-          </a:p>
-        </p:txBody>
-      </p:sp>
-      <p:sp>
-        <p:nvSpPr>
-          <p:cNvPr id="7" name="Date Placeholder 6"/>
-          <p:cNvSpPr>
-            <a:spLocks noGrp="1"/>
-          </p:cNvSpPr>
-          <p:nvPr>
-            <p:ph type="dt" sz="half" idx="10"/>
-          </p:nvPr>
-        </p:nvSpPr>
-        <p:spPr/>
-        <p:txBody>
-          <a:bodyPr/>
-          <a:lstStyle/>
-          <a:p>
-            <a:fld id="{1D8BD707-D9CF-40AE-B4C6-C98DA3205C09}" type="datetimeFigureOut">
-              <a:rPr lang="en-US" smtClean="0"/>
-              <a:pPr/>
-              <a:t>8/5/2015</a:t>
-            </a:fld>
-            <a:endParaRPr lang="en-US"/>
-          </a:p>
-        </p:txBody>
-      </p:sp>
-      <p:sp>
-        <p:nvSpPr>
-          <p:cNvPr id="8" name="Footer Placeholder 7"/>
-          <p:cNvSpPr>
-            <a:spLocks noGrp="1"/>
-          </p:cNvSpPr>
-          <p:nvPr>
-            <p:ph type="ftr" sz="quarter" idx="11"/>
-          </p:nvPr>
-        </p:nvSpPr>
-        <p:spPr/>
-        <p:txBody>
-          <a:bodyPr/>
-          <a:lstStyle/>
-          <a:p>
-            <a:endParaRPr lang="en-US"/>
-          </a:p>
-        </p:txBody>
-      </p:sp>
-      <p:sp>
-        <p:nvSpPr>
-          <p:cNvPr id="9" name="Slide Number Placeholder 8"/>
-          <p:cNvSpPr>
-            <a:spLocks noGrp="1"/>
-          </p:cNvSpPr>
-          <p:nvPr>
-            <p:ph type="sldNum" sz="quarter" idx="12"/>
-          </p:nvPr>
-        </p:nvSpPr>
-        <p:spPr/>
-        <p:txBody>
-          <a:bodyPr/>
-          <a:lstStyle/>
-          <a:p>
-            <a:fld id="{B6F15528-21DE-4FAA-801E-634DDDAF4B2B}" type="slidenum">
-              <a:rPr lang="en-US" smtClean="0"/>
-              <a:pPr/>
-              <a:t>‹#›</a:t>
-            </a:fld>
-            <a:endParaRPr lang="en-US"/>
+            <a:pPr>
+              <a:defRPr/>
+            </a:pPr>
+            <a:r>
+              <a:rPr lang="en-US" altLang="en-US"/>
+              <a:t>#ITDEVCON  </a:t>
+            </a:r>
           </a:p>
         </p:txBody>
       </p:sp>
     </p:spTree>
+    <p:extLst>
+      <p:ext uri="{BB962C8B-B14F-4D97-AF65-F5344CB8AC3E}">
+        <p14:creationId xmlns:p14="http://schemas.microsoft.com/office/powerpoint/2010/main" val="2937574474"/>
+      </p:ext>
+    </p:extLst>
   </p:cSld>
   <p:clrMapOvr>
     <a:masterClrMapping/>
@@ -2478,9 +3474,9 @@
 </p:sldLayout>
 </file>
 
-<file path=ppt/slideLayouts/slideLayout6.xml><?xml version="1.0" encoding="utf-8"?>
-<p:sldLayout xmlns:a="http://schemas.openxmlformats.org/drawingml/2006/main" xmlns:r="http://schemas.openxmlformats.org/officeDocument/2006/relationships" xmlns:p="http://schemas.openxmlformats.org/presentationml/2006/main" type="titleOnly" preserve="1">
-  <p:cSld name="Title Only">
+<file path=ppt/slideLayouts/slideLayout8.xml><?xml version="1.0" encoding="utf-8"?>
+<p:sldLayout xmlns:a="http://schemas.openxmlformats.org/drawingml/2006/main" xmlns:r="http://schemas.openxmlformats.org/officeDocument/2006/relationships" xmlns:p="http://schemas.openxmlformats.org/presentationml/2006/main" type="obj" preserve="1">
+  <p:cSld name="Title and Content">
     <p:spTree>
       <p:nvGrpSpPr>
         <p:cNvPr id="1" name=""/>
@@ -2505,7 +3501,15 @@
             <p:ph type="title"/>
           </p:nvPr>
         </p:nvSpPr>
-        <p:spPr/>
+        <p:spPr>
+          <a:xfrm>
+            <a:off x="457200" y="483572"/>
+            <a:ext cx="8229600" cy="1143000"/>
+          </a:xfrm>
+          <a:prstGeom prst="rect">
+            <a:avLst/>
+          </a:prstGeom>
+        </p:spPr>
         <p:txBody>
           <a:bodyPr/>
           <a:lstStyle/>
@@ -2514,78 +3518,124 @@
               <a:rPr lang="en-US" smtClean="0"/>
               <a:t>Click to edit Master title style</a:t>
             </a:r>
-            <a:endParaRPr lang="en-US"/>
-          </a:p>
-        </p:txBody>
-      </p:sp>
-      <p:sp>
-        <p:nvSpPr>
-          <p:cNvPr id="3" name="Date Placeholder 2"/>
+            <a:endParaRPr lang="en-US" dirty="0"/>
+          </a:p>
+        </p:txBody>
+      </p:sp>
+      <p:sp>
+        <p:nvSpPr>
+          <p:cNvPr id="3" name="Content Placeholder 2"/>
           <p:cNvSpPr>
             <a:spLocks noGrp="1"/>
           </p:cNvSpPr>
           <p:nvPr>
-            <p:ph type="dt" sz="half" idx="10"/>
+            <p:ph idx="1"/>
           </p:nvPr>
         </p:nvSpPr>
-        <p:spPr/>
+        <p:spPr>
+          <a:xfrm>
+            <a:off x="457200" y="1600201"/>
+            <a:ext cx="8229600" cy="4525433"/>
+          </a:xfrm>
+          <a:prstGeom prst="rect">
+            <a:avLst/>
+          </a:prstGeom>
+        </p:spPr>
         <p:txBody>
           <a:bodyPr/>
-          <a:lstStyle/>
-          <a:p>
-            <a:fld id="{1D8BD707-D9CF-40AE-B4C6-C98DA3205C09}" type="datetimeFigureOut">
+          <a:lstStyle>
+            <a:lvl2pPr>
+              <a:defRPr>
+                <a:solidFill>
+                  <a:schemeClr val="accent2">
+                    <a:lumMod val="50000"/>
+                  </a:schemeClr>
+                </a:solidFill>
+              </a:defRPr>
+            </a:lvl2pPr>
+          </a:lstStyle>
+          <a:p>
+            <a:pPr lvl="0"/>
+            <a:r>
               <a:rPr lang="en-US" smtClean="0"/>
-              <a:pPr/>
-              <a:t>8/5/2015</a:t>
-            </a:fld>
-            <a:endParaRPr lang="en-US"/>
-          </a:p>
-        </p:txBody>
-      </p:sp>
-      <p:sp>
-        <p:nvSpPr>
-          <p:cNvPr id="4" name="Footer Placeholder 3"/>
+              <a:t>Click to edit Master text styles</a:t>
+            </a:r>
+          </a:p>
+          <a:p>
+            <a:pPr lvl="1"/>
+            <a:r>
+              <a:rPr lang="en-US" smtClean="0"/>
+              <a:t>Second level</a:t>
+            </a:r>
+          </a:p>
+          <a:p>
+            <a:pPr lvl="2"/>
+            <a:r>
+              <a:rPr lang="en-US" smtClean="0"/>
+              <a:t>Third level</a:t>
+            </a:r>
+          </a:p>
+          <a:p>
+            <a:pPr lvl="3"/>
+            <a:r>
+              <a:rPr lang="en-US" smtClean="0"/>
+              <a:t>Fourth level</a:t>
+            </a:r>
+          </a:p>
+          <a:p>
+            <a:pPr lvl="4"/>
+            <a:r>
+              <a:rPr lang="en-US" smtClean="0"/>
+              <a:t>Fifth level</a:t>
+            </a:r>
+            <a:endParaRPr lang="en-US" dirty="0"/>
+          </a:p>
+        </p:txBody>
+      </p:sp>
+      <p:sp>
+        <p:nvSpPr>
+          <p:cNvPr id="4" name="Footer Placeholder 4"/>
           <p:cNvSpPr>
             <a:spLocks noGrp="1"/>
           </p:cNvSpPr>
           <p:nvPr>
-            <p:ph type="ftr" sz="quarter" idx="11"/>
+            <p:ph type="ftr" sz="quarter" idx="10"/>
           </p:nvPr>
         </p:nvSpPr>
         <p:spPr/>
         <p:txBody>
-          <a:bodyPr/>
-          <a:lstStyle/>
-          <a:p>
-            <a:endParaRPr lang="en-US"/>
-          </a:p>
-        </p:txBody>
-      </p:sp>
-      <p:sp>
-        <p:nvSpPr>
-          <p:cNvPr id="5" name="Slide Number Placeholder 4"/>
-          <p:cNvSpPr>
-            <a:spLocks noGrp="1"/>
-          </p:cNvSpPr>
-          <p:nvPr>
-            <p:ph type="sldNum" sz="quarter" idx="12"/>
-          </p:nvPr>
-        </p:nvSpPr>
-        <p:spPr/>
-        <p:txBody>
-          <a:bodyPr/>
-          <a:lstStyle/>
-          <a:p>
-            <a:fld id="{B6F15528-21DE-4FAA-801E-634DDDAF4B2B}" type="slidenum">
-              <a:rPr lang="en-US" smtClean="0"/>
-              <a:pPr/>
-              <a:t>‹#›</a:t>
-            </a:fld>
-            <a:endParaRPr lang="en-US"/>
+          <a:bodyPr rtlCol="0"/>
+          <a:lstStyle>
+            <a:lvl1pPr defTabSz="457200" fontAlgn="auto">
+              <a:spcBef>
+                <a:spcPts val="0"/>
+              </a:spcBef>
+              <a:spcAft>
+                <a:spcPts val="0"/>
+              </a:spcAft>
+              <a:defRPr>
+                <a:latin typeface="+mn-lt"/>
+                <a:ea typeface="+mn-ea"/>
+              </a:defRPr>
+            </a:lvl1pPr>
+          </a:lstStyle>
+          <a:p>
+            <a:pPr>
+              <a:defRPr/>
+            </a:pPr>
+            <a:r>
+              <a:rPr lang="en-US"/>
+              <a:t>#ITDEVCON</a:t>
+            </a:r>
           </a:p>
         </p:txBody>
       </p:sp>
     </p:spTree>
+    <p:extLst>
+      <p:ext uri="{BB962C8B-B14F-4D97-AF65-F5344CB8AC3E}">
+        <p14:creationId xmlns:p14="http://schemas.microsoft.com/office/powerpoint/2010/main" val="1226141718"/>
+      </p:ext>
+    </p:extLst>
   </p:cSld>
   <p:clrMapOvr>
     <a:masterClrMapping/>
@@ -2593,9 +3643,9 @@
 </p:sldLayout>
 </file>
 
-<file path=ppt/slideLayouts/slideLayout7.xml><?xml version="1.0" encoding="utf-8"?>
-<p:sldLayout xmlns:a="http://schemas.openxmlformats.org/drawingml/2006/main" xmlns:r="http://schemas.openxmlformats.org/officeDocument/2006/relationships" xmlns:p="http://schemas.openxmlformats.org/presentationml/2006/main" type="blank" preserve="1">
-  <p:cSld name="Blank">
+<file path=ppt/slideLayouts/slideLayout9.xml><?xml version="1.0" encoding="utf-8"?>
+<p:sldLayout xmlns:a="http://schemas.openxmlformats.org/drawingml/2006/main" xmlns:r="http://schemas.openxmlformats.org/officeDocument/2006/relationships" xmlns:p="http://schemas.openxmlformats.org/presentationml/2006/main" type="secHead" preserve="1">
+  <p:cSld name="Section Header">
     <p:spTree>
       <p:nvGrpSpPr>
         <p:cNvPr id="1" name=""/>
@@ -2612,98 +3662,6 @@
       </p:grpSpPr>
       <p:sp>
         <p:nvSpPr>
-          <p:cNvPr id="2" name="Date Placeholder 1"/>
-          <p:cNvSpPr>
-            <a:spLocks noGrp="1"/>
-          </p:cNvSpPr>
-          <p:nvPr>
-            <p:ph type="dt" sz="half" idx="10"/>
-          </p:nvPr>
-        </p:nvSpPr>
-        <p:spPr/>
-        <p:txBody>
-          <a:bodyPr/>
-          <a:lstStyle/>
-          <a:p>
-            <a:fld id="{1D8BD707-D9CF-40AE-B4C6-C98DA3205C09}" type="datetimeFigureOut">
-              <a:rPr lang="en-US" smtClean="0"/>
-              <a:pPr/>
-              <a:t>8/5/2015</a:t>
-            </a:fld>
-            <a:endParaRPr lang="en-US"/>
-          </a:p>
-        </p:txBody>
-      </p:sp>
-      <p:sp>
-        <p:nvSpPr>
-          <p:cNvPr id="3" name="Footer Placeholder 2"/>
-          <p:cNvSpPr>
-            <a:spLocks noGrp="1"/>
-          </p:cNvSpPr>
-          <p:nvPr>
-            <p:ph type="ftr" sz="quarter" idx="11"/>
-          </p:nvPr>
-        </p:nvSpPr>
-        <p:spPr/>
-        <p:txBody>
-          <a:bodyPr/>
-          <a:lstStyle/>
-          <a:p>
-            <a:endParaRPr lang="en-US"/>
-          </a:p>
-        </p:txBody>
-      </p:sp>
-      <p:sp>
-        <p:nvSpPr>
-          <p:cNvPr id="4" name="Slide Number Placeholder 3"/>
-          <p:cNvSpPr>
-            <a:spLocks noGrp="1"/>
-          </p:cNvSpPr>
-          <p:nvPr>
-            <p:ph type="sldNum" sz="quarter" idx="12"/>
-          </p:nvPr>
-        </p:nvSpPr>
-        <p:spPr/>
-        <p:txBody>
-          <a:bodyPr/>
-          <a:lstStyle/>
-          <a:p>
-            <a:fld id="{B6F15528-21DE-4FAA-801E-634DDDAF4B2B}" type="slidenum">
-              <a:rPr lang="en-US" smtClean="0"/>
-              <a:pPr/>
-              <a:t>‹#›</a:t>
-            </a:fld>
-            <a:endParaRPr lang="en-US"/>
-          </a:p>
-        </p:txBody>
-      </p:sp>
-    </p:spTree>
-  </p:cSld>
-  <p:clrMapOvr>
-    <a:masterClrMapping/>
-  </p:clrMapOvr>
-</p:sldLayout>
-</file>
-
-<file path=ppt/slideLayouts/slideLayout8.xml><?xml version="1.0" encoding="utf-8"?>
-<p:sldLayout xmlns:a="http://schemas.openxmlformats.org/drawingml/2006/main" xmlns:r="http://schemas.openxmlformats.org/officeDocument/2006/relationships" xmlns:p="http://schemas.openxmlformats.org/presentationml/2006/main" type="objTx" preserve="1">
-  <p:cSld name="Content with Caption">
-    <p:spTree>
-      <p:nvGrpSpPr>
-        <p:cNvPr id="1" name=""/>
-        <p:cNvGrpSpPr/>
-        <p:nvPr/>
-      </p:nvGrpSpPr>
-      <p:grpSpPr>
-        <a:xfrm>
-          <a:off x="0" y="0"/>
-          <a:ext cx="0" cy="0"/>
-          <a:chOff x="0" y="0"/>
-          <a:chExt cx="0" cy="0"/>
-        </a:xfrm>
-      </p:grpSpPr>
-      <p:sp>
-        <p:nvSpPr>
           <p:cNvPr id="2" name="Title 1"/>
           <p:cNvSpPr>
             <a:spLocks noGrp="1"/>
@@ -2714,15 +3672,18 @@
         </p:nvSpPr>
         <p:spPr>
           <a:xfrm>
-            <a:off x="457200" y="273050"/>
-            <a:ext cx="3008313" cy="1162050"/>
+            <a:off x="722313" y="3430000"/>
+            <a:ext cx="7772400" cy="1363133"/>
           </a:xfrm>
+          <a:prstGeom prst="rect">
+            <a:avLst/>
+          </a:prstGeom>
         </p:spPr>
         <p:txBody>
-          <a:bodyPr anchor="b"/>
+          <a:bodyPr anchor="t"/>
           <a:lstStyle>
             <a:lvl1pPr algn="l">
-              <a:defRPr sz="2000" b="1"/>
+              <a:defRPr sz="4000" b="0" cap="all"/>
             </a:lvl1pPr>
           </a:lstStyle>
           <a:p>
@@ -2730,55 +3691,121 @@
               <a:rPr lang="en-US" smtClean="0"/>
               <a:t>Click to edit Master title style</a:t>
             </a:r>
-            <a:endParaRPr lang="en-US"/>
-          </a:p>
-        </p:txBody>
-      </p:sp>
-      <p:sp>
-        <p:nvSpPr>
-          <p:cNvPr id="3" name="Content Placeholder 2"/>
+            <a:endParaRPr lang="en-US" dirty="0"/>
+          </a:p>
+        </p:txBody>
+      </p:sp>
+      <p:sp>
+        <p:nvSpPr>
+          <p:cNvPr id="3" name="Text Placeholder 2"/>
           <p:cNvSpPr>
             <a:spLocks noGrp="1"/>
           </p:cNvSpPr>
           <p:nvPr>
-            <p:ph idx="1"/>
+            <p:ph type="body" idx="1"/>
           </p:nvPr>
         </p:nvSpPr>
         <p:spPr>
           <a:xfrm>
-            <a:off x="3575050" y="273050"/>
-            <a:ext cx="5111750" cy="5853113"/>
+            <a:off x="722313" y="1929285"/>
+            <a:ext cx="7772400" cy="1500716"/>
           </a:xfrm>
+          <a:prstGeom prst="rect">
+            <a:avLst/>
+          </a:prstGeom>
         </p:spPr>
         <p:txBody>
-          <a:bodyPr/>
+          <a:bodyPr anchor="b"/>
           <a:lstStyle>
-            <a:lvl1pPr>
-              <a:defRPr sz="3200"/>
+            <a:lvl1pPr marL="0" indent="0">
+              <a:buNone/>
+              <a:defRPr sz="2000">
+                <a:solidFill>
+                  <a:schemeClr val="tx1">
+                    <a:tint val="75000"/>
+                  </a:schemeClr>
+                </a:solidFill>
+              </a:defRPr>
             </a:lvl1pPr>
-            <a:lvl2pPr>
-              <a:defRPr sz="2800"/>
+            <a:lvl2pPr marL="457200" indent="0">
+              <a:buNone/>
+              <a:defRPr sz="1800">
+                <a:solidFill>
+                  <a:schemeClr val="tx1">
+                    <a:tint val="75000"/>
+                  </a:schemeClr>
+                </a:solidFill>
+              </a:defRPr>
             </a:lvl2pPr>
-            <a:lvl3pPr>
-              <a:defRPr sz="2400"/>
+            <a:lvl3pPr marL="914400" indent="0">
+              <a:buNone/>
+              <a:defRPr sz="1600">
+                <a:solidFill>
+                  <a:schemeClr val="tx1">
+                    <a:tint val="75000"/>
+                  </a:schemeClr>
+                </a:solidFill>
+              </a:defRPr>
             </a:lvl3pPr>
-            <a:lvl4pPr>
-              <a:defRPr sz="2000"/>
+            <a:lvl4pPr marL="1371600" indent="0">
+              <a:buNone/>
+              <a:defRPr sz="1400">
+                <a:solidFill>
+                  <a:schemeClr val="tx1">
+                    <a:tint val="75000"/>
+                  </a:schemeClr>
+                </a:solidFill>
+              </a:defRPr>
             </a:lvl4pPr>
-            <a:lvl5pPr>
-              <a:defRPr sz="2000"/>
+            <a:lvl5pPr marL="1828800" indent="0">
+              <a:buNone/>
+              <a:defRPr sz="1400">
+                <a:solidFill>
+                  <a:schemeClr val="tx1">
+                    <a:tint val="75000"/>
+                  </a:schemeClr>
+                </a:solidFill>
+              </a:defRPr>
             </a:lvl5pPr>
-            <a:lvl6pPr>
-              <a:defRPr sz="2000"/>
+            <a:lvl6pPr marL="2286000" indent="0">
+              <a:buNone/>
+              <a:defRPr sz="1400">
+                <a:solidFill>
+                  <a:schemeClr val="tx1">
+                    <a:tint val="75000"/>
+                  </a:schemeClr>
+                </a:solidFill>
+              </a:defRPr>
             </a:lvl6pPr>
-            <a:lvl7pPr>
-              <a:defRPr sz="2000"/>
+            <a:lvl7pPr marL="2743200" indent="0">
+              <a:buNone/>
+              <a:defRPr sz="1400">
+                <a:solidFill>
+                  <a:schemeClr val="tx1">
+                    <a:tint val="75000"/>
+                  </a:schemeClr>
+                </a:solidFill>
+              </a:defRPr>
             </a:lvl7pPr>
-            <a:lvl8pPr>
-              <a:defRPr sz="2000"/>
+            <a:lvl8pPr marL="3200400" indent="0">
+              <a:buNone/>
+              <a:defRPr sz="1400">
+                <a:solidFill>
+                  <a:schemeClr val="tx1">
+                    <a:tint val="75000"/>
+                  </a:schemeClr>
+                </a:solidFill>
+              </a:defRPr>
             </a:lvl8pPr>
-            <a:lvl9pPr>
-              <a:defRPr sz="2000"/>
+            <a:lvl9pPr marL="3657600" indent="0">
+              <a:buNone/>
+              <a:defRPr sz="1400">
+                <a:solidFill>
+                  <a:schemeClr val="tx1">
+                    <a:tint val="75000"/>
+                  </a:schemeClr>
+                </a:solidFill>
+              </a:defRPr>
             </a:lvl9pPr>
           </a:lstStyle>
           <a:p>
@@ -2788,420 +3815,52 @@
               <a:t>Click to edit Master text styles</a:t>
             </a:r>
           </a:p>
-          <a:p>
-            <a:pPr lvl="1"/>
-            <a:r>
-              <a:rPr lang="en-US" smtClean="0"/>
-              <a:t>Second level</a:t>
-            </a:r>
-          </a:p>
-          <a:p>
-            <a:pPr lvl="2"/>
-            <a:r>
-              <a:rPr lang="en-US" smtClean="0"/>
-              <a:t>Third level</a:t>
-            </a:r>
-          </a:p>
-          <a:p>
-            <a:pPr lvl="3"/>
-            <a:r>
-              <a:rPr lang="en-US" smtClean="0"/>
-              <a:t>Fourth level</a:t>
-            </a:r>
-          </a:p>
-          <a:p>
-            <a:pPr lvl="4"/>
-            <a:r>
-              <a:rPr lang="en-US" smtClean="0"/>
-              <a:t>Fifth level</a:t>
-            </a:r>
-            <a:endParaRPr lang="en-US"/>
-          </a:p>
-        </p:txBody>
-      </p:sp>
-      <p:sp>
-        <p:nvSpPr>
-          <p:cNvPr id="4" name="Text Placeholder 3"/>
+        </p:txBody>
+      </p:sp>
+      <p:sp>
+        <p:nvSpPr>
+          <p:cNvPr id="4" name="Footer Placeholder 4"/>
           <p:cNvSpPr>
             <a:spLocks noGrp="1"/>
           </p:cNvSpPr>
           <p:nvPr>
-            <p:ph type="body" sz="half" idx="2"/>
+            <p:ph type="ftr" sz="quarter" idx="10"/>
           </p:nvPr>
         </p:nvSpPr>
-        <p:spPr>
-          <a:xfrm>
-            <a:off x="457200" y="1435100"/>
-            <a:ext cx="3008313" cy="4691063"/>
-          </a:xfrm>
-        </p:spPr>
-        <p:txBody>
-          <a:bodyPr/>
+        <p:spPr/>
+        <p:txBody>
+          <a:bodyPr rtlCol="0"/>
           <a:lstStyle>
-            <a:lvl1pPr marL="0" indent="0">
-              <a:buNone/>
-              <a:defRPr sz="1400"/>
-            </a:lvl1pPr>
-            <a:lvl2pPr marL="457200" indent="0">
-              <a:buNone/>
-              <a:defRPr sz="1200"/>
-            </a:lvl2pPr>
-            <a:lvl3pPr marL="914400" indent="0">
-              <a:buNone/>
-              <a:defRPr sz="1000"/>
-            </a:lvl3pPr>
-            <a:lvl4pPr marL="1371600" indent="0">
-              <a:buNone/>
-              <a:defRPr sz="900"/>
-            </a:lvl4pPr>
-            <a:lvl5pPr marL="1828800" indent="0">
-              <a:buNone/>
-              <a:defRPr sz="900"/>
-            </a:lvl5pPr>
-            <a:lvl6pPr marL="2286000" indent="0">
-              <a:buNone/>
-              <a:defRPr sz="900"/>
-            </a:lvl6pPr>
-            <a:lvl7pPr marL="2743200" indent="0">
-              <a:buNone/>
-              <a:defRPr sz="900"/>
-            </a:lvl7pPr>
-            <a:lvl8pPr marL="3200400" indent="0">
-              <a:buNone/>
-              <a:defRPr sz="900"/>
-            </a:lvl8pPr>
-            <a:lvl9pPr marL="3657600" indent="0">
-              <a:buNone/>
-              <a:defRPr sz="900"/>
-            </a:lvl9pPr>
-          </a:lstStyle>
-          <a:p>
-            <a:pPr lvl="0"/>
-            <a:r>
-              <a:rPr lang="en-US" smtClean="0"/>
-              <a:t>Click to edit Master text styles</a:t>
-            </a:r>
-          </a:p>
-        </p:txBody>
-      </p:sp>
-      <p:sp>
-        <p:nvSpPr>
-          <p:cNvPr id="5" name="Date Placeholder 4"/>
-          <p:cNvSpPr>
-            <a:spLocks noGrp="1"/>
-          </p:cNvSpPr>
-          <p:nvPr>
-            <p:ph type="dt" sz="half" idx="10"/>
-          </p:nvPr>
-        </p:nvSpPr>
-        <p:spPr/>
-        <p:txBody>
-          <a:bodyPr/>
-          <a:lstStyle/>
-          <a:p>
-            <a:fld id="{1D8BD707-D9CF-40AE-B4C6-C98DA3205C09}" type="datetimeFigureOut">
-              <a:rPr lang="en-US" smtClean="0"/>
-              <a:pPr/>
-              <a:t>8/5/2015</a:t>
-            </a:fld>
-            <a:endParaRPr lang="en-US"/>
-          </a:p>
-        </p:txBody>
-      </p:sp>
-      <p:sp>
-        <p:nvSpPr>
-          <p:cNvPr id="6" name="Footer Placeholder 5"/>
-          <p:cNvSpPr>
-            <a:spLocks noGrp="1"/>
-          </p:cNvSpPr>
-          <p:nvPr>
-            <p:ph type="ftr" sz="quarter" idx="11"/>
-          </p:nvPr>
-        </p:nvSpPr>
-        <p:spPr/>
-        <p:txBody>
-          <a:bodyPr/>
-          <a:lstStyle/>
-          <a:p>
-            <a:endParaRPr lang="en-US"/>
-          </a:p>
-        </p:txBody>
-      </p:sp>
-      <p:sp>
-        <p:nvSpPr>
-          <p:cNvPr id="7" name="Slide Number Placeholder 6"/>
-          <p:cNvSpPr>
-            <a:spLocks noGrp="1"/>
-          </p:cNvSpPr>
-          <p:nvPr>
-            <p:ph type="sldNum" sz="quarter" idx="12"/>
-          </p:nvPr>
-        </p:nvSpPr>
-        <p:spPr/>
-        <p:txBody>
-          <a:bodyPr/>
-          <a:lstStyle/>
-          <a:p>
-            <a:fld id="{B6F15528-21DE-4FAA-801E-634DDDAF4B2B}" type="slidenum">
-              <a:rPr lang="en-US" smtClean="0"/>
-              <a:pPr/>
-              <a:t>‹#›</a:t>
-            </a:fld>
-            <a:endParaRPr lang="en-US"/>
-          </a:p>
-        </p:txBody>
-      </p:sp>
-    </p:spTree>
-  </p:cSld>
-  <p:clrMapOvr>
-    <a:masterClrMapping/>
-  </p:clrMapOvr>
-</p:sldLayout>
-</file>
-
-<file path=ppt/slideLayouts/slideLayout9.xml><?xml version="1.0" encoding="utf-8"?>
-<p:sldLayout xmlns:a="http://schemas.openxmlformats.org/drawingml/2006/main" xmlns:r="http://schemas.openxmlformats.org/officeDocument/2006/relationships" xmlns:p="http://schemas.openxmlformats.org/presentationml/2006/main" type="picTx" preserve="1">
-  <p:cSld name="Picture with Caption">
-    <p:spTree>
-      <p:nvGrpSpPr>
-        <p:cNvPr id="1" name=""/>
-        <p:cNvGrpSpPr/>
-        <p:nvPr/>
-      </p:nvGrpSpPr>
-      <p:grpSpPr>
-        <a:xfrm>
-          <a:off x="0" y="0"/>
-          <a:ext cx="0" cy="0"/>
-          <a:chOff x="0" y="0"/>
-          <a:chExt cx="0" cy="0"/>
-        </a:xfrm>
-      </p:grpSpPr>
-      <p:sp>
-        <p:nvSpPr>
-          <p:cNvPr id="2" name="Title 1"/>
-          <p:cNvSpPr>
-            <a:spLocks noGrp="1"/>
-          </p:cNvSpPr>
-          <p:nvPr>
-            <p:ph type="title"/>
-          </p:nvPr>
-        </p:nvSpPr>
-        <p:spPr>
-          <a:xfrm>
-            <a:off x="1792288" y="4800600"/>
-            <a:ext cx="5486400" cy="566738"/>
-          </a:xfrm>
-        </p:spPr>
-        <p:txBody>
-          <a:bodyPr anchor="b"/>
-          <a:lstStyle>
-            <a:lvl1pPr algn="l">
-              <a:defRPr sz="2000" b="1"/>
+            <a:lvl1pPr defTabSz="457200" fontAlgn="auto">
+              <a:spcBef>
+                <a:spcPts val="0"/>
+              </a:spcBef>
+              <a:spcAft>
+                <a:spcPts val="0"/>
+              </a:spcAft>
+              <a:defRPr>
+                <a:latin typeface="+mn-lt"/>
+                <a:ea typeface="+mn-ea"/>
+              </a:defRPr>
             </a:lvl1pPr>
           </a:lstStyle>
           <a:p>
-            <a:r>
-              <a:rPr lang="en-US" smtClean="0"/>
-              <a:t>Click to edit Master title style</a:t>
-            </a:r>
-            <a:endParaRPr lang="en-US"/>
-          </a:p>
-        </p:txBody>
-      </p:sp>
-      <p:sp>
-        <p:nvSpPr>
-          <p:cNvPr id="3" name="Picture Placeholder 2"/>
-          <p:cNvSpPr>
-            <a:spLocks noGrp="1"/>
-          </p:cNvSpPr>
-          <p:nvPr>
-            <p:ph type="pic" idx="1"/>
-          </p:nvPr>
-        </p:nvSpPr>
-        <p:spPr>
-          <a:xfrm>
-            <a:off x="1792288" y="612775"/>
-            <a:ext cx="5486400" cy="4114800"/>
-          </a:xfrm>
-        </p:spPr>
-        <p:txBody>
-          <a:bodyPr/>
-          <a:lstStyle>
-            <a:lvl1pPr marL="0" indent="0">
-              <a:buNone/>
-              <a:defRPr sz="3200"/>
-            </a:lvl1pPr>
-            <a:lvl2pPr marL="457200" indent="0">
-              <a:buNone/>
-              <a:defRPr sz="2800"/>
-            </a:lvl2pPr>
-            <a:lvl3pPr marL="914400" indent="0">
-              <a:buNone/>
-              <a:defRPr sz="2400"/>
-            </a:lvl3pPr>
-            <a:lvl4pPr marL="1371600" indent="0">
-              <a:buNone/>
-              <a:defRPr sz="2000"/>
-            </a:lvl4pPr>
-            <a:lvl5pPr marL="1828800" indent="0">
-              <a:buNone/>
-              <a:defRPr sz="2000"/>
-            </a:lvl5pPr>
-            <a:lvl6pPr marL="2286000" indent="0">
-              <a:buNone/>
-              <a:defRPr sz="2000"/>
-            </a:lvl6pPr>
-            <a:lvl7pPr marL="2743200" indent="0">
-              <a:buNone/>
-              <a:defRPr sz="2000"/>
-            </a:lvl7pPr>
-            <a:lvl8pPr marL="3200400" indent="0">
-              <a:buNone/>
-              <a:defRPr sz="2000"/>
-            </a:lvl8pPr>
-            <a:lvl9pPr marL="3657600" indent="0">
-              <a:buNone/>
-              <a:defRPr sz="2000"/>
-            </a:lvl9pPr>
-          </a:lstStyle>
-          <a:p>
-            <a:endParaRPr lang="en-US"/>
-          </a:p>
-        </p:txBody>
-      </p:sp>
-      <p:sp>
-        <p:nvSpPr>
-          <p:cNvPr id="4" name="Text Placeholder 3"/>
-          <p:cNvSpPr>
-            <a:spLocks noGrp="1"/>
-          </p:cNvSpPr>
-          <p:nvPr>
-            <p:ph type="body" sz="half" idx="2"/>
-          </p:nvPr>
-        </p:nvSpPr>
-        <p:spPr>
-          <a:xfrm>
-            <a:off x="1792288" y="5367338"/>
-            <a:ext cx="5486400" cy="804862"/>
-          </a:xfrm>
-        </p:spPr>
-        <p:txBody>
-          <a:bodyPr/>
-          <a:lstStyle>
-            <a:lvl1pPr marL="0" indent="0">
-              <a:buNone/>
-              <a:defRPr sz="1400"/>
-            </a:lvl1pPr>
-            <a:lvl2pPr marL="457200" indent="0">
-              <a:buNone/>
-              <a:defRPr sz="1200"/>
-            </a:lvl2pPr>
-            <a:lvl3pPr marL="914400" indent="0">
-              <a:buNone/>
-              <a:defRPr sz="1000"/>
-            </a:lvl3pPr>
-            <a:lvl4pPr marL="1371600" indent="0">
-              <a:buNone/>
-              <a:defRPr sz="900"/>
-            </a:lvl4pPr>
-            <a:lvl5pPr marL="1828800" indent="0">
-              <a:buNone/>
-              <a:defRPr sz="900"/>
-            </a:lvl5pPr>
-            <a:lvl6pPr marL="2286000" indent="0">
-              <a:buNone/>
-              <a:defRPr sz="900"/>
-            </a:lvl6pPr>
-            <a:lvl7pPr marL="2743200" indent="0">
-              <a:buNone/>
-              <a:defRPr sz="900"/>
-            </a:lvl7pPr>
-            <a:lvl8pPr marL="3200400" indent="0">
-              <a:buNone/>
-              <a:defRPr sz="900"/>
-            </a:lvl8pPr>
-            <a:lvl9pPr marL="3657600" indent="0">
-              <a:buNone/>
-              <a:defRPr sz="900"/>
-            </a:lvl9pPr>
-          </a:lstStyle>
-          <a:p>
-            <a:pPr lvl="0"/>
-            <a:r>
-              <a:rPr lang="en-US" smtClean="0"/>
-              <a:t>Click to edit Master text styles</a:t>
-            </a:r>
-          </a:p>
-        </p:txBody>
-      </p:sp>
-      <p:sp>
-        <p:nvSpPr>
-          <p:cNvPr id="5" name="Date Placeholder 4"/>
-          <p:cNvSpPr>
-            <a:spLocks noGrp="1"/>
-          </p:cNvSpPr>
-          <p:nvPr>
-            <p:ph type="dt" sz="half" idx="10"/>
-          </p:nvPr>
-        </p:nvSpPr>
-        <p:spPr/>
-        <p:txBody>
-          <a:bodyPr/>
-          <a:lstStyle/>
-          <a:p>
-            <a:fld id="{1D8BD707-D9CF-40AE-B4C6-C98DA3205C09}" type="datetimeFigureOut">
-              <a:rPr lang="en-US" smtClean="0"/>
-              <a:pPr/>
-              <a:t>8/5/2015</a:t>
-            </a:fld>
-            <a:endParaRPr lang="en-US"/>
-          </a:p>
-        </p:txBody>
-      </p:sp>
-      <p:sp>
-        <p:nvSpPr>
-          <p:cNvPr id="6" name="Footer Placeholder 5"/>
-          <p:cNvSpPr>
-            <a:spLocks noGrp="1"/>
-          </p:cNvSpPr>
-          <p:nvPr>
-            <p:ph type="ftr" sz="quarter" idx="11"/>
-          </p:nvPr>
-        </p:nvSpPr>
-        <p:spPr/>
-        <p:txBody>
-          <a:bodyPr/>
-          <a:lstStyle/>
-          <a:p>
-            <a:endParaRPr lang="en-US"/>
-          </a:p>
-        </p:txBody>
-      </p:sp>
-      <p:sp>
-        <p:nvSpPr>
-          <p:cNvPr id="7" name="Slide Number Placeholder 6"/>
-          <p:cNvSpPr>
-            <a:spLocks noGrp="1"/>
-          </p:cNvSpPr>
-          <p:nvPr>
-            <p:ph type="sldNum" sz="quarter" idx="12"/>
-          </p:nvPr>
-        </p:nvSpPr>
-        <p:spPr/>
-        <p:txBody>
-          <a:bodyPr/>
-          <a:lstStyle/>
-          <a:p>
-            <a:fld id="{B6F15528-21DE-4FAA-801E-634DDDAF4B2B}" type="slidenum">
-              <a:rPr lang="en-US" smtClean="0"/>
-              <a:pPr/>
-              <a:t>‹#›</a:t>
-            </a:fld>
-            <a:endParaRPr lang="en-US"/>
+            <a:pPr>
+              <a:defRPr/>
+            </a:pPr>
+            <a:r>
+              <a:rPr lang="en-US"/>
+              <a:t>#ITDEVCON</a:t>
+            </a:r>
           </a:p>
         </p:txBody>
       </p:sp>
     </p:spTree>
+    <p:extLst>
+      <p:ext uri="{BB962C8B-B14F-4D97-AF65-F5344CB8AC3E}">
+        <p14:creationId xmlns:p14="http://schemas.microsoft.com/office/powerpoint/2010/main" val="2819729185"/>
+      </p:ext>
+    </p:extLst>
   </p:cSld>
   <p:clrMapOvr>
     <a:masterClrMapping/>
@@ -3210,12 +3869,15 @@
 </file>
 
 <file path=ppt/slideMasters/slideMaster1.xml><?xml version="1.0" encoding="utf-8"?>
-<p:sldMaster xmlns:a="http://schemas.openxmlformats.org/drawingml/2006/main" xmlns:r="http://schemas.openxmlformats.org/officeDocument/2006/relationships" xmlns:p="http://schemas.openxmlformats.org/presentationml/2006/main">
+<p:sldMaster xmlns:a="http://schemas.openxmlformats.org/drawingml/2006/main" xmlns:r="http://schemas.openxmlformats.org/officeDocument/2006/relationships" xmlns:p="http://schemas.openxmlformats.org/presentationml/2006/main" preserve="1">
   <p:cSld>
     <p:bg>
-      <p:bgRef idx="1001">
-        <a:schemeClr val="bg1"/>
-      </p:bgRef>
+      <p:bgPr>
+        <a:solidFill>
+          <a:schemeClr val="bg1"/>
+        </a:solidFill>
+        <a:effectLst/>
+      </p:bgPr>
     </p:bg>
     <p:spTree>
       <p:nvGrpSpPr>
@@ -3233,144 +3895,128 @@
       </p:grpSpPr>
       <p:sp>
         <p:nvSpPr>
-          <p:cNvPr id="2" name="Title Placeholder 1"/>
-          <p:cNvSpPr>
-            <a:spLocks noGrp="1"/>
-          </p:cNvSpPr>
-          <p:nvPr>
-            <p:ph type="title"/>
-          </p:nvPr>
+          <p:cNvPr id="7" name="Rectangle 6"/>
+          <p:cNvSpPr/>
+          <p:nvPr/>
         </p:nvSpPr>
         <p:spPr>
           <a:xfrm>
-            <a:off x="457200" y="274638"/>
-            <a:ext cx="8229600" cy="1143000"/>
+            <a:off x="0" y="0"/>
+            <a:ext cx="9144000" cy="6858000"/>
           </a:xfrm>
           <a:prstGeom prst="rect">
             <a:avLst/>
           </a:prstGeom>
+          <a:gradFill flip="none" rotWithShape="1">
+            <a:gsLst>
+              <a:gs pos="100000">
+                <a:schemeClr val="tx2"/>
+              </a:gs>
+              <a:gs pos="0">
+                <a:srgbClr val="2D7CBB"/>
+              </a:gs>
+            </a:gsLst>
+            <a:path path="circle">
+              <a:fillToRect l="50000" t="50000" r="50000" b="50000"/>
+            </a:path>
+            <a:tileRect/>
+          </a:gradFill>
+          <a:ln>
+            <a:noFill/>
+          </a:ln>
+          <a:effectLst/>
         </p:spPr>
-        <p:txBody>
-          <a:bodyPr vert="horz" lIns="91440" tIns="45720" rIns="91440" bIns="45720" rtlCol="0" anchor="ctr">
-            <a:normAutofit/>
-          </a:bodyPr>
+        <p:style>
+          <a:lnRef idx="1">
+            <a:schemeClr val="accent1"/>
+          </a:lnRef>
+          <a:fillRef idx="3">
+            <a:schemeClr val="accent1"/>
+          </a:fillRef>
+          <a:effectRef idx="2">
+            <a:schemeClr val="accent1"/>
+          </a:effectRef>
+          <a:fontRef idx="minor">
+            <a:schemeClr val="lt1"/>
+          </a:fontRef>
+        </p:style>
+        <p:txBody>
+          <a:bodyPr anchor="ctr"/>
           <a:lstStyle/>
           <a:p>
-            <a:r>
-              <a:rPr lang="en-US" smtClean="0"/>
-              <a:t>Click to edit Master title style</a:t>
-            </a:r>
-            <a:endParaRPr lang="en-US"/>
-          </a:p>
-        </p:txBody>
-      </p:sp>
-      <p:sp>
-        <p:nvSpPr>
-          <p:cNvPr id="3" name="Text Placeholder 2"/>
-          <p:cNvSpPr>
-            <a:spLocks noGrp="1"/>
-          </p:cNvSpPr>
-          <p:nvPr>
-            <p:ph type="body" idx="1"/>
-          </p:nvPr>
+            <a:pPr algn="ctr">
+              <a:defRPr/>
+            </a:pPr>
+            <a:endParaRPr lang="en-US" sz="1800"/>
+          </a:p>
+        </p:txBody>
+      </p:sp>
+      <p:sp>
+        <p:nvSpPr>
+          <p:cNvPr id="13" name="Rectangle 12"/>
+          <p:cNvSpPr/>
+          <p:nvPr/>
         </p:nvSpPr>
         <p:spPr>
           <a:xfrm>
-            <a:off x="457200" y="1600200"/>
-            <a:ext cx="8229600" cy="4525963"/>
+            <a:off x="0" y="5791520"/>
+            <a:ext cx="9144000" cy="1066481"/>
           </a:xfrm>
           <a:prstGeom prst="rect">
             <a:avLst/>
           </a:prstGeom>
+          <a:gradFill flip="none" rotWithShape="1">
+            <a:gsLst>
+              <a:gs pos="0">
+                <a:srgbClr val="FFFFFF"/>
+              </a:gs>
+              <a:gs pos="100000">
+                <a:srgbClr val="C8C8C8"/>
+              </a:gs>
+            </a:gsLst>
+            <a:path path="circle">
+              <a:fillToRect l="50000" t="50000" r="50000" b="50000"/>
+            </a:path>
+            <a:tileRect/>
+          </a:gradFill>
+          <a:ln w="9525" cap="flat" cmpd="sng" algn="ctr">
+            <a:noFill/>
+            <a:prstDash val="solid"/>
+          </a:ln>
+          <a:effectLst>
+            <a:outerShdw blurRad="40000" dist="23000" dir="5400000" rotWithShape="0">
+              <a:srgbClr val="000000">
+                <a:alpha val="35000"/>
+              </a:srgbClr>
+            </a:outerShdw>
+          </a:effectLst>
         </p:spPr>
         <p:txBody>
-          <a:bodyPr vert="horz" lIns="91440" tIns="45720" rIns="91440" bIns="45720" rtlCol="0">
-            <a:normAutofit/>
-          </a:bodyPr>
+          <a:bodyPr anchor="ctr"/>
           <a:lstStyle/>
           <a:p>
-            <a:pPr lvl="0"/>
-            <a:r>
-              <a:rPr lang="en-US" smtClean="0"/>
-              <a:t>Click to edit Master text styles</a:t>
-            </a:r>
-          </a:p>
-          <a:p>
-            <a:pPr lvl="1"/>
-            <a:r>
-              <a:rPr lang="en-US" smtClean="0"/>
-              <a:t>Second level</a:t>
-            </a:r>
-          </a:p>
-          <a:p>
-            <a:pPr lvl="2"/>
-            <a:r>
-              <a:rPr lang="en-US" smtClean="0"/>
-              <a:t>Third level</a:t>
-            </a:r>
-          </a:p>
-          <a:p>
-            <a:pPr lvl="3"/>
-            <a:r>
-              <a:rPr lang="en-US" smtClean="0"/>
-              <a:t>Fourth level</a:t>
-            </a:r>
-          </a:p>
-          <a:p>
-            <a:pPr lvl="4"/>
-            <a:r>
-              <a:rPr lang="en-US" smtClean="0"/>
-              <a:t>Fifth level</a:t>
-            </a:r>
-            <a:endParaRPr lang="en-US"/>
-          </a:p>
-        </p:txBody>
-      </p:sp>
-      <p:sp>
-        <p:nvSpPr>
-          <p:cNvPr id="4" name="Date Placeholder 3"/>
-          <p:cNvSpPr>
-            <a:spLocks noGrp="1"/>
-          </p:cNvSpPr>
-          <p:nvPr>
-            <p:ph type="dt" sz="half" idx="2"/>
-          </p:nvPr>
-        </p:nvSpPr>
-        <p:spPr>
-          <a:xfrm>
-            <a:off x="457200" y="6356350"/>
-            <a:ext cx="2133600" cy="365125"/>
-          </a:xfrm>
-          <a:prstGeom prst="rect">
-            <a:avLst/>
-          </a:prstGeom>
-        </p:spPr>
-        <p:txBody>
-          <a:bodyPr vert="horz" lIns="91440" tIns="45720" rIns="91440" bIns="45720" rtlCol="0" anchor="ctr"/>
-          <a:lstStyle>
-            <a:lvl1pPr algn="l">
-              <a:defRPr sz="1200">
-                <a:solidFill>
-                  <a:schemeClr val="tx1">
-                    <a:tint val="75000"/>
-                  </a:schemeClr>
-                </a:solidFill>
-              </a:defRPr>
-            </a:lvl1pPr>
-          </a:lstStyle>
-          <a:p>
-            <a:fld id="{1D8BD707-D9CF-40AE-B4C6-C98DA3205C09}" type="datetimeFigureOut">
-              <a:rPr lang="en-US" smtClean="0"/>
-              <a:pPr/>
-              <a:t>8/5/2015</a:t>
-            </a:fld>
-            <a:endParaRPr lang="en-US"/>
-          </a:p>
-        </p:txBody>
-      </p:sp>
-      <p:sp>
-        <p:nvSpPr>
-          <p:cNvPr id="5" name="Footer Placeholder 4"/>
+            <a:pPr algn="ctr" defTabSz="914400" fontAlgn="auto">
+              <a:spcBef>
+                <a:spcPts val="0"/>
+              </a:spcBef>
+              <a:spcAft>
+                <a:spcPts val="0"/>
+              </a:spcAft>
+              <a:defRPr/>
+            </a:pPr>
+            <a:endParaRPr lang="en-US" sz="1800" kern="0">
+              <a:solidFill>
+                <a:srgbClr val="CECFCD"/>
+              </a:solidFill>
+              <a:latin typeface="Century Gothic"/>
+              <a:ea typeface="+mn-ea"/>
+            </a:endParaRPr>
+          </a:p>
+        </p:txBody>
+      </p:sp>
+      <p:sp>
+        <p:nvSpPr>
+          <p:cNvPr id="4104" name="Footer Placeholder 4"/>
           <p:cNvSpPr>
             <a:spLocks noGrp="1"/>
           </p:cNvSpPr>
@@ -3378,24 +4024,49 @@
             <p:ph type="ftr" sz="quarter" idx="3"/>
           </p:nvPr>
         </p:nvSpPr>
-        <p:spPr>
+        <p:spPr bwMode="auto">
           <a:xfrm>
-            <a:off x="3124200" y="6356350"/>
-            <a:ext cx="2895600" cy="365125"/>
+            <a:off x="533400" y="6189133"/>
+            <a:ext cx="5811838" cy="364067"/>
           </a:xfrm>
           <a:prstGeom prst="rect">
             <a:avLst/>
           </a:prstGeom>
+          <a:noFill/>
+          <a:ln>
+            <a:noFill/>
+          </a:ln>
+          <a:extLst>
+            <a:ext uri="{909E8E84-426E-40DD-AFC4-6F175D3DCCD1}">
+              <a14:hiddenFill xmlns:a14="http://schemas.microsoft.com/office/drawing/2010/main">
+                <a:solidFill>
+                  <a:srgbClr val="FFFFFF"/>
+                </a:solidFill>
+              </a14:hiddenFill>
+            </a:ext>
+            <a:ext uri="{91240B29-F687-4F45-9708-019B960494DF}">
+              <a14:hiddenLine xmlns:a14="http://schemas.microsoft.com/office/drawing/2010/main" w="9525">
+                <a:solidFill>
+                  <a:srgbClr val="000000"/>
+                </a:solidFill>
+                <a:miter lim="800000"/>
+                <a:headEnd/>
+                <a:tailEnd/>
+              </a14:hiddenLine>
+            </a:ext>
+          </a:extLst>
         </p:spPr>
         <p:txBody>
-          <a:bodyPr vert="horz" lIns="91440" tIns="45720" rIns="91440" bIns="45720" rtlCol="0" anchor="ctr"/>
+          <a:bodyPr vert="horz" wrap="square" lIns="91440" tIns="45720" rIns="91440" bIns="45720" numCol="1" anchor="t" anchorCtr="0" compatLnSpc="1">
+            <a:prstTxWarp prst="textNoShape">
+              <a:avLst/>
+            </a:prstTxWarp>
+          </a:bodyPr>
           <a:lstStyle>
-            <a:lvl1pPr algn="ctr">
-              <a:defRPr sz="1200">
+            <a:lvl1pPr defTabSz="914400">
+              <a:defRPr sz="1000" b="1" smtClean="0">
                 <a:solidFill>
-                  <a:schemeClr val="tx1">
-                    <a:tint val="75000"/>
-                  </a:schemeClr>
+                  <a:srgbClr val="649840"/>
                 </a:solidFill>
               </a:defRPr>
             </a:lvl1pPr>
@@ -3405,163 +4076,310 @@
           </a:p>
         </p:txBody>
       </p:sp>
-      <p:sp>
-        <p:nvSpPr>
-          <p:cNvPr id="6" name="Slide Number Placeholder 5"/>
-          <p:cNvSpPr>
-            <a:spLocks noGrp="1"/>
-          </p:cNvSpPr>
-          <p:nvPr>
-            <p:ph type="sldNum" sz="quarter" idx="4"/>
-          </p:nvPr>
-        </p:nvSpPr>
-        <p:spPr>
+      <p:pic>
+        <p:nvPicPr>
+          <p:cNvPr id="2057" name="Picture 10" descr="ITnDevConnections_RGB_Dark-Gray.png"/>
+          <p:cNvPicPr>
+            <a:picLocks noChangeAspect="1"/>
+          </p:cNvPicPr>
+          <p:nvPr/>
+        </p:nvPicPr>
+        <p:blipFill>
+          <a:blip r:embed="rId7">
+            <a:extLst>
+              <a:ext uri="{28A0092B-C50C-407E-A947-70E740481C1C}">
+                <a14:useLocalDpi xmlns:a14="http://schemas.microsoft.com/office/drawing/2010/main" val="0"/>
+              </a:ext>
+            </a:extLst>
+          </a:blip>
+          <a:srcRect/>
+          <a:stretch>
+            <a:fillRect/>
+          </a:stretch>
+        </p:blipFill>
+        <p:spPr bwMode="auto">
           <a:xfrm>
-            <a:off x="6553200" y="6356350"/>
-            <a:ext cx="2133600" cy="365125"/>
+            <a:off x="7073900" y="5888567"/>
+            <a:ext cx="1830388" cy="880533"/>
           </a:xfrm>
           <a:prstGeom prst="rect">
             <a:avLst/>
           </a:prstGeom>
+          <a:noFill/>
+          <a:ln>
+            <a:noFill/>
+          </a:ln>
+          <a:extLst>
+            <a:ext uri="{909E8E84-426E-40DD-AFC4-6F175D3DCCD1}">
+              <a14:hiddenFill xmlns:a14="http://schemas.microsoft.com/office/drawing/2010/main">
+                <a:solidFill>
+                  <a:srgbClr val="FFFFFF"/>
+                </a:solidFill>
+              </a14:hiddenFill>
+            </a:ext>
+            <a:ext uri="{91240B29-F687-4F45-9708-019B960494DF}">
+              <a14:hiddenLine xmlns:a14="http://schemas.microsoft.com/office/drawing/2010/main" w="9525">
+                <a:solidFill>
+                  <a:srgbClr val="000000"/>
+                </a:solidFill>
+                <a:miter lim="800000"/>
+                <a:headEnd/>
+                <a:tailEnd/>
+              </a14:hiddenLine>
+            </a:ext>
+          </a:extLst>
         </p:spPr>
-        <p:txBody>
-          <a:bodyPr vert="horz" lIns="91440" tIns="45720" rIns="91440" bIns="45720" rtlCol="0" anchor="ctr"/>
-          <a:lstStyle>
-            <a:lvl1pPr algn="r">
-              <a:defRPr sz="1200">
-                <a:solidFill>
-                  <a:schemeClr val="tx1">
-                    <a:tint val="75000"/>
-                  </a:schemeClr>
-                </a:solidFill>
-              </a:defRPr>
-            </a:lvl1pPr>
-          </a:lstStyle>
-          <a:p>
-            <a:fld id="{B6F15528-21DE-4FAA-801E-634DDDAF4B2B}" type="slidenum">
-              <a:rPr lang="en-US" smtClean="0"/>
-              <a:pPr/>
-              <a:t>‹#›</a:t>
-            </a:fld>
-            <a:endParaRPr lang="en-US"/>
-          </a:p>
-        </p:txBody>
-      </p:sp>
+      </p:pic>
     </p:spTree>
+    <p:extLst>
+      <p:ext uri="{BB962C8B-B14F-4D97-AF65-F5344CB8AC3E}">
+        <p14:creationId xmlns:p14="http://schemas.microsoft.com/office/powerpoint/2010/main" val="4263977543"/>
+      </p:ext>
+    </p:extLst>
   </p:cSld>
   <p:clrMap bg1="lt1" tx1="dk1" bg2="lt2" tx2="dk2" accent1="accent1" accent2="accent2" accent3="accent3" accent4="accent4" accent5="accent5" accent6="accent6" hlink="hlink" folHlink="folHlink"/>
   <p:sldLayoutIdLst>
-    <p:sldLayoutId id="2147483649" r:id="rId1"/>
-    <p:sldLayoutId id="2147483650" r:id="rId2"/>
-    <p:sldLayoutId id="2147483651" r:id="rId3"/>
-    <p:sldLayoutId id="2147483652" r:id="rId4"/>
-    <p:sldLayoutId id="2147483653" r:id="rId5"/>
-    <p:sldLayoutId id="2147483654" r:id="rId6"/>
-    <p:sldLayoutId id="2147483655" r:id="rId7"/>
-    <p:sldLayoutId id="2147483656" r:id="rId8"/>
-    <p:sldLayoutId id="2147483657" r:id="rId9"/>
-    <p:sldLayoutId id="2147483658" r:id="rId10"/>
-    <p:sldLayoutId id="2147483659" r:id="rId11"/>
-    <p:sldLayoutId id="2147483660" r:id="rId12"/>
+    <p:sldLayoutId id="2147483662" r:id="rId1"/>
+    <p:sldLayoutId id="2147483663" r:id="rId2"/>
+    <p:sldLayoutId id="2147483664" r:id="rId3"/>
+    <p:sldLayoutId id="2147483665" r:id="rId4"/>
+    <p:sldLayoutId id="2147483666" r:id="rId5"/>
   </p:sldLayoutIdLst>
   <p:txStyles>
     <p:titleStyle>
-      <a:lvl1pPr algn="ctr" defTabSz="914400" rtl="0" eaLnBrk="1" latinLnBrk="0" hangingPunct="1">
+      <a:lvl1pPr algn="ctr" defTabSz="457200" rtl="0" eaLnBrk="1" fontAlgn="base" hangingPunct="1">
         <a:spcBef>
           <a:spcPct val="0"/>
         </a:spcBef>
-        <a:buNone/>
+        <a:spcAft>
+          <a:spcPct val="0"/>
+        </a:spcAft>
         <a:defRPr sz="4400" kern="1200">
           <a:solidFill>
             <a:schemeClr val="tx1"/>
           </a:solidFill>
           <a:latin typeface="+mj-lt"/>
-          <a:ea typeface="+mj-ea"/>
+          <a:ea typeface="MS PGothic" pitchFamily="34" charset="-128"/>
           <a:cs typeface="+mj-cs"/>
         </a:defRPr>
       </a:lvl1pPr>
+      <a:lvl2pPr algn="ctr" defTabSz="457200" rtl="0" eaLnBrk="1" fontAlgn="base" hangingPunct="1">
+        <a:spcBef>
+          <a:spcPct val="0"/>
+        </a:spcBef>
+        <a:spcAft>
+          <a:spcPct val="0"/>
+        </a:spcAft>
+        <a:defRPr sz="4400">
+          <a:solidFill>
+            <a:schemeClr val="tx1"/>
+          </a:solidFill>
+          <a:latin typeface="Calibri" pitchFamily="34" charset="0"/>
+          <a:ea typeface="MS PGothic" pitchFamily="34" charset="-128"/>
+        </a:defRPr>
+      </a:lvl2pPr>
+      <a:lvl3pPr algn="ctr" defTabSz="457200" rtl="0" eaLnBrk="1" fontAlgn="base" hangingPunct="1">
+        <a:spcBef>
+          <a:spcPct val="0"/>
+        </a:spcBef>
+        <a:spcAft>
+          <a:spcPct val="0"/>
+        </a:spcAft>
+        <a:defRPr sz="4400">
+          <a:solidFill>
+            <a:schemeClr val="tx1"/>
+          </a:solidFill>
+          <a:latin typeface="Calibri" pitchFamily="34" charset="0"/>
+          <a:ea typeface="MS PGothic" pitchFamily="34" charset="-128"/>
+        </a:defRPr>
+      </a:lvl3pPr>
+      <a:lvl4pPr algn="ctr" defTabSz="457200" rtl="0" eaLnBrk="1" fontAlgn="base" hangingPunct="1">
+        <a:spcBef>
+          <a:spcPct val="0"/>
+        </a:spcBef>
+        <a:spcAft>
+          <a:spcPct val="0"/>
+        </a:spcAft>
+        <a:defRPr sz="4400">
+          <a:solidFill>
+            <a:schemeClr val="tx1"/>
+          </a:solidFill>
+          <a:latin typeface="Calibri" pitchFamily="34" charset="0"/>
+          <a:ea typeface="MS PGothic" pitchFamily="34" charset="-128"/>
+        </a:defRPr>
+      </a:lvl4pPr>
+      <a:lvl5pPr algn="ctr" defTabSz="457200" rtl="0" eaLnBrk="1" fontAlgn="base" hangingPunct="1">
+        <a:spcBef>
+          <a:spcPct val="0"/>
+        </a:spcBef>
+        <a:spcAft>
+          <a:spcPct val="0"/>
+        </a:spcAft>
+        <a:defRPr sz="4400">
+          <a:solidFill>
+            <a:schemeClr val="tx1"/>
+          </a:solidFill>
+          <a:latin typeface="Calibri" pitchFamily="34" charset="0"/>
+          <a:ea typeface="MS PGothic" pitchFamily="34" charset="-128"/>
+        </a:defRPr>
+      </a:lvl5pPr>
+      <a:lvl6pPr marL="457200" algn="ctr" defTabSz="457200" rtl="0" eaLnBrk="1" fontAlgn="base" hangingPunct="1">
+        <a:spcBef>
+          <a:spcPct val="0"/>
+        </a:spcBef>
+        <a:spcAft>
+          <a:spcPct val="0"/>
+        </a:spcAft>
+        <a:defRPr sz="4400">
+          <a:solidFill>
+            <a:schemeClr val="tx1"/>
+          </a:solidFill>
+          <a:latin typeface="Calibri" pitchFamily="34" charset="0"/>
+          <a:ea typeface="MS PGothic" pitchFamily="34" charset="-128"/>
+        </a:defRPr>
+      </a:lvl6pPr>
+      <a:lvl7pPr marL="914400" algn="ctr" defTabSz="457200" rtl="0" eaLnBrk="1" fontAlgn="base" hangingPunct="1">
+        <a:spcBef>
+          <a:spcPct val="0"/>
+        </a:spcBef>
+        <a:spcAft>
+          <a:spcPct val="0"/>
+        </a:spcAft>
+        <a:defRPr sz="4400">
+          <a:solidFill>
+            <a:schemeClr val="tx1"/>
+          </a:solidFill>
+          <a:latin typeface="Calibri" pitchFamily="34" charset="0"/>
+          <a:ea typeface="MS PGothic" pitchFamily="34" charset="-128"/>
+        </a:defRPr>
+      </a:lvl7pPr>
+      <a:lvl8pPr marL="1371600" algn="ctr" defTabSz="457200" rtl="0" eaLnBrk="1" fontAlgn="base" hangingPunct="1">
+        <a:spcBef>
+          <a:spcPct val="0"/>
+        </a:spcBef>
+        <a:spcAft>
+          <a:spcPct val="0"/>
+        </a:spcAft>
+        <a:defRPr sz="4400">
+          <a:solidFill>
+            <a:schemeClr val="tx1"/>
+          </a:solidFill>
+          <a:latin typeface="Calibri" pitchFamily="34" charset="0"/>
+          <a:ea typeface="MS PGothic" pitchFamily="34" charset="-128"/>
+        </a:defRPr>
+      </a:lvl8pPr>
+      <a:lvl9pPr marL="1828800" algn="ctr" defTabSz="457200" rtl="0" eaLnBrk="1" fontAlgn="base" hangingPunct="1">
+        <a:spcBef>
+          <a:spcPct val="0"/>
+        </a:spcBef>
+        <a:spcAft>
+          <a:spcPct val="0"/>
+        </a:spcAft>
+        <a:defRPr sz="4400">
+          <a:solidFill>
+            <a:schemeClr val="tx1"/>
+          </a:solidFill>
+          <a:latin typeface="Calibri" pitchFamily="34" charset="0"/>
+          <a:ea typeface="MS PGothic" pitchFamily="34" charset="-128"/>
+        </a:defRPr>
+      </a:lvl9pPr>
     </p:titleStyle>
     <p:bodyStyle>
-      <a:lvl1pPr marL="342900" indent="-342900" algn="l" defTabSz="914400" rtl="0" eaLnBrk="1" latinLnBrk="0" hangingPunct="1">
+      <a:lvl1pPr marL="342900" indent="-342900" algn="l" defTabSz="457200" rtl="0" eaLnBrk="1" fontAlgn="base" hangingPunct="1">
         <a:spcBef>
           <a:spcPct val="20000"/>
         </a:spcBef>
-        <a:buFont typeface="Arial" pitchFamily="34" charset="0"/>
+        <a:spcAft>
+          <a:spcPct val="0"/>
+        </a:spcAft>
+        <a:buFont typeface="Arial" panose="020B0604020202020204" pitchFamily="34" charset="0"/>
         <a:buChar char="•"/>
         <a:defRPr sz="3200" kern="1200">
           <a:solidFill>
             <a:schemeClr val="tx1"/>
           </a:solidFill>
           <a:latin typeface="+mn-lt"/>
-          <a:ea typeface="+mn-ea"/>
+          <a:ea typeface="MS PGothic" pitchFamily="34" charset="-128"/>
           <a:cs typeface="+mn-cs"/>
         </a:defRPr>
       </a:lvl1pPr>
-      <a:lvl2pPr marL="742950" indent="-285750" algn="l" defTabSz="914400" rtl="0" eaLnBrk="1" latinLnBrk="0" hangingPunct="1">
+      <a:lvl2pPr marL="742950" indent="-285750" algn="l" defTabSz="457200" rtl="0" eaLnBrk="1" fontAlgn="base" hangingPunct="1">
         <a:spcBef>
           <a:spcPct val="20000"/>
         </a:spcBef>
-        <a:buFont typeface="Arial" pitchFamily="34" charset="0"/>
+        <a:spcAft>
+          <a:spcPct val="0"/>
+        </a:spcAft>
+        <a:buFont typeface="Arial" panose="020B0604020202020204" pitchFamily="34" charset="0"/>
         <a:buChar char="–"/>
         <a:defRPr sz="2800" kern="1200">
           <a:solidFill>
             <a:schemeClr val="tx1"/>
           </a:solidFill>
           <a:latin typeface="+mn-lt"/>
-          <a:ea typeface="+mn-ea"/>
+          <a:ea typeface="MS PGothic" pitchFamily="34" charset="-128"/>
           <a:cs typeface="+mn-cs"/>
         </a:defRPr>
       </a:lvl2pPr>
-      <a:lvl3pPr marL="1143000" indent="-228600" algn="l" defTabSz="914400" rtl="0" eaLnBrk="1" latinLnBrk="0" hangingPunct="1">
+      <a:lvl3pPr marL="1143000" indent="-228600" algn="l" defTabSz="457200" rtl="0" eaLnBrk="1" fontAlgn="base" hangingPunct="1">
         <a:spcBef>
           <a:spcPct val="20000"/>
         </a:spcBef>
-        <a:buFont typeface="Arial" pitchFamily="34" charset="0"/>
+        <a:spcAft>
+          <a:spcPct val="0"/>
+        </a:spcAft>
+        <a:buFont typeface="Arial" panose="020B0604020202020204" pitchFamily="34" charset="0"/>
         <a:buChar char="•"/>
         <a:defRPr sz="2400" kern="1200">
           <a:solidFill>
             <a:schemeClr val="tx1"/>
           </a:solidFill>
           <a:latin typeface="+mn-lt"/>
-          <a:ea typeface="+mn-ea"/>
+          <a:ea typeface="MS PGothic" pitchFamily="34" charset="-128"/>
           <a:cs typeface="+mn-cs"/>
         </a:defRPr>
       </a:lvl3pPr>
-      <a:lvl4pPr marL="1600200" indent="-228600" algn="l" defTabSz="914400" rtl="0" eaLnBrk="1" latinLnBrk="0" hangingPunct="1">
+      <a:lvl4pPr marL="1600200" indent="-228600" algn="l" defTabSz="457200" rtl="0" eaLnBrk="1" fontAlgn="base" hangingPunct="1">
         <a:spcBef>
           <a:spcPct val="20000"/>
         </a:spcBef>
-        <a:buFont typeface="Arial" pitchFamily="34" charset="0"/>
+        <a:spcAft>
+          <a:spcPct val="0"/>
+        </a:spcAft>
+        <a:buFont typeface="Arial" panose="020B0604020202020204" pitchFamily="34" charset="0"/>
         <a:buChar char="–"/>
         <a:defRPr sz="2000" kern="1200">
           <a:solidFill>
             <a:schemeClr val="tx1"/>
           </a:solidFill>
           <a:latin typeface="+mn-lt"/>
-          <a:ea typeface="+mn-ea"/>
+          <a:ea typeface="MS PGothic" pitchFamily="34" charset="-128"/>
           <a:cs typeface="+mn-cs"/>
         </a:defRPr>
       </a:lvl4pPr>
-      <a:lvl5pPr marL="2057400" indent="-228600" algn="l" defTabSz="914400" rtl="0" eaLnBrk="1" latinLnBrk="0" hangingPunct="1">
+      <a:lvl5pPr marL="2057400" indent="-228600" algn="l" defTabSz="457200" rtl="0" eaLnBrk="1" fontAlgn="base" hangingPunct="1">
         <a:spcBef>
           <a:spcPct val="20000"/>
         </a:spcBef>
-        <a:buFont typeface="Arial" pitchFamily="34" charset="0"/>
+        <a:spcAft>
+          <a:spcPct val="0"/>
+        </a:spcAft>
+        <a:buFont typeface="Arial" panose="020B0604020202020204" pitchFamily="34" charset="0"/>
         <a:buChar char="»"/>
         <a:defRPr sz="2000" kern="1200">
           <a:solidFill>
             <a:schemeClr val="tx1"/>
           </a:solidFill>
           <a:latin typeface="+mn-lt"/>
-          <a:ea typeface="+mn-ea"/>
+          <a:ea typeface="MS PGothic" pitchFamily="34" charset="-128"/>
           <a:cs typeface="+mn-cs"/>
         </a:defRPr>
       </a:lvl5pPr>
-      <a:lvl6pPr marL="2514600" indent="-228600" algn="l" defTabSz="914400" rtl="0" eaLnBrk="1" latinLnBrk="0" hangingPunct="1">
+      <a:lvl6pPr marL="2514600" indent="-228600" algn="l" defTabSz="457200" rtl="0" eaLnBrk="1" latinLnBrk="0" hangingPunct="1">
         <a:spcBef>
           <a:spcPct val="20000"/>
         </a:spcBef>
-        <a:buFont typeface="Arial" pitchFamily="34" charset="0"/>
+        <a:buFont typeface="Arial"/>
         <a:buChar char="•"/>
         <a:defRPr sz="2000" kern="1200">
           <a:solidFill>
@@ -3572,11 +4390,11 @@
           <a:cs typeface="+mn-cs"/>
         </a:defRPr>
       </a:lvl6pPr>
-      <a:lvl7pPr marL="2971800" indent="-228600" algn="l" defTabSz="914400" rtl="0" eaLnBrk="1" latinLnBrk="0" hangingPunct="1">
+      <a:lvl7pPr marL="2971800" indent="-228600" algn="l" defTabSz="457200" rtl="0" eaLnBrk="1" latinLnBrk="0" hangingPunct="1">
         <a:spcBef>
           <a:spcPct val="20000"/>
         </a:spcBef>
-        <a:buFont typeface="Arial" pitchFamily="34" charset="0"/>
+        <a:buFont typeface="Arial"/>
         <a:buChar char="•"/>
         <a:defRPr sz="2000" kern="1200">
           <a:solidFill>
@@ -3587,11 +4405,11 @@
           <a:cs typeface="+mn-cs"/>
         </a:defRPr>
       </a:lvl7pPr>
-      <a:lvl8pPr marL="3429000" indent="-228600" algn="l" defTabSz="914400" rtl="0" eaLnBrk="1" latinLnBrk="0" hangingPunct="1">
+      <a:lvl8pPr marL="3429000" indent="-228600" algn="l" defTabSz="457200" rtl="0" eaLnBrk="1" latinLnBrk="0" hangingPunct="1">
         <a:spcBef>
           <a:spcPct val="20000"/>
         </a:spcBef>
-        <a:buFont typeface="Arial" pitchFamily="34" charset="0"/>
+        <a:buFont typeface="Arial"/>
         <a:buChar char="•"/>
         <a:defRPr sz="2000" kern="1200">
           <a:solidFill>
@@ -3602,11 +4420,11 @@
           <a:cs typeface="+mn-cs"/>
         </a:defRPr>
       </a:lvl8pPr>
-      <a:lvl9pPr marL="3886200" indent="-228600" algn="l" defTabSz="914400" rtl="0" eaLnBrk="1" latinLnBrk="0" hangingPunct="1">
+      <a:lvl9pPr marL="3886200" indent="-228600" algn="l" defTabSz="457200" rtl="0" eaLnBrk="1" latinLnBrk="0" hangingPunct="1">
         <a:spcBef>
           <a:spcPct val="20000"/>
         </a:spcBef>
-        <a:buFont typeface="Arial" pitchFamily="34" charset="0"/>
+        <a:buFont typeface="Arial"/>
         <a:buChar char="•"/>
         <a:defRPr sz="2000" kern="1200">
           <a:solidFill>
@@ -3622,7 +4440,7 @@
       <a:defPPr>
         <a:defRPr lang="en-US"/>
       </a:defPPr>
-      <a:lvl1pPr marL="0" algn="l" defTabSz="914400" rtl="0" eaLnBrk="1" latinLnBrk="0" hangingPunct="1">
+      <a:lvl1pPr marL="0" algn="l" defTabSz="457200" rtl="0" eaLnBrk="1" latinLnBrk="0" hangingPunct="1">
         <a:defRPr sz="1800" kern="1200">
           <a:solidFill>
             <a:schemeClr val="tx1"/>
@@ -3632,7 +4450,7 @@
           <a:cs typeface="+mn-cs"/>
         </a:defRPr>
       </a:lvl1pPr>
-      <a:lvl2pPr marL="457200" algn="l" defTabSz="914400" rtl="0" eaLnBrk="1" latinLnBrk="0" hangingPunct="1">
+      <a:lvl2pPr marL="457200" algn="l" defTabSz="457200" rtl="0" eaLnBrk="1" latinLnBrk="0" hangingPunct="1">
         <a:defRPr sz="1800" kern="1200">
           <a:solidFill>
             <a:schemeClr val="tx1"/>
@@ -3642,7 +4460,7 @@
           <a:cs typeface="+mn-cs"/>
         </a:defRPr>
       </a:lvl2pPr>
-      <a:lvl3pPr marL="914400" algn="l" defTabSz="914400" rtl="0" eaLnBrk="1" latinLnBrk="0" hangingPunct="1">
+      <a:lvl3pPr marL="914400" algn="l" defTabSz="457200" rtl="0" eaLnBrk="1" latinLnBrk="0" hangingPunct="1">
         <a:defRPr sz="1800" kern="1200">
           <a:solidFill>
             <a:schemeClr val="tx1"/>
@@ -3652,7 +4470,7 @@
           <a:cs typeface="+mn-cs"/>
         </a:defRPr>
       </a:lvl3pPr>
-      <a:lvl4pPr marL="1371600" algn="l" defTabSz="914400" rtl="0" eaLnBrk="1" latinLnBrk="0" hangingPunct="1">
+      <a:lvl4pPr marL="1371600" algn="l" defTabSz="457200" rtl="0" eaLnBrk="1" latinLnBrk="0" hangingPunct="1">
         <a:defRPr sz="1800" kern="1200">
           <a:solidFill>
             <a:schemeClr val="tx1"/>
@@ -3662,7 +4480,7 @@
           <a:cs typeface="+mn-cs"/>
         </a:defRPr>
       </a:lvl4pPr>
-      <a:lvl5pPr marL="1828800" algn="l" defTabSz="914400" rtl="0" eaLnBrk="1" latinLnBrk="0" hangingPunct="1">
+      <a:lvl5pPr marL="1828800" algn="l" defTabSz="457200" rtl="0" eaLnBrk="1" latinLnBrk="0" hangingPunct="1">
         <a:defRPr sz="1800" kern="1200">
           <a:solidFill>
             <a:schemeClr val="tx1"/>
@@ -3672,7 +4490,7 @@
           <a:cs typeface="+mn-cs"/>
         </a:defRPr>
       </a:lvl5pPr>
-      <a:lvl6pPr marL="2286000" algn="l" defTabSz="914400" rtl="0" eaLnBrk="1" latinLnBrk="0" hangingPunct="1">
+      <a:lvl6pPr marL="2286000" algn="l" defTabSz="457200" rtl="0" eaLnBrk="1" latinLnBrk="0" hangingPunct="1">
         <a:defRPr sz="1800" kern="1200">
           <a:solidFill>
             <a:schemeClr val="tx1"/>
@@ -3682,7 +4500,7 @@
           <a:cs typeface="+mn-cs"/>
         </a:defRPr>
       </a:lvl6pPr>
-      <a:lvl7pPr marL="2743200" algn="l" defTabSz="914400" rtl="0" eaLnBrk="1" latinLnBrk="0" hangingPunct="1">
+      <a:lvl7pPr marL="2743200" algn="l" defTabSz="457200" rtl="0" eaLnBrk="1" latinLnBrk="0" hangingPunct="1">
         <a:defRPr sz="1800" kern="1200">
           <a:solidFill>
             <a:schemeClr val="tx1"/>
@@ -3692,7 +4510,7 @@
           <a:cs typeface="+mn-cs"/>
         </a:defRPr>
       </a:lvl7pPr>
-      <a:lvl8pPr marL="3200400" algn="l" defTabSz="914400" rtl="0" eaLnBrk="1" latinLnBrk="0" hangingPunct="1">
+      <a:lvl8pPr marL="3200400" algn="l" defTabSz="457200" rtl="0" eaLnBrk="1" latinLnBrk="0" hangingPunct="1">
         <a:defRPr sz="1800" kern="1200">
           <a:solidFill>
             <a:schemeClr val="tx1"/>
@@ -3702,7 +4520,2838 @@
           <a:cs typeface="+mn-cs"/>
         </a:defRPr>
       </a:lvl8pPr>
-      <a:lvl9pPr marL="3657600" algn="l" defTabSz="914400" rtl="0" eaLnBrk="1" latinLnBrk="0" hangingPunct="1">
+      <a:lvl9pPr marL="3657600" algn="l" defTabSz="457200" rtl="0" eaLnBrk="1" latinLnBrk="0" hangingPunct="1">
+        <a:defRPr sz="1800" kern="1200">
+          <a:solidFill>
+            <a:schemeClr val="tx1"/>
+          </a:solidFill>
+          <a:latin typeface="+mn-lt"/>
+          <a:ea typeface="+mn-ea"/>
+          <a:cs typeface="+mn-cs"/>
+        </a:defRPr>
+      </a:lvl9pPr>
+    </p:otherStyle>
+  </p:txStyles>
+</p:sldMaster>
+</file>
+
+<file path=ppt/slideMasters/slideMaster2.xml><?xml version="1.0" encoding="utf-8"?>
+<p:sldMaster xmlns:a="http://schemas.openxmlformats.org/drawingml/2006/main" xmlns:r="http://schemas.openxmlformats.org/officeDocument/2006/relationships" xmlns:p="http://schemas.openxmlformats.org/presentationml/2006/main" preserve="1">
+  <p:cSld>
+    <p:bg>
+      <p:bgPr>
+        <a:solidFill>
+          <a:schemeClr val="bg1"/>
+        </a:solidFill>
+        <a:effectLst/>
+      </p:bgPr>
+    </p:bg>
+    <p:spTree>
+      <p:nvGrpSpPr>
+        <p:cNvPr id="1" name=""/>
+        <p:cNvGrpSpPr/>
+        <p:nvPr/>
+      </p:nvGrpSpPr>
+      <p:grpSpPr>
+        <a:xfrm>
+          <a:off x="0" y="0"/>
+          <a:ext cx="0" cy="0"/>
+          <a:chOff x="0" y="0"/>
+          <a:chExt cx="0" cy="0"/>
+        </a:xfrm>
+      </p:grpSpPr>
+      <p:sp>
+        <p:nvSpPr>
+          <p:cNvPr id="11" name="Rectangle 10"/>
+          <p:cNvSpPr/>
+          <p:nvPr/>
+        </p:nvSpPr>
+        <p:spPr>
+          <a:xfrm>
+            <a:off x="0" y="0"/>
+            <a:ext cx="9144000" cy="6858000"/>
+          </a:xfrm>
+          <a:prstGeom prst="rect">
+            <a:avLst/>
+          </a:prstGeom>
+          <a:gradFill flip="none" rotWithShape="1">
+            <a:gsLst>
+              <a:gs pos="0">
+                <a:srgbClr val="FFFFFF"/>
+              </a:gs>
+              <a:gs pos="100000">
+                <a:schemeClr val="accent3"/>
+              </a:gs>
+            </a:gsLst>
+            <a:path path="circle">
+              <a:fillToRect l="50000" t="50000" r="50000" b="50000"/>
+            </a:path>
+            <a:tileRect/>
+          </a:gradFill>
+          <a:ln>
+            <a:noFill/>
+          </a:ln>
+          <a:effectLst/>
+        </p:spPr>
+        <p:style>
+          <a:lnRef idx="1">
+            <a:schemeClr val="accent1"/>
+          </a:lnRef>
+          <a:fillRef idx="3">
+            <a:schemeClr val="accent1"/>
+          </a:fillRef>
+          <a:effectRef idx="2">
+            <a:schemeClr val="accent1"/>
+          </a:effectRef>
+          <a:fontRef idx="minor">
+            <a:schemeClr val="lt1"/>
+          </a:fontRef>
+        </p:style>
+        <p:txBody>
+          <a:bodyPr anchor="ctr"/>
+          <a:lstStyle/>
+          <a:p>
+            <a:pPr algn="ctr">
+              <a:defRPr/>
+            </a:pPr>
+            <a:endParaRPr lang="en-US" sz="1800"/>
+          </a:p>
+        </p:txBody>
+      </p:sp>
+      <p:pic>
+        <p:nvPicPr>
+          <p:cNvPr id="1029" name="Picture 6" descr="ITnDevConnections_RGB_Dark-Gray.png"/>
+          <p:cNvPicPr>
+            <a:picLocks noChangeAspect="1"/>
+          </p:cNvPicPr>
+          <p:nvPr/>
+        </p:nvPicPr>
+        <p:blipFill>
+          <a:blip r:embed="rId4">
+            <a:extLst>
+              <a:ext uri="{28A0092B-C50C-407E-A947-70E740481C1C}">
+                <a14:useLocalDpi xmlns:a14="http://schemas.microsoft.com/office/drawing/2010/main" val="0"/>
+              </a:ext>
+            </a:extLst>
+          </a:blip>
+          <a:srcRect/>
+          <a:stretch>
+            <a:fillRect/>
+          </a:stretch>
+        </p:blipFill>
+        <p:spPr bwMode="auto">
+          <a:xfrm>
+            <a:off x="7073900" y="5888567"/>
+            <a:ext cx="1830388" cy="880533"/>
+          </a:xfrm>
+          <a:prstGeom prst="rect">
+            <a:avLst/>
+          </a:prstGeom>
+          <a:noFill/>
+          <a:ln>
+            <a:noFill/>
+          </a:ln>
+          <a:extLst>
+            <a:ext uri="{909E8E84-426E-40DD-AFC4-6F175D3DCCD1}">
+              <a14:hiddenFill xmlns:a14="http://schemas.microsoft.com/office/drawing/2010/main">
+                <a:solidFill>
+                  <a:srgbClr val="FFFFFF"/>
+                </a:solidFill>
+              </a14:hiddenFill>
+            </a:ext>
+            <a:ext uri="{91240B29-F687-4F45-9708-019B960494DF}">
+              <a14:hiddenLine xmlns:a14="http://schemas.microsoft.com/office/drawing/2010/main" w="9525">
+                <a:solidFill>
+                  <a:srgbClr val="000000"/>
+                </a:solidFill>
+                <a:miter lim="800000"/>
+                <a:headEnd/>
+                <a:tailEnd/>
+              </a14:hiddenLine>
+            </a:ext>
+          </a:extLst>
+        </p:spPr>
+      </p:pic>
+      <p:pic>
+        <p:nvPicPr>
+          <p:cNvPr id="1030" name="Picture 13"/>
+          <p:cNvPicPr>
+            <a:picLocks noChangeAspect="1"/>
+          </p:cNvPicPr>
+          <p:nvPr/>
+        </p:nvPicPr>
+        <p:blipFill>
+          <a:blip r:embed="rId5" cstate="print">
+            <a:extLst>
+              <a:ext uri="{28A0092B-C50C-407E-A947-70E740481C1C}">
+                <a14:useLocalDpi xmlns:a14="http://schemas.microsoft.com/office/drawing/2010/main" val="0"/>
+              </a:ext>
+            </a:extLst>
+          </a:blip>
+          <a:srcRect/>
+          <a:stretch>
+            <a:fillRect/>
+          </a:stretch>
+        </p:blipFill>
+        <p:spPr bwMode="auto">
+          <a:xfrm>
+            <a:off x="0" y="1"/>
+            <a:ext cx="9144000" cy="2978151"/>
+          </a:xfrm>
+          <a:prstGeom prst="rect">
+            <a:avLst/>
+          </a:prstGeom>
+          <a:noFill/>
+          <a:ln>
+            <a:noFill/>
+          </a:ln>
+          <a:extLst>
+            <a:ext uri="{909E8E84-426E-40DD-AFC4-6F175D3DCCD1}">
+              <a14:hiddenFill xmlns:a14="http://schemas.microsoft.com/office/drawing/2010/main">
+                <a:solidFill>
+                  <a:srgbClr val="FFFFFF"/>
+                </a:solidFill>
+              </a14:hiddenFill>
+            </a:ext>
+            <a:ext uri="{91240B29-F687-4F45-9708-019B960494DF}">
+              <a14:hiddenLine xmlns:a14="http://schemas.microsoft.com/office/drawing/2010/main" w="9525">
+                <a:solidFill>
+                  <a:srgbClr val="000000"/>
+                </a:solidFill>
+                <a:miter lim="800000"/>
+                <a:headEnd/>
+                <a:tailEnd/>
+              </a14:hiddenLine>
+            </a:ext>
+          </a:extLst>
+        </p:spPr>
+      </p:pic>
+      <p:sp>
+        <p:nvSpPr>
+          <p:cNvPr id="17" name="Rectangle 16"/>
+          <p:cNvSpPr/>
+          <p:nvPr/>
+        </p:nvSpPr>
+        <p:spPr>
+          <a:xfrm>
+            <a:off x="0" y="2970732"/>
+            <a:ext cx="9144000" cy="2820787"/>
+          </a:xfrm>
+          <a:prstGeom prst="rect">
+            <a:avLst/>
+          </a:prstGeom>
+          <a:gradFill flip="none" rotWithShape="1">
+            <a:gsLst>
+              <a:gs pos="100000">
+                <a:schemeClr val="tx2"/>
+              </a:gs>
+              <a:gs pos="0">
+                <a:srgbClr val="2D7CBB"/>
+              </a:gs>
+            </a:gsLst>
+            <a:path path="circle">
+              <a:fillToRect l="50000" t="50000" r="50000" b="50000"/>
+            </a:path>
+            <a:tileRect/>
+          </a:gradFill>
+          <a:ln>
+            <a:noFill/>
+          </a:ln>
+          <a:effectLst/>
+        </p:spPr>
+        <p:style>
+          <a:lnRef idx="1">
+            <a:schemeClr val="accent1"/>
+          </a:lnRef>
+          <a:fillRef idx="3">
+            <a:schemeClr val="accent1"/>
+          </a:fillRef>
+          <a:effectRef idx="2">
+            <a:schemeClr val="accent1"/>
+          </a:effectRef>
+          <a:fontRef idx="minor">
+            <a:schemeClr val="lt1"/>
+          </a:fontRef>
+        </p:style>
+        <p:txBody>
+          <a:bodyPr anchor="ctr"/>
+          <a:lstStyle/>
+          <a:p>
+            <a:pPr algn="ctr">
+              <a:defRPr/>
+            </a:pPr>
+            <a:endParaRPr lang="en-US" sz="1800"/>
+          </a:p>
+        </p:txBody>
+      </p:sp>
+      <p:sp>
+        <p:nvSpPr>
+          <p:cNvPr id="1034" name="Footer Placeholder 4"/>
+          <p:cNvSpPr>
+            <a:spLocks noGrp="1"/>
+          </p:cNvSpPr>
+          <p:nvPr>
+            <p:ph type="ftr" sz="quarter" idx="3"/>
+          </p:nvPr>
+        </p:nvSpPr>
+        <p:spPr bwMode="auto">
+          <a:xfrm>
+            <a:off x="533400" y="6189133"/>
+            <a:ext cx="5811838" cy="364067"/>
+          </a:xfrm>
+          <a:prstGeom prst="rect">
+            <a:avLst/>
+          </a:prstGeom>
+          <a:noFill/>
+          <a:ln>
+            <a:noFill/>
+          </a:ln>
+          <a:extLst>
+            <a:ext uri="{909E8E84-426E-40DD-AFC4-6F175D3DCCD1}">
+              <a14:hiddenFill xmlns:a14="http://schemas.microsoft.com/office/drawing/2010/main">
+                <a:solidFill>
+                  <a:srgbClr val="FFFFFF"/>
+                </a:solidFill>
+              </a14:hiddenFill>
+            </a:ext>
+            <a:ext uri="{91240B29-F687-4F45-9708-019B960494DF}">
+              <a14:hiddenLine xmlns:a14="http://schemas.microsoft.com/office/drawing/2010/main" w="9525">
+                <a:solidFill>
+                  <a:srgbClr val="000000"/>
+                </a:solidFill>
+                <a:miter lim="800000"/>
+                <a:headEnd/>
+                <a:tailEnd/>
+              </a14:hiddenLine>
+            </a:ext>
+          </a:extLst>
+        </p:spPr>
+        <p:txBody>
+          <a:bodyPr vert="horz" wrap="square" lIns="91440" tIns="45720" rIns="91440" bIns="45720" numCol="1" anchor="t" anchorCtr="0" compatLnSpc="1">
+            <a:prstTxWarp prst="textNoShape">
+              <a:avLst/>
+            </a:prstTxWarp>
+          </a:bodyPr>
+          <a:lstStyle>
+            <a:lvl1pPr defTabSz="914400">
+              <a:defRPr sz="1000" b="1" smtClean="0">
+                <a:solidFill>
+                  <a:srgbClr val="649840"/>
+                </a:solidFill>
+              </a:defRPr>
+            </a:lvl1pPr>
+          </a:lstStyle>
+          <a:p>
+            <a:pPr>
+              <a:defRPr/>
+            </a:pPr>
+            <a:r>
+              <a:rPr lang="en-US" altLang="en-US"/>
+              <a:t>#ITDEVCON  </a:t>
+            </a:r>
+          </a:p>
+        </p:txBody>
+      </p:sp>
+    </p:spTree>
+    <p:extLst>
+      <p:ext uri="{BB962C8B-B14F-4D97-AF65-F5344CB8AC3E}">
+        <p14:creationId xmlns:p14="http://schemas.microsoft.com/office/powerpoint/2010/main" val="2007350812"/>
+      </p:ext>
+    </p:extLst>
+  </p:cSld>
+  <p:clrMap bg1="lt1" tx1="dk1" bg2="lt2" tx2="dk2" accent1="accent1" accent2="accent2" accent3="accent3" accent4="accent4" accent5="accent5" accent6="accent6" hlink="hlink" folHlink="folHlink"/>
+  <p:sldLayoutIdLst>
+    <p:sldLayoutId id="2147483668" r:id="rId1"/>
+    <p:sldLayoutId id="2147483669" r:id="rId2"/>
+  </p:sldLayoutIdLst>
+  <p:timing>
+    <p:tnLst>
+      <p:par>
+        <p:cTn id="1" dur="indefinite" restart="never" nodeType="tmRoot"/>
+      </p:par>
+    </p:tnLst>
+  </p:timing>
+  <p:hf sldNum="0" hdr="0" dt="0"/>
+  <p:txStyles>
+    <p:titleStyle>
+      <a:lvl1pPr algn="ctr" defTabSz="457200" rtl="0" eaLnBrk="1" fontAlgn="base" hangingPunct="1">
+        <a:spcBef>
+          <a:spcPct val="0"/>
+        </a:spcBef>
+        <a:spcAft>
+          <a:spcPct val="0"/>
+        </a:spcAft>
+        <a:defRPr sz="4400" kern="1200">
+          <a:solidFill>
+            <a:srgbClr val="2E85BD"/>
+          </a:solidFill>
+          <a:latin typeface="+mj-lt"/>
+          <a:ea typeface="MS PGothic" pitchFamily="34" charset="-128"/>
+          <a:cs typeface="ＭＳ Ｐゴシック" charset="0"/>
+        </a:defRPr>
+      </a:lvl1pPr>
+      <a:lvl2pPr algn="ctr" defTabSz="457200" rtl="0" eaLnBrk="1" fontAlgn="base" hangingPunct="1">
+        <a:spcBef>
+          <a:spcPct val="0"/>
+        </a:spcBef>
+        <a:spcAft>
+          <a:spcPct val="0"/>
+        </a:spcAft>
+        <a:defRPr sz="4400">
+          <a:solidFill>
+            <a:srgbClr val="2E85BD"/>
+          </a:solidFill>
+          <a:latin typeface="Century Gothic" charset="0"/>
+          <a:ea typeface="MS PGothic" pitchFamily="34" charset="-128"/>
+          <a:cs typeface="ＭＳ Ｐゴシック" charset="0"/>
+        </a:defRPr>
+      </a:lvl2pPr>
+      <a:lvl3pPr algn="ctr" defTabSz="457200" rtl="0" eaLnBrk="1" fontAlgn="base" hangingPunct="1">
+        <a:spcBef>
+          <a:spcPct val="0"/>
+        </a:spcBef>
+        <a:spcAft>
+          <a:spcPct val="0"/>
+        </a:spcAft>
+        <a:defRPr sz="4400">
+          <a:solidFill>
+            <a:srgbClr val="2E85BD"/>
+          </a:solidFill>
+          <a:latin typeface="Century Gothic" charset="0"/>
+          <a:ea typeface="MS PGothic" pitchFamily="34" charset="-128"/>
+          <a:cs typeface="ＭＳ Ｐゴシック" charset="0"/>
+        </a:defRPr>
+      </a:lvl3pPr>
+      <a:lvl4pPr algn="ctr" defTabSz="457200" rtl="0" eaLnBrk="1" fontAlgn="base" hangingPunct="1">
+        <a:spcBef>
+          <a:spcPct val="0"/>
+        </a:spcBef>
+        <a:spcAft>
+          <a:spcPct val="0"/>
+        </a:spcAft>
+        <a:defRPr sz="4400">
+          <a:solidFill>
+            <a:srgbClr val="2E85BD"/>
+          </a:solidFill>
+          <a:latin typeface="Century Gothic" charset="0"/>
+          <a:ea typeface="MS PGothic" pitchFamily="34" charset="-128"/>
+          <a:cs typeface="ＭＳ Ｐゴシック" charset="0"/>
+        </a:defRPr>
+      </a:lvl4pPr>
+      <a:lvl5pPr algn="ctr" defTabSz="457200" rtl="0" eaLnBrk="1" fontAlgn="base" hangingPunct="1">
+        <a:spcBef>
+          <a:spcPct val="0"/>
+        </a:spcBef>
+        <a:spcAft>
+          <a:spcPct val="0"/>
+        </a:spcAft>
+        <a:defRPr sz="4400">
+          <a:solidFill>
+            <a:srgbClr val="2E85BD"/>
+          </a:solidFill>
+          <a:latin typeface="Century Gothic" charset="0"/>
+          <a:ea typeface="MS PGothic" pitchFamily="34" charset="-128"/>
+          <a:cs typeface="ＭＳ Ｐゴシック" charset="0"/>
+        </a:defRPr>
+      </a:lvl5pPr>
+      <a:lvl6pPr marL="457200" algn="ctr" defTabSz="457200" rtl="0" eaLnBrk="1" fontAlgn="base" hangingPunct="1">
+        <a:spcBef>
+          <a:spcPct val="0"/>
+        </a:spcBef>
+        <a:spcAft>
+          <a:spcPct val="0"/>
+        </a:spcAft>
+        <a:defRPr sz="4400">
+          <a:solidFill>
+            <a:srgbClr val="2E85BD"/>
+          </a:solidFill>
+          <a:latin typeface="Century Gothic" charset="0"/>
+          <a:ea typeface="ＭＳ Ｐゴシック" charset="0"/>
+          <a:cs typeface="ＭＳ Ｐゴシック" charset="0"/>
+        </a:defRPr>
+      </a:lvl6pPr>
+      <a:lvl7pPr marL="914400" algn="ctr" defTabSz="457200" rtl="0" eaLnBrk="1" fontAlgn="base" hangingPunct="1">
+        <a:spcBef>
+          <a:spcPct val="0"/>
+        </a:spcBef>
+        <a:spcAft>
+          <a:spcPct val="0"/>
+        </a:spcAft>
+        <a:defRPr sz="4400">
+          <a:solidFill>
+            <a:srgbClr val="2E85BD"/>
+          </a:solidFill>
+          <a:latin typeface="Century Gothic" charset="0"/>
+          <a:ea typeface="ＭＳ Ｐゴシック" charset="0"/>
+          <a:cs typeface="ＭＳ Ｐゴシック" charset="0"/>
+        </a:defRPr>
+      </a:lvl7pPr>
+      <a:lvl8pPr marL="1371600" algn="ctr" defTabSz="457200" rtl="0" eaLnBrk="1" fontAlgn="base" hangingPunct="1">
+        <a:spcBef>
+          <a:spcPct val="0"/>
+        </a:spcBef>
+        <a:spcAft>
+          <a:spcPct val="0"/>
+        </a:spcAft>
+        <a:defRPr sz="4400">
+          <a:solidFill>
+            <a:srgbClr val="2E85BD"/>
+          </a:solidFill>
+          <a:latin typeface="Century Gothic" charset="0"/>
+          <a:ea typeface="ＭＳ Ｐゴシック" charset="0"/>
+          <a:cs typeface="ＭＳ Ｐゴシック" charset="0"/>
+        </a:defRPr>
+      </a:lvl8pPr>
+      <a:lvl9pPr marL="1828800" algn="ctr" defTabSz="457200" rtl="0" eaLnBrk="1" fontAlgn="base" hangingPunct="1">
+        <a:spcBef>
+          <a:spcPct val="0"/>
+        </a:spcBef>
+        <a:spcAft>
+          <a:spcPct val="0"/>
+        </a:spcAft>
+        <a:defRPr sz="4400">
+          <a:solidFill>
+            <a:srgbClr val="2E85BD"/>
+          </a:solidFill>
+          <a:latin typeface="Century Gothic" charset="0"/>
+          <a:ea typeface="ＭＳ Ｐゴシック" charset="0"/>
+          <a:cs typeface="ＭＳ Ｐゴシック" charset="0"/>
+        </a:defRPr>
+      </a:lvl9pPr>
+    </p:titleStyle>
+    <p:bodyStyle>
+      <a:lvl1pPr marL="342900" indent="-342900" algn="l" defTabSz="457200" rtl="0" eaLnBrk="1" fontAlgn="base" hangingPunct="1">
+        <a:spcBef>
+          <a:spcPct val="20000"/>
+        </a:spcBef>
+        <a:spcAft>
+          <a:spcPct val="0"/>
+        </a:spcAft>
+        <a:buFont typeface="Arial" panose="020B0604020202020204" pitchFamily="34" charset="0"/>
+        <a:buChar char="•"/>
+        <a:defRPr sz="3200" kern="1200">
+          <a:solidFill>
+            <a:srgbClr val="2E85BD"/>
+          </a:solidFill>
+          <a:latin typeface="+mn-lt"/>
+          <a:ea typeface="MS PGothic" pitchFamily="34" charset="-128"/>
+          <a:cs typeface="ＭＳ Ｐゴシック" charset="0"/>
+        </a:defRPr>
+      </a:lvl1pPr>
+      <a:lvl2pPr marL="742950" indent="-285750" algn="l" defTabSz="457200" rtl="0" eaLnBrk="1" fontAlgn="base" hangingPunct="1">
+        <a:spcBef>
+          <a:spcPct val="20000"/>
+        </a:spcBef>
+        <a:spcAft>
+          <a:spcPct val="0"/>
+        </a:spcAft>
+        <a:buFont typeface="Arial" panose="020B0604020202020204" pitchFamily="34" charset="0"/>
+        <a:buChar char="–"/>
+        <a:defRPr sz="2800" kern="1200">
+          <a:solidFill>
+            <a:srgbClr val="737373"/>
+          </a:solidFill>
+          <a:latin typeface="+mn-lt"/>
+          <a:ea typeface="MS PGothic" pitchFamily="34" charset="-128"/>
+          <a:cs typeface="+mn-cs"/>
+        </a:defRPr>
+      </a:lvl2pPr>
+      <a:lvl3pPr marL="1143000" indent="-228600" algn="l" defTabSz="457200" rtl="0" eaLnBrk="1" fontAlgn="base" hangingPunct="1">
+        <a:spcBef>
+          <a:spcPct val="20000"/>
+        </a:spcBef>
+        <a:spcAft>
+          <a:spcPct val="0"/>
+        </a:spcAft>
+        <a:buFont typeface="Arial" panose="020B0604020202020204" pitchFamily="34" charset="0"/>
+        <a:buChar char="•"/>
+        <a:defRPr sz="2400" kern="1200">
+          <a:solidFill>
+            <a:srgbClr val="737373"/>
+          </a:solidFill>
+          <a:latin typeface="+mn-lt"/>
+          <a:ea typeface="MS PGothic" pitchFamily="34" charset="-128"/>
+          <a:cs typeface="+mn-cs"/>
+        </a:defRPr>
+      </a:lvl3pPr>
+      <a:lvl4pPr marL="1600200" indent="-228600" algn="l" defTabSz="457200" rtl="0" eaLnBrk="1" fontAlgn="base" hangingPunct="1">
+        <a:spcBef>
+          <a:spcPct val="20000"/>
+        </a:spcBef>
+        <a:spcAft>
+          <a:spcPct val="0"/>
+        </a:spcAft>
+        <a:buFont typeface="Arial" panose="020B0604020202020204" pitchFamily="34" charset="0"/>
+        <a:buChar char="–"/>
+        <a:defRPr sz="2000" kern="1200">
+          <a:solidFill>
+            <a:srgbClr val="737373"/>
+          </a:solidFill>
+          <a:latin typeface="+mn-lt"/>
+          <a:ea typeface="MS PGothic" pitchFamily="34" charset="-128"/>
+          <a:cs typeface="+mn-cs"/>
+        </a:defRPr>
+      </a:lvl4pPr>
+      <a:lvl5pPr marL="2057400" indent="-228600" algn="l" defTabSz="457200" rtl="0" eaLnBrk="1" fontAlgn="base" hangingPunct="1">
+        <a:spcBef>
+          <a:spcPct val="20000"/>
+        </a:spcBef>
+        <a:spcAft>
+          <a:spcPct val="0"/>
+        </a:spcAft>
+        <a:buFont typeface="Arial" panose="020B0604020202020204" pitchFamily="34" charset="0"/>
+        <a:buChar char="»"/>
+        <a:defRPr sz="2000" kern="1200">
+          <a:solidFill>
+            <a:srgbClr val="737373"/>
+          </a:solidFill>
+          <a:latin typeface="+mn-lt"/>
+          <a:ea typeface="MS PGothic" pitchFamily="34" charset="-128"/>
+          <a:cs typeface="+mn-cs"/>
+        </a:defRPr>
+      </a:lvl5pPr>
+      <a:lvl6pPr marL="2514600" indent="-228600" algn="l" defTabSz="457200" rtl="0" eaLnBrk="1" latinLnBrk="0" hangingPunct="1">
+        <a:spcBef>
+          <a:spcPct val="20000"/>
+        </a:spcBef>
+        <a:buFont typeface="Arial"/>
+        <a:buChar char="•"/>
+        <a:defRPr sz="2000" kern="1200">
+          <a:solidFill>
+            <a:schemeClr val="tx1"/>
+          </a:solidFill>
+          <a:latin typeface="+mn-lt"/>
+          <a:ea typeface="+mn-ea"/>
+          <a:cs typeface="+mn-cs"/>
+        </a:defRPr>
+      </a:lvl6pPr>
+      <a:lvl7pPr marL="2971800" indent="-228600" algn="l" defTabSz="457200" rtl="0" eaLnBrk="1" latinLnBrk="0" hangingPunct="1">
+        <a:spcBef>
+          <a:spcPct val="20000"/>
+        </a:spcBef>
+        <a:buFont typeface="Arial"/>
+        <a:buChar char="•"/>
+        <a:defRPr sz="2000" kern="1200">
+          <a:solidFill>
+            <a:schemeClr val="tx1"/>
+          </a:solidFill>
+          <a:latin typeface="+mn-lt"/>
+          <a:ea typeface="+mn-ea"/>
+          <a:cs typeface="+mn-cs"/>
+        </a:defRPr>
+      </a:lvl7pPr>
+      <a:lvl8pPr marL="3429000" indent="-228600" algn="l" defTabSz="457200" rtl="0" eaLnBrk="1" latinLnBrk="0" hangingPunct="1">
+        <a:spcBef>
+          <a:spcPct val="20000"/>
+        </a:spcBef>
+        <a:buFont typeface="Arial"/>
+        <a:buChar char="•"/>
+        <a:defRPr sz="2000" kern="1200">
+          <a:solidFill>
+            <a:schemeClr val="tx1"/>
+          </a:solidFill>
+          <a:latin typeface="+mn-lt"/>
+          <a:ea typeface="+mn-ea"/>
+          <a:cs typeface="+mn-cs"/>
+        </a:defRPr>
+      </a:lvl8pPr>
+      <a:lvl9pPr marL="3886200" indent="-228600" algn="l" defTabSz="457200" rtl="0" eaLnBrk="1" latinLnBrk="0" hangingPunct="1">
+        <a:spcBef>
+          <a:spcPct val="20000"/>
+        </a:spcBef>
+        <a:buFont typeface="Arial"/>
+        <a:buChar char="•"/>
+        <a:defRPr sz="2000" kern="1200">
+          <a:solidFill>
+            <a:schemeClr val="tx1"/>
+          </a:solidFill>
+          <a:latin typeface="+mn-lt"/>
+          <a:ea typeface="+mn-ea"/>
+          <a:cs typeface="+mn-cs"/>
+        </a:defRPr>
+      </a:lvl9pPr>
+    </p:bodyStyle>
+    <p:otherStyle>
+      <a:defPPr>
+        <a:defRPr lang="en-US"/>
+      </a:defPPr>
+      <a:lvl1pPr marL="0" algn="l" defTabSz="457200" rtl="0" eaLnBrk="1" latinLnBrk="0" hangingPunct="1">
+        <a:defRPr sz="1800" kern="1200">
+          <a:solidFill>
+            <a:schemeClr val="tx1"/>
+          </a:solidFill>
+          <a:latin typeface="+mn-lt"/>
+          <a:ea typeface="+mn-ea"/>
+          <a:cs typeface="+mn-cs"/>
+        </a:defRPr>
+      </a:lvl1pPr>
+      <a:lvl2pPr marL="457200" algn="l" defTabSz="457200" rtl="0" eaLnBrk="1" latinLnBrk="0" hangingPunct="1">
+        <a:defRPr sz="1800" kern="1200">
+          <a:solidFill>
+            <a:schemeClr val="tx1"/>
+          </a:solidFill>
+          <a:latin typeface="+mn-lt"/>
+          <a:ea typeface="+mn-ea"/>
+          <a:cs typeface="+mn-cs"/>
+        </a:defRPr>
+      </a:lvl2pPr>
+      <a:lvl3pPr marL="914400" algn="l" defTabSz="457200" rtl="0" eaLnBrk="1" latinLnBrk="0" hangingPunct="1">
+        <a:defRPr sz="1800" kern="1200">
+          <a:solidFill>
+            <a:schemeClr val="tx1"/>
+          </a:solidFill>
+          <a:latin typeface="+mn-lt"/>
+          <a:ea typeface="+mn-ea"/>
+          <a:cs typeface="+mn-cs"/>
+        </a:defRPr>
+      </a:lvl3pPr>
+      <a:lvl4pPr marL="1371600" algn="l" defTabSz="457200" rtl="0" eaLnBrk="1" latinLnBrk="0" hangingPunct="1">
+        <a:defRPr sz="1800" kern="1200">
+          <a:solidFill>
+            <a:schemeClr val="tx1"/>
+          </a:solidFill>
+          <a:latin typeface="+mn-lt"/>
+          <a:ea typeface="+mn-ea"/>
+          <a:cs typeface="+mn-cs"/>
+        </a:defRPr>
+      </a:lvl4pPr>
+      <a:lvl5pPr marL="1828800" algn="l" defTabSz="457200" rtl="0" eaLnBrk="1" latinLnBrk="0" hangingPunct="1">
+        <a:defRPr sz="1800" kern="1200">
+          <a:solidFill>
+            <a:schemeClr val="tx1"/>
+          </a:solidFill>
+          <a:latin typeface="+mn-lt"/>
+          <a:ea typeface="+mn-ea"/>
+          <a:cs typeface="+mn-cs"/>
+        </a:defRPr>
+      </a:lvl5pPr>
+      <a:lvl6pPr marL="2286000" algn="l" defTabSz="457200" rtl="0" eaLnBrk="1" latinLnBrk="0" hangingPunct="1">
+        <a:defRPr sz="1800" kern="1200">
+          <a:solidFill>
+            <a:schemeClr val="tx1"/>
+          </a:solidFill>
+          <a:latin typeface="+mn-lt"/>
+          <a:ea typeface="+mn-ea"/>
+          <a:cs typeface="+mn-cs"/>
+        </a:defRPr>
+      </a:lvl6pPr>
+      <a:lvl7pPr marL="2743200" algn="l" defTabSz="457200" rtl="0" eaLnBrk="1" latinLnBrk="0" hangingPunct="1">
+        <a:defRPr sz="1800" kern="1200">
+          <a:solidFill>
+            <a:schemeClr val="tx1"/>
+          </a:solidFill>
+          <a:latin typeface="+mn-lt"/>
+          <a:ea typeface="+mn-ea"/>
+          <a:cs typeface="+mn-cs"/>
+        </a:defRPr>
+      </a:lvl7pPr>
+      <a:lvl8pPr marL="3200400" algn="l" defTabSz="457200" rtl="0" eaLnBrk="1" latinLnBrk="0" hangingPunct="1">
+        <a:defRPr sz="1800" kern="1200">
+          <a:solidFill>
+            <a:schemeClr val="tx1"/>
+          </a:solidFill>
+          <a:latin typeface="+mn-lt"/>
+          <a:ea typeface="+mn-ea"/>
+          <a:cs typeface="+mn-cs"/>
+        </a:defRPr>
+      </a:lvl8pPr>
+      <a:lvl9pPr marL="3657600" algn="l" defTabSz="457200" rtl="0" eaLnBrk="1" latinLnBrk="0" hangingPunct="1">
+        <a:defRPr sz="1800" kern="1200">
+          <a:solidFill>
+            <a:schemeClr val="tx1"/>
+          </a:solidFill>
+          <a:latin typeface="+mn-lt"/>
+          <a:ea typeface="+mn-ea"/>
+          <a:cs typeface="+mn-cs"/>
+        </a:defRPr>
+      </a:lvl9pPr>
+    </p:otherStyle>
+  </p:txStyles>
+</p:sldMaster>
+</file>
+
+<file path=ppt/slideMasters/slideMaster3.xml><?xml version="1.0" encoding="utf-8"?>
+<p:sldMaster xmlns:a="http://schemas.openxmlformats.org/drawingml/2006/main" xmlns:r="http://schemas.openxmlformats.org/officeDocument/2006/relationships" xmlns:p="http://schemas.openxmlformats.org/presentationml/2006/main" preserve="1">
+  <p:cSld>
+    <p:bg>
+      <p:bgPr>
+        <a:solidFill>
+          <a:schemeClr val="bg1"/>
+        </a:solidFill>
+        <a:effectLst/>
+      </p:bgPr>
+    </p:bg>
+    <p:spTree>
+      <p:nvGrpSpPr>
+        <p:cNvPr id="1" name=""/>
+        <p:cNvGrpSpPr/>
+        <p:nvPr/>
+      </p:nvGrpSpPr>
+      <p:grpSpPr>
+        <a:xfrm>
+          <a:off x="0" y="0"/>
+          <a:ext cx="0" cy="0"/>
+          <a:chOff x="0" y="0"/>
+          <a:chExt cx="0" cy="0"/>
+        </a:xfrm>
+      </p:grpSpPr>
+      <p:sp>
+        <p:nvSpPr>
+          <p:cNvPr id="12" name="Rectangle 11"/>
+          <p:cNvSpPr/>
+          <p:nvPr/>
+        </p:nvSpPr>
+        <p:spPr>
+          <a:xfrm>
+            <a:off x="0" y="0"/>
+            <a:ext cx="9144000" cy="6858000"/>
+          </a:xfrm>
+          <a:prstGeom prst="rect">
+            <a:avLst/>
+          </a:prstGeom>
+          <a:gradFill flip="none" rotWithShape="1">
+            <a:gsLst>
+              <a:gs pos="0">
+                <a:srgbClr val="FFFFFF"/>
+              </a:gs>
+              <a:gs pos="100000">
+                <a:srgbClr val="C8C8C8"/>
+              </a:gs>
+            </a:gsLst>
+            <a:path path="circle">
+              <a:fillToRect l="50000" t="50000" r="50000" b="50000"/>
+            </a:path>
+            <a:tileRect/>
+          </a:gradFill>
+          <a:ln w="9525" cap="flat" cmpd="sng" algn="ctr">
+            <a:noFill/>
+            <a:prstDash val="solid"/>
+          </a:ln>
+          <a:effectLst>
+            <a:outerShdw blurRad="40000" dist="23000" dir="5400000" rotWithShape="0">
+              <a:srgbClr val="000000">
+                <a:alpha val="35000"/>
+              </a:srgbClr>
+            </a:outerShdw>
+          </a:effectLst>
+        </p:spPr>
+        <p:txBody>
+          <a:bodyPr anchor="ctr"/>
+          <a:lstStyle/>
+          <a:p>
+            <a:pPr algn="ctr" defTabSz="914400" fontAlgn="auto">
+              <a:spcBef>
+                <a:spcPts val="0"/>
+              </a:spcBef>
+              <a:spcAft>
+                <a:spcPts val="0"/>
+              </a:spcAft>
+              <a:defRPr/>
+            </a:pPr>
+            <a:endParaRPr lang="en-US" sz="1800" kern="0">
+              <a:solidFill>
+                <a:srgbClr val="CECFCD"/>
+              </a:solidFill>
+              <a:latin typeface="Century Gothic"/>
+              <a:ea typeface="+mn-ea"/>
+            </a:endParaRPr>
+          </a:p>
+        </p:txBody>
+      </p:sp>
+      <p:sp>
+        <p:nvSpPr>
+          <p:cNvPr id="6149" name="Footer Placeholder 4"/>
+          <p:cNvSpPr>
+            <a:spLocks noGrp="1"/>
+          </p:cNvSpPr>
+          <p:nvPr>
+            <p:ph type="ftr" sz="quarter" idx="3"/>
+          </p:nvPr>
+        </p:nvSpPr>
+        <p:spPr bwMode="auto">
+          <a:xfrm>
+            <a:off x="533400" y="6328833"/>
+            <a:ext cx="5811838" cy="364067"/>
+          </a:xfrm>
+          <a:prstGeom prst="rect">
+            <a:avLst/>
+          </a:prstGeom>
+          <a:noFill/>
+          <a:ln>
+            <a:noFill/>
+          </a:ln>
+          <a:extLst>
+            <a:ext uri="{909E8E84-426E-40DD-AFC4-6F175D3DCCD1}">
+              <a14:hiddenFill xmlns:a14="http://schemas.microsoft.com/office/drawing/2010/main">
+                <a:solidFill>
+                  <a:srgbClr val="FFFFFF"/>
+                </a:solidFill>
+              </a14:hiddenFill>
+            </a:ext>
+            <a:ext uri="{91240B29-F687-4F45-9708-019B960494DF}">
+              <a14:hiddenLine xmlns:a14="http://schemas.microsoft.com/office/drawing/2010/main" w="9525">
+                <a:solidFill>
+                  <a:srgbClr val="000000"/>
+                </a:solidFill>
+                <a:miter lim="800000"/>
+                <a:headEnd/>
+                <a:tailEnd/>
+              </a14:hiddenLine>
+            </a:ext>
+          </a:extLst>
+        </p:spPr>
+        <p:txBody>
+          <a:bodyPr vert="horz" wrap="square" lIns="91440" tIns="45720" rIns="91440" bIns="45720" numCol="1" anchor="t" anchorCtr="0" compatLnSpc="1">
+            <a:prstTxWarp prst="textNoShape">
+              <a:avLst/>
+            </a:prstTxWarp>
+          </a:bodyPr>
+          <a:lstStyle>
+            <a:lvl1pPr defTabSz="914400">
+              <a:defRPr sz="1000" b="1" smtClean="0">
+                <a:solidFill>
+                  <a:srgbClr val="649840"/>
+                </a:solidFill>
+              </a:defRPr>
+            </a:lvl1pPr>
+          </a:lstStyle>
+          <a:p>
+            <a:pPr>
+              <a:defRPr/>
+            </a:pPr>
+            <a:r>
+              <a:rPr lang="en-US" altLang="en-US"/>
+              <a:t>#ITDEVCON  </a:t>
+            </a:r>
+          </a:p>
+        </p:txBody>
+      </p:sp>
+      <p:pic>
+        <p:nvPicPr>
+          <p:cNvPr id="3078" name="Picture 14" descr="ITnDevConnections_RGB_Dark-Gray.png"/>
+          <p:cNvPicPr>
+            <a:picLocks noChangeAspect="1"/>
+          </p:cNvPicPr>
+          <p:nvPr/>
+        </p:nvPicPr>
+        <p:blipFill>
+          <a:blip r:embed="rId10">
+            <a:extLst>
+              <a:ext uri="{28A0092B-C50C-407E-A947-70E740481C1C}">
+                <a14:useLocalDpi xmlns:a14="http://schemas.microsoft.com/office/drawing/2010/main" val="0"/>
+              </a:ext>
+            </a:extLst>
+          </a:blip>
+          <a:srcRect/>
+          <a:stretch>
+            <a:fillRect/>
+          </a:stretch>
+        </p:blipFill>
+        <p:spPr bwMode="auto">
+          <a:xfrm>
+            <a:off x="7073900" y="5888567"/>
+            <a:ext cx="1830388" cy="880533"/>
+          </a:xfrm>
+          <a:prstGeom prst="rect">
+            <a:avLst/>
+          </a:prstGeom>
+          <a:noFill/>
+          <a:ln>
+            <a:noFill/>
+          </a:ln>
+          <a:extLst>
+            <a:ext uri="{909E8E84-426E-40DD-AFC4-6F175D3DCCD1}">
+              <a14:hiddenFill xmlns:a14="http://schemas.microsoft.com/office/drawing/2010/main">
+                <a:solidFill>
+                  <a:srgbClr val="FFFFFF"/>
+                </a:solidFill>
+              </a14:hiddenFill>
+            </a:ext>
+            <a:ext uri="{91240B29-F687-4F45-9708-019B960494DF}">
+              <a14:hiddenLine xmlns:a14="http://schemas.microsoft.com/office/drawing/2010/main" w="9525">
+                <a:solidFill>
+                  <a:srgbClr val="000000"/>
+                </a:solidFill>
+                <a:miter lim="800000"/>
+                <a:headEnd/>
+                <a:tailEnd/>
+              </a14:hiddenLine>
+            </a:ext>
+          </a:extLst>
+        </p:spPr>
+      </p:pic>
+      <p:sp>
+        <p:nvSpPr>
+          <p:cNvPr id="4099" name="Rectangle 8"/>
+          <p:cNvSpPr>
+            <a:spLocks noChangeArrowheads="1"/>
+          </p:cNvSpPr>
+          <p:nvPr/>
+        </p:nvSpPr>
+        <p:spPr bwMode="auto">
+          <a:xfrm>
+            <a:off x="0" y="0"/>
+            <a:ext cx="9144000" cy="533400"/>
+          </a:xfrm>
+          <a:prstGeom prst="rect">
+            <a:avLst/>
+          </a:prstGeom>
+          <a:gradFill flip="none" rotWithShape="1">
+            <a:gsLst>
+              <a:gs pos="0">
+                <a:srgbClr val="2D7CBB"/>
+              </a:gs>
+              <a:gs pos="100000">
+                <a:schemeClr val="tx2"/>
+              </a:gs>
+            </a:gsLst>
+            <a:path path="circle">
+              <a:fillToRect l="50000" t="50000" r="50000" b="50000"/>
+            </a:path>
+            <a:tileRect/>
+          </a:gradFill>
+          <a:ln>
+            <a:noFill/>
+          </a:ln>
+        </p:spPr>
+        <p:txBody>
+          <a:bodyPr anchor="ctr"/>
+          <a:lstStyle/>
+          <a:p>
+            <a:pPr algn="ctr" defTabSz="914400">
+              <a:defRPr/>
+            </a:pPr>
+            <a:endParaRPr lang="en-US" sz="1800">
+              <a:solidFill>
+                <a:srgbClr val="CECFCD"/>
+              </a:solidFill>
+              <a:latin typeface="Century Gothic" charset="0"/>
+              <a:ea typeface="ＭＳ Ｐゴシック" charset="0"/>
+              <a:cs typeface="ＭＳ Ｐゴシック" charset="0"/>
+            </a:endParaRPr>
+          </a:p>
+        </p:txBody>
+      </p:sp>
+      <p:sp>
+        <p:nvSpPr>
+          <p:cNvPr id="3082" name="Title Placeholder 1"/>
+          <p:cNvSpPr>
+            <a:spLocks noGrp="1"/>
+          </p:cNvSpPr>
+          <p:nvPr>
+            <p:ph type="title"/>
+          </p:nvPr>
+        </p:nvSpPr>
+        <p:spPr bwMode="auto">
+          <a:xfrm>
+            <a:off x="533400" y="4307417"/>
+            <a:ext cx="6554788" cy="1524000"/>
+          </a:xfrm>
+          <a:prstGeom prst="rect">
+            <a:avLst/>
+          </a:prstGeom>
+          <a:noFill/>
+          <a:ln>
+            <a:noFill/>
+          </a:ln>
+          <a:extLst>
+            <a:ext uri="{909E8E84-426E-40DD-AFC4-6F175D3DCCD1}">
+              <a14:hiddenFill xmlns:a14="http://schemas.microsoft.com/office/drawing/2010/main">
+                <a:solidFill>
+                  <a:srgbClr val="FFFFFF"/>
+                </a:solidFill>
+              </a14:hiddenFill>
+            </a:ext>
+            <a:ext uri="{91240B29-F687-4F45-9708-019B960494DF}">
+              <a14:hiddenLine xmlns:a14="http://schemas.microsoft.com/office/drawing/2010/main" w="9525">
+                <a:solidFill>
+                  <a:srgbClr val="000000"/>
+                </a:solidFill>
+                <a:miter lim="800000"/>
+                <a:headEnd/>
+                <a:tailEnd/>
+              </a14:hiddenLine>
+            </a:ext>
+          </a:extLst>
+        </p:spPr>
+        <p:txBody>
+          <a:bodyPr vert="horz" wrap="square" lIns="91440" tIns="45720" rIns="91440" bIns="45720" numCol="1" anchor="ctr" anchorCtr="0" compatLnSpc="1">
+            <a:prstTxWarp prst="textNoShape">
+              <a:avLst/>
+            </a:prstTxWarp>
+          </a:bodyPr>
+          <a:lstStyle/>
+          <a:p>
+            <a:pPr lvl="0"/>
+            <a:endParaRPr lang="en-US" altLang="en-US" smtClean="0"/>
+          </a:p>
+        </p:txBody>
+      </p:sp>
+      <p:sp>
+        <p:nvSpPr>
+          <p:cNvPr id="3083" name="Text Placeholder 2"/>
+          <p:cNvSpPr>
+            <a:spLocks noGrp="1"/>
+          </p:cNvSpPr>
+          <p:nvPr>
+            <p:ph type="body" idx="1"/>
+          </p:nvPr>
+        </p:nvSpPr>
+        <p:spPr bwMode="auto">
+          <a:xfrm>
+            <a:off x="533400" y="533400"/>
+            <a:ext cx="6554788" cy="3767667"/>
+          </a:xfrm>
+          <a:prstGeom prst="rect">
+            <a:avLst/>
+          </a:prstGeom>
+          <a:noFill/>
+          <a:ln>
+            <a:noFill/>
+          </a:ln>
+          <a:extLst>
+            <a:ext uri="{909E8E84-426E-40DD-AFC4-6F175D3DCCD1}">
+              <a14:hiddenFill xmlns:a14="http://schemas.microsoft.com/office/drawing/2010/main">
+                <a:solidFill>
+                  <a:srgbClr val="FFFFFF"/>
+                </a:solidFill>
+              </a14:hiddenFill>
+            </a:ext>
+            <a:ext uri="{91240B29-F687-4F45-9708-019B960494DF}">
+              <a14:hiddenLine xmlns:a14="http://schemas.microsoft.com/office/drawing/2010/main" w="9525">
+                <a:solidFill>
+                  <a:srgbClr val="000000"/>
+                </a:solidFill>
+                <a:miter lim="800000"/>
+                <a:headEnd/>
+                <a:tailEnd/>
+              </a14:hiddenLine>
+            </a:ext>
+          </a:extLst>
+        </p:spPr>
+        <p:txBody>
+          <a:bodyPr vert="horz" wrap="square" lIns="91440" tIns="45720" rIns="91440" bIns="45720" numCol="1" anchor="ctr" anchorCtr="0" compatLnSpc="1">
+            <a:prstTxWarp prst="textNoShape">
+              <a:avLst/>
+            </a:prstTxWarp>
+          </a:bodyPr>
+          <a:lstStyle/>
+          <a:p>
+            <a:pPr lvl="0"/>
+            <a:r>
+              <a:rPr lang="en-US" altLang="en-US" smtClean="0"/>
+              <a:t>Click to edit Master text styles</a:t>
+            </a:r>
+          </a:p>
+          <a:p>
+            <a:pPr lvl="1"/>
+            <a:r>
+              <a:rPr lang="en-US" altLang="en-US" smtClean="0"/>
+              <a:t>Second level</a:t>
+            </a:r>
+          </a:p>
+          <a:p>
+            <a:pPr lvl="2"/>
+            <a:r>
+              <a:rPr lang="en-US" altLang="en-US" smtClean="0"/>
+              <a:t>Third level</a:t>
+            </a:r>
+          </a:p>
+          <a:p>
+            <a:pPr lvl="3"/>
+            <a:r>
+              <a:rPr lang="en-US" altLang="en-US" smtClean="0"/>
+              <a:t>Fourth level</a:t>
+            </a:r>
+          </a:p>
+          <a:p>
+            <a:pPr lvl="4"/>
+            <a:r>
+              <a:rPr lang="en-US" altLang="en-US" smtClean="0"/>
+              <a:t>Fifth level</a:t>
+            </a:r>
+            <a:endParaRPr lang="en-US" altLang="en-US" smtClean="0"/>
+          </a:p>
+        </p:txBody>
+      </p:sp>
+      <p:sp>
+        <p:nvSpPr>
+          <p:cNvPr id="7" name="Title 1"/>
+          <p:cNvSpPr txBox="1">
+            <a:spLocks/>
+          </p:cNvSpPr>
+          <p:nvPr/>
+        </p:nvSpPr>
+        <p:spPr>
+          <a:xfrm>
+            <a:off x="0" y="-150284"/>
+            <a:ext cx="9144000" cy="605368"/>
+          </a:xfrm>
+          <a:prstGeom prst="rect">
+            <a:avLst/>
+          </a:prstGeom>
+          <a:effectLst/>
+        </p:spPr>
+        <p:txBody>
+          <a:bodyPr anchor="b">
+            <a:normAutofit/>
+          </a:bodyPr>
+          <a:lstStyle>
+            <a:lvl1pPr algn="l" defTabSz="457200" rtl="0" eaLnBrk="0" fontAlgn="base" hangingPunct="0">
+              <a:spcBef>
+                <a:spcPct val="0"/>
+              </a:spcBef>
+              <a:spcAft>
+                <a:spcPct val="0"/>
+              </a:spcAft>
+              <a:defRPr sz="2000" b="0" kern="1200" cap="all">
+                <a:ln w="3175" cmpd="sng">
+                  <a:noFill/>
+                </a:ln>
+                <a:solidFill>
+                  <a:schemeClr val="tx1"/>
+                </a:solidFill>
+                <a:effectLst>
+                  <a:outerShdw blurRad="50800" dist="38100" dir="2700000" algn="tl" rotWithShape="0">
+                    <a:srgbClr val="000000">
+                      <a:alpha val="43000"/>
+                    </a:srgbClr>
+                  </a:outerShdw>
+                </a:effectLst>
+                <a:latin typeface="+mj-lt"/>
+                <a:ea typeface="ＭＳ Ｐゴシック" charset="0"/>
+                <a:cs typeface="ＭＳ Ｐゴシック" charset="0"/>
+              </a:defRPr>
+            </a:lvl1pPr>
+            <a:lvl2pPr algn="l" defTabSz="457200" rtl="0" eaLnBrk="0" fontAlgn="base" hangingPunct="0">
+              <a:spcBef>
+                <a:spcPct val="0"/>
+              </a:spcBef>
+              <a:spcAft>
+                <a:spcPct val="0"/>
+              </a:spcAft>
+              <a:defRPr sz="3200">
+                <a:solidFill>
+                  <a:schemeClr val="tx1"/>
+                </a:solidFill>
+                <a:latin typeface="Century Gothic" charset="0"/>
+                <a:ea typeface="ＭＳ Ｐゴシック" charset="0"/>
+                <a:cs typeface="ＭＳ Ｐゴシック" charset="0"/>
+              </a:defRPr>
+            </a:lvl2pPr>
+            <a:lvl3pPr algn="l" defTabSz="457200" rtl="0" eaLnBrk="0" fontAlgn="base" hangingPunct="0">
+              <a:spcBef>
+                <a:spcPct val="0"/>
+              </a:spcBef>
+              <a:spcAft>
+                <a:spcPct val="0"/>
+              </a:spcAft>
+              <a:defRPr sz="3200">
+                <a:solidFill>
+                  <a:schemeClr val="tx1"/>
+                </a:solidFill>
+                <a:latin typeface="Century Gothic" charset="0"/>
+                <a:ea typeface="ＭＳ Ｐゴシック" charset="0"/>
+                <a:cs typeface="ＭＳ Ｐゴシック" charset="0"/>
+              </a:defRPr>
+            </a:lvl3pPr>
+            <a:lvl4pPr algn="l" defTabSz="457200" rtl="0" eaLnBrk="0" fontAlgn="base" hangingPunct="0">
+              <a:spcBef>
+                <a:spcPct val="0"/>
+              </a:spcBef>
+              <a:spcAft>
+                <a:spcPct val="0"/>
+              </a:spcAft>
+              <a:defRPr sz="3200">
+                <a:solidFill>
+                  <a:schemeClr val="tx1"/>
+                </a:solidFill>
+                <a:latin typeface="Century Gothic" charset="0"/>
+                <a:ea typeface="ＭＳ Ｐゴシック" charset="0"/>
+                <a:cs typeface="ＭＳ Ｐゴシック" charset="0"/>
+              </a:defRPr>
+            </a:lvl4pPr>
+            <a:lvl5pPr algn="l" defTabSz="457200" rtl="0" eaLnBrk="0" fontAlgn="base" hangingPunct="0">
+              <a:spcBef>
+                <a:spcPct val="0"/>
+              </a:spcBef>
+              <a:spcAft>
+                <a:spcPct val="0"/>
+              </a:spcAft>
+              <a:defRPr sz="3200">
+                <a:solidFill>
+                  <a:schemeClr val="tx1"/>
+                </a:solidFill>
+                <a:latin typeface="Century Gothic" charset="0"/>
+                <a:ea typeface="ＭＳ Ｐゴシック" charset="0"/>
+                <a:cs typeface="ＭＳ Ｐゴシック" charset="0"/>
+              </a:defRPr>
+            </a:lvl5pPr>
+            <a:lvl6pPr eaLnBrk="1" hangingPunct="1">
+              <a:defRPr>
+                <a:solidFill>
+                  <a:schemeClr val="tx2"/>
+                </a:solidFill>
+              </a:defRPr>
+            </a:lvl6pPr>
+            <a:lvl7pPr eaLnBrk="1" hangingPunct="1">
+              <a:defRPr>
+                <a:solidFill>
+                  <a:schemeClr val="tx2"/>
+                </a:solidFill>
+              </a:defRPr>
+            </a:lvl7pPr>
+            <a:lvl8pPr eaLnBrk="1" hangingPunct="1">
+              <a:defRPr>
+                <a:solidFill>
+                  <a:schemeClr val="tx2"/>
+                </a:solidFill>
+              </a:defRPr>
+            </a:lvl8pPr>
+            <a:lvl9pPr eaLnBrk="1" hangingPunct="1">
+              <a:defRPr>
+                <a:solidFill>
+                  <a:schemeClr val="tx2"/>
+                </a:solidFill>
+              </a:defRPr>
+            </a:lvl9pPr>
+          </a:lstStyle>
+          <a:p>
+            <a:pPr algn="ctr">
+              <a:defRPr/>
+            </a:pPr>
+            <a:r>
+              <a:rPr lang="en-US" sz="1400" dirty="0" smtClean="0">
+                <a:solidFill>
+                  <a:schemeClr val="bg1"/>
+                </a:solidFill>
+                <a:effectLst/>
+              </a:rPr>
+              <a:t>Session Title</a:t>
+            </a:r>
+            <a:endParaRPr lang="en-US" sz="1400" dirty="0">
+              <a:solidFill>
+                <a:schemeClr val="bg1"/>
+              </a:solidFill>
+              <a:effectLst/>
+            </a:endParaRPr>
+          </a:p>
+        </p:txBody>
+      </p:sp>
+    </p:spTree>
+    <p:extLst>
+      <p:ext uri="{BB962C8B-B14F-4D97-AF65-F5344CB8AC3E}">
+        <p14:creationId xmlns:p14="http://schemas.microsoft.com/office/powerpoint/2010/main" val="1494704062"/>
+      </p:ext>
+    </p:extLst>
+  </p:cSld>
+  <p:clrMap bg1="lt1" tx1="dk1" bg2="lt2" tx2="dk2" accent1="accent1" accent2="accent2" accent3="accent3" accent4="accent4" accent5="accent5" accent6="accent6" hlink="hlink" folHlink="folHlink"/>
+  <p:sldLayoutIdLst>
+    <p:sldLayoutId id="2147483671" r:id="rId1"/>
+    <p:sldLayoutId id="2147483672" r:id="rId2"/>
+    <p:sldLayoutId id="2147483673" r:id="rId3"/>
+    <p:sldLayoutId id="2147483674" r:id="rId4"/>
+    <p:sldLayoutId id="2147483675" r:id="rId5"/>
+    <p:sldLayoutId id="2147483676" r:id="rId6"/>
+    <p:sldLayoutId id="2147483677" r:id="rId7"/>
+    <p:sldLayoutId id="2147483678" r:id="rId8"/>
+  </p:sldLayoutIdLst>
+  <p:timing>
+    <p:tnLst>
+      <p:par>
+        <p:cTn id="1" dur="indefinite" restart="never" nodeType="tmRoot"/>
+      </p:par>
+    </p:tnLst>
+  </p:timing>
+  <p:hf sldNum="0" hdr="0" dt="0"/>
+  <p:txStyles>
+    <p:titleStyle>
+      <a:lvl1pPr algn="ctr" defTabSz="457200" rtl="0" eaLnBrk="1" fontAlgn="base" hangingPunct="1">
+        <a:spcBef>
+          <a:spcPct val="0"/>
+        </a:spcBef>
+        <a:spcAft>
+          <a:spcPct val="0"/>
+        </a:spcAft>
+        <a:defRPr sz="4400" kern="1200">
+          <a:solidFill>
+            <a:srgbClr val="2D7CBB"/>
+          </a:solidFill>
+          <a:latin typeface="+mj-lt"/>
+          <a:ea typeface="MS PGothic" pitchFamily="34" charset="-128"/>
+          <a:cs typeface="ＭＳ Ｐゴシック" charset="0"/>
+        </a:defRPr>
+      </a:lvl1pPr>
+      <a:lvl2pPr algn="ctr" defTabSz="457200" rtl="0" eaLnBrk="1" fontAlgn="base" hangingPunct="1">
+        <a:spcBef>
+          <a:spcPct val="0"/>
+        </a:spcBef>
+        <a:spcAft>
+          <a:spcPct val="0"/>
+        </a:spcAft>
+        <a:defRPr sz="4400">
+          <a:solidFill>
+            <a:srgbClr val="2D7CBB"/>
+          </a:solidFill>
+          <a:latin typeface="Century Gothic" charset="0"/>
+          <a:ea typeface="MS PGothic" pitchFamily="34" charset="-128"/>
+          <a:cs typeface="ＭＳ Ｐゴシック" charset="0"/>
+        </a:defRPr>
+      </a:lvl2pPr>
+      <a:lvl3pPr algn="ctr" defTabSz="457200" rtl="0" eaLnBrk="1" fontAlgn="base" hangingPunct="1">
+        <a:spcBef>
+          <a:spcPct val="0"/>
+        </a:spcBef>
+        <a:spcAft>
+          <a:spcPct val="0"/>
+        </a:spcAft>
+        <a:defRPr sz="4400">
+          <a:solidFill>
+            <a:srgbClr val="2D7CBB"/>
+          </a:solidFill>
+          <a:latin typeface="Century Gothic" charset="0"/>
+          <a:ea typeface="MS PGothic" pitchFamily="34" charset="-128"/>
+          <a:cs typeface="ＭＳ Ｐゴシック" charset="0"/>
+        </a:defRPr>
+      </a:lvl3pPr>
+      <a:lvl4pPr algn="ctr" defTabSz="457200" rtl="0" eaLnBrk="1" fontAlgn="base" hangingPunct="1">
+        <a:spcBef>
+          <a:spcPct val="0"/>
+        </a:spcBef>
+        <a:spcAft>
+          <a:spcPct val="0"/>
+        </a:spcAft>
+        <a:defRPr sz="4400">
+          <a:solidFill>
+            <a:srgbClr val="2D7CBB"/>
+          </a:solidFill>
+          <a:latin typeface="Century Gothic" charset="0"/>
+          <a:ea typeface="MS PGothic" pitchFamily="34" charset="-128"/>
+          <a:cs typeface="ＭＳ Ｐゴシック" charset="0"/>
+        </a:defRPr>
+      </a:lvl4pPr>
+      <a:lvl5pPr algn="ctr" defTabSz="457200" rtl="0" eaLnBrk="1" fontAlgn="base" hangingPunct="1">
+        <a:spcBef>
+          <a:spcPct val="0"/>
+        </a:spcBef>
+        <a:spcAft>
+          <a:spcPct val="0"/>
+        </a:spcAft>
+        <a:defRPr sz="4400">
+          <a:solidFill>
+            <a:srgbClr val="2D7CBB"/>
+          </a:solidFill>
+          <a:latin typeface="Century Gothic" charset="0"/>
+          <a:ea typeface="MS PGothic" pitchFamily="34" charset="-128"/>
+          <a:cs typeface="ＭＳ Ｐゴシック" charset="0"/>
+        </a:defRPr>
+      </a:lvl5pPr>
+      <a:lvl6pPr marL="457200" algn="ctr" defTabSz="457200" rtl="0" eaLnBrk="1" fontAlgn="base" hangingPunct="1">
+        <a:spcBef>
+          <a:spcPct val="0"/>
+        </a:spcBef>
+        <a:spcAft>
+          <a:spcPct val="0"/>
+        </a:spcAft>
+        <a:defRPr sz="4400">
+          <a:solidFill>
+            <a:srgbClr val="2E85BD"/>
+          </a:solidFill>
+          <a:latin typeface="Century Gothic" charset="0"/>
+          <a:ea typeface="ＭＳ Ｐゴシック" charset="0"/>
+          <a:cs typeface="ＭＳ Ｐゴシック" charset="0"/>
+        </a:defRPr>
+      </a:lvl6pPr>
+      <a:lvl7pPr marL="914400" algn="ctr" defTabSz="457200" rtl="0" eaLnBrk="1" fontAlgn="base" hangingPunct="1">
+        <a:spcBef>
+          <a:spcPct val="0"/>
+        </a:spcBef>
+        <a:spcAft>
+          <a:spcPct val="0"/>
+        </a:spcAft>
+        <a:defRPr sz="4400">
+          <a:solidFill>
+            <a:srgbClr val="2E85BD"/>
+          </a:solidFill>
+          <a:latin typeface="Century Gothic" charset="0"/>
+          <a:ea typeface="ＭＳ Ｐゴシック" charset="0"/>
+          <a:cs typeface="ＭＳ Ｐゴシック" charset="0"/>
+        </a:defRPr>
+      </a:lvl7pPr>
+      <a:lvl8pPr marL="1371600" algn="ctr" defTabSz="457200" rtl="0" eaLnBrk="1" fontAlgn="base" hangingPunct="1">
+        <a:spcBef>
+          <a:spcPct val="0"/>
+        </a:spcBef>
+        <a:spcAft>
+          <a:spcPct val="0"/>
+        </a:spcAft>
+        <a:defRPr sz="4400">
+          <a:solidFill>
+            <a:srgbClr val="2E85BD"/>
+          </a:solidFill>
+          <a:latin typeface="Century Gothic" charset="0"/>
+          <a:ea typeface="ＭＳ Ｐゴシック" charset="0"/>
+          <a:cs typeface="ＭＳ Ｐゴシック" charset="0"/>
+        </a:defRPr>
+      </a:lvl8pPr>
+      <a:lvl9pPr marL="1828800" algn="ctr" defTabSz="457200" rtl="0" eaLnBrk="1" fontAlgn="base" hangingPunct="1">
+        <a:spcBef>
+          <a:spcPct val="0"/>
+        </a:spcBef>
+        <a:spcAft>
+          <a:spcPct val="0"/>
+        </a:spcAft>
+        <a:defRPr sz="4400">
+          <a:solidFill>
+            <a:srgbClr val="2E85BD"/>
+          </a:solidFill>
+          <a:latin typeface="Century Gothic" charset="0"/>
+          <a:ea typeface="ＭＳ Ｐゴシック" charset="0"/>
+          <a:cs typeface="ＭＳ Ｐゴシック" charset="0"/>
+        </a:defRPr>
+      </a:lvl9pPr>
+    </p:titleStyle>
+    <p:bodyStyle>
+      <a:lvl1pPr marL="342900" indent="-342900" algn="l" defTabSz="457200" rtl="0" eaLnBrk="1" fontAlgn="base" hangingPunct="1">
+        <a:spcBef>
+          <a:spcPct val="20000"/>
+        </a:spcBef>
+        <a:spcAft>
+          <a:spcPct val="0"/>
+        </a:spcAft>
+        <a:buFont typeface="Arial" panose="020B0604020202020204" pitchFamily="34" charset="0"/>
+        <a:buChar char="•"/>
+        <a:defRPr sz="3200" kern="1200">
+          <a:solidFill>
+            <a:srgbClr val="2D7CBB"/>
+          </a:solidFill>
+          <a:latin typeface="+mn-lt"/>
+          <a:ea typeface="MS PGothic" pitchFamily="34" charset="-128"/>
+          <a:cs typeface="ＭＳ Ｐゴシック" charset="0"/>
+        </a:defRPr>
+      </a:lvl1pPr>
+      <a:lvl2pPr marL="742950" indent="-285750" algn="l" defTabSz="457200" rtl="0" eaLnBrk="1" fontAlgn="base" hangingPunct="1">
+        <a:spcBef>
+          <a:spcPct val="20000"/>
+        </a:spcBef>
+        <a:spcAft>
+          <a:spcPct val="0"/>
+        </a:spcAft>
+        <a:buFont typeface="Arial" panose="020B0604020202020204" pitchFamily="34" charset="0"/>
+        <a:buChar char="–"/>
+        <a:defRPr sz="2800" kern="1200">
+          <a:solidFill>
+            <a:srgbClr val="7F7F7F"/>
+          </a:solidFill>
+          <a:latin typeface="+mn-lt"/>
+          <a:ea typeface="MS PGothic" pitchFamily="34" charset="-128"/>
+          <a:cs typeface="+mn-cs"/>
+        </a:defRPr>
+      </a:lvl2pPr>
+      <a:lvl3pPr marL="1143000" indent="-228600" algn="l" defTabSz="457200" rtl="0" eaLnBrk="1" fontAlgn="base" hangingPunct="1">
+        <a:spcBef>
+          <a:spcPct val="20000"/>
+        </a:spcBef>
+        <a:spcAft>
+          <a:spcPct val="0"/>
+        </a:spcAft>
+        <a:buFont typeface="Arial" panose="020B0604020202020204" pitchFamily="34" charset="0"/>
+        <a:buChar char="•"/>
+        <a:defRPr sz="2400" kern="1200">
+          <a:solidFill>
+            <a:srgbClr val="7F7F7F"/>
+          </a:solidFill>
+          <a:latin typeface="+mn-lt"/>
+          <a:ea typeface="MS PGothic" pitchFamily="34" charset="-128"/>
+          <a:cs typeface="+mn-cs"/>
+        </a:defRPr>
+      </a:lvl3pPr>
+      <a:lvl4pPr marL="1600200" indent="-228600" algn="l" defTabSz="457200" rtl="0" eaLnBrk="1" fontAlgn="base" hangingPunct="1">
+        <a:spcBef>
+          <a:spcPct val="20000"/>
+        </a:spcBef>
+        <a:spcAft>
+          <a:spcPct val="0"/>
+        </a:spcAft>
+        <a:buFont typeface="Arial" panose="020B0604020202020204" pitchFamily="34" charset="0"/>
+        <a:buChar char="–"/>
+        <a:defRPr sz="2000" kern="1200">
+          <a:solidFill>
+            <a:srgbClr val="7F7F7F"/>
+          </a:solidFill>
+          <a:latin typeface="+mn-lt"/>
+          <a:ea typeface="MS PGothic" pitchFamily="34" charset="-128"/>
+          <a:cs typeface="+mn-cs"/>
+        </a:defRPr>
+      </a:lvl4pPr>
+      <a:lvl5pPr marL="2057400" indent="-228600" algn="l" defTabSz="457200" rtl="0" eaLnBrk="1" fontAlgn="base" hangingPunct="1">
+        <a:spcBef>
+          <a:spcPct val="20000"/>
+        </a:spcBef>
+        <a:spcAft>
+          <a:spcPct val="0"/>
+        </a:spcAft>
+        <a:buFont typeface="Arial" panose="020B0604020202020204" pitchFamily="34" charset="0"/>
+        <a:buChar char="»"/>
+        <a:defRPr sz="2000" kern="1200">
+          <a:solidFill>
+            <a:srgbClr val="7F7F7F"/>
+          </a:solidFill>
+          <a:latin typeface="+mn-lt"/>
+          <a:ea typeface="MS PGothic" pitchFamily="34" charset="-128"/>
+          <a:cs typeface="+mn-cs"/>
+        </a:defRPr>
+      </a:lvl5pPr>
+      <a:lvl6pPr marL="2514600" indent="-228600" algn="l" defTabSz="457200" rtl="0" eaLnBrk="1" latinLnBrk="0" hangingPunct="1">
+        <a:spcBef>
+          <a:spcPct val="20000"/>
+        </a:spcBef>
+        <a:buFont typeface="Arial"/>
+        <a:buChar char="•"/>
+        <a:defRPr sz="2000" kern="1200">
+          <a:solidFill>
+            <a:schemeClr val="tx1"/>
+          </a:solidFill>
+          <a:latin typeface="+mn-lt"/>
+          <a:ea typeface="+mn-ea"/>
+          <a:cs typeface="+mn-cs"/>
+        </a:defRPr>
+      </a:lvl6pPr>
+      <a:lvl7pPr marL="2971800" indent="-228600" algn="l" defTabSz="457200" rtl="0" eaLnBrk="1" latinLnBrk="0" hangingPunct="1">
+        <a:spcBef>
+          <a:spcPct val="20000"/>
+        </a:spcBef>
+        <a:buFont typeface="Arial"/>
+        <a:buChar char="•"/>
+        <a:defRPr sz="2000" kern="1200">
+          <a:solidFill>
+            <a:schemeClr val="tx1"/>
+          </a:solidFill>
+          <a:latin typeface="+mn-lt"/>
+          <a:ea typeface="+mn-ea"/>
+          <a:cs typeface="+mn-cs"/>
+        </a:defRPr>
+      </a:lvl7pPr>
+      <a:lvl8pPr marL="3429000" indent="-228600" algn="l" defTabSz="457200" rtl="0" eaLnBrk="1" latinLnBrk="0" hangingPunct="1">
+        <a:spcBef>
+          <a:spcPct val="20000"/>
+        </a:spcBef>
+        <a:buFont typeface="Arial"/>
+        <a:buChar char="•"/>
+        <a:defRPr sz="2000" kern="1200">
+          <a:solidFill>
+            <a:schemeClr val="tx1"/>
+          </a:solidFill>
+          <a:latin typeface="+mn-lt"/>
+          <a:ea typeface="+mn-ea"/>
+          <a:cs typeface="+mn-cs"/>
+        </a:defRPr>
+      </a:lvl8pPr>
+      <a:lvl9pPr marL="3886200" indent="-228600" algn="l" defTabSz="457200" rtl="0" eaLnBrk="1" latinLnBrk="0" hangingPunct="1">
+        <a:spcBef>
+          <a:spcPct val="20000"/>
+        </a:spcBef>
+        <a:buFont typeface="Arial"/>
+        <a:buChar char="•"/>
+        <a:defRPr sz="2000" kern="1200">
+          <a:solidFill>
+            <a:schemeClr val="tx1"/>
+          </a:solidFill>
+          <a:latin typeface="+mn-lt"/>
+          <a:ea typeface="+mn-ea"/>
+          <a:cs typeface="+mn-cs"/>
+        </a:defRPr>
+      </a:lvl9pPr>
+    </p:bodyStyle>
+    <p:otherStyle>
+      <a:defPPr>
+        <a:defRPr lang="en-US"/>
+      </a:defPPr>
+      <a:lvl1pPr marL="0" algn="l" defTabSz="457200" rtl="0" eaLnBrk="1" latinLnBrk="0" hangingPunct="1">
+        <a:defRPr sz="1800" kern="1200">
+          <a:solidFill>
+            <a:schemeClr val="tx1"/>
+          </a:solidFill>
+          <a:latin typeface="+mn-lt"/>
+          <a:ea typeface="+mn-ea"/>
+          <a:cs typeface="+mn-cs"/>
+        </a:defRPr>
+      </a:lvl1pPr>
+      <a:lvl2pPr marL="457200" algn="l" defTabSz="457200" rtl="0" eaLnBrk="1" latinLnBrk="0" hangingPunct="1">
+        <a:defRPr sz="1800" kern="1200">
+          <a:solidFill>
+            <a:schemeClr val="tx1"/>
+          </a:solidFill>
+          <a:latin typeface="+mn-lt"/>
+          <a:ea typeface="+mn-ea"/>
+          <a:cs typeface="+mn-cs"/>
+        </a:defRPr>
+      </a:lvl2pPr>
+      <a:lvl3pPr marL="914400" algn="l" defTabSz="457200" rtl="0" eaLnBrk="1" latinLnBrk="0" hangingPunct="1">
+        <a:defRPr sz="1800" kern="1200">
+          <a:solidFill>
+            <a:schemeClr val="tx1"/>
+          </a:solidFill>
+          <a:latin typeface="+mn-lt"/>
+          <a:ea typeface="+mn-ea"/>
+          <a:cs typeface="+mn-cs"/>
+        </a:defRPr>
+      </a:lvl3pPr>
+      <a:lvl4pPr marL="1371600" algn="l" defTabSz="457200" rtl="0" eaLnBrk="1" latinLnBrk="0" hangingPunct="1">
+        <a:defRPr sz="1800" kern="1200">
+          <a:solidFill>
+            <a:schemeClr val="tx1"/>
+          </a:solidFill>
+          <a:latin typeface="+mn-lt"/>
+          <a:ea typeface="+mn-ea"/>
+          <a:cs typeface="+mn-cs"/>
+        </a:defRPr>
+      </a:lvl4pPr>
+      <a:lvl5pPr marL="1828800" algn="l" defTabSz="457200" rtl="0" eaLnBrk="1" latinLnBrk="0" hangingPunct="1">
+        <a:defRPr sz="1800" kern="1200">
+          <a:solidFill>
+            <a:schemeClr val="tx1"/>
+          </a:solidFill>
+          <a:latin typeface="+mn-lt"/>
+          <a:ea typeface="+mn-ea"/>
+          <a:cs typeface="+mn-cs"/>
+        </a:defRPr>
+      </a:lvl5pPr>
+      <a:lvl6pPr marL="2286000" algn="l" defTabSz="457200" rtl="0" eaLnBrk="1" latinLnBrk="0" hangingPunct="1">
+        <a:defRPr sz="1800" kern="1200">
+          <a:solidFill>
+            <a:schemeClr val="tx1"/>
+          </a:solidFill>
+          <a:latin typeface="+mn-lt"/>
+          <a:ea typeface="+mn-ea"/>
+          <a:cs typeface="+mn-cs"/>
+        </a:defRPr>
+      </a:lvl6pPr>
+      <a:lvl7pPr marL="2743200" algn="l" defTabSz="457200" rtl="0" eaLnBrk="1" latinLnBrk="0" hangingPunct="1">
+        <a:defRPr sz="1800" kern="1200">
+          <a:solidFill>
+            <a:schemeClr val="tx1"/>
+          </a:solidFill>
+          <a:latin typeface="+mn-lt"/>
+          <a:ea typeface="+mn-ea"/>
+          <a:cs typeface="+mn-cs"/>
+        </a:defRPr>
+      </a:lvl7pPr>
+      <a:lvl8pPr marL="3200400" algn="l" defTabSz="457200" rtl="0" eaLnBrk="1" latinLnBrk="0" hangingPunct="1">
+        <a:defRPr sz="1800" kern="1200">
+          <a:solidFill>
+            <a:schemeClr val="tx1"/>
+          </a:solidFill>
+          <a:latin typeface="+mn-lt"/>
+          <a:ea typeface="+mn-ea"/>
+          <a:cs typeface="+mn-cs"/>
+        </a:defRPr>
+      </a:lvl8pPr>
+      <a:lvl9pPr marL="3657600" algn="l" defTabSz="457200" rtl="0" eaLnBrk="1" latinLnBrk="0" hangingPunct="1">
+        <a:defRPr sz="1800" kern="1200">
+          <a:solidFill>
+            <a:schemeClr val="tx1"/>
+          </a:solidFill>
+          <a:latin typeface="+mn-lt"/>
+          <a:ea typeface="+mn-ea"/>
+          <a:cs typeface="+mn-cs"/>
+        </a:defRPr>
+      </a:lvl9pPr>
+    </p:otherStyle>
+  </p:txStyles>
+</p:sldMaster>
+</file>
+
+<file path=ppt/slideMasters/slideMaster4.xml><?xml version="1.0" encoding="utf-8"?>
+<p:sldMaster xmlns:a="http://schemas.openxmlformats.org/drawingml/2006/main" xmlns:r="http://schemas.openxmlformats.org/officeDocument/2006/relationships" xmlns:p="http://schemas.openxmlformats.org/presentationml/2006/main" preserve="1">
+  <p:cSld>
+    <p:bg>
+      <p:bgPr>
+        <a:solidFill>
+          <a:schemeClr val="bg1"/>
+        </a:solidFill>
+        <a:effectLst/>
+      </p:bgPr>
+    </p:bg>
+    <p:spTree>
+      <p:nvGrpSpPr>
+        <p:cNvPr id="1" name=""/>
+        <p:cNvGrpSpPr/>
+        <p:nvPr/>
+      </p:nvGrpSpPr>
+      <p:grpSpPr>
+        <a:xfrm>
+          <a:off x="0" y="0"/>
+          <a:ext cx="0" cy="0"/>
+          <a:chOff x="0" y="0"/>
+          <a:chExt cx="0" cy="0"/>
+        </a:xfrm>
+      </p:grpSpPr>
+      <p:sp>
+        <p:nvSpPr>
+          <p:cNvPr id="9" name="Rectangle 8"/>
+          <p:cNvSpPr/>
+          <p:nvPr/>
+        </p:nvSpPr>
+        <p:spPr>
+          <a:xfrm>
+            <a:off x="0" y="0"/>
+            <a:ext cx="9144000" cy="6858000"/>
+          </a:xfrm>
+          <a:prstGeom prst="rect">
+            <a:avLst/>
+          </a:prstGeom>
+          <a:gradFill flip="none" rotWithShape="1">
+            <a:gsLst>
+              <a:gs pos="0">
+                <a:srgbClr val="FFFFFF"/>
+              </a:gs>
+              <a:gs pos="100000">
+                <a:schemeClr val="accent3"/>
+              </a:gs>
+            </a:gsLst>
+            <a:path path="circle">
+              <a:fillToRect l="50000" t="50000" r="50000" b="50000"/>
+            </a:path>
+            <a:tileRect/>
+          </a:gradFill>
+          <a:ln>
+            <a:noFill/>
+          </a:ln>
+        </p:spPr>
+        <p:style>
+          <a:lnRef idx="1">
+            <a:schemeClr val="accent1"/>
+          </a:lnRef>
+          <a:fillRef idx="3">
+            <a:schemeClr val="accent1"/>
+          </a:fillRef>
+          <a:effectRef idx="2">
+            <a:schemeClr val="accent1"/>
+          </a:effectRef>
+          <a:fontRef idx="minor">
+            <a:schemeClr val="lt1"/>
+          </a:fontRef>
+        </p:style>
+        <p:txBody>
+          <a:bodyPr anchor="ctr"/>
+          <a:lstStyle/>
+          <a:p>
+            <a:pPr algn="ctr">
+              <a:defRPr/>
+            </a:pPr>
+            <a:endParaRPr lang="en-US" sz="1800"/>
+          </a:p>
+        </p:txBody>
+      </p:sp>
+      <p:sp>
+        <p:nvSpPr>
+          <p:cNvPr id="11" name="Footer Placeholder 4"/>
+          <p:cNvSpPr>
+            <a:spLocks noGrp="1"/>
+          </p:cNvSpPr>
+          <p:nvPr>
+            <p:ph type="ftr" sz="quarter" idx="3"/>
+          </p:nvPr>
+        </p:nvSpPr>
+        <p:spPr>
+          <a:xfrm>
+            <a:off x="533400" y="6328833"/>
+            <a:ext cx="5811838" cy="364067"/>
+          </a:xfrm>
+          <a:prstGeom prst="rect">
+            <a:avLst/>
+          </a:prstGeom>
+          <a:ln>
+            <a:noFill/>
+          </a:ln>
+        </p:spPr>
+        <p:txBody>
+          <a:bodyPr vert="horz" lIns="91440" tIns="45720" rIns="91440" bIns="45720" rtlCol="0" anchor="t"/>
+          <a:lstStyle>
+            <a:lvl1pPr algn="l" fontAlgn="auto">
+              <a:spcBef>
+                <a:spcPts val="0"/>
+              </a:spcBef>
+              <a:spcAft>
+                <a:spcPts val="0"/>
+              </a:spcAft>
+              <a:defRPr sz="1000" b="1" i="0">
+                <a:solidFill>
+                  <a:srgbClr val="649840"/>
+                </a:solidFill>
+                <a:effectLst/>
+                <a:latin typeface="+mn-lt"/>
+                <a:ea typeface="+mn-ea"/>
+                <a:cs typeface="+mn-cs"/>
+              </a:defRPr>
+            </a:lvl1pPr>
+          </a:lstStyle>
+          <a:p>
+            <a:pPr>
+              <a:defRPr/>
+            </a:pPr>
+            <a:r>
+              <a:rPr lang="en-US"/>
+              <a:t>#ITDEVCON  </a:t>
+            </a:r>
+          </a:p>
+        </p:txBody>
+      </p:sp>
+      <p:pic>
+        <p:nvPicPr>
+          <p:cNvPr id="4102" name="Picture 11" descr="ITnDevConnections_RGB_Dark-Gray.png"/>
+          <p:cNvPicPr>
+            <a:picLocks noChangeAspect="1"/>
+          </p:cNvPicPr>
+          <p:nvPr/>
+        </p:nvPicPr>
+        <p:blipFill>
+          <a:blip r:embed="rId4">
+            <a:extLst>
+              <a:ext uri="{28A0092B-C50C-407E-A947-70E740481C1C}">
+                <a14:useLocalDpi xmlns:a14="http://schemas.microsoft.com/office/drawing/2010/main" val="0"/>
+              </a:ext>
+            </a:extLst>
+          </a:blip>
+          <a:srcRect/>
+          <a:stretch>
+            <a:fillRect/>
+          </a:stretch>
+        </p:blipFill>
+        <p:spPr bwMode="auto">
+          <a:xfrm>
+            <a:off x="7073900" y="5888567"/>
+            <a:ext cx="1830388" cy="880533"/>
+          </a:xfrm>
+          <a:prstGeom prst="rect">
+            <a:avLst/>
+          </a:prstGeom>
+          <a:noFill/>
+          <a:ln>
+            <a:noFill/>
+          </a:ln>
+          <a:extLst>
+            <a:ext uri="{909E8E84-426E-40DD-AFC4-6F175D3DCCD1}">
+              <a14:hiddenFill xmlns:a14="http://schemas.microsoft.com/office/drawing/2010/main">
+                <a:solidFill>
+                  <a:srgbClr val="FFFFFF"/>
+                </a:solidFill>
+              </a14:hiddenFill>
+            </a:ext>
+            <a:ext uri="{91240B29-F687-4F45-9708-019B960494DF}">
+              <a14:hiddenLine xmlns:a14="http://schemas.microsoft.com/office/drawing/2010/main" w="9525">
+                <a:solidFill>
+                  <a:srgbClr val="000000"/>
+                </a:solidFill>
+                <a:miter lim="800000"/>
+                <a:headEnd/>
+                <a:tailEnd/>
+              </a14:hiddenLine>
+            </a:ext>
+          </a:extLst>
+        </p:spPr>
+      </p:pic>
+    </p:spTree>
+    <p:extLst>
+      <p:ext uri="{BB962C8B-B14F-4D97-AF65-F5344CB8AC3E}">
+        <p14:creationId xmlns:p14="http://schemas.microsoft.com/office/powerpoint/2010/main" val="3851343910"/>
+      </p:ext>
+    </p:extLst>
+  </p:cSld>
+  <p:clrMap bg1="lt1" tx1="dk1" bg2="lt2" tx2="dk2" accent1="accent1" accent2="accent2" accent3="accent3" accent4="accent4" accent5="accent5" accent6="accent6" hlink="hlink" folHlink="folHlink"/>
+  <p:sldLayoutIdLst>
+    <p:sldLayoutId id="2147483680" r:id="rId1"/>
+    <p:sldLayoutId id="2147483681" r:id="rId2"/>
+  </p:sldLayoutIdLst>
+  <p:timing>
+    <p:tnLst>
+      <p:par>
+        <p:cTn id="1" dur="indefinite" restart="never" nodeType="tmRoot"/>
+      </p:par>
+    </p:tnLst>
+  </p:timing>
+  <p:hf sldNum="0" hdr="0" dt="0"/>
+  <p:txStyles>
+    <p:titleStyle>
+      <a:lvl1pPr algn="ctr" defTabSz="457200" rtl="0" eaLnBrk="1" fontAlgn="base" hangingPunct="1">
+        <a:spcBef>
+          <a:spcPct val="0"/>
+        </a:spcBef>
+        <a:spcAft>
+          <a:spcPct val="0"/>
+        </a:spcAft>
+        <a:defRPr sz="4400" kern="1200">
+          <a:solidFill>
+            <a:srgbClr val="2E85BD"/>
+          </a:solidFill>
+          <a:latin typeface="+mj-lt"/>
+          <a:ea typeface="MS PGothic" pitchFamily="34" charset="-128"/>
+          <a:cs typeface="ＭＳ Ｐゴシック" charset="0"/>
+        </a:defRPr>
+      </a:lvl1pPr>
+      <a:lvl2pPr algn="ctr" defTabSz="457200" rtl="0" eaLnBrk="1" fontAlgn="base" hangingPunct="1">
+        <a:spcBef>
+          <a:spcPct val="0"/>
+        </a:spcBef>
+        <a:spcAft>
+          <a:spcPct val="0"/>
+        </a:spcAft>
+        <a:defRPr sz="4400">
+          <a:solidFill>
+            <a:srgbClr val="2E85BD"/>
+          </a:solidFill>
+          <a:latin typeface="Century Gothic" charset="0"/>
+          <a:ea typeface="MS PGothic" pitchFamily="34" charset="-128"/>
+          <a:cs typeface="ＭＳ Ｐゴシック" charset="0"/>
+        </a:defRPr>
+      </a:lvl2pPr>
+      <a:lvl3pPr algn="ctr" defTabSz="457200" rtl="0" eaLnBrk="1" fontAlgn="base" hangingPunct="1">
+        <a:spcBef>
+          <a:spcPct val="0"/>
+        </a:spcBef>
+        <a:spcAft>
+          <a:spcPct val="0"/>
+        </a:spcAft>
+        <a:defRPr sz="4400">
+          <a:solidFill>
+            <a:srgbClr val="2E85BD"/>
+          </a:solidFill>
+          <a:latin typeface="Century Gothic" charset="0"/>
+          <a:ea typeface="MS PGothic" pitchFamily="34" charset="-128"/>
+          <a:cs typeface="ＭＳ Ｐゴシック" charset="0"/>
+        </a:defRPr>
+      </a:lvl3pPr>
+      <a:lvl4pPr algn="ctr" defTabSz="457200" rtl="0" eaLnBrk="1" fontAlgn="base" hangingPunct="1">
+        <a:spcBef>
+          <a:spcPct val="0"/>
+        </a:spcBef>
+        <a:spcAft>
+          <a:spcPct val="0"/>
+        </a:spcAft>
+        <a:defRPr sz="4400">
+          <a:solidFill>
+            <a:srgbClr val="2E85BD"/>
+          </a:solidFill>
+          <a:latin typeface="Century Gothic" charset="0"/>
+          <a:ea typeface="MS PGothic" pitchFamily="34" charset="-128"/>
+          <a:cs typeface="ＭＳ Ｐゴシック" charset="0"/>
+        </a:defRPr>
+      </a:lvl4pPr>
+      <a:lvl5pPr algn="ctr" defTabSz="457200" rtl="0" eaLnBrk="1" fontAlgn="base" hangingPunct="1">
+        <a:spcBef>
+          <a:spcPct val="0"/>
+        </a:spcBef>
+        <a:spcAft>
+          <a:spcPct val="0"/>
+        </a:spcAft>
+        <a:defRPr sz="4400">
+          <a:solidFill>
+            <a:srgbClr val="2E85BD"/>
+          </a:solidFill>
+          <a:latin typeface="Century Gothic" charset="0"/>
+          <a:ea typeface="MS PGothic" pitchFamily="34" charset="-128"/>
+          <a:cs typeface="ＭＳ Ｐゴシック" charset="0"/>
+        </a:defRPr>
+      </a:lvl5pPr>
+      <a:lvl6pPr marL="457200" algn="ctr" defTabSz="457200" rtl="0" eaLnBrk="1" fontAlgn="base" hangingPunct="1">
+        <a:spcBef>
+          <a:spcPct val="0"/>
+        </a:spcBef>
+        <a:spcAft>
+          <a:spcPct val="0"/>
+        </a:spcAft>
+        <a:defRPr sz="4400">
+          <a:solidFill>
+            <a:srgbClr val="2E85BD"/>
+          </a:solidFill>
+          <a:latin typeface="Century Gothic" charset="0"/>
+          <a:ea typeface="ＭＳ Ｐゴシック" charset="0"/>
+          <a:cs typeface="ＭＳ Ｐゴシック" charset="0"/>
+        </a:defRPr>
+      </a:lvl6pPr>
+      <a:lvl7pPr marL="914400" algn="ctr" defTabSz="457200" rtl="0" eaLnBrk="1" fontAlgn="base" hangingPunct="1">
+        <a:spcBef>
+          <a:spcPct val="0"/>
+        </a:spcBef>
+        <a:spcAft>
+          <a:spcPct val="0"/>
+        </a:spcAft>
+        <a:defRPr sz="4400">
+          <a:solidFill>
+            <a:srgbClr val="2E85BD"/>
+          </a:solidFill>
+          <a:latin typeface="Century Gothic" charset="0"/>
+          <a:ea typeface="ＭＳ Ｐゴシック" charset="0"/>
+          <a:cs typeface="ＭＳ Ｐゴシック" charset="0"/>
+        </a:defRPr>
+      </a:lvl7pPr>
+      <a:lvl8pPr marL="1371600" algn="ctr" defTabSz="457200" rtl="0" eaLnBrk="1" fontAlgn="base" hangingPunct="1">
+        <a:spcBef>
+          <a:spcPct val="0"/>
+        </a:spcBef>
+        <a:spcAft>
+          <a:spcPct val="0"/>
+        </a:spcAft>
+        <a:defRPr sz="4400">
+          <a:solidFill>
+            <a:srgbClr val="2E85BD"/>
+          </a:solidFill>
+          <a:latin typeface="Century Gothic" charset="0"/>
+          <a:ea typeface="ＭＳ Ｐゴシック" charset="0"/>
+          <a:cs typeface="ＭＳ Ｐゴシック" charset="0"/>
+        </a:defRPr>
+      </a:lvl8pPr>
+      <a:lvl9pPr marL="1828800" algn="ctr" defTabSz="457200" rtl="0" eaLnBrk="1" fontAlgn="base" hangingPunct="1">
+        <a:spcBef>
+          <a:spcPct val="0"/>
+        </a:spcBef>
+        <a:spcAft>
+          <a:spcPct val="0"/>
+        </a:spcAft>
+        <a:defRPr sz="4400">
+          <a:solidFill>
+            <a:srgbClr val="2E85BD"/>
+          </a:solidFill>
+          <a:latin typeface="Century Gothic" charset="0"/>
+          <a:ea typeface="ＭＳ Ｐゴシック" charset="0"/>
+          <a:cs typeface="ＭＳ Ｐゴシック" charset="0"/>
+        </a:defRPr>
+      </a:lvl9pPr>
+    </p:titleStyle>
+    <p:bodyStyle>
+      <a:lvl1pPr marL="342900" indent="-342900" algn="l" defTabSz="457200" rtl="0" eaLnBrk="1" fontAlgn="base" hangingPunct="1">
+        <a:spcBef>
+          <a:spcPct val="20000"/>
+        </a:spcBef>
+        <a:spcAft>
+          <a:spcPct val="0"/>
+        </a:spcAft>
+        <a:buFont typeface="Arial" panose="020B0604020202020204" pitchFamily="34" charset="0"/>
+        <a:buChar char="•"/>
+        <a:defRPr sz="3200" kern="1200">
+          <a:solidFill>
+            <a:srgbClr val="2E85BD"/>
+          </a:solidFill>
+          <a:latin typeface="+mn-lt"/>
+          <a:ea typeface="MS PGothic" pitchFamily="34" charset="-128"/>
+          <a:cs typeface="ＭＳ Ｐゴシック" charset="0"/>
+        </a:defRPr>
+      </a:lvl1pPr>
+      <a:lvl2pPr marL="742950" indent="-285750" algn="l" defTabSz="457200" rtl="0" eaLnBrk="1" fontAlgn="base" hangingPunct="1">
+        <a:spcBef>
+          <a:spcPct val="20000"/>
+        </a:spcBef>
+        <a:spcAft>
+          <a:spcPct val="0"/>
+        </a:spcAft>
+        <a:buFont typeface="Arial" panose="020B0604020202020204" pitchFamily="34" charset="0"/>
+        <a:buChar char="–"/>
+        <a:defRPr sz="2800" kern="1200">
+          <a:solidFill>
+            <a:srgbClr val="737373"/>
+          </a:solidFill>
+          <a:latin typeface="+mn-lt"/>
+          <a:ea typeface="MS PGothic" pitchFamily="34" charset="-128"/>
+          <a:cs typeface="+mn-cs"/>
+        </a:defRPr>
+      </a:lvl2pPr>
+      <a:lvl3pPr marL="1143000" indent="-228600" algn="l" defTabSz="457200" rtl="0" eaLnBrk="1" fontAlgn="base" hangingPunct="1">
+        <a:spcBef>
+          <a:spcPct val="20000"/>
+        </a:spcBef>
+        <a:spcAft>
+          <a:spcPct val="0"/>
+        </a:spcAft>
+        <a:buFont typeface="Arial" panose="020B0604020202020204" pitchFamily="34" charset="0"/>
+        <a:buChar char="•"/>
+        <a:defRPr sz="2400" kern="1200">
+          <a:solidFill>
+            <a:srgbClr val="737373"/>
+          </a:solidFill>
+          <a:latin typeface="+mn-lt"/>
+          <a:ea typeface="MS PGothic" pitchFamily="34" charset="-128"/>
+          <a:cs typeface="+mn-cs"/>
+        </a:defRPr>
+      </a:lvl3pPr>
+      <a:lvl4pPr marL="1600200" indent="-228600" algn="l" defTabSz="457200" rtl="0" eaLnBrk="1" fontAlgn="base" hangingPunct="1">
+        <a:spcBef>
+          <a:spcPct val="20000"/>
+        </a:spcBef>
+        <a:spcAft>
+          <a:spcPct val="0"/>
+        </a:spcAft>
+        <a:buFont typeface="Arial" panose="020B0604020202020204" pitchFamily="34" charset="0"/>
+        <a:buChar char="–"/>
+        <a:defRPr sz="2000" kern="1200">
+          <a:solidFill>
+            <a:srgbClr val="737373"/>
+          </a:solidFill>
+          <a:latin typeface="+mn-lt"/>
+          <a:ea typeface="MS PGothic" pitchFamily="34" charset="-128"/>
+          <a:cs typeface="+mn-cs"/>
+        </a:defRPr>
+      </a:lvl4pPr>
+      <a:lvl5pPr marL="2057400" indent="-228600" algn="l" defTabSz="457200" rtl="0" eaLnBrk="1" fontAlgn="base" hangingPunct="1">
+        <a:spcBef>
+          <a:spcPct val="20000"/>
+        </a:spcBef>
+        <a:spcAft>
+          <a:spcPct val="0"/>
+        </a:spcAft>
+        <a:buFont typeface="Arial" panose="020B0604020202020204" pitchFamily="34" charset="0"/>
+        <a:buChar char="»"/>
+        <a:defRPr sz="2000" kern="1200">
+          <a:solidFill>
+            <a:srgbClr val="737373"/>
+          </a:solidFill>
+          <a:latin typeface="+mn-lt"/>
+          <a:ea typeface="MS PGothic" pitchFamily="34" charset="-128"/>
+          <a:cs typeface="+mn-cs"/>
+        </a:defRPr>
+      </a:lvl5pPr>
+      <a:lvl6pPr marL="2514600" indent="-228600" algn="l" defTabSz="457200" rtl="0" eaLnBrk="1" latinLnBrk="0" hangingPunct="1">
+        <a:spcBef>
+          <a:spcPct val="20000"/>
+        </a:spcBef>
+        <a:buFont typeface="Arial"/>
+        <a:buChar char="•"/>
+        <a:defRPr sz="2000" kern="1200">
+          <a:solidFill>
+            <a:schemeClr val="tx1"/>
+          </a:solidFill>
+          <a:latin typeface="+mn-lt"/>
+          <a:ea typeface="+mn-ea"/>
+          <a:cs typeface="+mn-cs"/>
+        </a:defRPr>
+      </a:lvl6pPr>
+      <a:lvl7pPr marL="2971800" indent="-228600" algn="l" defTabSz="457200" rtl="0" eaLnBrk="1" latinLnBrk="0" hangingPunct="1">
+        <a:spcBef>
+          <a:spcPct val="20000"/>
+        </a:spcBef>
+        <a:buFont typeface="Arial"/>
+        <a:buChar char="•"/>
+        <a:defRPr sz="2000" kern="1200">
+          <a:solidFill>
+            <a:schemeClr val="tx1"/>
+          </a:solidFill>
+          <a:latin typeface="+mn-lt"/>
+          <a:ea typeface="+mn-ea"/>
+          <a:cs typeface="+mn-cs"/>
+        </a:defRPr>
+      </a:lvl7pPr>
+      <a:lvl8pPr marL="3429000" indent="-228600" algn="l" defTabSz="457200" rtl="0" eaLnBrk="1" latinLnBrk="0" hangingPunct="1">
+        <a:spcBef>
+          <a:spcPct val="20000"/>
+        </a:spcBef>
+        <a:buFont typeface="Arial"/>
+        <a:buChar char="•"/>
+        <a:defRPr sz="2000" kern="1200">
+          <a:solidFill>
+            <a:schemeClr val="tx1"/>
+          </a:solidFill>
+          <a:latin typeface="+mn-lt"/>
+          <a:ea typeface="+mn-ea"/>
+          <a:cs typeface="+mn-cs"/>
+        </a:defRPr>
+      </a:lvl8pPr>
+      <a:lvl9pPr marL="3886200" indent="-228600" algn="l" defTabSz="457200" rtl="0" eaLnBrk="1" latinLnBrk="0" hangingPunct="1">
+        <a:spcBef>
+          <a:spcPct val="20000"/>
+        </a:spcBef>
+        <a:buFont typeface="Arial"/>
+        <a:buChar char="•"/>
+        <a:defRPr sz="2000" kern="1200">
+          <a:solidFill>
+            <a:schemeClr val="tx1"/>
+          </a:solidFill>
+          <a:latin typeface="+mn-lt"/>
+          <a:ea typeface="+mn-ea"/>
+          <a:cs typeface="+mn-cs"/>
+        </a:defRPr>
+      </a:lvl9pPr>
+    </p:bodyStyle>
+    <p:otherStyle>
+      <a:defPPr>
+        <a:defRPr lang="en-US"/>
+      </a:defPPr>
+      <a:lvl1pPr marL="0" algn="l" defTabSz="457200" rtl="0" eaLnBrk="1" latinLnBrk="0" hangingPunct="1">
+        <a:defRPr sz="1800" kern="1200">
+          <a:solidFill>
+            <a:schemeClr val="tx1"/>
+          </a:solidFill>
+          <a:latin typeface="+mn-lt"/>
+          <a:ea typeface="+mn-ea"/>
+          <a:cs typeface="+mn-cs"/>
+        </a:defRPr>
+      </a:lvl1pPr>
+      <a:lvl2pPr marL="457200" algn="l" defTabSz="457200" rtl="0" eaLnBrk="1" latinLnBrk="0" hangingPunct="1">
+        <a:defRPr sz="1800" kern="1200">
+          <a:solidFill>
+            <a:schemeClr val="tx1"/>
+          </a:solidFill>
+          <a:latin typeface="+mn-lt"/>
+          <a:ea typeface="+mn-ea"/>
+          <a:cs typeface="+mn-cs"/>
+        </a:defRPr>
+      </a:lvl2pPr>
+      <a:lvl3pPr marL="914400" algn="l" defTabSz="457200" rtl="0" eaLnBrk="1" latinLnBrk="0" hangingPunct="1">
+        <a:defRPr sz="1800" kern="1200">
+          <a:solidFill>
+            <a:schemeClr val="tx1"/>
+          </a:solidFill>
+          <a:latin typeface="+mn-lt"/>
+          <a:ea typeface="+mn-ea"/>
+          <a:cs typeface="+mn-cs"/>
+        </a:defRPr>
+      </a:lvl3pPr>
+      <a:lvl4pPr marL="1371600" algn="l" defTabSz="457200" rtl="0" eaLnBrk="1" latinLnBrk="0" hangingPunct="1">
+        <a:defRPr sz="1800" kern="1200">
+          <a:solidFill>
+            <a:schemeClr val="tx1"/>
+          </a:solidFill>
+          <a:latin typeface="+mn-lt"/>
+          <a:ea typeface="+mn-ea"/>
+          <a:cs typeface="+mn-cs"/>
+        </a:defRPr>
+      </a:lvl4pPr>
+      <a:lvl5pPr marL="1828800" algn="l" defTabSz="457200" rtl="0" eaLnBrk="1" latinLnBrk="0" hangingPunct="1">
+        <a:defRPr sz="1800" kern="1200">
+          <a:solidFill>
+            <a:schemeClr val="tx1"/>
+          </a:solidFill>
+          <a:latin typeface="+mn-lt"/>
+          <a:ea typeface="+mn-ea"/>
+          <a:cs typeface="+mn-cs"/>
+        </a:defRPr>
+      </a:lvl5pPr>
+      <a:lvl6pPr marL="2286000" algn="l" defTabSz="457200" rtl="0" eaLnBrk="1" latinLnBrk="0" hangingPunct="1">
+        <a:defRPr sz="1800" kern="1200">
+          <a:solidFill>
+            <a:schemeClr val="tx1"/>
+          </a:solidFill>
+          <a:latin typeface="+mn-lt"/>
+          <a:ea typeface="+mn-ea"/>
+          <a:cs typeface="+mn-cs"/>
+        </a:defRPr>
+      </a:lvl6pPr>
+      <a:lvl7pPr marL="2743200" algn="l" defTabSz="457200" rtl="0" eaLnBrk="1" latinLnBrk="0" hangingPunct="1">
+        <a:defRPr sz="1800" kern="1200">
+          <a:solidFill>
+            <a:schemeClr val="tx1"/>
+          </a:solidFill>
+          <a:latin typeface="+mn-lt"/>
+          <a:ea typeface="+mn-ea"/>
+          <a:cs typeface="+mn-cs"/>
+        </a:defRPr>
+      </a:lvl7pPr>
+      <a:lvl8pPr marL="3200400" algn="l" defTabSz="457200" rtl="0" eaLnBrk="1" latinLnBrk="0" hangingPunct="1">
+        <a:defRPr sz="1800" kern="1200">
+          <a:solidFill>
+            <a:schemeClr val="tx1"/>
+          </a:solidFill>
+          <a:latin typeface="+mn-lt"/>
+          <a:ea typeface="+mn-ea"/>
+          <a:cs typeface="+mn-cs"/>
+        </a:defRPr>
+      </a:lvl8pPr>
+      <a:lvl9pPr marL="3657600" algn="l" defTabSz="457200" rtl="0" eaLnBrk="1" latinLnBrk="0" hangingPunct="1">
+        <a:defRPr sz="1800" kern="1200">
+          <a:solidFill>
+            <a:schemeClr val="tx1"/>
+          </a:solidFill>
+          <a:latin typeface="+mn-lt"/>
+          <a:ea typeface="+mn-ea"/>
+          <a:cs typeface="+mn-cs"/>
+        </a:defRPr>
+      </a:lvl9pPr>
+    </p:otherStyle>
+  </p:txStyles>
+</p:sldMaster>
+</file>
+
+<file path=ppt/slideMasters/slideMaster5.xml><?xml version="1.0" encoding="utf-8"?>
+<p:sldMaster xmlns:a="http://schemas.openxmlformats.org/drawingml/2006/main" xmlns:r="http://schemas.openxmlformats.org/officeDocument/2006/relationships" xmlns:p="http://schemas.openxmlformats.org/presentationml/2006/main" preserve="1">
+  <p:cSld>
+    <p:bg>
+      <p:bgPr>
+        <a:solidFill>
+          <a:schemeClr val="bg1"/>
+        </a:solidFill>
+        <a:effectLst/>
+      </p:bgPr>
+    </p:bg>
+    <p:spTree>
+      <p:nvGrpSpPr>
+        <p:cNvPr id="1" name=""/>
+        <p:cNvGrpSpPr/>
+        <p:nvPr/>
+      </p:nvGrpSpPr>
+      <p:grpSpPr>
+        <a:xfrm>
+          <a:off x="0" y="0"/>
+          <a:ext cx="0" cy="0"/>
+          <a:chOff x="0" y="0"/>
+          <a:chExt cx="0" cy="0"/>
+        </a:xfrm>
+      </p:grpSpPr>
+      <p:sp>
+        <p:nvSpPr>
+          <p:cNvPr id="7" name="Rectangle 6"/>
+          <p:cNvSpPr/>
+          <p:nvPr/>
+        </p:nvSpPr>
+        <p:spPr>
+          <a:xfrm>
+            <a:off x="0" y="0"/>
+            <a:ext cx="9144000" cy="6858000"/>
+          </a:xfrm>
+          <a:prstGeom prst="rect">
+            <a:avLst/>
+          </a:prstGeom>
+          <a:gradFill flip="none" rotWithShape="1">
+            <a:gsLst>
+              <a:gs pos="0">
+                <a:srgbClr val="649840"/>
+              </a:gs>
+              <a:gs pos="100000">
+                <a:schemeClr val="accent3">
+                  <a:lumMod val="50000"/>
+                </a:schemeClr>
+              </a:gs>
+            </a:gsLst>
+            <a:path path="circle">
+              <a:fillToRect l="50000" t="50000" r="50000" b="50000"/>
+            </a:path>
+            <a:tileRect/>
+          </a:gradFill>
+          <a:ln>
+            <a:noFill/>
+          </a:ln>
+        </p:spPr>
+        <p:style>
+          <a:lnRef idx="1">
+            <a:schemeClr val="accent1"/>
+          </a:lnRef>
+          <a:fillRef idx="3">
+            <a:schemeClr val="accent1"/>
+          </a:fillRef>
+          <a:effectRef idx="2">
+            <a:schemeClr val="accent1"/>
+          </a:effectRef>
+          <a:fontRef idx="minor">
+            <a:schemeClr val="lt1"/>
+          </a:fontRef>
+        </p:style>
+        <p:txBody>
+          <a:bodyPr anchor="ctr"/>
+          <a:lstStyle/>
+          <a:p>
+            <a:pPr algn="ctr">
+              <a:defRPr/>
+            </a:pPr>
+            <a:endParaRPr lang="en-US" sz="1800"/>
+          </a:p>
+        </p:txBody>
+      </p:sp>
+    </p:spTree>
+    <p:extLst>
+      <p:ext uri="{BB962C8B-B14F-4D97-AF65-F5344CB8AC3E}">
+        <p14:creationId xmlns:p14="http://schemas.microsoft.com/office/powerpoint/2010/main" val="2713651562"/>
+      </p:ext>
+    </p:extLst>
+  </p:cSld>
+  <p:clrMap bg1="lt1" tx1="dk1" bg2="lt2" tx2="dk2" accent1="accent1" accent2="accent2" accent3="accent3" accent4="accent4" accent5="accent5" accent6="accent6" hlink="hlink" folHlink="folHlink"/>
+  <p:sldLayoutIdLst>
+    <p:sldLayoutId id="2147483683" r:id="rId1"/>
+  </p:sldLayoutIdLst>
+  <p:timing>
+    <p:tnLst>
+      <p:par>
+        <p:cTn id="1" dur="indefinite" restart="never" nodeType="tmRoot"/>
+      </p:par>
+    </p:tnLst>
+  </p:timing>
+  <p:txStyles>
+    <p:titleStyle>
+      <a:lvl1pPr algn="ctr" defTabSz="457200" rtl="0" eaLnBrk="1" fontAlgn="base" hangingPunct="1">
+        <a:spcBef>
+          <a:spcPct val="0"/>
+        </a:spcBef>
+        <a:spcAft>
+          <a:spcPct val="0"/>
+        </a:spcAft>
+        <a:defRPr sz="4400" kern="1200">
+          <a:solidFill>
+            <a:schemeClr val="bg1"/>
+          </a:solidFill>
+          <a:latin typeface="Century Gothic"/>
+          <a:ea typeface="MS PGothic" pitchFamily="34" charset="-128"/>
+          <a:cs typeface="Century Gothic"/>
+        </a:defRPr>
+      </a:lvl1pPr>
+      <a:lvl2pPr algn="ctr" defTabSz="457200" rtl="0" eaLnBrk="1" fontAlgn="base" hangingPunct="1">
+        <a:spcBef>
+          <a:spcPct val="0"/>
+        </a:spcBef>
+        <a:spcAft>
+          <a:spcPct val="0"/>
+        </a:spcAft>
+        <a:defRPr sz="4400">
+          <a:solidFill>
+            <a:schemeClr val="bg1"/>
+          </a:solidFill>
+          <a:latin typeface="Century Gothic" charset="0"/>
+          <a:ea typeface="MS PGothic" pitchFamily="34" charset="-128"/>
+          <a:cs typeface="Century Gothic" panose="020B0502020202020204" pitchFamily="34" charset="0"/>
+        </a:defRPr>
+      </a:lvl2pPr>
+      <a:lvl3pPr algn="ctr" defTabSz="457200" rtl="0" eaLnBrk="1" fontAlgn="base" hangingPunct="1">
+        <a:spcBef>
+          <a:spcPct val="0"/>
+        </a:spcBef>
+        <a:spcAft>
+          <a:spcPct val="0"/>
+        </a:spcAft>
+        <a:defRPr sz="4400">
+          <a:solidFill>
+            <a:schemeClr val="bg1"/>
+          </a:solidFill>
+          <a:latin typeface="Century Gothic" charset="0"/>
+          <a:ea typeface="MS PGothic" pitchFamily="34" charset="-128"/>
+          <a:cs typeface="Century Gothic" panose="020B0502020202020204" pitchFamily="34" charset="0"/>
+        </a:defRPr>
+      </a:lvl3pPr>
+      <a:lvl4pPr algn="ctr" defTabSz="457200" rtl="0" eaLnBrk="1" fontAlgn="base" hangingPunct="1">
+        <a:spcBef>
+          <a:spcPct val="0"/>
+        </a:spcBef>
+        <a:spcAft>
+          <a:spcPct val="0"/>
+        </a:spcAft>
+        <a:defRPr sz="4400">
+          <a:solidFill>
+            <a:schemeClr val="bg1"/>
+          </a:solidFill>
+          <a:latin typeface="Century Gothic" charset="0"/>
+          <a:ea typeface="MS PGothic" pitchFamily="34" charset="-128"/>
+          <a:cs typeface="Century Gothic" panose="020B0502020202020204" pitchFamily="34" charset="0"/>
+        </a:defRPr>
+      </a:lvl4pPr>
+      <a:lvl5pPr algn="ctr" defTabSz="457200" rtl="0" eaLnBrk="1" fontAlgn="base" hangingPunct="1">
+        <a:spcBef>
+          <a:spcPct val="0"/>
+        </a:spcBef>
+        <a:spcAft>
+          <a:spcPct val="0"/>
+        </a:spcAft>
+        <a:defRPr sz="4400">
+          <a:solidFill>
+            <a:schemeClr val="bg1"/>
+          </a:solidFill>
+          <a:latin typeface="Century Gothic" charset="0"/>
+          <a:ea typeface="MS PGothic" pitchFamily="34" charset="-128"/>
+          <a:cs typeface="Century Gothic" panose="020B0502020202020204" pitchFamily="34" charset="0"/>
+        </a:defRPr>
+      </a:lvl5pPr>
+      <a:lvl6pPr marL="457200" algn="ctr" defTabSz="457200" rtl="0" eaLnBrk="1" fontAlgn="base" hangingPunct="1">
+        <a:spcBef>
+          <a:spcPct val="0"/>
+        </a:spcBef>
+        <a:spcAft>
+          <a:spcPct val="0"/>
+        </a:spcAft>
+        <a:defRPr sz="4400">
+          <a:solidFill>
+            <a:schemeClr val="bg1"/>
+          </a:solidFill>
+          <a:latin typeface="Century Gothic" charset="0"/>
+          <a:ea typeface="ＭＳ Ｐゴシック" charset="0"/>
+        </a:defRPr>
+      </a:lvl6pPr>
+      <a:lvl7pPr marL="914400" algn="ctr" defTabSz="457200" rtl="0" eaLnBrk="1" fontAlgn="base" hangingPunct="1">
+        <a:spcBef>
+          <a:spcPct val="0"/>
+        </a:spcBef>
+        <a:spcAft>
+          <a:spcPct val="0"/>
+        </a:spcAft>
+        <a:defRPr sz="4400">
+          <a:solidFill>
+            <a:schemeClr val="bg1"/>
+          </a:solidFill>
+          <a:latin typeface="Century Gothic" charset="0"/>
+          <a:ea typeface="ＭＳ Ｐゴシック" charset="0"/>
+        </a:defRPr>
+      </a:lvl7pPr>
+      <a:lvl8pPr marL="1371600" algn="ctr" defTabSz="457200" rtl="0" eaLnBrk="1" fontAlgn="base" hangingPunct="1">
+        <a:spcBef>
+          <a:spcPct val="0"/>
+        </a:spcBef>
+        <a:spcAft>
+          <a:spcPct val="0"/>
+        </a:spcAft>
+        <a:defRPr sz="4400">
+          <a:solidFill>
+            <a:schemeClr val="bg1"/>
+          </a:solidFill>
+          <a:latin typeface="Century Gothic" charset="0"/>
+          <a:ea typeface="ＭＳ Ｐゴシック" charset="0"/>
+        </a:defRPr>
+      </a:lvl8pPr>
+      <a:lvl9pPr marL="1828800" algn="ctr" defTabSz="457200" rtl="0" eaLnBrk="1" fontAlgn="base" hangingPunct="1">
+        <a:spcBef>
+          <a:spcPct val="0"/>
+        </a:spcBef>
+        <a:spcAft>
+          <a:spcPct val="0"/>
+        </a:spcAft>
+        <a:defRPr sz="4400">
+          <a:solidFill>
+            <a:schemeClr val="bg1"/>
+          </a:solidFill>
+          <a:latin typeface="Century Gothic" charset="0"/>
+          <a:ea typeface="ＭＳ Ｐゴシック" charset="0"/>
+        </a:defRPr>
+      </a:lvl9pPr>
+    </p:titleStyle>
+    <p:bodyStyle>
+      <a:lvl1pPr marL="342900" indent="-342900" algn="l" defTabSz="457200" rtl="0" eaLnBrk="1" fontAlgn="base" hangingPunct="1">
+        <a:spcBef>
+          <a:spcPct val="20000"/>
+        </a:spcBef>
+        <a:spcAft>
+          <a:spcPct val="0"/>
+        </a:spcAft>
+        <a:buFont typeface="Arial" panose="020B0604020202020204" pitchFamily="34" charset="0"/>
+        <a:buChar char="•"/>
+        <a:defRPr sz="3200" kern="1200">
+          <a:solidFill>
+            <a:schemeClr val="tx1"/>
+          </a:solidFill>
+          <a:latin typeface="+mn-lt"/>
+          <a:ea typeface="MS PGothic" pitchFamily="34" charset="-128"/>
+          <a:cs typeface="ＭＳ Ｐゴシック" charset="0"/>
+        </a:defRPr>
+      </a:lvl1pPr>
+      <a:lvl2pPr marL="742950" indent="-285750" algn="l" defTabSz="457200" rtl="0" eaLnBrk="1" fontAlgn="base" hangingPunct="1">
+        <a:spcBef>
+          <a:spcPct val="20000"/>
+        </a:spcBef>
+        <a:spcAft>
+          <a:spcPct val="0"/>
+        </a:spcAft>
+        <a:buFont typeface="Arial" panose="020B0604020202020204" pitchFamily="34" charset="0"/>
+        <a:buChar char="–"/>
+        <a:defRPr sz="2800" kern="1200">
+          <a:solidFill>
+            <a:schemeClr val="tx1"/>
+          </a:solidFill>
+          <a:latin typeface="+mn-lt"/>
+          <a:ea typeface="MS PGothic" pitchFamily="34" charset="-128"/>
+          <a:cs typeface="+mn-cs"/>
+        </a:defRPr>
+      </a:lvl2pPr>
+      <a:lvl3pPr marL="1143000" indent="-228600" algn="l" defTabSz="457200" rtl="0" eaLnBrk="1" fontAlgn="base" hangingPunct="1">
+        <a:spcBef>
+          <a:spcPct val="20000"/>
+        </a:spcBef>
+        <a:spcAft>
+          <a:spcPct val="0"/>
+        </a:spcAft>
+        <a:buFont typeface="Arial" panose="020B0604020202020204" pitchFamily="34" charset="0"/>
+        <a:buChar char="•"/>
+        <a:defRPr sz="2400" kern="1200">
+          <a:solidFill>
+            <a:schemeClr val="tx1"/>
+          </a:solidFill>
+          <a:latin typeface="+mn-lt"/>
+          <a:ea typeface="MS PGothic" pitchFamily="34" charset="-128"/>
+          <a:cs typeface="+mn-cs"/>
+        </a:defRPr>
+      </a:lvl3pPr>
+      <a:lvl4pPr marL="1600200" indent="-228600" algn="l" defTabSz="457200" rtl="0" eaLnBrk="1" fontAlgn="base" hangingPunct="1">
+        <a:spcBef>
+          <a:spcPct val="20000"/>
+        </a:spcBef>
+        <a:spcAft>
+          <a:spcPct val="0"/>
+        </a:spcAft>
+        <a:buFont typeface="Arial" panose="020B0604020202020204" pitchFamily="34" charset="0"/>
+        <a:buChar char="–"/>
+        <a:defRPr sz="2000" kern="1200">
+          <a:solidFill>
+            <a:schemeClr val="tx1"/>
+          </a:solidFill>
+          <a:latin typeface="+mn-lt"/>
+          <a:ea typeface="MS PGothic" pitchFamily="34" charset="-128"/>
+          <a:cs typeface="+mn-cs"/>
+        </a:defRPr>
+      </a:lvl4pPr>
+      <a:lvl5pPr marL="2057400" indent="-228600" algn="l" defTabSz="457200" rtl="0" eaLnBrk="1" fontAlgn="base" hangingPunct="1">
+        <a:spcBef>
+          <a:spcPct val="20000"/>
+        </a:spcBef>
+        <a:spcAft>
+          <a:spcPct val="0"/>
+        </a:spcAft>
+        <a:buFont typeface="Arial" panose="020B0604020202020204" pitchFamily="34" charset="0"/>
+        <a:buChar char="»"/>
+        <a:defRPr sz="2000" kern="1200">
+          <a:solidFill>
+            <a:schemeClr val="tx1"/>
+          </a:solidFill>
+          <a:latin typeface="+mn-lt"/>
+          <a:ea typeface="MS PGothic" pitchFamily="34" charset="-128"/>
+          <a:cs typeface="+mn-cs"/>
+        </a:defRPr>
+      </a:lvl5pPr>
+      <a:lvl6pPr marL="2514600" indent="-228600" algn="l" defTabSz="457200" rtl="0" eaLnBrk="1" latinLnBrk="0" hangingPunct="1">
+        <a:spcBef>
+          <a:spcPct val="20000"/>
+        </a:spcBef>
+        <a:buFont typeface="Arial"/>
+        <a:buChar char="•"/>
+        <a:defRPr sz="2000" kern="1200">
+          <a:solidFill>
+            <a:schemeClr val="tx1"/>
+          </a:solidFill>
+          <a:latin typeface="+mn-lt"/>
+          <a:ea typeface="+mn-ea"/>
+          <a:cs typeface="+mn-cs"/>
+        </a:defRPr>
+      </a:lvl6pPr>
+      <a:lvl7pPr marL="2971800" indent="-228600" algn="l" defTabSz="457200" rtl="0" eaLnBrk="1" latinLnBrk="0" hangingPunct="1">
+        <a:spcBef>
+          <a:spcPct val="20000"/>
+        </a:spcBef>
+        <a:buFont typeface="Arial"/>
+        <a:buChar char="•"/>
+        <a:defRPr sz="2000" kern="1200">
+          <a:solidFill>
+            <a:schemeClr val="tx1"/>
+          </a:solidFill>
+          <a:latin typeface="+mn-lt"/>
+          <a:ea typeface="+mn-ea"/>
+          <a:cs typeface="+mn-cs"/>
+        </a:defRPr>
+      </a:lvl7pPr>
+      <a:lvl8pPr marL="3429000" indent="-228600" algn="l" defTabSz="457200" rtl="0" eaLnBrk="1" latinLnBrk="0" hangingPunct="1">
+        <a:spcBef>
+          <a:spcPct val="20000"/>
+        </a:spcBef>
+        <a:buFont typeface="Arial"/>
+        <a:buChar char="•"/>
+        <a:defRPr sz="2000" kern="1200">
+          <a:solidFill>
+            <a:schemeClr val="tx1"/>
+          </a:solidFill>
+          <a:latin typeface="+mn-lt"/>
+          <a:ea typeface="+mn-ea"/>
+          <a:cs typeface="+mn-cs"/>
+        </a:defRPr>
+      </a:lvl8pPr>
+      <a:lvl9pPr marL="3886200" indent="-228600" algn="l" defTabSz="457200" rtl="0" eaLnBrk="1" latinLnBrk="0" hangingPunct="1">
+        <a:spcBef>
+          <a:spcPct val="20000"/>
+        </a:spcBef>
+        <a:buFont typeface="Arial"/>
+        <a:buChar char="•"/>
+        <a:defRPr sz="2000" kern="1200">
+          <a:solidFill>
+            <a:schemeClr val="tx1"/>
+          </a:solidFill>
+          <a:latin typeface="+mn-lt"/>
+          <a:ea typeface="+mn-ea"/>
+          <a:cs typeface="+mn-cs"/>
+        </a:defRPr>
+      </a:lvl9pPr>
+    </p:bodyStyle>
+    <p:otherStyle>
+      <a:defPPr>
+        <a:defRPr lang="en-US"/>
+      </a:defPPr>
+      <a:lvl1pPr marL="0" algn="l" defTabSz="457200" rtl="0" eaLnBrk="1" latinLnBrk="0" hangingPunct="1">
+        <a:defRPr sz="1800" kern="1200">
+          <a:solidFill>
+            <a:schemeClr val="tx1"/>
+          </a:solidFill>
+          <a:latin typeface="+mn-lt"/>
+          <a:ea typeface="+mn-ea"/>
+          <a:cs typeface="+mn-cs"/>
+        </a:defRPr>
+      </a:lvl1pPr>
+      <a:lvl2pPr marL="457200" algn="l" defTabSz="457200" rtl="0" eaLnBrk="1" latinLnBrk="0" hangingPunct="1">
+        <a:defRPr sz="1800" kern="1200">
+          <a:solidFill>
+            <a:schemeClr val="tx1"/>
+          </a:solidFill>
+          <a:latin typeface="+mn-lt"/>
+          <a:ea typeface="+mn-ea"/>
+          <a:cs typeface="+mn-cs"/>
+        </a:defRPr>
+      </a:lvl2pPr>
+      <a:lvl3pPr marL="914400" algn="l" defTabSz="457200" rtl="0" eaLnBrk="1" latinLnBrk="0" hangingPunct="1">
+        <a:defRPr sz="1800" kern="1200">
+          <a:solidFill>
+            <a:schemeClr val="tx1"/>
+          </a:solidFill>
+          <a:latin typeface="+mn-lt"/>
+          <a:ea typeface="+mn-ea"/>
+          <a:cs typeface="+mn-cs"/>
+        </a:defRPr>
+      </a:lvl3pPr>
+      <a:lvl4pPr marL="1371600" algn="l" defTabSz="457200" rtl="0" eaLnBrk="1" latinLnBrk="0" hangingPunct="1">
+        <a:defRPr sz="1800" kern="1200">
+          <a:solidFill>
+            <a:schemeClr val="tx1"/>
+          </a:solidFill>
+          <a:latin typeface="+mn-lt"/>
+          <a:ea typeface="+mn-ea"/>
+          <a:cs typeface="+mn-cs"/>
+        </a:defRPr>
+      </a:lvl4pPr>
+      <a:lvl5pPr marL="1828800" algn="l" defTabSz="457200" rtl="0" eaLnBrk="1" latinLnBrk="0" hangingPunct="1">
+        <a:defRPr sz="1800" kern="1200">
+          <a:solidFill>
+            <a:schemeClr val="tx1"/>
+          </a:solidFill>
+          <a:latin typeface="+mn-lt"/>
+          <a:ea typeface="+mn-ea"/>
+          <a:cs typeface="+mn-cs"/>
+        </a:defRPr>
+      </a:lvl5pPr>
+      <a:lvl6pPr marL="2286000" algn="l" defTabSz="457200" rtl="0" eaLnBrk="1" latinLnBrk="0" hangingPunct="1">
+        <a:defRPr sz="1800" kern="1200">
+          <a:solidFill>
+            <a:schemeClr val="tx1"/>
+          </a:solidFill>
+          <a:latin typeface="+mn-lt"/>
+          <a:ea typeface="+mn-ea"/>
+          <a:cs typeface="+mn-cs"/>
+        </a:defRPr>
+      </a:lvl6pPr>
+      <a:lvl7pPr marL="2743200" algn="l" defTabSz="457200" rtl="0" eaLnBrk="1" latinLnBrk="0" hangingPunct="1">
+        <a:defRPr sz="1800" kern="1200">
+          <a:solidFill>
+            <a:schemeClr val="tx1"/>
+          </a:solidFill>
+          <a:latin typeface="+mn-lt"/>
+          <a:ea typeface="+mn-ea"/>
+          <a:cs typeface="+mn-cs"/>
+        </a:defRPr>
+      </a:lvl7pPr>
+      <a:lvl8pPr marL="3200400" algn="l" defTabSz="457200" rtl="0" eaLnBrk="1" latinLnBrk="0" hangingPunct="1">
+        <a:defRPr sz="1800" kern="1200">
+          <a:solidFill>
+            <a:schemeClr val="tx1"/>
+          </a:solidFill>
+          <a:latin typeface="+mn-lt"/>
+          <a:ea typeface="+mn-ea"/>
+          <a:cs typeface="+mn-cs"/>
+        </a:defRPr>
+      </a:lvl8pPr>
+      <a:lvl9pPr marL="3657600" algn="l" defTabSz="457200" rtl="0" eaLnBrk="1" latinLnBrk="0" hangingPunct="1">
         <a:defRPr sz="1800" kern="1200">
           <a:solidFill>
             <a:schemeClr val="tx1"/>
@@ -3794,7 +7443,7 @@
         </p:nvSpPr>
         <p:spPr>
           <a:xfrm>
-            <a:off x="1371600" y="4191000"/>
+            <a:off x="1371600" y="3733800"/>
             <a:ext cx="6400800" cy="1752600"/>
           </a:xfrm>
         </p:spPr>
@@ -3803,22 +7452,38 @@
           <a:lstStyle/>
           <a:p>
             <a:r>
-              <a:rPr lang="en-US" dirty="0" smtClean="0"/>
+              <a:rPr lang="en-US" dirty="0" smtClean="0">
+                <a:solidFill>
+                  <a:schemeClr val="bg1"/>
+                </a:solidFill>
+              </a:rPr>
               <a:t>Steve Jones</a:t>
             </a:r>
           </a:p>
           <a:p>
             <a:r>
-              <a:rPr lang="en-US" dirty="0" smtClean="0"/>
+              <a:rPr lang="en-US" dirty="0" smtClean="0">
+                <a:solidFill>
+                  <a:schemeClr val="bg1"/>
+                </a:solidFill>
+              </a:rPr>
               <a:t>SQLServerCentral</a:t>
             </a:r>
           </a:p>
           <a:p>
             <a:r>
-              <a:rPr lang="en-US" dirty="0" smtClean="0"/>
+              <a:rPr lang="en-US" dirty="0" smtClean="0">
+                <a:solidFill>
+                  <a:schemeClr val="bg1"/>
+                </a:solidFill>
+              </a:rPr>
               <a:t>Red Gate Software</a:t>
             </a:r>
-            <a:endParaRPr lang="en-US" dirty="0"/>
+            <a:endParaRPr lang="en-US" dirty="0">
+              <a:solidFill>
+                <a:schemeClr val="bg1"/>
+              </a:solidFill>
+            </a:endParaRPr>
           </a:p>
         </p:txBody>
       </p:sp>
@@ -3844,7 +7509,7 @@
         </p:blipFill>
         <p:spPr>
           <a:xfrm>
-            <a:off x="457200" y="4648200"/>
+            <a:off x="336176" y="4191000"/>
             <a:ext cx="2070847" cy="914400"/>
           </a:xfrm>
           <a:prstGeom prst="rect">
@@ -3874,7 +7539,7 @@
         </p:blipFill>
         <p:spPr>
           <a:xfrm>
-            <a:off x="6629400" y="4810125"/>
+            <a:off x="6824662" y="4444666"/>
             <a:ext cx="1895475" cy="590550"/>
           </a:xfrm>
           <a:prstGeom prst="rect">
@@ -7551,13 +11216,14 @@
             </a:r>
           </a:p>
           <a:p>
-            <a:r>
-              <a:rPr lang="en-US" dirty="0" smtClean="0"/>
-              <a:t>More information</a:t>
-            </a:r>
-            <a:endParaRPr lang="en-US" sz="3200" dirty="0" smtClean="0">
-              <a:hlinkClick r:id="rId2"/>
-            </a:endParaRPr>
+            <a:pPr lvl="1"/>
+            <a:r>
+              <a:rPr lang="en-US" sz="2400" dirty="0" smtClean="0">
+                <a:hlinkClick r:id="rId2"/>
+              </a:rPr>
+              <a:t>www.sqlservercentral.com/Forums</a:t>
+            </a:r>
+            <a:endParaRPr lang="en-US" sz="2400" dirty="0" smtClean="0"/>
           </a:p>
           <a:p>
             <a:pPr lvl="1"/>
@@ -7565,16 +11231,6 @@
               <a:rPr lang="en-US" sz="2400" dirty="0" smtClean="0">
                 <a:hlinkClick r:id="rId3"/>
               </a:rPr>
-              <a:t>www.sqlservercentral.com/Forums</a:t>
-            </a:r>
-            <a:endParaRPr lang="en-US" sz="2400" dirty="0" smtClean="0"/>
-          </a:p>
-          <a:p>
-            <a:pPr lvl="1"/>
-            <a:r>
-              <a:rPr lang="en-US" sz="2400" dirty="0" smtClean="0">
-                <a:hlinkClick r:id="rId4"/>
-              </a:rPr>
               <a:t>www.sqlservercentral.com/Window Functions</a:t>
             </a:r>
             <a:endParaRPr lang="en-US" sz="2400" dirty="0"/>
@@ -7589,7 +11245,7 @@
         </p:nvSpPr>
         <p:spPr>
           <a:xfrm>
-            <a:off x="1028079" y="5149663"/>
+            <a:off x="951879" y="4423441"/>
             <a:ext cx="3973501" cy="507831"/>
           </a:xfrm>
           <a:prstGeom prst="rect">
@@ -7609,12 +11265,6 @@
             </a:pPr>
             <a:r>
               <a:rPr lang="en-US" sz="2700" dirty="0">
-                <a:solidFill>
-                  <a:schemeClr val="tx1">
-                    <a:lumMod val="50000"/>
-                    <a:lumOff val="50000"/>
-                  </a:schemeClr>
-                </a:solidFill>
                 <a:latin typeface="Microsoft Sans Serif" panose="020B0604020202020204" pitchFamily="34" charset="0"/>
               </a:rPr>
               <a:t>www.voiceofthedba.com</a:t>
@@ -7630,7 +11280,7 @@
         </p:nvSpPr>
         <p:spPr>
           <a:xfrm>
-            <a:off x="1028077" y="5850139"/>
+            <a:off x="951877" y="5123917"/>
             <a:ext cx="4460872" cy="461665"/>
           </a:xfrm>
           <a:prstGeom prst="rect">
@@ -7649,26 +11299,11 @@
               </a:spcAft>
             </a:pPr>
             <a:r>
-              <a:rPr lang="en-US" sz="2400" dirty="0" err="1">
-                <a:solidFill>
-                  <a:schemeClr val="tx1">
-                    <a:lumMod val="50000"/>
-                    <a:lumOff val="50000"/>
-                  </a:schemeClr>
-                </a:solidFill>
+              <a:rPr lang="en-US" sz="2400" dirty="0">
                 <a:latin typeface="Microsoft Sans Serif" panose="020B0604020202020204" pitchFamily="34" charset="0"/>
               </a:rPr>
               <a:t>sjones@sqlservercentral.com</a:t>
             </a:r>
-            <a:endParaRPr lang="en-US" sz="2400" dirty="0">
-              <a:solidFill>
-                <a:schemeClr val="tx1">
-                  <a:lumMod val="50000"/>
-                  <a:lumOff val="50000"/>
-                </a:schemeClr>
-              </a:solidFill>
-              <a:latin typeface="Microsoft Sans Serif" panose="020B0604020202020204" pitchFamily="34" charset="0"/>
-            </a:endParaRPr>
           </a:p>
         </p:txBody>
       </p:sp>
@@ -7680,7 +11315,7 @@
         </p:nvSpPr>
         <p:spPr>
           <a:xfrm>
-            <a:off x="5964230" y="5145822"/>
+            <a:off x="5888030" y="4419600"/>
             <a:ext cx="3560770" cy="507831"/>
           </a:xfrm>
           <a:prstGeom prst="rect">
@@ -7700,12 +11335,6 @@
             </a:pPr>
             <a:r>
               <a:rPr lang="en-US" sz="2700" dirty="0">
-                <a:solidFill>
-                  <a:schemeClr val="tx1">
-                    <a:lumMod val="50000"/>
-                    <a:lumOff val="50000"/>
-                  </a:schemeClr>
-                </a:solidFill>
                 <a:latin typeface="Microsoft Sans Serif" panose="020B0604020202020204" pitchFamily="34" charset="0"/>
               </a:rPr>
               <a:t>@way0utwest</a:t>
@@ -7722,14 +11351,14 @@
           <p:nvPr/>
         </p:nvPicPr>
         <p:blipFill>
-          <a:blip r:embed="rId5"/>
+          <a:blip r:embed="rId4"/>
           <a:stretch>
             <a:fillRect/>
           </a:stretch>
         </p:blipFill>
         <p:spPr>
           <a:xfrm>
-            <a:off x="457200" y="5179620"/>
+            <a:off x="381000" y="4453398"/>
             <a:ext cx="434779" cy="478257"/>
           </a:xfrm>
           <a:prstGeom prst="rect">
@@ -7746,14 +11375,14 @@
           <p:nvPr/>
         </p:nvPicPr>
         <p:blipFill>
-          <a:blip r:embed="rId6"/>
+          <a:blip r:embed="rId5"/>
           <a:stretch>
             <a:fillRect/>
           </a:stretch>
         </p:blipFill>
         <p:spPr>
           <a:xfrm>
-            <a:off x="457200" y="5945386"/>
+            <a:off x="381000" y="5219164"/>
             <a:ext cx="463485" cy="379214"/>
           </a:xfrm>
           <a:prstGeom prst="rect">
@@ -7770,14 +11399,14 @@
           <p:nvPr/>
         </p:nvPicPr>
         <p:blipFill>
-          <a:blip r:embed="rId7"/>
+          <a:blip r:embed="rId6"/>
           <a:stretch>
             <a:fillRect/>
           </a:stretch>
         </p:blipFill>
         <p:spPr>
           <a:xfrm>
-            <a:off x="5393350" y="5183920"/>
+            <a:off x="5317150" y="4457698"/>
             <a:ext cx="504842" cy="462772"/>
           </a:xfrm>
           <a:prstGeom prst="rect">
@@ -7794,7 +11423,7 @@
           <p:nvPr/>
         </p:nvPicPr>
         <p:blipFill>
-          <a:blip r:embed="rId8" cstate="print">
+          <a:blip r:embed="rId7" cstate="print">
             <a:extLst>
               <a:ext uri="{28A0092B-C50C-407E-A947-70E740481C1C}">
                 <a14:useLocalDpi xmlns:a14="http://schemas.microsoft.com/office/drawing/2010/main" val="0"/>
@@ -7807,7 +11436,7 @@
         </p:blipFill>
         <p:spPr>
           <a:xfrm>
-            <a:off x="5393350" y="5816768"/>
+            <a:off x="5317150" y="5090546"/>
             <a:ext cx="495926" cy="495926"/>
           </a:xfrm>
           <a:prstGeom prst="rect">
@@ -7823,7 +11452,7 @@
         </p:nvSpPr>
         <p:spPr>
           <a:xfrm>
-            <a:off x="5964232" y="5816769"/>
+            <a:off x="5888032" y="5090547"/>
             <a:ext cx="3006223" cy="507831"/>
           </a:xfrm>
           <a:prstGeom prst="rect">
@@ -7844,12 +11473,6 @@
             </a:pPr>
             <a:r>
               <a:rPr lang="en-US" sz="2700" dirty="0">
-                <a:solidFill>
-                  <a:schemeClr val="tx1">
-                    <a:lumMod val="50000"/>
-                    <a:lumOff val="50000"/>
-                  </a:schemeClr>
-                </a:solidFill>
                 <a:latin typeface="Microsoft Sans Serif" panose="020B0604020202020204" pitchFamily="34" charset="0"/>
               </a:rPr>
               <a:t>/in/way0utwest</a:t>
@@ -8430,7 +12053,7 @@
         </p:blipFill>
         <p:spPr bwMode="auto">
           <a:xfrm>
-            <a:off x="457200" y="1981200"/>
+            <a:off x="457200" y="1371600"/>
             <a:ext cx="2955245" cy="2561964"/>
           </a:xfrm>
           <a:prstGeom prst="rect">
@@ -8456,7 +12079,7 @@
         </p:nvSpPr>
         <p:spPr>
           <a:xfrm>
-            <a:off x="4412004" y="2085536"/>
+            <a:off x="4378330" y="1780736"/>
             <a:ext cx="3973501" cy="507831"/>
           </a:xfrm>
           <a:prstGeom prst="rect">
@@ -8476,12 +12099,6 @@
             </a:pPr>
             <a:r>
               <a:rPr lang="en-US" sz="2700" dirty="0">
-                <a:solidFill>
-                  <a:schemeClr val="tx1">
-                    <a:lumMod val="50000"/>
-                    <a:lumOff val="50000"/>
-                  </a:schemeClr>
-                </a:solidFill>
                 <a:latin typeface="Microsoft Sans Serif" panose="020B0604020202020204" pitchFamily="34" charset="0"/>
               </a:rPr>
               <a:t>www.voiceofthedba.com</a:t>
@@ -8497,7 +12114,7 @@
         </p:nvSpPr>
         <p:spPr>
           <a:xfrm>
-            <a:off x="4412002" y="2786012"/>
+            <a:off x="4378328" y="2481212"/>
             <a:ext cx="4460872" cy="461665"/>
           </a:xfrm>
           <a:prstGeom prst="rect">
@@ -8516,26 +12133,11 @@
               </a:spcAft>
             </a:pPr>
             <a:r>
-              <a:rPr lang="en-US" sz="2400" dirty="0" err="1">
-                <a:solidFill>
-                  <a:schemeClr val="tx1">
-                    <a:lumMod val="50000"/>
-                    <a:lumOff val="50000"/>
-                  </a:schemeClr>
-                </a:solidFill>
+              <a:rPr lang="en-US" sz="2400" dirty="0">
                 <a:latin typeface="Microsoft Sans Serif" panose="020B0604020202020204" pitchFamily="34" charset="0"/>
               </a:rPr>
               <a:t>sjones@sqlservercentral.com</a:t>
             </a:r>
-            <a:endParaRPr lang="en-US" sz="2400" dirty="0">
-              <a:solidFill>
-                <a:schemeClr val="tx1">
-                  <a:lumMod val="50000"/>
-                  <a:lumOff val="50000"/>
-                </a:schemeClr>
-              </a:solidFill>
-              <a:latin typeface="Microsoft Sans Serif" panose="020B0604020202020204" pitchFamily="34" charset="0"/>
-            </a:endParaRPr>
           </a:p>
         </p:txBody>
       </p:sp>
@@ -8547,7 +12149,7 @@
         </p:nvSpPr>
         <p:spPr>
           <a:xfrm>
-            <a:off x="4412002" y="3469422"/>
+            <a:off x="4378328" y="3164622"/>
             <a:ext cx="3560770" cy="507831"/>
           </a:xfrm>
           <a:prstGeom prst="rect">
@@ -8567,12 +12169,6 @@
             </a:pPr>
             <a:r>
               <a:rPr lang="en-US" sz="2700" dirty="0">
-                <a:solidFill>
-                  <a:schemeClr val="tx1">
-                    <a:lumMod val="50000"/>
-                    <a:lumOff val="50000"/>
-                  </a:schemeClr>
-                </a:solidFill>
                 <a:latin typeface="Microsoft Sans Serif" panose="020B0604020202020204" pitchFamily="34" charset="0"/>
               </a:rPr>
               <a:t>@way0utwest</a:t>
@@ -8588,7 +12184,7 @@
         </p:nvSpPr>
         <p:spPr>
           <a:xfrm>
-            <a:off x="3733800" y="1447800"/>
+            <a:off x="3700126" y="1143000"/>
             <a:ext cx="2284600" cy="523220"/>
           </a:xfrm>
           <a:prstGeom prst="rect">
@@ -8631,7 +12227,7 @@
         </p:blipFill>
         <p:spPr>
           <a:xfrm>
-            <a:off x="3841125" y="2115493"/>
+            <a:off x="3807451" y="1810693"/>
             <a:ext cx="434779" cy="478257"/>
           </a:xfrm>
           <a:prstGeom prst="rect">
@@ -8655,7 +12251,7 @@
         </p:blipFill>
         <p:spPr>
           <a:xfrm>
-            <a:off x="3841125" y="2881259"/>
+            <a:off x="3807451" y="2576459"/>
             <a:ext cx="463485" cy="379214"/>
           </a:xfrm>
           <a:prstGeom prst="rect">
@@ -8679,7 +12275,7 @@
         </p:blipFill>
         <p:spPr>
           <a:xfrm>
-            <a:off x="3841122" y="3507520"/>
+            <a:off x="3807448" y="3202720"/>
             <a:ext cx="504842" cy="462772"/>
           </a:xfrm>
           <a:prstGeom prst="rect">
@@ -8709,7 +12305,7 @@
         </p:blipFill>
         <p:spPr>
           <a:xfrm>
-            <a:off x="3841122" y="4140368"/>
+            <a:off x="3807448" y="3835568"/>
             <a:ext cx="495926" cy="495926"/>
           </a:xfrm>
           <a:prstGeom prst="rect">
@@ -8725,7 +12321,7 @@
         </p:nvSpPr>
         <p:spPr>
           <a:xfrm>
-            <a:off x="4412004" y="4140369"/>
+            <a:off x="4378330" y="3835569"/>
             <a:ext cx="3006223" cy="507831"/>
           </a:xfrm>
           <a:prstGeom prst="rect">
@@ -8746,12 +12342,6 @@
             </a:pPr>
             <a:r>
               <a:rPr lang="en-US" sz="2700" dirty="0">
-                <a:solidFill>
-                  <a:schemeClr val="tx1">
-                    <a:lumMod val="50000"/>
-                    <a:lumOff val="50000"/>
-                  </a:schemeClr>
-                </a:solidFill>
                 <a:latin typeface="Microsoft Sans Serif" panose="020B0604020202020204" pitchFamily="34" charset="0"/>
               </a:rPr>
               <a:t>/in/way0utwest</a:t>
@@ -8767,8 +12357,8 @@
         </p:nvSpPr>
         <p:spPr>
           <a:xfrm>
-            <a:off x="711204" y="4955250"/>
-            <a:ext cx="7943850" cy="1569660"/>
+            <a:off x="711204" y="4572000"/>
+            <a:ext cx="7943850" cy="1200329"/>
           </a:xfrm>
           <a:prstGeom prst="rect">
             <a:avLst/>
@@ -8786,12 +12376,23 @@
               <a:buChar char="§"/>
             </a:pPr>
             <a:r>
-              <a:rPr lang="en-US" sz="2400" dirty="0">
+              <a:rPr lang="en-US" sz="2400" dirty="0" smtClean="0">
                 <a:latin typeface="Arial" panose="020B0604020202020204" pitchFamily="34" charset="0"/>
                 <a:cs typeface="Arial" panose="020B0604020202020204" pitchFamily="34" charset="0"/>
               </a:rPr>
-              <a:t>Editor and founder, SQLServerCentral</a:t>
-            </a:r>
+              <a:t>Editor and founder, </a:t>
+            </a:r>
+            <a:r>
+              <a:rPr lang="en-US" sz="2400" dirty="0" err="1" smtClean="0">
+                <a:latin typeface="Arial" panose="020B0604020202020204" pitchFamily="34" charset="0"/>
+                <a:cs typeface="Arial" panose="020B0604020202020204" pitchFamily="34" charset="0"/>
+              </a:rPr>
+              <a:t>SQLServerCentral</a:t>
+            </a:r>
+            <a:endParaRPr lang="en-US" sz="2400" dirty="0" smtClean="0">
+              <a:latin typeface="Arial" panose="020B0604020202020204" pitchFamily="34" charset="0"/>
+              <a:cs typeface="Arial" panose="020B0604020202020204" pitchFamily="34" charset="0"/>
+            </a:endParaRPr>
           </a:p>
           <a:p>
             <a:pPr marL="742950" lvl="1" indent="-285750">
@@ -8799,7 +12400,7 @@
               <a:buChar char="§"/>
             </a:pPr>
             <a:r>
-              <a:rPr lang="en-US" sz="2400" dirty="0">
+              <a:rPr lang="en-US" sz="2400" dirty="0" smtClean="0">
                 <a:latin typeface="Arial" panose="020B0604020202020204" pitchFamily="34" charset="0"/>
                 <a:cs typeface="Arial" panose="020B0604020202020204" pitchFamily="34" charset="0"/>
               </a:rPr>
@@ -8812,36 +12413,12 @@
               <a:buChar char="§"/>
             </a:pPr>
             <a:r>
-              <a:rPr lang="en-US" sz="2400" dirty="0">
+              <a:rPr lang="en-US" sz="2400" dirty="0" smtClean="0">
                 <a:latin typeface="Arial" panose="020B0604020202020204" pitchFamily="34" charset="0"/>
                 <a:cs typeface="Arial" panose="020B0604020202020204" pitchFamily="34" charset="0"/>
               </a:rPr>
               <a:t>Working with SQL Server since 1991 (v4.2)</a:t>
             </a:r>
-          </a:p>
-          <a:p>
-            <a:pPr marL="742950" lvl="1" indent="-285750">
-              <a:buFont typeface="Wingdings" panose="05000000000000000000" pitchFamily="2" charset="2"/>
-              <a:buChar char="§"/>
-            </a:pPr>
-            <a:r>
-              <a:rPr lang="en-US" sz="2400" dirty="0">
-                <a:latin typeface="Arial" panose="020B0604020202020204" pitchFamily="34" charset="0"/>
-                <a:cs typeface="Arial" panose="020B0604020202020204" pitchFamily="34" charset="0"/>
-              </a:rPr>
-              <a:t>Author </a:t>
-            </a:r>
-            <a:r>
-              <a:rPr lang="en-US" sz="2400" dirty="0" smtClean="0">
-                <a:latin typeface="Arial" panose="020B0604020202020204" pitchFamily="34" charset="0"/>
-                <a:cs typeface="Arial" panose="020B0604020202020204" pitchFamily="34" charset="0"/>
-              </a:rPr>
-              <a:t>and speaker on many SQL Server topics</a:t>
-            </a:r>
-            <a:endParaRPr lang="en-US" sz="2400" dirty="0">
-              <a:latin typeface="Arial" panose="020B0604020202020204" pitchFamily="34" charset="0"/>
-              <a:cs typeface="Arial" panose="020B0604020202020204" pitchFamily="34" charset="0"/>
-            </a:endParaRPr>
           </a:p>
         </p:txBody>
       </p:sp>
@@ -9469,7 +13046,7 @@
 </file>
 
 <file path=ppt/theme/theme1.xml><?xml version="1.0" encoding="utf-8"?>
-<a:theme xmlns:a="http://schemas.openxmlformats.org/drawingml/2006/main" name="Office Theme">
+<a:theme xmlns:a="http://schemas.openxmlformats.org/drawingml/2006/main" name="1_Custom Design">
   <a:themeElements>
     <a:clrScheme name="Office">
       <a:dk1>
@@ -9543,6 +13120,7 @@
         <a:font script="Mong" typeface="Mongolian Baiti"/>
         <a:font script="Viet" typeface="Times New Roman"/>
         <a:font script="Uigh" typeface="Microsoft Uighur"/>
+        <a:font script="Geor" typeface="Sylfaen"/>
       </a:majorFont>
       <a:minorFont>
         <a:latin typeface="Calibri"/>
@@ -9577,6 +13155,7 @@
         <a:font script="Mong" typeface="Mongolian Baiti"/>
         <a:font script="Viet" typeface="Arial"/>
         <a:font script="Uigh" typeface="Microsoft Uighur"/>
+        <a:font script="Geor" typeface="Sylfaen"/>
       </a:minorFont>
     </a:fontScheme>
     <a:fmtScheme name="Office">
@@ -9611,20 +13190,16 @@
           <a:gsLst>
             <a:gs pos="0">
               <a:schemeClr val="phClr">
-                <a:shade val="51000"/>
-                <a:satMod val="130000"/>
-              </a:schemeClr>
-            </a:gs>
-            <a:gs pos="80000">
-              <a:schemeClr val="phClr">
-                <a:shade val="93000"/>
+                <a:tint val="100000"/>
+                <a:shade val="100000"/>
                 <a:satMod val="130000"/>
               </a:schemeClr>
             </a:gs>
             <a:gs pos="100000">
               <a:schemeClr val="phClr">
-                <a:shade val="94000"/>
-                <a:satMod val="135000"/>
+                <a:tint val="50000"/>
+                <a:shade val="100000"/>
+                <a:satMod val="350000"/>
               </a:schemeClr>
             </a:gs>
           </a:gsLst>
@@ -9746,12 +13321,1331 @@
       </a:bgFillStyleLst>
     </a:fmtScheme>
   </a:themeElements>
-  <a:objectDefaults/>
+  <a:objectDefaults>
+    <a:spDef>
+      <a:spPr/>
+      <a:bodyPr/>
+      <a:lstStyle/>
+      <a:style>
+        <a:lnRef idx="1">
+          <a:schemeClr val="accent1"/>
+        </a:lnRef>
+        <a:fillRef idx="3">
+          <a:schemeClr val="accent1"/>
+        </a:fillRef>
+        <a:effectRef idx="2">
+          <a:schemeClr val="accent1"/>
+        </a:effectRef>
+        <a:fontRef idx="minor">
+          <a:schemeClr val="lt1"/>
+        </a:fontRef>
+      </a:style>
+    </a:spDef>
+    <a:lnDef>
+      <a:spPr/>
+      <a:bodyPr/>
+      <a:lstStyle/>
+      <a:style>
+        <a:lnRef idx="2">
+          <a:schemeClr val="accent1"/>
+        </a:lnRef>
+        <a:fillRef idx="0">
+          <a:schemeClr val="accent1"/>
+        </a:fillRef>
+        <a:effectRef idx="1">
+          <a:schemeClr val="accent1"/>
+        </a:effectRef>
+        <a:fontRef idx="minor">
+          <a:schemeClr val="tx1"/>
+        </a:fontRef>
+      </a:style>
+    </a:lnDef>
+  </a:objectDefaults>
   <a:extraClrSchemeLst/>
 </a:theme>
 </file>
 
 <file path=ppt/theme/theme2.xml><?xml version="1.0" encoding="utf-8"?>
+<a:theme xmlns:a="http://schemas.openxmlformats.org/drawingml/2006/main" name="Title Master">
+  <a:themeElements>
+    <a:clrScheme name="Connections Colors">
+      <a:dk1>
+        <a:sysClr val="windowText" lastClr="000000"/>
+      </a:dk1>
+      <a:lt1>
+        <a:srgbClr val="CECFCD"/>
+      </a:lt1>
+      <a:dk2>
+        <a:srgbClr val="0D395E"/>
+      </a:dk2>
+      <a:lt2>
+        <a:srgbClr val="39A8FF"/>
+      </a:lt2>
+      <a:accent1>
+        <a:srgbClr val="5D8825"/>
+      </a:accent1>
+      <a:accent2>
+        <a:srgbClr val="E6E6E6"/>
+      </a:accent2>
+      <a:accent3>
+        <a:srgbClr val="C8C8C8"/>
+      </a:accent3>
+      <a:accent4>
+        <a:srgbClr val="AFAFAF"/>
+      </a:accent4>
+      <a:accent5>
+        <a:srgbClr val="7D7D7D"/>
+      </a:accent5>
+      <a:accent6>
+        <a:srgbClr val="E89019"/>
+      </a:accent6>
+      <a:hlink>
+        <a:srgbClr val="C8C8C8"/>
+      </a:hlink>
+      <a:folHlink>
+        <a:srgbClr val="E6E6E6"/>
+      </a:folHlink>
+    </a:clrScheme>
+    <a:fontScheme name="Austin">
+      <a:majorFont>
+        <a:latin typeface="Century Gothic"/>
+        <a:ea typeface=""/>
+        <a:cs typeface=""/>
+        <a:font script="Jpan" typeface="ＭＳ ゴシック"/>
+        <a:font script="Hang" typeface="HY중고딕"/>
+        <a:font script="Hans" typeface="微软雅黑"/>
+        <a:font script="Hant" typeface="微軟正黑體"/>
+        <a:font script="Arab" typeface="Tahoma"/>
+        <a:font script="Hebr" typeface="Gisha"/>
+        <a:font script="Thai" typeface="DilleniaUPC"/>
+        <a:font script="Ethi" typeface="Nyala"/>
+        <a:font script="Beng" typeface="Vrinda"/>
+        <a:font script="Gujr" typeface="Shruti"/>
+        <a:font script="Khmr" typeface="DaunPenh"/>
+        <a:font script="Knda" typeface="Tunga"/>
+        <a:font script="Guru" typeface="Raavi"/>
+        <a:font script="Cans" typeface="Euphemia"/>
+        <a:font script="Cher" typeface="Plantagenet Cherokee"/>
+        <a:font script="Yiii" typeface="Microsoft Yi Baiti"/>
+        <a:font script="Tibt" typeface="Microsoft Himalaya"/>
+        <a:font script="Thaa" typeface="MV Boli"/>
+        <a:font script="Deva" typeface="Mangal"/>
+        <a:font script="Telu" typeface="Gautami"/>
+        <a:font script="Taml" typeface="Latha"/>
+        <a:font script="Syrc" typeface="Estrangelo Edessa"/>
+        <a:font script="Orya" typeface="Kalinga"/>
+        <a:font script="Mlym" typeface="Kartika"/>
+        <a:font script="Laoo" typeface="DokChampa"/>
+        <a:font script="Sinh" typeface="Iskoola Pota"/>
+        <a:font script="Mong" typeface="Mongolian Baiti"/>
+        <a:font script="Viet" typeface="Tahoma"/>
+        <a:font script="Uigh" typeface="Microsoft Uighur"/>
+        <a:font script="Geor" typeface="Sylfaen"/>
+      </a:majorFont>
+      <a:minorFont>
+        <a:latin typeface="Century Gothic"/>
+        <a:ea typeface=""/>
+        <a:cs typeface=""/>
+        <a:font script="Jpan" typeface="ＭＳ ゴシック"/>
+        <a:font script="Hang" typeface="HY중고딕"/>
+        <a:font script="Hans" typeface="微软雅黑"/>
+        <a:font script="Hant" typeface="微軟正黑體"/>
+        <a:font script="Arab" typeface="Tahoma"/>
+        <a:font script="Hebr" typeface="Gisha"/>
+        <a:font script="Thai" typeface="DilleniaUPC"/>
+        <a:font script="Ethi" typeface="Nyala"/>
+        <a:font script="Beng" typeface="Vrinda"/>
+        <a:font script="Gujr" typeface="Shruti"/>
+        <a:font script="Khmr" typeface="DaunPenh"/>
+        <a:font script="Knda" typeface="Tunga"/>
+        <a:font script="Guru" typeface="Raavi"/>
+        <a:font script="Cans" typeface="Euphemia"/>
+        <a:font script="Cher" typeface="Plantagenet Cherokee"/>
+        <a:font script="Yiii" typeface="Microsoft Yi Baiti"/>
+        <a:font script="Tibt" typeface="Microsoft Himalaya"/>
+        <a:font script="Thaa" typeface="MV Boli"/>
+        <a:font script="Deva" typeface="Mangal"/>
+        <a:font script="Telu" typeface="Gautami"/>
+        <a:font script="Taml" typeface="Latha"/>
+        <a:font script="Syrc" typeface="Estrangelo Edessa"/>
+        <a:font script="Orya" typeface="Kalinga"/>
+        <a:font script="Mlym" typeface="Kartika"/>
+        <a:font script="Laoo" typeface="DokChampa"/>
+        <a:font script="Sinh" typeface="Iskoola Pota"/>
+        <a:font script="Mong" typeface="Mongolian Baiti"/>
+        <a:font script="Viet" typeface="Verdana"/>
+        <a:font script="Uigh" typeface="Microsoft Uighur"/>
+        <a:font script="Geor" typeface="Sylfaen"/>
+      </a:minorFont>
+    </a:fontScheme>
+    <a:fmtScheme name="Office">
+      <a:fillStyleLst>
+        <a:solidFill>
+          <a:schemeClr val="phClr"/>
+        </a:solidFill>
+        <a:gradFill rotWithShape="1">
+          <a:gsLst>
+            <a:gs pos="0">
+              <a:schemeClr val="phClr">
+                <a:tint val="50000"/>
+                <a:satMod val="300000"/>
+              </a:schemeClr>
+            </a:gs>
+            <a:gs pos="35000">
+              <a:schemeClr val="phClr">
+                <a:tint val="37000"/>
+                <a:satMod val="300000"/>
+              </a:schemeClr>
+            </a:gs>
+            <a:gs pos="100000">
+              <a:schemeClr val="phClr">
+                <a:tint val="15000"/>
+                <a:satMod val="350000"/>
+              </a:schemeClr>
+            </a:gs>
+          </a:gsLst>
+          <a:lin ang="16200000" scaled="1"/>
+        </a:gradFill>
+        <a:gradFill rotWithShape="1">
+          <a:gsLst>
+            <a:gs pos="0">
+              <a:schemeClr val="phClr">
+                <a:tint val="100000"/>
+                <a:shade val="100000"/>
+                <a:satMod val="130000"/>
+              </a:schemeClr>
+            </a:gs>
+            <a:gs pos="100000">
+              <a:schemeClr val="phClr">
+                <a:tint val="50000"/>
+                <a:shade val="100000"/>
+                <a:satMod val="350000"/>
+              </a:schemeClr>
+            </a:gs>
+          </a:gsLst>
+          <a:lin ang="16200000" scaled="0"/>
+        </a:gradFill>
+      </a:fillStyleLst>
+      <a:lnStyleLst>
+        <a:ln w="9525" cap="flat" cmpd="sng" algn="ctr">
+          <a:solidFill>
+            <a:schemeClr val="phClr">
+              <a:shade val="95000"/>
+              <a:satMod val="105000"/>
+            </a:schemeClr>
+          </a:solidFill>
+          <a:prstDash val="solid"/>
+        </a:ln>
+        <a:ln w="25400" cap="flat" cmpd="sng" algn="ctr">
+          <a:solidFill>
+            <a:schemeClr val="phClr"/>
+          </a:solidFill>
+          <a:prstDash val="solid"/>
+        </a:ln>
+        <a:ln w="38100" cap="flat" cmpd="sng" algn="ctr">
+          <a:solidFill>
+            <a:schemeClr val="phClr"/>
+          </a:solidFill>
+          <a:prstDash val="solid"/>
+        </a:ln>
+      </a:lnStyleLst>
+      <a:effectStyleLst>
+        <a:effectStyle>
+          <a:effectLst>
+            <a:outerShdw blurRad="40000" dist="20000" dir="5400000" rotWithShape="0">
+              <a:srgbClr val="000000">
+                <a:alpha val="38000"/>
+              </a:srgbClr>
+            </a:outerShdw>
+          </a:effectLst>
+        </a:effectStyle>
+        <a:effectStyle>
+          <a:effectLst>
+            <a:outerShdw blurRad="40000" dist="23000" dir="5400000" rotWithShape="0">
+              <a:srgbClr val="000000">
+                <a:alpha val="35000"/>
+              </a:srgbClr>
+            </a:outerShdw>
+          </a:effectLst>
+        </a:effectStyle>
+        <a:effectStyle>
+          <a:effectLst>
+            <a:outerShdw blurRad="40000" dist="23000" dir="5400000" rotWithShape="0">
+              <a:srgbClr val="000000">
+                <a:alpha val="35000"/>
+              </a:srgbClr>
+            </a:outerShdw>
+          </a:effectLst>
+          <a:scene3d>
+            <a:camera prst="orthographicFront">
+              <a:rot lat="0" lon="0" rev="0"/>
+            </a:camera>
+            <a:lightRig rig="threePt" dir="t">
+              <a:rot lat="0" lon="0" rev="1200000"/>
+            </a:lightRig>
+          </a:scene3d>
+          <a:sp3d>
+            <a:bevelT w="63500" h="25400"/>
+          </a:sp3d>
+        </a:effectStyle>
+      </a:effectStyleLst>
+      <a:bgFillStyleLst>
+        <a:solidFill>
+          <a:schemeClr val="phClr"/>
+        </a:solidFill>
+        <a:gradFill rotWithShape="1">
+          <a:gsLst>
+            <a:gs pos="0">
+              <a:schemeClr val="phClr">
+                <a:tint val="40000"/>
+                <a:satMod val="350000"/>
+              </a:schemeClr>
+            </a:gs>
+            <a:gs pos="40000">
+              <a:schemeClr val="phClr">
+                <a:tint val="45000"/>
+                <a:shade val="99000"/>
+                <a:satMod val="350000"/>
+              </a:schemeClr>
+            </a:gs>
+            <a:gs pos="100000">
+              <a:schemeClr val="phClr">
+                <a:shade val="20000"/>
+                <a:satMod val="255000"/>
+              </a:schemeClr>
+            </a:gs>
+          </a:gsLst>
+          <a:path path="circle">
+            <a:fillToRect l="50000" t="-80000" r="50000" b="180000"/>
+          </a:path>
+        </a:gradFill>
+        <a:gradFill rotWithShape="1">
+          <a:gsLst>
+            <a:gs pos="0">
+              <a:schemeClr val="phClr">
+                <a:tint val="80000"/>
+                <a:satMod val="300000"/>
+              </a:schemeClr>
+            </a:gs>
+            <a:gs pos="100000">
+              <a:schemeClr val="phClr">
+                <a:shade val="30000"/>
+                <a:satMod val="200000"/>
+              </a:schemeClr>
+            </a:gs>
+          </a:gsLst>
+          <a:path path="circle">
+            <a:fillToRect l="50000" t="50000" r="50000" b="50000"/>
+          </a:path>
+        </a:gradFill>
+      </a:bgFillStyleLst>
+    </a:fmtScheme>
+  </a:themeElements>
+  <a:objectDefaults>
+    <a:spDef>
+      <a:spPr/>
+      <a:bodyPr/>
+      <a:lstStyle/>
+      <a:style>
+        <a:lnRef idx="1">
+          <a:schemeClr val="accent1"/>
+        </a:lnRef>
+        <a:fillRef idx="3">
+          <a:schemeClr val="accent1"/>
+        </a:fillRef>
+        <a:effectRef idx="2">
+          <a:schemeClr val="accent1"/>
+        </a:effectRef>
+        <a:fontRef idx="minor">
+          <a:schemeClr val="lt1"/>
+        </a:fontRef>
+      </a:style>
+    </a:spDef>
+    <a:lnDef>
+      <a:spPr/>
+      <a:bodyPr/>
+      <a:lstStyle/>
+      <a:style>
+        <a:lnRef idx="2">
+          <a:schemeClr val="accent1"/>
+        </a:lnRef>
+        <a:fillRef idx="0">
+          <a:schemeClr val="accent1"/>
+        </a:fillRef>
+        <a:effectRef idx="1">
+          <a:schemeClr val="accent1"/>
+        </a:effectRef>
+        <a:fontRef idx="minor">
+          <a:schemeClr val="tx1"/>
+        </a:fontRef>
+      </a:style>
+    </a:lnDef>
+  </a:objectDefaults>
+  <a:extraClrSchemeLst/>
+</a:theme>
+</file>
+
+<file path=ppt/theme/theme3.xml><?xml version="1.0" encoding="utf-8"?>
+<a:theme xmlns:a="http://schemas.openxmlformats.org/drawingml/2006/main" name="Content Master">
+  <a:themeElements>
+    <a:clrScheme name="Windows IT Pro 1">
+      <a:dk1>
+        <a:sysClr val="windowText" lastClr="000000"/>
+      </a:dk1>
+      <a:lt1>
+        <a:sysClr val="window" lastClr="FFFFFF"/>
+      </a:lt1>
+      <a:dk2>
+        <a:srgbClr val="0C4B72"/>
+      </a:dk2>
+      <a:lt2>
+        <a:srgbClr val="45B8FF"/>
+      </a:lt2>
+      <a:accent1>
+        <a:srgbClr val="969696"/>
+      </a:accent1>
+      <a:accent2>
+        <a:srgbClr val="E6E6E6"/>
+      </a:accent2>
+      <a:accent3>
+        <a:srgbClr val="C8C8C8"/>
+      </a:accent3>
+      <a:accent4>
+        <a:srgbClr val="AFAFAF"/>
+      </a:accent4>
+      <a:accent5>
+        <a:srgbClr val="7D7D7D"/>
+      </a:accent5>
+      <a:accent6>
+        <a:srgbClr val="EEA11F"/>
+      </a:accent6>
+      <a:hlink>
+        <a:srgbClr val="C8C8C8"/>
+      </a:hlink>
+      <a:folHlink>
+        <a:srgbClr val="E6E6E6"/>
+      </a:folHlink>
+    </a:clrScheme>
+    <a:fontScheme name="Austin">
+      <a:majorFont>
+        <a:latin typeface="Century Gothic"/>
+        <a:ea typeface=""/>
+        <a:cs typeface=""/>
+        <a:font script="Jpan" typeface="ＭＳ ゴシック"/>
+        <a:font script="Hang" typeface="HY중고딕"/>
+        <a:font script="Hans" typeface="微软雅黑"/>
+        <a:font script="Hant" typeface="微軟正黑體"/>
+        <a:font script="Arab" typeface="Tahoma"/>
+        <a:font script="Hebr" typeface="Gisha"/>
+        <a:font script="Thai" typeface="DilleniaUPC"/>
+        <a:font script="Ethi" typeface="Nyala"/>
+        <a:font script="Beng" typeface="Vrinda"/>
+        <a:font script="Gujr" typeface="Shruti"/>
+        <a:font script="Khmr" typeface="DaunPenh"/>
+        <a:font script="Knda" typeface="Tunga"/>
+        <a:font script="Guru" typeface="Raavi"/>
+        <a:font script="Cans" typeface="Euphemia"/>
+        <a:font script="Cher" typeface="Plantagenet Cherokee"/>
+        <a:font script="Yiii" typeface="Microsoft Yi Baiti"/>
+        <a:font script="Tibt" typeface="Microsoft Himalaya"/>
+        <a:font script="Thaa" typeface="MV Boli"/>
+        <a:font script="Deva" typeface="Mangal"/>
+        <a:font script="Telu" typeface="Gautami"/>
+        <a:font script="Taml" typeface="Latha"/>
+        <a:font script="Syrc" typeface="Estrangelo Edessa"/>
+        <a:font script="Orya" typeface="Kalinga"/>
+        <a:font script="Mlym" typeface="Kartika"/>
+        <a:font script="Laoo" typeface="DokChampa"/>
+        <a:font script="Sinh" typeface="Iskoola Pota"/>
+        <a:font script="Mong" typeface="Mongolian Baiti"/>
+        <a:font script="Viet" typeface="Tahoma"/>
+        <a:font script="Uigh" typeface="Microsoft Uighur"/>
+        <a:font script="Geor" typeface="Sylfaen"/>
+      </a:majorFont>
+      <a:minorFont>
+        <a:latin typeface="Century Gothic"/>
+        <a:ea typeface=""/>
+        <a:cs typeface=""/>
+        <a:font script="Jpan" typeface="ＭＳ ゴシック"/>
+        <a:font script="Hang" typeface="HY중고딕"/>
+        <a:font script="Hans" typeface="微软雅黑"/>
+        <a:font script="Hant" typeface="微軟正黑體"/>
+        <a:font script="Arab" typeface="Tahoma"/>
+        <a:font script="Hebr" typeface="Gisha"/>
+        <a:font script="Thai" typeface="DilleniaUPC"/>
+        <a:font script="Ethi" typeface="Nyala"/>
+        <a:font script="Beng" typeface="Vrinda"/>
+        <a:font script="Gujr" typeface="Shruti"/>
+        <a:font script="Khmr" typeface="DaunPenh"/>
+        <a:font script="Knda" typeface="Tunga"/>
+        <a:font script="Guru" typeface="Raavi"/>
+        <a:font script="Cans" typeface="Euphemia"/>
+        <a:font script="Cher" typeface="Plantagenet Cherokee"/>
+        <a:font script="Yiii" typeface="Microsoft Yi Baiti"/>
+        <a:font script="Tibt" typeface="Microsoft Himalaya"/>
+        <a:font script="Thaa" typeface="MV Boli"/>
+        <a:font script="Deva" typeface="Mangal"/>
+        <a:font script="Telu" typeface="Gautami"/>
+        <a:font script="Taml" typeface="Latha"/>
+        <a:font script="Syrc" typeface="Estrangelo Edessa"/>
+        <a:font script="Orya" typeface="Kalinga"/>
+        <a:font script="Mlym" typeface="Kartika"/>
+        <a:font script="Laoo" typeface="DokChampa"/>
+        <a:font script="Sinh" typeface="Iskoola Pota"/>
+        <a:font script="Mong" typeface="Mongolian Baiti"/>
+        <a:font script="Viet" typeface="Verdana"/>
+        <a:font script="Uigh" typeface="Microsoft Uighur"/>
+        <a:font script="Geor" typeface="Sylfaen"/>
+      </a:minorFont>
+    </a:fontScheme>
+    <a:fmtScheme name="Office">
+      <a:fillStyleLst>
+        <a:solidFill>
+          <a:schemeClr val="phClr"/>
+        </a:solidFill>
+        <a:gradFill rotWithShape="1">
+          <a:gsLst>
+            <a:gs pos="0">
+              <a:schemeClr val="phClr">
+                <a:tint val="50000"/>
+                <a:satMod val="300000"/>
+              </a:schemeClr>
+            </a:gs>
+            <a:gs pos="35000">
+              <a:schemeClr val="phClr">
+                <a:tint val="37000"/>
+                <a:satMod val="300000"/>
+              </a:schemeClr>
+            </a:gs>
+            <a:gs pos="100000">
+              <a:schemeClr val="phClr">
+                <a:tint val="15000"/>
+                <a:satMod val="350000"/>
+              </a:schemeClr>
+            </a:gs>
+          </a:gsLst>
+          <a:lin ang="16200000" scaled="1"/>
+        </a:gradFill>
+        <a:gradFill rotWithShape="1">
+          <a:gsLst>
+            <a:gs pos="0">
+              <a:schemeClr val="phClr">
+                <a:tint val="100000"/>
+                <a:shade val="100000"/>
+                <a:satMod val="130000"/>
+              </a:schemeClr>
+            </a:gs>
+            <a:gs pos="100000">
+              <a:schemeClr val="phClr">
+                <a:tint val="50000"/>
+                <a:shade val="100000"/>
+                <a:satMod val="350000"/>
+              </a:schemeClr>
+            </a:gs>
+          </a:gsLst>
+          <a:lin ang="16200000" scaled="0"/>
+        </a:gradFill>
+      </a:fillStyleLst>
+      <a:lnStyleLst>
+        <a:ln w="9525" cap="flat" cmpd="sng" algn="ctr">
+          <a:solidFill>
+            <a:schemeClr val="phClr">
+              <a:shade val="95000"/>
+              <a:satMod val="105000"/>
+            </a:schemeClr>
+          </a:solidFill>
+          <a:prstDash val="solid"/>
+        </a:ln>
+        <a:ln w="25400" cap="flat" cmpd="sng" algn="ctr">
+          <a:solidFill>
+            <a:schemeClr val="phClr"/>
+          </a:solidFill>
+          <a:prstDash val="solid"/>
+        </a:ln>
+        <a:ln w="38100" cap="flat" cmpd="sng" algn="ctr">
+          <a:solidFill>
+            <a:schemeClr val="phClr"/>
+          </a:solidFill>
+          <a:prstDash val="solid"/>
+        </a:ln>
+      </a:lnStyleLst>
+      <a:effectStyleLst>
+        <a:effectStyle>
+          <a:effectLst>
+            <a:outerShdw blurRad="40000" dist="20000" dir="5400000" rotWithShape="0">
+              <a:srgbClr val="000000">
+                <a:alpha val="38000"/>
+              </a:srgbClr>
+            </a:outerShdw>
+          </a:effectLst>
+        </a:effectStyle>
+        <a:effectStyle>
+          <a:effectLst>
+            <a:outerShdw blurRad="40000" dist="23000" dir="5400000" rotWithShape="0">
+              <a:srgbClr val="000000">
+                <a:alpha val="35000"/>
+              </a:srgbClr>
+            </a:outerShdw>
+          </a:effectLst>
+        </a:effectStyle>
+        <a:effectStyle>
+          <a:effectLst>
+            <a:outerShdw blurRad="40000" dist="23000" dir="5400000" rotWithShape="0">
+              <a:srgbClr val="000000">
+                <a:alpha val="35000"/>
+              </a:srgbClr>
+            </a:outerShdw>
+          </a:effectLst>
+          <a:scene3d>
+            <a:camera prst="orthographicFront">
+              <a:rot lat="0" lon="0" rev="0"/>
+            </a:camera>
+            <a:lightRig rig="threePt" dir="t">
+              <a:rot lat="0" lon="0" rev="1200000"/>
+            </a:lightRig>
+          </a:scene3d>
+          <a:sp3d>
+            <a:bevelT w="63500" h="25400"/>
+          </a:sp3d>
+        </a:effectStyle>
+      </a:effectStyleLst>
+      <a:bgFillStyleLst>
+        <a:solidFill>
+          <a:schemeClr val="phClr"/>
+        </a:solidFill>
+        <a:gradFill rotWithShape="1">
+          <a:gsLst>
+            <a:gs pos="0">
+              <a:schemeClr val="phClr">
+                <a:tint val="40000"/>
+                <a:satMod val="350000"/>
+              </a:schemeClr>
+            </a:gs>
+            <a:gs pos="40000">
+              <a:schemeClr val="phClr">
+                <a:tint val="45000"/>
+                <a:shade val="99000"/>
+                <a:satMod val="350000"/>
+              </a:schemeClr>
+            </a:gs>
+            <a:gs pos="100000">
+              <a:schemeClr val="phClr">
+                <a:shade val="20000"/>
+                <a:satMod val="255000"/>
+              </a:schemeClr>
+            </a:gs>
+          </a:gsLst>
+          <a:path path="circle">
+            <a:fillToRect l="50000" t="-80000" r="50000" b="180000"/>
+          </a:path>
+        </a:gradFill>
+        <a:gradFill rotWithShape="1">
+          <a:gsLst>
+            <a:gs pos="0">
+              <a:schemeClr val="phClr">
+                <a:tint val="80000"/>
+                <a:satMod val="300000"/>
+              </a:schemeClr>
+            </a:gs>
+            <a:gs pos="100000">
+              <a:schemeClr val="phClr">
+                <a:shade val="30000"/>
+                <a:satMod val="200000"/>
+              </a:schemeClr>
+            </a:gs>
+          </a:gsLst>
+          <a:path path="circle">
+            <a:fillToRect l="50000" t="50000" r="50000" b="50000"/>
+          </a:path>
+        </a:gradFill>
+      </a:bgFillStyleLst>
+    </a:fmtScheme>
+  </a:themeElements>
+  <a:objectDefaults>
+    <a:spDef>
+      <a:spPr/>
+      <a:bodyPr/>
+      <a:lstStyle/>
+      <a:style>
+        <a:lnRef idx="1">
+          <a:schemeClr val="accent1"/>
+        </a:lnRef>
+        <a:fillRef idx="3">
+          <a:schemeClr val="accent1"/>
+        </a:fillRef>
+        <a:effectRef idx="2">
+          <a:schemeClr val="accent1"/>
+        </a:effectRef>
+        <a:fontRef idx="minor">
+          <a:schemeClr val="lt1"/>
+        </a:fontRef>
+      </a:style>
+    </a:spDef>
+    <a:lnDef>
+      <a:spPr/>
+      <a:bodyPr/>
+      <a:lstStyle/>
+      <a:style>
+        <a:lnRef idx="2">
+          <a:schemeClr val="accent1"/>
+        </a:lnRef>
+        <a:fillRef idx="0">
+          <a:schemeClr val="accent1"/>
+        </a:fillRef>
+        <a:effectRef idx="1">
+          <a:schemeClr val="accent1"/>
+        </a:effectRef>
+        <a:fontRef idx="minor">
+          <a:schemeClr val="tx1"/>
+        </a:fontRef>
+      </a:style>
+    </a:lnDef>
+  </a:objectDefaults>
+  <a:extraClrSchemeLst/>
+</a:theme>
+</file>
+
+<file path=ppt/theme/theme4.xml><?xml version="1.0" encoding="utf-8"?>
+<a:theme xmlns:a="http://schemas.openxmlformats.org/drawingml/2006/main" name="Section Divider Master">
+  <a:themeElements>
+    <a:clrScheme name="Windows IT Pro 1">
+      <a:dk1>
+        <a:sysClr val="windowText" lastClr="000000"/>
+      </a:dk1>
+      <a:lt1>
+        <a:sysClr val="window" lastClr="FFFFFF"/>
+      </a:lt1>
+      <a:dk2>
+        <a:srgbClr val="0C4B72"/>
+      </a:dk2>
+      <a:lt2>
+        <a:srgbClr val="45B8FF"/>
+      </a:lt2>
+      <a:accent1>
+        <a:srgbClr val="969696"/>
+      </a:accent1>
+      <a:accent2>
+        <a:srgbClr val="E6E6E6"/>
+      </a:accent2>
+      <a:accent3>
+        <a:srgbClr val="C8C8C8"/>
+      </a:accent3>
+      <a:accent4>
+        <a:srgbClr val="AFAFAF"/>
+      </a:accent4>
+      <a:accent5>
+        <a:srgbClr val="7D7D7D"/>
+      </a:accent5>
+      <a:accent6>
+        <a:srgbClr val="EEA11F"/>
+      </a:accent6>
+      <a:hlink>
+        <a:srgbClr val="C8C8C8"/>
+      </a:hlink>
+      <a:folHlink>
+        <a:srgbClr val="E6E6E6"/>
+      </a:folHlink>
+    </a:clrScheme>
+    <a:fontScheme name="Austin">
+      <a:majorFont>
+        <a:latin typeface="Century Gothic"/>
+        <a:ea typeface=""/>
+        <a:cs typeface=""/>
+        <a:font script="Jpan" typeface="ＭＳ ゴシック"/>
+        <a:font script="Hang" typeface="HY중고딕"/>
+        <a:font script="Hans" typeface="微软雅黑"/>
+        <a:font script="Hant" typeface="微軟正黑體"/>
+        <a:font script="Arab" typeface="Tahoma"/>
+        <a:font script="Hebr" typeface="Gisha"/>
+        <a:font script="Thai" typeface="DilleniaUPC"/>
+        <a:font script="Ethi" typeface="Nyala"/>
+        <a:font script="Beng" typeface="Vrinda"/>
+        <a:font script="Gujr" typeface="Shruti"/>
+        <a:font script="Khmr" typeface="DaunPenh"/>
+        <a:font script="Knda" typeface="Tunga"/>
+        <a:font script="Guru" typeface="Raavi"/>
+        <a:font script="Cans" typeface="Euphemia"/>
+        <a:font script="Cher" typeface="Plantagenet Cherokee"/>
+        <a:font script="Yiii" typeface="Microsoft Yi Baiti"/>
+        <a:font script="Tibt" typeface="Microsoft Himalaya"/>
+        <a:font script="Thaa" typeface="MV Boli"/>
+        <a:font script="Deva" typeface="Mangal"/>
+        <a:font script="Telu" typeface="Gautami"/>
+        <a:font script="Taml" typeface="Latha"/>
+        <a:font script="Syrc" typeface="Estrangelo Edessa"/>
+        <a:font script="Orya" typeface="Kalinga"/>
+        <a:font script="Mlym" typeface="Kartika"/>
+        <a:font script="Laoo" typeface="DokChampa"/>
+        <a:font script="Sinh" typeface="Iskoola Pota"/>
+        <a:font script="Mong" typeface="Mongolian Baiti"/>
+        <a:font script="Viet" typeface="Tahoma"/>
+        <a:font script="Uigh" typeface="Microsoft Uighur"/>
+        <a:font script="Geor" typeface="Sylfaen"/>
+      </a:majorFont>
+      <a:minorFont>
+        <a:latin typeface="Century Gothic"/>
+        <a:ea typeface=""/>
+        <a:cs typeface=""/>
+        <a:font script="Jpan" typeface="ＭＳ ゴシック"/>
+        <a:font script="Hang" typeface="HY중고딕"/>
+        <a:font script="Hans" typeface="微软雅黑"/>
+        <a:font script="Hant" typeface="微軟正黑體"/>
+        <a:font script="Arab" typeface="Tahoma"/>
+        <a:font script="Hebr" typeface="Gisha"/>
+        <a:font script="Thai" typeface="DilleniaUPC"/>
+        <a:font script="Ethi" typeface="Nyala"/>
+        <a:font script="Beng" typeface="Vrinda"/>
+        <a:font script="Gujr" typeface="Shruti"/>
+        <a:font script="Khmr" typeface="DaunPenh"/>
+        <a:font script="Knda" typeface="Tunga"/>
+        <a:font script="Guru" typeface="Raavi"/>
+        <a:font script="Cans" typeface="Euphemia"/>
+        <a:font script="Cher" typeface="Plantagenet Cherokee"/>
+        <a:font script="Yiii" typeface="Microsoft Yi Baiti"/>
+        <a:font script="Tibt" typeface="Microsoft Himalaya"/>
+        <a:font script="Thaa" typeface="MV Boli"/>
+        <a:font script="Deva" typeface="Mangal"/>
+        <a:font script="Telu" typeface="Gautami"/>
+        <a:font script="Taml" typeface="Latha"/>
+        <a:font script="Syrc" typeface="Estrangelo Edessa"/>
+        <a:font script="Orya" typeface="Kalinga"/>
+        <a:font script="Mlym" typeface="Kartika"/>
+        <a:font script="Laoo" typeface="DokChampa"/>
+        <a:font script="Sinh" typeface="Iskoola Pota"/>
+        <a:font script="Mong" typeface="Mongolian Baiti"/>
+        <a:font script="Viet" typeface="Verdana"/>
+        <a:font script="Uigh" typeface="Microsoft Uighur"/>
+        <a:font script="Geor" typeface="Sylfaen"/>
+      </a:minorFont>
+    </a:fontScheme>
+    <a:fmtScheme name="Office">
+      <a:fillStyleLst>
+        <a:solidFill>
+          <a:schemeClr val="phClr"/>
+        </a:solidFill>
+        <a:gradFill rotWithShape="1">
+          <a:gsLst>
+            <a:gs pos="0">
+              <a:schemeClr val="phClr">
+                <a:tint val="50000"/>
+                <a:satMod val="300000"/>
+              </a:schemeClr>
+            </a:gs>
+            <a:gs pos="35000">
+              <a:schemeClr val="phClr">
+                <a:tint val="37000"/>
+                <a:satMod val="300000"/>
+              </a:schemeClr>
+            </a:gs>
+            <a:gs pos="100000">
+              <a:schemeClr val="phClr">
+                <a:tint val="15000"/>
+                <a:satMod val="350000"/>
+              </a:schemeClr>
+            </a:gs>
+          </a:gsLst>
+          <a:lin ang="16200000" scaled="1"/>
+        </a:gradFill>
+        <a:gradFill rotWithShape="1">
+          <a:gsLst>
+            <a:gs pos="0">
+              <a:schemeClr val="phClr">
+                <a:tint val="100000"/>
+                <a:shade val="100000"/>
+                <a:satMod val="130000"/>
+              </a:schemeClr>
+            </a:gs>
+            <a:gs pos="100000">
+              <a:schemeClr val="phClr">
+                <a:tint val="50000"/>
+                <a:shade val="100000"/>
+                <a:satMod val="350000"/>
+              </a:schemeClr>
+            </a:gs>
+          </a:gsLst>
+          <a:lin ang="16200000" scaled="0"/>
+        </a:gradFill>
+      </a:fillStyleLst>
+      <a:lnStyleLst>
+        <a:ln w="9525" cap="flat" cmpd="sng" algn="ctr">
+          <a:solidFill>
+            <a:schemeClr val="phClr">
+              <a:shade val="95000"/>
+              <a:satMod val="105000"/>
+            </a:schemeClr>
+          </a:solidFill>
+          <a:prstDash val="solid"/>
+        </a:ln>
+        <a:ln w="25400" cap="flat" cmpd="sng" algn="ctr">
+          <a:solidFill>
+            <a:schemeClr val="phClr"/>
+          </a:solidFill>
+          <a:prstDash val="solid"/>
+        </a:ln>
+        <a:ln w="38100" cap="flat" cmpd="sng" algn="ctr">
+          <a:solidFill>
+            <a:schemeClr val="phClr"/>
+          </a:solidFill>
+          <a:prstDash val="solid"/>
+        </a:ln>
+      </a:lnStyleLst>
+      <a:effectStyleLst>
+        <a:effectStyle>
+          <a:effectLst>
+            <a:outerShdw blurRad="40000" dist="20000" dir="5400000" rotWithShape="0">
+              <a:srgbClr val="000000">
+                <a:alpha val="38000"/>
+              </a:srgbClr>
+            </a:outerShdw>
+          </a:effectLst>
+        </a:effectStyle>
+        <a:effectStyle>
+          <a:effectLst>
+            <a:outerShdw blurRad="40000" dist="23000" dir="5400000" rotWithShape="0">
+              <a:srgbClr val="000000">
+                <a:alpha val="35000"/>
+              </a:srgbClr>
+            </a:outerShdw>
+          </a:effectLst>
+        </a:effectStyle>
+        <a:effectStyle>
+          <a:effectLst>
+            <a:outerShdw blurRad="40000" dist="23000" dir="5400000" rotWithShape="0">
+              <a:srgbClr val="000000">
+                <a:alpha val="35000"/>
+              </a:srgbClr>
+            </a:outerShdw>
+          </a:effectLst>
+          <a:scene3d>
+            <a:camera prst="orthographicFront">
+              <a:rot lat="0" lon="0" rev="0"/>
+            </a:camera>
+            <a:lightRig rig="threePt" dir="t">
+              <a:rot lat="0" lon="0" rev="1200000"/>
+            </a:lightRig>
+          </a:scene3d>
+          <a:sp3d>
+            <a:bevelT w="63500" h="25400"/>
+          </a:sp3d>
+        </a:effectStyle>
+      </a:effectStyleLst>
+      <a:bgFillStyleLst>
+        <a:solidFill>
+          <a:schemeClr val="phClr"/>
+        </a:solidFill>
+        <a:gradFill rotWithShape="1">
+          <a:gsLst>
+            <a:gs pos="0">
+              <a:schemeClr val="phClr">
+                <a:tint val="40000"/>
+                <a:satMod val="350000"/>
+              </a:schemeClr>
+            </a:gs>
+            <a:gs pos="40000">
+              <a:schemeClr val="phClr">
+                <a:tint val="45000"/>
+                <a:shade val="99000"/>
+                <a:satMod val="350000"/>
+              </a:schemeClr>
+            </a:gs>
+            <a:gs pos="100000">
+              <a:schemeClr val="phClr">
+                <a:shade val="20000"/>
+                <a:satMod val="255000"/>
+              </a:schemeClr>
+            </a:gs>
+          </a:gsLst>
+          <a:path path="circle">
+            <a:fillToRect l="50000" t="-80000" r="50000" b="180000"/>
+          </a:path>
+        </a:gradFill>
+        <a:gradFill rotWithShape="1">
+          <a:gsLst>
+            <a:gs pos="0">
+              <a:schemeClr val="phClr">
+                <a:tint val="80000"/>
+                <a:satMod val="300000"/>
+              </a:schemeClr>
+            </a:gs>
+            <a:gs pos="100000">
+              <a:schemeClr val="phClr">
+                <a:shade val="30000"/>
+                <a:satMod val="200000"/>
+              </a:schemeClr>
+            </a:gs>
+          </a:gsLst>
+          <a:path path="circle">
+            <a:fillToRect l="50000" t="50000" r="50000" b="50000"/>
+          </a:path>
+        </a:gradFill>
+      </a:bgFillStyleLst>
+    </a:fmtScheme>
+  </a:themeElements>
+  <a:objectDefaults>
+    <a:spDef>
+      <a:spPr/>
+      <a:bodyPr/>
+      <a:lstStyle/>
+      <a:style>
+        <a:lnRef idx="1">
+          <a:schemeClr val="accent1"/>
+        </a:lnRef>
+        <a:fillRef idx="3">
+          <a:schemeClr val="accent1"/>
+        </a:fillRef>
+        <a:effectRef idx="2">
+          <a:schemeClr val="accent1"/>
+        </a:effectRef>
+        <a:fontRef idx="minor">
+          <a:schemeClr val="lt1"/>
+        </a:fontRef>
+      </a:style>
+    </a:spDef>
+    <a:lnDef>
+      <a:spPr/>
+      <a:bodyPr/>
+      <a:lstStyle/>
+      <a:style>
+        <a:lnRef idx="2">
+          <a:schemeClr val="accent1"/>
+        </a:lnRef>
+        <a:fillRef idx="0">
+          <a:schemeClr val="accent1"/>
+        </a:fillRef>
+        <a:effectRef idx="1">
+          <a:schemeClr val="accent1"/>
+        </a:effectRef>
+        <a:fontRef idx="minor">
+          <a:schemeClr val="tx1"/>
+        </a:fontRef>
+      </a:style>
+    </a:lnDef>
+  </a:objectDefaults>
+  <a:extraClrSchemeLst/>
+</a:theme>
+</file>
+
+<file path=ppt/theme/theme5.xml><?xml version="1.0" encoding="utf-8"?>
+<a:theme xmlns:a="http://schemas.openxmlformats.org/drawingml/2006/main" name="Custom Design">
+  <a:themeElements>
+    <a:clrScheme name="Office">
+      <a:dk1>
+        <a:sysClr val="windowText" lastClr="000000"/>
+      </a:dk1>
+      <a:lt1>
+        <a:sysClr val="window" lastClr="FFFFFF"/>
+      </a:lt1>
+      <a:dk2>
+        <a:srgbClr val="1F497D"/>
+      </a:dk2>
+      <a:lt2>
+        <a:srgbClr val="EEECE1"/>
+      </a:lt2>
+      <a:accent1>
+        <a:srgbClr val="4F81BD"/>
+      </a:accent1>
+      <a:accent2>
+        <a:srgbClr val="C0504D"/>
+      </a:accent2>
+      <a:accent3>
+        <a:srgbClr val="9BBB59"/>
+      </a:accent3>
+      <a:accent4>
+        <a:srgbClr val="8064A2"/>
+      </a:accent4>
+      <a:accent5>
+        <a:srgbClr val="4BACC6"/>
+      </a:accent5>
+      <a:accent6>
+        <a:srgbClr val="F79646"/>
+      </a:accent6>
+      <a:hlink>
+        <a:srgbClr val="0000FF"/>
+      </a:hlink>
+      <a:folHlink>
+        <a:srgbClr val="800080"/>
+      </a:folHlink>
+    </a:clrScheme>
+    <a:fontScheme name="Office">
+      <a:majorFont>
+        <a:latin typeface="Calibri"/>
+        <a:ea typeface=""/>
+        <a:cs typeface=""/>
+        <a:font script="Jpan" typeface="ＭＳ Ｐゴシック"/>
+        <a:font script="Hang" typeface="맑은 고딕"/>
+        <a:font script="Hans" typeface="宋体"/>
+        <a:font script="Hant" typeface="新細明體"/>
+        <a:font script="Arab" typeface="Times New Roman"/>
+        <a:font script="Hebr" typeface="Times New Roman"/>
+        <a:font script="Thai" typeface="Angsana New"/>
+        <a:font script="Ethi" typeface="Nyala"/>
+        <a:font script="Beng" typeface="Vrinda"/>
+        <a:font script="Gujr" typeface="Shruti"/>
+        <a:font script="Khmr" typeface="MoolBoran"/>
+        <a:font script="Knda" typeface="Tunga"/>
+        <a:font script="Guru" typeface="Raavi"/>
+        <a:font script="Cans" typeface="Euphemia"/>
+        <a:font script="Cher" typeface="Plantagenet Cherokee"/>
+        <a:font script="Yiii" typeface="Microsoft Yi Baiti"/>
+        <a:font script="Tibt" typeface="Microsoft Himalaya"/>
+        <a:font script="Thaa" typeface="MV Boli"/>
+        <a:font script="Deva" typeface="Mangal"/>
+        <a:font script="Telu" typeface="Gautami"/>
+        <a:font script="Taml" typeface="Latha"/>
+        <a:font script="Syrc" typeface="Estrangelo Edessa"/>
+        <a:font script="Orya" typeface="Kalinga"/>
+        <a:font script="Mlym" typeface="Kartika"/>
+        <a:font script="Laoo" typeface="DokChampa"/>
+        <a:font script="Sinh" typeface="Iskoola Pota"/>
+        <a:font script="Mong" typeface="Mongolian Baiti"/>
+        <a:font script="Viet" typeface="Times New Roman"/>
+        <a:font script="Uigh" typeface="Microsoft Uighur"/>
+        <a:font script="Geor" typeface="Sylfaen"/>
+      </a:majorFont>
+      <a:minorFont>
+        <a:latin typeface="Calibri"/>
+        <a:ea typeface=""/>
+        <a:cs typeface=""/>
+        <a:font script="Jpan" typeface="ＭＳ Ｐゴシック"/>
+        <a:font script="Hang" typeface="맑은 고딕"/>
+        <a:font script="Hans" typeface="宋体"/>
+        <a:font script="Hant" typeface="新細明體"/>
+        <a:font script="Arab" typeface="Arial"/>
+        <a:font script="Hebr" typeface="Arial"/>
+        <a:font script="Thai" typeface="Cordia New"/>
+        <a:font script="Ethi" typeface="Nyala"/>
+        <a:font script="Beng" typeface="Vrinda"/>
+        <a:font script="Gujr" typeface="Shruti"/>
+        <a:font script="Khmr" typeface="DaunPenh"/>
+        <a:font script="Knda" typeface="Tunga"/>
+        <a:font script="Guru" typeface="Raavi"/>
+        <a:font script="Cans" typeface="Euphemia"/>
+        <a:font script="Cher" typeface="Plantagenet Cherokee"/>
+        <a:font script="Yiii" typeface="Microsoft Yi Baiti"/>
+        <a:font script="Tibt" typeface="Microsoft Himalaya"/>
+        <a:font script="Thaa" typeface="MV Boli"/>
+        <a:font script="Deva" typeface="Mangal"/>
+        <a:font script="Telu" typeface="Gautami"/>
+        <a:font script="Taml" typeface="Latha"/>
+        <a:font script="Syrc" typeface="Estrangelo Edessa"/>
+        <a:font script="Orya" typeface="Kalinga"/>
+        <a:font script="Mlym" typeface="Kartika"/>
+        <a:font script="Laoo" typeface="DokChampa"/>
+        <a:font script="Sinh" typeface="Iskoola Pota"/>
+        <a:font script="Mong" typeface="Mongolian Baiti"/>
+        <a:font script="Viet" typeface="Arial"/>
+        <a:font script="Uigh" typeface="Microsoft Uighur"/>
+        <a:font script="Geor" typeface="Sylfaen"/>
+      </a:minorFont>
+    </a:fontScheme>
+    <a:fmtScheme name="Office">
+      <a:fillStyleLst>
+        <a:solidFill>
+          <a:schemeClr val="phClr"/>
+        </a:solidFill>
+        <a:gradFill rotWithShape="1">
+          <a:gsLst>
+            <a:gs pos="0">
+              <a:schemeClr val="phClr">
+                <a:tint val="50000"/>
+                <a:satMod val="300000"/>
+              </a:schemeClr>
+            </a:gs>
+            <a:gs pos="35000">
+              <a:schemeClr val="phClr">
+                <a:tint val="37000"/>
+                <a:satMod val="300000"/>
+              </a:schemeClr>
+            </a:gs>
+            <a:gs pos="100000">
+              <a:schemeClr val="phClr">
+                <a:tint val="15000"/>
+                <a:satMod val="350000"/>
+              </a:schemeClr>
+            </a:gs>
+          </a:gsLst>
+          <a:lin ang="16200000" scaled="1"/>
+        </a:gradFill>
+        <a:gradFill rotWithShape="1">
+          <a:gsLst>
+            <a:gs pos="0">
+              <a:schemeClr val="phClr">
+                <a:tint val="100000"/>
+                <a:shade val="100000"/>
+                <a:satMod val="130000"/>
+              </a:schemeClr>
+            </a:gs>
+            <a:gs pos="100000">
+              <a:schemeClr val="phClr">
+                <a:tint val="50000"/>
+                <a:shade val="100000"/>
+                <a:satMod val="350000"/>
+              </a:schemeClr>
+            </a:gs>
+          </a:gsLst>
+          <a:lin ang="16200000" scaled="0"/>
+        </a:gradFill>
+      </a:fillStyleLst>
+      <a:lnStyleLst>
+        <a:ln w="9525" cap="flat" cmpd="sng" algn="ctr">
+          <a:solidFill>
+            <a:schemeClr val="phClr">
+              <a:shade val="95000"/>
+              <a:satMod val="105000"/>
+            </a:schemeClr>
+          </a:solidFill>
+          <a:prstDash val="solid"/>
+        </a:ln>
+        <a:ln w="25400" cap="flat" cmpd="sng" algn="ctr">
+          <a:solidFill>
+            <a:schemeClr val="phClr"/>
+          </a:solidFill>
+          <a:prstDash val="solid"/>
+        </a:ln>
+        <a:ln w="38100" cap="flat" cmpd="sng" algn="ctr">
+          <a:solidFill>
+            <a:schemeClr val="phClr"/>
+          </a:solidFill>
+          <a:prstDash val="solid"/>
+        </a:ln>
+      </a:lnStyleLst>
+      <a:effectStyleLst>
+        <a:effectStyle>
+          <a:effectLst>
+            <a:outerShdw blurRad="40000" dist="20000" dir="5400000" rotWithShape="0">
+              <a:srgbClr val="000000">
+                <a:alpha val="38000"/>
+              </a:srgbClr>
+            </a:outerShdw>
+          </a:effectLst>
+        </a:effectStyle>
+        <a:effectStyle>
+          <a:effectLst>
+            <a:outerShdw blurRad="40000" dist="23000" dir="5400000" rotWithShape="0">
+              <a:srgbClr val="000000">
+                <a:alpha val="35000"/>
+              </a:srgbClr>
+            </a:outerShdw>
+          </a:effectLst>
+        </a:effectStyle>
+        <a:effectStyle>
+          <a:effectLst>
+            <a:outerShdw blurRad="40000" dist="23000" dir="5400000" rotWithShape="0">
+              <a:srgbClr val="000000">
+                <a:alpha val="35000"/>
+              </a:srgbClr>
+            </a:outerShdw>
+          </a:effectLst>
+          <a:scene3d>
+            <a:camera prst="orthographicFront">
+              <a:rot lat="0" lon="0" rev="0"/>
+            </a:camera>
+            <a:lightRig rig="threePt" dir="t">
+              <a:rot lat="0" lon="0" rev="1200000"/>
+            </a:lightRig>
+          </a:scene3d>
+          <a:sp3d>
+            <a:bevelT w="63500" h="25400"/>
+          </a:sp3d>
+        </a:effectStyle>
+      </a:effectStyleLst>
+      <a:bgFillStyleLst>
+        <a:solidFill>
+          <a:schemeClr val="phClr"/>
+        </a:solidFill>
+        <a:gradFill rotWithShape="1">
+          <a:gsLst>
+            <a:gs pos="0">
+              <a:schemeClr val="phClr">
+                <a:tint val="40000"/>
+                <a:satMod val="350000"/>
+              </a:schemeClr>
+            </a:gs>
+            <a:gs pos="40000">
+              <a:schemeClr val="phClr">
+                <a:tint val="45000"/>
+                <a:shade val="99000"/>
+                <a:satMod val="350000"/>
+              </a:schemeClr>
+            </a:gs>
+            <a:gs pos="100000">
+              <a:schemeClr val="phClr">
+                <a:shade val="20000"/>
+                <a:satMod val="255000"/>
+              </a:schemeClr>
+            </a:gs>
+          </a:gsLst>
+          <a:path path="circle">
+            <a:fillToRect l="50000" t="-80000" r="50000" b="180000"/>
+          </a:path>
+        </a:gradFill>
+        <a:gradFill rotWithShape="1">
+          <a:gsLst>
+            <a:gs pos="0">
+              <a:schemeClr val="phClr">
+                <a:tint val="80000"/>
+                <a:satMod val="300000"/>
+              </a:schemeClr>
+            </a:gs>
+            <a:gs pos="100000">
+              <a:schemeClr val="phClr">
+                <a:shade val="30000"/>
+                <a:satMod val="200000"/>
+              </a:schemeClr>
+            </a:gs>
+          </a:gsLst>
+          <a:path path="circle">
+            <a:fillToRect l="50000" t="50000" r="50000" b="50000"/>
+          </a:path>
+        </a:gradFill>
+      </a:bgFillStyleLst>
+    </a:fmtScheme>
+  </a:themeElements>
+  <a:objectDefaults>
+    <a:spDef>
+      <a:spPr/>
+      <a:bodyPr/>
+      <a:lstStyle/>
+      <a:style>
+        <a:lnRef idx="1">
+          <a:schemeClr val="accent1"/>
+        </a:lnRef>
+        <a:fillRef idx="3">
+          <a:schemeClr val="accent1"/>
+        </a:fillRef>
+        <a:effectRef idx="2">
+          <a:schemeClr val="accent1"/>
+        </a:effectRef>
+        <a:fontRef idx="minor">
+          <a:schemeClr val="lt1"/>
+        </a:fontRef>
+      </a:style>
+    </a:spDef>
+    <a:lnDef>
+      <a:spPr/>
+      <a:bodyPr/>
+      <a:lstStyle/>
+      <a:style>
+        <a:lnRef idx="2">
+          <a:schemeClr val="accent1"/>
+        </a:lnRef>
+        <a:fillRef idx="0">
+          <a:schemeClr val="accent1"/>
+        </a:fillRef>
+        <a:effectRef idx="1">
+          <a:schemeClr val="accent1"/>
+        </a:effectRef>
+        <a:fontRef idx="minor">
+          <a:schemeClr val="tx1"/>
+        </a:fontRef>
+      </a:style>
+    </a:lnDef>
+  </a:objectDefaults>
+  <a:extraClrSchemeLst/>
+</a:theme>
+</file>
+
+<file path=ppt/theme/theme6.xml><?xml version="1.0" encoding="utf-8"?>
 <a:theme xmlns:a="http://schemas.openxmlformats.org/drawingml/2006/main" name="Office Theme">
   <a:themeElements>
     <a:clrScheme name="Office">

--- a/Presentation/TSQL_Windowing.pptx
+++ b/Presentation/TSQL_Windowing.pptx
@@ -244,7 +244,7 @@
           <a:p>
             <a:fld id="{F2F907C9-8666-45EC-BDB3-62480554DCC1}" type="datetimeFigureOut">
               <a:rPr lang="en-US" smtClean="0"/>
-              <a:t>8/12/2015</a:t>
+              <a:t>8/13/2015</a:t>
             </a:fld>
             <a:endParaRPr lang="en-US"/>
           </a:p>
@@ -1941,7 +1941,6 @@
               <a:rPr lang="en-US" noProof="0" smtClean="0"/>
               <a:t>Click icon to add picture</a:t>
             </a:r>
-            <a:endParaRPr lang="en-US" noProof="0" smtClean="0"/>
           </a:p>
         </p:txBody>
       </p:sp>
@@ -2567,7 +2566,7 @@
             <a:fld id="{1D8BD707-D9CF-40AE-B4C6-C98DA3205C09}" type="datetimeFigureOut">
               <a:rPr lang="en-US" smtClean="0"/>
               <a:pPr/>
-              <a:t>8/12/2015</a:t>
+              <a:t>8/13/2015</a:t>
             </a:fld>
             <a:endParaRPr lang="en-US"/>
           </a:p>
@@ -2771,7 +2770,7 @@
             <a:fld id="{1D8BD707-D9CF-40AE-B4C6-C98DA3205C09}" type="datetimeFigureOut">
               <a:rPr lang="en-US" smtClean="0"/>
               <a:pPr/>
-              <a:t>8/12/2015</a:t>
+              <a:t>8/13/2015</a:t>
             </a:fld>
             <a:endParaRPr lang="en-US"/>
           </a:p>
@@ -3231,7 +3230,7 @@
             <a:fld id="{1D8BD707-D9CF-40AE-B4C6-C98DA3205C09}" type="datetimeFigureOut">
               <a:rPr lang="en-US" smtClean="0"/>
               <a:pPr/>
-              <a:t>8/12/2015</a:t>
+              <a:t>8/13/2015</a:t>
             </a:fld>
             <a:endParaRPr lang="en-US"/>
           </a:p>
@@ -5670,7 +5669,6 @@
               <a:rPr lang="en-US" altLang="en-US" smtClean="0"/>
               <a:t>Fifth level</a:t>
             </a:r>
-            <a:endParaRPr lang="en-US" altLang="en-US" smtClean="0"/>
           </a:p>
         </p:txBody>
       </p:sp>
@@ -8598,7 +8596,7 @@
         </p:blipFill>
         <p:spPr>
           <a:xfrm>
-            <a:off x="2850359" y="1570037"/>
+            <a:off x="2850359" y="1600200"/>
             <a:ext cx="3443281" cy="4525963"/>
           </a:xfrm>
         </p:spPr>
@@ -9497,7 +9495,7 @@
         </p:nvSpPr>
         <p:spPr/>
         <p:txBody>
-          <a:bodyPr/>
+          <a:bodyPr anchor="t"/>
           <a:lstStyle/>
           <a:p>
             <a:r>
@@ -9691,11 +9689,17 @@
             <p:ph type="title"/>
           </p:nvPr>
         </p:nvSpPr>
-        <p:spPr/>
+        <p:spPr>
+          <a:xfrm>
+            <a:off x="457200" y="533400"/>
+            <a:ext cx="8229600" cy="1143000"/>
+          </a:xfrm>
+        </p:spPr>
         <p:txBody>
           <a:bodyPr/>
           <a:lstStyle/>
           <a:p>
+            <a:pPr algn="l"/>
             <a:r>
               <a:rPr lang="en-US" dirty="0" smtClean="0"/>
               <a:t>Demo</a:t>
@@ -9711,12 +9715,12 @@
             <a:spLocks noGrp="1"/>
           </p:cNvSpPr>
           <p:nvPr>
-            <p:ph type="body" idx="1"/>
+            <p:ph idx="1"/>
           </p:nvPr>
         </p:nvSpPr>
         <p:spPr/>
         <p:txBody>
-          <a:bodyPr/>
+          <a:bodyPr anchor="t"/>
           <a:lstStyle/>
           <a:p>
             <a:r>
@@ -9917,7 +9921,7 @@
         </p:nvSpPr>
         <p:spPr/>
         <p:txBody>
-          <a:bodyPr/>
+          <a:bodyPr anchor="t"/>
           <a:lstStyle/>
           <a:p>
             <a:r>
@@ -9998,6 +10002,7 @@
           <a:bodyPr/>
           <a:lstStyle/>
           <a:p>
+            <a:pPr algn="l"/>
             <a:r>
               <a:rPr lang="en-US" dirty="0" smtClean="0"/>
               <a:t>Demo</a:t>
@@ -10013,12 +10018,12 @@
             <a:spLocks noGrp="1"/>
           </p:cNvSpPr>
           <p:nvPr>
-            <p:ph type="body" idx="1"/>
+            <p:ph idx="1"/>
           </p:nvPr>
         </p:nvSpPr>
         <p:spPr/>
         <p:txBody>
-          <a:bodyPr/>
+          <a:bodyPr anchor="t"/>
           <a:lstStyle/>
           <a:p>
             <a:r>
@@ -10219,7 +10224,7 @@
         </p:nvSpPr>
         <p:spPr/>
         <p:txBody>
-          <a:bodyPr/>
+          <a:bodyPr anchor="t"/>
           <a:lstStyle/>
           <a:p>
             <a:r>
@@ -10308,6 +10313,7 @@
           <a:bodyPr/>
           <a:lstStyle/>
           <a:p>
+            <a:pPr algn="l"/>
             <a:r>
               <a:rPr lang="en-US" dirty="0" smtClean="0"/>
               <a:t>Demo</a:t>
@@ -10323,12 +10329,12 @@
             <a:spLocks noGrp="1"/>
           </p:cNvSpPr>
           <p:nvPr>
-            <p:ph type="body" idx="1"/>
+            <p:ph idx="1"/>
           </p:nvPr>
         </p:nvSpPr>
         <p:spPr/>
         <p:txBody>
-          <a:bodyPr/>
+          <a:bodyPr anchor="t"/>
           <a:lstStyle/>
           <a:p>
             <a:r>
@@ -10558,20 +10564,20 @@
         </p:nvSpPr>
         <p:spPr/>
         <p:txBody>
-          <a:bodyPr/>
+          <a:bodyPr anchor="t"/>
           <a:lstStyle/>
           <a:p>
             <a:r>
-              <a:rPr lang="en-US" dirty="0" smtClean="0"/>
+              <a:rPr lang="en-US" sz="2800" dirty="0" smtClean="0"/>
               <a:t>Look back (LAG) or peek forward (LEAD)</a:t>
             </a:r>
           </a:p>
           <a:p>
             <a:r>
-              <a:rPr lang="en-US" dirty="0" smtClean="0"/>
+              <a:rPr lang="en-US" sz="2800" dirty="0" smtClean="0"/>
               <a:t>Parameters for offset and default</a:t>
             </a:r>
-            <a:endParaRPr lang="en-US" dirty="0"/>
+            <a:endParaRPr lang="en-US" sz="2800" dirty="0"/>
           </a:p>
         </p:txBody>
       </p:sp>
@@ -10692,7 +10698,7 @@
         </p:nvSpPr>
         <p:spPr>
           <a:xfrm>
-            <a:off x="1676400" y="3048000"/>
+            <a:off x="1447800" y="3048000"/>
             <a:ext cx="1066800" cy="369332"/>
           </a:xfrm>
           <a:prstGeom prst="rect">
@@ -10885,6 +10891,7 @@
           <a:bodyPr/>
           <a:lstStyle/>
           <a:p>
+            <a:pPr algn="l"/>
             <a:r>
               <a:rPr lang="en-US" dirty="0" smtClean="0"/>
               <a:t>Demo</a:t>
@@ -10900,12 +10907,12 @@
             <a:spLocks noGrp="1"/>
           </p:cNvSpPr>
           <p:nvPr>
-            <p:ph type="body" idx="1"/>
+            <p:ph idx="1"/>
           </p:nvPr>
         </p:nvSpPr>
         <p:spPr/>
         <p:txBody>
-          <a:bodyPr/>
+          <a:bodyPr anchor="t"/>
           <a:lstStyle/>
           <a:p>
             <a:r>
@@ -10988,7 +10995,7 @@
         </p:nvSpPr>
         <p:spPr/>
         <p:txBody>
-          <a:bodyPr/>
+          <a:bodyPr anchor="t"/>
           <a:lstStyle/>
           <a:p>
             <a:r>
@@ -11005,13 +11012,8 @@
           <a:p>
             <a:r>
               <a:rPr lang="en-US" dirty="0" smtClean="0"/>
-              <a:t>Rank, total, calculate values </a:t>
-            </a:r>
-            <a:r>
-              <a:rPr lang="en-US" smtClean="0"/>
-              <a:t>in windows</a:t>
-            </a:r>
-            <a:endParaRPr lang="en-US" dirty="0" smtClean="0"/>
+              <a:t>Rank, total, calculate values in windows</a:t>
+            </a:r>
           </a:p>
         </p:txBody>
       </p:sp>
@@ -11087,7 +11089,7 @@
         </p:nvSpPr>
         <p:spPr/>
         <p:txBody>
-          <a:bodyPr/>
+          <a:bodyPr anchor="t"/>
           <a:lstStyle/>
           <a:p>
             <a:r>
@@ -11193,7 +11195,7 @@
         </p:nvSpPr>
         <p:spPr/>
         <p:txBody>
-          <a:bodyPr>
+          <a:bodyPr anchor="t">
             <a:normAutofit/>
           </a:bodyPr>
           <a:lstStyle/>
@@ -12020,7 +12022,7 @@
                   <a:schemeClr val="tx1"/>
                 </a:solidFill>
               </a:rPr>
-              <a:t>Get in Touch</a:t>
+              <a:t>Steve Jones</a:t>
             </a:r>
             <a:endParaRPr lang="en-US" sz="3600" dirty="0">
               <a:solidFill>
@@ -12172,41 +12174,6 @@
                 <a:latin typeface="Microsoft Sans Serif" panose="020B0604020202020204" pitchFamily="34" charset="0"/>
               </a:rPr>
               <a:t>@way0utwest</a:t>
-            </a:r>
-          </a:p>
-        </p:txBody>
-      </p:sp>
-      <p:sp>
-        <p:nvSpPr>
-          <p:cNvPr id="21" name="TextBox 20"/>
-          <p:cNvSpPr txBox="1"/>
-          <p:nvPr/>
-        </p:nvSpPr>
-        <p:spPr>
-          <a:xfrm>
-            <a:off x="3700126" y="1143000"/>
-            <a:ext cx="2284600" cy="523220"/>
-          </a:xfrm>
-          <a:prstGeom prst="rect">
-            <a:avLst/>
-          </a:prstGeom>
-          <a:noFill/>
-        </p:spPr>
-        <p:txBody>
-          <a:bodyPr wrap="none" rtlCol="0">
-            <a:spAutoFit/>
-          </a:bodyPr>
-          <a:lstStyle/>
-          <a:p>
-            <a:r>
-              <a:rPr lang="en-US" sz="2800" b="1" dirty="0">
-                <a:solidFill>
-                  <a:srgbClr val="CC0000"/>
-                </a:solidFill>
-                <a:latin typeface="Arial"/>
-                <a:cs typeface="Arial"/>
-              </a:rPr>
-              <a:t>Steve Jones</a:t>
             </a:r>
           </a:p>
         </p:txBody>
@@ -12432,9 +12399,14 @@
   <p:clrMapOvr>
     <a:masterClrMapping/>
   </p:clrMapOvr>
-  <p:transition>
-    <p:fade/>
-  </p:transition>
+  <mc:AlternateContent xmlns:mc="http://schemas.openxmlformats.org/markup-compatibility/2006">
+    <mc:Choice xmlns:p14="http://schemas.microsoft.com/office/powerpoint/2010/main" Requires="p14">
+      <p:transition spd="slow" p14:dur="2000"/>
+    </mc:Choice>
+    <mc:Fallback>
+      <p:transition spd="slow"/>
+    </mc:Fallback>
+  </mc:AlternateContent>
   <p:timing>
     <p:tnLst>
       <p:par>

--- a/Presentation/TSQL_Windowing.pptx
+++ b/Presentation/TSQL_Windowing.pptx
@@ -9,7 +9,7 @@
     <p:sldMasterId id="2147483682" r:id="rId5"/>
   </p:sldMasterIdLst>
   <p:notesMasterIdLst>
-    <p:notesMasterId r:id="rId39"/>
+    <p:notesMasterId r:id="rId42"/>
   </p:notesMasterIdLst>
   <p:sldIdLst>
     <p:sldId id="256" r:id="rId6"/>
@@ -31,20 +31,23 @@
     <p:sldId id="275" r:id="rId22"/>
     <p:sldId id="289" r:id="rId23"/>
     <p:sldId id="278" r:id="rId24"/>
-    <p:sldId id="285" r:id="rId25"/>
-    <p:sldId id="290" r:id="rId26"/>
-    <p:sldId id="286" r:id="rId27"/>
-    <p:sldId id="284" r:id="rId28"/>
-    <p:sldId id="291" r:id="rId29"/>
-    <p:sldId id="277" r:id="rId30"/>
-    <p:sldId id="293" r:id="rId31"/>
-    <p:sldId id="292" r:id="rId32"/>
-    <p:sldId id="279" r:id="rId33"/>
-    <p:sldId id="294" r:id="rId34"/>
-    <p:sldId id="287" r:id="rId35"/>
-    <p:sldId id="260" r:id="rId36"/>
-    <p:sldId id="261" r:id="rId37"/>
-    <p:sldId id="262" r:id="rId38"/>
+    <p:sldId id="296" r:id="rId25"/>
+    <p:sldId id="297" r:id="rId26"/>
+    <p:sldId id="285" r:id="rId27"/>
+    <p:sldId id="290" r:id="rId28"/>
+    <p:sldId id="286" r:id="rId29"/>
+    <p:sldId id="284" r:id="rId30"/>
+    <p:sldId id="291" r:id="rId31"/>
+    <p:sldId id="277" r:id="rId32"/>
+    <p:sldId id="293" r:id="rId33"/>
+    <p:sldId id="292" r:id="rId34"/>
+    <p:sldId id="279" r:id="rId35"/>
+    <p:sldId id="294" r:id="rId36"/>
+    <p:sldId id="287" r:id="rId37"/>
+    <p:sldId id="295" r:id="rId38"/>
+    <p:sldId id="260" r:id="rId39"/>
+    <p:sldId id="261" r:id="rId40"/>
+    <p:sldId id="262" r:id="rId41"/>
   </p:sldIdLst>
   <p:sldSz cx="9144000" cy="6858000" type="screen4x3"/>
   <p:notesSz cx="6858000" cy="9144000"/>
@@ -244,7 +247,7 @@
           <a:p>
             <a:fld id="{F2F907C9-8666-45EC-BDB3-62480554DCC1}" type="datetimeFigureOut">
               <a:rPr lang="en-US" smtClean="0"/>
-              <a:t>8/13/2015</a:t>
+              <a:t>9/14/2015</a:t>
             </a:fld>
             <a:endParaRPr lang="en-US"/>
           </a:p>
@@ -539,6 +542,102 @@
             <p:ph type="sldImg"/>
           </p:nvPr>
         </p:nvSpPr>
+        <p:spPr/>
+      </p:sp>
+      <p:sp>
+        <p:nvSpPr>
+          <p:cNvPr id="3" name="Notes Placeholder 2"/>
+          <p:cNvSpPr>
+            <a:spLocks noGrp="1"/>
+          </p:cNvSpPr>
+          <p:nvPr>
+            <p:ph type="body" idx="1"/>
+          </p:nvPr>
+        </p:nvSpPr>
+        <p:spPr/>
+        <p:txBody>
+          <a:bodyPr/>
+          <a:lstStyle/>
+          <a:p>
+            <a:r>
+              <a:rPr lang="en-US" sz="1200" b="0" i="0" kern="1200" dirty="0" smtClean="0">
+                <a:solidFill>
+                  <a:schemeClr val="tx1"/>
+                </a:solidFill>
+                <a:effectLst/>
+                <a:latin typeface="+mn-lt"/>
+                <a:ea typeface="+mn-ea"/>
+                <a:cs typeface="+mn-cs"/>
+              </a:rPr>
+              <a:t>This presentation explains the windowing functions that are available in SQL Server. Some of these functions were introduced in SQL Server 2005 and some in SQL Server 2012. We’ll start with a brief introduction of a window and how a partition works, and then we’ll look at ordering and framing of rows. Next, we’ll cover the various aggregates and framing options that are available with all the window functions.</a:t>
+            </a:r>
+            <a:endParaRPr lang="en-US" dirty="0"/>
+          </a:p>
+        </p:txBody>
+      </p:sp>
+      <p:sp>
+        <p:nvSpPr>
+          <p:cNvPr id="4" name="Slide Number Placeholder 3"/>
+          <p:cNvSpPr>
+            <a:spLocks noGrp="1"/>
+          </p:cNvSpPr>
+          <p:nvPr>
+            <p:ph type="sldNum" sz="quarter" idx="10"/>
+          </p:nvPr>
+        </p:nvSpPr>
+        <p:spPr/>
+        <p:txBody>
+          <a:bodyPr/>
+          <a:lstStyle/>
+          <a:p>
+            <a:fld id="{E332A5C1-A9B8-4707-ACEF-98CB367ABD38}" type="slidenum">
+              <a:rPr lang="en-US" smtClean="0"/>
+              <a:t>2</a:t>
+            </a:fld>
+            <a:endParaRPr lang="en-US"/>
+          </a:p>
+        </p:txBody>
+      </p:sp>
+    </p:spTree>
+    <p:extLst>
+      <p:ext uri="{BB962C8B-B14F-4D97-AF65-F5344CB8AC3E}">
+        <p14:creationId xmlns:p14="http://schemas.microsoft.com/office/powerpoint/2010/main" val="356797415"/>
+      </p:ext>
+    </p:extLst>
+  </p:cSld>
+  <p:clrMapOvr>
+    <a:masterClrMapping/>
+  </p:clrMapOvr>
+</p:notes>
+</file>
+
+<file path=ppt/notesSlides/notesSlide2.xml><?xml version="1.0" encoding="utf-8"?>
+<p:notes xmlns:a="http://schemas.openxmlformats.org/drawingml/2006/main" xmlns:r="http://schemas.openxmlformats.org/officeDocument/2006/relationships" xmlns:p="http://schemas.openxmlformats.org/presentationml/2006/main">
+  <p:cSld>
+    <p:spTree>
+      <p:nvGrpSpPr>
+        <p:cNvPr id="1" name=""/>
+        <p:cNvGrpSpPr/>
+        <p:nvPr/>
+      </p:nvGrpSpPr>
+      <p:grpSpPr>
+        <a:xfrm>
+          <a:off x="0" y="0"/>
+          <a:ext cx="0" cy="0"/>
+          <a:chOff x="0" y="0"/>
+          <a:chExt cx="0" cy="0"/>
+        </a:xfrm>
+      </p:grpSpPr>
+      <p:sp>
+        <p:nvSpPr>
+          <p:cNvPr id="2" name="Slide Image Placeholder 1"/>
+          <p:cNvSpPr>
+            <a:spLocks noGrp="1" noRot="1" noChangeAspect="1"/>
+          </p:cNvSpPr>
+          <p:nvPr>
+            <p:ph type="sldImg"/>
+          </p:nvPr>
+        </p:nvSpPr>
         <p:spPr>
           <a:xfrm>
             <a:off x="1371600" y="1143000"/>
@@ -2064,6 +2163,187 @@
 </file>
 
 <file path=ppt/slideLayouts/slideLayout16.xml><?xml version="1.0" encoding="utf-8"?>
+<p:sldLayout xmlns:a="http://schemas.openxmlformats.org/drawingml/2006/main" xmlns:r="http://schemas.openxmlformats.org/officeDocument/2006/relationships" xmlns:p="http://schemas.openxmlformats.org/presentationml/2006/main" type="title">
+  <p:cSld name="Divider Title">
+    <p:spTree>
+      <p:nvGrpSpPr>
+        <p:cNvPr id="1" name=""/>
+        <p:cNvGrpSpPr/>
+        <p:nvPr/>
+      </p:nvGrpSpPr>
+      <p:grpSpPr>
+        <a:xfrm>
+          <a:off x="0" y="0"/>
+          <a:ext cx="0" cy="0"/>
+          <a:chOff x="0" y="0"/>
+          <a:chExt cx="0" cy="0"/>
+        </a:xfrm>
+      </p:grpSpPr>
+      <p:sp>
+        <p:nvSpPr>
+          <p:cNvPr id="2" name="Title 1"/>
+          <p:cNvSpPr>
+            <a:spLocks noGrp="1"/>
+          </p:cNvSpPr>
+          <p:nvPr>
+            <p:ph type="ctrTitle"/>
+          </p:nvPr>
+        </p:nvSpPr>
+        <p:spPr>
+          <a:xfrm>
+            <a:off x="685800" y="1688623"/>
+            <a:ext cx="7772400" cy="1468967"/>
+          </a:xfrm>
+          <a:prstGeom prst="rect">
+            <a:avLst/>
+          </a:prstGeom>
+        </p:spPr>
+        <p:txBody>
+          <a:bodyPr/>
+          <a:lstStyle/>
+          <a:p>
+            <a:r>
+              <a:rPr lang="en-US" dirty="0" smtClean="0"/>
+              <a:t>Click to edit Master title style</a:t>
+            </a:r>
+            <a:endParaRPr lang="en-US" dirty="0"/>
+          </a:p>
+        </p:txBody>
+      </p:sp>
+      <p:sp>
+        <p:nvSpPr>
+          <p:cNvPr id="3" name="Subtitle 2"/>
+          <p:cNvSpPr>
+            <a:spLocks noGrp="1"/>
+          </p:cNvSpPr>
+          <p:nvPr>
+            <p:ph type="subTitle" idx="1"/>
+          </p:nvPr>
+        </p:nvSpPr>
+        <p:spPr>
+          <a:xfrm>
+            <a:off x="1371600" y="3443339"/>
+            <a:ext cx="6400800" cy="1752600"/>
+          </a:xfrm>
+          <a:prstGeom prst="rect">
+            <a:avLst/>
+          </a:prstGeom>
+        </p:spPr>
+        <p:txBody>
+          <a:bodyPr/>
+          <a:lstStyle>
+            <a:lvl1pPr marL="0" indent="0" algn="ctr">
+              <a:buNone/>
+              <a:defRPr>
+                <a:solidFill>
+                  <a:schemeClr val="bg1"/>
+                </a:solidFill>
+              </a:defRPr>
+            </a:lvl1pPr>
+            <a:lvl2pPr marL="457200" indent="0" algn="ctr">
+              <a:buNone/>
+              <a:defRPr>
+                <a:solidFill>
+                  <a:schemeClr val="tx1">
+                    <a:tint val="75000"/>
+                  </a:schemeClr>
+                </a:solidFill>
+              </a:defRPr>
+            </a:lvl2pPr>
+            <a:lvl3pPr marL="914400" indent="0" algn="ctr">
+              <a:buNone/>
+              <a:defRPr>
+                <a:solidFill>
+                  <a:schemeClr val="tx1">
+                    <a:tint val="75000"/>
+                  </a:schemeClr>
+                </a:solidFill>
+              </a:defRPr>
+            </a:lvl3pPr>
+            <a:lvl4pPr marL="1371600" indent="0" algn="ctr">
+              <a:buNone/>
+              <a:defRPr>
+                <a:solidFill>
+                  <a:schemeClr val="tx1">
+                    <a:tint val="75000"/>
+                  </a:schemeClr>
+                </a:solidFill>
+              </a:defRPr>
+            </a:lvl4pPr>
+            <a:lvl5pPr marL="1828800" indent="0" algn="ctr">
+              <a:buNone/>
+              <a:defRPr>
+                <a:solidFill>
+                  <a:schemeClr val="tx1">
+                    <a:tint val="75000"/>
+                  </a:schemeClr>
+                </a:solidFill>
+              </a:defRPr>
+            </a:lvl5pPr>
+            <a:lvl6pPr marL="2286000" indent="0" algn="ctr">
+              <a:buNone/>
+              <a:defRPr>
+                <a:solidFill>
+                  <a:schemeClr val="tx1">
+                    <a:tint val="75000"/>
+                  </a:schemeClr>
+                </a:solidFill>
+              </a:defRPr>
+            </a:lvl6pPr>
+            <a:lvl7pPr marL="2743200" indent="0" algn="ctr">
+              <a:buNone/>
+              <a:defRPr>
+                <a:solidFill>
+                  <a:schemeClr val="tx1">
+                    <a:tint val="75000"/>
+                  </a:schemeClr>
+                </a:solidFill>
+              </a:defRPr>
+            </a:lvl7pPr>
+            <a:lvl8pPr marL="3200400" indent="0" algn="ctr">
+              <a:buNone/>
+              <a:defRPr>
+                <a:solidFill>
+                  <a:schemeClr val="tx1">
+                    <a:tint val="75000"/>
+                  </a:schemeClr>
+                </a:solidFill>
+              </a:defRPr>
+            </a:lvl8pPr>
+            <a:lvl9pPr marL="3657600" indent="0" algn="ctr">
+              <a:buNone/>
+              <a:defRPr>
+                <a:solidFill>
+                  <a:schemeClr val="tx1">
+                    <a:tint val="75000"/>
+                  </a:schemeClr>
+                </a:solidFill>
+              </a:defRPr>
+            </a:lvl9pPr>
+          </a:lstStyle>
+          <a:p>
+            <a:r>
+              <a:rPr lang="en-US" dirty="0" smtClean="0"/>
+              <a:t>Click to edit Master subtitle style</a:t>
+            </a:r>
+            <a:endParaRPr lang="en-US" dirty="0"/>
+          </a:p>
+        </p:txBody>
+      </p:sp>
+    </p:spTree>
+    <p:extLst>
+      <p:ext uri="{BB962C8B-B14F-4D97-AF65-F5344CB8AC3E}">
+        <p14:creationId xmlns:p14="http://schemas.microsoft.com/office/powerpoint/2010/main" val="539567452"/>
+      </p:ext>
+    </p:extLst>
+  </p:cSld>
+  <p:clrMapOvr>
+    <a:masterClrMapping/>
+  </p:clrMapOvr>
+</p:sldLayout>
+</file>
+
+<file path=ppt/slideLayouts/slideLayout17.xml><?xml version="1.0" encoding="utf-8"?>
 <p:sldLayout xmlns:a="http://schemas.openxmlformats.org/drawingml/2006/main" xmlns:r="http://schemas.openxmlformats.org/officeDocument/2006/relationships" xmlns:p="http://schemas.openxmlformats.org/presentationml/2006/main" type="title" preserve="1">
   <p:cSld name="Divider Title">
     <p:spTree>
@@ -2244,7 +2524,7 @@
 </p:sldLayout>
 </file>
 
-<file path=ppt/slideLayouts/slideLayout17.xml><?xml version="1.0" encoding="utf-8"?>
+<file path=ppt/slideLayouts/slideLayout18.xml><?xml version="1.0" encoding="utf-8"?>
 <p:sldLayout xmlns:a="http://schemas.openxmlformats.org/drawingml/2006/main" xmlns:r="http://schemas.openxmlformats.org/officeDocument/2006/relationships" xmlns:p="http://schemas.openxmlformats.org/presentationml/2006/main" preserve="1" userDrawn="1">
   <p:cSld name="Divider Blank">
     <p:spTree>
@@ -2303,7 +2583,7 @@
 </p:sldLayout>
 </file>
 
-<file path=ppt/slideLayouts/slideLayout18.xml><?xml version="1.0" encoding="utf-8"?>
+<file path=ppt/slideLayouts/slideLayout19.xml><?xml version="1.0" encoding="utf-8"?>
 <p:sldLayout xmlns:a="http://schemas.openxmlformats.org/drawingml/2006/main" xmlns:r="http://schemas.openxmlformats.org/officeDocument/2006/relationships" xmlns:p="http://schemas.openxmlformats.org/presentationml/2006/main" preserve="1" userDrawn="1">
   <p:cSld name="Title Slide">
     <p:spTree>
@@ -2566,7 +2846,7 @@
             <a:fld id="{1D8BD707-D9CF-40AE-B4C6-C98DA3205C09}" type="datetimeFigureOut">
               <a:rPr lang="en-US" smtClean="0"/>
               <a:pPr/>
-              <a:t>8/13/2015</a:t>
+              <a:t>9/14/2015</a:t>
             </a:fld>
             <a:endParaRPr lang="en-US"/>
           </a:p>
@@ -2770,7 +3050,7 @@
             <a:fld id="{1D8BD707-D9CF-40AE-B4C6-C98DA3205C09}" type="datetimeFigureOut">
               <a:rPr lang="en-US" smtClean="0"/>
               <a:pPr/>
-              <a:t>8/13/2015</a:t>
+              <a:t>9/14/2015</a:t>
             </a:fld>
             <a:endParaRPr lang="en-US"/>
           </a:p>
@@ -3230,7 +3510,7 @@
             <a:fld id="{1D8BD707-D9CF-40AE-B4C6-C98DA3205C09}" type="datetimeFigureOut">
               <a:rPr lang="en-US" smtClean="0"/>
               <a:pPr/>
-              <a:t>8/13/2015</a:t>
+              <a:t>9/14/2015</a:t>
             </a:fld>
             <a:endParaRPr lang="en-US"/>
           </a:p>
@@ -5434,7 +5714,7 @@
           <p:nvPr/>
         </p:nvPicPr>
         <p:blipFill>
-          <a:blip r:embed="rId10">
+          <a:blip r:embed="rId11">
             <a:extLst>
               <a:ext uri="{28A0092B-C50C-407E-A947-70E740481C1C}">
                 <a14:useLocalDpi xmlns:a14="http://schemas.microsoft.com/office/drawing/2010/main" val="0"/>
@@ -5853,6 +6133,7 @@
     <p:sldLayoutId id="2147483676" r:id="rId6"/>
     <p:sldLayoutId id="2147483677" r:id="rId7"/>
     <p:sldLayoutId id="2147483678" r:id="rId8"/>
+    <p:sldLayoutId id="2147483684" r:id="rId9"/>
   </p:sldLayoutIdLst>
   <p:timing>
     <p:tnLst>
@@ -7388,13 +7669,13 @@
             <a:spLocks noGrp="1"/>
           </p:cNvSpPr>
           <p:nvPr>
-            <p:ph type="ctrTitle"/>
+            <p:ph type="title"/>
           </p:nvPr>
         </p:nvSpPr>
         <p:spPr>
           <a:xfrm>
-            <a:off x="685800" y="1600201"/>
-            <a:ext cx="7772400" cy="2000250"/>
+            <a:off x="457200" y="1447800"/>
+            <a:ext cx="8229600" cy="1143000"/>
           </a:xfrm>
         </p:spPr>
         <p:txBody>
@@ -7436,50 +7717,59 @@
             <a:spLocks noGrp="1"/>
           </p:cNvSpPr>
           <p:nvPr>
-            <p:ph type="subTitle" idx="1"/>
+            <p:ph idx="1"/>
           </p:nvPr>
         </p:nvSpPr>
         <p:spPr>
           <a:xfrm>
-            <a:off x="1371600" y="3733800"/>
-            <a:ext cx="6400800" cy="1752600"/>
+            <a:off x="457200" y="2180167"/>
+            <a:ext cx="8229600" cy="4525433"/>
           </a:xfrm>
         </p:spPr>
         <p:txBody>
           <a:bodyPr/>
           <a:lstStyle/>
           <a:p>
+            <a:pPr marL="0" indent="0" algn="ctr">
+              <a:buNone/>
+            </a:pPr>
             <a:r>
               <a:rPr lang="en-US" dirty="0" smtClean="0">
                 <a:solidFill>
-                  <a:schemeClr val="bg1"/>
+                  <a:schemeClr val="tx1"/>
                 </a:solidFill>
               </a:rPr>
               <a:t>Steve Jones</a:t>
             </a:r>
           </a:p>
           <a:p>
+            <a:pPr marL="0" indent="0" algn="ctr">
+              <a:buNone/>
+            </a:pPr>
             <a:r>
               <a:rPr lang="en-US" dirty="0" smtClean="0">
                 <a:solidFill>
-                  <a:schemeClr val="bg1"/>
+                  <a:schemeClr val="tx1"/>
                 </a:solidFill>
               </a:rPr>
               <a:t>SQLServerCentral</a:t>
             </a:r>
           </a:p>
           <a:p>
+            <a:pPr marL="0" indent="0" algn="ctr">
+              <a:buNone/>
+            </a:pPr>
             <a:r>
               <a:rPr lang="en-US" dirty="0" smtClean="0">
                 <a:solidFill>
-                  <a:schemeClr val="bg1"/>
+                  <a:schemeClr val="tx1"/>
                 </a:solidFill>
               </a:rPr>
               <a:t>Red Gate Software</a:t>
             </a:r>
             <a:endParaRPr lang="en-US" dirty="0">
               <a:solidFill>
-                <a:schemeClr val="bg1"/>
+                <a:schemeClr val="tx1"/>
               </a:solidFill>
             </a:endParaRPr>
           </a:p>
@@ -7507,7 +7797,7 @@
         </p:blipFill>
         <p:spPr>
           <a:xfrm>
-            <a:off x="336176" y="4191000"/>
+            <a:off x="304800" y="5668434"/>
             <a:ext cx="2070847" cy="914400"/>
           </a:xfrm>
           <a:prstGeom prst="rect">
@@ -7537,7 +7827,7 @@
         </p:blipFill>
         <p:spPr>
           <a:xfrm>
-            <a:off x="6824662" y="4444666"/>
+            <a:off x="3505200" y="5830359"/>
             <a:ext cx="1895475" cy="590550"/>
           </a:xfrm>
           <a:prstGeom prst="rect">
@@ -7642,7 +7932,7 @@
         </p:nvSpPr>
         <p:spPr>
           <a:xfrm>
-            <a:off x="3095625" y="4071937"/>
+            <a:off x="2819400" y="4071937"/>
             <a:ext cx="3276600" cy="271463"/>
           </a:xfrm>
           <a:prstGeom prst="rect">
@@ -7773,7 +8063,7 @@
         </p:nvSpPr>
         <p:spPr>
           <a:xfrm>
-            <a:off x="3095625" y="4343400"/>
+            <a:off x="2819400" y="4343400"/>
             <a:ext cx="3276600" cy="271463"/>
           </a:xfrm>
           <a:prstGeom prst="rect">
@@ -9377,7 +9667,7 @@
         </p:nvSpPr>
         <p:spPr/>
         <p:txBody>
-          <a:bodyPr/>
+          <a:bodyPr anchor="t"/>
           <a:lstStyle/>
           <a:p>
             <a:r>
@@ -9388,13 +9678,11 @@
           <a:p>
             <a:r>
               <a:rPr lang="en-US" dirty="0" smtClean="0"/>
-              <a:t>Prerequisites</a:t>
-            </a:r>
-          </a:p>
-          <a:p>
+              <a:t>What </a:t>
+            </a:r>
             <a:r>
               <a:rPr lang="en-US" dirty="0" smtClean="0"/>
-              <a:t>What are Window functions?</a:t>
+              <a:t>are Window functions?</a:t>
             </a:r>
           </a:p>
           <a:p>
@@ -9405,14 +9693,18 @@
           </a:p>
           <a:p>
             <a:r>
+              <a:rPr lang="en-US" dirty="0"/>
+              <a:t>Analytic Functions</a:t>
+            </a:r>
+          </a:p>
+          <a:p>
+            <a:r>
               <a:rPr lang="en-US" dirty="0" smtClean="0"/>
-              <a:t>Windowing with the OVER clause</a:t>
-            </a:r>
-          </a:p>
-          <a:p>
+              <a:t>Framing </a:t>
+            </a:r>
             <a:r>
               <a:rPr lang="en-US" dirty="0" smtClean="0"/>
-              <a:t>Framing data</a:t>
+              <a:t>data</a:t>
             </a:r>
           </a:p>
           <a:p>
@@ -9621,13 +9913,17 @@
           <a:p>
             <a:r>
               <a:rPr lang="en-US" dirty="0"/>
-              <a:t>Windowing with the OVER clause</a:t>
-            </a:r>
-          </a:p>
-          <a:p>
+              <a:t>Analytic Functions</a:t>
+            </a:r>
+          </a:p>
+          <a:p>
+            <a:r>
+              <a:rPr lang="en-US" dirty="0" smtClean="0"/>
+              <a:t>Framing </a:t>
+            </a:r>
             <a:r>
               <a:rPr lang="en-US" dirty="0"/>
-              <a:t>Framing data</a:t>
+              <a:t>data</a:t>
             </a:r>
           </a:p>
           <a:p>
@@ -9681,7 +9977,7 @@
       </p:grpSpPr>
       <p:sp>
         <p:nvSpPr>
-          <p:cNvPr id="4" name="Title 3"/>
+          <p:cNvPr id="5" name="Title 4"/>
           <p:cNvSpPr>
             <a:spLocks noGrp="1"/>
           </p:cNvSpPr>
@@ -9689,65 +9985,84 @@
             <p:ph type="title"/>
           </p:nvPr>
         </p:nvSpPr>
+        <p:spPr/>
+        <p:txBody>
+          <a:bodyPr/>
+          <a:lstStyle/>
+          <a:p>
+            <a:r>
+              <a:rPr lang="en-US" dirty="0" smtClean="0"/>
+              <a:t>Ranking Functions</a:t>
+            </a:r>
+            <a:endParaRPr lang="en-US" dirty="0"/>
+          </a:p>
+        </p:txBody>
+      </p:sp>
+      <p:pic>
+        <p:nvPicPr>
+          <p:cNvPr id="7" name="Content Placeholder 6"/>
+          <p:cNvPicPr>
+            <a:picLocks noGrp="1" noChangeAspect="1"/>
+          </p:cNvPicPr>
+          <p:nvPr>
+            <p:ph idx="1"/>
+          </p:nvPr>
+        </p:nvPicPr>
+        <p:blipFill>
+          <a:blip r:embed="rId2">
+            <a:extLst>
+              <a:ext uri="{28A0092B-C50C-407E-A947-70E740481C1C}">
+                <a14:useLocalDpi xmlns:a14="http://schemas.microsoft.com/office/drawing/2010/main" val="0"/>
+              </a:ext>
+            </a:extLst>
+          </a:blip>
+          <a:stretch>
+            <a:fillRect/>
+          </a:stretch>
+        </p:blipFill>
         <p:spPr>
           <a:xfrm>
-            <a:off x="457200" y="533400"/>
-            <a:ext cx="8229600" cy="1143000"/>
+            <a:off x="2057271" y="1713596"/>
+            <a:ext cx="5029458" cy="4299171"/>
           </a:xfrm>
         </p:spPr>
-        <p:txBody>
-          <a:bodyPr/>
-          <a:lstStyle/>
-          <a:p>
-            <a:pPr algn="l"/>
-            <a:r>
-              <a:rPr lang="en-US" dirty="0" smtClean="0"/>
-              <a:t>Demo</a:t>
-            </a:r>
-            <a:endParaRPr lang="en-US" dirty="0"/>
-          </a:p>
-        </p:txBody>
-      </p:sp>
-      <p:sp>
-        <p:nvSpPr>
-          <p:cNvPr id="5" name="Text Placeholder 4"/>
+      </p:pic>
+      <p:sp>
+        <p:nvSpPr>
+          <p:cNvPr id="4" name="Footer Placeholder 3"/>
           <p:cNvSpPr>
             <a:spLocks noGrp="1"/>
           </p:cNvSpPr>
           <p:nvPr>
-            <p:ph idx="1"/>
+            <p:ph type="ftr" sz="quarter" idx="10"/>
           </p:nvPr>
         </p:nvSpPr>
         <p:spPr/>
         <p:txBody>
-          <a:bodyPr anchor="t"/>
+          <a:bodyPr/>
           <a:lstStyle/>
           <a:p>
-            <a:r>
-              <a:rPr lang="en-US" dirty="0" smtClean="0"/>
-              <a:t>ROW_NUMBER and RANK</a:t>
-            </a:r>
-            <a:endParaRPr lang="en-US" dirty="0"/>
+            <a:pPr>
+              <a:defRPr/>
+            </a:pPr>
+            <a:r>
+              <a:rPr lang="en-US" smtClean="0"/>
+              <a:t>#ITDEVCON</a:t>
+            </a:r>
+            <a:endParaRPr lang="en-US"/>
           </a:p>
         </p:txBody>
       </p:sp>
     </p:spTree>
     <p:extLst>
       <p:ext uri="{BB962C8B-B14F-4D97-AF65-F5344CB8AC3E}">
-        <p14:creationId xmlns:p14="http://schemas.microsoft.com/office/powerpoint/2010/main" val="1681886349"/>
+        <p14:creationId xmlns:p14="http://schemas.microsoft.com/office/powerpoint/2010/main" val="1246935546"/>
       </p:ext>
     </p:extLst>
   </p:cSld>
   <p:clrMapOvr>
     <a:masterClrMapping/>
   </p:clrMapOvr>
-  <p:timing>
-    <p:tnLst>
-      <p:par>
-        <p:cTn id="1" dur="indefinite" restart="never" nodeType="tmRoot"/>
-      </p:par>
-    </p:tnLst>
-  </p:timing>
 </p:sld>
 </file>
 
@@ -9770,7 +10085,7 @@
       </p:grpSpPr>
       <p:sp>
         <p:nvSpPr>
-          <p:cNvPr id="2" name="Title 1"/>
+          <p:cNvPr id="5" name="Title 4"/>
           <p:cNvSpPr>
             <a:spLocks noGrp="1"/>
           </p:cNvSpPr>
@@ -9785,20 +10100,49 @@
           <a:p>
             <a:r>
               <a:rPr lang="en-US" dirty="0" smtClean="0"/>
-              <a:t>Agenda</a:t>
+              <a:t>Ranking Functions</a:t>
             </a:r>
             <a:endParaRPr lang="en-US" dirty="0"/>
           </a:p>
         </p:txBody>
       </p:sp>
-      <p:sp>
-        <p:nvSpPr>
-          <p:cNvPr id="3" name="Content Placeholder 2"/>
+      <p:pic>
+        <p:nvPicPr>
+          <p:cNvPr id="7" name="Content Placeholder 6"/>
+          <p:cNvPicPr>
+            <a:picLocks noGrp="1" noChangeAspect="1"/>
+          </p:cNvPicPr>
+          <p:nvPr>
+            <p:ph idx="1"/>
+          </p:nvPr>
+        </p:nvPicPr>
+        <p:blipFill>
+          <a:blip r:embed="rId2">
+            <a:extLst>
+              <a:ext uri="{28A0092B-C50C-407E-A947-70E740481C1C}">
+                <a14:useLocalDpi xmlns:a14="http://schemas.microsoft.com/office/drawing/2010/main" val="0"/>
+              </a:ext>
+            </a:extLst>
+          </a:blip>
+          <a:stretch>
+            <a:fillRect/>
+          </a:stretch>
+        </p:blipFill>
+        <p:spPr>
+          <a:xfrm>
+            <a:off x="2397013" y="1761223"/>
+            <a:ext cx="4349974" cy="4203916"/>
+          </a:xfrm>
+        </p:spPr>
+      </p:pic>
+      <p:sp>
+        <p:nvSpPr>
+          <p:cNvPr id="4" name="Footer Placeholder 3"/>
           <p:cNvSpPr>
             <a:spLocks noGrp="1"/>
           </p:cNvSpPr>
           <p:nvPr>
-            <p:ph idx="1"/>
+            <p:ph type="ftr" sz="quarter" idx="10"/>
           </p:nvPr>
         </p:nvSpPr>
         <p:spPr/>
@@ -9806,66 +10150,27 @@
           <a:bodyPr/>
           <a:lstStyle/>
           <a:p>
-            <a:r>
-              <a:rPr lang="en-US" dirty="0" smtClean="0"/>
-              <a:t>Who Am I?</a:t>
-            </a:r>
-          </a:p>
-          <a:p>
-            <a:r>
-              <a:rPr lang="en-US" dirty="0" smtClean="0"/>
-              <a:t>Prerequisites</a:t>
-            </a:r>
-          </a:p>
-          <a:p>
-            <a:r>
-              <a:rPr lang="en-US" dirty="0" smtClean="0"/>
-              <a:t>What are Window functions?</a:t>
-            </a:r>
-          </a:p>
-          <a:p>
-            <a:r>
-              <a:rPr lang="en-US" dirty="0" smtClean="0"/>
-              <a:t>Ranking Functions</a:t>
-            </a:r>
-          </a:p>
-          <a:p>
-            <a:r>
-              <a:rPr lang="en-US" b="1" dirty="0" smtClean="0"/>
-              <a:t>Windowing with the OVER clause</a:t>
-            </a:r>
-          </a:p>
-          <a:p>
-            <a:r>
-              <a:rPr lang="en-US" dirty="0" smtClean="0"/>
-              <a:t>Framing data</a:t>
-            </a:r>
-          </a:p>
-          <a:p>
-            <a:r>
-              <a:rPr lang="en-US" dirty="0" smtClean="0"/>
-              <a:t>Looking back and peeking forward</a:t>
-            </a:r>
+            <a:pPr>
+              <a:defRPr/>
+            </a:pPr>
+            <a:r>
+              <a:rPr lang="en-US" smtClean="0"/>
+              <a:t>#ITDEVCON</a:t>
+            </a:r>
+            <a:endParaRPr lang="en-US"/>
           </a:p>
         </p:txBody>
       </p:sp>
     </p:spTree>
     <p:extLst>
       <p:ext uri="{BB962C8B-B14F-4D97-AF65-F5344CB8AC3E}">
-        <p14:creationId xmlns:p14="http://schemas.microsoft.com/office/powerpoint/2010/main" val="1940004283"/>
+        <p14:creationId xmlns:p14="http://schemas.microsoft.com/office/powerpoint/2010/main" val="1384565193"/>
       </p:ext>
     </p:extLst>
   </p:cSld>
   <p:clrMapOvr>
     <a:masterClrMapping/>
   </p:clrMapOvr>
-  <p:timing>
-    <p:tnLst>
-      <p:par>
-        <p:cTn id="1" dur="indefinite" restart="never" nodeType="tmRoot"/>
-      </p:par>
-    </p:tnLst>
-  </p:timing>
 </p:sld>
 </file>
 
@@ -9896,14 +10201,20 @@
             <p:ph type="title"/>
           </p:nvPr>
         </p:nvSpPr>
-        <p:spPr/>
+        <p:spPr>
+          <a:xfrm>
+            <a:off x="457200" y="533400"/>
+            <a:ext cx="8229600" cy="1143000"/>
+          </a:xfrm>
+        </p:spPr>
         <p:txBody>
           <a:bodyPr/>
           <a:lstStyle/>
           <a:p>
+            <a:pPr algn="l"/>
             <a:r>
               <a:rPr lang="en-US" dirty="0" smtClean="0"/>
-              <a:t>The OVER() Clause</a:t>
+              <a:t>Demo</a:t>
             </a:r>
             <a:endParaRPr lang="en-US" dirty="0"/>
           </a:p>
@@ -9911,7 +10222,7 @@
       </p:sp>
       <p:sp>
         <p:nvSpPr>
-          <p:cNvPr id="5" name="Content Placeholder 4"/>
+          <p:cNvPr id="5" name="Text Placeholder 4"/>
           <p:cNvSpPr>
             <a:spLocks noGrp="1"/>
           </p:cNvSpPr>
@@ -9925,26 +10236,8 @@
           <a:lstStyle/>
           <a:p>
             <a:r>
-              <a:rPr lang="en-US" dirty="0"/>
-              <a:t>SQL Server 2012+</a:t>
-            </a:r>
-          </a:p>
-          <a:p>
-            <a:r>
               <a:rPr lang="en-US" dirty="0" smtClean="0"/>
-              <a:t>The OVER() clause creates a window</a:t>
-            </a:r>
-          </a:p>
-          <a:p>
-            <a:r>
-              <a:rPr lang="en-US" dirty="0" smtClean="0"/>
-              <a:t>The PARTITION BY defines the window</a:t>
-            </a:r>
-          </a:p>
-          <a:p>
-            <a:r>
-              <a:rPr lang="en-US" dirty="0" smtClean="0"/>
-              <a:t>Aggregates take place inside the OVER()  Partition</a:t>
+              <a:t>ROW_NUMBER and RANK</a:t>
             </a:r>
             <a:endParaRPr lang="en-US" dirty="0"/>
           </a:p>
@@ -9953,7 +10246,7 @@
     </p:spTree>
     <p:extLst>
       <p:ext uri="{BB962C8B-B14F-4D97-AF65-F5344CB8AC3E}">
-        <p14:creationId xmlns:p14="http://schemas.microsoft.com/office/powerpoint/2010/main" val="4180247851"/>
+        <p14:creationId xmlns:p14="http://schemas.microsoft.com/office/powerpoint/2010/main" val="1681886349"/>
       </p:ext>
     </p:extLst>
   </p:cSld>
@@ -9989,7 +10282,7 @@
       </p:grpSpPr>
       <p:sp>
         <p:nvSpPr>
-          <p:cNvPr id="4" name="Title 3"/>
+          <p:cNvPr id="2" name="Title 1"/>
           <p:cNvSpPr>
             <a:spLocks noGrp="1"/>
           </p:cNvSpPr>
@@ -10002,10 +10295,9 @@
           <a:bodyPr/>
           <a:lstStyle/>
           <a:p>
-            <a:pPr algn="l"/>
             <a:r>
               <a:rPr lang="en-US" dirty="0" smtClean="0"/>
-              <a:t>Demo</a:t>
+              <a:t>Agenda</a:t>
             </a:r>
             <a:endParaRPr lang="en-US" dirty="0"/>
           </a:p>
@@ -10013,7 +10305,7 @@
       </p:sp>
       <p:sp>
         <p:nvSpPr>
-          <p:cNvPr id="5" name="Text Placeholder 4"/>
+          <p:cNvPr id="3" name="Content Placeholder 2"/>
           <p:cNvSpPr>
             <a:spLocks noGrp="1"/>
           </p:cNvSpPr>
@@ -10028,16 +10320,50 @@
           <a:p>
             <a:r>
               <a:rPr lang="en-US" dirty="0" smtClean="0"/>
-              <a:t>The Basic OVER() clause</a:t>
-            </a:r>
-            <a:endParaRPr lang="en-US" dirty="0"/>
+              <a:t>Who Am I?</a:t>
+            </a:r>
+          </a:p>
+          <a:p>
+            <a:r>
+              <a:rPr lang="en-US" dirty="0" smtClean="0"/>
+              <a:t>What </a:t>
+            </a:r>
+            <a:r>
+              <a:rPr lang="en-US" dirty="0" smtClean="0"/>
+              <a:t>are Window functions?</a:t>
+            </a:r>
+          </a:p>
+          <a:p>
+            <a:r>
+              <a:rPr lang="en-US" dirty="0" smtClean="0"/>
+              <a:t>Ranking Functions</a:t>
+            </a:r>
+          </a:p>
+          <a:p>
+            <a:r>
+              <a:rPr lang="en-US" b="1" dirty="0" smtClean="0"/>
+              <a:t>Analytic Functions</a:t>
+            </a:r>
+            <a:endParaRPr lang="en-US" b="1" dirty="0" smtClean="0"/>
+          </a:p>
+          <a:p>
+            <a:r>
+              <a:rPr lang="en-US" dirty="0" smtClean="0"/>
+              <a:t>Framing data</a:t>
+            </a:r>
+          </a:p>
+          <a:p>
+            <a:r>
+              <a:rPr lang="en-US" dirty="0" smtClean="0"/>
+              <a:t>Looking back and peeking forward</a:t>
+            </a:r>
           </a:p>
         </p:txBody>
       </p:sp>
     </p:spTree>
     <p:extLst>
       <p:ext uri="{BB962C8B-B14F-4D97-AF65-F5344CB8AC3E}">
-        <p14:creationId xmlns:p14="http://schemas.microsoft.com/office/powerpoint/2010/main" val="1844486463"/>
+        <p14:creationId xmlns:p14="http://schemas.microsoft.com/office/powerpoint/2010/main" val="1940004283"/>
       </p:ext>
     </p:extLst>
   </p:cSld>
@@ -10073,7 +10399,7 @@
       </p:grpSpPr>
       <p:sp>
         <p:nvSpPr>
-          <p:cNvPr id="2" name="Title 1"/>
+          <p:cNvPr id="4" name="Title 3"/>
           <p:cNvSpPr>
             <a:spLocks noGrp="1"/>
           </p:cNvSpPr>
@@ -10088,7 +10414,7 @@
           <a:p>
             <a:r>
               <a:rPr lang="en-US" dirty="0" smtClean="0"/>
-              <a:t>Agenda</a:t>
+              <a:t>Analytic Functions</a:t>
             </a:r>
             <a:endParaRPr lang="en-US" dirty="0"/>
           </a:p>
@@ -10096,7 +10422,7 @@
       </p:sp>
       <p:sp>
         <p:nvSpPr>
-          <p:cNvPr id="3" name="Content Placeholder 2"/>
+          <p:cNvPr id="5" name="Content Placeholder 4"/>
           <p:cNvSpPr>
             <a:spLocks noGrp="1"/>
           </p:cNvSpPr>
@@ -10106,56 +10432,38 @@
         </p:nvSpPr>
         <p:spPr/>
         <p:txBody>
-          <a:bodyPr/>
+          <a:bodyPr anchor="t"/>
           <a:lstStyle/>
           <a:p>
             <a:r>
+              <a:rPr lang="en-US" dirty="0"/>
+              <a:t>SQL Server 2012+</a:t>
+            </a:r>
+          </a:p>
+          <a:p>
+            <a:r>
               <a:rPr lang="en-US" dirty="0" smtClean="0"/>
-              <a:t>Who Am I?</a:t>
-            </a:r>
-          </a:p>
-          <a:p>
+              <a:t>The OVER() clause </a:t>
+            </a:r>
             <a:r>
               <a:rPr lang="en-US" dirty="0" smtClean="0"/>
-              <a:t>Prerequisites</a:t>
-            </a:r>
-          </a:p>
-          <a:p>
+              <a:t>expanded to </a:t>
+            </a:r>
             <a:r>
               <a:rPr lang="en-US" dirty="0" smtClean="0"/>
-              <a:t>What are Window functions?</a:t>
-            </a:r>
-          </a:p>
-          <a:p>
-            <a:r>
-              <a:rPr lang="en-US" dirty="0" smtClean="0"/>
-              <a:t>Ranking Functions</a:t>
-            </a:r>
-          </a:p>
-          <a:p>
-            <a:r>
-              <a:rPr lang="en-US" dirty="0" smtClean="0"/>
-              <a:t>Windowing with the OVER clause</a:t>
-            </a:r>
-          </a:p>
-          <a:p>
-            <a:r>
-              <a:rPr lang="en-US" b="1" dirty="0" smtClean="0"/>
-              <a:t>Framing data</a:t>
-            </a:r>
-          </a:p>
-          <a:p>
-            <a:r>
-              <a:rPr lang="en-US" dirty="0" smtClean="0"/>
-              <a:t>Looking back and peeking forward</a:t>
-            </a:r>
+              <a:t>Analytic Functions and NEXT VALUE FOR</a:t>
+            </a:r>
+          </a:p>
+          <a:p>
+            <a:pPr lvl="1"/>
+            <a:endParaRPr lang="en-US" dirty="0" smtClean="0"/>
           </a:p>
         </p:txBody>
       </p:sp>
     </p:spTree>
     <p:extLst>
       <p:ext uri="{BB962C8B-B14F-4D97-AF65-F5344CB8AC3E}">
-        <p14:creationId xmlns:p14="http://schemas.microsoft.com/office/powerpoint/2010/main" val="1030468545"/>
+        <p14:creationId xmlns:p14="http://schemas.microsoft.com/office/powerpoint/2010/main" val="4180247851"/>
       </p:ext>
     </p:extLst>
   </p:cSld>
@@ -10191,7 +10499,7 @@
       </p:grpSpPr>
       <p:sp>
         <p:nvSpPr>
-          <p:cNvPr id="2" name="Title 1"/>
+          <p:cNvPr id="4" name="Title 3"/>
           <p:cNvSpPr>
             <a:spLocks noGrp="1"/>
           </p:cNvSpPr>
@@ -10204,9 +10512,10 @@
           <a:bodyPr/>
           <a:lstStyle/>
           <a:p>
+            <a:pPr algn="l"/>
             <a:r>
               <a:rPr lang="en-US" dirty="0" smtClean="0"/>
-              <a:t>Framing Data</a:t>
+              <a:t>Demo</a:t>
             </a:r>
             <a:endParaRPr lang="en-US" dirty="0"/>
           </a:p>
@@ -10214,7 +10523,7 @@
       </p:sp>
       <p:sp>
         <p:nvSpPr>
-          <p:cNvPr id="3" name="Content Placeholder 2"/>
+          <p:cNvPr id="5" name="Text Placeholder 4"/>
           <p:cNvSpPr>
             <a:spLocks noGrp="1"/>
           </p:cNvSpPr>
@@ -10229,33 +10538,11 @@
           <a:p>
             <a:r>
               <a:rPr lang="en-US" dirty="0" smtClean="0"/>
-              <a:t>RANGE and ROWS for specifying the window</a:t>
-            </a:r>
-          </a:p>
-          <a:p>
-            <a:r>
-              <a:rPr lang="en-US" dirty="0" smtClean="0"/>
-              <a:t>First </a:t>
-            </a:r>
-            <a:r>
-              <a:rPr lang="en-US" dirty="0"/>
-              <a:t>Value/Last </a:t>
-            </a:r>
-            <a:r>
-              <a:rPr lang="en-US" dirty="0" smtClean="0"/>
-              <a:t>Value</a:t>
-            </a:r>
-          </a:p>
-          <a:p>
-            <a:r>
-              <a:rPr lang="en-US" dirty="0" smtClean="0"/>
-              <a:t>Find the beginning or end of a frame</a:t>
-            </a:r>
-          </a:p>
-          <a:p>
-            <a:r>
-              <a:rPr lang="en-US" dirty="0" smtClean="0"/>
-              <a:t>The partition and ordering matter here</a:t>
+              <a:t>More complex </a:t>
+            </a:r>
+            <a:r>
+              <a:rPr lang="en-US" smtClean="0"/>
+              <a:t>Window calculations</a:t>
             </a:r>
             <a:endParaRPr lang="en-US" dirty="0"/>
           </a:p>
@@ -10264,7 +10551,7 @@
     </p:spTree>
     <p:extLst>
       <p:ext uri="{BB962C8B-B14F-4D97-AF65-F5344CB8AC3E}">
-        <p14:creationId xmlns:p14="http://schemas.microsoft.com/office/powerpoint/2010/main" val="983228729"/>
+        <p14:creationId xmlns:p14="http://schemas.microsoft.com/office/powerpoint/2010/main" val="1844486463"/>
       </p:ext>
     </p:extLst>
   </p:cSld>
@@ -10300,7 +10587,7 @@
       </p:grpSpPr>
       <p:sp>
         <p:nvSpPr>
-          <p:cNvPr id="4" name="Title 3"/>
+          <p:cNvPr id="2" name="Title 1"/>
           <p:cNvSpPr>
             <a:spLocks noGrp="1"/>
           </p:cNvSpPr>
@@ -10313,10 +10600,9 @@
           <a:bodyPr/>
           <a:lstStyle/>
           <a:p>
-            <a:pPr algn="l"/>
             <a:r>
               <a:rPr lang="en-US" dirty="0" smtClean="0"/>
-              <a:t>Demo</a:t>
+              <a:t>Agenda</a:t>
             </a:r>
             <a:endParaRPr lang="en-US" dirty="0"/>
           </a:p>
@@ -10324,7 +10610,7 @@
       </p:sp>
       <p:sp>
         <p:nvSpPr>
-          <p:cNvPr id="5" name="Text Placeholder 4"/>
+          <p:cNvPr id="3" name="Content Placeholder 2"/>
           <p:cNvSpPr>
             <a:spLocks noGrp="1"/>
           </p:cNvSpPr>
@@ -10339,16 +10625,50 @@
           <a:p>
             <a:r>
               <a:rPr lang="en-US" dirty="0" smtClean="0"/>
-              <a:t>Framing Demos</a:t>
-            </a:r>
-            <a:endParaRPr lang="en-US" dirty="0"/>
+              <a:t>Who Am I?</a:t>
+            </a:r>
+          </a:p>
+          <a:p>
+            <a:r>
+              <a:rPr lang="en-US" dirty="0" smtClean="0"/>
+              <a:t>What </a:t>
+            </a:r>
+            <a:r>
+              <a:rPr lang="en-US" dirty="0" smtClean="0"/>
+              <a:t>are Window functions?</a:t>
+            </a:r>
+          </a:p>
+          <a:p>
+            <a:r>
+              <a:rPr lang="en-US" dirty="0" smtClean="0"/>
+              <a:t>Ranking Functions</a:t>
+            </a:r>
+          </a:p>
+          <a:p>
+            <a:r>
+              <a:rPr lang="en-US" dirty="0" smtClean="0"/>
+              <a:t>Analytic Functions</a:t>
+            </a:r>
+            <a:endParaRPr lang="en-US" dirty="0" smtClean="0"/>
+          </a:p>
+          <a:p>
+            <a:r>
+              <a:rPr lang="en-US" b="1" dirty="0" smtClean="0"/>
+              <a:t>Framing data</a:t>
+            </a:r>
+          </a:p>
+          <a:p>
+            <a:r>
+              <a:rPr lang="en-US" dirty="0" smtClean="0"/>
+              <a:t>Looking back and peeking forward</a:t>
+            </a:r>
           </a:p>
         </p:txBody>
       </p:sp>
     </p:spTree>
     <p:extLst>
       <p:ext uri="{BB962C8B-B14F-4D97-AF65-F5344CB8AC3E}">
-        <p14:creationId xmlns:p14="http://schemas.microsoft.com/office/powerpoint/2010/main" val="1988305038"/>
+        <p14:creationId xmlns:p14="http://schemas.microsoft.com/office/powerpoint/2010/main" val="1030468545"/>
       </p:ext>
     </p:extLst>
   </p:cSld>
@@ -10399,7 +10719,7 @@
           <a:p>
             <a:r>
               <a:rPr lang="en-US" dirty="0" smtClean="0"/>
-              <a:t>Agenda</a:t>
+              <a:t>Framing Data</a:t>
             </a:r>
             <a:endParaRPr lang="en-US" dirty="0"/>
           </a:p>
@@ -10417,9 +10737,202 @@
         </p:nvSpPr>
         <p:spPr/>
         <p:txBody>
+          <a:bodyPr anchor="t"/>
+          <a:lstStyle/>
+          <a:p>
+            <a:r>
+              <a:rPr lang="en-US" dirty="0" smtClean="0"/>
+              <a:t>RANGE and ROWS for specifying the window</a:t>
+            </a:r>
+          </a:p>
+          <a:p>
+            <a:r>
+              <a:rPr lang="en-US" dirty="0" smtClean="0"/>
+              <a:t>First </a:t>
+            </a:r>
+            <a:r>
+              <a:rPr lang="en-US" dirty="0"/>
+              <a:t>Value/Last </a:t>
+            </a:r>
+            <a:r>
+              <a:rPr lang="en-US" dirty="0" smtClean="0"/>
+              <a:t>Value</a:t>
+            </a:r>
+          </a:p>
+          <a:p>
+            <a:r>
+              <a:rPr lang="en-US" dirty="0" smtClean="0"/>
+              <a:t>Find the beginning or end of a frame</a:t>
+            </a:r>
+          </a:p>
+          <a:p>
+            <a:r>
+              <a:rPr lang="en-US" dirty="0" smtClean="0"/>
+              <a:t>The partition and ordering matter here</a:t>
+            </a:r>
+            <a:endParaRPr lang="en-US" dirty="0"/>
+          </a:p>
+        </p:txBody>
+      </p:sp>
+    </p:spTree>
+    <p:extLst>
+      <p:ext uri="{BB962C8B-B14F-4D97-AF65-F5344CB8AC3E}">
+        <p14:creationId xmlns:p14="http://schemas.microsoft.com/office/powerpoint/2010/main" val="983228729"/>
+      </p:ext>
+    </p:extLst>
+  </p:cSld>
+  <p:clrMapOvr>
+    <a:masterClrMapping/>
+  </p:clrMapOvr>
+  <p:timing>
+    <p:tnLst>
+      <p:par>
+        <p:cTn id="1" dur="indefinite" restart="never" nodeType="tmRoot"/>
+      </p:par>
+    </p:tnLst>
+  </p:timing>
+</p:sld>
+</file>
+
+<file path=ppt/slides/slide28.xml><?xml version="1.0" encoding="utf-8"?>
+<p:sld xmlns:a="http://schemas.openxmlformats.org/drawingml/2006/main" xmlns:r="http://schemas.openxmlformats.org/officeDocument/2006/relationships" xmlns:p="http://schemas.openxmlformats.org/presentationml/2006/main">
+  <p:cSld>
+    <p:spTree>
+      <p:nvGrpSpPr>
+        <p:cNvPr id="1" name=""/>
+        <p:cNvGrpSpPr/>
+        <p:nvPr/>
+      </p:nvGrpSpPr>
+      <p:grpSpPr>
+        <a:xfrm>
+          <a:off x="0" y="0"/>
+          <a:ext cx="0" cy="0"/>
+          <a:chOff x="0" y="0"/>
+          <a:chExt cx="0" cy="0"/>
+        </a:xfrm>
+      </p:grpSpPr>
+      <p:sp>
+        <p:nvSpPr>
+          <p:cNvPr id="4" name="Title 3"/>
+          <p:cNvSpPr>
+            <a:spLocks noGrp="1"/>
+          </p:cNvSpPr>
+          <p:nvPr>
+            <p:ph type="title"/>
+          </p:nvPr>
+        </p:nvSpPr>
+        <p:spPr/>
+        <p:txBody>
           <a:bodyPr/>
           <a:lstStyle/>
           <a:p>
+            <a:pPr algn="l"/>
+            <a:r>
+              <a:rPr lang="en-US" dirty="0" smtClean="0"/>
+              <a:t>Demo</a:t>
+            </a:r>
+            <a:endParaRPr lang="en-US" dirty="0"/>
+          </a:p>
+        </p:txBody>
+      </p:sp>
+      <p:sp>
+        <p:nvSpPr>
+          <p:cNvPr id="5" name="Text Placeholder 4"/>
+          <p:cNvSpPr>
+            <a:spLocks noGrp="1"/>
+          </p:cNvSpPr>
+          <p:nvPr>
+            <p:ph idx="1"/>
+          </p:nvPr>
+        </p:nvSpPr>
+        <p:spPr/>
+        <p:txBody>
+          <a:bodyPr anchor="t"/>
+          <a:lstStyle/>
+          <a:p>
+            <a:r>
+              <a:rPr lang="en-US" dirty="0" smtClean="0"/>
+              <a:t>Framing Demos</a:t>
+            </a:r>
+            <a:endParaRPr lang="en-US" dirty="0"/>
+          </a:p>
+        </p:txBody>
+      </p:sp>
+    </p:spTree>
+    <p:extLst>
+      <p:ext uri="{BB962C8B-B14F-4D97-AF65-F5344CB8AC3E}">
+        <p14:creationId xmlns:p14="http://schemas.microsoft.com/office/powerpoint/2010/main" val="1988305038"/>
+      </p:ext>
+    </p:extLst>
+  </p:cSld>
+  <p:clrMapOvr>
+    <a:masterClrMapping/>
+  </p:clrMapOvr>
+  <p:timing>
+    <p:tnLst>
+      <p:par>
+        <p:cTn id="1" dur="indefinite" restart="never" nodeType="tmRoot"/>
+      </p:par>
+    </p:tnLst>
+  </p:timing>
+</p:sld>
+</file>
+
+<file path=ppt/slides/slide29.xml><?xml version="1.0" encoding="utf-8"?>
+<p:sld xmlns:a="http://schemas.openxmlformats.org/drawingml/2006/main" xmlns:r="http://schemas.openxmlformats.org/officeDocument/2006/relationships" xmlns:p="http://schemas.openxmlformats.org/presentationml/2006/main">
+  <p:cSld>
+    <p:spTree>
+      <p:nvGrpSpPr>
+        <p:cNvPr id="1" name=""/>
+        <p:cNvGrpSpPr/>
+        <p:nvPr/>
+      </p:nvGrpSpPr>
+      <p:grpSpPr>
+        <a:xfrm>
+          <a:off x="0" y="0"/>
+          <a:ext cx="0" cy="0"/>
+          <a:chOff x="0" y="0"/>
+          <a:chExt cx="0" cy="0"/>
+        </a:xfrm>
+      </p:grpSpPr>
+      <p:sp>
+        <p:nvSpPr>
+          <p:cNvPr id="2" name="Title 1"/>
+          <p:cNvSpPr>
+            <a:spLocks noGrp="1"/>
+          </p:cNvSpPr>
+          <p:nvPr>
+            <p:ph type="title"/>
+          </p:nvPr>
+        </p:nvSpPr>
+        <p:spPr/>
+        <p:txBody>
+          <a:bodyPr/>
+          <a:lstStyle/>
+          <a:p>
+            <a:r>
+              <a:rPr lang="en-US" dirty="0" smtClean="0"/>
+              <a:t>Agenda</a:t>
+            </a:r>
+            <a:endParaRPr lang="en-US" dirty="0"/>
+          </a:p>
+        </p:txBody>
+      </p:sp>
+      <p:sp>
+        <p:nvSpPr>
+          <p:cNvPr id="3" name="Content Placeholder 2"/>
+          <p:cNvSpPr>
+            <a:spLocks noGrp="1"/>
+          </p:cNvSpPr>
+          <p:nvPr>
+            <p:ph idx="1"/>
+          </p:nvPr>
+        </p:nvSpPr>
+        <p:spPr/>
+        <p:txBody>
+          <a:bodyPr anchor="t"/>
+          <a:lstStyle/>
+          <a:p>
             <a:r>
               <a:rPr lang="en-US" dirty="0" smtClean="0"/>
               <a:t>Who Am I?</a:t>
@@ -10428,13 +10941,11 @@
           <a:p>
             <a:r>
               <a:rPr lang="en-US" dirty="0" smtClean="0"/>
-              <a:t>Prerequisites</a:t>
-            </a:r>
-          </a:p>
-          <a:p>
+              <a:t>What </a:t>
+            </a:r>
             <a:r>
               <a:rPr lang="en-US" dirty="0" smtClean="0"/>
-              <a:t>What are Window functions?</a:t>
+              <a:t>are Window functions?</a:t>
             </a:r>
           </a:p>
           <a:p>
@@ -10445,14 +10956,18 @@
           </a:p>
           <a:p>
             <a:r>
+              <a:rPr lang="en-US" dirty="0"/>
+              <a:t>Analytic Functions</a:t>
+            </a:r>
+          </a:p>
+          <a:p>
+            <a:r>
               <a:rPr lang="en-US" dirty="0" smtClean="0"/>
-              <a:t>Windowing with the OVER clause</a:t>
-            </a:r>
-          </a:p>
-          <a:p>
+              <a:t>Framing </a:t>
+            </a:r>
             <a:r>
               <a:rPr lang="en-US" dirty="0" smtClean="0"/>
-              <a:t>Framing data</a:t>
+              <a:t>data</a:t>
             </a:r>
           </a:p>
           <a:p>
@@ -10483,7 +10998,101 @@
 </p:sld>
 </file>
 
-<file path=ppt/slides/slide28.xml><?xml version="1.0" encoding="utf-8"?>
+<file path=ppt/slides/slide3.xml><?xml version="1.0" encoding="utf-8"?>
+<p:sld xmlns:a="http://schemas.openxmlformats.org/drawingml/2006/main" xmlns:r="http://schemas.openxmlformats.org/officeDocument/2006/relationships" xmlns:p="http://schemas.openxmlformats.org/presentationml/2006/main">
+  <p:cSld>
+    <p:spTree>
+      <p:nvGrpSpPr>
+        <p:cNvPr id="1" name=""/>
+        <p:cNvGrpSpPr/>
+        <p:nvPr/>
+      </p:nvGrpSpPr>
+      <p:grpSpPr>
+        <a:xfrm>
+          <a:off x="0" y="0"/>
+          <a:ext cx="0" cy="0"/>
+          <a:chOff x="0" y="0"/>
+          <a:chExt cx="0" cy="0"/>
+        </a:xfrm>
+      </p:grpSpPr>
+      <p:sp>
+        <p:nvSpPr>
+          <p:cNvPr id="2" name="Title 1"/>
+          <p:cNvSpPr>
+            <a:spLocks noGrp="1"/>
+          </p:cNvSpPr>
+          <p:nvPr>
+            <p:ph type="title"/>
+          </p:nvPr>
+        </p:nvSpPr>
+        <p:spPr/>
+        <p:txBody>
+          <a:bodyPr/>
+          <a:lstStyle/>
+          <a:p>
+            <a:r>
+              <a:rPr lang="en-US" dirty="0" smtClean="0"/>
+              <a:t>Goals</a:t>
+            </a:r>
+            <a:endParaRPr lang="en-US" dirty="0"/>
+          </a:p>
+        </p:txBody>
+      </p:sp>
+      <p:sp>
+        <p:nvSpPr>
+          <p:cNvPr id="3" name="Content Placeholder 2"/>
+          <p:cNvSpPr>
+            <a:spLocks noGrp="1"/>
+          </p:cNvSpPr>
+          <p:nvPr>
+            <p:ph idx="1"/>
+          </p:nvPr>
+        </p:nvSpPr>
+        <p:spPr/>
+        <p:txBody>
+          <a:bodyPr anchor="t"/>
+          <a:lstStyle/>
+          <a:p>
+            <a:r>
+              <a:rPr lang="en-US" dirty="0" smtClean="0"/>
+              <a:t>Understand partitioning and framing of data</a:t>
+            </a:r>
+          </a:p>
+          <a:p>
+            <a:r>
+              <a:rPr lang="en-US" dirty="0" smtClean="0"/>
+              <a:t>Learn how to control the size of the window</a:t>
+            </a:r>
+          </a:p>
+          <a:p>
+            <a:r>
+              <a:rPr lang="en-US" dirty="0" smtClean="0"/>
+              <a:t>Rank, total, calculate values in windows</a:t>
+            </a:r>
+          </a:p>
+        </p:txBody>
+      </p:sp>
+    </p:spTree>
+    <p:extLst>
+      <p:ext uri="{BB962C8B-B14F-4D97-AF65-F5344CB8AC3E}">
+        <p14:creationId xmlns:p14="http://schemas.microsoft.com/office/powerpoint/2010/main" val="1579214034"/>
+      </p:ext>
+    </p:extLst>
+  </p:cSld>
+  <p:clrMapOvr>
+    <a:masterClrMapping/>
+  </p:clrMapOvr>
+  <p:timing>
+    <p:tnLst>
+      <p:par>
+        <p:cTn id="1" dur="indefinite" restart="never" nodeType="tmRoot"/>
+      </p:par>
+    </p:tnLst>
+  </p:timing>
+</p:sld>
+</file>
+
+<file path=ppt/slides/slide30.xml><?xml version="1.0" encoding="utf-8"?>
 <p:sld xmlns:a="http://schemas.openxmlformats.org/drawingml/2006/main" xmlns:r="http://schemas.openxmlformats.org/officeDocument/2006/relationships" xmlns:p="http://schemas.openxmlformats.org/presentationml/2006/main">
   <p:cSld>
     <p:spTree>
@@ -10859,7 +11468,7 @@
 </p:sld>
 </file>
 
-<file path=ppt/slides/slide29.xml><?xml version="1.0" encoding="utf-8"?>
+<file path=ppt/slides/slide31.xml><?xml version="1.0" encoding="utf-8"?>
 <p:sld xmlns:a="http://schemas.openxmlformats.org/drawingml/2006/main" xmlns:r="http://schemas.openxmlformats.org/officeDocument/2006/relationships" xmlns:p="http://schemas.openxmlformats.org/presentationml/2006/main">
   <p:cSld>
     <p:spTree>
@@ -10943,101 +11552,7 @@
 </p:sld>
 </file>
 
-<file path=ppt/slides/slide3.xml><?xml version="1.0" encoding="utf-8"?>
-<p:sld xmlns:a="http://schemas.openxmlformats.org/drawingml/2006/main" xmlns:r="http://schemas.openxmlformats.org/officeDocument/2006/relationships" xmlns:p="http://schemas.openxmlformats.org/presentationml/2006/main">
-  <p:cSld>
-    <p:spTree>
-      <p:nvGrpSpPr>
-        <p:cNvPr id="1" name=""/>
-        <p:cNvGrpSpPr/>
-        <p:nvPr/>
-      </p:nvGrpSpPr>
-      <p:grpSpPr>
-        <a:xfrm>
-          <a:off x="0" y="0"/>
-          <a:ext cx="0" cy="0"/>
-          <a:chOff x="0" y="0"/>
-          <a:chExt cx="0" cy="0"/>
-        </a:xfrm>
-      </p:grpSpPr>
-      <p:sp>
-        <p:nvSpPr>
-          <p:cNvPr id="2" name="Title 1"/>
-          <p:cNvSpPr>
-            <a:spLocks noGrp="1"/>
-          </p:cNvSpPr>
-          <p:nvPr>
-            <p:ph type="title"/>
-          </p:nvPr>
-        </p:nvSpPr>
-        <p:spPr/>
-        <p:txBody>
-          <a:bodyPr/>
-          <a:lstStyle/>
-          <a:p>
-            <a:r>
-              <a:rPr lang="en-US" dirty="0" smtClean="0"/>
-              <a:t>Goals</a:t>
-            </a:r>
-            <a:endParaRPr lang="en-US" dirty="0"/>
-          </a:p>
-        </p:txBody>
-      </p:sp>
-      <p:sp>
-        <p:nvSpPr>
-          <p:cNvPr id="3" name="Content Placeholder 2"/>
-          <p:cNvSpPr>
-            <a:spLocks noGrp="1"/>
-          </p:cNvSpPr>
-          <p:nvPr>
-            <p:ph idx="1"/>
-          </p:nvPr>
-        </p:nvSpPr>
-        <p:spPr/>
-        <p:txBody>
-          <a:bodyPr anchor="t"/>
-          <a:lstStyle/>
-          <a:p>
-            <a:r>
-              <a:rPr lang="en-US" dirty="0" smtClean="0"/>
-              <a:t>Understand partitioning and framing of data</a:t>
-            </a:r>
-          </a:p>
-          <a:p>
-            <a:r>
-              <a:rPr lang="en-US" dirty="0" smtClean="0"/>
-              <a:t>Learn how to control the size of the window</a:t>
-            </a:r>
-          </a:p>
-          <a:p>
-            <a:r>
-              <a:rPr lang="en-US" dirty="0" smtClean="0"/>
-              <a:t>Rank, total, calculate values in windows</a:t>
-            </a:r>
-          </a:p>
-        </p:txBody>
-      </p:sp>
-    </p:spTree>
-    <p:extLst>
-      <p:ext uri="{BB962C8B-B14F-4D97-AF65-F5344CB8AC3E}">
-        <p14:creationId xmlns:p14="http://schemas.microsoft.com/office/powerpoint/2010/main" val="1579214034"/>
-      </p:ext>
-    </p:extLst>
-  </p:cSld>
-  <p:clrMapOvr>
-    <a:masterClrMapping/>
-  </p:clrMapOvr>
-  <p:timing>
-    <p:tnLst>
-      <p:par>
-        <p:cTn id="1" dur="indefinite" restart="never" nodeType="tmRoot"/>
-      </p:par>
-    </p:tnLst>
-  </p:timing>
-</p:sld>
-</file>
-
-<file path=ppt/slides/slide30.xml><?xml version="1.0" encoding="utf-8"?>
+<file path=ppt/slides/slide32.xml><?xml version="1.0" encoding="utf-8"?>
 <p:sld xmlns:a="http://schemas.openxmlformats.org/drawingml/2006/main" xmlns:r="http://schemas.openxmlformats.org/officeDocument/2006/relationships" xmlns:p="http://schemas.openxmlformats.org/presentationml/2006/main">
   <p:cSld>
     <p:spTree>
@@ -11143,7 +11658,2030 @@
 </p:sld>
 </file>
 
-<file path=ppt/slides/slide31.xml><?xml version="1.0" encoding="utf-8"?>
+<file path=ppt/slides/slide33.xml><?xml version="1.0" encoding="utf-8"?>
+<p:sld xmlns:a="http://schemas.openxmlformats.org/drawingml/2006/main" xmlns:r="http://schemas.openxmlformats.org/officeDocument/2006/relationships" xmlns:p="http://schemas.openxmlformats.org/presentationml/2006/main">
+  <p:cSld>
+    <p:spTree>
+      <p:nvGrpSpPr>
+        <p:cNvPr id="1" name=""/>
+        <p:cNvGrpSpPr/>
+        <p:nvPr/>
+      </p:nvGrpSpPr>
+      <p:grpSpPr>
+        <a:xfrm>
+          <a:off x="0" y="0"/>
+          <a:ext cx="0" cy="0"/>
+          <a:chOff x="0" y="0"/>
+          <a:chExt cx="0" cy="0"/>
+        </a:xfrm>
+      </p:grpSpPr>
+      <p:sp>
+        <p:nvSpPr>
+          <p:cNvPr id="24578" name="Title 13"/>
+          <p:cNvSpPr>
+            <a:spLocks noGrp="1"/>
+          </p:cNvSpPr>
+          <p:nvPr>
+            <p:ph type="ctrTitle"/>
+          </p:nvPr>
+        </p:nvSpPr>
+        <p:spPr bwMode="auto">
+          <a:xfrm>
+            <a:off x="685800" y="1046163"/>
+            <a:ext cx="7772400" cy="627062"/>
+          </a:xfrm>
+          <a:noFill/>
+          <a:extLst>
+            <a:ext uri="{909E8E84-426E-40DD-AFC4-6F175D3DCCD1}">
+              <a14:hiddenFill xmlns:a14="http://schemas.microsoft.com/office/drawing/2010/main">
+                <a:solidFill>
+                  <a:srgbClr val="FFFFFF"/>
+                </a:solidFill>
+              </a14:hiddenFill>
+            </a:ext>
+            <a:ext uri="{91240B29-F687-4F45-9708-019B960494DF}">
+              <a14:hiddenLine xmlns:a14="http://schemas.microsoft.com/office/drawing/2010/main" w="9525">
+                <a:solidFill>
+                  <a:srgbClr val="000000"/>
+                </a:solidFill>
+                <a:miter lim="800000"/>
+                <a:headEnd/>
+                <a:tailEnd/>
+              </a14:hiddenLine>
+            </a:ext>
+          </a:extLst>
+        </p:spPr>
+        <p:txBody>
+          <a:bodyPr vert="horz" wrap="square" lIns="91440" tIns="45720" rIns="91440" bIns="45720" numCol="1" anchor="t" anchorCtr="0" compatLnSpc="1">
+            <a:prstTxWarp prst="textNoShape">
+              <a:avLst/>
+            </a:prstTxWarp>
+          </a:bodyPr>
+          <a:lstStyle/>
+          <a:p>
+            <a:r>
+              <a:rPr lang="en-US" altLang="en-US" b="1" smtClean="0"/>
+              <a:t>Rate This Session Now!</a:t>
+            </a:r>
+          </a:p>
+        </p:txBody>
+      </p:sp>
+      <p:sp>
+        <p:nvSpPr>
+          <p:cNvPr id="4" name="Subtitle 14"/>
+          <p:cNvSpPr txBox="1">
+            <a:spLocks/>
+          </p:cNvSpPr>
+          <p:nvPr/>
+        </p:nvSpPr>
+        <p:spPr bwMode="auto">
+          <a:xfrm>
+            <a:off x="2854326" y="2062163"/>
+            <a:ext cx="3482975" cy="366712"/>
+          </a:xfrm>
+          <a:prstGeom prst="rect">
+            <a:avLst/>
+          </a:prstGeom>
+          <a:noFill/>
+          <a:extLst>
+            <a:ext uri="{909E8E84-426E-40DD-AFC4-6F175D3DCCD1}">
+              <a14:hiddenFill xmlns:a14="http://schemas.microsoft.com/office/drawing/2010/main">
+                <a:solidFill>
+                  <a:srgbClr val="FFFFFF"/>
+                </a:solidFill>
+              </a14:hiddenFill>
+            </a:ext>
+            <a:ext uri="{91240B29-F687-4F45-9708-019B960494DF}">
+              <a14:hiddenLine xmlns:a14="http://schemas.microsoft.com/office/drawing/2010/main" w="9525">
+                <a:solidFill>
+                  <a:srgbClr val="000000"/>
+                </a:solidFill>
+                <a:miter lim="800000"/>
+                <a:headEnd/>
+                <a:tailEnd/>
+              </a14:hiddenLine>
+            </a:ext>
+            <a:ext uri="{FAA26D3D-D897-4be2-8F04-BA451C77F1D7}"/>
+          </a:extLst>
+        </p:spPr>
+        <p:txBody>
+          <a:bodyPr/>
+          <a:lstStyle>
+            <a:lvl1pPr marL="0" indent="0" algn="ctr" defTabSz="457200" rtl="0" eaLnBrk="0" fontAlgn="base" hangingPunct="0">
+              <a:spcBef>
+                <a:spcPct val="20000"/>
+              </a:spcBef>
+              <a:spcAft>
+                <a:spcPct val="0"/>
+              </a:spcAft>
+              <a:buFont typeface="Arial" charset="0"/>
+              <a:buNone/>
+              <a:defRPr sz="3200" kern="1200">
+                <a:solidFill>
+                  <a:schemeClr val="bg1"/>
+                </a:solidFill>
+                <a:latin typeface="+mn-lt"/>
+                <a:ea typeface="ＭＳ Ｐゴシック" charset="0"/>
+                <a:cs typeface="ＭＳ Ｐゴシック" charset="0"/>
+              </a:defRPr>
+            </a:lvl1pPr>
+            <a:lvl2pPr marL="457200" indent="0" algn="ctr" defTabSz="457200" rtl="0" eaLnBrk="0" fontAlgn="base" hangingPunct="0">
+              <a:spcBef>
+                <a:spcPct val="20000"/>
+              </a:spcBef>
+              <a:spcAft>
+                <a:spcPct val="0"/>
+              </a:spcAft>
+              <a:buFont typeface="Arial" charset="0"/>
+              <a:buNone/>
+              <a:defRPr sz="2800" kern="1200">
+                <a:solidFill>
+                  <a:schemeClr val="tx1">
+                    <a:tint val="75000"/>
+                  </a:schemeClr>
+                </a:solidFill>
+                <a:latin typeface="+mn-lt"/>
+                <a:ea typeface="ＭＳ Ｐゴシック" charset="0"/>
+                <a:cs typeface="+mn-cs"/>
+              </a:defRPr>
+            </a:lvl2pPr>
+            <a:lvl3pPr marL="914400" indent="0" algn="ctr" defTabSz="457200" rtl="0" eaLnBrk="0" fontAlgn="base" hangingPunct="0">
+              <a:spcBef>
+                <a:spcPct val="20000"/>
+              </a:spcBef>
+              <a:spcAft>
+                <a:spcPct val="0"/>
+              </a:spcAft>
+              <a:buFont typeface="Arial" charset="0"/>
+              <a:buNone/>
+              <a:defRPr sz="2400" kern="1200">
+                <a:solidFill>
+                  <a:schemeClr val="tx1">
+                    <a:tint val="75000"/>
+                  </a:schemeClr>
+                </a:solidFill>
+                <a:latin typeface="+mn-lt"/>
+                <a:ea typeface="ＭＳ Ｐゴシック" charset="0"/>
+                <a:cs typeface="+mn-cs"/>
+              </a:defRPr>
+            </a:lvl3pPr>
+            <a:lvl4pPr marL="1371600" indent="0" algn="ctr" defTabSz="457200" rtl="0" eaLnBrk="0" fontAlgn="base" hangingPunct="0">
+              <a:spcBef>
+                <a:spcPct val="20000"/>
+              </a:spcBef>
+              <a:spcAft>
+                <a:spcPct val="0"/>
+              </a:spcAft>
+              <a:buFont typeface="Arial" charset="0"/>
+              <a:buNone/>
+              <a:defRPr sz="2000" kern="1200">
+                <a:solidFill>
+                  <a:schemeClr val="tx1">
+                    <a:tint val="75000"/>
+                  </a:schemeClr>
+                </a:solidFill>
+                <a:latin typeface="+mn-lt"/>
+                <a:ea typeface="ＭＳ Ｐゴシック" charset="0"/>
+                <a:cs typeface="+mn-cs"/>
+              </a:defRPr>
+            </a:lvl4pPr>
+            <a:lvl5pPr marL="1828800" indent="0" algn="ctr" defTabSz="457200" rtl="0" eaLnBrk="0" fontAlgn="base" hangingPunct="0">
+              <a:spcBef>
+                <a:spcPct val="20000"/>
+              </a:spcBef>
+              <a:spcAft>
+                <a:spcPct val="0"/>
+              </a:spcAft>
+              <a:buFont typeface="Arial" charset="0"/>
+              <a:buNone/>
+              <a:defRPr sz="2000" kern="1200">
+                <a:solidFill>
+                  <a:schemeClr val="tx1">
+                    <a:tint val="75000"/>
+                  </a:schemeClr>
+                </a:solidFill>
+                <a:latin typeface="+mn-lt"/>
+                <a:ea typeface="ＭＳ Ｐゴシック" charset="0"/>
+                <a:cs typeface="+mn-cs"/>
+              </a:defRPr>
+            </a:lvl5pPr>
+            <a:lvl6pPr marL="2286000" indent="0" algn="ctr" defTabSz="457200" rtl="0" eaLnBrk="1" latinLnBrk="0" hangingPunct="1">
+              <a:spcBef>
+                <a:spcPct val="20000"/>
+              </a:spcBef>
+              <a:buFont typeface="Arial"/>
+              <a:buNone/>
+              <a:defRPr sz="2000" kern="1200">
+                <a:solidFill>
+                  <a:schemeClr val="tx1">
+                    <a:tint val="75000"/>
+                  </a:schemeClr>
+                </a:solidFill>
+                <a:latin typeface="+mn-lt"/>
+                <a:ea typeface="+mn-ea"/>
+                <a:cs typeface="+mn-cs"/>
+              </a:defRPr>
+            </a:lvl6pPr>
+            <a:lvl7pPr marL="2743200" indent="0" algn="ctr" defTabSz="457200" rtl="0" eaLnBrk="1" latinLnBrk="0" hangingPunct="1">
+              <a:spcBef>
+                <a:spcPct val="20000"/>
+              </a:spcBef>
+              <a:buFont typeface="Arial"/>
+              <a:buNone/>
+              <a:defRPr sz="2000" kern="1200">
+                <a:solidFill>
+                  <a:schemeClr val="tx1">
+                    <a:tint val="75000"/>
+                  </a:schemeClr>
+                </a:solidFill>
+                <a:latin typeface="+mn-lt"/>
+                <a:ea typeface="+mn-ea"/>
+                <a:cs typeface="+mn-cs"/>
+              </a:defRPr>
+            </a:lvl7pPr>
+            <a:lvl8pPr marL="3200400" indent="0" algn="ctr" defTabSz="457200" rtl="0" eaLnBrk="1" latinLnBrk="0" hangingPunct="1">
+              <a:spcBef>
+                <a:spcPct val="20000"/>
+              </a:spcBef>
+              <a:buFont typeface="Arial"/>
+              <a:buNone/>
+              <a:defRPr sz="2000" kern="1200">
+                <a:solidFill>
+                  <a:schemeClr val="tx1">
+                    <a:tint val="75000"/>
+                  </a:schemeClr>
+                </a:solidFill>
+                <a:latin typeface="+mn-lt"/>
+                <a:ea typeface="+mn-ea"/>
+                <a:cs typeface="+mn-cs"/>
+              </a:defRPr>
+            </a:lvl8pPr>
+            <a:lvl9pPr marL="3657600" indent="0" algn="ctr" defTabSz="457200" rtl="0" eaLnBrk="1" latinLnBrk="0" hangingPunct="1">
+              <a:spcBef>
+                <a:spcPct val="20000"/>
+              </a:spcBef>
+              <a:buFont typeface="Arial"/>
+              <a:buNone/>
+              <a:defRPr sz="2000" kern="1200">
+                <a:solidFill>
+                  <a:schemeClr val="tx1">
+                    <a:tint val="75000"/>
+                  </a:schemeClr>
+                </a:solidFill>
+                <a:latin typeface="+mn-lt"/>
+                <a:ea typeface="+mn-ea"/>
+                <a:cs typeface="+mn-cs"/>
+              </a:defRPr>
+            </a:lvl9pPr>
+          </a:lstStyle>
+          <a:p>
+            <a:pPr algn="l">
+              <a:lnSpc>
+                <a:spcPts val="2000"/>
+              </a:lnSpc>
+              <a:defRPr/>
+            </a:pPr>
+            <a:r>
+              <a:rPr lang="en-US" sz="2000" b="1" dirty="0">
+                <a:solidFill>
+                  <a:schemeClr val="tx1">
+                    <a:lumMod val="65000"/>
+                    <a:lumOff val="35000"/>
+                  </a:schemeClr>
+                </a:solidFill>
+              </a:rPr>
+              <a:t>Rate with Mobile App:</a:t>
+            </a:r>
+          </a:p>
+        </p:txBody>
+      </p:sp>
+      <p:sp>
+        <p:nvSpPr>
+          <p:cNvPr id="10" name="Subtitle 14"/>
+          <p:cNvSpPr txBox="1">
+            <a:spLocks/>
+          </p:cNvSpPr>
+          <p:nvPr/>
+        </p:nvSpPr>
+        <p:spPr bwMode="auto">
+          <a:xfrm>
+            <a:off x="2854325" y="2374900"/>
+            <a:ext cx="3582988" cy="1460500"/>
+          </a:xfrm>
+          <a:prstGeom prst="rect">
+            <a:avLst/>
+          </a:prstGeom>
+          <a:noFill/>
+          <a:extLst>
+            <a:ext uri="{909E8E84-426E-40DD-AFC4-6F175D3DCCD1}">
+              <a14:hiddenFill xmlns:a14="http://schemas.microsoft.com/office/drawing/2010/main">
+                <a:solidFill>
+                  <a:srgbClr val="FFFFFF"/>
+                </a:solidFill>
+              </a14:hiddenFill>
+            </a:ext>
+            <a:ext uri="{91240B29-F687-4F45-9708-019B960494DF}">
+              <a14:hiddenLine xmlns:a14="http://schemas.microsoft.com/office/drawing/2010/main" w="9525">
+                <a:solidFill>
+                  <a:srgbClr val="000000"/>
+                </a:solidFill>
+                <a:miter lim="800000"/>
+                <a:headEnd/>
+                <a:tailEnd/>
+              </a14:hiddenLine>
+            </a:ext>
+            <a:ext uri="{FAA26D3D-D897-4be2-8F04-BA451C77F1D7}"/>
+          </a:extLst>
+        </p:spPr>
+        <p:txBody>
+          <a:bodyPr/>
+          <a:lstStyle>
+            <a:lvl1pPr marL="0" indent="0" algn="ctr" defTabSz="457200" rtl="0" eaLnBrk="0" fontAlgn="base" hangingPunct="0">
+              <a:spcBef>
+                <a:spcPct val="20000"/>
+              </a:spcBef>
+              <a:spcAft>
+                <a:spcPct val="0"/>
+              </a:spcAft>
+              <a:buFont typeface="Arial" charset="0"/>
+              <a:buNone/>
+              <a:defRPr sz="3200" kern="1200">
+                <a:solidFill>
+                  <a:schemeClr val="bg1"/>
+                </a:solidFill>
+                <a:latin typeface="+mn-lt"/>
+                <a:ea typeface="ＭＳ Ｐゴシック" charset="0"/>
+                <a:cs typeface="ＭＳ Ｐゴシック" charset="0"/>
+              </a:defRPr>
+            </a:lvl1pPr>
+            <a:lvl2pPr marL="457200" indent="0" algn="ctr" defTabSz="457200" rtl="0" eaLnBrk="0" fontAlgn="base" hangingPunct="0">
+              <a:spcBef>
+                <a:spcPct val="20000"/>
+              </a:spcBef>
+              <a:spcAft>
+                <a:spcPct val="0"/>
+              </a:spcAft>
+              <a:buFont typeface="Arial" charset="0"/>
+              <a:buNone/>
+              <a:defRPr sz="2800" kern="1200">
+                <a:solidFill>
+                  <a:schemeClr val="tx1">
+                    <a:tint val="75000"/>
+                  </a:schemeClr>
+                </a:solidFill>
+                <a:latin typeface="+mn-lt"/>
+                <a:ea typeface="ＭＳ Ｐゴシック" charset="0"/>
+                <a:cs typeface="+mn-cs"/>
+              </a:defRPr>
+            </a:lvl2pPr>
+            <a:lvl3pPr marL="914400" indent="0" algn="ctr" defTabSz="457200" rtl="0" eaLnBrk="0" fontAlgn="base" hangingPunct="0">
+              <a:spcBef>
+                <a:spcPct val="20000"/>
+              </a:spcBef>
+              <a:spcAft>
+                <a:spcPct val="0"/>
+              </a:spcAft>
+              <a:buFont typeface="Arial" charset="0"/>
+              <a:buNone/>
+              <a:defRPr sz="2400" kern="1200">
+                <a:solidFill>
+                  <a:schemeClr val="tx1">
+                    <a:tint val="75000"/>
+                  </a:schemeClr>
+                </a:solidFill>
+                <a:latin typeface="+mn-lt"/>
+                <a:ea typeface="ＭＳ Ｐゴシック" charset="0"/>
+                <a:cs typeface="+mn-cs"/>
+              </a:defRPr>
+            </a:lvl3pPr>
+            <a:lvl4pPr marL="1371600" indent="0" algn="ctr" defTabSz="457200" rtl="0" eaLnBrk="0" fontAlgn="base" hangingPunct="0">
+              <a:spcBef>
+                <a:spcPct val="20000"/>
+              </a:spcBef>
+              <a:spcAft>
+                <a:spcPct val="0"/>
+              </a:spcAft>
+              <a:buFont typeface="Arial" charset="0"/>
+              <a:buNone/>
+              <a:defRPr sz="2000" kern="1200">
+                <a:solidFill>
+                  <a:schemeClr val="tx1">
+                    <a:tint val="75000"/>
+                  </a:schemeClr>
+                </a:solidFill>
+                <a:latin typeface="+mn-lt"/>
+                <a:ea typeface="ＭＳ Ｐゴシック" charset="0"/>
+                <a:cs typeface="+mn-cs"/>
+              </a:defRPr>
+            </a:lvl4pPr>
+            <a:lvl5pPr marL="1828800" indent="0" algn="ctr" defTabSz="457200" rtl="0" eaLnBrk="0" fontAlgn="base" hangingPunct="0">
+              <a:spcBef>
+                <a:spcPct val="20000"/>
+              </a:spcBef>
+              <a:spcAft>
+                <a:spcPct val="0"/>
+              </a:spcAft>
+              <a:buFont typeface="Arial" charset="0"/>
+              <a:buNone/>
+              <a:defRPr sz="2000" kern="1200">
+                <a:solidFill>
+                  <a:schemeClr val="tx1">
+                    <a:tint val="75000"/>
+                  </a:schemeClr>
+                </a:solidFill>
+                <a:latin typeface="+mn-lt"/>
+                <a:ea typeface="ＭＳ Ｐゴシック" charset="0"/>
+                <a:cs typeface="+mn-cs"/>
+              </a:defRPr>
+            </a:lvl5pPr>
+            <a:lvl6pPr marL="2286000" indent="0" algn="ctr" defTabSz="457200" rtl="0" eaLnBrk="1" latinLnBrk="0" hangingPunct="1">
+              <a:spcBef>
+                <a:spcPct val="20000"/>
+              </a:spcBef>
+              <a:buFont typeface="Arial"/>
+              <a:buNone/>
+              <a:defRPr sz="2000" kern="1200">
+                <a:solidFill>
+                  <a:schemeClr val="tx1">
+                    <a:tint val="75000"/>
+                  </a:schemeClr>
+                </a:solidFill>
+                <a:latin typeface="+mn-lt"/>
+                <a:ea typeface="+mn-ea"/>
+                <a:cs typeface="+mn-cs"/>
+              </a:defRPr>
+            </a:lvl6pPr>
+            <a:lvl7pPr marL="2743200" indent="0" algn="ctr" defTabSz="457200" rtl="0" eaLnBrk="1" latinLnBrk="0" hangingPunct="1">
+              <a:spcBef>
+                <a:spcPct val="20000"/>
+              </a:spcBef>
+              <a:buFont typeface="Arial"/>
+              <a:buNone/>
+              <a:defRPr sz="2000" kern="1200">
+                <a:solidFill>
+                  <a:schemeClr val="tx1">
+                    <a:tint val="75000"/>
+                  </a:schemeClr>
+                </a:solidFill>
+                <a:latin typeface="+mn-lt"/>
+                <a:ea typeface="+mn-ea"/>
+                <a:cs typeface="+mn-cs"/>
+              </a:defRPr>
+            </a:lvl7pPr>
+            <a:lvl8pPr marL="3200400" indent="0" algn="ctr" defTabSz="457200" rtl="0" eaLnBrk="1" latinLnBrk="0" hangingPunct="1">
+              <a:spcBef>
+                <a:spcPct val="20000"/>
+              </a:spcBef>
+              <a:buFont typeface="Arial"/>
+              <a:buNone/>
+              <a:defRPr sz="2000" kern="1200">
+                <a:solidFill>
+                  <a:schemeClr val="tx1">
+                    <a:tint val="75000"/>
+                  </a:schemeClr>
+                </a:solidFill>
+                <a:latin typeface="+mn-lt"/>
+                <a:ea typeface="+mn-ea"/>
+                <a:cs typeface="+mn-cs"/>
+              </a:defRPr>
+            </a:lvl8pPr>
+            <a:lvl9pPr marL="3657600" indent="0" algn="ctr" defTabSz="457200" rtl="0" eaLnBrk="1" latinLnBrk="0" hangingPunct="1">
+              <a:spcBef>
+                <a:spcPct val="20000"/>
+              </a:spcBef>
+              <a:buFont typeface="Arial"/>
+              <a:buNone/>
+              <a:defRPr sz="2000" kern="1200">
+                <a:solidFill>
+                  <a:schemeClr val="tx1">
+                    <a:tint val="75000"/>
+                  </a:schemeClr>
+                </a:solidFill>
+                <a:latin typeface="+mn-lt"/>
+                <a:ea typeface="+mn-ea"/>
+                <a:cs typeface="+mn-cs"/>
+              </a:defRPr>
+            </a:lvl9pPr>
+          </a:lstStyle>
+          <a:p>
+            <a:pPr marL="285750" indent="-285750" algn="l">
+              <a:lnSpc>
+                <a:spcPts val="2000"/>
+              </a:lnSpc>
+              <a:buFont typeface="Arial"/>
+              <a:buChar char="•"/>
+              <a:defRPr/>
+            </a:pPr>
+            <a:r>
+              <a:rPr lang="en-US" sz="1400" dirty="0">
+                <a:solidFill>
+                  <a:schemeClr val="tx1">
+                    <a:lumMod val="65000"/>
+                    <a:lumOff val="35000"/>
+                  </a:schemeClr>
+                </a:solidFill>
+              </a:rPr>
+              <a:t>Select the session from the </a:t>
+            </a:r>
+            <a:br>
+              <a:rPr lang="en-US" sz="1400" dirty="0">
+                <a:solidFill>
+                  <a:schemeClr val="tx1">
+                    <a:lumMod val="65000"/>
+                    <a:lumOff val="35000"/>
+                  </a:schemeClr>
+                </a:solidFill>
+              </a:rPr>
+            </a:br>
+            <a:r>
+              <a:rPr lang="en-US" sz="1400" dirty="0">
+                <a:solidFill>
+                  <a:schemeClr val="tx1">
+                    <a:lumMod val="65000"/>
+                    <a:lumOff val="35000"/>
+                  </a:schemeClr>
+                </a:solidFill>
+              </a:rPr>
+              <a:t>Agenda or Speakers menus</a:t>
+            </a:r>
+          </a:p>
+          <a:p>
+            <a:pPr marL="285750" indent="-285750" algn="l">
+              <a:lnSpc>
+                <a:spcPts val="2000"/>
+              </a:lnSpc>
+              <a:buFont typeface="Arial"/>
+              <a:buChar char="•"/>
+              <a:defRPr/>
+            </a:pPr>
+            <a:r>
+              <a:rPr lang="en-US" sz="1400" dirty="0">
+                <a:solidFill>
+                  <a:schemeClr val="tx1">
+                    <a:lumMod val="65000"/>
+                    <a:lumOff val="35000"/>
+                  </a:schemeClr>
+                </a:solidFill>
+              </a:rPr>
+              <a:t>Select the Actions tab</a:t>
+            </a:r>
+          </a:p>
+          <a:p>
+            <a:pPr marL="285750" indent="-285750" algn="l">
+              <a:lnSpc>
+                <a:spcPts val="2000"/>
+              </a:lnSpc>
+              <a:buFont typeface="Arial"/>
+              <a:buChar char="•"/>
+              <a:defRPr/>
+            </a:pPr>
+            <a:r>
+              <a:rPr lang="en-US" sz="1400" dirty="0">
+                <a:solidFill>
+                  <a:schemeClr val="tx1">
+                    <a:lumMod val="65000"/>
+                    <a:lumOff val="35000"/>
+                  </a:schemeClr>
+                </a:solidFill>
+              </a:rPr>
+              <a:t>Click Rate Session</a:t>
+            </a:r>
+          </a:p>
+        </p:txBody>
+      </p:sp>
+      <p:sp>
+        <p:nvSpPr>
+          <p:cNvPr id="11" name="Subtitle 14"/>
+          <p:cNvSpPr txBox="1">
+            <a:spLocks/>
+          </p:cNvSpPr>
+          <p:nvPr/>
+        </p:nvSpPr>
+        <p:spPr bwMode="auto">
+          <a:xfrm>
+            <a:off x="2854326" y="3840163"/>
+            <a:ext cx="3482975" cy="368300"/>
+          </a:xfrm>
+          <a:prstGeom prst="rect">
+            <a:avLst/>
+          </a:prstGeom>
+          <a:noFill/>
+          <a:extLst>
+            <a:ext uri="{909E8E84-426E-40DD-AFC4-6F175D3DCCD1}">
+              <a14:hiddenFill xmlns:a14="http://schemas.microsoft.com/office/drawing/2010/main">
+                <a:solidFill>
+                  <a:srgbClr val="FFFFFF"/>
+                </a:solidFill>
+              </a14:hiddenFill>
+            </a:ext>
+            <a:ext uri="{91240B29-F687-4F45-9708-019B960494DF}">
+              <a14:hiddenLine xmlns:a14="http://schemas.microsoft.com/office/drawing/2010/main" w="9525">
+                <a:solidFill>
+                  <a:srgbClr val="000000"/>
+                </a:solidFill>
+                <a:miter lim="800000"/>
+                <a:headEnd/>
+                <a:tailEnd/>
+              </a14:hiddenLine>
+            </a:ext>
+            <a:ext uri="{FAA26D3D-D897-4be2-8F04-BA451C77F1D7}"/>
+          </a:extLst>
+        </p:spPr>
+        <p:txBody>
+          <a:bodyPr/>
+          <a:lstStyle>
+            <a:lvl1pPr marL="0" indent="0" algn="ctr" defTabSz="457200" rtl="0" eaLnBrk="0" fontAlgn="base" hangingPunct="0">
+              <a:spcBef>
+                <a:spcPct val="20000"/>
+              </a:spcBef>
+              <a:spcAft>
+                <a:spcPct val="0"/>
+              </a:spcAft>
+              <a:buFont typeface="Arial" charset="0"/>
+              <a:buNone/>
+              <a:defRPr sz="3200" kern="1200">
+                <a:solidFill>
+                  <a:schemeClr val="bg1"/>
+                </a:solidFill>
+                <a:latin typeface="+mn-lt"/>
+                <a:ea typeface="ＭＳ Ｐゴシック" charset="0"/>
+                <a:cs typeface="ＭＳ Ｐゴシック" charset="0"/>
+              </a:defRPr>
+            </a:lvl1pPr>
+            <a:lvl2pPr marL="457200" indent="0" algn="ctr" defTabSz="457200" rtl="0" eaLnBrk="0" fontAlgn="base" hangingPunct="0">
+              <a:spcBef>
+                <a:spcPct val="20000"/>
+              </a:spcBef>
+              <a:spcAft>
+                <a:spcPct val="0"/>
+              </a:spcAft>
+              <a:buFont typeface="Arial" charset="0"/>
+              <a:buNone/>
+              <a:defRPr sz="2800" kern="1200">
+                <a:solidFill>
+                  <a:schemeClr val="tx1">
+                    <a:tint val="75000"/>
+                  </a:schemeClr>
+                </a:solidFill>
+                <a:latin typeface="+mn-lt"/>
+                <a:ea typeface="ＭＳ Ｐゴシック" charset="0"/>
+                <a:cs typeface="+mn-cs"/>
+              </a:defRPr>
+            </a:lvl2pPr>
+            <a:lvl3pPr marL="914400" indent="0" algn="ctr" defTabSz="457200" rtl="0" eaLnBrk="0" fontAlgn="base" hangingPunct="0">
+              <a:spcBef>
+                <a:spcPct val="20000"/>
+              </a:spcBef>
+              <a:spcAft>
+                <a:spcPct val="0"/>
+              </a:spcAft>
+              <a:buFont typeface="Arial" charset="0"/>
+              <a:buNone/>
+              <a:defRPr sz="2400" kern="1200">
+                <a:solidFill>
+                  <a:schemeClr val="tx1">
+                    <a:tint val="75000"/>
+                  </a:schemeClr>
+                </a:solidFill>
+                <a:latin typeface="+mn-lt"/>
+                <a:ea typeface="ＭＳ Ｐゴシック" charset="0"/>
+                <a:cs typeface="+mn-cs"/>
+              </a:defRPr>
+            </a:lvl3pPr>
+            <a:lvl4pPr marL="1371600" indent="0" algn="ctr" defTabSz="457200" rtl="0" eaLnBrk="0" fontAlgn="base" hangingPunct="0">
+              <a:spcBef>
+                <a:spcPct val="20000"/>
+              </a:spcBef>
+              <a:spcAft>
+                <a:spcPct val="0"/>
+              </a:spcAft>
+              <a:buFont typeface="Arial" charset="0"/>
+              <a:buNone/>
+              <a:defRPr sz="2000" kern="1200">
+                <a:solidFill>
+                  <a:schemeClr val="tx1">
+                    <a:tint val="75000"/>
+                  </a:schemeClr>
+                </a:solidFill>
+                <a:latin typeface="+mn-lt"/>
+                <a:ea typeface="ＭＳ Ｐゴシック" charset="0"/>
+                <a:cs typeface="+mn-cs"/>
+              </a:defRPr>
+            </a:lvl4pPr>
+            <a:lvl5pPr marL="1828800" indent="0" algn="ctr" defTabSz="457200" rtl="0" eaLnBrk="0" fontAlgn="base" hangingPunct="0">
+              <a:spcBef>
+                <a:spcPct val="20000"/>
+              </a:spcBef>
+              <a:spcAft>
+                <a:spcPct val="0"/>
+              </a:spcAft>
+              <a:buFont typeface="Arial" charset="0"/>
+              <a:buNone/>
+              <a:defRPr sz="2000" kern="1200">
+                <a:solidFill>
+                  <a:schemeClr val="tx1">
+                    <a:tint val="75000"/>
+                  </a:schemeClr>
+                </a:solidFill>
+                <a:latin typeface="+mn-lt"/>
+                <a:ea typeface="ＭＳ Ｐゴシック" charset="0"/>
+                <a:cs typeface="+mn-cs"/>
+              </a:defRPr>
+            </a:lvl5pPr>
+            <a:lvl6pPr marL="2286000" indent="0" algn="ctr" defTabSz="457200" rtl="0" eaLnBrk="1" latinLnBrk="0" hangingPunct="1">
+              <a:spcBef>
+                <a:spcPct val="20000"/>
+              </a:spcBef>
+              <a:buFont typeface="Arial"/>
+              <a:buNone/>
+              <a:defRPr sz="2000" kern="1200">
+                <a:solidFill>
+                  <a:schemeClr val="tx1">
+                    <a:tint val="75000"/>
+                  </a:schemeClr>
+                </a:solidFill>
+                <a:latin typeface="+mn-lt"/>
+                <a:ea typeface="+mn-ea"/>
+                <a:cs typeface="+mn-cs"/>
+              </a:defRPr>
+            </a:lvl6pPr>
+            <a:lvl7pPr marL="2743200" indent="0" algn="ctr" defTabSz="457200" rtl="0" eaLnBrk="1" latinLnBrk="0" hangingPunct="1">
+              <a:spcBef>
+                <a:spcPct val="20000"/>
+              </a:spcBef>
+              <a:buFont typeface="Arial"/>
+              <a:buNone/>
+              <a:defRPr sz="2000" kern="1200">
+                <a:solidFill>
+                  <a:schemeClr val="tx1">
+                    <a:tint val="75000"/>
+                  </a:schemeClr>
+                </a:solidFill>
+                <a:latin typeface="+mn-lt"/>
+                <a:ea typeface="+mn-ea"/>
+                <a:cs typeface="+mn-cs"/>
+              </a:defRPr>
+            </a:lvl7pPr>
+            <a:lvl8pPr marL="3200400" indent="0" algn="ctr" defTabSz="457200" rtl="0" eaLnBrk="1" latinLnBrk="0" hangingPunct="1">
+              <a:spcBef>
+                <a:spcPct val="20000"/>
+              </a:spcBef>
+              <a:buFont typeface="Arial"/>
+              <a:buNone/>
+              <a:defRPr sz="2000" kern="1200">
+                <a:solidFill>
+                  <a:schemeClr val="tx1">
+                    <a:tint val="75000"/>
+                  </a:schemeClr>
+                </a:solidFill>
+                <a:latin typeface="+mn-lt"/>
+                <a:ea typeface="+mn-ea"/>
+                <a:cs typeface="+mn-cs"/>
+              </a:defRPr>
+            </a:lvl8pPr>
+            <a:lvl9pPr marL="3657600" indent="0" algn="ctr" defTabSz="457200" rtl="0" eaLnBrk="1" latinLnBrk="0" hangingPunct="1">
+              <a:spcBef>
+                <a:spcPct val="20000"/>
+              </a:spcBef>
+              <a:buFont typeface="Arial"/>
+              <a:buNone/>
+              <a:defRPr sz="2000" kern="1200">
+                <a:solidFill>
+                  <a:schemeClr val="tx1">
+                    <a:tint val="75000"/>
+                  </a:schemeClr>
+                </a:solidFill>
+                <a:latin typeface="+mn-lt"/>
+                <a:ea typeface="+mn-ea"/>
+                <a:cs typeface="+mn-cs"/>
+              </a:defRPr>
+            </a:lvl9pPr>
+          </a:lstStyle>
+          <a:p>
+            <a:pPr algn="l">
+              <a:lnSpc>
+                <a:spcPts val="2000"/>
+              </a:lnSpc>
+              <a:defRPr/>
+            </a:pPr>
+            <a:r>
+              <a:rPr lang="en-US" sz="2000" b="1" dirty="0">
+                <a:solidFill>
+                  <a:schemeClr val="tx1">
+                    <a:lumMod val="65000"/>
+                    <a:lumOff val="35000"/>
+                  </a:schemeClr>
+                </a:solidFill>
+              </a:rPr>
+              <a:t>Rate with Website:</a:t>
+            </a:r>
+          </a:p>
+        </p:txBody>
+      </p:sp>
+      <p:sp>
+        <p:nvSpPr>
+          <p:cNvPr id="12" name="Subtitle 14"/>
+          <p:cNvSpPr txBox="1">
+            <a:spLocks/>
+          </p:cNvSpPr>
+          <p:nvPr/>
+        </p:nvSpPr>
+        <p:spPr bwMode="auto">
+          <a:xfrm>
+            <a:off x="2854326" y="4152900"/>
+            <a:ext cx="6289675" cy="973138"/>
+          </a:xfrm>
+          <a:prstGeom prst="rect">
+            <a:avLst/>
+          </a:prstGeom>
+          <a:noFill/>
+          <a:extLst>
+            <a:ext uri="{909E8E84-426E-40DD-AFC4-6F175D3DCCD1}">
+              <a14:hiddenFill xmlns:a14="http://schemas.microsoft.com/office/drawing/2010/main">
+                <a:solidFill>
+                  <a:srgbClr val="FFFFFF"/>
+                </a:solidFill>
+              </a14:hiddenFill>
+            </a:ext>
+            <a:ext uri="{91240B29-F687-4F45-9708-019B960494DF}">
+              <a14:hiddenLine xmlns:a14="http://schemas.microsoft.com/office/drawing/2010/main" w="9525">
+                <a:solidFill>
+                  <a:srgbClr val="000000"/>
+                </a:solidFill>
+                <a:miter lim="800000"/>
+                <a:headEnd/>
+                <a:tailEnd/>
+              </a14:hiddenLine>
+            </a:ext>
+            <a:ext uri="{FAA26D3D-D897-4be2-8F04-BA451C77F1D7}"/>
+          </a:extLst>
+        </p:spPr>
+        <p:txBody>
+          <a:bodyPr/>
+          <a:lstStyle>
+            <a:lvl1pPr marL="0" indent="0" algn="ctr" defTabSz="457200" rtl="0" eaLnBrk="0" fontAlgn="base" hangingPunct="0">
+              <a:spcBef>
+                <a:spcPct val="20000"/>
+              </a:spcBef>
+              <a:spcAft>
+                <a:spcPct val="0"/>
+              </a:spcAft>
+              <a:buFont typeface="Arial" charset="0"/>
+              <a:buNone/>
+              <a:defRPr sz="3200" kern="1200">
+                <a:solidFill>
+                  <a:schemeClr val="bg1"/>
+                </a:solidFill>
+                <a:latin typeface="+mn-lt"/>
+                <a:ea typeface="ＭＳ Ｐゴシック" charset="0"/>
+                <a:cs typeface="ＭＳ Ｐゴシック" charset="0"/>
+              </a:defRPr>
+            </a:lvl1pPr>
+            <a:lvl2pPr marL="457200" indent="0" algn="ctr" defTabSz="457200" rtl="0" eaLnBrk="0" fontAlgn="base" hangingPunct="0">
+              <a:spcBef>
+                <a:spcPct val="20000"/>
+              </a:spcBef>
+              <a:spcAft>
+                <a:spcPct val="0"/>
+              </a:spcAft>
+              <a:buFont typeface="Arial" charset="0"/>
+              <a:buNone/>
+              <a:defRPr sz="2800" kern="1200">
+                <a:solidFill>
+                  <a:schemeClr val="tx1">
+                    <a:tint val="75000"/>
+                  </a:schemeClr>
+                </a:solidFill>
+                <a:latin typeface="+mn-lt"/>
+                <a:ea typeface="ＭＳ Ｐゴシック" charset="0"/>
+                <a:cs typeface="+mn-cs"/>
+              </a:defRPr>
+            </a:lvl2pPr>
+            <a:lvl3pPr marL="914400" indent="0" algn="ctr" defTabSz="457200" rtl="0" eaLnBrk="0" fontAlgn="base" hangingPunct="0">
+              <a:spcBef>
+                <a:spcPct val="20000"/>
+              </a:spcBef>
+              <a:spcAft>
+                <a:spcPct val="0"/>
+              </a:spcAft>
+              <a:buFont typeface="Arial" charset="0"/>
+              <a:buNone/>
+              <a:defRPr sz="2400" kern="1200">
+                <a:solidFill>
+                  <a:schemeClr val="tx1">
+                    <a:tint val="75000"/>
+                  </a:schemeClr>
+                </a:solidFill>
+                <a:latin typeface="+mn-lt"/>
+                <a:ea typeface="ＭＳ Ｐゴシック" charset="0"/>
+                <a:cs typeface="+mn-cs"/>
+              </a:defRPr>
+            </a:lvl3pPr>
+            <a:lvl4pPr marL="1371600" indent="0" algn="ctr" defTabSz="457200" rtl="0" eaLnBrk="0" fontAlgn="base" hangingPunct="0">
+              <a:spcBef>
+                <a:spcPct val="20000"/>
+              </a:spcBef>
+              <a:spcAft>
+                <a:spcPct val="0"/>
+              </a:spcAft>
+              <a:buFont typeface="Arial" charset="0"/>
+              <a:buNone/>
+              <a:defRPr sz="2000" kern="1200">
+                <a:solidFill>
+                  <a:schemeClr val="tx1">
+                    <a:tint val="75000"/>
+                  </a:schemeClr>
+                </a:solidFill>
+                <a:latin typeface="+mn-lt"/>
+                <a:ea typeface="ＭＳ Ｐゴシック" charset="0"/>
+                <a:cs typeface="+mn-cs"/>
+              </a:defRPr>
+            </a:lvl4pPr>
+            <a:lvl5pPr marL="1828800" indent="0" algn="ctr" defTabSz="457200" rtl="0" eaLnBrk="0" fontAlgn="base" hangingPunct="0">
+              <a:spcBef>
+                <a:spcPct val="20000"/>
+              </a:spcBef>
+              <a:spcAft>
+                <a:spcPct val="0"/>
+              </a:spcAft>
+              <a:buFont typeface="Arial" charset="0"/>
+              <a:buNone/>
+              <a:defRPr sz="2000" kern="1200">
+                <a:solidFill>
+                  <a:schemeClr val="tx1">
+                    <a:tint val="75000"/>
+                  </a:schemeClr>
+                </a:solidFill>
+                <a:latin typeface="+mn-lt"/>
+                <a:ea typeface="ＭＳ Ｐゴシック" charset="0"/>
+                <a:cs typeface="+mn-cs"/>
+              </a:defRPr>
+            </a:lvl5pPr>
+            <a:lvl6pPr marL="2286000" indent="0" algn="ctr" defTabSz="457200" rtl="0" eaLnBrk="1" latinLnBrk="0" hangingPunct="1">
+              <a:spcBef>
+                <a:spcPct val="20000"/>
+              </a:spcBef>
+              <a:buFont typeface="Arial"/>
+              <a:buNone/>
+              <a:defRPr sz="2000" kern="1200">
+                <a:solidFill>
+                  <a:schemeClr val="tx1">
+                    <a:tint val="75000"/>
+                  </a:schemeClr>
+                </a:solidFill>
+                <a:latin typeface="+mn-lt"/>
+                <a:ea typeface="+mn-ea"/>
+                <a:cs typeface="+mn-cs"/>
+              </a:defRPr>
+            </a:lvl6pPr>
+            <a:lvl7pPr marL="2743200" indent="0" algn="ctr" defTabSz="457200" rtl="0" eaLnBrk="1" latinLnBrk="0" hangingPunct="1">
+              <a:spcBef>
+                <a:spcPct val="20000"/>
+              </a:spcBef>
+              <a:buFont typeface="Arial"/>
+              <a:buNone/>
+              <a:defRPr sz="2000" kern="1200">
+                <a:solidFill>
+                  <a:schemeClr val="tx1">
+                    <a:tint val="75000"/>
+                  </a:schemeClr>
+                </a:solidFill>
+                <a:latin typeface="+mn-lt"/>
+                <a:ea typeface="+mn-ea"/>
+                <a:cs typeface="+mn-cs"/>
+              </a:defRPr>
+            </a:lvl7pPr>
+            <a:lvl8pPr marL="3200400" indent="0" algn="ctr" defTabSz="457200" rtl="0" eaLnBrk="1" latinLnBrk="0" hangingPunct="1">
+              <a:spcBef>
+                <a:spcPct val="20000"/>
+              </a:spcBef>
+              <a:buFont typeface="Arial"/>
+              <a:buNone/>
+              <a:defRPr sz="2000" kern="1200">
+                <a:solidFill>
+                  <a:schemeClr val="tx1">
+                    <a:tint val="75000"/>
+                  </a:schemeClr>
+                </a:solidFill>
+                <a:latin typeface="+mn-lt"/>
+                <a:ea typeface="+mn-ea"/>
+                <a:cs typeface="+mn-cs"/>
+              </a:defRPr>
+            </a:lvl8pPr>
+            <a:lvl9pPr marL="3657600" indent="0" algn="ctr" defTabSz="457200" rtl="0" eaLnBrk="1" latinLnBrk="0" hangingPunct="1">
+              <a:spcBef>
+                <a:spcPct val="20000"/>
+              </a:spcBef>
+              <a:buFont typeface="Arial"/>
+              <a:buNone/>
+              <a:defRPr sz="2000" kern="1200">
+                <a:solidFill>
+                  <a:schemeClr val="tx1">
+                    <a:tint val="75000"/>
+                  </a:schemeClr>
+                </a:solidFill>
+                <a:latin typeface="+mn-lt"/>
+                <a:ea typeface="+mn-ea"/>
+                <a:cs typeface="+mn-cs"/>
+              </a:defRPr>
+            </a:lvl9pPr>
+          </a:lstStyle>
+          <a:p>
+            <a:pPr algn="l">
+              <a:lnSpc>
+                <a:spcPts val="2000"/>
+              </a:lnSpc>
+              <a:defRPr/>
+            </a:pPr>
+            <a:r>
+              <a:rPr lang="en-US" sz="1400" dirty="0">
+                <a:solidFill>
+                  <a:schemeClr val="tx1">
+                    <a:lumMod val="65000"/>
+                    <a:lumOff val="35000"/>
+                  </a:schemeClr>
+                </a:solidFill>
+              </a:rPr>
+              <a:t>Register at </a:t>
+            </a:r>
+            <a:r>
+              <a:rPr lang="en-US" sz="1400" b="1" dirty="0" err="1">
+                <a:solidFill>
+                  <a:srgbClr val="2E85BD"/>
+                </a:solidFill>
+              </a:rPr>
+              <a:t>www.devconnections.com</a:t>
+            </a:r>
+            <a:r>
+              <a:rPr lang="en-US" sz="1400" b="1" dirty="0">
+                <a:solidFill>
+                  <a:srgbClr val="2E85BD"/>
+                </a:solidFill>
+              </a:rPr>
+              <a:t>/</a:t>
+            </a:r>
+            <a:r>
+              <a:rPr lang="en-US" sz="1400" b="1" dirty="0" err="1">
+                <a:solidFill>
+                  <a:srgbClr val="2E85BD"/>
+                </a:solidFill>
+              </a:rPr>
+              <a:t>logintoratesession</a:t>
+            </a:r>
+            <a:r>
+              <a:rPr lang="en-US" sz="1400" b="1" dirty="0">
+                <a:solidFill>
+                  <a:srgbClr val="2E85BD"/>
+                </a:solidFill>
+              </a:rPr>
+              <a:t> </a:t>
+            </a:r>
+          </a:p>
+          <a:p>
+            <a:pPr algn="l">
+              <a:lnSpc>
+                <a:spcPts val="2000"/>
+              </a:lnSpc>
+              <a:defRPr/>
+            </a:pPr>
+            <a:r>
+              <a:rPr lang="en-US" sz="1400" dirty="0">
+                <a:solidFill>
+                  <a:schemeClr val="tx1">
+                    <a:lumMod val="65000"/>
+                    <a:lumOff val="35000"/>
+                  </a:schemeClr>
+                </a:solidFill>
+              </a:rPr>
+              <a:t>Go to </a:t>
+            </a:r>
+            <a:r>
+              <a:rPr lang="en-US" sz="1400" b="1" dirty="0" err="1">
+                <a:solidFill>
+                  <a:srgbClr val="2E85BD"/>
+                </a:solidFill>
+              </a:rPr>
+              <a:t>www.devconnections.com</a:t>
+            </a:r>
+            <a:r>
+              <a:rPr lang="en-US" sz="1400" b="1" dirty="0">
+                <a:solidFill>
+                  <a:srgbClr val="2E85BD"/>
+                </a:solidFill>
+              </a:rPr>
+              <a:t>/</a:t>
+            </a:r>
+            <a:r>
+              <a:rPr lang="en-US" sz="1400" b="1" dirty="0" err="1">
+                <a:solidFill>
+                  <a:srgbClr val="2E85BD"/>
+                </a:solidFill>
+              </a:rPr>
+              <a:t>ratesession</a:t>
+            </a:r>
+            <a:r>
+              <a:rPr lang="en-US" sz="1400" b="1" dirty="0">
+                <a:solidFill>
+                  <a:srgbClr val="2E85BD"/>
+                </a:solidFill>
+              </a:rPr>
+              <a:t> </a:t>
+            </a:r>
+          </a:p>
+          <a:p>
+            <a:pPr algn="l">
+              <a:lnSpc>
+                <a:spcPts val="2000"/>
+              </a:lnSpc>
+              <a:defRPr/>
+            </a:pPr>
+            <a:r>
+              <a:rPr lang="en-US" sz="1400" dirty="0">
+                <a:solidFill>
+                  <a:schemeClr val="tx1">
+                    <a:lumMod val="65000"/>
+                    <a:lumOff val="35000"/>
+                  </a:schemeClr>
+                </a:solidFill>
+              </a:rPr>
+              <a:t>Select this session from the list and rate it</a:t>
+            </a:r>
+          </a:p>
+        </p:txBody>
+      </p:sp>
+      <p:sp>
+        <p:nvSpPr>
+          <p:cNvPr id="24583" name="Title 13"/>
+          <p:cNvSpPr txBox="1">
+            <a:spLocks/>
+          </p:cNvSpPr>
+          <p:nvPr/>
+        </p:nvSpPr>
+        <p:spPr bwMode="auto">
+          <a:xfrm>
+            <a:off x="390526" y="2254250"/>
+            <a:ext cx="2081213" cy="2693988"/>
+          </a:xfrm>
+          <a:prstGeom prst="rect">
+            <a:avLst/>
+          </a:prstGeom>
+          <a:noFill/>
+          <a:ln>
+            <a:noFill/>
+          </a:ln>
+          <a:extLst>
+            <a:ext uri="{909E8E84-426E-40DD-AFC4-6F175D3DCCD1}">
+              <a14:hiddenFill xmlns:a14="http://schemas.microsoft.com/office/drawing/2010/main">
+                <a:solidFill>
+                  <a:srgbClr val="FFFFFF"/>
+                </a:solidFill>
+              </a14:hiddenFill>
+            </a:ext>
+            <a:ext uri="{91240B29-F687-4F45-9708-019B960494DF}">
+              <a14:hiddenLine xmlns:a14="http://schemas.microsoft.com/office/drawing/2010/main" w="9525">
+                <a:solidFill>
+                  <a:srgbClr val="000000"/>
+                </a:solidFill>
+                <a:miter lim="800000"/>
+                <a:headEnd/>
+                <a:tailEnd/>
+              </a14:hiddenLine>
+            </a:ext>
+          </a:extLst>
+        </p:spPr>
+        <p:txBody>
+          <a:bodyPr/>
+          <a:lstStyle>
+            <a:lvl1pPr eaLnBrk="0" hangingPunct="0">
+              <a:defRPr>
+                <a:solidFill>
+                  <a:schemeClr val="tx1"/>
+                </a:solidFill>
+                <a:latin typeface="Century Gothic" panose="020B0502020202020204" pitchFamily="34" charset="0"/>
+                <a:ea typeface="MS PGothic" pitchFamily="34" charset="-128"/>
+              </a:defRPr>
+            </a:lvl1pPr>
+            <a:lvl2pPr marL="742950" indent="-285750" eaLnBrk="0" hangingPunct="0">
+              <a:defRPr>
+                <a:solidFill>
+                  <a:schemeClr val="tx1"/>
+                </a:solidFill>
+                <a:latin typeface="Century Gothic" panose="020B0502020202020204" pitchFamily="34" charset="0"/>
+                <a:ea typeface="MS PGothic" pitchFamily="34" charset="-128"/>
+              </a:defRPr>
+            </a:lvl2pPr>
+            <a:lvl3pPr marL="1143000" indent="-228600" eaLnBrk="0" hangingPunct="0">
+              <a:defRPr>
+                <a:solidFill>
+                  <a:schemeClr val="tx1"/>
+                </a:solidFill>
+                <a:latin typeface="Century Gothic" panose="020B0502020202020204" pitchFamily="34" charset="0"/>
+                <a:ea typeface="MS PGothic" pitchFamily="34" charset="-128"/>
+              </a:defRPr>
+            </a:lvl3pPr>
+            <a:lvl4pPr marL="1600200" indent="-228600" eaLnBrk="0" hangingPunct="0">
+              <a:defRPr>
+                <a:solidFill>
+                  <a:schemeClr val="tx1"/>
+                </a:solidFill>
+                <a:latin typeface="Century Gothic" panose="020B0502020202020204" pitchFamily="34" charset="0"/>
+                <a:ea typeface="MS PGothic" pitchFamily="34" charset="-128"/>
+              </a:defRPr>
+            </a:lvl4pPr>
+            <a:lvl5pPr marL="2057400" indent="-228600" eaLnBrk="0" hangingPunct="0">
+              <a:defRPr>
+                <a:solidFill>
+                  <a:schemeClr val="tx1"/>
+                </a:solidFill>
+                <a:latin typeface="Century Gothic" panose="020B0502020202020204" pitchFamily="34" charset="0"/>
+                <a:ea typeface="MS PGothic" pitchFamily="34" charset="-128"/>
+              </a:defRPr>
+            </a:lvl5pPr>
+            <a:lvl6pPr marL="2514600" indent="-228600" defTabSz="457200" eaLnBrk="0" fontAlgn="base" hangingPunct="0">
+              <a:spcBef>
+                <a:spcPct val="0"/>
+              </a:spcBef>
+              <a:spcAft>
+                <a:spcPct val="0"/>
+              </a:spcAft>
+              <a:defRPr>
+                <a:solidFill>
+                  <a:schemeClr val="tx1"/>
+                </a:solidFill>
+                <a:latin typeface="Century Gothic" panose="020B0502020202020204" pitchFamily="34" charset="0"/>
+                <a:ea typeface="MS PGothic" pitchFamily="34" charset="-128"/>
+              </a:defRPr>
+            </a:lvl6pPr>
+            <a:lvl7pPr marL="2971800" indent="-228600" defTabSz="457200" eaLnBrk="0" fontAlgn="base" hangingPunct="0">
+              <a:spcBef>
+                <a:spcPct val="0"/>
+              </a:spcBef>
+              <a:spcAft>
+                <a:spcPct val="0"/>
+              </a:spcAft>
+              <a:defRPr>
+                <a:solidFill>
+                  <a:schemeClr val="tx1"/>
+                </a:solidFill>
+                <a:latin typeface="Century Gothic" panose="020B0502020202020204" pitchFamily="34" charset="0"/>
+                <a:ea typeface="MS PGothic" pitchFamily="34" charset="-128"/>
+              </a:defRPr>
+            </a:lvl7pPr>
+            <a:lvl8pPr marL="3429000" indent="-228600" defTabSz="457200" eaLnBrk="0" fontAlgn="base" hangingPunct="0">
+              <a:spcBef>
+                <a:spcPct val="0"/>
+              </a:spcBef>
+              <a:spcAft>
+                <a:spcPct val="0"/>
+              </a:spcAft>
+              <a:defRPr>
+                <a:solidFill>
+                  <a:schemeClr val="tx1"/>
+                </a:solidFill>
+                <a:latin typeface="Century Gothic" panose="020B0502020202020204" pitchFamily="34" charset="0"/>
+                <a:ea typeface="MS PGothic" pitchFamily="34" charset="-128"/>
+              </a:defRPr>
+            </a:lvl8pPr>
+            <a:lvl9pPr marL="3886200" indent="-228600" defTabSz="457200" eaLnBrk="0" fontAlgn="base" hangingPunct="0">
+              <a:spcBef>
+                <a:spcPct val="0"/>
+              </a:spcBef>
+              <a:spcAft>
+                <a:spcPct val="0"/>
+              </a:spcAft>
+              <a:defRPr>
+                <a:solidFill>
+                  <a:schemeClr val="tx1"/>
+                </a:solidFill>
+                <a:latin typeface="Century Gothic" panose="020B0502020202020204" pitchFamily="34" charset="0"/>
+                <a:ea typeface="MS PGothic" pitchFamily="34" charset="-128"/>
+              </a:defRPr>
+            </a:lvl9pPr>
+          </a:lstStyle>
+          <a:p>
+            <a:pPr algn="r"/>
+            <a:r>
+              <a:rPr lang="en-US" altLang="en-US" sz="3200">
+                <a:solidFill>
+                  <a:srgbClr val="649840"/>
+                </a:solidFill>
+              </a:rPr>
+              <a:t>Tell Us What You Thought of This Session</a:t>
+            </a:r>
+          </a:p>
+        </p:txBody>
+      </p:sp>
+      <p:grpSp>
+        <p:nvGrpSpPr>
+          <p:cNvPr id="24584" name="Group 19"/>
+          <p:cNvGrpSpPr>
+            <a:grpSpLocks/>
+          </p:cNvGrpSpPr>
+          <p:nvPr/>
+        </p:nvGrpSpPr>
+        <p:grpSpPr bwMode="auto">
+          <a:xfrm>
+            <a:off x="5832476" y="2146301"/>
+            <a:ext cx="1825625" cy="1801813"/>
+            <a:chOff x="6518147" y="1310285"/>
+            <a:chExt cx="1825889" cy="1800688"/>
+          </a:xfrm>
+        </p:grpSpPr>
+        <p:sp>
+          <p:nvSpPr>
+            <p:cNvPr id="9" name="Oval 8"/>
+            <p:cNvSpPr/>
+            <p:nvPr/>
+          </p:nvSpPr>
+          <p:spPr>
+            <a:xfrm>
+              <a:off x="6518147" y="1310285"/>
+              <a:ext cx="1800485" cy="1800688"/>
+            </a:xfrm>
+            <a:prstGeom prst="ellipse">
+              <a:avLst/>
+            </a:prstGeom>
+            <a:solidFill>
+              <a:srgbClr val="649840"/>
+            </a:solidFill>
+            <a:ln>
+              <a:solidFill>
+                <a:srgbClr val="649840"/>
+              </a:solidFill>
+            </a:ln>
+            <a:effectLst/>
+          </p:spPr>
+          <p:style>
+            <a:lnRef idx="1">
+              <a:schemeClr val="accent1"/>
+            </a:lnRef>
+            <a:fillRef idx="3">
+              <a:schemeClr val="accent1"/>
+            </a:fillRef>
+            <a:effectRef idx="2">
+              <a:schemeClr val="accent1"/>
+            </a:effectRef>
+            <a:fontRef idx="minor">
+              <a:schemeClr val="lt1"/>
+            </a:fontRef>
+          </p:style>
+          <p:txBody>
+            <a:bodyPr anchor="ctr"/>
+            <a:lstStyle/>
+            <a:p>
+              <a:pPr algn="ctr">
+                <a:defRPr/>
+              </a:pPr>
+              <a:endParaRPr lang="en-US">
+                <a:solidFill>
+                  <a:srgbClr val="595959"/>
+                </a:solidFill>
+              </a:endParaRPr>
+            </a:p>
+          </p:txBody>
+        </p:sp>
+        <p:sp>
+          <p:nvSpPr>
+            <p:cNvPr id="24589" name="TextBox 13"/>
+            <p:cNvSpPr txBox="1">
+              <a:spLocks noChangeArrowheads="1"/>
+            </p:cNvSpPr>
+            <p:nvPr/>
+          </p:nvSpPr>
+          <p:spPr bwMode="auto">
+            <a:xfrm>
+              <a:off x="6531518" y="1627797"/>
+              <a:ext cx="1800688" cy="307777"/>
+            </a:xfrm>
+            <a:prstGeom prst="rect">
+              <a:avLst/>
+            </a:prstGeom>
+            <a:noFill/>
+            <a:ln>
+              <a:noFill/>
+            </a:ln>
+            <a:extLst>
+              <a:ext uri="{909E8E84-426E-40DD-AFC4-6F175D3DCCD1}">
+                <a14:hiddenFill xmlns:a14="http://schemas.microsoft.com/office/drawing/2010/main">
+                  <a:solidFill>
+                    <a:srgbClr val="FFFFFF"/>
+                  </a:solidFill>
+                </a14:hiddenFill>
+              </a:ext>
+              <a:ext uri="{91240B29-F687-4F45-9708-019B960494DF}">
+                <a14:hiddenLine xmlns:a14="http://schemas.microsoft.com/office/drawing/2010/main" w="9525">
+                  <a:solidFill>
+                    <a:srgbClr val="000000"/>
+                  </a:solidFill>
+                  <a:miter lim="800000"/>
+                  <a:headEnd/>
+                  <a:tailEnd/>
+                </a14:hiddenLine>
+              </a:ext>
+            </a:extLst>
+          </p:spPr>
+          <p:txBody>
+            <a:bodyPr>
+              <a:spAutoFit/>
+            </a:bodyPr>
+            <a:lstStyle>
+              <a:lvl1pPr eaLnBrk="0" hangingPunct="0">
+                <a:defRPr>
+                  <a:solidFill>
+                    <a:schemeClr val="tx1"/>
+                  </a:solidFill>
+                  <a:latin typeface="Century Gothic" panose="020B0502020202020204" pitchFamily="34" charset="0"/>
+                  <a:ea typeface="MS PGothic" pitchFamily="34" charset="-128"/>
+                </a:defRPr>
+              </a:lvl1pPr>
+              <a:lvl2pPr marL="742950" indent="-285750" eaLnBrk="0" hangingPunct="0">
+                <a:defRPr>
+                  <a:solidFill>
+                    <a:schemeClr val="tx1"/>
+                  </a:solidFill>
+                  <a:latin typeface="Century Gothic" panose="020B0502020202020204" pitchFamily="34" charset="0"/>
+                  <a:ea typeface="MS PGothic" pitchFamily="34" charset="-128"/>
+                </a:defRPr>
+              </a:lvl2pPr>
+              <a:lvl3pPr marL="1143000" indent="-228600" eaLnBrk="0" hangingPunct="0">
+                <a:defRPr>
+                  <a:solidFill>
+                    <a:schemeClr val="tx1"/>
+                  </a:solidFill>
+                  <a:latin typeface="Century Gothic" panose="020B0502020202020204" pitchFamily="34" charset="0"/>
+                  <a:ea typeface="MS PGothic" pitchFamily="34" charset="-128"/>
+                </a:defRPr>
+              </a:lvl3pPr>
+              <a:lvl4pPr marL="1600200" indent="-228600" eaLnBrk="0" hangingPunct="0">
+                <a:defRPr>
+                  <a:solidFill>
+                    <a:schemeClr val="tx1"/>
+                  </a:solidFill>
+                  <a:latin typeface="Century Gothic" panose="020B0502020202020204" pitchFamily="34" charset="0"/>
+                  <a:ea typeface="MS PGothic" pitchFamily="34" charset="-128"/>
+                </a:defRPr>
+              </a:lvl4pPr>
+              <a:lvl5pPr marL="2057400" indent="-228600" eaLnBrk="0" hangingPunct="0">
+                <a:defRPr>
+                  <a:solidFill>
+                    <a:schemeClr val="tx1"/>
+                  </a:solidFill>
+                  <a:latin typeface="Century Gothic" panose="020B0502020202020204" pitchFamily="34" charset="0"/>
+                  <a:ea typeface="MS PGothic" pitchFamily="34" charset="-128"/>
+                </a:defRPr>
+              </a:lvl5pPr>
+              <a:lvl6pPr marL="2514600" indent="-228600" defTabSz="457200" eaLnBrk="0" fontAlgn="base" hangingPunct="0">
+                <a:spcBef>
+                  <a:spcPct val="0"/>
+                </a:spcBef>
+                <a:spcAft>
+                  <a:spcPct val="0"/>
+                </a:spcAft>
+                <a:defRPr>
+                  <a:solidFill>
+                    <a:schemeClr val="tx1"/>
+                  </a:solidFill>
+                  <a:latin typeface="Century Gothic" panose="020B0502020202020204" pitchFamily="34" charset="0"/>
+                  <a:ea typeface="MS PGothic" pitchFamily="34" charset="-128"/>
+                </a:defRPr>
+              </a:lvl6pPr>
+              <a:lvl7pPr marL="2971800" indent="-228600" defTabSz="457200" eaLnBrk="0" fontAlgn="base" hangingPunct="0">
+                <a:spcBef>
+                  <a:spcPct val="0"/>
+                </a:spcBef>
+                <a:spcAft>
+                  <a:spcPct val="0"/>
+                </a:spcAft>
+                <a:defRPr>
+                  <a:solidFill>
+                    <a:schemeClr val="tx1"/>
+                  </a:solidFill>
+                  <a:latin typeface="Century Gothic" panose="020B0502020202020204" pitchFamily="34" charset="0"/>
+                  <a:ea typeface="MS PGothic" pitchFamily="34" charset="-128"/>
+                </a:defRPr>
+              </a:lvl7pPr>
+              <a:lvl8pPr marL="3429000" indent="-228600" defTabSz="457200" eaLnBrk="0" fontAlgn="base" hangingPunct="0">
+                <a:spcBef>
+                  <a:spcPct val="0"/>
+                </a:spcBef>
+                <a:spcAft>
+                  <a:spcPct val="0"/>
+                </a:spcAft>
+                <a:defRPr>
+                  <a:solidFill>
+                    <a:schemeClr val="tx1"/>
+                  </a:solidFill>
+                  <a:latin typeface="Century Gothic" panose="020B0502020202020204" pitchFamily="34" charset="0"/>
+                  <a:ea typeface="MS PGothic" pitchFamily="34" charset="-128"/>
+                </a:defRPr>
+              </a:lvl8pPr>
+              <a:lvl9pPr marL="3886200" indent="-228600" defTabSz="457200" eaLnBrk="0" fontAlgn="base" hangingPunct="0">
+                <a:spcBef>
+                  <a:spcPct val="0"/>
+                </a:spcBef>
+                <a:spcAft>
+                  <a:spcPct val="0"/>
+                </a:spcAft>
+                <a:defRPr>
+                  <a:solidFill>
+                    <a:schemeClr val="tx1"/>
+                  </a:solidFill>
+                  <a:latin typeface="Century Gothic" panose="020B0502020202020204" pitchFamily="34" charset="0"/>
+                  <a:ea typeface="MS PGothic" pitchFamily="34" charset="-128"/>
+                </a:defRPr>
+              </a:lvl9pPr>
+            </a:lstStyle>
+            <a:p>
+              <a:pPr algn="ctr" eaLnBrk="1" hangingPunct="1"/>
+              <a:r>
+                <a:rPr lang="en-US" altLang="en-US" sz="1400">
+                  <a:solidFill>
+                    <a:schemeClr val="bg1"/>
+                  </a:solidFill>
+                </a:rPr>
+                <a:t>Be Entered to</a:t>
+              </a:r>
+            </a:p>
+          </p:txBody>
+        </p:sp>
+        <p:sp>
+          <p:nvSpPr>
+            <p:cNvPr id="17" name="TextBox 16"/>
+            <p:cNvSpPr txBox="1"/>
+            <p:nvPr/>
+          </p:nvSpPr>
+          <p:spPr>
+            <a:xfrm>
+              <a:off x="6518147" y="1683115"/>
+              <a:ext cx="1800485" cy="1015366"/>
+            </a:xfrm>
+            <a:prstGeom prst="rect">
+              <a:avLst/>
+            </a:prstGeom>
+            <a:noFill/>
+          </p:spPr>
+          <p:txBody>
+            <a:bodyPr>
+              <a:spAutoFit/>
+            </a:bodyPr>
+            <a:lstStyle/>
+            <a:p>
+              <a:pPr algn="ctr">
+                <a:defRPr/>
+              </a:pPr>
+              <a:r>
+                <a:rPr lang="en-US" sz="6000" b="1" spc="-300" dirty="0">
+                  <a:solidFill>
+                    <a:schemeClr val="bg1"/>
+                  </a:solidFill>
+                  <a:latin typeface="Century Gothic" charset="0"/>
+                  <a:ea typeface="ＭＳ Ｐゴシック" charset="0"/>
+                  <a:cs typeface="ＭＳ Ｐゴシック" charset="0"/>
+                </a:rPr>
+                <a:t>WIN</a:t>
+              </a:r>
+            </a:p>
+          </p:txBody>
+        </p:sp>
+        <p:sp>
+          <p:nvSpPr>
+            <p:cNvPr id="24591" name="TextBox 17"/>
+            <p:cNvSpPr txBox="1">
+              <a:spLocks noChangeArrowheads="1"/>
+            </p:cNvSpPr>
+            <p:nvPr/>
+          </p:nvSpPr>
+          <p:spPr bwMode="auto">
+            <a:xfrm>
+              <a:off x="6543349" y="2429043"/>
+              <a:ext cx="1800687" cy="523220"/>
+            </a:xfrm>
+            <a:prstGeom prst="rect">
+              <a:avLst/>
+            </a:prstGeom>
+            <a:noFill/>
+            <a:ln>
+              <a:noFill/>
+            </a:ln>
+            <a:extLst>
+              <a:ext uri="{909E8E84-426E-40DD-AFC4-6F175D3DCCD1}">
+                <a14:hiddenFill xmlns:a14="http://schemas.microsoft.com/office/drawing/2010/main">
+                  <a:solidFill>
+                    <a:srgbClr val="FFFFFF"/>
+                  </a:solidFill>
+                </a14:hiddenFill>
+              </a:ext>
+              <a:ext uri="{91240B29-F687-4F45-9708-019B960494DF}">
+                <a14:hiddenLine xmlns:a14="http://schemas.microsoft.com/office/drawing/2010/main" w="9525">
+                  <a:solidFill>
+                    <a:srgbClr val="000000"/>
+                  </a:solidFill>
+                  <a:miter lim="800000"/>
+                  <a:headEnd/>
+                  <a:tailEnd/>
+                </a14:hiddenLine>
+              </a:ext>
+            </a:extLst>
+          </p:spPr>
+          <p:txBody>
+            <a:bodyPr>
+              <a:spAutoFit/>
+            </a:bodyPr>
+            <a:lstStyle>
+              <a:lvl1pPr eaLnBrk="0" hangingPunct="0">
+                <a:defRPr>
+                  <a:solidFill>
+                    <a:schemeClr val="tx1"/>
+                  </a:solidFill>
+                  <a:latin typeface="Century Gothic" panose="020B0502020202020204" pitchFamily="34" charset="0"/>
+                  <a:ea typeface="MS PGothic" pitchFamily="34" charset="-128"/>
+                </a:defRPr>
+              </a:lvl1pPr>
+              <a:lvl2pPr marL="742950" indent="-285750" eaLnBrk="0" hangingPunct="0">
+                <a:defRPr>
+                  <a:solidFill>
+                    <a:schemeClr val="tx1"/>
+                  </a:solidFill>
+                  <a:latin typeface="Century Gothic" panose="020B0502020202020204" pitchFamily="34" charset="0"/>
+                  <a:ea typeface="MS PGothic" pitchFamily="34" charset="-128"/>
+                </a:defRPr>
+              </a:lvl2pPr>
+              <a:lvl3pPr marL="1143000" indent="-228600" eaLnBrk="0" hangingPunct="0">
+                <a:defRPr>
+                  <a:solidFill>
+                    <a:schemeClr val="tx1"/>
+                  </a:solidFill>
+                  <a:latin typeface="Century Gothic" panose="020B0502020202020204" pitchFamily="34" charset="0"/>
+                  <a:ea typeface="MS PGothic" pitchFamily="34" charset="-128"/>
+                </a:defRPr>
+              </a:lvl3pPr>
+              <a:lvl4pPr marL="1600200" indent="-228600" eaLnBrk="0" hangingPunct="0">
+                <a:defRPr>
+                  <a:solidFill>
+                    <a:schemeClr val="tx1"/>
+                  </a:solidFill>
+                  <a:latin typeface="Century Gothic" panose="020B0502020202020204" pitchFamily="34" charset="0"/>
+                  <a:ea typeface="MS PGothic" pitchFamily="34" charset="-128"/>
+                </a:defRPr>
+              </a:lvl4pPr>
+              <a:lvl5pPr marL="2057400" indent="-228600" eaLnBrk="0" hangingPunct="0">
+                <a:defRPr>
+                  <a:solidFill>
+                    <a:schemeClr val="tx1"/>
+                  </a:solidFill>
+                  <a:latin typeface="Century Gothic" panose="020B0502020202020204" pitchFamily="34" charset="0"/>
+                  <a:ea typeface="MS PGothic" pitchFamily="34" charset="-128"/>
+                </a:defRPr>
+              </a:lvl5pPr>
+              <a:lvl6pPr marL="2514600" indent="-228600" defTabSz="457200" eaLnBrk="0" fontAlgn="base" hangingPunct="0">
+                <a:spcBef>
+                  <a:spcPct val="0"/>
+                </a:spcBef>
+                <a:spcAft>
+                  <a:spcPct val="0"/>
+                </a:spcAft>
+                <a:defRPr>
+                  <a:solidFill>
+                    <a:schemeClr val="tx1"/>
+                  </a:solidFill>
+                  <a:latin typeface="Century Gothic" panose="020B0502020202020204" pitchFamily="34" charset="0"/>
+                  <a:ea typeface="MS PGothic" pitchFamily="34" charset="-128"/>
+                </a:defRPr>
+              </a:lvl6pPr>
+              <a:lvl7pPr marL="2971800" indent="-228600" defTabSz="457200" eaLnBrk="0" fontAlgn="base" hangingPunct="0">
+                <a:spcBef>
+                  <a:spcPct val="0"/>
+                </a:spcBef>
+                <a:spcAft>
+                  <a:spcPct val="0"/>
+                </a:spcAft>
+                <a:defRPr>
+                  <a:solidFill>
+                    <a:schemeClr val="tx1"/>
+                  </a:solidFill>
+                  <a:latin typeface="Century Gothic" panose="020B0502020202020204" pitchFamily="34" charset="0"/>
+                  <a:ea typeface="MS PGothic" pitchFamily="34" charset="-128"/>
+                </a:defRPr>
+              </a:lvl7pPr>
+              <a:lvl8pPr marL="3429000" indent="-228600" defTabSz="457200" eaLnBrk="0" fontAlgn="base" hangingPunct="0">
+                <a:spcBef>
+                  <a:spcPct val="0"/>
+                </a:spcBef>
+                <a:spcAft>
+                  <a:spcPct val="0"/>
+                </a:spcAft>
+                <a:defRPr>
+                  <a:solidFill>
+                    <a:schemeClr val="tx1"/>
+                  </a:solidFill>
+                  <a:latin typeface="Century Gothic" panose="020B0502020202020204" pitchFamily="34" charset="0"/>
+                  <a:ea typeface="MS PGothic" pitchFamily="34" charset="-128"/>
+                </a:defRPr>
+              </a:lvl8pPr>
+              <a:lvl9pPr marL="3886200" indent="-228600" defTabSz="457200" eaLnBrk="0" fontAlgn="base" hangingPunct="0">
+                <a:spcBef>
+                  <a:spcPct val="0"/>
+                </a:spcBef>
+                <a:spcAft>
+                  <a:spcPct val="0"/>
+                </a:spcAft>
+                <a:defRPr>
+                  <a:solidFill>
+                    <a:schemeClr val="tx1"/>
+                  </a:solidFill>
+                  <a:latin typeface="Century Gothic" panose="020B0502020202020204" pitchFamily="34" charset="0"/>
+                  <a:ea typeface="MS PGothic" pitchFamily="34" charset="-128"/>
+                </a:defRPr>
+              </a:lvl9pPr>
+            </a:lstStyle>
+            <a:p>
+              <a:pPr algn="ctr" eaLnBrk="1" hangingPunct="1"/>
+              <a:r>
+                <a:rPr lang="en-US" altLang="en-US" sz="2800">
+                  <a:solidFill>
+                    <a:schemeClr val="bg1"/>
+                  </a:solidFill>
+                </a:rPr>
+                <a:t>Prizes!</a:t>
+              </a:r>
+            </a:p>
+          </p:txBody>
+        </p:sp>
+      </p:grpSp>
+      <p:sp>
+        <p:nvSpPr>
+          <p:cNvPr id="21" name="Rectangle 20"/>
+          <p:cNvSpPr/>
+          <p:nvPr/>
+        </p:nvSpPr>
+        <p:spPr>
+          <a:xfrm>
+            <a:off x="1" y="2146301"/>
+            <a:ext cx="2473325" cy="68263"/>
+          </a:xfrm>
+          <a:prstGeom prst="rect">
+            <a:avLst/>
+          </a:prstGeom>
+          <a:solidFill>
+            <a:srgbClr val="649840"/>
+          </a:solidFill>
+          <a:ln>
+            <a:noFill/>
+          </a:ln>
+          <a:effectLst/>
+        </p:spPr>
+        <p:style>
+          <a:lnRef idx="1">
+            <a:schemeClr val="accent1"/>
+          </a:lnRef>
+          <a:fillRef idx="3">
+            <a:schemeClr val="accent1"/>
+          </a:fillRef>
+          <a:effectRef idx="2">
+            <a:schemeClr val="accent1"/>
+          </a:effectRef>
+          <a:fontRef idx="minor">
+            <a:schemeClr val="lt1"/>
+          </a:fontRef>
+        </p:style>
+        <p:txBody>
+          <a:bodyPr anchor="ctr"/>
+          <a:lstStyle/>
+          <a:p>
+            <a:pPr algn="ctr">
+              <a:defRPr/>
+            </a:pPr>
+            <a:endParaRPr lang="en-US"/>
+          </a:p>
+        </p:txBody>
+      </p:sp>
+      <p:sp>
+        <p:nvSpPr>
+          <p:cNvPr id="24" name="Rectangle 23"/>
+          <p:cNvSpPr/>
+          <p:nvPr/>
+        </p:nvSpPr>
+        <p:spPr>
+          <a:xfrm>
+            <a:off x="1" y="5265737"/>
+            <a:ext cx="2473325" cy="68263"/>
+          </a:xfrm>
+          <a:prstGeom prst="rect">
+            <a:avLst/>
+          </a:prstGeom>
+          <a:solidFill>
+            <a:srgbClr val="649840"/>
+          </a:solidFill>
+          <a:ln>
+            <a:noFill/>
+          </a:ln>
+          <a:effectLst/>
+        </p:spPr>
+        <p:style>
+          <a:lnRef idx="1">
+            <a:schemeClr val="accent1"/>
+          </a:lnRef>
+          <a:fillRef idx="3">
+            <a:schemeClr val="accent1"/>
+          </a:fillRef>
+          <a:effectRef idx="2">
+            <a:schemeClr val="accent1"/>
+          </a:effectRef>
+          <a:fontRef idx="minor">
+            <a:schemeClr val="lt1"/>
+          </a:fontRef>
+        </p:style>
+        <p:txBody>
+          <a:bodyPr anchor="ctr"/>
+          <a:lstStyle/>
+          <a:p>
+            <a:pPr algn="ctr">
+              <a:defRPr/>
+            </a:pPr>
+            <a:endParaRPr lang="en-US"/>
+          </a:p>
+        </p:txBody>
+      </p:sp>
+      <p:sp>
+        <p:nvSpPr>
+          <p:cNvPr id="22" name="Footer Placeholder 4"/>
+          <p:cNvSpPr txBox="1">
+            <a:spLocks/>
+          </p:cNvSpPr>
+          <p:nvPr/>
+        </p:nvSpPr>
+        <p:spPr>
+          <a:xfrm>
+            <a:off x="533400" y="5499100"/>
+            <a:ext cx="5811838" cy="273050"/>
+          </a:xfrm>
+          <a:prstGeom prst="rect">
+            <a:avLst/>
+          </a:prstGeom>
+          <a:ln>
+            <a:noFill/>
+          </a:ln>
+        </p:spPr>
+        <p:txBody>
+          <a:bodyPr/>
+          <a:lstStyle>
+            <a:defPPr>
+              <a:defRPr lang="en-US"/>
+            </a:defPPr>
+            <a:lvl1pPr algn="l" defTabSz="457200" rtl="0" fontAlgn="auto">
+              <a:spcBef>
+                <a:spcPts val="0"/>
+              </a:spcBef>
+              <a:spcAft>
+                <a:spcPts val="0"/>
+              </a:spcAft>
+              <a:defRPr sz="1000" b="1" i="0" kern="1200" dirty="0" smtClean="0">
+                <a:solidFill>
+                  <a:srgbClr val="649840"/>
+                </a:solidFill>
+                <a:effectLst/>
+                <a:latin typeface="+mn-lt"/>
+                <a:ea typeface="+mn-ea"/>
+                <a:cs typeface="+mn-cs"/>
+              </a:defRPr>
+            </a:lvl1pPr>
+            <a:lvl2pPr marL="457200" algn="l" defTabSz="457200" rtl="0" fontAlgn="base">
+              <a:spcBef>
+                <a:spcPct val="0"/>
+              </a:spcBef>
+              <a:spcAft>
+                <a:spcPct val="0"/>
+              </a:spcAft>
+              <a:defRPr kern="1200">
+                <a:solidFill>
+                  <a:schemeClr val="tx1"/>
+                </a:solidFill>
+                <a:latin typeface="Century Gothic" charset="0"/>
+                <a:ea typeface="ＭＳ Ｐゴシック" charset="0"/>
+                <a:cs typeface="ＭＳ Ｐゴシック" charset="0"/>
+              </a:defRPr>
+            </a:lvl2pPr>
+            <a:lvl3pPr marL="914400" algn="l" defTabSz="457200" rtl="0" fontAlgn="base">
+              <a:spcBef>
+                <a:spcPct val="0"/>
+              </a:spcBef>
+              <a:spcAft>
+                <a:spcPct val="0"/>
+              </a:spcAft>
+              <a:defRPr kern="1200">
+                <a:solidFill>
+                  <a:schemeClr val="tx1"/>
+                </a:solidFill>
+                <a:latin typeface="Century Gothic" charset="0"/>
+                <a:ea typeface="ＭＳ Ｐゴシック" charset="0"/>
+                <a:cs typeface="ＭＳ Ｐゴシック" charset="0"/>
+              </a:defRPr>
+            </a:lvl3pPr>
+            <a:lvl4pPr marL="1371600" algn="l" defTabSz="457200" rtl="0" fontAlgn="base">
+              <a:spcBef>
+                <a:spcPct val="0"/>
+              </a:spcBef>
+              <a:spcAft>
+                <a:spcPct val="0"/>
+              </a:spcAft>
+              <a:defRPr kern="1200">
+                <a:solidFill>
+                  <a:schemeClr val="tx1"/>
+                </a:solidFill>
+                <a:latin typeface="Century Gothic" charset="0"/>
+                <a:ea typeface="ＭＳ Ｐゴシック" charset="0"/>
+                <a:cs typeface="ＭＳ Ｐゴシック" charset="0"/>
+              </a:defRPr>
+            </a:lvl4pPr>
+            <a:lvl5pPr marL="1828800" algn="l" defTabSz="457200" rtl="0" fontAlgn="base">
+              <a:spcBef>
+                <a:spcPct val="0"/>
+              </a:spcBef>
+              <a:spcAft>
+                <a:spcPct val="0"/>
+              </a:spcAft>
+              <a:defRPr kern="1200">
+                <a:solidFill>
+                  <a:schemeClr val="tx1"/>
+                </a:solidFill>
+                <a:latin typeface="Century Gothic" charset="0"/>
+                <a:ea typeface="ＭＳ Ｐゴシック" charset="0"/>
+                <a:cs typeface="ＭＳ Ｐゴシック" charset="0"/>
+              </a:defRPr>
+            </a:lvl5pPr>
+            <a:lvl6pPr marL="2286000" algn="l" defTabSz="457200" rtl="0" eaLnBrk="1" latinLnBrk="0" hangingPunct="1">
+              <a:defRPr kern="1200">
+                <a:solidFill>
+                  <a:schemeClr val="tx1"/>
+                </a:solidFill>
+                <a:latin typeface="Century Gothic" charset="0"/>
+                <a:ea typeface="ＭＳ Ｐゴシック" charset="0"/>
+                <a:cs typeface="ＭＳ Ｐゴシック" charset="0"/>
+              </a:defRPr>
+            </a:lvl6pPr>
+            <a:lvl7pPr marL="2743200" algn="l" defTabSz="457200" rtl="0" eaLnBrk="1" latinLnBrk="0" hangingPunct="1">
+              <a:defRPr kern="1200">
+                <a:solidFill>
+                  <a:schemeClr val="tx1"/>
+                </a:solidFill>
+                <a:latin typeface="Century Gothic" charset="0"/>
+                <a:ea typeface="ＭＳ Ｐゴシック" charset="0"/>
+                <a:cs typeface="ＭＳ Ｐゴシック" charset="0"/>
+              </a:defRPr>
+            </a:lvl7pPr>
+            <a:lvl8pPr marL="3200400" algn="l" defTabSz="457200" rtl="0" eaLnBrk="1" latinLnBrk="0" hangingPunct="1">
+              <a:defRPr kern="1200">
+                <a:solidFill>
+                  <a:schemeClr val="tx1"/>
+                </a:solidFill>
+                <a:latin typeface="Century Gothic" charset="0"/>
+                <a:ea typeface="ＭＳ Ｐゴシック" charset="0"/>
+                <a:cs typeface="ＭＳ Ｐゴシック" charset="0"/>
+              </a:defRPr>
+            </a:lvl8pPr>
+            <a:lvl9pPr marL="3657600" algn="l" defTabSz="457200" rtl="0" eaLnBrk="1" latinLnBrk="0" hangingPunct="1">
+              <a:defRPr kern="1200">
+                <a:solidFill>
+                  <a:schemeClr val="tx1"/>
+                </a:solidFill>
+                <a:latin typeface="Century Gothic" charset="0"/>
+                <a:ea typeface="ＭＳ Ｐゴシック" charset="0"/>
+                <a:cs typeface="ＭＳ Ｐゴシック" charset="0"/>
+              </a:defRPr>
+            </a:lvl9pPr>
+          </a:lstStyle>
+          <a:p>
+            <a:pPr defTabSz="914400">
+              <a:defRPr/>
+            </a:pPr>
+            <a:r>
+              <a:rPr lang="en-US" kern="0"/>
+              <a:t>#ITDEVCON  </a:t>
+            </a:r>
+          </a:p>
+        </p:txBody>
+      </p:sp>
+    </p:spTree>
+    <p:extLst>
+      <p:ext uri="{BB962C8B-B14F-4D97-AF65-F5344CB8AC3E}">
+        <p14:creationId xmlns:p14="http://schemas.microsoft.com/office/powerpoint/2010/main" val="1715213315"/>
+      </p:ext>
+    </p:extLst>
+  </p:cSld>
+  <p:clrMapOvr>
+    <a:masterClrMapping/>
+  </p:clrMapOvr>
+  <p:timing>
+    <p:tnLst>
+      <p:par>
+        <p:cTn id="1" dur="indefinite" restart="never" nodeType="tmRoot"/>
+      </p:par>
+    </p:tnLst>
+  </p:timing>
+</p:sld>
+</file>
+
+<file path=ppt/slides/slide34.xml><?xml version="1.0" encoding="utf-8"?>
 <p:sld xmlns:a="http://schemas.openxmlformats.org/drawingml/2006/main" xmlns:r="http://schemas.openxmlformats.org/officeDocument/2006/relationships" xmlns:p="http://schemas.openxmlformats.org/presentationml/2006/main">
   <p:cSld>
     <p:spTree>
@@ -11502,7 +14040,7 @@
 </p:sld>
 </file>
 
-<file path=ppt/slides/slide32.xml><?xml version="1.0" encoding="utf-8"?>
+<file path=ppt/slides/slide35.xml><?xml version="1.0" encoding="utf-8"?>
 <p:sld xmlns:a="http://schemas.openxmlformats.org/drawingml/2006/main" xmlns:r="http://schemas.openxmlformats.org/officeDocument/2006/relationships" xmlns:p="http://schemas.openxmlformats.org/presentationml/2006/main">
   <p:cSld>
     <p:spTree>
@@ -11743,7 +14281,7 @@
 </p:sld>
 </file>
 
-<file path=ppt/slides/slide33.xml><?xml version="1.0" encoding="utf-8"?>
+<file path=ppt/slides/slide36.xml><?xml version="1.0" encoding="utf-8"?>
 <p:sld xmlns:a="http://schemas.openxmlformats.org/drawingml/2006/main" xmlns:r="http://schemas.openxmlformats.org/officeDocument/2006/relationships" xmlns:p="http://schemas.openxmlformats.org/presentationml/2006/main">
   <p:cSld>
     <p:spTree>
@@ -12399,11 +14937,11 @@
   <p:clrMapOvr>
     <a:masterClrMapping/>
   </p:clrMapOvr>
-  <mc:AlternateContent xmlns:mc="http://schemas.openxmlformats.org/markup-compatibility/2006">
-    <mc:Choice xmlns:p14="http://schemas.microsoft.com/office/powerpoint/2010/main" Requires="p14">
+  <mc:AlternateContent xmlns:mc="http://schemas.openxmlformats.org/markup-compatibility/2006" xmlns:p14="http://schemas.microsoft.com/office/powerpoint/2010/main">
+    <mc:Choice Requires="p14">
       <p:transition spd="slow" p14:dur="2000"/>
     </mc:Choice>
-    <mc:Fallback>
+    <mc:Fallback xmlns="">
       <p:transition spd="slow"/>
     </mc:Fallback>
   </mc:AlternateContent>
@@ -12469,7 +15007,7 @@
         </p:nvSpPr>
         <p:spPr/>
         <p:txBody>
-          <a:bodyPr/>
+          <a:bodyPr anchor="t"/>
           <a:lstStyle/>
           <a:p>
             <a:r>
@@ -12479,14 +15017,12 @@
           </a:p>
           <a:p>
             <a:r>
-              <a:rPr lang="en-US" dirty="0" smtClean="0"/>
-              <a:t>Prerequisites</a:t>
-            </a:r>
-          </a:p>
-          <a:p>
-            <a:r>
               <a:rPr lang="en-US" b="1" dirty="0" smtClean="0"/>
-              <a:t>What are Window functions?</a:t>
+              <a:t>What </a:t>
+            </a:r>
+            <a:r>
+              <a:rPr lang="en-US" b="1" dirty="0" smtClean="0"/>
+              <a:t>are Window functions?</a:t>
             </a:r>
           </a:p>
           <a:p>
@@ -12497,14 +15033,18 @@
           </a:p>
           <a:p>
             <a:r>
+              <a:rPr lang="en-US" dirty="0"/>
+              <a:t>Analytic Functions</a:t>
+            </a:r>
+          </a:p>
+          <a:p>
+            <a:r>
               <a:rPr lang="en-US" dirty="0" smtClean="0"/>
-              <a:t>Windowing with the OVER clause</a:t>
-            </a:r>
-          </a:p>
-          <a:p>
+              <a:t>Framing </a:t>
+            </a:r>
             <a:r>
               <a:rPr lang="en-US" dirty="0" smtClean="0"/>
-              <a:t>Framing data</a:t>
+              <a:t>data</a:t>
             </a:r>
           </a:p>
           <a:p>
@@ -12832,7 +15372,7 @@
         </p:nvSpPr>
         <p:spPr>
           <a:xfrm>
-            <a:off x="2743200" y="1828800"/>
+            <a:off x="2819400" y="1828800"/>
             <a:ext cx="3276600" cy="1752600"/>
           </a:xfrm>
           <a:prstGeom prst="rect">
@@ -12963,8 +15503,8 @@
         </p:nvSpPr>
         <p:spPr>
           <a:xfrm>
-            <a:off x="3048000" y="3571875"/>
-            <a:ext cx="3276600" cy="542925"/>
+            <a:off x="2850359" y="3581400"/>
+            <a:ext cx="3290882" cy="533400"/>
           </a:xfrm>
           <a:prstGeom prst="rect">
             <a:avLst/>

--- a/Presentation/TSQL_Windowing.pptx
+++ b/Presentation/TSQL_Windowing.pptx
@@ -9,7 +9,7 @@
     <p:sldMasterId id="2147483682" r:id="rId5"/>
   </p:sldMasterIdLst>
   <p:notesMasterIdLst>
-    <p:notesMasterId r:id="rId42"/>
+    <p:notesMasterId r:id="rId43"/>
   </p:notesMasterIdLst>
   <p:sldIdLst>
     <p:sldId id="256" r:id="rId6"/>
@@ -39,15 +39,16 @@
     <p:sldId id="284" r:id="rId30"/>
     <p:sldId id="291" r:id="rId31"/>
     <p:sldId id="277" r:id="rId32"/>
-    <p:sldId id="293" r:id="rId33"/>
-    <p:sldId id="292" r:id="rId34"/>
-    <p:sldId id="279" r:id="rId35"/>
-    <p:sldId id="294" r:id="rId36"/>
-    <p:sldId id="287" r:id="rId37"/>
-    <p:sldId id="295" r:id="rId38"/>
-    <p:sldId id="260" r:id="rId39"/>
-    <p:sldId id="261" r:id="rId40"/>
-    <p:sldId id="262" r:id="rId41"/>
+    <p:sldId id="298" r:id="rId33"/>
+    <p:sldId id="293" r:id="rId34"/>
+    <p:sldId id="292" r:id="rId35"/>
+    <p:sldId id="279" r:id="rId36"/>
+    <p:sldId id="294" r:id="rId37"/>
+    <p:sldId id="287" r:id="rId38"/>
+    <p:sldId id="295" r:id="rId39"/>
+    <p:sldId id="260" r:id="rId40"/>
+    <p:sldId id="261" r:id="rId41"/>
+    <p:sldId id="262" r:id="rId42"/>
   </p:sldIdLst>
   <p:sldSz cx="9144000" cy="6858000" type="screen4x3"/>
   <p:notesSz cx="6858000" cy="9144000"/>
@@ -9678,11 +9679,7 @@
           <a:p>
             <a:r>
               <a:rPr lang="en-US" dirty="0" smtClean="0"/>
-              <a:t>What </a:t>
-            </a:r>
-            <a:r>
-              <a:rPr lang="en-US" dirty="0" smtClean="0"/>
-              <a:t>are Window functions?</a:t>
+              <a:t>What are Window functions?</a:t>
             </a:r>
           </a:p>
           <a:p>
@@ -9700,11 +9697,7 @@
           <a:p>
             <a:r>
               <a:rPr lang="en-US" dirty="0" smtClean="0"/>
-              <a:t>Framing </a:t>
-            </a:r>
-            <a:r>
-              <a:rPr lang="en-US" dirty="0" smtClean="0"/>
-              <a:t>data</a:t>
+              <a:t>Framing data</a:t>
             </a:r>
           </a:p>
           <a:p>
@@ -10326,11 +10319,7 @@
           <a:p>
             <a:r>
               <a:rPr lang="en-US" dirty="0" smtClean="0"/>
-              <a:t>What </a:t>
-            </a:r>
-            <a:r>
-              <a:rPr lang="en-US" dirty="0" smtClean="0"/>
-              <a:t>are Window functions?</a:t>
+              <a:t>What are Window functions?</a:t>
             </a:r>
           </a:p>
           <a:p>
@@ -10344,7 +10333,6 @@
               <a:rPr lang="en-US" b="1" dirty="0" smtClean="0"/>
               <a:t>Analytic Functions</a:t>
             </a:r>
-            <a:endParaRPr lang="en-US" b="1" dirty="0" smtClean="0"/>
           </a:p>
           <a:p>
             <a:r>
@@ -10443,15 +10431,7 @@
           <a:p>
             <a:r>
               <a:rPr lang="en-US" dirty="0" smtClean="0"/>
-              <a:t>The OVER() clause </a:t>
-            </a:r>
-            <a:r>
-              <a:rPr lang="en-US" dirty="0" smtClean="0"/>
-              <a:t>expanded to </a:t>
-            </a:r>
-            <a:r>
-              <a:rPr lang="en-US" dirty="0" smtClean="0"/>
-              <a:t>Analytic Functions and NEXT VALUE FOR</a:t>
+              <a:t>The OVER() clause expanded to Analytic Functions and NEXT VALUE FOR</a:t>
             </a:r>
           </a:p>
           <a:p>
@@ -10631,11 +10611,7 @@
           <a:p>
             <a:r>
               <a:rPr lang="en-US" dirty="0" smtClean="0"/>
-              <a:t>What </a:t>
-            </a:r>
-            <a:r>
-              <a:rPr lang="en-US" dirty="0" smtClean="0"/>
-              <a:t>are Window functions?</a:t>
+              <a:t>What are Window functions?</a:t>
             </a:r>
           </a:p>
           <a:p>
@@ -10649,7 +10625,6 @@
               <a:rPr lang="en-US" dirty="0" smtClean="0"/>
               <a:t>Analytic Functions</a:t>
             </a:r>
-            <a:endParaRPr lang="en-US" dirty="0" smtClean="0"/>
           </a:p>
           <a:p>
             <a:r>
@@ -10742,34 +10717,41 @@
           <a:p>
             <a:r>
               <a:rPr lang="en-US" dirty="0" smtClean="0"/>
-              <a:t>RANGE and ROWS for specifying the window</a:t>
-            </a:r>
-          </a:p>
-          <a:p>
+              <a:t>RANGE and ROWS for specifying the </a:t>
+            </a:r>
             <a:r>
               <a:rPr lang="en-US" dirty="0" smtClean="0"/>
-              <a:t>First </a:t>
-            </a:r>
-            <a:r>
-              <a:rPr lang="en-US" dirty="0"/>
-              <a:t>Value/Last </a:t>
-            </a:r>
+              <a:t>window</a:t>
+            </a:r>
+          </a:p>
+          <a:p>
             <a:r>
               <a:rPr lang="en-US" dirty="0" smtClean="0"/>
-              <a:t>Value</a:t>
-            </a:r>
+              <a:t>Default – RANGE UNBOUNDED PRECEEDING AND CURRENT ROW</a:t>
+            </a:r>
+            <a:endParaRPr lang="en-US" dirty="0" smtClean="0"/>
           </a:p>
           <a:p>
             <a:r>
               <a:rPr lang="en-US" dirty="0" smtClean="0"/>
-              <a:t>Find the beginning or end of a frame</a:t>
-            </a:r>
-          </a:p>
-          <a:p>
+              <a:t>The </a:t>
+            </a:r>
             <a:r>
               <a:rPr lang="en-US" dirty="0" smtClean="0"/>
-              <a:t>The partition and ordering matter here</a:t>
-            </a:r>
+              <a:t>partition and ordering matter </a:t>
+            </a:r>
+            <a:r>
+              <a:rPr lang="en-US" dirty="0" smtClean="0"/>
+              <a:t>here</a:t>
+            </a:r>
+          </a:p>
+          <a:p>
+            <a:r>
+              <a:rPr lang="en-US" dirty="0" smtClean="0"/>
+              <a:t>Performance is better with ROWS</a:t>
+            </a:r>
+          </a:p>
+          <a:p>
             <a:endParaRPr lang="en-US" dirty="0"/>
           </a:p>
         </p:txBody>
@@ -10813,7 +10795,7 @@
       </p:grpSpPr>
       <p:sp>
         <p:nvSpPr>
-          <p:cNvPr id="4" name="Title 3"/>
+          <p:cNvPr id="2" name="Title 1"/>
           <p:cNvSpPr>
             <a:spLocks noGrp="1"/>
           </p:cNvSpPr>
@@ -10826,10 +10808,9 @@
           <a:bodyPr/>
           <a:lstStyle/>
           <a:p>
-            <a:pPr algn="l"/>
             <a:r>
               <a:rPr lang="en-US" dirty="0" smtClean="0"/>
-              <a:t>Demo</a:t>
+              <a:t>Framing Data</a:t>
             </a:r>
             <a:endParaRPr lang="en-US" dirty="0"/>
           </a:p>
@@ -10837,7 +10818,7 @@
       </p:sp>
       <p:sp>
         <p:nvSpPr>
-          <p:cNvPr id="5" name="Text Placeholder 4"/>
+          <p:cNvPr id="3" name="Content Placeholder 2"/>
           <p:cNvSpPr>
             <a:spLocks noGrp="1"/>
           </p:cNvSpPr>
@@ -10851,9 +10832,21 @@
           <a:lstStyle/>
           <a:p>
             <a:r>
-              <a:rPr lang="en-US" dirty="0" smtClean="0"/>
-              <a:t>Framing Demos</a:t>
-            </a:r>
+              <a:rPr lang="en-US" smtClean="0"/>
+              <a:t>First </a:t>
+            </a:r>
+            <a:r>
+              <a:rPr lang="en-US" dirty="0"/>
+              <a:t>Value/Last Value</a:t>
+            </a:r>
+          </a:p>
+          <a:p>
+            <a:r>
+              <a:rPr lang="en-US" dirty="0"/>
+              <a:t>Find the beginning or end of a frame</a:t>
+            </a:r>
+          </a:p>
+          <a:p>
             <a:endParaRPr lang="en-US" dirty="0"/>
           </a:p>
         </p:txBody>
@@ -10861,7 +10854,7 @@
     </p:spTree>
     <p:extLst>
       <p:ext uri="{BB962C8B-B14F-4D97-AF65-F5344CB8AC3E}">
-        <p14:creationId xmlns:p14="http://schemas.microsoft.com/office/powerpoint/2010/main" val="1988305038"/>
+        <p14:creationId xmlns:p14="http://schemas.microsoft.com/office/powerpoint/2010/main" val="725462555"/>
       </p:ext>
     </p:extLst>
   </p:cSld>
@@ -10897,7 +10890,7 @@
       </p:grpSpPr>
       <p:sp>
         <p:nvSpPr>
-          <p:cNvPr id="2" name="Title 1"/>
+          <p:cNvPr id="4" name="Title 3"/>
           <p:cNvSpPr>
             <a:spLocks noGrp="1"/>
           </p:cNvSpPr>
@@ -10910,9 +10903,10 @@
           <a:bodyPr/>
           <a:lstStyle/>
           <a:p>
+            <a:pPr algn="l"/>
             <a:r>
               <a:rPr lang="en-US" dirty="0" smtClean="0"/>
-              <a:t>Agenda</a:t>
+              <a:t>Demo</a:t>
             </a:r>
             <a:endParaRPr lang="en-US" dirty="0"/>
           </a:p>
@@ -10920,7 +10914,7 @@
       </p:sp>
       <p:sp>
         <p:nvSpPr>
-          <p:cNvPr id="3" name="Content Placeholder 2"/>
+          <p:cNvPr id="5" name="Text Placeholder 4"/>
           <p:cNvSpPr>
             <a:spLocks noGrp="1"/>
           </p:cNvSpPr>
@@ -10935,53 +10929,16 @@
           <a:p>
             <a:r>
               <a:rPr lang="en-US" dirty="0" smtClean="0"/>
-              <a:t>Who Am I?</a:t>
-            </a:r>
-          </a:p>
-          <a:p>
-            <a:r>
-              <a:rPr lang="en-US" dirty="0" smtClean="0"/>
-              <a:t>What </a:t>
-            </a:r>
-            <a:r>
-              <a:rPr lang="en-US" dirty="0" smtClean="0"/>
-              <a:t>are Window functions?</a:t>
-            </a:r>
-          </a:p>
-          <a:p>
-            <a:r>
-              <a:rPr lang="en-US" dirty="0" smtClean="0"/>
-              <a:t>Ranking Functions</a:t>
-            </a:r>
-          </a:p>
-          <a:p>
-            <a:r>
-              <a:rPr lang="en-US" dirty="0"/>
-              <a:t>Analytic Functions</a:t>
-            </a:r>
-          </a:p>
-          <a:p>
-            <a:r>
-              <a:rPr lang="en-US" dirty="0" smtClean="0"/>
-              <a:t>Framing </a:t>
-            </a:r>
-            <a:r>
-              <a:rPr lang="en-US" dirty="0" smtClean="0"/>
-              <a:t>data</a:t>
-            </a:r>
-          </a:p>
-          <a:p>
-            <a:r>
-              <a:rPr lang="en-US" b="1" dirty="0" smtClean="0"/>
-              <a:t>Looking back and peeking forward</a:t>
-            </a:r>
+              <a:t>Framing Demos</a:t>
+            </a:r>
+            <a:endParaRPr lang="en-US" dirty="0"/>
           </a:p>
         </p:txBody>
       </p:sp>
     </p:spTree>
     <p:extLst>
       <p:ext uri="{BB962C8B-B14F-4D97-AF65-F5344CB8AC3E}">
-        <p14:creationId xmlns:p14="http://schemas.microsoft.com/office/powerpoint/2010/main" val="2769536246"/>
+        <p14:creationId xmlns:p14="http://schemas.microsoft.com/office/powerpoint/2010/main" val="1988305038"/>
       </p:ext>
     </p:extLst>
   </p:cSld>
@@ -11093,6 +11050,118 @@
 </file>
 
 <file path=ppt/slides/slide30.xml><?xml version="1.0" encoding="utf-8"?>
+<p:sld xmlns:a="http://schemas.openxmlformats.org/drawingml/2006/main" xmlns:r="http://schemas.openxmlformats.org/officeDocument/2006/relationships" xmlns:p="http://schemas.openxmlformats.org/presentationml/2006/main">
+  <p:cSld>
+    <p:spTree>
+      <p:nvGrpSpPr>
+        <p:cNvPr id="1" name=""/>
+        <p:cNvGrpSpPr/>
+        <p:nvPr/>
+      </p:nvGrpSpPr>
+      <p:grpSpPr>
+        <a:xfrm>
+          <a:off x="0" y="0"/>
+          <a:ext cx="0" cy="0"/>
+          <a:chOff x="0" y="0"/>
+          <a:chExt cx="0" cy="0"/>
+        </a:xfrm>
+      </p:grpSpPr>
+      <p:sp>
+        <p:nvSpPr>
+          <p:cNvPr id="2" name="Title 1"/>
+          <p:cNvSpPr>
+            <a:spLocks noGrp="1"/>
+          </p:cNvSpPr>
+          <p:nvPr>
+            <p:ph type="title"/>
+          </p:nvPr>
+        </p:nvSpPr>
+        <p:spPr/>
+        <p:txBody>
+          <a:bodyPr/>
+          <a:lstStyle/>
+          <a:p>
+            <a:r>
+              <a:rPr lang="en-US" dirty="0" smtClean="0"/>
+              <a:t>Agenda</a:t>
+            </a:r>
+            <a:endParaRPr lang="en-US" dirty="0"/>
+          </a:p>
+        </p:txBody>
+      </p:sp>
+      <p:sp>
+        <p:nvSpPr>
+          <p:cNvPr id="3" name="Content Placeholder 2"/>
+          <p:cNvSpPr>
+            <a:spLocks noGrp="1"/>
+          </p:cNvSpPr>
+          <p:nvPr>
+            <p:ph idx="1"/>
+          </p:nvPr>
+        </p:nvSpPr>
+        <p:spPr/>
+        <p:txBody>
+          <a:bodyPr anchor="t"/>
+          <a:lstStyle/>
+          <a:p>
+            <a:r>
+              <a:rPr lang="en-US" dirty="0" smtClean="0"/>
+              <a:t>Who Am I?</a:t>
+            </a:r>
+          </a:p>
+          <a:p>
+            <a:r>
+              <a:rPr lang="en-US" dirty="0" smtClean="0"/>
+              <a:t>What are Window functions?</a:t>
+            </a:r>
+          </a:p>
+          <a:p>
+            <a:r>
+              <a:rPr lang="en-US" dirty="0" smtClean="0"/>
+              <a:t>Ranking Functions</a:t>
+            </a:r>
+          </a:p>
+          <a:p>
+            <a:r>
+              <a:rPr lang="en-US" dirty="0"/>
+              <a:t>Analytic Functions</a:t>
+            </a:r>
+          </a:p>
+          <a:p>
+            <a:r>
+              <a:rPr lang="en-US" dirty="0" smtClean="0"/>
+              <a:t>Framing data</a:t>
+            </a:r>
+          </a:p>
+          <a:p>
+            <a:r>
+              <a:rPr lang="en-US" b="1" dirty="0" smtClean="0"/>
+              <a:t>Looking back and peeking forward</a:t>
+            </a:r>
+          </a:p>
+        </p:txBody>
+      </p:sp>
+    </p:spTree>
+    <p:extLst>
+      <p:ext uri="{BB962C8B-B14F-4D97-AF65-F5344CB8AC3E}">
+        <p14:creationId xmlns:p14="http://schemas.microsoft.com/office/powerpoint/2010/main" val="2769536246"/>
+      </p:ext>
+    </p:extLst>
+  </p:cSld>
+  <p:clrMapOvr>
+    <a:masterClrMapping/>
+  </p:clrMapOvr>
+  <p:timing>
+    <p:tnLst>
+      <p:par>
+        <p:cTn id="1" dur="indefinite" restart="never" nodeType="tmRoot"/>
+      </p:par>
+    </p:tnLst>
+  </p:timing>
+</p:sld>
+</file>
+
+<file path=ppt/slides/slide31.xml><?xml version="1.0" encoding="utf-8"?>
 <p:sld xmlns:a="http://schemas.openxmlformats.org/drawingml/2006/main" xmlns:r="http://schemas.openxmlformats.org/officeDocument/2006/relationships" xmlns:p="http://schemas.openxmlformats.org/presentationml/2006/main">
   <p:cSld>
     <p:spTree>
@@ -11468,7 +11537,7 @@
 </p:sld>
 </file>
 
-<file path=ppt/slides/slide31.xml><?xml version="1.0" encoding="utf-8"?>
+<file path=ppt/slides/slide32.xml><?xml version="1.0" encoding="utf-8"?>
 <p:sld xmlns:a="http://schemas.openxmlformats.org/drawingml/2006/main" xmlns:r="http://schemas.openxmlformats.org/officeDocument/2006/relationships" xmlns:p="http://schemas.openxmlformats.org/presentationml/2006/main">
   <p:cSld>
     <p:spTree>
@@ -11552,7 +11621,7 @@
 </p:sld>
 </file>
 
-<file path=ppt/slides/slide32.xml><?xml version="1.0" encoding="utf-8"?>
+<file path=ppt/slides/slide33.xml><?xml version="1.0" encoding="utf-8"?>
 <p:sld xmlns:a="http://schemas.openxmlformats.org/drawingml/2006/main" xmlns:r="http://schemas.openxmlformats.org/officeDocument/2006/relationships" xmlns:p="http://schemas.openxmlformats.org/presentationml/2006/main">
   <p:cSld>
     <p:spTree>
@@ -11658,7 +11727,7 @@
 </p:sld>
 </file>
 
-<file path=ppt/slides/slide33.xml><?xml version="1.0" encoding="utf-8"?>
+<file path=ppt/slides/slide34.xml><?xml version="1.0" encoding="utf-8"?>
 <p:sld xmlns:a="http://schemas.openxmlformats.org/drawingml/2006/main" xmlns:r="http://schemas.openxmlformats.org/officeDocument/2006/relationships" xmlns:p="http://schemas.openxmlformats.org/presentationml/2006/main">
   <p:cSld>
     <p:spTree>
@@ -13681,7 +13750,7 @@
 </p:sld>
 </file>
 
-<file path=ppt/slides/slide34.xml><?xml version="1.0" encoding="utf-8"?>
+<file path=ppt/slides/slide35.xml><?xml version="1.0" encoding="utf-8"?>
 <p:sld xmlns:a="http://schemas.openxmlformats.org/drawingml/2006/main" xmlns:r="http://schemas.openxmlformats.org/officeDocument/2006/relationships" xmlns:p="http://schemas.openxmlformats.org/presentationml/2006/main">
   <p:cSld>
     <p:spTree>
@@ -14040,7 +14109,7 @@
 </p:sld>
 </file>
 
-<file path=ppt/slides/slide35.xml><?xml version="1.0" encoding="utf-8"?>
+<file path=ppt/slides/slide36.xml><?xml version="1.0" encoding="utf-8"?>
 <p:sld xmlns:a="http://schemas.openxmlformats.org/drawingml/2006/main" xmlns:r="http://schemas.openxmlformats.org/officeDocument/2006/relationships" xmlns:p="http://schemas.openxmlformats.org/presentationml/2006/main">
   <p:cSld>
     <p:spTree>
@@ -14281,7 +14350,7 @@
 </p:sld>
 </file>
 
-<file path=ppt/slides/slide36.xml><?xml version="1.0" encoding="utf-8"?>
+<file path=ppt/slides/slide37.xml><?xml version="1.0" encoding="utf-8"?>
 <p:sld xmlns:a="http://schemas.openxmlformats.org/drawingml/2006/main" xmlns:r="http://schemas.openxmlformats.org/officeDocument/2006/relationships" xmlns:p="http://schemas.openxmlformats.org/presentationml/2006/main">
   <p:cSld>
     <p:spTree>
@@ -15018,11 +15087,7 @@
           <a:p>
             <a:r>
               <a:rPr lang="en-US" b="1" dirty="0" smtClean="0"/>
-              <a:t>What </a:t>
-            </a:r>
-            <a:r>
-              <a:rPr lang="en-US" b="1" dirty="0" smtClean="0"/>
-              <a:t>are Window functions?</a:t>
+              <a:t>What are Window functions?</a:t>
             </a:r>
           </a:p>
           <a:p>
@@ -15040,11 +15105,7 @@
           <a:p>
             <a:r>
               <a:rPr lang="en-US" dirty="0" smtClean="0"/>
-              <a:t>Framing </a:t>
-            </a:r>
-            <a:r>
-              <a:rPr lang="en-US" dirty="0" smtClean="0"/>
-              <a:t>data</a:t>
+              <a:t>Framing data</a:t>
             </a:r>
           </a:p>
           <a:p>
